--- a/Intelligence Artificielle.pptx
+++ b/Intelligence Artificielle.pptx
@@ -4,9 +4,16 @@
   <p:sldMasterIdLst>
     <p:sldMasterId id="2147483882" r:id="rId1"/>
   </p:sldMasterIdLst>
+  <p:notesMasterIdLst>
+    <p:notesMasterId r:id="rId8"/>
+  </p:notesMasterIdLst>
   <p:sldIdLst>
     <p:sldId id="256" r:id="rId2"/>
     <p:sldId id="257" r:id="rId3"/>
+    <p:sldId id="258" r:id="rId4"/>
+    <p:sldId id="259" r:id="rId5"/>
+    <p:sldId id="260" r:id="rId6"/>
+    <p:sldId id="261" r:id="rId7"/>
   </p:sldIdLst>
   <p:sldSz cx="12192000" cy="6858000"/>
   <p:notesSz cx="6858000" cy="9144000"/>
@@ -105,7 +112,866 @@
       </a:defRPr>
     </a:lvl9pPr>
   </p:defaultTextStyle>
+  <p:extLst>
+    <p:ext uri="{EFAFB233-063F-42B5-8137-9DF3F51BA10A}">
+      <p15:sldGuideLst xmlns:p15="http://schemas.microsoft.com/office/powerpoint/2012/main"/>
+    </p:ext>
+  </p:extLst>
 </p:presentation>
+</file>
+
+<file path=ppt/notesMasters/notesMaster1.xml><?xml version="1.0" encoding="utf-8"?>
+<p:notesMaster xmlns:a="http://schemas.openxmlformats.org/drawingml/2006/main" xmlns:r="http://schemas.openxmlformats.org/officeDocument/2006/relationships" xmlns:p="http://schemas.openxmlformats.org/presentationml/2006/main">
+  <p:cSld>
+    <p:bg>
+      <p:bgRef idx="1001">
+        <a:schemeClr val="bg1"/>
+      </p:bgRef>
+    </p:bg>
+    <p:spTree>
+      <p:nvGrpSpPr>
+        <p:cNvPr id="1" name=""/>
+        <p:cNvGrpSpPr/>
+        <p:nvPr/>
+      </p:nvGrpSpPr>
+      <p:grpSpPr>
+        <a:xfrm>
+          <a:off x="0" y="0"/>
+          <a:ext cx="0" cy="0"/>
+          <a:chOff x="0" y="0"/>
+          <a:chExt cx="0" cy="0"/>
+        </a:xfrm>
+      </p:grpSpPr>
+      <p:sp>
+        <p:nvSpPr>
+          <p:cNvPr id="2" name="Espace réservé de l'en-tête 1"/>
+          <p:cNvSpPr>
+            <a:spLocks noGrp="1"/>
+          </p:cNvSpPr>
+          <p:nvPr>
+            <p:ph type="hdr" sz="quarter"/>
+          </p:nvPr>
+        </p:nvSpPr>
+        <p:spPr>
+          <a:xfrm>
+            <a:off x="0" y="0"/>
+            <a:ext cx="2971800" cy="458788"/>
+          </a:xfrm>
+          <a:prstGeom prst="rect">
+            <a:avLst/>
+          </a:prstGeom>
+        </p:spPr>
+        <p:txBody>
+          <a:bodyPr vert="horz" lIns="91440" tIns="45720" rIns="91440" bIns="45720" rtlCol="0"/>
+          <a:lstStyle>
+            <a:lvl1pPr algn="l">
+              <a:defRPr sz="1200"/>
+            </a:lvl1pPr>
+          </a:lstStyle>
+          <a:p>
+            <a:endParaRPr lang="fr-FR"/>
+          </a:p>
+        </p:txBody>
+      </p:sp>
+      <p:sp>
+        <p:nvSpPr>
+          <p:cNvPr id="3" name="Espace réservé de la date 2"/>
+          <p:cNvSpPr>
+            <a:spLocks noGrp="1"/>
+          </p:cNvSpPr>
+          <p:nvPr>
+            <p:ph type="dt" idx="1"/>
+          </p:nvPr>
+        </p:nvSpPr>
+        <p:spPr>
+          <a:xfrm>
+            <a:off x="3884613" y="0"/>
+            <a:ext cx="2971800" cy="458788"/>
+          </a:xfrm>
+          <a:prstGeom prst="rect">
+            <a:avLst/>
+          </a:prstGeom>
+        </p:spPr>
+        <p:txBody>
+          <a:bodyPr vert="horz" lIns="91440" tIns="45720" rIns="91440" bIns="45720" rtlCol="0"/>
+          <a:lstStyle>
+            <a:lvl1pPr algn="r">
+              <a:defRPr sz="1200"/>
+            </a:lvl1pPr>
+          </a:lstStyle>
+          <a:p>
+            <a:fld id="{33FAC050-3BDB-4AA1-957B-CED8F43E247A}" type="datetimeFigureOut">
+              <a:rPr lang="fr-FR" smtClean="0"/>
+              <a:t>13/12/2016</a:t>
+            </a:fld>
+            <a:endParaRPr lang="fr-FR"/>
+          </a:p>
+        </p:txBody>
+      </p:sp>
+      <p:sp>
+        <p:nvSpPr>
+          <p:cNvPr id="4" name="Espace réservé de l'image des diapositives 3"/>
+          <p:cNvSpPr>
+            <a:spLocks noGrp="1" noRot="1" noChangeAspect="1"/>
+          </p:cNvSpPr>
+          <p:nvPr>
+            <p:ph type="sldImg" idx="2"/>
+          </p:nvPr>
+        </p:nvSpPr>
+        <p:spPr>
+          <a:xfrm>
+            <a:off x="685800" y="1143000"/>
+            <a:ext cx="5486400" cy="3086100"/>
+          </a:xfrm>
+          <a:prstGeom prst="rect">
+            <a:avLst/>
+          </a:prstGeom>
+          <a:noFill/>
+          <a:ln w="12700">
+            <a:solidFill>
+              <a:prstClr val="black"/>
+            </a:solidFill>
+          </a:ln>
+        </p:spPr>
+        <p:txBody>
+          <a:bodyPr vert="horz" lIns="91440" tIns="45720" rIns="91440" bIns="45720" rtlCol="0" anchor="ctr"/>
+          <a:lstStyle/>
+          <a:p>
+            <a:endParaRPr lang="fr-FR"/>
+          </a:p>
+        </p:txBody>
+      </p:sp>
+      <p:sp>
+        <p:nvSpPr>
+          <p:cNvPr id="5" name="Espace réservé des commentaires 4"/>
+          <p:cNvSpPr>
+            <a:spLocks noGrp="1"/>
+          </p:cNvSpPr>
+          <p:nvPr>
+            <p:ph type="body" sz="quarter" idx="3"/>
+          </p:nvPr>
+        </p:nvSpPr>
+        <p:spPr>
+          <a:xfrm>
+            <a:off x="685800" y="4400550"/>
+            <a:ext cx="5486400" cy="3600450"/>
+          </a:xfrm>
+          <a:prstGeom prst="rect">
+            <a:avLst/>
+          </a:prstGeom>
+        </p:spPr>
+        <p:txBody>
+          <a:bodyPr vert="horz" lIns="91440" tIns="45720" rIns="91440" bIns="45720" rtlCol="0"/>
+          <a:lstStyle/>
+          <a:p>
+            <a:pPr lvl="0"/>
+            <a:r>
+              <a:rPr lang="fr-FR" smtClean="0"/>
+              <a:t>Modifiez les styles du texte du masque</a:t>
+            </a:r>
+          </a:p>
+          <a:p>
+            <a:pPr lvl="1"/>
+            <a:r>
+              <a:rPr lang="fr-FR" smtClean="0"/>
+              <a:t>Deuxième niveau</a:t>
+            </a:r>
+          </a:p>
+          <a:p>
+            <a:pPr lvl="2"/>
+            <a:r>
+              <a:rPr lang="fr-FR" smtClean="0"/>
+              <a:t>Troisième niveau</a:t>
+            </a:r>
+          </a:p>
+          <a:p>
+            <a:pPr lvl="3"/>
+            <a:r>
+              <a:rPr lang="fr-FR" smtClean="0"/>
+              <a:t>Quatrième niveau</a:t>
+            </a:r>
+          </a:p>
+          <a:p>
+            <a:pPr lvl="4"/>
+            <a:r>
+              <a:rPr lang="fr-FR" smtClean="0"/>
+              <a:t>Cinquième niveau</a:t>
+            </a:r>
+            <a:endParaRPr lang="fr-FR"/>
+          </a:p>
+        </p:txBody>
+      </p:sp>
+      <p:sp>
+        <p:nvSpPr>
+          <p:cNvPr id="6" name="Espace réservé du pied de page 5"/>
+          <p:cNvSpPr>
+            <a:spLocks noGrp="1"/>
+          </p:cNvSpPr>
+          <p:nvPr>
+            <p:ph type="ftr" sz="quarter" idx="4"/>
+          </p:nvPr>
+        </p:nvSpPr>
+        <p:spPr>
+          <a:xfrm>
+            <a:off x="0" y="8685213"/>
+            <a:ext cx="2971800" cy="458787"/>
+          </a:xfrm>
+          <a:prstGeom prst="rect">
+            <a:avLst/>
+          </a:prstGeom>
+        </p:spPr>
+        <p:txBody>
+          <a:bodyPr vert="horz" lIns="91440" tIns="45720" rIns="91440" bIns="45720" rtlCol="0" anchor="b"/>
+          <a:lstStyle>
+            <a:lvl1pPr algn="l">
+              <a:defRPr sz="1200"/>
+            </a:lvl1pPr>
+          </a:lstStyle>
+          <a:p>
+            <a:endParaRPr lang="fr-FR"/>
+          </a:p>
+        </p:txBody>
+      </p:sp>
+      <p:sp>
+        <p:nvSpPr>
+          <p:cNvPr id="7" name="Espace réservé du numéro de diapositive 6"/>
+          <p:cNvSpPr>
+            <a:spLocks noGrp="1"/>
+          </p:cNvSpPr>
+          <p:nvPr>
+            <p:ph type="sldNum" sz="quarter" idx="5"/>
+          </p:nvPr>
+        </p:nvSpPr>
+        <p:spPr>
+          <a:xfrm>
+            <a:off x="3884613" y="8685213"/>
+            <a:ext cx="2971800" cy="458787"/>
+          </a:xfrm>
+          <a:prstGeom prst="rect">
+            <a:avLst/>
+          </a:prstGeom>
+        </p:spPr>
+        <p:txBody>
+          <a:bodyPr vert="horz" lIns="91440" tIns="45720" rIns="91440" bIns="45720" rtlCol="0" anchor="b"/>
+          <a:lstStyle>
+            <a:lvl1pPr algn="r">
+              <a:defRPr sz="1200"/>
+            </a:lvl1pPr>
+          </a:lstStyle>
+          <a:p>
+            <a:fld id="{D293A685-CFD1-40CA-8682-1AC60D51920D}" type="slidenum">
+              <a:rPr lang="fr-FR" smtClean="0"/>
+              <a:t>‹N°›</a:t>
+            </a:fld>
+            <a:endParaRPr lang="fr-FR"/>
+          </a:p>
+        </p:txBody>
+      </p:sp>
+    </p:spTree>
+    <p:extLst>
+      <p:ext uri="{BB962C8B-B14F-4D97-AF65-F5344CB8AC3E}">
+        <p14:creationId xmlns:p14="http://schemas.microsoft.com/office/powerpoint/2010/main" val="1034643650"/>
+      </p:ext>
+    </p:extLst>
+  </p:cSld>
+  <p:clrMap bg1="lt1" tx1="dk1" bg2="lt2" tx2="dk2" accent1="accent1" accent2="accent2" accent3="accent3" accent4="accent4" accent5="accent5" accent6="accent6" hlink="hlink" folHlink="folHlink"/>
+  <p:notesStyle>
+    <a:lvl1pPr marL="0" algn="l" defTabSz="914400" rtl="0" eaLnBrk="1" latinLnBrk="0" hangingPunct="1">
+      <a:defRPr sz="1200" kern="1200">
+        <a:solidFill>
+          <a:schemeClr val="tx1"/>
+        </a:solidFill>
+        <a:latin typeface="+mn-lt"/>
+        <a:ea typeface="+mn-ea"/>
+        <a:cs typeface="+mn-cs"/>
+      </a:defRPr>
+    </a:lvl1pPr>
+    <a:lvl2pPr marL="457200" algn="l" defTabSz="914400" rtl="0" eaLnBrk="1" latinLnBrk="0" hangingPunct="1">
+      <a:defRPr sz="1200" kern="1200">
+        <a:solidFill>
+          <a:schemeClr val="tx1"/>
+        </a:solidFill>
+        <a:latin typeface="+mn-lt"/>
+        <a:ea typeface="+mn-ea"/>
+        <a:cs typeface="+mn-cs"/>
+      </a:defRPr>
+    </a:lvl2pPr>
+    <a:lvl3pPr marL="914400" algn="l" defTabSz="914400" rtl="0" eaLnBrk="1" latinLnBrk="0" hangingPunct="1">
+      <a:defRPr sz="1200" kern="1200">
+        <a:solidFill>
+          <a:schemeClr val="tx1"/>
+        </a:solidFill>
+        <a:latin typeface="+mn-lt"/>
+        <a:ea typeface="+mn-ea"/>
+        <a:cs typeface="+mn-cs"/>
+      </a:defRPr>
+    </a:lvl3pPr>
+    <a:lvl4pPr marL="1371600" algn="l" defTabSz="914400" rtl="0" eaLnBrk="1" latinLnBrk="0" hangingPunct="1">
+      <a:defRPr sz="1200" kern="1200">
+        <a:solidFill>
+          <a:schemeClr val="tx1"/>
+        </a:solidFill>
+        <a:latin typeface="+mn-lt"/>
+        <a:ea typeface="+mn-ea"/>
+        <a:cs typeface="+mn-cs"/>
+      </a:defRPr>
+    </a:lvl4pPr>
+    <a:lvl5pPr marL="1828800" algn="l" defTabSz="914400" rtl="0" eaLnBrk="1" latinLnBrk="0" hangingPunct="1">
+      <a:defRPr sz="1200" kern="1200">
+        <a:solidFill>
+          <a:schemeClr val="tx1"/>
+        </a:solidFill>
+        <a:latin typeface="+mn-lt"/>
+        <a:ea typeface="+mn-ea"/>
+        <a:cs typeface="+mn-cs"/>
+      </a:defRPr>
+    </a:lvl5pPr>
+    <a:lvl6pPr marL="2286000" algn="l" defTabSz="914400" rtl="0" eaLnBrk="1" latinLnBrk="0" hangingPunct="1">
+      <a:defRPr sz="1200" kern="1200">
+        <a:solidFill>
+          <a:schemeClr val="tx1"/>
+        </a:solidFill>
+        <a:latin typeface="+mn-lt"/>
+        <a:ea typeface="+mn-ea"/>
+        <a:cs typeface="+mn-cs"/>
+      </a:defRPr>
+    </a:lvl6pPr>
+    <a:lvl7pPr marL="2743200" algn="l" defTabSz="914400" rtl="0" eaLnBrk="1" latinLnBrk="0" hangingPunct="1">
+      <a:defRPr sz="1200" kern="1200">
+        <a:solidFill>
+          <a:schemeClr val="tx1"/>
+        </a:solidFill>
+        <a:latin typeface="+mn-lt"/>
+        <a:ea typeface="+mn-ea"/>
+        <a:cs typeface="+mn-cs"/>
+      </a:defRPr>
+    </a:lvl7pPr>
+    <a:lvl8pPr marL="3200400" algn="l" defTabSz="914400" rtl="0" eaLnBrk="1" latinLnBrk="0" hangingPunct="1">
+      <a:defRPr sz="1200" kern="1200">
+        <a:solidFill>
+          <a:schemeClr val="tx1"/>
+        </a:solidFill>
+        <a:latin typeface="+mn-lt"/>
+        <a:ea typeface="+mn-ea"/>
+        <a:cs typeface="+mn-cs"/>
+      </a:defRPr>
+    </a:lvl8pPr>
+    <a:lvl9pPr marL="3657600" algn="l" defTabSz="914400" rtl="0" eaLnBrk="1" latinLnBrk="0" hangingPunct="1">
+      <a:defRPr sz="1200" kern="1200">
+        <a:solidFill>
+          <a:schemeClr val="tx1"/>
+        </a:solidFill>
+        <a:latin typeface="+mn-lt"/>
+        <a:ea typeface="+mn-ea"/>
+        <a:cs typeface="+mn-cs"/>
+      </a:defRPr>
+    </a:lvl9pPr>
+  </p:notesStyle>
+</p:notesMaster>
+</file>
+
+<file path=ppt/notesSlides/notesSlide1.xml><?xml version="1.0" encoding="utf-8"?>
+<p:notes xmlns:a="http://schemas.openxmlformats.org/drawingml/2006/main" xmlns:r="http://schemas.openxmlformats.org/officeDocument/2006/relationships" xmlns:p="http://schemas.openxmlformats.org/presentationml/2006/main">
+  <p:cSld>
+    <p:spTree>
+      <p:nvGrpSpPr>
+        <p:cNvPr id="1" name=""/>
+        <p:cNvGrpSpPr/>
+        <p:nvPr/>
+      </p:nvGrpSpPr>
+      <p:grpSpPr>
+        <a:xfrm>
+          <a:off x="0" y="0"/>
+          <a:ext cx="0" cy="0"/>
+          <a:chOff x="0" y="0"/>
+          <a:chExt cx="0" cy="0"/>
+        </a:xfrm>
+      </p:grpSpPr>
+      <p:sp>
+        <p:nvSpPr>
+          <p:cNvPr id="2" name="Espace réservé de l'image des diapositives 1"/>
+          <p:cNvSpPr>
+            <a:spLocks noGrp="1" noRot="1" noChangeAspect="1"/>
+          </p:cNvSpPr>
+          <p:nvPr>
+            <p:ph type="sldImg"/>
+          </p:nvPr>
+        </p:nvSpPr>
+        <p:spPr/>
+      </p:sp>
+      <p:sp>
+        <p:nvSpPr>
+          <p:cNvPr id="3" name="Espace réservé des commentaires 2"/>
+          <p:cNvSpPr>
+            <a:spLocks noGrp="1"/>
+          </p:cNvSpPr>
+          <p:nvPr>
+            <p:ph type="body" idx="1"/>
+          </p:nvPr>
+        </p:nvSpPr>
+        <p:spPr/>
+        <p:txBody>
+          <a:bodyPr/>
+          <a:lstStyle/>
+          <a:p>
+            <a:endParaRPr lang="fr-FR"/>
+          </a:p>
+        </p:txBody>
+      </p:sp>
+      <p:sp>
+        <p:nvSpPr>
+          <p:cNvPr id="4" name="Espace réservé du numéro de diapositive 3"/>
+          <p:cNvSpPr>
+            <a:spLocks noGrp="1"/>
+          </p:cNvSpPr>
+          <p:nvPr>
+            <p:ph type="sldNum" sz="quarter" idx="10"/>
+          </p:nvPr>
+        </p:nvSpPr>
+        <p:spPr/>
+        <p:txBody>
+          <a:bodyPr/>
+          <a:lstStyle/>
+          <a:p>
+            <a:fld id="{D293A685-CFD1-40CA-8682-1AC60D51920D}" type="slidenum">
+              <a:rPr lang="fr-FR" smtClean="0"/>
+              <a:t>1</a:t>
+            </a:fld>
+            <a:endParaRPr lang="fr-FR"/>
+          </a:p>
+        </p:txBody>
+      </p:sp>
+    </p:spTree>
+    <p:extLst>
+      <p:ext uri="{BB962C8B-B14F-4D97-AF65-F5344CB8AC3E}">
+        <p14:creationId xmlns:p14="http://schemas.microsoft.com/office/powerpoint/2010/main" val="1333566706"/>
+      </p:ext>
+    </p:extLst>
+  </p:cSld>
+  <p:clrMapOvr>
+    <a:masterClrMapping/>
+  </p:clrMapOvr>
+</p:notes>
+</file>
+
+<file path=ppt/notesSlides/notesSlide2.xml><?xml version="1.0" encoding="utf-8"?>
+<p:notes xmlns:a="http://schemas.openxmlformats.org/drawingml/2006/main" xmlns:r="http://schemas.openxmlformats.org/officeDocument/2006/relationships" xmlns:p="http://schemas.openxmlformats.org/presentationml/2006/main">
+  <p:cSld>
+    <p:spTree>
+      <p:nvGrpSpPr>
+        <p:cNvPr id="1" name=""/>
+        <p:cNvGrpSpPr/>
+        <p:nvPr/>
+      </p:nvGrpSpPr>
+      <p:grpSpPr>
+        <a:xfrm>
+          <a:off x="0" y="0"/>
+          <a:ext cx="0" cy="0"/>
+          <a:chOff x="0" y="0"/>
+          <a:chExt cx="0" cy="0"/>
+        </a:xfrm>
+      </p:grpSpPr>
+      <p:sp>
+        <p:nvSpPr>
+          <p:cNvPr id="2" name="Espace réservé de l'image des diapositives 1"/>
+          <p:cNvSpPr>
+            <a:spLocks noGrp="1" noRot="1" noChangeAspect="1"/>
+          </p:cNvSpPr>
+          <p:nvPr>
+            <p:ph type="sldImg"/>
+          </p:nvPr>
+        </p:nvSpPr>
+        <p:spPr/>
+      </p:sp>
+      <p:sp>
+        <p:nvSpPr>
+          <p:cNvPr id="3" name="Espace réservé des commentaires 2"/>
+          <p:cNvSpPr>
+            <a:spLocks noGrp="1"/>
+          </p:cNvSpPr>
+          <p:nvPr>
+            <p:ph type="body" idx="1"/>
+          </p:nvPr>
+        </p:nvSpPr>
+        <p:spPr/>
+        <p:txBody>
+          <a:bodyPr/>
+          <a:lstStyle/>
+          <a:p>
+            <a:endParaRPr lang="fr-FR"/>
+          </a:p>
+        </p:txBody>
+      </p:sp>
+      <p:sp>
+        <p:nvSpPr>
+          <p:cNvPr id="4" name="Espace réservé du numéro de diapositive 3"/>
+          <p:cNvSpPr>
+            <a:spLocks noGrp="1"/>
+          </p:cNvSpPr>
+          <p:nvPr>
+            <p:ph type="sldNum" sz="quarter" idx="10"/>
+          </p:nvPr>
+        </p:nvSpPr>
+        <p:spPr/>
+        <p:txBody>
+          <a:bodyPr/>
+          <a:lstStyle/>
+          <a:p>
+            <a:fld id="{D293A685-CFD1-40CA-8682-1AC60D51920D}" type="slidenum">
+              <a:rPr lang="fr-FR" smtClean="0"/>
+              <a:t>2</a:t>
+            </a:fld>
+            <a:endParaRPr lang="fr-FR"/>
+          </a:p>
+        </p:txBody>
+      </p:sp>
+    </p:spTree>
+    <p:extLst>
+      <p:ext uri="{BB962C8B-B14F-4D97-AF65-F5344CB8AC3E}">
+        <p14:creationId xmlns:p14="http://schemas.microsoft.com/office/powerpoint/2010/main" val="2944845163"/>
+      </p:ext>
+    </p:extLst>
+  </p:cSld>
+  <p:clrMapOvr>
+    <a:masterClrMapping/>
+  </p:clrMapOvr>
+</p:notes>
+</file>
+
+<file path=ppt/notesSlides/notesSlide3.xml><?xml version="1.0" encoding="utf-8"?>
+<p:notes xmlns:a="http://schemas.openxmlformats.org/drawingml/2006/main" xmlns:r="http://schemas.openxmlformats.org/officeDocument/2006/relationships" xmlns:p="http://schemas.openxmlformats.org/presentationml/2006/main">
+  <p:cSld>
+    <p:spTree>
+      <p:nvGrpSpPr>
+        <p:cNvPr id="1" name=""/>
+        <p:cNvGrpSpPr/>
+        <p:nvPr/>
+      </p:nvGrpSpPr>
+      <p:grpSpPr>
+        <a:xfrm>
+          <a:off x="0" y="0"/>
+          <a:ext cx="0" cy="0"/>
+          <a:chOff x="0" y="0"/>
+          <a:chExt cx="0" cy="0"/>
+        </a:xfrm>
+      </p:grpSpPr>
+      <p:sp>
+        <p:nvSpPr>
+          <p:cNvPr id="2" name="Espace réservé de l'image des diapositives 1"/>
+          <p:cNvSpPr>
+            <a:spLocks noGrp="1" noRot="1" noChangeAspect="1"/>
+          </p:cNvSpPr>
+          <p:nvPr>
+            <p:ph type="sldImg"/>
+          </p:nvPr>
+        </p:nvSpPr>
+        <p:spPr/>
+      </p:sp>
+      <p:sp>
+        <p:nvSpPr>
+          <p:cNvPr id="3" name="Espace réservé des commentaires 2"/>
+          <p:cNvSpPr>
+            <a:spLocks noGrp="1"/>
+          </p:cNvSpPr>
+          <p:nvPr>
+            <p:ph type="body" idx="1"/>
+          </p:nvPr>
+        </p:nvSpPr>
+        <p:spPr/>
+        <p:txBody>
+          <a:bodyPr/>
+          <a:lstStyle/>
+          <a:p>
+            <a:endParaRPr lang="fr-FR"/>
+          </a:p>
+        </p:txBody>
+      </p:sp>
+      <p:sp>
+        <p:nvSpPr>
+          <p:cNvPr id="4" name="Espace réservé du numéro de diapositive 3"/>
+          <p:cNvSpPr>
+            <a:spLocks noGrp="1"/>
+          </p:cNvSpPr>
+          <p:nvPr>
+            <p:ph type="sldNum" sz="quarter" idx="10"/>
+          </p:nvPr>
+        </p:nvSpPr>
+        <p:spPr/>
+        <p:txBody>
+          <a:bodyPr/>
+          <a:lstStyle/>
+          <a:p>
+            <a:fld id="{D293A685-CFD1-40CA-8682-1AC60D51920D}" type="slidenum">
+              <a:rPr lang="fr-FR" smtClean="0"/>
+              <a:t>3</a:t>
+            </a:fld>
+            <a:endParaRPr lang="fr-FR"/>
+          </a:p>
+        </p:txBody>
+      </p:sp>
+    </p:spTree>
+    <p:extLst>
+      <p:ext uri="{BB962C8B-B14F-4D97-AF65-F5344CB8AC3E}">
+        <p14:creationId xmlns:p14="http://schemas.microsoft.com/office/powerpoint/2010/main" val="2762742628"/>
+      </p:ext>
+    </p:extLst>
+  </p:cSld>
+  <p:clrMapOvr>
+    <a:masterClrMapping/>
+  </p:clrMapOvr>
+</p:notes>
+</file>
+
+<file path=ppt/notesSlides/notesSlide4.xml><?xml version="1.0" encoding="utf-8"?>
+<p:notes xmlns:a="http://schemas.openxmlformats.org/drawingml/2006/main" xmlns:r="http://schemas.openxmlformats.org/officeDocument/2006/relationships" xmlns:p="http://schemas.openxmlformats.org/presentationml/2006/main">
+  <p:cSld>
+    <p:spTree>
+      <p:nvGrpSpPr>
+        <p:cNvPr id="1" name=""/>
+        <p:cNvGrpSpPr/>
+        <p:nvPr/>
+      </p:nvGrpSpPr>
+      <p:grpSpPr>
+        <a:xfrm>
+          <a:off x="0" y="0"/>
+          <a:ext cx="0" cy="0"/>
+          <a:chOff x="0" y="0"/>
+          <a:chExt cx="0" cy="0"/>
+        </a:xfrm>
+      </p:grpSpPr>
+      <p:sp>
+        <p:nvSpPr>
+          <p:cNvPr id="2" name="Espace réservé de l'image des diapositives 1"/>
+          <p:cNvSpPr>
+            <a:spLocks noGrp="1" noRot="1" noChangeAspect="1"/>
+          </p:cNvSpPr>
+          <p:nvPr>
+            <p:ph type="sldImg"/>
+          </p:nvPr>
+        </p:nvSpPr>
+        <p:spPr/>
+      </p:sp>
+      <p:sp>
+        <p:nvSpPr>
+          <p:cNvPr id="3" name="Espace réservé des commentaires 2"/>
+          <p:cNvSpPr>
+            <a:spLocks noGrp="1"/>
+          </p:cNvSpPr>
+          <p:nvPr>
+            <p:ph type="body" idx="1"/>
+          </p:nvPr>
+        </p:nvSpPr>
+        <p:spPr/>
+        <p:txBody>
+          <a:bodyPr/>
+          <a:lstStyle/>
+          <a:p>
+            <a:endParaRPr lang="fr-FR"/>
+          </a:p>
+        </p:txBody>
+      </p:sp>
+      <p:sp>
+        <p:nvSpPr>
+          <p:cNvPr id="4" name="Espace réservé du numéro de diapositive 3"/>
+          <p:cNvSpPr>
+            <a:spLocks noGrp="1"/>
+          </p:cNvSpPr>
+          <p:nvPr>
+            <p:ph type="sldNum" sz="quarter" idx="10"/>
+          </p:nvPr>
+        </p:nvSpPr>
+        <p:spPr/>
+        <p:txBody>
+          <a:bodyPr/>
+          <a:lstStyle/>
+          <a:p>
+            <a:fld id="{D293A685-CFD1-40CA-8682-1AC60D51920D}" type="slidenum">
+              <a:rPr lang="fr-FR" smtClean="0"/>
+              <a:t>4</a:t>
+            </a:fld>
+            <a:endParaRPr lang="fr-FR"/>
+          </a:p>
+        </p:txBody>
+      </p:sp>
+    </p:spTree>
+    <p:extLst>
+      <p:ext uri="{BB962C8B-B14F-4D97-AF65-F5344CB8AC3E}">
+        <p14:creationId xmlns:p14="http://schemas.microsoft.com/office/powerpoint/2010/main" val="1965911719"/>
+      </p:ext>
+    </p:extLst>
+  </p:cSld>
+  <p:clrMapOvr>
+    <a:masterClrMapping/>
+  </p:clrMapOvr>
+</p:notes>
+</file>
+
+<file path=ppt/notesSlides/notesSlide5.xml><?xml version="1.0" encoding="utf-8"?>
+<p:notes xmlns:a="http://schemas.openxmlformats.org/drawingml/2006/main" xmlns:r="http://schemas.openxmlformats.org/officeDocument/2006/relationships" xmlns:p="http://schemas.openxmlformats.org/presentationml/2006/main">
+  <p:cSld>
+    <p:spTree>
+      <p:nvGrpSpPr>
+        <p:cNvPr id="1" name=""/>
+        <p:cNvGrpSpPr/>
+        <p:nvPr/>
+      </p:nvGrpSpPr>
+      <p:grpSpPr>
+        <a:xfrm>
+          <a:off x="0" y="0"/>
+          <a:ext cx="0" cy="0"/>
+          <a:chOff x="0" y="0"/>
+          <a:chExt cx="0" cy="0"/>
+        </a:xfrm>
+      </p:grpSpPr>
+      <p:sp>
+        <p:nvSpPr>
+          <p:cNvPr id="2" name="Espace réservé de l'image des diapositives 1"/>
+          <p:cNvSpPr>
+            <a:spLocks noGrp="1" noRot="1" noChangeAspect="1"/>
+          </p:cNvSpPr>
+          <p:nvPr>
+            <p:ph type="sldImg"/>
+          </p:nvPr>
+        </p:nvSpPr>
+        <p:spPr/>
+      </p:sp>
+      <p:sp>
+        <p:nvSpPr>
+          <p:cNvPr id="3" name="Espace réservé des commentaires 2"/>
+          <p:cNvSpPr>
+            <a:spLocks noGrp="1"/>
+          </p:cNvSpPr>
+          <p:nvPr>
+            <p:ph type="body" idx="1"/>
+          </p:nvPr>
+        </p:nvSpPr>
+        <p:spPr/>
+        <p:txBody>
+          <a:bodyPr/>
+          <a:lstStyle/>
+          <a:p>
+            <a:endParaRPr lang="fr-FR"/>
+          </a:p>
+        </p:txBody>
+      </p:sp>
+      <p:sp>
+        <p:nvSpPr>
+          <p:cNvPr id="4" name="Espace réservé du numéro de diapositive 3"/>
+          <p:cNvSpPr>
+            <a:spLocks noGrp="1"/>
+          </p:cNvSpPr>
+          <p:nvPr>
+            <p:ph type="sldNum" sz="quarter" idx="10"/>
+          </p:nvPr>
+        </p:nvSpPr>
+        <p:spPr/>
+        <p:txBody>
+          <a:bodyPr/>
+          <a:lstStyle/>
+          <a:p>
+            <a:fld id="{D293A685-CFD1-40CA-8682-1AC60D51920D}" type="slidenum">
+              <a:rPr lang="fr-FR" smtClean="0"/>
+              <a:t>5</a:t>
+            </a:fld>
+            <a:endParaRPr lang="fr-FR"/>
+          </a:p>
+        </p:txBody>
+      </p:sp>
+    </p:spTree>
+    <p:extLst>
+      <p:ext uri="{BB962C8B-B14F-4D97-AF65-F5344CB8AC3E}">
+        <p14:creationId xmlns:p14="http://schemas.microsoft.com/office/powerpoint/2010/main" val="520697201"/>
+      </p:ext>
+    </p:extLst>
+  </p:cSld>
+  <p:clrMapOvr>
+    <a:masterClrMapping/>
+  </p:clrMapOvr>
+</p:notes>
+</file>
+
+<file path=ppt/notesSlides/notesSlide6.xml><?xml version="1.0" encoding="utf-8"?>
+<p:notes xmlns:a="http://schemas.openxmlformats.org/drawingml/2006/main" xmlns:r="http://schemas.openxmlformats.org/officeDocument/2006/relationships" xmlns:p="http://schemas.openxmlformats.org/presentationml/2006/main">
+  <p:cSld>
+    <p:spTree>
+      <p:nvGrpSpPr>
+        <p:cNvPr id="1" name=""/>
+        <p:cNvGrpSpPr/>
+        <p:nvPr/>
+      </p:nvGrpSpPr>
+      <p:grpSpPr>
+        <a:xfrm>
+          <a:off x="0" y="0"/>
+          <a:ext cx="0" cy="0"/>
+          <a:chOff x="0" y="0"/>
+          <a:chExt cx="0" cy="0"/>
+        </a:xfrm>
+      </p:grpSpPr>
+      <p:sp>
+        <p:nvSpPr>
+          <p:cNvPr id="2" name="Espace réservé de l'image des diapositives 1"/>
+          <p:cNvSpPr>
+            <a:spLocks noGrp="1" noRot="1" noChangeAspect="1"/>
+          </p:cNvSpPr>
+          <p:nvPr>
+            <p:ph type="sldImg"/>
+          </p:nvPr>
+        </p:nvSpPr>
+        <p:spPr/>
+      </p:sp>
+      <p:sp>
+        <p:nvSpPr>
+          <p:cNvPr id="3" name="Espace réservé des commentaires 2"/>
+          <p:cNvSpPr>
+            <a:spLocks noGrp="1"/>
+          </p:cNvSpPr>
+          <p:nvPr>
+            <p:ph type="body" idx="1"/>
+          </p:nvPr>
+        </p:nvSpPr>
+        <p:spPr/>
+        <p:txBody>
+          <a:bodyPr/>
+          <a:lstStyle/>
+          <a:p>
+            <a:endParaRPr lang="fr-FR"/>
+          </a:p>
+        </p:txBody>
+      </p:sp>
+      <p:sp>
+        <p:nvSpPr>
+          <p:cNvPr id="4" name="Espace réservé du numéro de diapositive 3"/>
+          <p:cNvSpPr>
+            <a:spLocks noGrp="1"/>
+          </p:cNvSpPr>
+          <p:nvPr>
+            <p:ph type="sldNum" sz="quarter" idx="10"/>
+          </p:nvPr>
+        </p:nvSpPr>
+        <p:spPr/>
+        <p:txBody>
+          <a:bodyPr/>
+          <a:lstStyle/>
+          <a:p>
+            <a:fld id="{D293A685-CFD1-40CA-8682-1AC60D51920D}" type="slidenum">
+              <a:rPr lang="fr-FR" smtClean="0"/>
+              <a:t>6</a:t>
+            </a:fld>
+            <a:endParaRPr lang="fr-FR"/>
+          </a:p>
+        </p:txBody>
+      </p:sp>
+    </p:spTree>
+    <p:extLst>
+      <p:ext uri="{BB962C8B-B14F-4D97-AF65-F5344CB8AC3E}">
+        <p14:creationId xmlns:p14="http://schemas.microsoft.com/office/powerpoint/2010/main" val="802950890"/>
+      </p:ext>
+    </p:extLst>
+  </p:cSld>
+  <p:clrMapOvr>
+    <a:masterClrMapping/>
+  </p:clrMapOvr>
+</p:notes>
 </file>
 
 <file path=ppt/slideLayouts/slideLayout1.xml><?xml version="1.0" encoding="utf-8"?>
@@ -380,9 +1246,8 @@
           <a:bodyPr/>
           <a:lstStyle/>
           <a:p>
-            <a:fld id="{5586B75A-687E-405C-8A0B-8D00578BA2C3}" type="datetimeFigureOut">
+            <a:fld id="{D9ACA6F4-D998-4025-BF16-D4ECB040E119}" type="datetime1">
               <a:rPr lang="en-US" smtClean="0"/>
-              <a:pPr/>
               <a:t>12/13/2016</a:t>
             </a:fld>
             <a:endParaRPr lang="en-US" dirty="0"/>
@@ -796,9 +1661,8 @@
           <a:bodyPr/>
           <a:lstStyle/>
           <a:p>
-            <a:fld id="{5586B75A-687E-405C-8A0B-8D00578BA2C3}" type="datetimeFigureOut">
+            <a:fld id="{DBBF6A4A-C704-41B6-B861-3D848C46FEAB}" type="datetime1">
               <a:rPr lang="en-US" smtClean="0"/>
-              <a:pPr/>
               <a:t>12/13/2016</a:t>
             </a:fld>
             <a:endParaRPr lang="en-US" dirty="0"/>
@@ -863,7 +1727,6 @@
   <p:clrMapOvr>
     <a:masterClrMapping/>
   </p:clrMapOvr>
-  <p:hf sldNum="0" hdr="0" ftr="0" dt="0"/>
 </p:sldLayout>
 </file>
 
@@ -1135,9 +1998,8 @@
           <a:bodyPr/>
           <a:lstStyle/>
           <a:p>
-            <a:fld id="{5586B75A-687E-405C-8A0B-8D00578BA2C3}" type="datetimeFigureOut">
+            <a:fld id="{658B1E01-F72B-4390-AC5A-9A783727B80B}" type="datetime1">
               <a:rPr lang="en-US" smtClean="0"/>
-              <a:pPr/>
               <a:t>12/13/2016</a:t>
             </a:fld>
             <a:endParaRPr lang="en-US" dirty="0"/>
@@ -1202,7 +2064,6 @@
   <p:clrMapOvr>
     <a:masterClrMapping/>
   </p:clrMapOvr>
-  <p:hf sldNum="0" hdr="0" ftr="0" dt="0"/>
 </p:sldLayout>
 </file>
 
@@ -1543,9 +2404,8 @@
           <a:bodyPr/>
           <a:lstStyle/>
           <a:p>
-            <a:fld id="{5586B75A-687E-405C-8A0B-8D00578BA2C3}" type="datetimeFigureOut">
+            <a:fld id="{FB7A1B12-8096-4890-8C93-79AB6C39671B}" type="datetime1">
               <a:rPr lang="en-US" smtClean="0"/>
-              <a:pPr/>
               <a:t>12/13/2016</a:t>
             </a:fld>
             <a:endParaRPr lang="en-US" dirty="0"/>
@@ -1842,7 +2702,6 @@
   <p:clrMapOvr>
     <a:masterClrMapping/>
   </p:clrMapOvr>
-  <p:hf sldNum="0" hdr="0" ftr="0" dt="0"/>
 </p:sldLayout>
 </file>
 
@@ -2114,9 +2973,8 @@
           <a:bodyPr/>
           <a:lstStyle/>
           <a:p>
-            <a:fld id="{5586B75A-687E-405C-8A0B-8D00578BA2C3}" type="datetimeFigureOut">
+            <a:fld id="{0383199F-0B2E-4743-8F28-883D136A751F}" type="datetime1">
               <a:rPr lang="en-US" smtClean="0"/>
-              <a:pPr/>
               <a:t>12/13/2016</a:t>
             </a:fld>
             <a:endParaRPr lang="en-US" dirty="0"/>
@@ -2181,7 +3039,6 @@
   <p:clrMapOvr>
     <a:masterClrMapping/>
   </p:clrMapOvr>
-  <p:hf sldNum="0" hdr="0" ftr="0" dt="0"/>
 </p:sldLayout>
 </file>
 
@@ -2798,9 +3655,8 @@
           <a:bodyPr/>
           <a:lstStyle/>
           <a:p>
-            <a:fld id="{5586B75A-687E-405C-8A0B-8D00578BA2C3}" type="datetimeFigureOut">
+            <a:fld id="{60E3D373-FDC1-4369-AD71-C38C13745779}" type="datetime1">
               <a:rPr lang="en-US" smtClean="0"/>
-              <a:pPr/>
               <a:t>12/13/2016</a:t>
             </a:fld>
             <a:endParaRPr lang="en-US" dirty="0"/>
@@ -2860,7 +3716,6 @@
   <p:clrMapOvr>
     <a:masterClrMapping/>
   </p:clrMapOvr>
-  <p:hf sldNum="0" hdr="0" ftr="0" dt="0"/>
 </p:sldLayout>
 </file>
 
@@ -3714,9 +4569,8 @@
           <a:bodyPr/>
           <a:lstStyle/>
           <a:p>
-            <a:fld id="{5586B75A-687E-405C-8A0B-8D00578BA2C3}" type="datetimeFigureOut">
+            <a:fld id="{0DC6BDB9-BEAA-4A85-BD53-DA57B32B72E3}" type="datetime1">
               <a:rPr lang="en-US" smtClean="0"/>
-              <a:pPr/>
               <a:t>12/13/2016</a:t>
             </a:fld>
             <a:endParaRPr lang="en-US" dirty="0"/>
@@ -3776,7 +4630,6 @@
   <p:clrMapOvr>
     <a:masterClrMapping/>
   </p:clrMapOvr>
-  <p:hf sldNum="0" hdr="0" ftr="0" dt="0"/>
 </p:sldLayout>
 </file>
 
@@ -4030,7 +4883,7 @@
           <a:bodyPr/>
           <a:lstStyle/>
           <a:p>
-            <a:fld id="{5F4E5243-F52A-4D37-9694-EB26C6C31910}" type="datetimeFigureOut">
+            <a:fld id="{8F468D71-02C3-4961-932D-F6B39F8723F8}" type="datetime1">
               <a:rPr lang="en-US" smtClean="0"/>
               <a:t>12/13/2016</a:t>
             </a:fld>
@@ -4294,7 +5147,7 @@
           <a:bodyPr/>
           <a:lstStyle/>
           <a:p>
-            <a:fld id="{3A77B6E1-634A-48DC-9E8B-D894023267EF}" type="datetimeFigureOut">
+            <a:fld id="{7198E5F4-9137-4D4A-AE94-AE4EB90AD168}" type="datetime1">
               <a:rPr lang="en-US" smtClean="0"/>
               <a:t>12/13/2016</a:t>
             </a:fld>
@@ -4617,7 +5470,7 @@
           <a:bodyPr/>
           <a:lstStyle/>
           <a:p>
-            <a:fld id="{7B2D3E9E-A95C-48F2-B4BF-A71542E0BE9A}" type="datetimeFigureOut">
+            <a:fld id="{567B994B-AF31-4F35-AB66-7AABC0E52F19}" type="datetime1">
               <a:rPr lang="en-US" smtClean="0"/>
               <a:t>12/13/2016</a:t>
             </a:fld>
@@ -5006,9 +5859,8 @@
           <a:bodyPr/>
           <a:lstStyle/>
           <a:p>
-            <a:fld id="{5586B75A-687E-405C-8A0B-8D00578BA2C3}" type="datetimeFigureOut">
+            <a:fld id="{FFA01BCF-22CC-4632-8B36-9776D938308B}" type="datetime1">
               <a:rPr lang="en-US" smtClean="0"/>
-              <a:pPr/>
               <a:t>12/13/2016</a:t>
             </a:fld>
             <a:endParaRPr lang="en-US" dirty="0"/>
@@ -5384,7 +6236,7 @@
           <a:bodyPr/>
           <a:lstStyle/>
           <a:p>
-            <a:fld id="{F12952B5-7A2F-4CC8-B7CE-9234E21C2837}" type="datetimeFigureOut">
+            <a:fld id="{CAAD2410-185C-4D90-B06A-EEB6E1C7E043}" type="datetime1">
               <a:rPr lang="en-US" smtClean="0"/>
               <a:t>12/13/2016</a:t>
             </a:fld>
@@ -5890,7 +6742,7 @@
           <a:bodyPr/>
           <a:lstStyle/>
           <a:p>
-            <a:fld id="{CE1DA07A-9201-4B4B-BAF2-015AFA30F520}" type="datetimeFigureOut">
+            <a:fld id="{625CEEE4-88CD-4A51-860B-218FA53FEE8C}" type="datetime1">
               <a:rPr lang="en-US" smtClean="0"/>
               <a:t>12/13/2016</a:t>
             </a:fld>
@@ -6147,7 +6999,7 @@
           <a:bodyPr/>
           <a:lstStyle/>
           <a:p>
-            <a:fld id="{73D7E00A-486F-4252-8B1D-E32645521F49}" type="datetimeFigureOut">
+            <a:fld id="{82F26F3D-F565-4BB6-8318-6F91F9823D0C}" type="datetime1">
               <a:rPr lang="en-US" smtClean="0"/>
               <a:t>12/13/2016</a:t>
             </a:fld>
@@ -6310,7 +7162,7 @@
           <a:bodyPr/>
           <a:lstStyle/>
           <a:p>
-            <a:fld id="{8DDF5F92-E675-4B36-9A60-69A962A68675}" type="datetimeFigureOut">
+            <a:fld id="{5370B46F-DA69-477D-BB02-CECB73810AC8}" type="datetime1">
               <a:rPr lang="en-US" smtClean="0"/>
               <a:t>12/13/2016</a:t>
             </a:fld>
@@ -6700,7 +7552,7 @@
           <a:bodyPr/>
           <a:lstStyle/>
           <a:p>
-            <a:fld id="{AF6E2C9B-5FA2-460D-9BE7-B0812FC2A6FF}" type="datetimeFigureOut">
+            <a:fld id="{D169BAF1-2848-47B2-BB67-BD3D7AC38A98}" type="datetime1">
               <a:rPr lang="en-US" smtClean="0"/>
               <a:t>12/13/2016</a:t>
             </a:fld>
@@ -7110,9 +7962,8 @@
           <a:bodyPr/>
           <a:lstStyle/>
           <a:p>
-            <a:fld id="{5586B75A-687E-405C-8A0B-8D00578BA2C3}" type="datetimeFigureOut">
+            <a:fld id="{4BB6DE48-F79F-4161-A3B9-58644F99E052}" type="datetime1">
               <a:rPr lang="en-US" smtClean="0"/>
-              <a:pPr/>
               <a:t>12/13/2016</a:t>
             </a:fld>
             <a:endParaRPr lang="en-US" dirty="0"/>
@@ -7356,9 +8207,8 @@
             </a:lvl1pPr>
           </a:lstStyle>
           <a:p>
-            <a:fld id="{5586B75A-687E-405C-8A0B-8D00578BA2C3}" type="datetimeFigureOut">
+            <a:fld id="{BCB17C97-FDD0-4624-A78E-29F1042236F0}" type="datetime1">
               <a:rPr lang="en-US" smtClean="0"/>
-              <a:pPr/>
               <a:t>12/13/2016</a:t>
             </a:fld>
             <a:endParaRPr lang="en-US" dirty="0"/>
@@ -7839,6 +8689,35 @@
           </a:p>
         </p:txBody>
       </p:sp>
+      <p:pic>
+        <p:nvPicPr>
+          <p:cNvPr id="4" name="Image 3"/>
+          <p:cNvPicPr>
+            <a:picLocks noChangeAspect="1"/>
+          </p:cNvPicPr>
+          <p:nvPr/>
+        </p:nvPicPr>
+        <p:blipFill rotWithShape="1">
+          <a:blip r:embed="rId3">
+            <a:extLst>
+              <a:ext uri="{28A0092B-C50C-407E-A947-70E740481C1C}">
+                <a14:useLocalDpi xmlns:a14="http://schemas.microsoft.com/office/drawing/2010/main" val="0"/>
+              </a:ext>
+            </a:extLst>
+          </a:blip>
+          <a:srcRect l="4679" t="30129" r="3287" b="36968"/>
+          <a:stretch/>
+        </p:blipFill>
+        <p:spPr>
+          <a:xfrm>
+            <a:off x="9106678" y="2733709"/>
+            <a:ext cx="3085322" cy="779807"/>
+          </a:xfrm>
+          <a:prstGeom prst="rect">
+            <a:avLst/>
+          </a:prstGeom>
+        </p:spPr>
+      </p:pic>
     </p:spTree>
     <p:extLst>
       <p:ext uri="{BB962C8B-B14F-4D97-AF65-F5344CB8AC3E}">
@@ -7891,7 +8770,11 @@
           <a:bodyPr/>
           <a:lstStyle/>
           <a:p>
-            <a:endParaRPr lang="fr-FR"/>
+            <a:r>
+              <a:rPr lang="fr-FR" dirty="0" smtClean="0"/>
+              <a:t>Sommaire</a:t>
+            </a:r>
+            <a:endParaRPr lang="fr-FR" dirty="0"/>
           </a:p>
         </p:txBody>
       </p:sp>
@@ -7910,7 +8793,70 @@
           <a:bodyPr/>
           <a:lstStyle/>
           <a:p>
-            <a:endParaRPr lang="fr-FR"/>
+            <a:pPr>
+              <a:buFont typeface="Wingdings" panose="05000000000000000000" pitchFamily="2" charset="2"/>
+              <a:buChar char="§"/>
+            </a:pPr>
+            <a:r>
+              <a:rPr lang="fr-FR" dirty="0" smtClean="0"/>
+              <a:t>I) Introduction</a:t>
+            </a:r>
+          </a:p>
+          <a:p>
+            <a:pPr>
+              <a:buFont typeface="Wingdings" panose="05000000000000000000" pitchFamily="2" charset="2"/>
+              <a:buChar char="§"/>
+            </a:pPr>
+            <a:r>
+              <a:rPr lang="fr-FR" dirty="0" smtClean="0"/>
+              <a:t>II) Algorithme ABC</a:t>
+            </a:r>
+            <a:endParaRPr lang="fr-FR" dirty="0" smtClean="0"/>
+          </a:p>
+          <a:p>
+            <a:pPr>
+              <a:buFont typeface="Wingdings" panose="05000000000000000000" pitchFamily="2" charset="2"/>
+              <a:buChar char="§"/>
+            </a:pPr>
+            <a:r>
+              <a:rPr lang="fr-FR" dirty="0" smtClean="0"/>
+              <a:t>III) Répartition des tâches</a:t>
+            </a:r>
+            <a:endParaRPr lang="fr-FR" dirty="0" smtClean="0"/>
+          </a:p>
+          <a:p>
+            <a:pPr>
+              <a:buFont typeface="Wingdings" panose="05000000000000000000" pitchFamily="2" charset="2"/>
+              <a:buChar char="§"/>
+            </a:pPr>
+            <a:r>
+              <a:rPr lang="fr-FR" dirty="0" smtClean="0"/>
+              <a:t>IV) Conclusion</a:t>
+            </a:r>
+            <a:endParaRPr lang="fr-FR" dirty="0"/>
+          </a:p>
+        </p:txBody>
+      </p:sp>
+      <p:sp>
+        <p:nvSpPr>
+          <p:cNvPr id="5" name="Espace réservé du numéro de diapositive 4"/>
+          <p:cNvSpPr>
+            <a:spLocks noGrp="1"/>
+          </p:cNvSpPr>
+          <p:nvPr>
+            <p:ph type="sldNum" sz="quarter" idx="12"/>
+          </p:nvPr>
+        </p:nvSpPr>
+        <p:spPr/>
+        <p:txBody>
+          <a:bodyPr/>
+          <a:lstStyle/>
+          <a:p>
+            <a:fld id="{4FAB73BC-B049-4115-A692-8D63A059BFB8}" type="slidenum">
+              <a:rPr lang="en-US" smtClean="0"/>
+              <a:t>2</a:t>
+            </a:fld>
+            <a:endParaRPr lang="en-US" dirty="0"/>
           </a:p>
         </p:txBody>
       </p:sp>
@@ -7931,6 +8877,386 @@
       </p:par>
     </p:tnLst>
   </p:timing>
+</p:sld>
+</file>
+
+<file path=ppt/slides/slide3.xml><?xml version="1.0" encoding="utf-8"?>
+<p:sld xmlns:a="http://schemas.openxmlformats.org/drawingml/2006/main" xmlns:r="http://schemas.openxmlformats.org/officeDocument/2006/relationships" xmlns:p="http://schemas.openxmlformats.org/presentationml/2006/main">
+  <p:cSld>
+    <p:spTree>
+      <p:nvGrpSpPr>
+        <p:cNvPr id="1" name=""/>
+        <p:cNvGrpSpPr/>
+        <p:nvPr/>
+      </p:nvGrpSpPr>
+      <p:grpSpPr>
+        <a:xfrm>
+          <a:off x="0" y="0"/>
+          <a:ext cx="0" cy="0"/>
+          <a:chOff x="0" y="0"/>
+          <a:chExt cx="0" cy="0"/>
+        </a:xfrm>
+      </p:grpSpPr>
+      <p:sp>
+        <p:nvSpPr>
+          <p:cNvPr id="2" name="Titre 1"/>
+          <p:cNvSpPr>
+            <a:spLocks noGrp="1"/>
+          </p:cNvSpPr>
+          <p:nvPr>
+            <p:ph type="title"/>
+          </p:nvPr>
+        </p:nvSpPr>
+        <p:spPr/>
+        <p:txBody>
+          <a:bodyPr/>
+          <a:lstStyle/>
+          <a:p>
+            <a:r>
+              <a:rPr lang="fr-FR" dirty="0" smtClean="0"/>
+              <a:t>I) Introduction</a:t>
+            </a:r>
+            <a:endParaRPr lang="fr-FR" dirty="0"/>
+          </a:p>
+        </p:txBody>
+      </p:sp>
+      <p:sp>
+        <p:nvSpPr>
+          <p:cNvPr id="3" name="Espace réservé du contenu 2"/>
+          <p:cNvSpPr>
+            <a:spLocks noGrp="1"/>
+          </p:cNvSpPr>
+          <p:nvPr>
+            <p:ph idx="1"/>
+          </p:nvPr>
+        </p:nvSpPr>
+        <p:spPr/>
+        <p:txBody>
+          <a:bodyPr/>
+          <a:lstStyle/>
+          <a:p>
+            <a:endParaRPr lang="fr-FR" dirty="0"/>
+          </a:p>
+        </p:txBody>
+      </p:sp>
+      <p:sp>
+        <p:nvSpPr>
+          <p:cNvPr id="5" name="Espace réservé du numéro de diapositive 4"/>
+          <p:cNvSpPr>
+            <a:spLocks noGrp="1"/>
+          </p:cNvSpPr>
+          <p:nvPr>
+            <p:ph type="sldNum" sz="quarter" idx="12"/>
+          </p:nvPr>
+        </p:nvSpPr>
+        <p:spPr/>
+        <p:txBody>
+          <a:bodyPr/>
+          <a:lstStyle/>
+          <a:p>
+            <a:fld id="{4FAB73BC-B049-4115-A692-8D63A059BFB8}" type="slidenum">
+              <a:rPr lang="en-US" smtClean="0"/>
+              <a:t>3</a:t>
+            </a:fld>
+            <a:endParaRPr lang="en-US" dirty="0"/>
+          </a:p>
+        </p:txBody>
+      </p:sp>
+    </p:spTree>
+    <p:extLst>
+      <p:ext uri="{BB962C8B-B14F-4D97-AF65-F5344CB8AC3E}">
+        <p14:creationId xmlns:p14="http://schemas.microsoft.com/office/powerpoint/2010/main" val="135929026"/>
+      </p:ext>
+    </p:extLst>
+  </p:cSld>
+  <p:clrMapOvr>
+    <a:masterClrMapping/>
+  </p:clrMapOvr>
+</p:sld>
+</file>
+
+<file path=ppt/slides/slide4.xml><?xml version="1.0" encoding="utf-8"?>
+<p:sld xmlns:a="http://schemas.openxmlformats.org/drawingml/2006/main" xmlns:r="http://schemas.openxmlformats.org/officeDocument/2006/relationships" xmlns:p="http://schemas.openxmlformats.org/presentationml/2006/main">
+  <p:cSld>
+    <p:spTree>
+      <p:nvGrpSpPr>
+        <p:cNvPr id="1" name=""/>
+        <p:cNvGrpSpPr/>
+        <p:nvPr/>
+      </p:nvGrpSpPr>
+      <p:grpSpPr>
+        <a:xfrm>
+          <a:off x="0" y="0"/>
+          <a:ext cx="0" cy="0"/>
+          <a:chOff x="0" y="0"/>
+          <a:chExt cx="0" cy="0"/>
+        </a:xfrm>
+      </p:grpSpPr>
+      <p:sp>
+        <p:nvSpPr>
+          <p:cNvPr id="2" name="Titre 1"/>
+          <p:cNvSpPr>
+            <a:spLocks noGrp="1"/>
+          </p:cNvSpPr>
+          <p:nvPr>
+            <p:ph type="title"/>
+          </p:nvPr>
+        </p:nvSpPr>
+        <p:spPr/>
+        <p:txBody>
+          <a:bodyPr/>
+          <a:lstStyle/>
+          <a:p>
+            <a:r>
+              <a:rPr lang="fr-FR" dirty="0" smtClean="0"/>
+              <a:t>II) Algorithme ABC</a:t>
+            </a:r>
+            <a:endParaRPr lang="fr-FR" dirty="0"/>
+          </a:p>
+        </p:txBody>
+      </p:sp>
+      <p:sp>
+        <p:nvSpPr>
+          <p:cNvPr id="3" name="Espace réservé du contenu 2"/>
+          <p:cNvSpPr>
+            <a:spLocks noGrp="1"/>
+          </p:cNvSpPr>
+          <p:nvPr>
+            <p:ph idx="1"/>
+          </p:nvPr>
+        </p:nvSpPr>
+        <p:spPr/>
+        <p:txBody>
+          <a:bodyPr/>
+          <a:lstStyle/>
+          <a:p>
+            <a:endParaRPr lang="fr-FR"/>
+          </a:p>
+        </p:txBody>
+      </p:sp>
+      <p:sp>
+        <p:nvSpPr>
+          <p:cNvPr id="4" name="Espace réservé du numéro de diapositive 3"/>
+          <p:cNvSpPr>
+            <a:spLocks noGrp="1"/>
+          </p:cNvSpPr>
+          <p:nvPr>
+            <p:ph type="sldNum" sz="quarter" idx="12"/>
+          </p:nvPr>
+        </p:nvSpPr>
+        <p:spPr/>
+        <p:txBody>
+          <a:bodyPr/>
+          <a:lstStyle/>
+          <a:p>
+            <a:fld id="{4FAB73BC-B049-4115-A692-8D63A059BFB8}" type="slidenum">
+              <a:rPr lang="en-US" smtClean="0"/>
+              <a:t>4</a:t>
+            </a:fld>
+            <a:endParaRPr lang="en-US" dirty="0"/>
+          </a:p>
+        </p:txBody>
+      </p:sp>
+    </p:spTree>
+    <p:extLst>
+      <p:ext uri="{BB962C8B-B14F-4D97-AF65-F5344CB8AC3E}">
+        <p14:creationId xmlns:p14="http://schemas.microsoft.com/office/powerpoint/2010/main" val="4223810411"/>
+      </p:ext>
+    </p:extLst>
+  </p:cSld>
+  <p:clrMapOvr>
+    <a:masterClrMapping/>
+  </p:clrMapOvr>
+</p:sld>
+</file>
+
+<file path=ppt/slides/slide5.xml><?xml version="1.0" encoding="utf-8"?>
+<p:sld xmlns:a="http://schemas.openxmlformats.org/drawingml/2006/main" xmlns:r="http://schemas.openxmlformats.org/officeDocument/2006/relationships" xmlns:p="http://schemas.openxmlformats.org/presentationml/2006/main">
+  <p:cSld>
+    <p:spTree>
+      <p:nvGrpSpPr>
+        <p:cNvPr id="1" name=""/>
+        <p:cNvGrpSpPr/>
+        <p:nvPr/>
+      </p:nvGrpSpPr>
+      <p:grpSpPr>
+        <a:xfrm>
+          <a:off x="0" y="0"/>
+          <a:ext cx="0" cy="0"/>
+          <a:chOff x="0" y="0"/>
+          <a:chExt cx="0" cy="0"/>
+        </a:xfrm>
+      </p:grpSpPr>
+      <p:sp>
+        <p:nvSpPr>
+          <p:cNvPr id="2" name="Titre 1"/>
+          <p:cNvSpPr>
+            <a:spLocks noGrp="1"/>
+          </p:cNvSpPr>
+          <p:nvPr>
+            <p:ph type="title"/>
+          </p:nvPr>
+        </p:nvSpPr>
+        <p:spPr/>
+        <p:txBody>
+          <a:bodyPr/>
+          <a:lstStyle/>
+          <a:p>
+            <a:r>
+              <a:rPr lang="fr-FR" dirty="0" smtClean="0"/>
+              <a:t>Répartition des tâches</a:t>
+            </a:r>
+            <a:endParaRPr lang="fr-FR" dirty="0"/>
+          </a:p>
+        </p:txBody>
+      </p:sp>
+      <p:sp>
+        <p:nvSpPr>
+          <p:cNvPr id="3" name="Espace réservé du contenu 2"/>
+          <p:cNvSpPr>
+            <a:spLocks noGrp="1"/>
+          </p:cNvSpPr>
+          <p:nvPr>
+            <p:ph idx="1"/>
+          </p:nvPr>
+        </p:nvSpPr>
+        <p:spPr/>
+        <p:txBody>
+          <a:bodyPr/>
+          <a:lstStyle/>
+          <a:p>
+            <a:endParaRPr lang="fr-FR"/>
+          </a:p>
+        </p:txBody>
+      </p:sp>
+      <p:sp>
+        <p:nvSpPr>
+          <p:cNvPr id="4" name="Espace réservé du numéro de diapositive 3"/>
+          <p:cNvSpPr>
+            <a:spLocks noGrp="1"/>
+          </p:cNvSpPr>
+          <p:nvPr>
+            <p:ph type="sldNum" sz="quarter" idx="12"/>
+          </p:nvPr>
+        </p:nvSpPr>
+        <p:spPr/>
+        <p:txBody>
+          <a:bodyPr/>
+          <a:lstStyle/>
+          <a:p>
+            <a:fld id="{4FAB73BC-B049-4115-A692-8D63A059BFB8}" type="slidenum">
+              <a:rPr lang="en-US" smtClean="0"/>
+              <a:t>5</a:t>
+            </a:fld>
+            <a:endParaRPr lang="en-US" dirty="0"/>
+          </a:p>
+        </p:txBody>
+      </p:sp>
+    </p:spTree>
+    <p:extLst>
+      <p:ext uri="{BB962C8B-B14F-4D97-AF65-F5344CB8AC3E}">
+        <p14:creationId xmlns:p14="http://schemas.microsoft.com/office/powerpoint/2010/main" val="3480894608"/>
+      </p:ext>
+    </p:extLst>
+  </p:cSld>
+  <p:clrMapOvr>
+    <a:masterClrMapping/>
+  </p:clrMapOvr>
+</p:sld>
+</file>
+
+<file path=ppt/slides/slide6.xml><?xml version="1.0" encoding="utf-8"?>
+<p:sld xmlns:a="http://schemas.openxmlformats.org/drawingml/2006/main" xmlns:r="http://schemas.openxmlformats.org/officeDocument/2006/relationships" xmlns:p="http://schemas.openxmlformats.org/presentationml/2006/main">
+  <p:cSld>
+    <p:spTree>
+      <p:nvGrpSpPr>
+        <p:cNvPr id="1" name=""/>
+        <p:cNvGrpSpPr/>
+        <p:nvPr/>
+      </p:nvGrpSpPr>
+      <p:grpSpPr>
+        <a:xfrm>
+          <a:off x="0" y="0"/>
+          <a:ext cx="0" cy="0"/>
+          <a:chOff x="0" y="0"/>
+          <a:chExt cx="0" cy="0"/>
+        </a:xfrm>
+      </p:grpSpPr>
+      <p:sp>
+        <p:nvSpPr>
+          <p:cNvPr id="2" name="Titre 1"/>
+          <p:cNvSpPr>
+            <a:spLocks noGrp="1"/>
+          </p:cNvSpPr>
+          <p:nvPr>
+            <p:ph type="title"/>
+          </p:nvPr>
+        </p:nvSpPr>
+        <p:spPr/>
+        <p:txBody>
+          <a:bodyPr/>
+          <a:lstStyle/>
+          <a:p>
+            <a:r>
+              <a:rPr lang="fr-FR" dirty="0" smtClean="0"/>
+              <a:t>Conclusion</a:t>
+            </a:r>
+            <a:endParaRPr lang="fr-FR" dirty="0"/>
+          </a:p>
+        </p:txBody>
+      </p:sp>
+      <p:sp>
+        <p:nvSpPr>
+          <p:cNvPr id="3" name="Espace réservé du contenu 2"/>
+          <p:cNvSpPr>
+            <a:spLocks noGrp="1"/>
+          </p:cNvSpPr>
+          <p:nvPr>
+            <p:ph idx="1"/>
+          </p:nvPr>
+        </p:nvSpPr>
+        <p:spPr/>
+        <p:txBody>
+          <a:bodyPr/>
+          <a:lstStyle/>
+          <a:p>
+            <a:endParaRPr lang="fr-FR"/>
+          </a:p>
+        </p:txBody>
+      </p:sp>
+      <p:sp>
+        <p:nvSpPr>
+          <p:cNvPr id="4" name="Espace réservé du numéro de diapositive 3"/>
+          <p:cNvSpPr>
+            <a:spLocks noGrp="1"/>
+          </p:cNvSpPr>
+          <p:nvPr>
+            <p:ph type="sldNum" sz="quarter" idx="12"/>
+          </p:nvPr>
+        </p:nvSpPr>
+        <p:spPr/>
+        <p:txBody>
+          <a:bodyPr/>
+          <a:lstStyle/>
+          <a:p>
+            <a:fld id="{4FAB73BC-B049-4115-A692-8D63A059BFB8}" type="slidenum">
+              <a:rPr lang="en-US" smtClean="0"/>
+              <a:t>6</a:t>
+            </a:fld>
+            <a:endParaRPr lang="en-US" dirty="0"/>
+          </a:p>
+        </p:txBody>
+      </p:sp>
+    </p:spTree>
+    <p:extLst>
+      <p:ext uri="{BB962C8B-B14F-4D97-AF65-F5344CB8AC3E}">
+        <p14:creationId xmlns:p14="http://schemas.microsoft.com/office/powerpoint/2010/main" val="3328291024"/>
+      </p:ext>
+    </p:extLst>
+  </p:cSld>
+  <p:clrMapOvr>
+    <a:masterClrMapping/>
+  </p:clrMapOvr>
 </p:sld>
 </file>
 
@@ -8186,4 +9512,265 @@
     </a:ext>
   </a:extLst>
 </a:theme>
+</file>
+
+<file path=ppt/theme/theme2.xml><?xml version="1.0" encoding="utf-8"?>
+<a:theme xmlns:a="http://schemas.openxmlformats.org/drawingml/2006/main" name="Thème Office">
+  <a:themeElements>
+    <a:clrScheme name="Office">
+      <a:dk1>
+        <a:sysClr val="windowText" lastClr="000000"/>
+      </a:dk1>
+      <a:lt1>
+        <a:sysClr val="window" lastClr="FFFFFF"/>
+      </a:lt1>
+      <a:dk2>
+        <a:srgbClr val="44546A"/>
+      </a:dk2>
+      <a:lt2>
+        <a:srgbClr val="E7E6E6"/>
+      </a:lt2>
+      <a:accent1>
+        <a:srgbClr val="5B9BD5"/>
+      </a:accent1>
+      <a:accent2>
+        <a:srgbClr val="ED7D31"/>
+      </a:accent2>
+      <a:accent3>
+        <a:srgbClr val="A5A5A5"/>
+      </a:accent3>
+      <a:accent4>
+        <a:srgbClr val="FFC000"/>
+      </a:accent4>
+      <a:accent5>
+        <a:srgbClr val="4472C4"/>
+      </a:accent5>
+      <a:accent6>
+        <a:srgbClr val="70AD47"/>
+      </a:accent6>
+      <a:hlink>
+        <a:srgbClr val="0563C1"/>
+      </a:hlink>
+      <a:folHlink>
+        <a:srgbClr val="954F72"/>
+      </a:folHlink>
+    </a:clrScheme>
+    <a:fontScheme name="Office">
+      <a:majorFont>
+        <a:latin typeface="Calibri Light" panose="020F0302020204030204"/>
+        <a:ea typeface=""/>
+        <a:cs typeface=""/>
+        <a:font script="Jpan" typeface="ＭＳ Ｐゴシック"/>
+        <a:font script="Hang" typeface="맑은 고딕"/>
+        <a:font script="Hans" typeface="宋体"/>
+        <a:font script="Hant" typeface="新細明體"/>
+        <a:font script="Arab" typeface="Times New Roman"/>
+        <a:font script="Hebr" typeface="Times New Roman"/>
+        <a:font script="Thai" typeface="Angsana New"/>
+        <a:font script="Ethi" typeface="Nyala"/>
+        <a:font script="Beng" typeface="Vrinda"/>
+        <a:font script="Gujr" typeface="Shruti"/>
+        <a:font script="Khmr" typeface="MoolBoran"/>
+        <a:font script="Knda" typeface="Tunga"/>
+        <a:font script="Guru" typeface="Raavi"/>
+        <a:font script="Cans" typeface="Euphemia"/>
+        <a:font script="Cher" typeface="Plantagenet Cherokee"/>
+        <a:font script="Yiii" typeface="Microsoft Yi Baiti"/>
+        <a:font script="Tibt" typeface="Microsoft Himalaya"/>
+        <a:font script="Thaa" typeface="MV Boli"/>
+        <a:font script="Deva" typeface="Mangal"/>
+        <a:font script="Telu" typeface="Gautami"/>
+        <a:font script="Taml" typeface="Latha"/>
+        <a:font script="Syrc" typeface="Estrangelo Edessa"/>
+        <a:font script="Orya" typeface="Kalinga"/>
+        <a:font script="Mlym" typeface="Kartika"/>
+        <a:font script="Laoo" typeface="DokChampa"/>
+        <a:font script="Sinh" typeface="Iskoola Pota"/>
+        <a:font script="Mong" typeface="Mongolian Baiti"/>
+        <a:font script="Viet" typeface="Times New Roman"/>
+        <a:font script="Uigh" typeface="Microsoft Uighur"/>
+        <a:font script="Geor" typeface="Sylfaen"/>
+      </a:majorFont>
+      <a:minorFont>
+        <a:latin typeface="Calibri" panose="020F0502020204030204"/>
+        <a:ea typeface=""/>
+        <a:cs typeface=""/>
+        <a:font script="Jpan" typeface="ＭＳ Ｐゴシック"/>
+        <a:font script="Hang" typeface="맑은 고딕"/>
+        <a:font script="Hans" typeface="宋体"/>
+        <a:font script="Hant" typeface="新細明體"/>
+        <a:font script="Arab" typeface="Arial"/>
+        <a:font script="Hebr" typeface="Arial"/>
+        <a:font script="Thai" typeface="Cordia New"/>
+        <a:font script="Ethi" typeface="Nyala"/>
+        <a:font script="Beng" typeface="Vrinda"/>
+        <a:font script="Gujr" typeface="Shruti"/>
+        <a:font script="Khmr" typeface="DaunPenh"/>
+        <a:font script="Knda" typeface="Tunga"/>
+        <a:font script="Guru" typeface="Raavi"/>
+        <a:font script="Cans" typeface="Euphemia"/>
+        <a:font script="Cher" typeface="Plantagenet Cherokee"/>
+        <a:font script="Yiii" typeface="Microsoft Yi Baiti"/>
+        <a:font script="Tibt" typeface="Microsoft Himalaya"/>
+        <a:font script="Thaa" typeface="MV Boli"/>
+        <a:font script="Deva" typeface="Mangal"/>
+        <a:font script="Telu" typeface="Gautami"/>
+        <a:font script="Taml" typeface="Latha"/>
+        <a:font script="Syrc" typeface="Estrangelo Edessa"/>
+        <a:font script="Orya" typeface="Kalinga"/>
+        <a:font script="Mlym" typeface="Kartika"/>
+        <a:font script="Laoo" typeface="DokChampa"/>
+        <a:font script="Sinh" typeface="Iskoola Pota"/>
+        <a:font script="Mong" typeface="Mongolian Baiti"/>
+        <a:font script="Viet" typeface="Arial"/>
+        <a:font script="Uigh" typeface="Microsoft Uighur"/>
+        <a:font script="Geor" typeface="Sylfaen"/>
+      </a:minorFont>
+    </a:fontScheme>
+    <a:fmtScheme name="Office">
+      <a:fillStyleLst>
+        <a:solidFill>
+          <a:schemeClr val="phClr"/>
+        </a:solidFill>
+        <a:gradFill rotWithShape="1">
+          <a:gsLst>
+            <a:gs pos="0">
+              <a:schemeClr val="phClr">
+                <a:lumMod val="110000"/>
+                <a:satMod val="105000"/>
+                <a:tint val="67000"/>
+              </a:schemeClr>
+            </a:gs>
+            <a:gs pos="50000">
+              <a:schemeClr val="phClr">
+                <a:lumMod val="105000"/>
+                <a:satMod val="103000"/>
+                <a:tint val="73000"/>
+              </a:schemeClr>
+            </a:gs>
+            <a:gs pos="100000">
+              <a:schemeClr val="phClr">
+                <a:lumMod val="105000"/>
+                <a:satMod val="109000"/>
+                <a:tint val="81000"/>
+              </a:schemeClr>
+            </a:gs>
+          </a:gsLst>
+          <a:lin ang="5400000" scaled="0"/>
+        </a:gradFill>
+        <a:gradFill rotWithShape="1">
+          <a:gsLst>
+            <a:gs pos="0">
+              <a:schemeClr val="phClr">
+                <a:satMod val="103000"/>
+                <a:lumMod val="102000"/>
+                <a:tint val="94000"/>
+              </a:schemeClr>
+            </a:gs>
+            <a:gs pos="50000">
+              <a:schemeClr val="phClr">
+                <a:satMod val="110000"/>
+                <a:lumMod val="100000"/>
+                <a:shade val="100000"/>
+              </a:schemeClr>
+            </a:gs>
+            <a:gs pos="100000">
+              <a:schemeClr val="phClr">
+                <a:lumMod val="99000"/>
+                <a:satMod val="120000"/>
+                <a:shade val="78000"/>
+              </a:schemeClr>
+            </a:gs>
+          </a:gsLst>
+          <a:lin ang="5400000" scaled="0"/>
+        </a:gradFill>
+      </a:fillStyleLst>
+      <a:lnStyleLst>
+        <a:ln w="6350" cap="flat" cmpd="sng" algn="ctr">
+          <a:solidFill>
+            <a:schemeClr val="phClr"/>
+          </a:solidFill>
+          <a:prstDash val="solid"/>
+          <a:miter lim="800000"/>
+        </a:ln>
+        <a:ln w="12700" cap="flat" cmpd="sng" algn="ctr">
+          <a:solidFill>
+            <a:schemeClr val="phClr"/>
+          </a:solidFill>
+          <a:prstDash val="solid"/>
+          <a:miter lim="800000"/>
+        </a:ln>
+        <a:ln w="19050" cap="flat" cmpd="sng" algn="ctr">
+          <a:solidFill>
+            <a:schemeClr val="phClr"/>
+          </a:solidFill>
+          <a:prstDash val="solid"/>
+          <a:miter lim="800000"/>
+        </a:ln>
+      </a:lnStyleLst>
+      <a:effectStyleLst>
+        <a:effectStyle>
+          <a:effectLst/>
+        </a:effectStyle>
+        <a:effectStyle>
+          <a:effectLst/>
+        </a:effectStyle>
+        <a:effectStyle>
+          <a:effectLst>
+            <a:outerShdw blurRad="57150" dist="19050" dir="5400000" algn="ctr" rotWithShape="0">
+              <a:srgbClr val="000000">
+                <a:alpha val="63000"/>
+              </a:srgbClr>
+            </a:outerShdw>
+          </a:effectLst>
+        </a:effectStyle>
+      </a:effectStyleLst>
+      <a:bgFillStyleLst>
+        <a:solidFill>
+          <a:schemeClr val="phClr"/>
+        </a:solidFill>
+        <a:solidFill>
+          <a:schemeClr val="phClr">
+            <a:tint val="95000"/>
+            <a:satMod val="170000"/>
+          </a:schemeClr>
+        </a:solidFill>
+        <a:gradFill rotWithShape="1">
+          <a:gsLst>
+            <a:gs pos="0">
+              <a:schemeClr val="phClr">
+                <a:tint val="93000"/>
+                <a:satMod val="150000"/>
+                <a:shade val="98000"/>
+                <a:lumMod val="102000"/>
+              </a:schemeClr>
+            </a:gs>
+            <a:gs pos="50000">
+              <a:schemeClr val="phClr">
+                <a:tint val="98000"/>
+                <a:satMod val="130000"/>
+                <a:shade val="90000"/>
+                <a:lumMod val="103000"/>
+              </a:schemeClr>
+            </a:gs>
+            <a:gs pos="100000">
+              <a:schemeClr val="phClr">
+                <a:shade val="63000"/>
+                <a:satMod val="120000"/>
+              </a:schemeClr>
+            </a:gs>
+          </a:gsLst>
+          <a:lin ang="5400000" scaled="0"/>
+        </a:gradFill>
+      </a:bgFillStyleLst>
+    </a:fmtScheme>
+  </a:themeElements>
+  <a:objectDefaults/>
+  <a:extraClrSchemeLst/>
+  <a:extLst>
+    <a:ext uri="{05A4C25C-085E-4340-85A3-A5531E510DB2}">
+      <thm15:themeFamily xmlns:thm15="http://schemas.microsoft.com/office/thememl/2012/main" name="Office Theme" id="{62F939B6-93AF-4DB8-9C6B-D6C7DFDC589F}" vid="{4A3C46E8-61CC-4603-A589-7422A47A8E4A}"/>
+    </a:ext>
+  </a:extLst>
+</a:theme>
 </file>
--- a/Intelligence Artificielle.pptx
+++ b/Intelligence Artificielle.pptx
@@ -5,15 +5,19 @@
     <p:sldMasterId id="2147483882" r:id="rId1"/>
   </p:sldMasterIdLst>
   <p:notesMasterIdLst>
-    <p:notesMasterId r:id="rId8"/>
+    <p:notesMasterId r:id="rId12"/>
   </p:notesMasterIdLst>
   <p:sldIdLst>
     <p:sldId id="256" r:id="rId2"/>
     <p:sldId id="257" r:id="rId3"/>
     <p:sldId id="258" r:id="rId4"/>
     <p:sldId id="259" r:id="rId5"/>
-    <p:sldId id="260" r:id="rId6"/>
-    <p:sldId id="261" r:id="rId7"/>
+    <p:sldId id="264" r:id="rId6"/>
+    <p:sldId id="265" r:id="rId7"/>
+    <p:sldId id="260" r:id="rId8"/>
+    <p:sldId id="262" r:id="rId9"/>
+    <p:sldId id="263" r:id="rId10"/>
+    <p:sldId id="261" r:id="rId11"/>
   </p:sldIdLst>
   <p:sldSz cx="12192000" cy="6858000"/>
   <p:notesSz cx="6858000" cy="9144000"/>
@@ -202,7 +206,7 @@
           <a:p>
             <a:fld id="{33FAC050-3BDB-4AA1-957B-CED8F43E247A}" type="datetimeFigureOut">
               <a:rPr lang="fr-FR" smtClean="0"/>
-              <a:t>13/12/2016</a:t>
+              <a:t>14/12/2016</a:t>
             </a:fld>
             <a:endParaRPr lang="fr-FR"/>
           </a:p>
@@ -266,38 +270,37 @@
           <a:p>
             <a:pPr lvl="0"/>
             <a:r>
-              <a:rPr lang="fr-FR" smtClean="0"/>
+              <a:rPr lang="fr-FR"/>
               <a:t>Modifiez les styles du texte du masque</a:t>
             </a:r>
           </a:p>
           <a:p>
             <a:pPr lvl="1"/>
             <a:r>
-              <a:rPr lang="fr-FR" smtClean="0"/>
+              <a:rPr lang="fr-FR"/>
               <a:t>Deuxième niveau</a:t>
             </a:r>
           </a:p>
           <a:p>
             <a:pPr lvl="2"/>
             <a:r>
-              <a:rPr lang="fr-FR" smtClean="0"/>
+              <a:rPr lang="fr-FR"/>
               <a:t>Troisième niveau</a:t>
             </a:r>
           </a:p>
           <a:p>
             <a:pPr lvl="3"/>
             <a:r>
-              <a:rPr lang="fr-FR" smtClean="0"/>
+              <a:rPr lang="fr-FR"/>
               <a:t>Quatrième niveau</a:t>
             </a:r>
           </a:p>
           <a:p>
             <a:pPr lvl="4"/>
             <a:r>
-              <a:rPr lang="fr-FR" smtClean="0"/>
+              <a:rPr lang="fr-FR"/>
               <a:t>Cinquième niveau</a:t>
             </a:r>
-            <a:endParaRPr lang="fr-FR"/>
           </a:p>
         </p:txBody>
       </p:sp>
@@ -871,7 +874,7 @@
           <a:p>
             <a:fld id="{D293A685-CFD1-40CA-8682-1AC60D51920D}" type="slidenum">
               <a:rPr lang="fr-FR" smtClean="0"/>
-              <a:t>5</a:t>
+              <a:t>7</a:t>
             </a:fld>
             <a:endParaRPr lang="fr-FR"/>
           </a:p>
@@ -955,7 +958,7 @@
           <a:p>
             <a:fld id="{D293A685-CFD1-40CA-8682-1AC60D51920D}" type="slidenum">
               <a:rPr lang="fr-FR" smtClean="0"/>
-              <a:t>6</a:t>
+              <a:t>10</a:t>
             </a:fld>
             <a:endParaRPr lang="fr-FR"/>
           </a:p>
@@ -1157,7 +1160,7 @@
           </a:lstStyle>
           <a:p>
             <a:r>
-              <a:rPr lang="fr-FR" smtClean="0"/>
+              <a:rPr lang="fr-FR"/>
               <a:t>Modifiez le style du titre</a:t>
             </a:r>
             <a:endParaRPr lang="en-US" dirty="0"/>
@@ -1224,7 +1227,7 @@
           </a:lstStyle>
           <a:p>
             <a:r>
-              <a:rPr lang="fr-FR" smtClean="0"/>
+              <a:rPr lang="fr-FR"/>
               <a:t>Modifiez le style des sous-titres du masque</a:t>
             </a:r>
             <a:endParaRPr lang="en-US" dirty="0"/>
@@ -1248,7 +1251,7 @@
           <a:p>
             <a:fld id="{D9ACA6F4-D998-4025-BF16-D4ECB040E119}" type="datetime1">
               <a:rPr lang="en-US" smtClean="0"/>
-              <a:t>12/13/2016</a:t>
+              <a:t>12/14/2016</a:t>
             </a:fld>
             <a:endParaRPr lang="en-US" dirty="0"/>
           </a:p>
@@ -1498,7 +1501,7 @@
           </a:lstStyle>
           <a:p>
             <a:r>
-              <a:rPr lang="fr-FR" smtClean="0"/>
+              <a:rPr lang="fr-FR"/>
               <a:t>Modifiez le style du titre</a:t>
             </a:r>
             <a:endParaRPr lang="en-US" dirty="0"/>
@@ -1574,7 +1577,7 @@
           </a:lstStyle>
           <a:p>
             <a:r>
-              <a:rPr lang="fr-FR" smtClean="0"/>
+              <a:rPr lang="fr-FR"/>
               <a:t>Cliquez sur l'icône pour ajouter une image</a:t>
             </a:r>
             <a:endParaRPr lang="en-US" dirty="0"/>
@@ -1640,7 +1643,7 @@
           <a:p>
             <a:pPr lvl="0"/>
             <a:r>
-              <a:rPr lang="fr-FR" smtClean="0"/>
+              <a:rPr lang="fr-FR"/>
               <a:t>Modifiez les styles du texte du masque</a:t>
             </a:r>
           </a:p>
@@ -1663,7 +1666,7 @@
           <a:p>
             <a:fld id="{DBBF6A4A-C704-41B6-B861-3D848C46FEAB}" type="datetime1">
               <a:rPr lang="en-US" smtClean="0"/>
-              <a:t>12/13/2016</a:t>
+              <a:t>12/14/2016</a:t>
             </a:fld>
             <a:endParaRPr lang="en-US" dirty="0"/>
           </a:p>
@@ -1911,7 +1914,7 @@
           </a:lstStyle>
           <a:p>
             <a:r>
-              <a:rPr lang="fr-FR" smtClean="0"/>
+              <a:rPr lang="fr-FR"/>
               <a:t>Modifiez le style du titre</a:t>
             </a:r>
             <a:endParaRPr lang="en-US" dirty="0"/>
@@ -1977,7 +1980,7 @@
           <a:p>
             <a:pPr lvl="0"/>
             <a:r>
-              <a:rPr lang="fr-FR" smtClean="0"/>
+              <a:rPr lang="fr-FR"/>
               <a:t>Modifiez les styles du texte du masque</a:t>
             </a:r>
           </a:p>
@@ -2000,7 +2003,7 @@
           <a:p>
             <a:fld id="{658B1E01-F72B-4390-AC5A-9A783727B80B}" type="datetime1">
               <a:rPr lang="en-US" smtClean="0"/>
-              <a:t>12/13/2016</a:t>
+              <a:t>12/14/2016</a:t>
             </a:fld>
             <a:endParaRPr lang="en-US" dirty="0"/>
           </a:p>
@@ -2248,7 +2251,7 @@
           </a:lstStyle>
           <a:p>
             <a:r>
-              <a:rPr lang="fr-FR" smtClean="0"/>
+              <a:rPr lang="fr-FR"/>
               <a:t>Modifiez le style du titre</a:t>
             </a:r>
             <a:endParaRPr lang="en-US" dirty="0"/>
@@ -2316,7 +2319,7 @@
           <a:p>
             <a:pPr lvl="0"/>
             <a:r>
-              <a:rPr lang="fr-FR" smtClean="0"/>
+              <a:rPr lang="fr-FR"/>
               <a:t>Modifiez les styles du texte du masque</a:t>
             </a:r>
           </a:p>
@@ -2383,7 +2386,7 @@
           <a:p>
             <a:pPr lvl="0"/>
             <a:r>
-              <a:rPr lang="fr-FR" smtClean="0"/>
+              <a:rPr lang="fr-FR"/>
               <a:t>Modifiez les styles du texte du masque</a:t>
             </a:r>
           </a:p>
@@ -2406,7 +2409,7 @@
           <a:p>
             <a:fld id="{FB7A1B12-8096-4890-8C93-79AB6C39671B}" type="datetime1">
               <a:rPr lang="en-US" smtClean="0"/>
-              <a:t>12/13/2016</a:t>
+              <a:t>12/14/2016</a:t>
             </a:fld>
             <a:endParaRPr lang="en-US" dirty="0"/>
           </a:p>
@@ -2886,7 +2889,7 @@
           </a:lstStyle>
           <a:p>
             <a:r>
-              <a:rPr lang="fr-FR" smtClean="0"/>
+              <a:rPr lang="fr-FR"/>
               <a:t>Modifiez le style du titre</a:t>
             </a:r>
             <a:endParaRPr lang="en-US" dirty="0"/>
@@ -2952,7 +2955,7 @@
           <a:p>
             <a:pPr lvl="0"/>
             <a:r>
-              <a:rPr lang="fr-FR" smtClean="0"/>
+              <a:rPr lang="fr-FR"/>
               <a:t>Modifiez les styles du texte du masque</a:t>
             </a:r>
           </a:p>
@@ -2975,7 +2978,7 @@
           <a:p>
             <a:fld id="{0383199F-0B2E-4743-8F28-883D136A751F}" type="datetime1">
               <a:rPr lang="en-US" smtClean="0"/>
-              <a:t>12/13/2016</a:t>
+              <a:t>12/14/2016</a:t>
             </a:fld>
             <a:endParaRPr lang="en-US" dirty="0"/>
           </a:p>
@@ -3219,7 +3222,7 @@
           <a:lstStyle/>
           <a:p>
             <a:r>
-              <a:rPr lang="fr-FR" smtClean="0"/>
+              <a:rPr lang="fr-FR"/>
               <a:t>Modifiez le style du titre</a:t>
             </a:r>
             <a:endParaRPr lang="en-US" dirty="0"/>
@@ -3291,7 +3294,7 @@
           <a:p>
             <a:pPr lvl="0"/>
             <a:r>
-              <a:rPr lang="fr-FR" smtClean="0"/>
+              <a:rPr lang="fr-FR"/>
               <a:t>Modifiez les styles du texte du masque</a:t>
             </a:r>
           </a:p>
@@ -3358,7 +3361,7 @@
           <a:p>
             <a:pPr lvl="0"/>
             <a:r>
-              <a:rPr lang="fr-FR" smtClean="0"/>
+              <a:rPr lang="fr-FR"/>
               <a:t>Modifiez les styles du texte du masque</a:t>
             </a:r>
           </a:p>
@@ -3429,7 +3432,7 @@
           <a:p>
             <a:pPr lvl="0"/>
             <a:r>
-              <a:rPr lang="fr-FR" smtClean="0"/>
+              <a:rPr lang="fr-FR"/>
               <a:t>Modifiez les styles du texte du masque</a:t>
             </a:r>
           </a:p>
@@ -3496,7 +3499,7 @@
           <a:p>
             <a:pPr lvl="0"/>
             <a:r>
-              <a:rPr lang="fr-FR" smtClean="0"/>
+              <a:rPr lang="fr-FR"/>
               <a:t>Modifiez les styles du texte du masque</a:t>
             </a:r>
           </a:p>
@@ -3567,7 +3570,7 @@
           <a:p>
             <a:pPr lvl="0"/>
             <a:r>
-              <a:rPr lang="fr-FR" smtClean="0"/>
+              <a:rPr lang="fr-FR"/>
               <a:t>Modifiez les styles du texte du masque</a:t>
             </a:r>
           </a:p>
@@ -3634,7 +3637,7 @@
           <a:p>
             <a:pPr lvl="0"/>
             <a:r>
-              <a:rPr lang="fr-FR" smtClean="0"/>
+              <a:rPr lang="fr-FR"/>
               <a:t>Modifiez les styles du texte du masque</a:t>
             </a:r>
           </a:p>
@@ -3657,7 +3660,7 @@
           <a:p>
             <a:fld id="{60E3D373-FDC1-4369-AD71-C38C13745779}" type="datetime1">
               <a:rPr lang="en-US" smtClean="0"/>
-              <a:t>12/13/2016</a:t>
+              <a:t>12/14/2016</a:t>
             </a:fld>
             <a:endParaRPr lang="en-US" dirty="0"/>
           </a:p>
@@ -3896,7 +3899,7 @@
           <a:lstStyle/>
           <a:p>
             <a:r>
-              <a:rPr lang="fr-FR" smtClean="0"/>
+              <a:rPr lang="fr-FR"/>
               <a:t>Modifiez le style du titre</a:t>
             </a:r>
             <a:endParaRPr lang="en-US" dirty="0"/>
@@ -3968,7 +3971,7 @@
           <a:p>
             <a:pPr lvl="0"/>
             <a:r>
-              <a:rPr lang="fr-FR" smtClean="0"/>
+              <a:rPr lang="fr-FR"/>
               <a:t>Modifiez les styles du texte du masque</a:t>
             </a:r>
           </a:p>
@@ -4046,7 +4049,7 @@
           </a:lstStyle>
           <a:p>
             <a:r>
-              <a:rPr lang="fr-FR" smtClean="0"/>
+              <a:rPr lang="fr-FR"/>
               <a:t>Cliquez sur l'icône pour ajouter une image</a:t>
             </a:r>
             <a:endParaRPr lang="en-US" dirty="0"/>
@@ -4114,7 +4117,7 @@
           <a:p>
             <a:pPr lvl="0"/>
             <a:r>
-              <a:rPr lang="fr-FR" smtClean="0"/>
+              <a:rPr lang="fr-FR"/>
               <a:t>Modifiez les styles du texte du masque</a:t>
             </a:r>
           </a:p>
@@ -4185,7 +4188,7 @@
           <a:p>
             <a:pPr lvl="0"/>
             <a:r>
-              <a:rPr lang="fr-FR" smtClean="0"/>
+              <a:rPr lang="fr-FR"/>
               <a:t>Modifiez les styles du texte du masque</a:t>
             </a:r>
           </a:p>
@@ -4263,7 +4266,7 @@
           </a:lstStyle>
           <a:p>
             <a:r>
-              <a:rPr lang="fr-FR" smtClean="0"/>
+              <a:rPr lang="fr-FR"/>
               <a:t>Cliquez sur l'icône pour ajouter une image</a:t>
             </a:r>
             <a:endParaRPr lang="en-US" dirty="0"/>
@@ -4331,7 +4334,7 @@
           <a:p>
             <a:pPr lvl="0"/>
             <a:r>
-              <a:rPr lang="fr-FR" smtClean="0"/>
+              <a:rPr lang="fr-FR"/>
               <a:t>Modifiez les styles du texte du masque</a:t>
             </a:r>
           </a:p>
@@ -4402,7 +4405,7 @@
           <a:p>
             <a:pPr lvl="0"/>
             <a:r>
-              <a:rPr lang="fr-FR" smtClean="0"/>
+              <a:rPr lang="fr-FR"/>
               <a:t>Modifiez les styles du texte du masque</a:t>
             </a:r>
           </a:p>
@@ -4480,7 +4483,7 @@
           </a:lstStyle>
           <a:p>
             <a:r>
-              <a:rPr lang="fr-FR" smtClean="0"/>
+              <a:rPr lang="fr-FR"/>
               <a:t>Cliquez sur l'icône pour ajouter une image</a:t>
             </a:r>
             <a:endParaRPr lang="en-US" dirty="0"/>
@@ -4548,7 +4551,7 @@
           <a:p>
             <a:pPr lvl="0"/>
             <a:r>
-              <a:rPr lang="fr-FR" smtClean="0"/>
+              <a:rPr lang="fr-FR"/>
               <a:t>Modifiez les styles du texte du masque</a:t>
             </a:r>
           </a:p>
@@ -4571,7 +4574,7 @@
           <a:p>
             <a:fld id="{0DC6BDB9-BEAA-4A85-BD53-DA57B32B72E3}" type="datetime1">
               <a:rPr lang="en-US" smtClean="0"/>
-              <a:t>12/13/2016</a:t>
+              <a:t>12/14/2016</a:t>
             </a:fld>
             <a:endParaRPr lang="en-US" dirty="0"/>
           </a:p>
@@ -4809,7 +4812,7 @@
           </a:lstStyle>
           <a:p>
             <a:r>
-              <a:rPr lang="fr-FR" smtClean="0"/>
+              <a:rPr lang="fr-FR"/>
               <a:t>Modifiez le style du titre</a:t>
             </a:r>
             <a:endParaRPr lang="en-US" dirty="0"/>
@@ -4833,35 +4836,35 @@
           <a:p>
             <a:pPr lvl="0"/>
             <a:r>
-              <a:rPr lang="fr-FR" smtClean="0"/>
+              <a:rPr lang="fr-FR"/>
               <a:t>Modifiez les styles du texte du masque</a:t>
             </a:r>
           </a:p>
           <a:p>
             <a:pPr lvl="1"/>
             <a:r>
-              <a:rPr lang="fr-FR" smtClean="0"/>
+              <a:rPr lang="fr-FR"/>
               <a:t>Deuxième niveau</a:t>
             </a:r>
           </a:p>
           <a:p>
             <a:pPr lvl="2"/>
             <a:r>
-              <a:rPr lang="fr-FR" smtClean="0"/>
+              <a:rPr lang="fr-FR"/>
               <a:t>Troisième niveau</a:t>
             </a:r>
           </a:p>
           <a:p>
             <a:pPr lvl="3"/>
             <a:r>
-              <a:rPr lang="fr-FR" smtClean="0"/>
+              <a:rPr lang="fr-FR"/>
               <a:t>Quatrième niveau</a:t>
             </a:r>
           </a:p>
           <a:p>
             <a:pPr lvl="4"/>
             <a:r>
-              <a:rPr lang="fr-FR" smtClean="0"/>
+              <a:rPr lang="fr-FR"/>
               <a:t>Cinquième niveau</a:t>
             </a:r>
             <a:endParaRPr lang="en-US" dirty="0"/>
@@ -4885,7 +4888,7 @@
           <a:p>
             <a:fld id="{8F468D71-02C3-4961-932D-F6B39F8723F8}" type="datetime1">
               <a:rPr lang="en-US" smtClean="0"/>
-              <a:t>12/13/2016</a:t>
+              <a:t>12/14/2016</a:t>
             </a:fld>
             <a:endParaRPr lang="en-US" dirty="0"/>
           </a:p>
@@ -5063,7 +5066,7 @@
           <a:lstStyle/>
           <a:p>
             <a:r>
-              <a:rPr lang="fr-FR" smtClean="0"/>
+              <a:rPr lang="fr-FR"/>
               <a:t>Modifiez le style du titre</a:t>
             </a:r>
             <a:endParaRPr lang="en-US" dirty="0"/>
@@ -5092,35 +5095,35 @@
           <a:p>
             <a:pPr lvl="0"/>
             <a:r>
-              <a:rPr lang="fr-FR" smtClean="0"/>
+              <a:rPr lang="fr-FR"/>
               <a:t>Modifiez les styles du texte du masque</a:t>
             </a:r>
           </a:p>
           <a:p>
             <a:pPr lvl="1"/>
             <a:r>
-              <a:rPr lang="fr-FR" smtClean="0"/>
+              <a:rPr lang="fr-FR"/>
               <a:t>Deuxième niveau</a:t>
             </a:r>
           </a:p>
           <a:p>
             <a:pPr lvl="2"/>
             <a:r>
-              <a:rPr lang="fr-FR" smtClean="0"/>
+              <a:rPr lang="fr-FR"/>
               <a:t>Troisième niveau</a:t>
             </a:r>
           </a:p>
           <a:p>
             <a:pPr lvl="3"/>
             <a:r>
-              <a:rPr lang="fr-FR" smtClean="0"/>
+              <a:rPr lang="fr-FR"/>
               <a:t>Quatrième niveau</a:t>
             </a:r>
           </a:p>
           <a:p>
             <a:pPr lvl="4"/>
             <a:r>
-              <a:rPr lang="fr-FR" smtClean="0"/>
+              <a:rPr lang="fr-FR"/>
               <a:t>Cinquième niveau</a:t>
             </a:r>
             <a:endParaRPr lang="en-US" dirty="0"/>
@@ -5149,7 +5152,7 @@
           <a:p>
             <a:fld id="{7198E5F4-9137-4D4A-AE94-AE4EB90AD168}" type="datetime1">
               <a:rPr lang="en-US" smtClean="0"/>
-              <a:t>12/13/2016</a:t>
+              <a:t>12/14/2016</a:t>
             </a:fld>
             <a:endParaRPr lang="en-US" dirty="0"/>
           </a:p>
@@ -5396,7 +5399,7 @@
           <a:lstStyle/>
           <a:p>
             <a:r>
-              <a:rPr lang="fr-FR" smtClean="0"/>
+              <a:rPr lang="fr-FR"/>
               <a:t>Modifiez le style du titre</a:t>
             </a:r>
             <a:endParaRPr lang="en-US" dirty="0"/>
@@ -5420,35 +5423,35 @@
           <a:p>
             <a:pPr lvl="0"/>
             <a:r>
-              <a:rPr lang="fr-FR" smtClean="0"/>
+              <a:rPr lang="fr-FR"/>
               <a:t>Modifiez les styles du texte du masque</a:t>
             </a:r>
           </a:p>
           <a:p>
             <a:pPr lvl="1"/>
             <a:r>
-              <a:rPr lang="fr-FR" smtClean="0"/>
+              <a:rPr lang="fr-FR"/>
               <a:t>Deuxième niveau</a:t>
             </a:r>
           </a:p>
           <a:p>
             <a:pPr lvl="2"/>
             <a:r>
-              <a:rPr lang="fr-FR" smtClean="0"/>
+              <a:rPr lang="fr-FR"/>
               <a:t>Troisième niveau</a:t>
             </a:r>
           </a:p>
           <a:p>
             <a:pPr lvl="3"/>
             <a:r>
-              <a:rPr lang="fr-FR" smtClean="0"/>
+              <a:rPr lang="fr-FR"/>
               <a:t>Quatrième niveau</a:t>
             </a:r>
           </a:p>
           <a:p>
             <a:pPr lvl="4"/>
             <a:r>
-              <a:rPr lang="fr-FR" smtClean="0"/>
+              <a:rPr lang="fr-FR"/>
               <a:t>Cinquième niveau</a:t>
             </a:r>
             <a:endParaRPr lang="en-US" dirty="0"/>
@@ -5472,7 +5475,7 @@
           <a:p>
             <a:fld id="{567B994B-AF31-4F35-AB66-7AABC0E52F19}" type="datetime1">
               <a:rPr lang="en-US" smtClean="0"/>
-              <a:t>12/13/2016</a:t>
+              <a:t>12/14/2016</a:t>
             </a:fld>
             <a:endParaRPr lang="en-US" dirty="0"/>
           </a:p>
@@ -5716,7 +5719,7 @@
           </a:lstStyle>
           <a:p>
             <a:r>
-              <a:rPr lang="fr-FR" smtClean="0"/>
+              <a:rPr lang="fr-FR"/>
               <a:t>Modifiez le style du titre</a:t>
             </a:r>
             <a:endParaRPr lang="en-US" dirty="0"/>
@@ -5838,7 +5841,7 @@
           <a:p>
             <a:pPr lvl="0"/>
             <a:r>
-              <a:rPr lang="fr-FR" smtClean="0"/>
+              <a:rPr lang="fr-FR"/>
               <a:t>Modifiez les styles du texte du masque</a:t>
             </a:r>
           </a:p>
@@ -5861,7 +5864,7 @@
           <a:p>
             <a:fld id="{FFA01BCF-22CC-4632-8B36-9776D938308B}" type="datetime1">
               <a:rPr lang="en-US" smtClean="0"/>
-              <a:t>12/13/2016</a:t>
+              <a:t>12/14/2016</a:t>
             </a:fld>
             <a:endParaRPr lang="en-US" dirty="0"/>
           </a:p>
@@ -6100,7 +6103,7 @@
           <a:lstStyle/>
           <a:p>
             <a:r>
-              <a:rPr lang="fr-FR" smtClean="0"/>
+              <a:rPr lang="fr-FR"/>
               <a:t>Modifiez le style du titre</a:t>
             </a:r>
             <a:endParaRPr lang="en-US" dirty="0"/>
@@ -6129,35 +6132,35 @@
           <a:p>
             <a:pPr lvl="0"/>
             <a:r>
-              <a:rPr lang="fr-FR" smtClean="0"/>
+              <a:rPr lang="fr-FR"/>
               <a:t>Modifiez les styles du texte du masque</a:t>
             </a:r>
           </a:p>
           <a:p>
             <a:pPr lvl="1"/>
             <a:r>
-              <a:rPr lang="fr-FR" smtClean="0"/>
+              <a:rPr lang="fr-FR"/>
               <a:t>Deuxième niveau</a:t>
             </a:r>
           </a:p>
           <a:p>
             <a:pPr lvl="2"/>
             <a:r>
-              <a:rPr lang="fr-FR" smtClean="0"/>
+              <a:rPr lang="fr-FR"/>
               <a:t>Troisième niveau</a:t>
             </a:r>
           </a:p>
           <a:p>
             <a:pPr lvl="3"/>
             <a:r>
-              <a:rPr lang="fr-FR" smtClean="0"/>
+              <a:rPr lang="fr-FR"/>
               <a:t>Quatrième niveau</a:t>
             </a:r>
           </a:p>
           <a:p>
             <a:pPr lvl="4"/>
             <a:r>
-              <a:rPr lang="fr-FR" smtClean="0"/>
+              <a:rPr lang="fr-FR"/>
               <a:t>Cinquième niveau</a:t>
             </a:r>
             <a:endParaRPr lang="en-US" dirty="0"/>
@@ -6186,35 +6189,35 @@
           <a:p>
             <a:pPr lvl="0"/>
             <a:r>
-              <a:rPr lang="fr-FR" smtClean="0"/>
+              <a:rPr lang="fr-FR"/>
               <a:t>Modifiez les styles du texte du masque</a:t>
             </a:r>
           </a:p>
           <a:p>
             <a:pPr lvl="1"/>
             <a:r>
-              <a:rPr lang="fr-FR" smtClean="0"/>
+              <a:rPr lang="fr-FR"/>
               <a:t>Deuxième niveau</a:t>
             </a:r>
           </a:p>
           <a:p>
             <a:pPr lvl="2"/>
             <a:r>
-              <a:rPr lang="fr-FR" smtClean="0"/>
+              <a:rPr lang="fr-FR"/>
               <a:t>Troisième niveau</a:t>
             </a:r>
           </a:p>
           <a:p>
             <a:pPr lvl="3"/>
             <a:r>
-              <a:rPr lang="fr-FR" smtClean="0"/>
+              <a:rPr lang="fr-FR"/>
               <a:t>Quatrième niveau</a:t>
             </a:r>
           </a:p>
           <a:p>
             <a:pPr lvl="4"/>
             <a:r>
-              <a:rPr lang="fr-FR" smtClean="0"/>
+              <a:rPr lang="fr-FR"/>
               <a:t>Cinquième niveau</a:t>
             </a:r>
             <a:endParaRPr lang="en-US" dirty="0"/>
@@ -6238,7 +6241,7 @@
           <a:p>
             <a:fld id="{CAAD2410-185C-4D90-B06A-EEB6E1C7E043}" type="datetime1">
               <a:rPr lang="en-US" smtClean="0"/>
-              <a:t>12/13/2016</a:t>
+              <a:t>12/14/2016</a:t>
             </a:fld>
             <a:endParaRPr lang="en-US" dirty="0"/>
           </a:p>
@@ -6476,7 +6479,7 @@
           <a:lstStyle/>
           <a:p>
             <a:r>
-              <a:rPr lang="fr-FR" smtClean="0"/>
+              <a:rPr lang="fr-FR"/>
               <a:t>Modifiez le style du titre</a:t>
             </a:r>
             <a:endParaRPr lang="en-US" dirty="0"/>
@@ -6542,7 +6545,7 @@
           <a:p>
             <a:pPr lvl="0"/>
             <a:r>
-              <a:rPr lang="fr-FR" smtClean="0"/>
+              <a:rPr lang="fr-FR"/>
               <a:t>Modifiez les styles du texte du masque</a:t>
             </a:r>
           </a:p>
@@ -6570,35 +6573,35 @@
           <a:p>
             <a:pPr lvl="0"/>
             <a:r>
-              <a:rPr lang="fr-FR" smtClean="0"/>
+              <a:rPr lang="fr-FR"/>
               <a:t>Modifiez les styles du texte du masque</a:t>
             </a:r>
           </a:p>
           <a:p>
             <a:pPr lvl="1"/>
             <a:r>
-              <a:rPr lang="fr-FR" smtClean="0"/>
+              <a:rPr lang="fr-FR"/>
               <a:t>Deuxième niveau</a:t>
             </a:r>
           </a:p>
           <a:p>
             <a:pPr lvl="2"/>
             <a:r>
-              <a:rPr lang="fr-FR" smtClean="0"/>
+              <a:rPr lang="fr-FR"/>
               <a:t>Troisième niveau</a:t>
             </a:r>
           </a:p>
           <a:p>
             <a:pPr lvl="3"/>
             <a:r>
-              <a:rPr lang="fr-FR" smtClean="0"/>
+              <a:rPr lang="fr-FR"/>
               <a:t>Quatrième niveau</a:t>
             </a:r>
           </a:p>
           <a:p>
             <a:pPr lvl="4"/>
             <a:r>
-              <a:rPr lang="fr-FR" smtClean="0"/>
+              <a:rPr lang="fr-FR"/>
               <a:t>Cinquième niveau</a:t>
             </a:r>
             <a:endParaRPr lang="en-US" dirty="0"/>
@@ -6664,7 +6667,7 @@
           <a:p>
             <a:pPr lvl="0"/>
             <a:r>
-              <a:rPr lang="fr-FR" smtClean="0"/>
+              <a:rPr lang="fr-FR"/>
               <a:t>Modifiez les styles du texte du masque</a:t>
             </a:r>
           </a:p>
@@ -6692,35 +6695,35 @@
           <a:p>
             <a:pPr lvl="0"/>
             <a:r>
-              <a:rPr lang="fr-FR" smtClean="0"/>
+              <a:rPr lang="fr-FR"/>
               <a:t>Modifiez les styles du texte du masque</a:t>
             </a:r>
           </a:p>
           <a:p>
             <a:pPr lvl="1"/>
             <a:r>
-              <a:rPr lang="fr-FR" smtClean="0"/>
+              <a:rPr lang="fr-FR"/>
               <a:t>Deuxième niveau</a:t>
             </a:r>
           </a:p>
           <a:p>
             <a:pPr lvl="2"/>
             <a:r>
-              <a:rPr lang="fr-FR" smtClean="0"/>
+              <a:rPr lang="fr-FR"/>
               <a:t>Troisième niveau</a:t>
             </a:r>
           </a:p>
           <a:p>
             <a:pPr lvl="3"/>
             <a:r>
-              <a:rPr lang="fr-FR" smtClean="0"/>
+              <a:rPr lang="fr-FR"/>
               <a:t>Quatrième niveau</a:t>
             </a:r>
           </a:p>
           <a:p>
             <a:pPr lvl="4"/>
             <a:r>
-              <a:rPr lang="fr-FR" smtClean="0"/>
+              <a:rPr lang="fr-FR"/>
               <a:t>Cinquième niveau</a:t>
             </a:r>
             <a:endParaRPr lang="en-US" dirty="0"/>
@@ -6744,7 +6747,7 @@
           <a:p>
             <a:fld id="{625CEEE4-88CD-4A51-860B-218FA53FEE8C}" type="datetime1">
               <a:rPr lang="en-US" smtClean="0"/>
-              <a:t>12/13/2016</a:t>
+              <a:t>12/14/2016</a:t>
             </a:fld>
             <a:endParaRPr lang="en-US" dirty="0"/>
           </a:p>
@@ -6977,7 +6980,7 @@
           <a:lstStyle/>
           <a:p>
             <a:r>
-              <a:rPr lang="fr-FR" smtClean="0"/>
+              <a:rPr lang="fr-FR"/>
               <a:t>Modifiez le style du titre</a:t>
             </a:r>
             <a:endParaRPr lang="en-US" dirty="0"/>
@@ -7001,7 +7004,7 @@
           <a:p>
             <a:fld id="{82F26F3D-F565-4BB6-8318-6F91F9823D0C}" type="datetime1">
               <a:rPr lang="en-US" smtClean="0"/>
-              <a:t>12/13/2016</a:t>
+              <a:t>12/14/2016</a:t>
             </a:fld>
             <a:endParaRPr lang="en-US" dirty="0"/>
           </a:p>
@@ -7164,7 +7167,7 @@
           <a:p>
             <a:fld id="{5370B46F-DA69-477D-BB02-CECB73810AC8}" type="datetime1">
               <a:rPr lang="en-US" smtClean="0"/>
-              <a:t>12/13/2016</a:t>
+              <a:t>12/14/2016</a:t>
             </a:fld>
             <a:endParaRPr lang="en-US" dirty="0"/>
           </a:p>
@@ -7408,7 +7411,7 @@
           </a:lstStyle>
           <a:p>
             <a:r>
-              <a:rPr lang="fr-FR" smtClean="0"/>
+              <a:rPr lang="fr-FR"/>
               <a:t>Modifiez le style du titre</a:t>
             </a:r>
             <a:endParaRPr lang="en-US" dirty="0"/>
@@ -7437,35 +7440,35 @@
           <a:p>
             <a:pPr lvl="0"/>
             <a:r>
-              <a:rPr lang="fr-FR" smtClean="0"/>
+              <a:rPr lang="fr-FR"/>
               <a:t>Modifiez les styles du texte du masque</a:t>
             </a:r>
           </a:p>
           <a:p>
             <a:pPr lvl="1"/>
             <a:r>
-              <a:rPr lang="fr-FR" smtClean="0"/>
+              <a:rPr lang="fr-FR"/>
               <a:t>Deuxième niveau</a:t>
             </a:r>
           </a:p>
           <a:p>
             <a:pPr lvl="2"/>
             <a:r>
-              <a:rPr lang="fr-FR" smtClean="0"/>
+              <a:rPr lang="fr-FR"/>
               <a:t>Troisième niveau</a:t>
             </a:r>
           </a:p>
           <a:p>
             <a:pPr lvl="3"/>
             <a:r>
-              <a:rPr lang="fr-FR" smtClean="0"/>
+              <a:rPr lang="fr-FR"/>
               <a:t>Quatrième niveau</a:t>
             </a:r>
           </a:p>
           <a:p>
             <a:pPr lvl="4"/>
             <a:r>
-              <a:rPr lang="fr-FR" smtClean="0"/>
+              <a:rPr lang="fr-FR"/>
               <a:t>Cinquième niveau</a:t>
             </a:r>
             <a:endParaRPr lang="en-US" dirty="0"/>
@@ -7531,7 +7534,7 @@
           <a:p>
             <a:pPr lvl="0"/>
             <a:r>
-              <a:rPr lang="fr-FR" smtClean="0"/>
+              <a:rPr lang="fr-FR"/>
               <a:t>Modifiez les styles du texte du masque</a:t>
             </a:r>
           </a:p>
@@ -7554,7 +7557,7 @@
           <a:p>
             <a:fld id="{D169BAF1-2848-47B2-BB67-BD3D7AC38A98}" type="datetime1">
               <a:rPr lang="en-US" smtClean="0"/>
-              <a:t>12/13/2016</a:t>
+              <a:t>12/14/2016</a:t>
             </a:fld>
             <a:endParaRPr lang="en-US" dirty="0"/>
           </a:p>
@@ -7799,7 +7802,7 @@
           </a:lstStyle>
           <a:p>
             <a:r>
-              <a:rPr lang="fr-FR" smtClean="0"/>
+              <a:rPr lang="fr-FR"/>
               <a:t>Modifiez le style du titre</a:t>
             </a:r>
             <a:endParaRPr lang="en-US" dirty="0"/>
@@ -7875,7 +7878,7 @@
           </a:lstStyle>
           <a:p>
             <a:r>
-              <a:rPr lang="fr-FR" smtClean="0"/>
+              <a:rPr lang="fr-FR"/>
               <a:t>Cliquez sur l'icône pour ajouter une image</a:t>
             </a:r>
             <a:endParaRPr lang="en-US" dirty="0"/>
@@ -7941,7 +7944,7 @@
           <a:p>
             <a:pPr lvl="0"/>
             <a:r>
-              <a:rPr lang="fr-FR" smtClean="0"/>
+              <a:rPr lang="fr-FR"/>
               <a:t>Modifiez les styles du texte du masque</a:t>
             </a:r>
           </a:p>
@@ -7964,7 +7967,7 @@
           <a:p>
             <a:fld id="{4BB6DE48-F79F-4161-A3B9-58644F99E052}" type="datetime1">
               <a:rPr lang="en-US" smtClean="0"/>
-              <a:t>12/13/2016</a:t>
+              <a:t>12/14/2016</a:t>
             </a:fld>
             <a:endParaRPr lang="en-US" dirty="0"/>
           </a:p>
@@ -8105,7 +8108,7 @@
           <a:lstStyle/>
           <a:p>
             <a:r>
-              <a:rPr lang="fr-FR" smtClean="0"/>
+              <a:rPr lang="fr-FR"/>
               <a:t>Modifiez le style du titre</a:t>
             </a:r>
             <a:endParaRPr lang="en-US" dirty="0"/>
@@ -8139,35 +8142,35 @@
           <a:p>
             <a:pPr lvl="0"/>
             <a:r>
-              <a:rPr lang="fr-FR" smtClean="0"/>
+              <a:rPr lang="fr-FR"/>
               <a:t>Modifiez les styles du texte du masque</a:t>
             </a:r>
           </a:p>
           <a:p>
             <a:pPr lvl="1"/>
             <a:r>
-              <a:rPr lang="fr-FR" smtClean="0"/>
+              <a:rPr lang="fr-FR"/>
               <a:t>Deuxième niveau</a:t>
             </a:r>
           </a:p>
           <a:p>
             <a:pPr lvl="2"/>
             <a:r>
-              <a:rPr lang="fr-FR" smtClean="0"/>
+              <a:rPr lang="fr-FR"/>
               <a:t>Troisième niveau</a:t>
             </a:r>
           </a:p>
           <a:p>
             <a:pPr lvl="3"/>
             <a:r>
-              <a:rPr lang="fr-FR" smtClean="0"/>
+              <a:rPr lang="fr-FR"/>
               <a:t>Quatrième niveau</a:t>
             </a:r>
           </a:p>
           <a:p>
             <a:pPr lvl="4"/>
             <a:r>
-              <a:rPr lang="fr-FR" smtClean="0"/>
+              <a:rPr lang="fr-FR"/>
               <a:t>Cinquième niveau</a:t>
             </a:r>
             <a:endParaRPr lang="en-US" dirty="0"/>
@@ -8209,7 +8212,7 @@
           <a:p>
             <a:fld id="{BCB17C97-FDD0-4624-A78E-29F1042236F0}" type="datetime1">
               <a:rPr lang="en-US" smtClean="0"/>
-              <a:t>12/13/2016</a:t>
+              <a:t>12/14/2016</a:t>
             </a:fld>
             <a:endParaRPr lang="en-US" dirty="0"/>
           </a:p>
@@ -8608,6 +8611,41 @@
 <file path=ppt/slides/slide1.xml><?xml version="1.0" encoding="utf-8"?>
 <p:sld xmlns:a="http://schemas.openxmlformats.org/drawingml/2006/main" xmlns:r="http://schemas.openxmlformats.org/officeDocument/2006/relationships" xmlns:p="http://schemas.openxmlformats.org/presentationml/2006/main">
   <p:cSld>
+    <p:bg>
+      <p:bgPr>
+        <a:gradFill>
+          <a:gsLst>
+            <a:gs pos="0">
+              <a:schemeClr val="bg2">
+                <a:tint val="96000"/>
+                <a:shade val="100000"/>
+                <a:hueMod val="270000"/>
+                <a:satMod val="200000"/>
+                <a:lumMod val="128000"/>
+              </a:schemeClr>
+            </a:gs>
+            <a:gs pos="50000">
+              <a:schemeClr val="bg2">
+                <a:shade val="100000"/>
+                <a:hueMod val="100000"/>
+                <a:satMod val="110000"/>
+                <a:lumMod val="130000"/>
+              </a:schemeClr>
+            </a:gs>
+            <a:gs pos="100000">
+              <a:schemeClr val="bg2">
+                <a:shade val="78000"/>
+                <a:hueMod val="44000"/>
+                <a:satMod val="200000"/>
+                <a:lumMod val="69000"/>
+              </a:schemeClr>
+            </a:gs>
+          </a:gsLst>
+          <a:lin ang="2520000" scaled="0"/>
+        </a:gradFill>
+        <a:effectLst/>
+      </p:bgPr>
+    </p:bg>
     <p:spTree>
       <p:nvGrpSpPr>
         <p:cNvPr id="1" name=""/>
@@ -8638,22 +8676,22 @@
           <a:lstStyle/>
           <a:p>
             <a:r>
-              <a:rPr lang="fr-FR" dirty="0" smtClean="0"/>
+              <a:rPr lang="fr-FR" dirty="0"/>
               <a:t>Intelligence Artificielle</a:t>
             </a:r>
             <a:br>
-              <a:rPr lang="fr-FR" dirty="0" smtClean="0"/>
+              <a:rPr lang="fr-FR" dirty="0"/>
             </a:br>
             <a:r>
-              <a:rPr lang="fr-FR" dirty="0" err="1" smtClean="0"/>
+              <a:rPr lang="fr-FR" dirty="0" err="1"/>
               <a:t>Artificial</a:t>
             </a:r>
             <a:r>
-              <a:rPr lang="fr-FR" dirty="0" smtClean="0"/>
+              <a:rPr lang="fr-FR" dirty="0"/>
               <a:t> Bee </a:t>
             </a:r>
             <a:r>
-              <a:rPr lang="fr-FR" dirty="0" err="1" smtClean="0"/>
+              <a:rPr lang="fr-FR" dirty="0" err="1"/>
               <a:t>Colony</a:t>
             </a:r>
             <a:endParaRPr lang="fr-FR" dirty="0"/>
@@ -8676,13 +8714,13 @@
           <a:lstStyle/>
           <a:p>
             <a:r>
-              <a:rPr lang="fr-FR" dirty="0" smtClean="0"/>
+              <a:rPr lang="fr-FR" dirty="0"/>
               <a:t>Daniel WETTEL – Adrien COUCHOT – Julien ARNOLD</a:t>
             </a:r>
           </a:p>
           <a:p>
             <a:r>
-              <a:rPr lang="fr-FR" smtClean="0"/>
+              <a:rPr lang="fr-FR"/>
               <a:t>Année universitaire 2016/2017</a:t>
             </a:r>
             <a:endParaRPr lang="fr-FR" dirty="0"/>
@@ -8728,13 +8766,100 @@
   <p:clrMapOvr>
     <a:masterClrMapping/>
   </p:clrMapOvr>
-  <p:timing>
-    <p:tnLst>
-      <p:par>
-        <p:cTn id="1" dur="indefinite" restart="never" nodeType="tmRoot"/>
-      </p:par>
-    </p:tnLst>
-  </p:timing>
+</p:sld>
+</file>
+
+<file path=ppt/slides/slide10.xml><?xml version="1.0" encoding="utf-8"?>
+<p:sld xmlns:a="http://schemas.openxmlformats.org/drawingml/2006/main" xmlns:r="http://schemas.openxmlformats.org/officeDocument/2006/relationships" xmlns:p="http://schemas.openxmlformats.org/presentationml/2006/main">
+  <p:cSld>
+    <p:spTree>
+      <p:nvGrpSpPr>
+        <p:cNvPr id="1" name=""/>
+        <p:cNvGrpSpPr/>
+        <p:nvPr/>
+      </p:nvGrpSpPr>
+      <p:grpSpPr>
+        <a:xfrm>
+          <a:off x="0" y="0"/>
+          <a:ext cx="0" cy="0"/>
+          <a:chOff x="0" y="0"/>
+          <a:chExt cx="0" cy="0"/>
+        </a:xfrm>
+      </p:grpSpPr>
+      <p:sp>
+        <p:nvSpPr>
+          <p:cNvPr id="2" name="Titre 1"/>
+          <p:cNvSpPr>
+            <a:spLocks noGrp="1"/>
+          </p:cNvSpPr>
+          <p:nvPr>
+            <p:ph type="title"/>
+          </p:nvPr>
+        </p:nvSpPr>
+        <p:spPr/>
+        <p:txBody>
+          <a:bodyPr/>
+          <a:lstStyle/>
+          <a:p>
+            <a:r>
+              <a:rPr lang="fr-FR" dirty="0"/>
+              <a:t>Conclusion</a:t>
+            </a:r>
+          </a:p>
+        </p:txBody>
+      </p:sp>
+      <p:sp>
+        <p:nvSpPr>
+          <p:cNvPr id="3" name="Espace réservé du contenu 2"/>
+          <p:cNvSpPr>
+            <a:spLocks noGrp="1"/>
+          </p:cNvSpPr>
+          <p:nvPr>
+            <p:ph idx="1"/>
+          </p:nvPr>
+        </p:nvSpPr>
+        <p:spPr/>
+        <p:txBody>
+          <a:bodyPr/>
+          <a:lstStyle/>
+          <a:p>
+            <a:endParaRPr lang="fr-FR"/>
+          </a:p>
+        </p:txBody>
+      </p:sp>
+      <p:sp>
+        <p:nvSpPr>
+          <p:cNvPr id="4" name="Espace réservé du numéro de diapositive 3"/>
+          <p:cNvSpPr>
+            <a:spLocks noGrp="1"/>
+          </p:cNvSpPr>
+          <p:nvPr>
+            <p:ph type="sldNum" sz="quarter" idx="12"/>
+          </p:nvPr>
+        </p:nvSpPr>
+        <p:spPr/>
+        <p:txBody>
+          <a:bodyPr/>
+          <a:lstStyle/>
+          <a:p>
+            <a:fld id="{4FAB73BC-B049-4115-A692-8D63A059BFB8}" type="slidenum">
+              <a:rPr lang="en-US" smtClean="0"/>
+              <a:t>10</a:t>
+            </a:fld>
+            <a:endParaRPr lang="en-US" dirty="0"/>
+          </a:p>
+        </p:txBody>
+      </p:sp>
+    </p:spTree>
+    <p:extLst>
+      <p:ext uri="{BB962C8B-B14F-4D97-AF65-F5344CB8AC3E}">
+        <p14:creationId xmlns:p14="http://schemas.microsoft.com/office/powerpoint/2010/main" val="3328291024"/>
+      </p:ext>
+    </p:extLst>
+  </p:cSld>
+  <p:clrMapOvr>
+    <a:masterClrMapping/>
+  </p:clrMapOvr>
 </p:sld>
 </file>
 
@@ -8771,10 +8896,9 @@
           <a:lstStyle/>
           <a:p>
             <a:r>
-              <a:rPr lang="fr-FR" dirty="0" smtClean="0"/>
+              <a:rPr lang="fr-FR" dirty="0"/>
               <a:t>Sommaire</a:t>
             </a:r>
-            <a:endParaRPr lang="fr-FR" dirty="0"/>
           </a:p>
         </p:txBody>
       </p:sp>
@@ -8798,7 +8922,7 @@
               <a:buChar char="§"/>
             </a:pPr>
             <a:r>
-              <a:rPr lang="fr-FR" dirty="0" smtClean="0"/>
+              <a:rPr lang="fr-FR" dirty="0"/>
               <a:t>I) Introduction</a:t>
             </a:r>
           </a:p>
@@ -8808,10 +8932,29 @@
               <a:buChar char="§"/>
             </a:pPr>
             <a:r>
-              <a:rPr lang="fr-FR" dirty="0" smtClean="0"/>
+              <a:rPr lang="fr-FR" dirty="0"/>
               <a:t>II) Algorithme ABC</a:t>
             </a:r>
-            <a:endParaRPr lang="fr-FR" dirty="0" smtClean="0"/>
+          </a:p>
+          <a:p>
+            <a:pPr lvl="1">
+              <a:buFont typeface="Wingdings" panose="05000000000000000000" pitchFamily="2" charset="2"/>
+              <a:buChar char="§"/>
+            </a:pPr>
+            <a:r>
+              <a:rPr lang="fr-FR" dirty="0"/>
+              <a:t>Concept</a:t>
+            </a:r>
+          </a:p>
+          <a:p>
+            <a:pPr lvl="1">
+              <a:buFont typeface="Wingdings" panose="05000000000000000000" pitchFamily="2" charset="2"/>
+              <a:buChar char="§"/>
+            </a:pPr>
+            <a:r>
+              <a:rPr lang="fr-FR" dirty="0"/>
+              <a:t>Implantation</a:t>
+            </a:r>
           </a:p>
           <a:p>
             <a:pPr>
@@ -8819,10 +8962,29 @@
               <a:buChar char="§"/>
             </a:pPr>
             <a:r>
-              <a:rPr lang="fr-FR" dirty="0" smtClean="0"/>
-              <a:t>III) Répartition des tâches</a:t>
+              <a:rPr lang="fr-FR" dirty="0"/>
+              <a:t>III) Projet</a:t>
             </a:r>
-            <a:endParaRPr lang="fr-FR" dirty="0" smtClean="0"/>
+          </a:p>
+          <a:p>
+            <a:pPr lvl="1">
+              <a:buFont typeface="Wingdings" panose="05000000000000000000" pitchFamily="2" charset="2"/>
+              <a:buChar char="§"/>
+            </a:pPr>
+            <a:r>
+              <a:rPr lang="fr-FR" dirty="0"/>
+              <a:t>Répartition des tâches</a:t>
+            </a:r>
+          </a:p>
+          <a:p>
+            <a:pPr lvl="1">
+              <a:buFont typeface="Wingdings" panose="05000000000000000000" pitchFamily="2" charset="2"/>
+              <a:buChar char="§"/>
+            </a:pPr>
+            <a:r>
+              <a:rPr lang="fr-FR" dirty="0"/>
+              <a:t>Avancement</a:t>
+            </a:r>
           </a:p>
           <a:p>
             <a:pPr>
@@ -8830,10 +8992,9 @@
               <a:buChar char="§"/>
             </a:pPr>
             <a:r>
-              <a:rPr lang="fr-FR" dirty="0" smtClean="0"/>
+              <a:rPr lang="fr-FR" dirty="0"/>
               <a:t>IV) Conclusion</a:t>
             </a:r>
-            <a:endParaRPr lang="fr-FR" dirty="0"/>
           </a:p>
         </p:txBody>
       </p:sp>
@@ -8870,13 +9031,6 @@
   <p:clrMapOvr>
     <a:masterClrMapping/>
   </p:clrMapOvr>
-  <p:timing>
-    <p:tnLst>
-      <p:par>
-        <p:cTn id="1" dur="indefinite" restart="never" nodeType="tmRoot"/>
-      </p:par>
-    </p:tnLst>
-  </p:timing>
 </p:sld>
 </file>
 
@@ -8913,10 +9067,9 @@
           <a:lstStyle/>
           <a:p>
             <a:r>
-              <a:rPr lang="fr-FR" dirty="0" smtClean="0"/>
+              <a:rPr lang="fr-FR" dirty="0"/>
               <a:t>I) Introduction</a:t>
             </a:r>
-            <a:endParaRPr lang="fr-FR" dirty="0"/>
           </a:p>
         </p:txBody>
       </p:sp>
@@ -8978,6 +9131,41 @@
 <file path=ppt/slides/slide4.xml><?xml version="1.0" encoding="utf-8"?>
 <p:sld xmlns:a="http://schemas.openxmlformats.org/drawingml/2006/main" xmlns:r="http://schemas.openxmlformats.org/officeDocument/2006/relationships" xmlns:p="http://schemas.openxmlformats.org/presentationml/2006/main">
   <p:cSld>
+    <p:bg>
+      <p:bgPr>
+        <a:gradFill rotWithShape="1">
+          <a:gsLst>
+            <a:gs pos="0">
+              <a:schemeClr val="bg2">
+                <a:tint val="96000"/>
+                <a:shade val="100000"/>
+                <a:hueMod val="270000"/>
+                <a:satMod val="200000"/>
+                <a:lumMod val="128000"/>
+              </a:schemeClr>
+            </a:gs>
+            <a:gs pos="50000">
+              <a:schemeClr val="bg2">
+                <a:shade val="100000"/>
+                <a:hueMod val="100000"/>
+                <a:satMod val="110000"/>
+                <a:lumMod val="130000"/>
+              </a:schemeClr>
+            </a:gs>
+            <a:gs pos="100000">
+              <a:schemeClr val="bg2">
+                <a:shade val="78000"/>
+                <a:hueMod val="44000"/>
+                <a:satMod val="200000"/>
+                <a:lumMod val="69000"/>
+              </a:schemeClr>
+            </a:gs>
+          </a:gsLst>
+          <a:lin ang="2520000" scaled="0"/>
+        </a:gradFill>
+        <a:effectLst/>
+      </p:bgPr>
+    </p:bg>
     <p:spTree>
       <p:nvGrpSpPr>
         <p:cNvPr id="1" name=""/>
@@ -9008,29 +9196,9 @@
           <a:lstStyle/>
           <a:p>
             <a:r>
-              <a:rPr lang="fr-FR" dirty="0" smtClean="0"/>
+              <a:rPr lang="fr-FR" dirty="0"/>
               <a:t>II) Algorithme ABC</a:t>
             </a:r>
-            <a:endParaRPr lang="fr-FR" dirty="0"/>
-          </a:p>
-        </p:txBody>
-      </p:sp>
-      <p:sp>
-        <p:nvSpPr>
-          <p:cNvPr id="3" name="Espace réservé du contenu 2"/>
-          <p:cNvSpPr>
-            <a:spLocks noGrp="1"/>
-          </p:cNvSpPr>
-          <p:nvPr>
-            <p:ph idx="1"/>
-          </p:nvPr>
-        </p:nvSpPr>
-        <p:spPr/>
-        <p:txBody>
-          <a:bodyPr/>
-          <a:lstStyle/>
-          <a:p>
-            <a:endParaRPr lang="fr-FR"/>
           </a:p>
         </p:txBody>
       </p:sp>
@@ -9054,6 +9222,25 @@
               <a:t>4</a:t>
             </a:fld>
             <a:endParaRPr lang="en-US" dirty="0"/>
+          </a:p>
+        </p:txBody>
+      </p:sp>
+      <p:sp>
+        <p:nvSpPr>
+          <p:cNvPr id="6" name="Espace réservé du contenu 5"/>
+          <p:cNvSpPr>
+            <a:spLocks noGrp="1"/>
+          </p:cNvSpPr>
+          <p:nvPr>
+            <p:ph idx="1"/>
+          </p:nvPr>
+        </p:nvSpPr>
+        <p:spPr/>
+        <p:txBody>
+          <a:bodyPr/>
+          <a:lstStyle/>
+          <a:p>
+            <a:endParaRPr lang="en-US"/>
           </a:p>
         </p:txBody>
       </p:sp>
@@ -9103,29 +9290,9 @@
           <a:lstStyle/>
           <a:p>
             <a:r>
-              <a:rPr lang="fr-FR" dirty="0" smtClean="0"/>
-              <a:t>Répartition des tâches</a:t>
+              <a:rPr lang="en-US" dirty="0"/>
+              <a:t>Concept</a:t>
             </a:r>
-            <a:endParaRPr lang="fr-FR" dirty="0"/>
-          </a:p>
-        </p:txBody>
-      </p:sp>
-      <p:sp>
-        <p:nvSpPr>
-          <p:cNvPr id="3" name="Espace réservé du contenu 2"/>
-          <p:cNvSpPr>
-            <a:spLocks noGrp="1"/>
-          </p:cNvSpPr>
-          <p:nvPr>
-            <p:ph idx="1"/>
-          </p:nvPr>
-        </p:nvSpPr>
-        <p:spPr/>
-        <p:txBody>
-          <a:bodyPr/>
-          <a:lstStyle/>
-          <a:p>
-            <a:endParaRPr lang="fr-FR"/>
           </a:p>
         </p:txBody>
       </p:sp>
@@ -9152,16 +9319,4287 @@
           </a:p>
         </p:txBody>
       </p:sp>
+      <p:pic>
+        <p:nvPicPr>
+          <p:cNvPr id="7" name="Espace réservé du contenu 6"/>
+          <p:cNvPicPr>
+            <a:picLocks noGrp="1" noChangeAspect="1"/>
+          </p:cNvPicPr>
+          <p:nvPr>
+            <p:ph idx="1"/>
+          </p:nvPr>
+        </p:nvPicPr>
+        <p:blipFill>
+          <a:blip r:embed="rId2">
+            <a:extLst>
+              <a:ext uri="{BEBA8EAE-BF5A-486C-A8C5-ECC9F3942E4B}">
+                <a14:imgProps xmlns:a14="http://schemas.microsoft.com/office/drawing/2010/main">
+                  <a14:imgLayer r:embed="rId3">
+                    <a14:imgEffect>
+                      <a14:backgroundRemoval t="12400" b="86600" l="12200" r="88200">
+                        <a14:foregroundMark x1="34600" y1="28000" x2="34600" y2="28000"/>
+                        <a14:foregroundMark x1="62400" y1="28400" x2="62400" y2="28400"/>
+                        <a14:foregroundMark x1="52600" y1="50600" x2="52600" y2="50600"/>
+                        <a14:foregroundMark x1="74600" y1="46000" x2="74600" y2="46000"/>
+                        <a14:foregroundMark x1="19400" y1="49200" x2="20600" y2="49200"/>
+                        <a14:foregroundMark x1="37800" y1="70400" x2="37800" y2="70400"/>
+                      </a14:backgroundRemoval>
+                    </a14:imgEffect>
+                  </a14:imgLayer>
+                </a14:imgProps>
+              </a:ext>
+            </a:extLst>
+          </a:blip>
+          <a:stretch>
+            <a:fillRect/>
+          </a:stretch>
+        </p:blipFill>
+        <p:spPr>
+          <a:xfrm>
+            <a:off x="5494693" y="2172756"/>
+            <a:ext cx="277392" cy="277392"/>
+          </a:xfrm>
+        </p:spPr>
+      </p:pic>
+      <p:pic>
+        <p:nvPicPr>
+          <p:cNvPr id="8" name="Espace réservé du contenu 6"/>
+          <p:cNvPicPr>
+            <a:picLocks noChangeAspect="1"/>
+          </p:cNvPicPr>
+          <p:nvPr/>
+        </p:nvPicPr>
+        <p:blipFill>
+          <a:blip r:embed="rId4">
+            <a:extLst>
+              <a:ext uri="{BEBA8EAE-BF5A-486C-A8C5-ECC9F3942E4B}">
+                <a14:imgProps xmlns:a14="http://schemas.microsoft.com/office/drawing/2010/main">
+                  <a14:imgLayer r:embed="rId3">
+                    <a14:imgEffect>
+                      <a14:backgroundRemoval t="12400" b="86600" l="12200" r="88200">
+                        <a14:foregroundMark x1="34600" y1="28000" x2="34600" y2="28000"/>
+                        <a14:foregroundMark x1="62400" y1="28400" x2="62400" y2="28400"/>
+                        <a14:foregroundMark x1="52600" y1="50600" x2="52600" y2="50600"/>
+                        <a14:foregroundMark x1="74600" y1="46000" x2="74600" y2="46000"/>
+                        <a14:foregroundMark x1="19400" y1="49200" x2="20600" y2="49200"/>
+                        <a14:foregroundMark x1="37800" y1="70400" x2="37800" y2="70400"/>
+                      </a14:backgroundRemoval>
+                    </a14:imgEffect>
+                  </a14:imgLayer>
+                </a14:imgProps>
+              </a:ext>
+            </a:extLst>
+          </a:blip>
+          <a:stretch>
+            <a:fillRect/>
+          </a:stretch>
+        </p:blipFill>
+        <p:spPr>
+          <a:xfrm>
+            <a:off x="5727610" y="2299651"/>
+            <a:ext cx="277392" cy="267248"/>
+          </a:xfrm>
+          <a:prstGeom prst="rect">
+            <a:avLst/>
+          </a:prstGeom>
+        </p:spPr>
+      </p:pic>
+      <p:pic>
+        <p:nvPicPr>
+          <p:cNvPr id="9" name="Espace réservé du contenu 6"/>
+          <p:cNvPicPr>
+            <a:picLocks noChangeAspect="1"/>
+          </p:cNvPicPr>
+          <p:nvPr/>
+        </p:nvPicPr>
+        <p:blipFill>
+          <a:blip r:embed="rId4">
+            <a:extLst>
+              <a:ext uri="{BEBA8EAE-BF5A-486C-A8C5-ECC9F3942E4B}">
+                <a14:imgProps xmlns:a14="http://schemas.microsoft.com/office/drawing/2010/main">
+                  <a14:imgLayer r:embed="rId3">
+                    <a14:imgEffect>
+                      <a14:backgroundRemoval t="12400" b="86600" l="12200" r="88200">
+                        <a14:foregroundMark x1="34600" y1="28000" x2="34600" y2="28000"/>
+                        <a14:foregroundMark x1="62400" y1="28400" x2="62400" y2="28400"/>
+                        <a14:foregroundMark x1="52600" y1="50600" x2="52600" y2="50600"/>
+                        <a14:foregroundMark x1="74600" y1="46000" x2="74600" y2="46000"/>
+                        <a14:foregroundMark x1="19400" y1="49200" x2="20600" y2="49200"/>
+                        <a14:foregroundMark x1="37800" y1="70400" x2="37800" y2="70400"/>
+                      </a14:backgroundRemoval>
+                    </a14:imgEffect>
+                  </a14:imgLayer>
+                </a14:imgProps>
+              </a:ext>
+            </a:extLst>
+          </a:blip>
+          <a:stretch>
+            <a:fillRect/>
+          </a:stretch>
+        </p:blipFill>
+        <p:spPr>
+          <a:xfrm>
+            <a:off x="5494693" y="2401772"/>
+            <a:ext cx="277392" cy="267248"/>
+          </a:xfrm>
+          <a:prstGeom prst="rect">
+            <a:avLst/>
+          </a:prstGeom>
+        </p:spPr>
+      </p:pic>
+      <p:pic>
+        <p:nvPicPr>
+          <p:cNvPr id="10" name="Espace réservé du contenu 6"/>
+          <p:cNvPicPr>
+            <a:picLocks noChangeAspect="1"/>
+          </p:cNvPicPr>
+          <p:nvPr/>
+        </p:nvPicPr>
+        <p:blipFill>
+          <a:blip r:embed="rId4">
+            <a:extLst>
+              <a:ext uri="{BEBA8EAE-BF5A-486C-A8C5-ECC9F3942E4B}">
+                <a14:imgProps xmlns:a14="http://schemas.microsoft.com/office/drawing/2010/main">
+                  <a14:imgLayer r:embed="rId3">
+                    <a14:imgEffect>
+                      <a14:backgroundRemoval t="12400" b="86600" l="12200" r="88200">
+                        <a14:foregroundMark x1="34600" y1="28000" x2="34600" y2="28000"/>
+                        <a14:foregroundMark x1="62400" y1="28400" x2="62400" y2="28400"/>
+                        <a14:foregroundMark x1="52600" y1="50600" x2="52600" y2="50600"/>
+                        <a14:foregroundMark x1="74600" y1="46000" x2="74600" y2="46000"/>
+                        <a14:foregroundMark x1="19400" y1="49200" x2="20600" y2="49200"/>
+                        <a14:foregroundMark x1="37800" y1="70400" x2="37800" y2="70400"/>
+                      </a14:backgroundRemoval>
+                    </a14:imgEffect>
+                  </a14:imgLayer>
+                </a14:imgProps>
+              </a:ext>
+            </a:extLst>
+          </a:blip>
+          <a:stretch>
+            <a:fillRect/>
+          </a:stretch>
+        </p:blipFill>
+        <p:spPr>
+          <a:xfrm>
+            <a:off x="5727610" y="2518523"/>
+            <a:ext cx="277392" cy="267248"/>
+          </a:xfrm>
+          <a:prstGeom prst="rect">
+            <a:avLst/>
+          </a:prstGeom>
+        </p:spPr>
+      </p:pic>
+      <p:pic>
+        <p:nvPicPr>
+          <p:cNvPr id="11" name="Espace réservé du contenu 6"/>
+          <p:cNvPicPr>
+            <a:picLocks noChangeAspect="1"/>
+          </p:cNvPicPr>
+          <p:nvPr/>
+        </p:nvPicPr>
+        <p:blipFill>
+          <a:blip r:embed="rId4">
+            <a:extLst>
+              <a:ext uri="{BEBA8EAE-BF5A-486C-A8C5-ECC9F3942E4B}">
+                <a14:imgProps xmlns:a14="http://schemas.microsoft.com/office/drawing/2010/main">
+                  <a14:imgLayer r:embed="rId3">
+                    <a14:imgEffect>
+                      <a14:backgroundRemoval t="12400" b="86600" l="12200" r="88200">
+                        <a14:foregroundMark x1="34600" y1="28000" x2="34600" y2="28000"/>
+                        <a14:foregroundMark x1="62400" y1="28400" x2="62400" y2="28400"/>
+                        <a14:foregroundMark x1="52600" y1="50600" x2="52600" y2="50600"/>
+                        <a14:foregroundMark x1="74600" y1="46000" x2="74600" y2="46000"/>
+                        <a14:foregroundMark x1="19400" y1="49200" x2="20600" y2="49200"/>
+                        <a14:foregroundMark x1="37800" y1="70400" x2="37800" y2="70400"/>
+                      </a14:backgroundRemoval>
+                    </a14:imgEffect>
+                  </a14:imgLayer>
+                </a14:imgProps>
+              </a:ext>
+            </a:extLst>
+          </a:blip>
+          <a:stretch>
+            <a:fillRect/>
+          </a:stretch>
+        </p:blipFill>
+        <p:spPr>
+          <a:xfrm>
+            <a:off x="5879183" y="2128866"/>
+            <a:ext cx="277392" cy="277392"/>
+          </a:xfrm>
+          <a:prstGeom prst="rect">
+            <a:avLst/>
+          </a:prstGeom>
+        </p:spPr>
+      </p:pic>
+      <p:pic>
+        <p:nvPicPr>
+          <p:cNvPr id="12" name="Espace réservé du contenu 6"/>
+          <p:cNvPicPr>
+            <a:picLocks noChangeAspect="1"/>
+          </p:cNvPicPr>
+          <p:nvPr/>
+        </p:nvPicPr>
+        <p:blipFill>
+          <a:blip r:embed="rId4">
+            <a:extLst>
+              <a:ext uri="{BEBA8EAE-BF5A-486C-A8C5-ECC9F3942E4B}">
+                <a14:imgProps xmlns:a14="http://schemas.microsoft.com/office/drawing/2010/main">
+                  <a14:imgLayer r:embed="rId3">
+                    <a14:imgEffect>
+                      <a14:backgroundRemoval t="12400" b="86600" l="12200" r="88200">
+                        <a14:foregroundMark x1="34600" y1="28000" x2="34600" y2="28000"/>
+                        <a14:foregroundMark x1="62400" y1="28400" x2="62400" y2="28400"/>
+                        <a14:foregroundMark x1="52600" y1="50600" x2="52600" y2="50600"/>
+                        <a14:foregroundMark x1="74600" y1="46000" x2="74600" y2="46000"/>
+                        <a14:foregroundMark x1="19400" y1="49200" x2="20600" y2="49200"/>
+                        <a14:foregroundMark x1="37800" y1="70400" x2="37800" y2="70400"/>
+                      </a14:backgroundRemoval>
+                    </a14:imgEffect>
+                  </a14:imgLayer>
+                </a14:imgProps>
+              </a:ext>
+            </a:extLst>
+          </a:blip>
+          <a:stretch>
+            <a:fillRect/>
+          </a:stretch>
+        </p:blipFill>
+        <p:spPr>
+          <a:xfrm>
+            <a:off x="5960527" y="2389971"/>
+            <a:ext cx="277392" cy="267248"/>
+          </a:xfrm>
+          <a:prstGeom prst="rect">
+            <a:avLst/>
+          </a:prstGeom>
+        </p:spPr>
+      </p:pic>
+      <p:pic>
+        <p:nvPicPr>
+          <p:cNvPr id="13" name="Espace réservé du contenu 6"/>
+          <p:cNvPicPr>
+            <a:picLocks noChangeAspect="1"/>
+          </p:cNvPicPr>
+          <p:nvPr/>
+        </p:nvPicPr>
+        <p:blipFill>
+          <a:blip r:embed="rId4">
+            <a:extLst>
+              <a:ext uri="{BEBA8EAE-BF5A-486C-A8C5-ECC9F3942E4B}">
+                <a14:imgProps xmlns:a14="http://schemas.microsoft.com/office/drawing/2010/main">
+                  <a14:imgLayer r:embed="rId3">
+                    <a14:imgEffect>
+                      <a14:backgroundRemoval t="12400" b="86600" l="12200" r="88200">
+                        <a14:foregroundMark x1="34600" y1="28000" x2="34600" y2="28000"/>
+                        <a14:foregroundMark x1="62400" y1="28400" x2="62400" y2="28400"/>
+                        <a14:foregroundMark x1="52600" y1="50600" x2="52600" y2="50600"/>
+                        <a14:foregroundMark x1="74600" y1="46000" x2="74600" y2="46000"/>
+                        <a14:foregroundMark x1="19400" y1="49200" x2="20600" y2="49200"/>
+                        <a14:foregroundMark x1="37800" y1="70400" x2="37800" y2="70400"/>
+                      </a14:backgroundRemoval>
+                    </a14:imgEffect>
+                  </a14:imgLayer>
+                </a14:imgProps>
+              </a:ext>
+            </a:extLst>
+          </a:blip>
+          <a:stretch>
+            <a:fillRect/>
+          </a:stretch>
+        </p:blipFill>
+        <p:spPr>
+          <a:xfrm>
+            <a:off x="6124977" y="2179783"/>
+            <a:ext cx="277392" cy="277392"/>
+          </a:xfrm>
+          <a:prstGeom prst="rect">
+            <a:avLst/>
+          </a:prstGeom>
+        </p:spPr>
+      </p:pic>
+      <p:pic>
+        <p:nvPicPr>
+          <p:cNvPr id="14" name="Espace réservé du contenu 6"/>
+          <p:cNvPicPr>
+            <a:picLocks noChangeAspect="1"/>
+          </p:cNvPicPr>
+          <p:nvPr/>
+        </p:nvPicPr>
+        <p:blipFill>
+          <a:blip r:embed="rId4">
+            <a:extLst>
+              <a:ext uri="{BEBA8EAE-BF5A-486C-A8C5-ECC9F3942E4B}">
+                <a14:imgProps xmlns:a14="http://schemas.microsoft.com/office/drawing/2010/main">
+                  <a14:imgLayer r:embed="rId3">
+                    <a14:imgEffect>
+                      <a14:backgroundRemoval t="12400" b="86600" l="12200" r="88200">
+                        <a14:foregroundMark x1="34600" y1="28000" x2="34600" y2="28000"/>
+                        <a14:foregroundMark x1="62400" y1="28400" x2="62400" y2="28400"/>
+                        <a14:foregroundMark x1="52600" y1="50600" x2="52600" y2="50600"/>
+                        <a14:foregroundMark x1="74600" y1="46000" x2="74600" y2="46000"/>
+                        <a14:foregroundMark x1="19400" y1="49200" x2="20600" y2="49200"/>
+                        <a14:foregroundMark x1="37800" y1="70400" x2="37800" y2="70400"/>
+                      </a14:backgroundRemoval>
+                    </a14:imgEffect>
+                  </a14:imgLayer>
+                </a14:imgProps>
+              </a:ext>
+            </a:extLst>
+          </a:blip>
+          <a:stretch>
+            <a:fillRect/>
+          </a:stretch>
+        </p:blipFill>
+        <p:spPr>
+          <a:xfrm>
+            <a:off x="6124977" y="2592945"/>
+            <a:ext cx="277392" cy="267248"/>
+          </a:xfrm>
+          <a:prstGeom prst="rect">
+            <a:avLst/>
+          </a:prstGeom>
+        </p:spPr>
+      </p:pic>
+      <p:pic>
+        <p:nvPicPr>
+          <p:cNvPr id="15" name="Espace réservé du contenu 6"/>
+          <p:cNvPicPr>
+            <a:picLocks noChangeAspect="1"/>
+          </p:cNvPicPr>
+          <p:nvPr/>
+        </p:nvPicPr>
+        <p:blipFill>
+          <a:blip r:embed="rId4">
+            <a:extLst>
+              <a:ext uri="{BEBA8EAE-BF5A-486C-A8C5-ECC9F3942E4B}">
+                <a14:imgProps xmlns:a14="http://schemas.microsoft.com/office/drawing/2010/main">
+                  <a14:imgLayer r:embed="rId3">
+                    <a14:imgEffect>
+                      <a14:backgroundRemoval t="12400" b="86600" l="12200" r="88200">
+                        <a14:foregroundMark x1="34600" y1="28000" x2="34600" y2="28000"/>
+                        <a14:foregroundMark x1="62400" y1="28400" x2="62400" y2="28400"/>
+                        <a14:foregroundMark x1="52600" y1="50600" x2="52600" y2="50600"/>
+                        <a14:foregroundMark x1="74600" y1="46000" x2="74600" y2="46000"/>
+                        <a14:foregroundMark x1="19400" y1="49200" x2="20600" y2="49200"/>
+                        <a14:foregroundMark x1="37800" y1="70400" x2="37800" y2="70400"/>
+                      </a14:backgroundRemoval>
+                    </a14:imgEffect>
+                  </a14:imgLayer>
+                </a14:imgProps>
+              </a:ext>
+            </a:extLst>
+          </a:blip>
+          <a:stretch>
+            <a:fillRect/>
+          </a:stretch>
+        </p:blipFill>
+        <p:spPr>
+          <a:xfrm>
+            <a:off x="6231778" y="2401772"/>
+            <a:ext cx="277392" cy="267248"/>
+          </a:xfrm>
+          <a:prstGeom prst="rect">
+            <a:avLst/>
+          </a:prstGeom>
+        </p:spPr>
+      </p:pic>
+      <p:pic>
+        <p:nvPicPr>
+          <p:cNvPr id="16" name="Espace réservé du contenu 6"/>
+          <p:cNvPicPr>
+            <a:picLocks noChangeAspect="1"/>
+          </p:cNvPicPr>
+          <p:nvPr/>
+        </p:nvPicPr>
+        <p:blipFill>
+          <a:blip r:embed="rId4">
+            <a:extLst>
+              <a:ext uri="{BEBA8EAE-BF5A-486C-A8C5-ECC9F3942E4B}">
+                <a14:imgProps xmlns:a14="http://schemas.microsoft.com/office/drawing/2010/main">
+                  <a14:imgLayer r:embed="rId3">
+                    <a14:imgEffect>
+                      <a14:backgroundRemoval t="12400" b="86600" l="12200" r="88200">
+                        <a14:foregroundMark x1="34600" y1="28000" x2="34600" y2="28000"/>
+                        <a14:foregroundMark x1="62400" y1="28400" x2="62400" y2="28400"/>
+                        <a14:foregroundMark x1="52600" y1="50600" x2="52600" y2="50600"/>
+                        <a14:foregroundMark x1="74600" y1="46000" x2="74600" y2="46000"/>
+                        <a14:foregroundMark x1="19400" y1="49200" x2="20600" y2="49200"/>
+                        <a14:foregroundMark x1="37800" y1="70400" x2="37800" y2="70400"/>
+                      </a14:backgroundRemoval>
+                    </a14:imgEffect>
+                  </a14:imgLayer>
+                </a14:imgProps>
+              </a:ext>
+            </a:extLst>
+          </a:blip>
+          <a:stretch>
+            <a:fillRect/>
+          </a:stretch>
+        </p:blipFill>
+        <p:spPr>
+          <a:xfrm>
+            <a:off x="5454898" y="2620646"/>
+            <a:ext cx="277392" cy="267248"/>
+          </a:xfrm>
+          <a:prstGeom prst="rect">
+            <a:avLst/>
+          </a:prstGeom>
+        </p:spPr>
+      </p:pic>
+      <p:pic>
+        <p:nvPicPr>
+          <p:cNvPr id="17" name="Image 16"/>
+          <p:cNvPicPr>
+            <a:picLocks noChangeAspect="1"/>
+          </p:cNvPicPr>
+          <p:nvPr/>
+        </p:nvPicPr>
+        <p:blipFill>
+          <a:blip r:embed="rId5"/>
+          <a:stretch>
+            <a:fillRect/>
+          </a:stretch>
+        </p:blipFill>
+        <p:spPr>
+          <a:xfrm rot="20663071" flipH="1">
+            <a:off x="526493" y="4213402"/>
+            <a:ext cx="611220" cy="501200"/>
+          </a:xfrm>
+          <a:prstGeom prst="rect">
+            <a:avLst/>
+          </a:prstGeom>
+        </p:spPr>
+      </p:pic>
+      <p:sp>
+        <p:nvSpPr>
+          <p:cNvPr id="18" name="ZoneTexte 17"/>
+          <p:cNvSpPr txBox="1"/>
+          <p:nvPr/>
+        </p:nvSpPr>
+        <p:spPr>
+          <a:xfrm>
+            <a:off x="3993327" y="2340884"/>
+            <a:ext cx="1461571" cy="369332"/>
+          </a:xfrm>
+          <a:prstGeom prst="rect">
+            <a:avLst/>
+          </a:prstGeom>
+          <a:noFill/>
+        </p:spPr>
+        <p:txBody>
+          <a:bodyPr wrap="square" rtlCol="0">
+            <a:spAutoFit/>
+          </a:bodyPr>
+          <a:lstStyle/>
+          <a:p>
+            <a:r>
+              <a:rPr lang="fr-FR" dirty="0"/>
+              <a:t>Initialisation</a:t>
+            </a:r>
+          </a:p>
+        </p:txBody>
+      </p:sp>
+      <p:pic>
+        <p:nvPicPr>
+          <p:cNvPr id="19" name="Espace réservé du contenu 6"/>
+          <p:cNvPicPr>
+            <a:picLocks noChangeAspect="1"/>
+          </p:cNvPicPr>
+          <p:nvPr/>
+        </p:nvPicPr>
+        <p:blipFill>
+          <a:blip r:embed="rId2">
+            <a:extLst>
+              <a:ext uri="{BEBA8EAE-BF5A-486C-A8C5-ECC9F3942E4B}">
+                <a14:imgProps xmlns:a14="http://schemas.microsoft.com/office/drawing/2010/main">
+                  <a14:imgLayer r:embed="rId3">
+                    <a14:imgEffect>
+                      <a14:backgroundRemoval t="12400" b="86600" l="12200" r="88200">
+                        <a14:foregroundMark x1="34600" y1="28000" x2="34600" y2="28000"/>
+                        <a14:foregroundMark x1="62400" y1="28400" x2="62400" y2="28400"/>
+                        <a14:foregroundMark x1="52600" y1="50600" x2="52600" y2="50600"/>
+                        <a14:foregroundMark x1="74600" y1="46000" x2="74600" y2="46000"/>
+                        <a14:foregroundMark x1="19400" y1="49200" x2="20600" y2="49200"/>
+                        <a14:foregroundMark x1="37800" y1="70400" x2="37800" y2="70400"/>
+                      </a14:backgroundRemoval>
+                    </a14:imgEffect>
+                  </a14:imgLayer>
+                </a14:imgProps>
+              </a:ext>
+            </a:extLst>
+          </a:blip>
+          <a:stretch>
+            <a:fillRect/>
+          </a:stretch>
+        </p:blipFill>
+        <p:spPr>
+          <a:xfrm>
+            <a:off x="1206279" y="4030269"/>
+            <a:ext cx="200327" cy="200327"/>
+          </a:xfrm>
+          <a:prstGeom prst="rect">
+            <a:avLst/>
+          </a:prstGeom>
+        </p:spPr>
+      </p:pic>
+      <p:pic>
+        <p:nvPicPr>
+          <p:cNvPr id="20" name="Espace réservé du contenu 6"/>
+          <p:cNvPicPr>
+            <a:picLocks noChangeAspect="1"/>
+          </p:cNvPicPr>
+          <p:nvPr/>
+        </p:nvPicPr>
+        <p:blipFill>
+          <a:blip r:embed="rId2">
+            <a:extLst>
+              <a:ext uri="{BEBA8EAE-BF5A-486C-A8C5-ECC9F3942E4B}">
+                <a14:imgProps xmlns:a14="http://schemas.microsoft.com/office/drawing/2010/main">
+                  <a14:imgLayer r:embed="rId3">
+                    <a14:imgEffect>
+                      <a14:backgroundRemoval t="12400" b="86600" l="12200" r="88200">
+                        <a14:foregroundMark x1="34600" y1="28000" x2="34600" y2="28000"/>
+                        <a14:foregroundMark x1="62400" y1="28400" x2="62400" y2="28400"/>
+                        <a14:foregroundMark x1="52600" y1="50600" x2="52600" y2="50600"/>
+                        <a14:foregroundMark x1="74600" y1="46000" x2="74600" y2="46000"/>
+                        <a14:foregroundMark x1="19400" y1="49200" x2="20600" y2="49200"/>
+                        <a14:foregroundMark x1="37800" y1="70400" x2="37800" y2="70400"/>
+                      </a14:backgroundRemoval>
+                    </a14:imgEffect>
+                  </a14:imgLayer>
+                </a14:imgProps>
+              </a:ext>
+            </a:extLst>
+          </a:blip>
+          <a:stretch>
+            <a:fillRect/>
+          </a:stretch>
+        </p:blipFill>
+        <p:spPr>
+          <a:xfrm>
+            <a:off x="1394625" y="4030269"/>
+            <a:ext cx="200327" cy="200327"/>
+          </a:xfrm>
+          <a:prstGeom prst="rect">
+            <a:avLst/>
+          </a:prstGeom>
+        </p:spPr>
+      </p:pic>
+      <p:pic>
+        <p:nvPicPr>
+          <p:cNvPr id="21" name="Espace réservé du contenu 6"/>
+          <p:cNvPicPr>
+            <a:picLocks noChangeAspect="1"/>
+          </p:cNvPicPr>
+          <p:nvPr/>
+        </p:nvPicPr>
+        <p:blipFill>
+          <a:blip r:embed="rId2">
+            <a:extLst>
+              <a:ext uri="{BEBA8EAE-BF5A-486C-A8C5-ECC9F3942E4B}">
+                <a14:imgProps xmlns:a14="http://schemas.microsoft.com/office/drawing/2010/main">
+                  <a14:imgLayer r:embed="rId3">
+                    <a14:imgEffect>
+                      <a14:backgroundRemoval t="12400" b="86600" l="12200" r="88200">
+                        <a14:foregroundMark x1="34600" y1="28000" x2="34600" y2="28000"/>
+                        <a14:foregroundMark x1="62400" y1="28400" x2="62400" y2="28400"/>
+                        <a14:foregroundMark x1="52600" y1="50600" x2="52600" y2="50600"/>
+                        <a14:foregroundMark x1="74600" y1="46000" x2="74600" y2="46000"/>
+                        <a14:foregroundMark x1="19400" y1="49200" x2="20600" y2="49200"/>
+                        <a14:foregroundMark x1="37800" y1="70400" x2="37800" y2="70400"/>
+                      </a14:backgroundRemoval>
+                    </a14:imgEffect>
+                  </a14:imgLayer>
+                </a14:imgProps>
+              </a:ext>
+            </a:extLst>
+          </a:blip>
+          <a:stretch>
+            <a:fillRect/>
+          </a:stretch>
+        </p:blipFill>
+        <p:spPr>
+          <a:xfrm>
+            <a:off x="1594952" y="4030270"/>
+            <a:ext cx="200327" cy="200327"/>
+          </a:xfrm>
+          <a:prstGeom prst="rect">
+            <a:avLst/>
+          </a:prstGeom>
+        </p:spPr>
+      </p:pic>
+      <p:sp>
+        <p:nvSpPr>
+          <p:cNvPr id="22" name="ZoneTexte 21"/>
+          <p:cNvSpPr txBox="1"/>
+          <p:nvPr/>
+        </p:nvSpPr>
+        <p:spPr>
+          <a:xfrm>
+            <a:off x="1055194" y="4418285"/>
+            <a:ext cx="1983555" cy="369332"/>
+          </a:xfrm>
+          <a:prstGeom prst="rect">
+            <a:avLst/>
+          </a:prstGeom>
+          <a:noFill/>
+        </p:spPr>
+        <p:txBody>
+          <a:bodyPr wrap="square" rtlCol="0">
+            <a:spAutoFit/>
+          </a:bodyPr>
+          <a:lstStyle/>
+          <a:p>
+            <a:r>
+              <a:rPr lang="fr-FR" dirty="0" err="1"/>
+              <a:t>EmployedBee</a:t>
+            </a:r>
+            <a:endParaRPr lang="fr-FR" dirty="0"/>
+          </a:p>
+        </p:txBody>
+      </p:sp>
+      <p:sp>
+        <p:nvSpPr>
+          <p:cNvPr id="23" name="Rectangle 22"/>
+          <p:cNvSpPr/>
+          <p:nvPr/>
+        </p:nvSpPr>
+        <p:spPr>
+          <a:xfrm>
+            <a:off x="1194297" y="4061086"/>
+            <a:ext cx="600982" cy="138696"/>
+          </a:xfrm>
+          <a:prstGeom prst="rect">
+            <a:avLst/>
+          </a:prstGeom>
+          <a:noFill/>
+        </p:spPr>
+        <p:style>
+          <a:lnRef idx="2">
+            <a:schemeClr val="accent1">
+              <a:shade val="50000"/>
+            </a:schemeClr>
+          </a:lnRef>
+          <a:fillRef idx="1">
+            <a:schemeClr val="accent1"/>
+          </a:fillRef>
+          <a:effectRef idx="0">
+            <a:schemeClr val="accent1"/>
+          </a:effectRef>
+          <a:fontRef idx="minor">
+            <a:schemeClr val="lt1"/>
+          </a:fontRef>
+        </p:style>
+        <p:txBody>
+          <a:bodyPr rtlCol="0" anchor="ctr"/>
+          <a:lstStyle/>
+          <a:p>
+            <a:pPr algn="ctr"/>
+            <a:endParaRPr lang="en-US"/>
+          </a:p>
+        </p:txBody>
+      </p:sp>
+      <p:pic>
+        <p:nvPicPr>
+          <p:cNvPr id="24" name="Image 23"/>
+          <p:cNvPicPr>
+            <a:picLocks noChangeAspect="1"/>
+          </p:cNvPicPr>
+          <p:nvPr/>
+        </p:nvPicPr>
+        <p:blipFill>
+          <a:blip r:embed="rId5"/>
+          <a:stretch>
+            <a:fillRect/>
+          </a:stretch>
+        </p:blipFill>
+        <p:spPr>
+          <a:xfrm rot="656426">
+            <a:off x="4717033" y="4209461"/>
+            <a:ext cx="637127" cy="522444"/>
+          </a:xfrm>
+          <a:prstGeom prst="rect">
+            <a:avLst/>
+          </a:prstGeom>
+        </p:spPr>
+      </p:pic>
+      <p:sp>
+        <p:nvSpPr>
+          <p:cNvPr id="29" name="ZoneTexte 28"/>
+          <p:cNvSpPr txBox="1"/>
+          <p:nvPr/>
+        </p:nvSpPr>
+        <p:spPr>
+          <a:xfrm>
+            <a:off x="3239077" y="4381790"/>
+            <a:ext cx="1526374" cy="369332"/>
+          </a:xfrm>
+          <a:prstGeom prst="rect">
+            <a:avLst/>
+          </a:prstGeom>
+          <a:noFill/>
+        </p:spPr>
+        <p:txBody>
+          <a:bodyPr wrap="square" rtlCol="0">
+            <a:spAutoFit/>
+          </a:bodyPr>
+          <a:lstStyle/>
+          <a:p>
+            <a:r>
+              <a:rPr lang="fr-FR" dirty="0" err="1"/>
+              <a:t>OnlookerBee</a:t>
+            </a:r>
+            <a:endParaRPr lang="fr-FR" dirty="0"/>
+          </a:p>
+        </p:txBody>
+      </p:sp>
+      <p:cxnSp>
+        <p:nvCxnSpPr>
+          <p:cNvPr id="36" name="Connecteur droit avec flèche 35"/>
+          <p:cNvCxnSpPr/>
+          <p:nvPr/>
+        </p:nvCxnSpPr>
+        <p:spPr>
+          <a:xfrm flipH="1" flipV="1">
+            <a:off x="2150333" y="4140387"/>
+            <a:ext cx="2426771" cy="241403"/>
+          </a:xfrm>
+          <a:prstGeom prst="straightConnector1">
+            <a:avLst/>
+          </a:prstGeom>
+          <a:ln w="57150">
+            <a:tailEnd type="triangle"/>
+          </a:ln>
+        </p:spPr>
+        <p:style>
+          <a:lnRef idx="1">
+            <a:schemeClr val="accent1"/>
+          </a:lnRef>
+          <a:fillRef idx="0">
+            <a:schemeClr val="accent1"/>
+          </a:fillRef>
+          <a:effectRef idx="0">
+            <a:schemeClr val="accent1"/>
+          </a:effectRef>
+          <a:fontRef idx="minor">
+            <a:schemeClr val="tx1"/>
+          </a:fontRef>
+        </p:style>
+      </p:cxnSp>
+      <p:sp>
+        <p:nvSpPr>
+          <p:cNvPr id="37" name="ZoneTexte 36"/>
+          <p:cNvSpPr txBox="1"/>
+          <p:nvPr/>
+        </p:nvSpPr>
+        <p:spPr>
+          <a:xfrm>
+            <a:off x="4765450" y="3975963"/>
+            <a:ext cx="352595" cy="369332"/>
+          </a:xfrm>
+          <a:prstGeom prst="rect">
+            <a:avLst/>
+          </a:prstGeom>
+          <a:noFill/>
+        </p:spPr>
+        <p:txBody>
+          <a:bodyPr wrap="square" rtlCol="0">
+            <a:spAutoFit/>
+          </a:bodyPr>
+          <a:lstStyle/>
+          <a:p>
+            <a:r>
+              <a:rPr lang="fr-FR" dirty="0"/>
+              <a:t>?</a:t>
+            </a:r>
+          </a:p>
+        </p:txBody>
+      </p:sp>
+      <p:pic>
+        <p:nvPicPr>
+          <p:cNvPr id="38" name="Image 37"/>
+          <p:cNvPicPr>
+            <a:picLocks noChangeAspect="1"/>
+          </p:cNvPicPr>
+          <p:nvPr/>
+        </p:nvPicPr>
+        <p:blipFill>
+          <a:blip r:embed="rId5"/>
+          <a:stretch>
+            <a:fillRect/>
+          </a:stretch>
+        </p:blipFill>
+        <p:spPr>
+          <a:xfrm rot="656426">
+            <a:off x="7751580" y="4031676"/>
+            <a:ext cx="637127" cy="522444"/>
+          </a:xfrm>
+          <a:prstGeom prst="rect">
+            <a:avLst/>
+          </a:prstGeom>
+        </p:spPr>
+      </p:pic>
+      <p:sp>
+        <p:nvSpPr>
+          <p:cNvPr id="39" name="ZoneTexte 38"/>
+          <p:cNvSpPr txBox="1"/>
+          <p:nvPr/>
+        </p:nvSpPr>
+        <p:spPr>
+          <a:xfrm>
+            <a:off x="6736618" y="4405355"/>
+            <a:ext cx="1167095" cy="369332"/>
+          </a:xfrm>
+          <a:prstGeom prst="rect">
+            <a:avLst/>
+          </a:prstGeom>
+          <a:noFill/>
+        </p:spPr>
+        <p:txBody>
+          <a:bodyPr wrap="square" rtlCol="0">
+            <a:spAutoFit/>
+          </a:bodyPr>
+          <a:lstStyle/>
+          <a:p>
+            <a:r>
+              <a:rPr lang="fr-FR" dirty="0" err="1"/>
+              <a:t>ScootBee</a:t>
+            </a:r>
+            <a:endParaRPr lang="fr-FR" dirty="0"/>
+          </a:p>
+        </p:txBody>
+      </p:sp>
+      <p:pic>
+        <p:nvPicPr>
+          <p:cNvPr id="40" name="Espace réservé du contenu 6"/>
+          <p:cNvPicPr>
+            <a:picLocks noChangeAspect="1"/>
+          </p:cNvPicPr>
+          <p:nvPr/>
+        </p:nvPicPr>
+        <p:blipFill>
+          <a:blip r:embed="rId2">
+            <a:duotone>
+              <a:prstClr val="black"/>
+              <a:schemeClr val="accent6">
+                <a:tint val="45000"/>
+                <a:satMod val="400000"/>
+              </a:schemeClr>
+            </a:duotone>
+            <a:extLst>
+              <a:ext uri="{BEBA8EAE-BF5A-486C-A8C5-ECC9F3942E4B}">
+                <a14:imgProps xmlns:a14="http://schemas.microsoft.com/office/drawing/2010/main">
+                  <a14:imgLayer r:embed="rId3">
+                    <a14:imgEffect>
+                      <a14:backgroundRemoval t="12400" b="86600" l="12200" r="88200">
+                        <a14:foregroundMark x1="34600" y1="28000" x2="34600" y2="28000"/>
+                        <a14:foregroundMark x1="62400" y1="28400" x2="62400" y2="28400"/>
+                        <a14:foregroundMark x1="52600" y1="50600" x2="52600" y2="50600"/>
+                        <a14:foregroundMark x1="74600" y1="46000" x2="74600" y2="46000"/>
+                        <a14:foregroundMark x1="19400" y1="49200" x2="20600" y2="49200"/>
+                        <a14:foregroundMark x1="37800" y1="70400" x2="37800" y2="70400"/>
+                      </a14:backgroundRemoval>
+                    </a14:imgEffect>
+                  </a14:imgLayer>
+                </a14:imgProps>
+              </a:ext>
+            </a:extLst>
+          </a:blip>
+          <a:stretch>
+            <a:fillRect/>
+          </a:stretch>
+        </p:blipFill>
+        <p:spPr>
+          <a:xfrm rot="20461825">
+            <a:off x="6347945" y="3809396"/>
+            <a:ext cx="200327" cy="200327"/>
+          </a:xfrm>
+          <a:prstGeom prst="rect">
+            <a:avLst/>
+          </a:prstGeom>
+        </p:spPr>
+      </p:pic>
+      <p:pic>
+        <p:nvPicPr>
+          <p:cNvPr id="41" name="Espace réservé du contenu 6"/>
+          <p:cNvPicPr>
+            <a:picLocks noChangeAspect="1"/>
+          </p:cNvPicPr>
+          <p:nvPr/>
+        </p:nvPicPr>
+        <p:blipFill>
+          <a:blip r:embed="rId2">
+            <a:duotone>
+              <a:prstClr val="black"/>
+              <a:schemeClr val="accent6">
+                <a:tint val="45000"/>
+                <a:satMod val="400000"/>
+              </a:schemeClr>
+            </a:duotone>
+            <a:extLst>
+              <a:ext uri="{BEBA8EAE-BF5A-486C-A8C5-ECC9F3942E4B}">
+                <a14:imgProps xmlns:a14="http://schemas.microsoft.com/office/drawing/2010/main">
+                  <a14:imgLayer r:embed="rId3">
+                    <a14:imgEffect>
+                      <a14:backgroundRemoval t="12400" b="86600" l="12200" r="88200">
+                        <a14:foregroundMark x1="34600" y1="28000" x2="34600" y2="28000"/>
+                        <a14:foregroundMark x1="62400" y1="28400" x2="62400" y2="28400"/>
+                        <a14:foregroundMark x1="52600" y1="50600" x2="52600" y2="50600"/>
+                        <a14:foregroundMark x1="74600" y1="46000" x2="74600" y2="46000"/>
+                        <a14:foregroundMark x1="19400" y1="49200" x2="20600" y2="49200"/>
+                        <a14:foregroundMark x1="37800" y1="70400" x2="37800" y2="70400"/>
+                      </a14:backgroundRemoval>
+                    </a14:imgEffect>
+                  </a14:imgLayer>
+                </a14:imgProps>
+              </a:ext>
+            </a:extLst>
+          </a:blip>
+          <a:stretch>
+            <a:fillRect/>
+          </a:stretch>
+        </p:blipFill>
+        <p:spPr>
+          <a:xfrm rot="20461825">
+            <a:off x="6536291" y="3809396"/>
+            <a:ext cx="200327" cy="200327"/>
+          </a:xfrm>
+          <a:prstGeom prst="rect">
+            <a:avLst/>
+          </a:prstGeom>
+        </p:spPr>
+      </p:pic>
+      <p:pic>
+        <p:nvPicPr>
+          <p:cNvPr id="42" name="Espace réservé du contenu 6"/>
+          <p:cNvPicPr>
+            <a:picLocks noChangeAspect="1"/>
+          </p:cNvPicPr>
+          <p:nvPr/>
+        </p:nvPicPr>
+        <p:blipFill>
+          <a:blip r:embed="rId2">
+            <a:duotone>
+              <a:prstClr val="black"/>
+              <a:schemeClr val="accent6">
+                <a:tint val="45000"/>
+                <a:satMod val="400000"/>
+              </a:schemeClr>
+            </a:duotone>
+            <a:extLst>
+              <a:ext uri="{BEBA8EAE-BF5A-486C-A8C5-ECC9F3942E4B}">
+                <a14:imgProps xmlns:a14="http://schemas.microsoft.com/office/drawing/2010/main">
+                  <a14:imgLayer r:embed="rId3">
+                    <a14:imgEffect>
+                      <a14:backgroundRemoval t="12400" b="86600" l="12200" r="88200">
+                        <a14:foregroundMark x1="34600" y1="28000" x2="34600" y2="28000"/>
+                        <a14:foregroundMark x1="62400" y1="28400" x2="62400" y2="28400"/>
+                        <a14:foregroundMark x1="52600" y1="50600" x2="52600" y2="50600"/>
+                        <a14:foregroundMark x1="74600" y1="46000" x2="74600" y2="46000"/>
+                        <a14:foregroundMark x1="19400" y1="49200" x2="20600" y2="49200"/>
+                        <a14:foregroundMark x1="37800" y1="70400" x2="37800" y2="70400"/>
+                      </a14:backgroundRemoval>
+                    </a14:imgEffect>
+                  </a14:imgLayer>
+                </a14:imgProps>
+              </a:ext>
+            </a:extLst>
+          </a:blip>
+          <a:stretch>
+            <a:fillRect/>
+          </a:stretch>
+        </p:blipFill>
+        <p:spPr>
+          <a:xfrm rot="20461825">
+            <a:off x="6736618" y="3809397"/>
+            <a:ext cx="200327" cy="200327"/>
+          </a:xfrm>
+          <a:prstGeom prst="rect">
+            <a:avLst/>
+          </a:prstGeom>
+        </p:spPr>
+      </p:pic>
+      <p:sp>
+        <p:nvSpPr>
+          <p:cNvPr id="43" name="Rectangle 42"/>
+          <p:cNvSpPr/>
+          <p:nvPr/>
+        </p:nvSpPr>
+        <p:spPr>
+          <a:xfrm rot="20461825">
+            <a:off x="6335963" y="3840213"/>
+            <a:ext cx="600982" cy="138696"/>
+          </a:xfrm>
+          <a:prstGeom prst="rect">
+            <a:avLst/>
+          </a:prstGeom>
+          <a:noFill/>
+        </p:spPr>
+        <p:style>
+          <a:lnRef idx="2">
+            <a:schemeClr val="accent1">
+              <a:shade val="50000"/>
+            </a:schemeClr>
+          </a:lnRef>
+          <a:fillRef idx="1">
+            <a:schemeClr val="accent1"/>
+          </a:fillRef>
+          <a:effectRef idx="0">
+            <a:schemeClr val="accent1"/>
+          </a:effectRef>
+          <a:fontRef idx="minor">
+            <a:schemeClr val="lt1"/>
+          </a:fontRef>
+        </p:style>
+        <p:txBody>
+          <a:bodyPr rtlCol="0" anchor="ctr"/>
+          <a:lstStyle/>
+          <a:p>
+            <a:pPr algn="ctr"/>
+            <a:endParaRPr lang="en-US"/>
+          </a:p>
+        </p:txBody>
+      </p:sp>
+      <p:pic>
+        <p:nvPicPr>
+          <p:cNvPr id="47" name="Espace réservé du contenu 6"/>
+          <p:cNvPicPr>
+            <a:picLocks noChangeAspect="1"/>
+          </p:cNvPicPr>
+          <p:nvPr/>
+        </p:nvPicPr>
+        <p:blipFill>
+          <a:blip r:embed="rId2">
+            <a:duotone>
+              <a:prstClr val="black"/>
+              <a:schemeClr val="accent6">
+                <a:tint val="45000"/>
+                <a:satMod val="400000"/>
+              </a:schemeClr>
+            </a:duotone>
+            <a:extLst>
+              <a:ext uri="{BEBA8EAE-BF5A-486C-A8C5-ECC9F3942E4B}">
+                <a14:imgProps xmlns:a14="http://schemas.microsoft.com/office/drawing/2010/main">
+                  <a14:imgLayer r:embed="rId3">
+                    <a14:imgEffect>
+                      <a14:backgroundRemoval t="12400" b="86600" l="12200" r="88200">
+                        <a14:foregroundMark x1="34600" y1="28000" x2="34600" y2="28000"/>
+                        <a14:foregroundMark x1="62400" y1="28400" x2="62400" y2="28400"/>
+                        <a14:foregroundMark x1="52600" y1="50600" x2="52600" y2="50600"/>
+                        <a14:foregroundMark x1="74600" y1="46000" x2="74600" y2="46000"/>
+                        <a14:foregroundMark x1="19400" y1="49200" x2="20600" y2="49200"/>
+                        <a14:foregroundMark x1="37800" y1="70400" x2="37800" y2="70400"/>
+                      </a14:backgroundRemoval>
+                    </a14:imgEffect>
+                  </a14:imgLayer>
+                </a14:imgProps>
+              </a:ext>
+            </a:extLst>
+          </a:blip>
+          <a:stretch>
+            <a:fillRect/>
+          </a:stretch>
+        </p:blipFill>
+        <p:spPr>
+          <a:xfrm rot="1411106">
+            <a:off x="6836844" y="3524313"/>
+            <a:ext cx="200327" cy="200327"/>
+          </a:xfrm>
+          <a:prstGeom prst="rect">
+            <a:avLst/>
+          </a:prstGeom>
+        </p:spPr>
+      </p:pic>
+      <p:pic>
+        <p:nvPicPr>
+          <p:cNvPr id="48" name="Espace réservé du contenu 6"/>
+          <p:cNvPicPr>
+            <a:picLocks noChangeAspect="1"/>
+          </p:cNvPicPr>
+          <p:nvPr/>
+        </p:nvPicPr>
+        <p:blipFill>
+          <a:blip r:embed="rId2">
+            <a:duotone>
+              <a:prstClr val="black"/>
+              <a:schemeClr val="accent6">
+                <a:tint val="45000"/>
+                <a:satMod val="400000"/>
+              </a:schemeClr>
+            </a:duotone>
+            <a:extLst>
+              <a:ext uri="{BEBA8EAE-BF5A-486C-A8C5-ECC9F3942E4B}">
+                <a14:imgProps xmlns:a14="http://schemas.microsoft.com/office/drawing/2010/main">
+                  <a14:imgLayer r:embed="rId3">
+                    <a14:imgEffect>
+                      <a14:backgroundRemoval t="12400" b="86600" l="12200" r="88200">
+                        <a14:foregroundMark x1="34600" y1="28000" x2="34600" y2="28000"/>
+                        <a14:foregroundMark x1="62400" y1="28400" x2="62400" y2="28400"/>
+                        <a14:foregroundMark x1="52600" y1="50600" x2="52600" y2="50600"/>
+                        <a14:foregroundMark x1="74600" y1="46000" x2="74600" y2="46000"/>
+                        <a14:foregroundMark x1="19400" y1="49200" x2="20600" y2="49200"/>
+                        <a14:foregroundMark x1="37800" y1="70400" x2="37800" y2="70400"/>
+                      </a14:backgroundRemoval>
+                    </a14:imgEffect>
+                  </a14:imgLayer>
+                </a14:imgProps>
+              </a:ext>
+            </a:extLst>
+          </a:blip>
+          <a:stretch>
+            <a:fillRect/>
+          </a:stretch>
+        </p:blipFill>
+        <p:spPr>
+          <a:xfrm rot="1411106">
+            <a:off x="7025190" y="3524313"/>
+            <a:ext cx="200327" cy="200327"/>
+          </a:xfrm>
+          <a:prstGeom prst="rect">
+            <a:avLst/>
+          </a:prstGeom>
+        </p:spPr>
+      </p:pic>
+      <p:pic>
+        <p:nvPicPr>
+          <p:cNvPr id="49" name="Espace réservé du contenu 6"/>
+          <p:cNvPicPr>
+            <a:picLocks noChangeAspect="1"/>
+          </p:cNvPicPr>
+          <p:nvPr/>
+        </p:nvPicPr>
+        <p:blipFill>
+          <a:blip r:embed="rId2">
+            <a:duotone>
+              <a:prstClr val="black"/>
+              <a:schemeClr val="accent6">
+                <a:tint val="45000"/>
+                <a:satMod val="400000"/>
+              </a:schemeClr>
+            </a:duotone>
+            <a:extLst>
+              <a:ext uri="{BEBA8EAE-BF5A-486C-A8C5-ECC9F3942E4B}">
+                <a14:imgProps xmlns:a14="http://schemas.microsoft.com/office/drawing/2010/main">
+                  <a14:imgLayer r:embed="rId3">
+                    <a14:imgEffect>
+                      <a14:backgroundRemoval t="12400" b="86600" l="12200" r="88200">
+                        <a14:foregroundMark x1="34600" y1="28000" x2="34600" y2="28000"/>
+                        <a14:foregroundMark x1="62400" y1="28400" x2="62400" y2="28400"/>
+                        <a14:foregroundMark x1="52600" y1="50600" x2="52600" y2="50600"/>
+                        <a14:foregroundMark x1="74600" y1="46000" x2="74600" y2="46000"/>
+                        <a14:foregroundMark x1="19400" y1="49200" x2="20600" y2="49200"/>
+                        <a14:foregroundMark x1="37800" y1="70400" x2="37800" y2="70400"/>
+                      </a14:backgroundRemoval>
+                    </a14:imgEffect>
+                  </a14:imgLayer>
+                </a14:imgProps>
+              </a:ext>
+            </a:extLst>
+          </a:blip>
+          <a:stretch>
+            <a:fillRect/>
+          </a:stretch>
+        </p:blipFill>
+        <p:spPr>
+          <a:xfrm rot="1411106">
+            <a:off x="7225517" y="3524314"/>
+            <a:ext cx="200327" cy="200327"/>
+          </a:xfrm>
+          <a:prstGeom prst="rect">
+            <a:avLst/>
+          </a:prstGeom>
+        </p:spPr>
+      </p:pic>
+      <p:sp>
+        <p:nvSpPr>
+          <p:cNvPr id="50" name="Rectangle 49"/>
+          <p:cNvSpPr/>
+          <p:nvPr/>
+        </p:nvSpPr>
+        <p:spPr>
+          <a:xfrm rot="1411106">
+            <a:off x="6824862" y="3555130"/>
+            <a:ext cx="600982" cy="138696"/>
+          </a:xfrm>
+          <a:prstGeom prst="rect">
+            <a:avLst/>
+          </a:prstGeom>
+          <a:noFill/>
+        </p:spPr>
+        <p:style>
+          <a:lnRef idx="2">
+            <a:schemeClr val="accent1">
+              <a:shade val="50000"/>
+            </a:schemeClr>
+          </a:lnRef>
+          <a:fillRef idx="1">
+            <a:schemeClr val="accent1"/>
+          </a:fillRef>
+          <a:effectRef idx="0">
+            <a:schemeClr val="accent1"/>
+          </a:effectRef>
+          <a:fontRef idx="minor">
+            <a:schemeClr val="lt1"/>
+          </a:fontRef>
+        </p:style>
+        <p:txBody>
+          <a:bodyPr rtlCol="0" anchor="ctr"/>
+          <a:lstStyle/>
+          <a:p>
+            <a:pPr algn="ctr"/>
+            <a:endParaRPr lang="en-US"/>
+          </a:p>
+        </p:txBody>
+      </p:sp>
+      <p:pic>
+        <p:nvPicPr>
+          <p:cNvPr id="51" name="Espace réservé du contenu 6"/>
+          <p:cNvPicPr>
+            <a:picLocks noChangeAspect="1"/>
+          </p:cNvPicPr>
+          <p:nvPr/>
+        </p:nvPicPr>
+        <p:blipFill>
+          <a:blip r:embed="rId2">
+            <a:extLst>
+              <a:ext uri="{BEBA8EAE-BF5A-486C-A8C5-ECC9F3942E4B}">
+                <a14:imgProps xmlns:a14="http://schemas.microsoft.com/office/drawing/2010/main">
+                  <a14:imgLayer r:embed="rId3">
+                    <a14:imgEffect>
+                      <a14:backgroundRemoval t="12400" b="86600" l="12200" r="88200">
+                        <a14:foregroundMark x1="34600" y1="28000" x2="34600" y2="28000"/>
+                        <a14:foregroundMark x1="62400" y1="28400" x2="62400" y2="28400"/>
+                        <a14:foregroundMark x1="52600" y1="50600" x2="52600" y2="50600"/>
+                        <a14:foregroundMark x1="74600" y1="46000" x2="74600" y2="46000"/>
+                        <a14:foregroundMark x1="19400" y1="49200" x2="20600" y2="49200"/>
+                        <a14:foregroundMark x1="37800" y1="70400" x2="37800" y2="70400"/>
+                      </a14:backgroundRemoval>
+                    </a14:imgEffect>
+                  </a14:imgLayer>
+                </a14:imgProps>
+              </a:ext>
+            </a:extLst>
+          </a:blip>
+          <a:stretch>
+            <a:fillRect/>
+          </a:stretch>
+        </p:blipFill>
+        <p:spPr>
+          <a:xfrm>
+            <a:off x="5903454" y="3543325"/>
+            <a:ext cx="200327" cy="200327"/>
+          </a:xfrm>
+          <a:prstGeom prst="rect">
+            <a:avLst/>
+          </a:prstGeom>
+        </p:spPr>
+      </p:pic>
+      <p:pic>
+        <p:nvPicPr>
+          <p:cNvPr id="52" name="Espace réservé du contenu 6"/>
+          <p:cNvPicPr>
+            <a:picLocks noChangeAspect="1"/>
+          </p:cNvPicPr>
+          <p:nvPr/>
+        </p:nvPicPr>
+        <p:blipFill>
+          <a:blip r:embed="rId2">
+            <a:extLst>
+              <a:ext uri="{BEBA8EAE-BF5A-486C-A8C5-ECC9F3942E4B}">
+                <a14:imgProps xmlns:a14="http://schemas.microsoft.com/office/drawing/2010/main">
+                  <a14:imgLayer r:embed="rId3">
+                    <a14:imgEffect>
+                      <a14:backgroundRemoval t="12400" b="86600" l="12200" r="88200">
+                        <a14:foregroundMark x1="34600" y1="28000" x2="34600" y2="28000"/>
+                        <a14:foregroundMark x1="62400" y1="28400" x2="62400" y2="28400"/>
+                        <a14:foregroundMark x1="52600" y1="50600" x2="52600" y2="50600"/>
+                        <a14:foregroundMark x1="74600" y1="46000" x2="74600" y2="46000"/>
+                        <a14:foregroundMark x1="19400" y1="49200" x2="20600" y2="49200"/>
+                        <a14:foregroundMark x1="37800" y1="70400" x2="37800" y2="70400"/>
+                      </a14:backgroundRemoval>
+                    </a14:imgEffect>
+                  </a14:imgLayer>
+                </a14:imgProps>
+              </a:ext>
+            </a:extLst>
+          </a:blip>
+          <a:stretch>
+            <a:fillRect/>
+          </a:stretch>
+        </p:blipFill>
+        <p:spPr>
+          <a:xfrm>
+            <a:off x="6091800" y="3543325"/>
+            <a:ext cx="200327" cy="200327"/>
+          </a:xfrm>
+          <a:prstGeom prst="rect">
+            <a:avLst/>
+          </a:prstGeom>
+        </p:spPr>
+      </p:pic>
+      <p:pic>
+        <p:nvPicPr>
+          <p:cNvPr id="53" name="Espace réservé du contenu 6"/>
+          <p:cNvPicPr>
+            <a:picLocks noChangeAspect="1"/>
+          </p:cNvPicPr>
+          <p:nvPr/>
+        </p:nvPicPr>
+        <p:blipFill>
+          <a:blip r:embed="rId2">
+            <a:extLst>
+              <a:ext uri="{BEBA8EAE-BF5A-486C-A8C5-ECC9F3942E4B}">
+                <a14:imgProps xmlns:a14="http://schemas.microsoft.com/office/drawing/2010/main">
+                  <a14:imgLayer r:embed="rId3">
+                    <a14:imgEffect>
+                      <a14:backgroundRemoval t="12400" b="86600" l="12200" r="88200">
+                        <a14:foregroundMark x1="34600" y1="28000" x2="34600" y2="28000"/>
+                        <a14:foregroundMark x1="62400" y1="28400" x2="62400" y2="28400"/>
+                        <a14:foregroundMark x1="52600" y1="50600" x2="52600" y2="50600"/>
+                        <a14:foregroundMark x1="74600" y1="46000" x2="74600" y2="46000"/>
+                        <a14:foregroundMark x1="19400" y1="49200" x2="20600" y2="49200"/>
+                        <a14:foregroundMark x1="37800" y1="70400" x2="37800" y2="70400"/>
+                      </a14:backgroundRemoval>
+                    </a14:imgEffect>
+                  </a14:imgLayer>
+                </a14:imgProps>
+              </a:ext>
+            </a:extLst>
+          </a:blip>
+          <a:stretch>
+            <a:fillRect/>
+          </a:stretch>
+        </p:blipFill>
+        <p:spPr>
+          <a:xfrm>
+            <a:off x="6292127" y="3543326"/>
+            <a:ext cx="200327" cy="200327"/>
+          </a:xfrm>
+          <a:prstGeom prst="rect">
+            <a:avLst/>
+          </a:prstGeom>
+        </p:spPr>
+      </p:pic>
+      <p:sp>
+        <p:nvSpPr>
+          <p:cNvPr id="54" name="Rectangle 53"/>
+          <p:cNvSpPr/>
+          <p:nvPr/>
+        </p:nvSpPr>
+        <p:spPr>
+          <a:xfrm>
+            <a:off x="5891472" y="3574142"/>
+            <a:ext cx="600982" cy="138696"/>
+          </a:xfrm>
+          <a:prstGeom prst="rect">
+            <a:avLst/>
+          </a:prstGeom>
+          <a:noFill/>
+        </p:spPr>
+        <p:style>
+          <a:lnRef idx="2">
+            <a:schemeClr val="accent1">
+              <a:shade val="50000"/>
+            </a:schemeClr>
+          </a:lnRef>
+          <a:fillRef idx="1">
+            <a:schemeClr val="accent1"/>
+          </a:fillRef>
+          <a:effectRef idx="0">
+            <a:schemeClr val="accent1"/>
+          </a:effectRef>
+          <a:fontRef idx="minor">
+            <a:schemeClr val="lt1"/>
+          </a:fontRef>
+        </p:style>
+        <p:txBody>
+          <a:bodyPr rtlCol="0" anchor="ctr"/>
+          <a:lstStyle/>
+          <a:p>
+            <a:pPr algn="ctr"/>
+            <a:endParaRPr lang="en-US"/>
+          </a:p>
+        </p:txBody>
+      </p:sp>
+      <p:pic>
+        <p:nvPicPr>
+          <p:cNvPr id="55" name="Espace réservé du contenu 6"/>
+          <p:cNvPicPr>
+            <a:picLocks noChangeAspect="1"/>
+          </p:cNvPicPr>
+          <p:nvPr/>
+        </p:nvPicPr>
+        <p:blipFill>
+          <a:blip r:embed="rId2">
+            <a:extLst>
+              <a:ext uri="{BEBA8EAE-BF5A-486C-A8C5-ECC9F3942E4B}">
+                <a14:imgProps xmlns:a14="http://schemas.microsoft.com/office/drawing/2010/main">
+                  <a14:imgLayer r:embed="rId3">
+                    <a14:imgEffect>
+                      <a14:backgroundRemoval t="12400" b="86600" l="12200" r="88200">
+                        <a14:foregroundMark x1="34600" y1="28000" x2="34600" y2="28000"/>
+                        <a14:foregroundMark x1="62400" y1="28400" x2="62400" y2="28400"/>
+                        <a14:foregroundMark x1="52600" y1="50600" x2="52600" y2="50600"/>
+                        <a14:foregroundMark x1="74600" y1="46000" x2="74600" y2="46000"/>
+                        <a14:foregroundMark x1="19400" y1="49200" x2="20600" y2="49200"/>
+                        <a14:foregroundMark x1="37800" y1="70400" x2="37800" y2="70400"/>
+                      </a14:backgroundRemoval>
+                    </a14:imgEffect>
+                  </a14:imgLayer>
+                </a14:imgProps>
+              </a:ext>
+            </a:extLst>
+          </a:blip>
+          <a:stretch>
+            <a:fillRect/>
+          </a:stretch>
+        </p:blipFill>
+        <p:spPr>
+          <a:xfrm>
+            <a:off x="6167785" y="3277624"/>
+            <a:ext cx="200327" cy="200327"/>
+          </a:xfrm>
+          <a:prstGeom prst="rect">
+            <a:avLst/>
+          </a:prstGeom>
+        </p:spPr>
+      </p:pic>
+      <p:pic>
+        <p:nvPicPr>
+          <p:cNvPr id="56" name="Espace réservé du contenu 6"/>
+          <p:cNvPicPr>
+            <a:picLocks noChangeAspect="1"/>
+          </p:cNvPicPr>
+          <p:nvPr/>
+        </p:nvPicPr>
+        <p:blipFill>
+          <a:blip r:embed="rId2">
+            <a:extLst>
+              <a:ext uri="{BEBA8EAE-BF5A-486C-A8C5-ECC9F3942E4B}">
+                <a14:imgProps xmlns:a14="http://schemas.microsoft.com/office/drawing/2010/main">
+                  <a14:imgLayer r:embed="rId3">
+                    <a14:imgEffect>
+                      <a14:backgroundRemoval t="12400" b="86600" l="12200" r="88200">
+                        <a14:foregroundMark x1="34600" y1="28000" x2="34600" y2="28000"/>
+                        <a14:foregroundMark x1="62400" y1="28400" x2="62400" y2="28400"/>
+                        <a14:foregroundMark x1="52600" y1="50600" x2="52600" y2="50600"/>
+                        <a14:foregroundMark x1="74600" y1="46000" x2="74600" y2="46000"/>
+                        <a14:foregroundMark x1="19400" y1="49200" x2="20600" y2="49200"/>
+                        <a14:foregroundMark x1="37800" y1="70400" x2="37800" y2="70400"/>
+                      </a14:backgroundRemoval>
+                    </a14:imgEffect>
+                  </a14:imgLayer>
+                </a14:imgProps>
+              </a:ext>
+            </a:extLst>
+          </a:blip>
+          <a:stretch>
+            <a:fillRect/>
+          </a:stretch>
+        </p:blipFill>
+        <p:spPr>
+          <a:xfrm>
+            <a:off x="6356131" y="3277624"/>
+            <a:ext cx="200327" cy="200327"/>
+          </a:xfrm>
+          <a:prstGeom prst="rect">
+            <a:avLst/>
+          </a:prstGeom>
+        </p:spPr>
+      </p:pic>
+      <p:pic>
+        <p:nvPicPr>
+          <p:cNvPr id="57" name="Espace réservé du contenu 6"/>
+          <p:cNvPicPr>
+            <a:picLocks noChangeAspect="1"/>
+          </p:cNvPicPr>
+          <p:nvPr/>
+        </p:nvPicPr>
+        <p:blipFill>
+          <a:blip r:embed="rId2">
+            <a:extLst>
+              <a:ext uri="{BEBA8EAE-BF5A-486C-A8C5-ECC9F3942E4B}">
+                <a14:imgProps xmlns:a14="http://schemas.microsoft.com/office/drawing/2010/main">
+                  <a14:imgLayer r:embed="rId3">
+                    <a14:imgEffect>
+                      <a14:backgroundRemoval t="12400" b="86600" l="12200" r="88200">
+                        <a14:foregroundMark x1="34600" y1="28000" x2="34600" y2="28000"/>
+                        <a14:foregroundMark x1="62400" y1="28400" x2="62400" y2="28400"/>
+                        <a14:foregroundMark x1="52600" y1="50600" x2="52600" y2="50600"/>
+                        <a14:foregroundMark x1="74600" y1="46000" x2="74600" y2="46000"/>
+                        <a14:foregroundMark x1="19400" y1="49200" x2="20600" y2="49200"/>
+                        <a14:foregroundMark x1="37800" y1="70400" x2="37800" y2="70400"/>
+                      </a14:backgroundRemoval>
+                    </a14:imgEffect>
+                  </a14:imgLayer>
+                </a14:imgProps>
+              </a:ext>
+            </a:extLst>
+          </a:blip>
+          <a:stretch>
+            <a:fillRect/>
+          </a:stretch>
+        </p:blipFill>
+        <p:spPr>
+          <a:xfrm>
+            <a:off x="6556458" y="3277625"/>
+            <a:ext cx="200327" cy="200327"/>
+          </a:xfrm>
+          <a:prstGeom prst="rect">
+            <a:avLst/>
+          </a:prstGeom>
+        </p:spPr>
+      </p:pic>
+      <p:sp>
+        <p:nvSpPr>
+          <p:cNvPr id="58" name="Rectangle 57"/>
+          <p:cNvSpPr/>
+          <p:nvPr/>
+        </p:nvSpPr>
+        <p:spPr>
+          <a:xfrm>
+            <a:off x="6155803" y="3308441"/>
+            <a:ext cx="600982" cy="138696"/>
+          </a:xfrm>
+          <a:prstGeom prst="rect">
+            <a:avLst/>
+          </a:prstGeom>
+          <a:noFill/>
+        </p:spPr>
+        <p:style>
+          <a:lnRef idx="2">
+            <a:schemeClr val="accent1">
+              <a:shade val="50000"/>
+            </a:schemeClr>
+          </a:lnRef>
+          <a:fillRef idx="1">
+            <a:schemeClr val="accent1"/>
+          </a:fillRef>
+          <a:effectRef idx="0">
+            <a:schemeClr val="accent1"/>
+          </a:effectRef>
+          <a:fontRef idx="minor">
+            <a:schemeClr val="lt1"/>
+          </a:fontRef>
+        </p:style>
+        <p:txBody>
+          <a:bodyPr rtlCol="0" anchor="ctr"/>
+          <a:lstStyle/>
+          <a:p>
+            <a:pPr algn="ctr"/>
+            <a:endParaRPr lang="en-US"/>
+          </a:p>
+        </p:txBody>
+      </p:sp>
+      <p:sp>
+        <p:nvSpPr>
+          <p:cNvPr id="69" name="Rectangle 68"/>
+          <p:cNvSpPr/>
+          <p:nvPr/>
+        </p:nvSpPr>
+        <p:spPr>
+          <a:xfrm>
+            <a:off x="9253013" y="4101896"/>
+            <a:ext cx="1186641" cy="310707"/>
+          </a:xfrm>
+          <a:prstGeom prst="rect">
+            <a:avLst/>
+          </a:prstGeom>
+          <a:noFill/>
+        </p:spPr>
+        <p:style>
+          <a:lnRef idx="2">
+            <a:schemeClr val="accent1">
+              <a:shade val="50000"/>
+            </a:schemeClr>
+          </a:lnRef>
+          <a:fillRef idx="1">
+            <a:schemeClr val="accent1"/>
+          </a:fillRef>
+          <a:effectRef idx="0">
+            <a:schemeClr val="accent1"/>
+          </a:effectRef>
+          <a:fontRef idx="minor">
+            <a:schemeClr val="lt1"/>
+          </a:fontRef>
+        </p:style>
+        <p:txBody>
+          <a:bodyPr rtlCol="0" anchor="ctr"/>
+          <a:lstStyle/>
+          <a:p>
+            <a:pPr algn="ctr"/>
+            <a:endParaRPr lang="en-US"/>
+          </a:p>
+        </p:txBody>
+      </p:sp>
+      <p:pic>
+        <p:nvPicPr>
+          <p:cNvPr id="70" name="Espace réservé du contenu 6"/>
+          <p:cNvPicPr>
+            <a:picLocks noChangeAspect="1"/>
+          </p:cNvPicPr>
+          <p:nvPr/>
+        </p:nvPicPr>
+        <p:blipFill>
+          <a:blip r:embed="rId2">
+            <a:extLst>
+              <a:ext uri="{BEBA8EAE-BF5A-486C-A8C5-ECC9F3942E4B}">
+                <a14:imgProps xmlns:a14="http://schemas.microsoft.com/office/drawing/2010/main">
+                  <a14:imgLayer r:embed="rId3">
+                    <a14:imgEffect>
+                      <a14:backgroundRemoval t="12400" b="86600" l="12200" r="88200">
+                        <a14:foregroundMark x1="34600" y1="28000" x2="34600" y2="28000"/>
+                        <a14:foregroundMark x1="62400" y1="28400" x2="62400" y2="28400"/>
+                        <a14:foregroundMark x1="52600" y1="50600" x2="52600" y2="50600"/>
+                        <a14:foregroundMark x1="74600" y1="46000" x2="74600" y2="46000"/>
+                        <a14:foregroundMark x1="19400" y1="49200" x2="20600" y2="49200"/>
+                        <a14:foregroundMark x1="37800" y1="70400" x2="37800" y2="70400"/>
+                      </a14:backgroundRemoval>
+                    </a14:imgEffect>
+                  </a14:imgLayer>
+                </a14:imgProps>
+              </a:ext>
+            </a:extLst>
+          </a:blip>
+          <a:stretch>
+            <a:fillRect/>
+          </a:stretch>
+        </p:blipFill>
+        <p:spPr>
+          <a:xfrm>
+            <a:off x="9620099" y="4031309"/>
+            <a:ext cx="448420" cy="448420"/>
+          </a:xfrm>
+          <a:prstGeom prst="rect">
+            <a:avLst/>
+          </a:prstGeom>
+        </p:spPr>
+      </p:pic>
+      <p:pic>
+        <p:nvPicPr>
+          <p:cNvPr id="71" name="Espace réservé du contenu 6"/>
+          <p:cNvPicPr>
+            <a:picLocks noChangeAspect="1"/>
+          </p:cNvPicPr>
+          <p:nvPr/>
+        </p:nvPicPr>
+        <p:blipFill>
+          <a:blip r:embed="rId2">
+            <a:extLst>
+              <a:ext uri="{BEBA8EAE-BF5A-486C-A8C5-ECC9F3942E4B}">
+                <a14:imgProps xmlns:a14="http://schemas.microsoft.com/office/drawing/2010/main">
+                  <a14:imgLayer r:embed="rId3">
+                    <a14:imgEffect>
+                      <a14:backgroundRemoval t="12400" b="86600" l="12200" r="88200">
+                        <a14:foregroundMark x1="34600" y1="28000" x2="34600" y2="28000"/>
+                        <a14:foregroundMark x1="62400" y1="28400" x2="62400" y2="28400"/>
+                        <a14:foregroundMark x1="52600" y1="50600" x2="52600" y2="50600"/>
+                        <a14:foregroundMark x1="74600" y1="46000" x2="74600" y2="46000"/>
+                        <a14:foregroundMark x1="19400" y1="49200" x2="20600" y2="49200"/>
+                        <a14:foregroundMark x1="37800" y1="70400" x2="37800" y2="70400"/>
+                      </a14:backgroundRemoval>
+                    </a14:imgEffect>
+                  </a14:imgLayer>
+                </a14:imgProps>
+              </a:ext>
+            </a:extLst>
+          </a:blip>
+          <a:stretch>
+            <a:fillRect/>
+          </a:stretch>
+        </p:blipFill>
+        <p:spPr>
+          <a:xfrm>
+            <a:off x="9991234" y="4031309"/>
+            <a:ext cx="448420" cy="448420"/>
+          </a:xfrm>
+          <a:prstGeom prst="rect">
+            <a:avLst/>
+          </a:prstGeom>
+        </p:spPr>
+      </p:pic>
+      <p:pic>
+        <p:nvPicPr>
+          <p:cNvPr id="66" name="Espace réservé du contenu 6"/>
+          <p:cNvPicPr>
+            <a:picLocks noChangeAspect="1"/>
+          </p:cNvPicPr>
+          <p:nvPr/>
+        </p:nvPicPr>
+        <p:blipFill>
+          <a:blip r:embed="rId2">
+            <a:extLst>
+              <a:ext uri="{BEBA8EAE-BF5A-486C-A8C5-ECC9F3942E4B}">
+                <a14:imgProps xmlns:a14="http://schemas.microsoft.com/office/drawing/2010/main">
+                  <a14:imgLayer r:embed="rId3">
+                    <a14:imgEffect>
+                      <a14:backgroundRemoval t="12400" b="86600" l="12200" r="88200">
+                        <a14:foregroundMark x1="34600" y1="28000" x2="34600" y2="28000"/>
+                        <a14:foregroundMark x1="62400" y1="28400" x2="62400" y2="28400"/>
+                        <a14:foregroundMark x1="52600" y1="50600" x2="52600" y2="50600"/>
+                        <a14:foregroundMark x1="74600" y1="46000" x2="74600" y2="46000"/>
+                        <a14:foregroundMark x1="19400" y1="49200" x2="20600" y2="49200"/>
+                        <a14:foregroundMark x1="37800" y1="70400" x2="37800" y2="70400"/>
+                      </a14:backgroundRemoval>
+                    </a14:imgEffect>
+                  </a14:imgLayer>
+                </a14:imgProps>
+              </a:ext>
+            </a:extLst>
+          </a:blip>
+          <a:stretch>
+            <a:fillRect/>
+          </a:stretch>
+        </p:blipFill>
+        <p:spPr>
+          <a:xfrm>
+            <a:off x="9237404" y="4033039"/>
+            <a:ext cx="448420" cy="448420"/>
+          </a:xfrm>
+          <a:prstGeom prst="rect">
+            <a:avLst/>
+          </a:prstGeom>
+        </p:spPr>
+      </p:pic>
+      <p:sp>
+        <p:nvSpPr>
+          <p:cNvPr id="73" name="Forme en L 72"/>
+          <p:cNvSpPr/>
+          <p:nvPr/>
+        </p:nvSpPr>
+        <p:spPr>
+          <a:xfrm rot="2594902" flipH="1">
+            <a:off x="9819609" y="3651725"/>
+            <a:ext cx="177297" cy="362259"/>
+          </a:xfrm>
+          <a:prstGeom prst="corner">
+            <a:avLst/>
+          </a:prstGeom>
+          <a:solidFill>
+            <a:srgbClr val="92D050"/>
+          </a:solidFill>
+          <a:ln>
+            <a:solidFill>
+              <a:srgbClr val="00B050"/>
+            </a:solidFill>
+          </a:ln>
+        </p:spPr>
+        <p:style>
+          <a:lnRef idx="2">
+            <a:schemeClr val="accent1">
+              <a:shade val="50000"/>
+            </a:schemeClr>
+          </a:lnRef>
+          <a:fillRef idx="1">
+            <a:schemeClr val="accent1"/>
+          </a:fillRef>
+          <a:effectRef idx="0">
+            <a:schemeClr val="accent1"/>
+          </a:effectRef>
+          <a:fontRef idx="minor">
+            <a:schemeClr val="lt1"/>
+          </a:fontRef>
+        </p:style>
+        <p:txBody>
+          <a:bodyPr rtlCol="0" anchor="ctr"/>
+          <a:lstStyle/>
+          <a:p>
+            <a:pPr algn="ctr"/>
+            <a:endParaRPr lang="en-US"/>
+          </a:p>
+        </p:txBody>
+      </p:sp>
+      <p:sp>
+        <p:nvSpPr>
+          <p:cNvPr id="74" name="ZoneTexte 73"/>
+          <p:cNvSpPr txBox="1"/>
+          <p:nvPr/>
+        </p:nvSpPr>
+        <p:spPr>
+          <a:xfrm>
+            <a:off x="777868" y="3955721"/>
+            <a:ext cx="352595" cy="369332"/>
+          </a:xfrm>
+          <a:prstGeom prst="rect">
+            <a:avLst/>
+          </a:prstGeom>
+          <a:noFill/>
+        </p:spPr>
+        <p:txBody>
+          <a:bodyPr wrap="square" rtlCol="0">
+            <a:spAutoFit/>
+          </a:bodyPr>
+          <a:lstStyle/>
+          <a:p>
+            <a:r>
+              <a:rPr lang="fr-FR" dirty="0"/>
+              <a:t>?</a:t>
+            </a:r>
+          </a:p>
+        </p:txBody>
+      </p:sp>
+      <p:cxnSp>
+        <p:nvCxnSpPr>
+          <p:cNvPr id="76" name="Connecteur droit avec flèche 75"/>
+          <p:cNvCxnSpPr>
+            <a:endCxn id="23" idx="2"/>
+          </p:cNvCxnSpPr>
+          <p:nvPr/>
+        </p:nvCxnSpPr>
+        <p:spPr>
+          <a:xfrm flipV="1">
+            <a:off x="1156718" y="4199782"/>
+            <a:ext cx="338070" cy="232272"/>
+          </a:xfrm>
+          <a:prstGeom prst="straightConnector1">
+            <a:avLst/>
+          </a:prstGeom>
+          <a:ln w="57150">
+            <a:tailEnd type="triangle"/>
+          </a:ln>
+        </p:spPr>
+        <p:style>
+          <a:lnRef idx="1">
+            <a:schemeClr val="accent1"/>
+          </a:lnRef>
+          <a:fillRef idx="0">
+            <a:schemeClr val="accent1"/>
+          </a:fillRef>
+          <a:effectRef idx="0">
+            <a:schemeClr val="accent1"/>
+          </a:effectRef>
+          <a:fontRef idx="minor">
+            <a:schemeClr val="tx1"/>
+          </a:fontRef>
+        </p:style>
+      </p:cxnSp>
+      <p:cxnSp>
+        <p:nvCxnSpPr>
+          <p:cNvPr id="81" name="Connecteur droit avec flèche 80"/>
+          <p:cNvCxnSpPr/>
+          <p:nvPr/>
+        </p:nvCxnSpPr>
+        <p:spPr>
+          <a:xfrm>
+            <a:off x="1694436" y="3626652"/>
+            <a:ext cx="967" cy="398875"/>
+          </a:xfrm>
+          <a:prstGeom prst="straightConnector1">
+            <a:avLst/>
+          </a:prstGeom>
+          <a:ln w="57150">
+            <a:tailEnd type="triangle"/>
+          </a:ln>
+        </p:spPr>
+        <p:style>
+          <a:lnRef idx="1">
+            <a:schemeClr val="accent1"/>
+          </a:lnRef>
+          <a:fillRef idx="0">
+            <a:schemeClr val="accent1"/>
+          </a:fillRef>
+          <a:effectRef idx="0">
+            <a:schemeClr val="accent1"/>
+          </a:effectRef>
+          <a:fontRef idx="minor">
+            <a:schemeClr val="tx1"/>
+          </a:fontRef>
+        </p:style>
+      </p:cxnSp>
+      <p:sp>
+        <p:nvSpPr>
+          <p:cNvPr id="85" name="ZoneTexte 84"/>
+          <p:cNvSpPr txBox="1"/>
+          <p:nvPr/>
+        </p:nvSpPr>
+        <p:spPr>
+          <a:xfrm rot="1740912">
+            <a:off x="7439295" y="3678044"/>
+            <a:ext cx="279838" cy="646331"/>
+          </a:xfrm>
+          <a:prstGeom prst="rect">
+            <a:avLst/>
+          </a:prstGeom>
+          <a:noFill/>
+        </p:spPr>
+        <p:txBody>
+          <a:bodyPr wrap="square" rtlCol="0">
+            <a:spAutoFit/>
+          </a:bodyPr>
+          <a:lstStyle/>
+          <a:p>
+            <a:r>
+              <a:rPr lang="en-US" sz="3600" dirty="0"/>
+              <a:t>.</a:t>
+            </a:r>
+          </a:p>
+        </p:txBody>
+      </p:sp>
+      <p:sp>
+        <p:nvSpPr>
+          <p:cNvPr id="86" name="ZoneTexte 85"/>
+          <p:cNvSpPr txBox="1"/>
+          <p:nvPr/>
+        </p:nvSpPr>
+        <p:spPr>
+          <a:xfrm rot="1740912">
+            <a:off x="7200205" y="3456795"/>
+            <a:ext cx="279838" cy="646331"/>
+          </a:xfrm>
+          <a:prstGeom prst="rect">
+            <a:avLst/>
+          </a:prstGeom>
+          <a:noFill/>
+        </p:spPr>
+        <p:txBody>
+          <a:bodyPr wrap="square" rtlCol="0">
+            <a:spAutoFit/>
+          </a:bodyPr>
+          <a:lstStyle/>
+          <a:p>
+            <a:r>
+              <a:rPr lang="en-US" sz="3600" dirty="0"/>
+              <a:t>.</a:t>
+            </a:r>
+          </a:p>
+        </p:txBody>
+      </p:sp>
+      <p:sp>
+        <p:nvSpPr>
+          <p:cNvPr id="87" name="ZoneTexte 86"/>
+          <p:cNvSpPr txBox="1"/>
+          <p:nvPr/>
+        </p:nvSpPr>
+        <p:spPr>
+          <a:xfrm rot="1740912">
+            <a:off x="6954028" y="3250975"/>
+            <a:ext cx="279838" cy="646331"/>
+          </a:xfrm>
+          <a:prstGeom prst="rect">
+            <a:avLst/>
+          </a:prstGeom>
+          <a:noFill/>
+        </p:spPr>
+        <p:txBody>
+          <a:bodyPr wrap="square" rtlCol="0">
+            <a:spAutoFit/>
+          </a:bodyPr>
+          <a:lstStyle/>
+          <a:p>
+            <a:r>
+              <a:rPr lang="en-US" sz="3600" dirty="0"/>
+              <a:t>.</a:t>
+            </a:r>
+          </a:p>
+        </p:txBody>
+      </p:sp>
+      <p:cxnSp>
+        <p:nvCxnSpPr>
+          <p:cNvPr id="88" name="Connecteur droit avec flèche 87"/>
+          <p:cNvCxnSpPr/>
+          <p:nvPr/>
+        </p:nvCxnSpPr>
+        <p:spPr>
+          <a:xfrm>
+            <a:off x="1308176" y="3633416"/>
+            <a:ext cx="967" cy="398875"/>
+          </a:xfrm>
+          <a:prstGeom prst="straightConnector1">
+            <a:avLst/>
+          </a:prstGeom>
+          <a:ln w="57150">
+            <a:tailEnd type="triangle"/>
+          </a:ln>
+        </p:spPr>
+        <p:style>
+          <a:lnRef idx="1">
+            <a:schemeClr val="accent1"/>
+          </a:lnRef>
+          <a:fillRef idx="0">
+            <a:schemeClr val="accent1"/>
+          </a:fillRef>
+          <a:effectRef idx="0">
+            <a:schemeClr val="accent1"/>
+          </a:effectRef>
+          <a:fontRef idx="minor">
+            <a:schemeClr val="tx1"/>
+          </a:fontRef>
+        </p:style>
+      </p:cxnSp>
     </p:spTree>
     <p:extLst>
       <p:ext uri="{BB962C8B-B14F-4D97-AF65-F5344CB8AC3E}">
-        <p14:creationId xmlns:p14="http://schemas.microsoft.com/office/powerpoint/2010/main" val="3480894608"/>
+        <p14:creationId xmlns:p14="http://schemas.microsoft.com/office/powerpoint/2010/main" val="2829327227"/>
       </p:ext>
     </p:extLst>
   </p:cSld>
   <p:clrMapOvr>
     <a:masterClrMapping/>
   </p:clrMapOvr>
+  <p:timing>
+    <p:tnLst>
+      <p:par>
+        <p:cTn id="1" dur="indefinite" restart="never" nodeType="tmRoot">
+          <p:childTnLst>
+            <p:seq concurrent="1" nextAc="seek">
+              <p:cTn id="2" dur="indefinite" nodeType="mainSeq">
+                <p:childTnLst>
+                  <p:par>
+                    <p:cTn id="3" fill="hold">
+                      <p:stCondLst>
+                        <p:cond delay="indefinite"/>
+                      </p:stCondLst>
+                      <p:childTnLst>
+                        <p:par>
+                          <p:cTn id="4" fill="hold">
+                            <p:stCondLst>
+                              <p:cond delay="0"/>
+                            </p:stCondLst>
+                            <p:childTnLst>
+                              <p:par>
+                                <p:cTn id="5" presetID="1" presetClass="entr" presetSubtype="0" fill="hold" nodeType="clickEffect">
+                                  <p:stCondLst>
+                                    <p:cond delay="0"/>
+                                  </p:stCondLst>
+                                  <p:childTnLst>
+                                    <p:set>
+                                      <p:cBhvr>
+                                        <p:cTn id="6" dur="1" fill="hold">
+                                          <p:stCondLst>
+                                            <p:cond delay="0"/>
+                                          </p:stCondLst>
+                                        </p:cTn>
+                                        <p:tgtEl>
+                                          <p:spTgt spid="7"/>
+                                        </p:tgtEl>
+                                        <p:attrNameLst>
+                                          <p:attrName>style.visibility</p:attrName>
+                                        </p:attrNameLst>
+                                      </p:cBhvr>
+                                      <p:to>
+                                        <p:strVal val="visible"/>
+                                      </p:to>
+                                    </p:set>
+                                  </p:childTnLst>
+                                </p:cTn>
+                              </p:par>
+                            </p:childTnLst>
+                          </p:cTn>
+                        </p:par>
+                        <p:par>
+                          <p:cTn id="7" fill="hold">
+                            <p:stCondLst>
+                              <p:cond delay="0"/>
+                            </p:stCondLst>
+                            <p:childTnLst>
+                              <p:par>
+                                <p:cTn id="8" presetID="1" presetClass="entr" presetSubtype="0" fill="hold" nodeType="afterEffect">
+                                  <p:stCondLst>
+                                    <p:cond delay="200"/>
+                                  </p:stCondLst>
+                                  <p:childTnLst>
+                                    <p:set>
+                                      <p:cBhvr>
+                                        <p:cTn id="9" dur="1" fill="hold">
+                                          <p:stCondLst>
+                                            <p:cond delay="0"/>
+                                          </p:stCondLst>
+                                        </p:cTn>
+                                        <p:tgtEl>
+                                          <p:spTgt spid="9"/>
+                                        </p:tgtEl>
+                                        <p:attrNameLst>
+                                          <p:attrName>style.visibility</p:attrName>
+                                        </p:attrNameLst>
+                                      </p:cBhvr>
+                                      <p:to>
+                                        <p:strVal val="visible"/>
+                                      </p:to>
+                                    </p:set>
+                                  </p:childTnLst>
+                                </p:cTn>
+                              </p:par>
+                            </p:childTnLst>
+                          </p:cTn>
+                        </p:par>
+                        <p:par>
+                          <p:cTn id="10" fill="hold">
+                            <p:stCondLst>
+                              <p:cond delay="200"/>
+                            </p:stCondLst>
+                            <p:childTnLst>
+                              <p:par>
+                                <p:cTn id="11" presetID="1" presetClass="entr" presetSubtype="0" fill="hold" nodeType="afterEffect">
+                                  <p:stCondLst>
+                                    <p:cond delay="200"/>
+                                  </p:stCondLst>
+                                  <p:childTnLst>
+                                    <p:set>
+                                      <p:cBhvr>
+                                        <p:cTn id="12" dur="1" fill="hold">
+                                          <p:stCondLst>
+                                            <p:cond delay="0"/>
+                                          </p:stCondLst>
+                                        </p:cTn>
+                                        <p:tgtEl>
+                                          <p:spTgt spid="16"/>
+                                        </p:tgtEl>
+                                        <p:attrNameLst>
+                                          <p:attrName>style.visibility</p:attrName>
+                                        </p:attrNameLst>
+                                      </p:cBhvr>
+                                      <p:to>
+                                        <p:strVal val="visible"/>
+                                      </p:to>
+                                    </p:set>
+                                  </p:childTnLst>
+                                </p:cTn>
+                              </p:par>
+                            </p:childTnLst>
+                          </p:cTn>
+                        </p:par>
+                        <p:par>
+                          <p:cTn id="13" fill="hold">
+                            <p:stCondLst>
+                              <p:cond delay="400"/>
+                            </p:stCondLst>
+                            <p:childTnLst>
+                              <p:par>
+                                <p:cTn id="14" presetID="1" presetClass="entr" presetSubtype="0" fill="hold" nodeType="afterEffect">
+                                  <p:stCondLst>
+                                    <p:cond delay="200"/>
+                                  </p:stCondLst>
+                                  <p:childTnLst>
+                                    <p:set>
+                                      <p:cBhvr>
+                                        <p:cTn id="15" dur="1" fill="hold">
+                                          <p:stCondLst>
+                                            <p:cond delay="0"/>
+                                          </p:stCondLst>
+                                        </p:cTn>
+                                        <p:tgtEl>
+                                          <p:spTgt spid="8"/>
+                                        </p:tgtEl>
+                                        <p:attrNameLst>
+                                          <p:attrName>style.visibility</p:attrName>
+                                        </p:attrNameLst>
+                                      </p:cBhvr>
+                                      <p:to>
+                                        <p:strVal val="visible"/>
+                                      </p:to>
+                                    </p:set>
+                                  </p:childTnLst>
+                                </p:cTn>
+                              </p:par>
+                            </p:childTnLst>
+                          </p:cTn>
+                        </p:par>
+                        <p:par>
+                          <p:cTn id="16" fill="hold">
+                            <p:stCondLst>
+                              <p:cond delay="600"/>
+                            </p:stCondLst>
+                            <p:childTnLst>
+                              <p:par>
+                                <p:cTn id="17" presetID="1" presetClass="entr" presetSubtype="0" fill="hold" nodeType="afterEffect">
+                                  <p:stCondLst>
+                                    <p:cond delay="200"/>
+                                  </p:stCondLst>
+                                  <p:childTnLst>
+                                    <p:set>
+                                      <p:cBhvr>
+                                        <p:cTn id="18" dur="1" fill="hold">
+                                          <p:stCondLst>
+                                            <p:cond delay="0"/>
+                                          </p:stCondLst>
+                                        </p:cTn>
+                                        <p:tgtEl>
+                                          <p:spTgt spid="10"/>
+                                        </p:tgtEl>
+                                        <p:attrNameLst>
+                                          <p:attrName>style.visibility</p:attrName>
+                                        </p:attrNameLst>
+                                      </p:cBhvr>
+                                      <p:to>
+                                        <p:strVal val="visible"/>
+                                      </p:to>
+                                    </p:set>
+                                  </p:childTnLst>
+                                </p:cTn>
+                              </p:par>
+                            </p:childTnLst>
+                          </p:cTn>
+                        </p:par>
+                        <p:par>
+                          <p:cTn id="19" fill="hold">
+                            <p:stCondLst>
+                              <p:cond delay="800"/>
+                            </p:stCondLst>
+                            <p:childTnLst>
+                              <p:par>
+                                <p:cTn id="20" presetID="1" presetClass="entr" presetSubtype="0" fill="hold" nodeType="afterEffect">
+                                  <p:stCondLst>
+                                    <p:cond delay="200"/>
+                                  </p:stCondLst>
+                                  <p:childTnLst>
+                                    <p:set>
+                                      <p:cBhvr>
+                                        <p:cTn id="21" dur="1" fill="hold">
+                                          <p:stCondLst>
+                                            <p:cond delay="0"/>
+                                          </p:stCondLst>
+                                        </p:cTn>
+                                        <p:tgtEl>
+                                          <p:spTgt spid="12"/>
+                                        </p:tgtEl>
+                                        <p:attrNameLst>
+                                          <p:attrName>style.visibility</p:attrName>
+                                        </p:attrNameLst>
+                                      </p:cBhvr>
+                                      <p:to>
+                                        <p:strVal val="visible"/>
+                                      </p:to>
+                                    </p:set>
+                                  </p:childTnLst>
+                                </p:cTn>
+                              </p:par>
+                            </p:childTnLst>
+                          </p:cTn>
+                        </p:par>
+                        <p:par>
+                          <p:cTn id="22" fill="hold">
+                            <p:stCondLst>
+                              <p:cond delay="1000"/>
+                            </p:stCondLst>
+                            <p:childTnLst>
+                              <p:par>
+                                <p:cTn id="23" presetID="1" presetClass="entr" presetSubtype="0" fill="hold" nodeType="afterEffect">
+                                  <p:stCondLst>
+                                    <p:cond delay="200"/>
+                                  </p:stCondLst>
+                                  <p:childTnLst>
+                                    <p:set>
+                                      <p:cBhvr>
+                                        <p:cTn id="24" dur="1" fill="hold">
+                                          <p:stCondLst>
+                                            <p:cond delay="0"/>
+                                          </p:stCondLst>
+                                        </p:cTn>
+                                        <p:tgtEl>
+                                          <p:spTgt spid="11"/>
+                                        </p:tgtEl>
+                                        <p:attrNameLst>
+                                          <p:attrName>style.visibility</p:attrName>
+                                        </p:attrNameLst>
+                                      </p:cBhvr>
+                                      <p:to>
+                                        <p:strVal val="visible"/>
+                                      </p:to>
+                                    </p:set>
+                                  </p:childTnLst>
+                                </p:cTn>
+                              </p:par>
+                            </p:childTnLst>
+                          </p:cTn>
+                        </p:par>
+                        <p:par>
+                          <p:cTn id="25" fill="hold">
+                            <p:stCondLst>
+                              <p:cond delay="1200"/>
+                            </p:stCondLst>
+                            <p:childTnLst>
+                              <p:par>
+                                <p:cTn id="26" presetID="1" presetClass="entr" presetSubtype="0" fill="hold" nodeType="afterEffect">
+                                  <p:stCondLst>
+                                    <p:cond delay="200"/>
+                                  </p:stCondLst>
+                                  <p:childTnLst>
+                                    <p:set>
+                                      <p:cBhvr>
+                                        <p:cTn id="27" dur="1" fill="hold">
+                                          <p:stCondLst>
+                                            <p:cond delay="0"/>
+                                          </p:stCondLst>
+                                        </p:cTn>
+                                        <p:tgtEl>
+                                          <p:spTgt spid="13"/>
+                                        </p:tgtEl>
+                                        <p:attrNameLst>
+                                          <p:attrName>style.visibility</p:attrName>
+                                        </p:attrNameLst>
+                                      </p:cBhvr>
+                                      <p:to>
+                                        <p:strVal val="visible"/>
+                                      </p:to>
+                                    </p:set>
+                                  </p:childTnLst>
+                                </p:cTn>
+                              </p:par>
+                            </p:childTnLst>
+                          </p:cTn>
+                        </p:par>
+                        <p:par>
+                          <p:cTn id="28" fill="hold">
+                            <p:stCondLst>
+                              <p:cond delay="1400"/>
+                            </p:stCondLst>
+                            <p:childTnLst>
+                              <p:par>
+                                <p:cTn id="29" presetID="1" presetClass="entr" presetSubtype="0" fill="hold" nodeType="afterEffect">
+                                  <p:stCondLst>
+                                    <p:cond delay="200"/>
+                                  </p:stCondLst>
+                                  <p:childTnLst>
+                                    <p:set>
+                                      <p:cBhvr>
+                                        <p:cTn id="30" dur="1" fill="hold">
+                                          <p:stCondLst>
+                                            <p:cond delay="0"/>
+                                          </p:stCondLst>
+                                        </p:cTn>
+                                        <p:tgtEl>
+                                          <p:spTgt spid="15"/>
+                                        </p:tgtEl>
+                                        <p:attrNameLst>
+                                          <p:attrName>style.visibility</p:attrName>
+                                        </p:attrNameLst>
+                                      </p:cBhvr>
+                                      <p:to>
+                                        <p:strVal val="visible"/>
+                                      </p:to>
+                                    </p:set>
+                                  </p:childTnLst>
+                                </p:cTn>
+                              </p:par>
+                            </p:childTnLst>
+                          </p:cTn>
+                        </p:par>
+                        <p:par>
+                          <p:cTn id="31" fill="hold">
+                            <p:stCondLst>
+                              <p:cond delay="1600"/>
+                            </p:stCondLst>
+                            <p:childTnLst>
+                              <p:par>
+                                <p:cTn id="32" presetID="1" presetClass="entr" presetSubtype="0" fill="hold" nodeType="afterEffect">
+                                  <p:stCondLst>
+                                    <p:cond delay="200"/>
+                                  </p:stCondLst>
+                                  <p:childTnLst>
+                                    <p:set>
+                                      <p:cBhvr>
+                                        <p:cTn id="33" dur="1" fill="hold">
+                                          <p:stCondLst>
+                                            <p:cond delay="0"/>
+                                          </p:stCondLst>
+                                        </p:cTn>
+                                        <p:tgtEl>
+                                          <p:spTgt spid="14"/>
+                                        </p:tgtEl>
+                                        <p:attrNameLst>
+                                          <p:attrName>style.visibility</p:attrName>
+                                        </p:attrNameLst>
+                                      </p:cBhvr>
+                                      <p:to>
+                                        <p:strVal val="visible"/>
+                                      </p:to>
+                                    </p:set>
+                                  </p:childTnLst>
+                                </p:cTn>
+                              </p:par>
+                            </p:childTnLst>
+                          </p:cTn>
+                        </p:par>
+                      </p:childTnLst>
+                    </p:cTn>
+                  </p:par>
+                  <p:par>
+                    <p:cTn id="34" fill="hold">
+                      <p:stCondLst>
+                        <p:cond delay="indefinite"/>
+                      </p:stCondLst>
+                      <p:childTnLst>
+                        <p:par>
+                          <p:cTn id="35" fill="hold">
+                            <p:stCondLst>
+                              <p:cond delay="0"/>
+                            </p:stCondLst>
+                            <p:childTnLst>
+                              <p:par>
+                                <p:cTn id="36" presetID="1" presetClass="entr" presetSubtype="0" fill="hold" grpId="0" nodeType="clickEffect">
+                                  <p:stCondLst>
+                                    <p:cond delay="0"/>
+                                  </p:stCondLst>
+                                  <p:childTnLst>
+                                    <p:set>
+                                      <p:cBhvr>
+                                        <p:cTn id="37" dur="1" fill="hold">
+                                          <p:stCondLst>
+                                            <p:cond delay="0"/>
+                                          </p:stCondLst>
+                                        </p:cTn>
+                                        <p:tgtEl>
+                                          <p:spTgt spid="22"/>
+                                        </p:tgtEl>
+                                        <p:attrNameLst>
+                                          <p:attrName>style.visibility</p:attrName>
+                                        </p:attrNameLst>
+                                      </p:cBhvr>
+                                      <p:to>
+                                        <p:strVal val="visible"/>
+                                      </p:to>
+                                    </p:set>
+                                  </p:childTnLst>
+                                </p:cTn>
+                              </p:par>
+                              <p:par>
+                                <p:cTn id="38" presetID="1" presetClass="entr" presetSubtype="0" fill="hold" nodeType="withEffect">
+                                  <p:stCondLst>
+                                    <p:cond delay="0"/>
+                                  </p:stCondLst>
+                                  <p:childTnLst>
+                                    <p:set>
+                                      <p:cBhvr>
+                                        <p:cTn id="39" dur="1" fill="hold">
+                                          <p:stCondLst>
+                                            <p:cond delay="0"/>
+                                          </p:stCondLst>
+                                        </p:cTn>
+                                        <p:tgtEl>
+                                          <p:spTgt spid="17"/>
+                                        </p:tgtEl>
+                                        <p:attrNameLst>
+                                          <p:attrName>style.visibility</p:attrName>
+                                        </p:attrNameLst>
+                                      </p:cBhvr>
+                                      <p:to>
+                                        <p:strVal val="visible"/>
+                                      </p:to>
+                                    </p:set>
+                                  </p:childTnLst>
+                                </p:cTn>
+                              </p:par>
+                              <p:par>
+                                <p:cTn id="40" presetID="1" presetClass="entr" presetSubtype="0" fill="hold" grpId="0" nodeType="withEffect">
+                                  <p:stCondLst>
+                                    <p:cond delay="0"/>
+                                  </p:stCondLst>
+                                  <p:childTnLst>
+                                    <p:set>
+                                      <p:cBhvr>
+                                        <p:cTn id="41" dur="1" fill="hold">
+                                          <p:stCondLst>
+                                            <p:cond delay="0"/>
+                                          </p:stCondLst>
+                                        </p:cTn>
+                                        <p:tgtEl>
+                                          <p:spTgt spid="23"/>
+                                        </p:tgtEl>
+                                        <p:attrNameLst>
+                                          <p:attrName>style.visibility</p:attrName>
+                                        </p:attrNameLst>
+                                      </p:cBhvr>
+                                      <p:to>
+                                        <p:strVal val="visible"/>
+                                      </p:to>
+                                    </p:set>
+                                  </p:childTnLst>
+                                </p:cTn>
+                              </p:par>
+                              <p:par>
+                                <p:cTn id="42" presetID="1" presetClass="entr" presetSubtype="0" fill="hold" nodeType="withEffect">
+                                  <p:stCondLst>
+                                    <p:cond delay="0"/>
+                                  </p:stCondLst>
+                                  <p:childTnLst>
+                                    <p:set>
+                                      <p:cBhvr>
+                                        <p:cTn id="43" dur="1" fill="hold">
+                                          <p:stCondLst>
+                                            <p:cond delay="0"/>
+                                          </p:stCondLst>
+                                        </p:cTn>
+                                        <p:tgtEl>
+                                          <p:spTgt spid="19"/>
+                                        </p:tgtEl>
+                                        <p:attrNameLst>
+                                          <p:attrName>style.visibility</p:attrName>
+                                        </p:attrNameLst>
+                                      </p:cBhvr>
+                                      <p:to>
+                                        <p:strVal val="visible"/>
+                                      </p:to>
+                                    </p:set>
+                                  </p:childTnLst>
+                                </p:cTn>
+                              </p:par>
+                              <p:par>
+                                <p:cTn id="44" presetID="1" presetClass="entr" presetSubtype="0" fill="hold" nodeType="withEffect">
+                                  <p:stCondLst>
+                                    <p:cond delay="0"/>
+                                  </p:stCondLst>
+                                  <p:childTnLst>
+                                    <p:set>
+                                      <p:cBhvr>
+                                        <p:cTn id="45" dur="1" fill="hold">
+                                          <p:stCondLst>
+                                            <p:cond delay="0"/>
+                                          </p:stCondLst>
+                                        </p:cTn>
+                                        <p:tgtEl>
+                                          <p:spTgt spid="20"/>
+                                        </p:tgtEl>
+                                        <p:attrNameLst>
+                                          <p:attrName>style.visibility</p:attrName>
+                                        </p:attrNameLst>
+                                      </p:cBhvr>
+                                      <p:to>
+                                        <p:strVal val="visible"/>
+                                      </p:to>
+                                    </p:set>
+                                  </p:childTnLst>
+                                </p:cTn>
+                              </p:par>
+                              <p:par>
+                                <p:cTn id="46" presetID="1" presetClass="entr" presetSubtype="0" fill="hold" nodeType="withEffect">
+                                  <p:stCondLst>
+                                    <p:cond delay="0"/>
+                                  </p:stCondLst>
+                                  <p:childTnLst>
+                                    <p:set>
+                                      <p:cBhvr>
+                                        <p:cTn id="47" dur="1" fill="hold">
+                                          <p:stCondLst>
+                                            <p:cond delay="0"/>
+                                          </p:stCondLst>
+                                        </p:cTn>
+                                        <p:tgtEl>
+                                          <p:spTgt spid="21"/>
+                                        </p:tgtEl>
+                                        <p:attrNameLst>
+                                          <p:attrName>style.visibility</p:attrName>
+                                        </p:attrNameLst>
+                                      </p:cBhvr>
+                                      <p:to>
+                                        <p:strVal val="visible"/>
+                                      </p:to>
+                                    </p:set>
+                                  </p:childTnLst>
+                                </p:cTn>
+                              </p:par>
+                            </p:childTnLst>
+                          </p:cTn>
+                        </p:par>
+                      </p:childTnLst>
+                    </p:cTn>
+                  </p:par>
+                  <p:par>
+                    <p:cTn id="48" fill="hold">
+                      <p:stCondLst>
+                        <p:cond delay="indefinite"/>
+                      </p:stCondLst>
+                      <p:childTnLst>
+                        <p:par>
+                          <p:cTn id="49" fill="hold">
+                            <p:stCondLst>
+                              <p:cond delay="0"/>
+                            </p:stCondLst>
+                            <p:childTnLst>
+                              <p:par>
+                                <p:cTn id="50" presetID="1" presetClass="entr" presetSubtype="0" fill="hold" nodeType="clickEffect">
+                                  <p:stCondLst>
+                                    <p:cond delay="0"/>
+                                  </p:stCondLst>
+                                  <p:childTnLst>
+                                    <p:set>
+                                      <p:cBhvr>
+                                        <p:cTn id="51" dur="1" fill="hold">
+                                          <p:stCondLst>
+                                            <p:cond delay="0"/>
+                                          </p:stCondLst>
+                                        </p:cTn>
+                                        <p:tgtEl>
+                                          <p:spTgt spid="76"/>
+                                        </p:tgtEl>
+                                        <p:attrNameLst>
+                                          <p:attrName>style.visibility</p:attrName>
+                                        </p:attrNameLst>
+                                      </p:cBhvr>
+                                      <p:to>
+                                        <p:strVal val="visible"/>
+                                      </p:to>
+                                    </p:set>
+                                  </p:childTnLst>
+                                </p:cTn>
+                              </p:par>
+                            </p:childTnLst>
+                          </p:cTn>
+                        </p:par>
+                      </p:childTnLst>
+                    </p:cTn>
+                  </p:par>
+                  <p:par>
+                    <p:cTn id="52" fill="hold">
+                      <p:stCondLst>
+                        <p:cond delay="indefinite"/>
+                      </p:stCondLst>
+                      <p:childTnLst>
+                        <p:par>
+                          <p:cTn id="53" fill="hold">
+                            <p:stCondLst>
+                              <p:cond delay="0"/>
+                            </p:stCondLst>
+                            <p:childTnLst>
+                              <p:par>
+                                <p:cTn id="54" presetID="1" presetClass="entr" presetSubtype="0" fill="hold" nodeType="clickEffect">
+                                  <p:stCondLst>
+                                    <p:cond delay="0"/>
+                                  </p:stCondLst>
+                                  <p:childTnLst>
+                                    <p:set>
+                                      <p:cBhvr>
+                                        <p:cTn id="55" dur="1" fill="hold">
+                                          <p:stCondLst>
+                                            <p:cond delay="0"/>
+                                          </p:stCondLst>
+                                        </p:cTn>
+                                        <p:tgtEl>
+                                          <p:spTgt spid="81"/>
+                                        </p:tgtEl>
+                                        <p:attrNameLst>
+                                          <p:attrName>style.visibility</p:attrName>
+                                        </p:attrNameLst>
+                                      </p:cBhvr>
+                                      <p:to>
+                                        <p:strVal val="visible"/>
+                                      </p:to>
+                                    </p:set>
+                                  </p:childTnLst>
+                                </p:cTn>
+                              </p:par>
+                            </p:childTnLst>
+                          </p:cTn>
+                        </p:par>
+                      </p:childTnLst>
+                    </p:cTn>
+                  </p:par>
+                  <p:par>
+                    <p:cTn id="56" fill="hold">
+                      <p:stCondLst>
+                        <p:cond delay="indefinite"/>
+                      </p:stCondLst>
+                      <p:childTnLst>
+                        <p:par>
+                          <p:cTn id="57" fill="hold">
+                            <p:stCondLst>
+                              <p:cond delay="0"/>
+                            </p:stCondLst>
+                            <p:childTnLst>
+                              <p:par>
+                                <p:cTn id="58" presetID="1" presetClass="entr" presetSubtype="0" fill="hold" grpId="0" nodeType="clickEffect">
+                                  <p:stCondLst>
+                                    <p:cond delay="0"/>
+                                  </p:stCondLst>
+                                  <p:childTnLst>
+                                    <p:set>
+                                      <p:cBhvr>
+                                        <p:cTn id="59" dur="1" fill="hold">
+                                          <p:stCondLst>
+                                            <p:cond delay="0"/>
+                                          </p:stCondLst>
+                                        </p:cTn>
+                                        <p:tgtEl>
+                                          <p:spTgt spid="74"/>
+                                        </p:tgtEl>
+                                        <p:attrNameLst>
+                                          <p:attrName>style.visibility</p:attrName>
+                                        </p:attrNameLst>
+                                      </p:cBhvr>
+                                      <p:to>
+                                        <p:strVal val="visible"/>
+                                      </p:to>
+                                    </p:set>
+                                  </p:childTnLst>
+                                </p:cTn>
+                              </p:par>
+                            </p:childTnLst>
+                          </p:cTn>
+                        </p:par>
+                      </p:childTnLst>
+                    </p:cTn>
+                  </p:par>
+                  <p:par>
+                    <p:cTn id="60" fill="hold">
+                      <p:stCondLst>
+                        <p:cond delay="indefinite"/>
+                      </p:stCondLst>
+                      <p:childTnLst>
+                        <p:par>
+                          <p:cTn id="61" fill="hold">
+                            <p:stCondLst>
+                              <p:cond delay="0"/>
+                            </p:stCondLst>
+                            <p:childTnLst>
+                              <p:par>
+                                <p:cTn id="62" presetID="1" presetClass="exit" presetSubtype="0" fill="hold" nodeType="clickEffect">
+                                  <p:stCondLst>
+                                    <p:cond delay="0"/>
+                                  </p:stCondLst>
+                                  <p:childTnLst>
+                                    <p:set>
+                                      <p:cBhvr>
+                                        <p:cTn id="63" dur="1" fill="hold">
+                                          <p:stCondLst>
+                                            <p:cond delay="0"/>
+                                          </p:stCondLst>
+                                        </p:cTn>
+                                        <p:tgtEl>
+                                          <p:spTgt spid="76"/>
+                                        </p:tgtEl>
+                                        <p:attrNameLst>
+                                          <p:attrName>style.visibility</p:attrName>
+                                        </p:attrNameLst>
+                                      </p:cBhvr>
+                                      <p:to>
+                                        <p:strVal val="hidden"/>
+                                      </p:to>
+                                    </p:set>
+                                  </p:childTnLst>
+                                </p:cTn>
+                              </p:par>
+                              <p:par>
+                                <p:cTn id="64" presetID="1" presetClass="exit" presetSubtype="0" fill="hold" nodeType="withEffect">
+                                  <p:stCondLst>
+                                    <p:cond delay="0"/>
+                                  </p:stCondLst>
+                                  <p:childTnLst>
+                                    <p:set>
+                                      <p:cBhvr>
+                                        <p:cTn id="65" dur="1" fill="hold">
+                                          <p:stCondLst>
+                                            <p:cond delay="0"/>
+                                          </p:stCondLst>
+                                        </p:cTn>
+                                        <p:tgtEl>
+                                          <p:spTgt spid="81"/>
+                                        </p:tgtEl>
+                                        <p:attrNameLst>
+                                          <p:attrName>style.visibility</p:attrName>
+                                        </p:attrNameLst>
+                                      </p:cBhvr>
+                                      <p:to>
+                                        <p:strVal val="hidden"/>
+                                      </p:to>
+                                    </p:set>
+                                  </p:childTnLst>
+                                </p:cTn>
+                              </p:par>
+                              <p:par>
+                                <p:cTn id="66" presetID="1" presetClass="exit" presetSubtype="0" fill="hold" grpId="1" nodeType="withEffect">
+                                  <p:stCondLst>
+                                    <p:cond delay="0"/>
+                                  </p:stCondLst>
+                                  <p:childTnLst>
+                                    <p:set>
+                                      <p:cBhvr>
+                                        <p:cTn id="67" dur="1" fill="hold">
+                                          <p:stCondLst>
+                                            <p:cond delay="0"/>
+                                          </p:stCondLst>
+                                        </p:cTn>
+                                        <p:tgtEl>
+                                          <p:spTgt spid="74"/>
+                                        </p:tgtEl>
+                                        <p:attrNameLst>
+                                          <p:attrName>style.visibility</p:attrName>
+                                        </p:attrNameLst>
+                                      </p:cBhvr>
+                                      <p:to>
+                                        <p:strVal val="hidden"/>
+                                      </p:to>
+                                    </p:set>
+                                  </p:childTnLst>
+                                </p:cTn>
+                              </p:par>
+                              <p:par>
+                                <p:cTn id="68" presetID="22" presetClass="path" presetSubtype="0" repeatCount="indefinite" fill="hold" nodeType="withEffect">
+                                  <p:stCondLst>
+                                    <p:cond delay="0"/>
+                                  </p:stCondLst>
+                                  <p:childTnLst>
+                                    <p:animMotion origin="layout" path="M 6.25E-7 4.07407E-6 C 0.0099 4.07407E-6 0.01823 0.00833 0.01823 0.01875 C 0.01823 0.03101 0.00911 0.03541 0.00365 0.0375 L -0.00365 0.03935 C -0.00912 0.0412 -0.0181 0.04583 -0.0181 0.05972 C -0.0181 0.06875 -0.01003 0.07893 6.25E-7 0.07893 C 0.0099 0.07893 0.01823 0.06875 0.01823 0.05972 C 0.01823 0.04583 0.00911 0.0412 0.00365 0.03935 L -0.00365 0.0375 C -0.00912 0.03541 -0.0181 0.03101 -0.0181 0.01875 C -0.0181 0.00833 -0.01003 4.07407E-6 6.25E-7 4.07407E-6 Z " pathEditMode="relative" rAng="0" ptsTypes="AAAAAAAAAAA">
+                                      <p:cBhvr>
+                                        <p:cTn id="69" dur="2000" fill="hold"/>
+                                        <p:tgtEl>
+                                          <p:spTgt spid="17"/>
+                                        </p:tgtEl>
+                                        <p:attrNameLst>
+                                          <p:attrName>ppt_x</p:attrName>
+                                          <p:attrName>ppt_y</p:attrName>
+                                        </p:attrNameLst>
+                                      </p:cBhvr>
+                                      <p:rCtr x="0" y="3935"/>
+                                    </p:animMotion>
+                                  </p:childTnLst>
+                                </p:cTn>
+                              </p:par>
+                            </p:childTnLst>
+                          </p:cTn>
+                        </p:par>
+                      </p:childTnLst>
+                    </p:cTn>
+                  </p:par>
+                  <p:par>
+                    <p:cTn id="70" fill="hold">
+                      <p:stCondLst>
+                        <p:cond delay="indefinite"/>
+                      </p:stCondLst>
+                      <p:childTnLst>
+                        <p:par>
+                          <p:cTn id="71" fill="hold">
+                            <p:stCondLst>
+                              <p:cond delay="0"/>
+                            </p:stCondLst>
+                            <p:childTnLst>
+                              <p:par>
+                                <p:cTn id="72" presetID="1" presetClass="entr" presetSubtype="0" fill="hold" nodeType="clickEffect">
+                                  <p:stCondLst>
+                                    <p:cond delay="0"/>
+                                  </p:stCondLst>
+                                  <p:childTnLst>
+                                    <p:set>
+                                      <p:cBhvr>
+                                        <p:cTn id="73" dur="1" fill="hold">
+                                          <p:stCondLst>
+                                            <p:cond delay="0"/>
+                                          </p:stCondLst>
+                                        </p:cTn>
+                                        <p:tgtEl>
+                                          <p:spTgt spid="24"/>
+                                        </p:tgtEl>
+                                        <p:attrNameLst>
+                                          <p:attrName>style.visibility</p:attrName>
+                                        </p:attrNameLst>
+                                      </p:cBhvr>
+                                      <p:to>
+                                        <p:strVal val="visible"/>
+                                      </p:to>
+                                    </p:set>
+                                  </p:childTnLst>
+                                </p:cTn>
+                              </p:par>
+                              <p:par>
+                                <p:cTn id="74" presetID="1" presetClass="entr" presetSubtype="0" fill="hold" grpId="0" nodeType="withEffect">
+                                  <p:stCondLst>
+                                    <p:cond delay="0"/>
+                                  </p:stCondLst>
+                                  <p:childTnLst>
+                                    <p:set>
+                                      <p:cBhvr>
+                                        <p:cTn id="75" dur="1" fill="hold">
+                                          <p:stCondLst>
+                                            <p:cond delay="0"/>
+                                          </p:stCondLst>
+                                        </p:cTn>
+                                        <p:tgtEl>
+                                          <p:spTgt spid="29"/>
+                                        </p:tgtEl>
+                                        <p:attrNameLst>
+                                          <p:attrName>style.visibility</p:attrName>
+                                        </p:attrNameLst>
+                                      </p:cBhvr>
+                                      <p:to>
+                                        <p:strVal val="visible"/>
+                                      </p:to>
+                                    </p:set>
+                                  </p:childTnLst>
+                                </p:cTn>
+                              </p:par>
+                            </p:childTnLst>
+                          </p:cTn>
+                        </p:par>
+                      </p:childTnLst>
+                    </p:cTn>
+                  </p:par>
+                  <p:par>
+                    <p:cTn id="76" fill="hold">
+                      <p:stCondLst>
+                        <p:cond delay="indefinite"/>
+                      </p:stCondLst>
+                      <p:childTnLst>
+                        <p:par>
+                          <p:cTn id="77" fill="hold">
+                            <p:stCondLst>
+                              <p:cond delay="0"/>
+                            </p:stCondLst>
+                            <p:childTnLst>
+                              <p:par>
+                                <p:cTn id="78" presetID="1" presetClass="entr" presetSubtype="0" fill="hold" nodeType="clickEffect">
+                                  <p:stCondLst>
+                                    <p:cond delay="0"/>
+                                  </p:stCondLst>
+                                  <p:childTnLst>
+                                    <p:set>
+                                      <p:cBhvr>
+                                        <p:cTn id="79" dur="1" fill="hold">
+                                          <p:stCondLst>
+                                            <p:cond delay="0"/>
+                                          </p:stCondLst>
+                                        </p:cTn>
+                                        <p:tgtEl>
+                                          <p:spTgt spid="36"/>
+                                        </p:tgtEl>
+                                        <p:attrNameLst>
+                                          <p:attrName>style.visibility</p:attrName>
+                                        </p:attrNameLst>
+                                      </p:cBhvr>
+                                      <p:to>
+                                        <p:strVal val="visible"/>
+                                      </p:to>
+                                    </p:set>
+                                  </p:childTnLst>
+                                </p:cTn>
+                              </p:par>
+                            </p:childTnLst>
+                          </p:cTn>
+                        </p:par>
+                      </p:childTnLst>
+                    </p:cTn>
+                  </p:par>
+                  <p:par>
+                    <p:cTn id="80" fill="hold">
+                      <p:stCondLst>
+                        <p:cond delay="indefinite"/>
+                      </p:stCondLst>
+                      <p:childTnLst>
+                        <p:par>
+                          <p:cTn id="81" fill="hold">
+                            <p:stCondLst>
+                              <p:cond delay="0"/>
+                            </p:stCondLst>
+                            <p:childTnLst>
+                              <p:par>
+                                <p:cTn id="82" presetID="1" presetClass="entr" presetSubtype="0" fill="hold" nodeType="clickEffect">
+                                  <p:stCondLst>
+                                    <p:cond delay="0"/>
+                                  </p:stCondLst>
+                                  <p:childTnLst>
+                                    <p:set>
+                                      <p:cBhvr>
+                                        <p:cTn id="83" dur="1" fill="hold">
+                                          <p:stCondLst>
+                                            <p:cond delay="0"/>
+                                          </p:stCondLst>
+                                        </p:cTn>
+                                        <p:tgtEl>
+                                          <p:spTgt spid="88"/>
+                                        </p:tgtEl>
+                                        <p:attrNameLst>
+                                          <p:attrName>style.visibility</p:attrName>
+                                        </p:attrNameLst>
+                                      </p:cBhvr>
+                                      <p:to>
+                                        <p:strVal val="visible"/>
+                                      </p:to>
+                                    </p:set>
+                                  </p:childTnLst>
+                                </p:cTn>
+                              </p:par>
+                            </p:childTnLst>
+                          </p:cTn>
+                        </p:par>
+                      </p:childTnLst>
+                    </p:cTn>
+                  </p:par>
+                  <p:par>
+                    <p:cTn id="84" fill="hold">
+                      <p:stCondLst>
+                        <p:cond delay="indefinite"/>
+                      </p:stCondLst>
+                      <p:childTnLst>
+                        <p:par>
+                          <p:cTn id="85" fill="hold">
+                            <p:stCondLst>
+                              <p:cond delay="0"/>
+                            </p:stCondLst>
+                            <p:childTnLst>
+                              <p:par>
+                                <p:cTn id="86" presetID="1" presetClass="entr" presetSubtype="0" fill="hold" grpId="0" nodeType="clickEffect">
+                                  <p:stCondLst>
+                                    <p:cond delay="0"/>
+                                  </p:stCondLst>
+                                  <p:childTnLst>
+                                    <p:set>
+                                      <p:cBhvr>
+                                        <p:cTn id="87" dur="1" fill="hold">
+                                          <p:stCondLst>
+                                            <p:cond delay="0"/>
+                                          </p:stCondLst>
+                                        </p:cTn>
+                                        <p:tgtEl>
+                                          <p:spTgt spid="37"/>
+                                        </p:tgtEl>
+                                        <p:attrNameLst>
+                                          <p:attrName>style.visibility</p:attrName>
+                                        </p:attrNameLst>
+                                      </p:cBhvr>
+                                      <p:to>
+                                        <p:strVal val="visible"/>
+                                      </p:to>
+                                    </p:set>
+                                  </p:childTnLst>
+                                </p:cTn>
+                              </p:par>
+                            </p:childTnLst>
+                          </p:cTn>
+                        </p:par>
+                      </p:childTnLst>
+                    </p:cTn>
+                  </p:par>
+                  <p:par>
+                    <p:cTn id="88" fill="hold">
+                      <p:stCondLst>
+                        <p:cond delay="indefinite"/>
+                      </p:stCondLst>
+                      <p:childTnLst>
+                        <p:par>
+                          <p:cTn id="89" fill="hold">
+                            <p:stCondLst>
+                              <p:cond delay="0"/>
+                            </p:stCondLst>
+                            <p:childTnLst>
+                              <p:par>
+                                <p:cTn id="90" presetID="1" presetClass="entr" presetSubtype="0" fill="hold" nodeType="clickEffect">
+                                  <p:stCondLst>
+                                    <p:cond delay="0"/>
+                                  </p:stCondLst>
+                                  <p:childTnLst>
+                                    <p:set>
+                                      <p:cBhvr>
+                                        <p:cTn id="91" dur="1" fill="hold">
+                                          <p:stCondLst>
+                                            <p:cond delay="0"/>
+                                          </p:stCondLst>
+                                        </p:cTn>
+                                        <p:tgtEl>
+                                          <p:spTgt spid="48"/>
+                                        </p:tgtEl>
+                                        <p:attrNameLst>
+                                          <p:attrName>style.visibility</p:attrName>
+                                        </p:attrNameLst>
+                                      </p:cBhvr>
+                                      <p:to>
+                                        <p:strVal val="visible"/>
+                                      </p:to>
+                                    </p:set>
+                                  </p:childTnLst>
+                                </p:cTn>
+                              </p:par>
+                              <p:par>
+                                <p:cTn id="92" presetID="1" presetClass="exit" presetSubtype="0" fill="hold" nodeType="withEffect">
+                                  <p:stCondLst>
+                                    <p:cond delay="0"/>
+                                  </p:stCondLst>
+                                  <p:childTnLst>
+                                    <p:set>
+                                      <p:cBhvr>
+                                        <p:cTn id="93" dur="1" fill="hold">
+                                          <p:stCondLst>
+                                            <p:cond delay="0"/>
+                                          </p:stCondLst>
+                                        </p:cTn>
+                                        <p:tgtEl>
+                                          <p:spTgt spid="88"/>
+                                        </p:tgtEl>
+                                        <p:attrNameLst>
+                                          <p:attrName>style.visibility</p:attrName>
+                                        </p:attrNameLst>
+                                      </p:cBhvr>
+                                      <p:to>
+                                        <p:strVal val="hidden"/>
+                                      </p:to>
+                                    </p:set>
+                                  </p:childTnLst>
+                                </p:cTn>
+                              </p:par>
+                              <p:par>
+                                <p:cTn id="94" presetID="1" presetClass="exit" presetSubtype="0" fill="hold" grpId="1" nodeType="withEffect">
+                                  <p:stCondLst>
+                                    <p:cond delay="0"/>
+                                  </p:stCondLst>
+                                  <p:childTnLst>
+                                    <p:set>
+                                      <p:cBhvr>
+                                        <p:cTn id="95" dur="1" fill="hold">
+                                          <p:stCondLst>
+                                            <p:cond delay="0"/>
+                                          </p:stCondLst>
+                                        </p:cTn>
+                                        <p:tgtEl>
+                                          <p:spTgt spid="37"/>
+                                        </p:tgtEl>
+                                        <p:attrNameLst>
+                                          <p:attrName>style.visibility</p:attrName>
+                                        </p:attrNameLst>
+                                      </p:cBhvr>
+                                      <p:to>
+                                        <p:strVal val="hidden"/>
+                                      </p:to>
+                                    </p:set>
+                                  </p:childTnLst>
+                                </p:cTn>
+                              </p:par>
+                              <p:par>
+                                <p:cTn id="96" presetID="1" presetClass="entr" presetSubtype="0" fill="hold" nodeType="withEffect">
+                                  <p:stCondLst>
+                                    <p:cond delay="0"/>
+                                  </p:stCondLst>
+                                  <p:childTnLst>
+                                    <p:set>
+                                      <p:cBhvr>
+                                        <p:cTn id="97" dur="1" fill="hold">
+                                          <p:stCondLst>
+                                            <p:cond delay="0"/>
+                                          </p:stCondLst>
+                                        </p:cTn>
+                                        <p:tgtEl>
+                                          <p:spTgt spid="49"/>
+                                        </p:tgtEl>
+                                        <p:attrNameLst>
+                                          <p:attrName>style.visibility</p:attrName>
+                                        </p:attrNameLst>
+                                      </p:cBhvr>
+                                      <p:to>
+                                        <p:strVal val="visible"/>
+                                      </p:to>
+                                    </p:set>
+                                  </p:childTnLst>
+                                </p:cTn>
+                              </p:par>
+                              <p:par>
+                                <p:cTn id="98" presetID="1" presetClass="entr" presetSubtype="0" fill="hold" nodeType="withEffect">
+                                  <p:stCondLst>
+                                    <p:cond delay="0"/>
+                                  </p:stCondLst>
+                                  <p:childTnLst>
+                                    <p:set>
+                                      <p:cBhvr>
+                                        <p:cTn id="99" dur="1" fill="hold">
+                                          <p:stCondLst>
+                                            <p:cond delay="0"/>
+                                          </p:stCondLst>
+                                        </p:cTn>
+                                        <p:tgtEl>
+                                          <p:spTgt spid="47"/>
+                                        </p:tgtEl>
+                                        <p:attrNameLst>
+                                          <p:attrName>style.visibility</p:attrName>
+                                        </p:attrNameLst>
+                                      </p:cBhvr>
+                                      <p:to>
+                                        <p:strVal val="visible"/>
+                                      </p:to>
+                                    </p:set>
+                                  </p:childTnLst>
+                                </p:cTn>
+                              </p:par>
+                              <p:par>
+                                <p:cTn id="100" presetID="1" presetClass="entr" presetSubtype="0" fill="hold" grpId="0" nodeType="withEffect">
+                                  <p:stCondLst>
+                                    <p:cond delay="0"/>
+                                  </p:stCondLst>
+                                  <p:childTnLst>
+                                    <p:set>
+                                      <p:cBhvr>
+                                        <p:cTn id="101" dur="1" fill="hold">
+                                          <p:stCondLst>
+                                            <p:cond delay="0"/>
+                                          </p:stCondLst>
+                                        </p:cTn>
+                                        <p:tgtEl>
+                                          <p:spTgt spid="50"/>
+                                        </p:tgtEl>
+                                        <p:attrNameLst>
+                                          <p:attrName>style.visibility</p:attrName>
+                                        </p:attrNameLst>
+                                      </p:cBhvr>
+                                      <p:to>
+                                        <p:strVal val="visible"/>
+                                      </p:to>
+                                    </p:set>
+                                  </p:childTnLst>
+                                </p:cTn>
+                              </p:par>
+                              <p:par>
+                                <p:cTn id="102" presetID="1" presetClass="entr" presetSubtype="0" fill="hold" nodeType="withEffect">
+                                  <p:stCondLst>
+                                    <p:cond delay="0"/>
+                                  </p:stCondLst>
+                                  <p:childTnLst>
+                                    <p:set>
+                                      <p:cBhvr>
+                                        <p:cTn id="103" dur="1" fill="hold">
+                                          <p:stCondLst>
+                                            <p:cond delay="0"/>
+                                          </p:stCondLst>
+                                        </p:cTn>
+                                        <p:tgtEl>
+                                          <p:spTgt spid="40"/>
+                                        </p:tgtEl>
+                                        <p:attrNameLst>
+                                          <p:attrName>style.visibility</p:attrName>
+                                        </p:attrNameLst>
+                                      </p:cBhvr>
+                                      <p:to>
+                                        <p:strVal val="visible"/>
+                                      </p:to>
+                                    </p:set>
+                                  </p:childTnLst>
+                                </p:cTn>
+                              </p:par>
+                              <p:par>
+                                <p:cTn id="104" presetID="1" presetClass="entr" presetSubtype="0" fill="hold" nodeType="withEffect">
+                                  <p:stCondLst>
+                                    <p:cond delay="0"/>
+                                  </p:stCondLst>
+                                  <p:childTnLst>
+                                    <p:set>
+                                      <p:cBhvr>
+                                        <p:cTn id="105" dur="1" fill="hold">
+                                          <p:stCondLst>
+                                            <p:cond delay="0"/>
+                                          </p:stCondLst>
+                                        </p:cTn>
+                                        <p:tgtEl>
+                                          <p:spTgt spid="41"/>
+                                        </p:tgtEl>
+                                        <p:attrNameLst>
+                                          <p:attrName>style.visibility</p:attrName>
+                                        </p:attrNameLst>
+                                      </p:cBhvr>
+                                      <p:to>
+                                        <p:strVal val="visible"/>
+                                      </p:to>
+                                    </p:set>
+                                  </p:childTnLst>
+                                </p:cTn>
+                              </p:par>
+                              <p:par>
+                                <p:cTn id="106" presetID="1" presetClass="entr" presetSubtype="0" fill="hold" grpId="0" nodeType="withEffect">
+                                  <p:stCondLst>
+                                    <p:cond delay="0"/>
+                                  </p:stCondLst>
+                                  <p:childTnLst>
+                                    <p:set>
+                                      <p:cBhvr>
+                                        <p:cTn id="107" dur="1" fill="hold">
+                                          <p:stCondLst>
+                                            <p:cond delay="0"/>
+                                          </p:stCondLst>
+                                        </p:cTn>
+                                        <p:tgtEl>
+                                          <p:spTgt spid="43"/>
+                                        </p:tgtEl>
+                                        <p:attrNameLst>
+                                          <p:attrName>style.visibility</p:attrName>
+                                        </p:attrNameLst>
+                                      </p:cBhvr>
+                                      <p:to>
+                                        <p:strVal val="visible"/>
+                                      </p:to>
+                                    </p:set>
+                                  </p:childTnLst>
+                                </p:cTn>
+                              </p:par>
+                              <p:par>
+                                <p:cTn id="108" presetID="1" presetClass="entr" presetSubtype="0" fill="hold" nodeType="withEffect">
+                                  <p:stCondLst>
+                                    <p:cond delay="0"/>
+                                  </p:stCondLst>
+                                  <p:childTnLst>
+                                    <p:set>
+                                      <p:cBhvr>
+                                        <p:cTn id="109" dur="1" fill="hold">
+                                          <p:stCondLst>
+                                            <p:cond delay="0"/>
+                                          </p:stCondLst>
+                                        </p:cTn>
+                                        <p:tgtEl>
+                                          <p:spTgt spid="42"/>
+                                        </p:tgtEl>
+                                        <p:attrNameLst>
+                                          <p:attrName>style.visibility</p:attrName>
+                                        </p:attrNameLst>
+                                      </p:cBhvr>
+                                      <p:to>
+                                        <p:strVal val="visible"/>
+                                      </p:to>
+                                    </p:set>
+                                  </p:childTnLst>
+                                </p:cTn>
+                              </p:par>
+                              <p:par>
+                                <p:cTn id="110" presetID="1" presetClass="entr" presetSubtype="0" fill="hold" nodeType="withEffect">
+                                  <p:stCondLst>
+                                    <p:cond delay="0"/>
+                                  </p:stCondLst>
+                                  <p:childTnLst>
+                                    <p:set>
+                                      <p:cBhvr>
+                                        <p:cTn id="111" dur="1" fill="hold">
+                                          <p:stCondLst>
+                                            <p:cond delay="0"/>
+                                          </p:stCondLst>
+                                        </p:cTn>
+                                        <p:tgtEl>
+                                          <p:spTgt spid="38"/>
+                                        </p:tgtEl>
+                                        <p:attrNameLst>
+                                          <p:attrName>style.visibility</p:attrName>
+                                        </p:attrNameLst>
+                                      </p:cBhvr>
+                                      <p:to>
+                                        <p:strVal val="visible"/>
+                                      </p:to>
+                                    </p:set>
+                                  </p:childTnLst>
+                                </p:cTn>
+                              </p:par>
+                              <p:par>
+                                <p:cTn id="112" presetID="1" presetClass="entr" presetSubtype="0" fill="hold" grpId="0" nodeType="withEffect">
+                                  <p:stCondLst>
+                                    <p:cond delay="0"/>
+                                  </p:stCondLst>
+                                  <p:childTnLst>
+                                    <p:set>
+                                      <p:cBhvr>
+                                        <p:cTn id="113" dur="1" fill="hold">
+                                          <p:stCondLst>
+                                            <p:cond delay="0"/>
+                                          </p:stCondLst>
+                                        </p:cTn>
+                                        <p:tgtEl>
+                                          <p:spTgt spid="39"/>
+                                        </p:tgtEl>
+                                        <p:attrNameLst>
+                                          <p:attrName>style.visibility</p:attrName>
+                                        </p:attrNameLst>
+                                      </p:cBhvr>
+                                      <p:to>
+                                        <p:strVal val="visible"/>
+                                      </p:to>
+                                    </p:set>
+                                  </p:childTnLst>
+                                </p:cTn>
+                              </p:par>
+                            </p:childTnLst>
+                          </p:cTn>
+                        </p:par>
+                      </p:childTnLst>
+                    </p:cTn>
+                  </p:par>
+                  <p:par>
+                    <p:cTn id="114" fill="hold">
+                      <p:stCondLst>
+                        <p:cond delay="indefinite"/>
+                      </p:stCondLst>
+                      <p:childTnLst>
+                        <p:par>
+                          <p:cTn id="115" fill="hold">
+                            <p:stCondLst>
+                              <p:cond delay="0"/>
+                            </p:stCondLst>
+                            <p:childTnLst>
+                              <p:par>
+                                <p:cTn id="116" presetID="1" presetClass="entr" presetSubtype="0" fill="hold" nodeType="clickEffect">
+                                  <p:stCondLst>
+                                    <p:cond delay="0"/>
+                                  </p:stCondLst>
+                                  <p:childTnLst>
+                                    <p:set>
+                                      <p:cBhvr>
+                                        <p:cTn id="117" dur="1" fill="hold">
+                                          <p:stCondLst>
+                                            <p:cond delay="0"/>
+                                          </p:stCondLst>
+                                        </p:cTn>
+                                        <p:tgtEl>
+                                          <p:spTgt spid="85">
+                                            <p:txEl>
+                                              <p:pRg st="0" end="0"/>
+                                            </p:txEl>
+                                          </p:spTgt>
+                                        </p:tgtEl>
+                                        <p:attrNameLst>
+                                          <p:attrName>style.visibility</p:attrName>
+                                        </p:attrNameLst>
+                                      </p:cBhvr>
+                                      <p:to>
+                                        <p:strVal val="visible"/>
+                                      </p:to>
+                                    </p:set>
+                                  </p:childTnLst>
+                                </p:cTn>
+                              </p:par>
+                            </p:childTnLst>
+                          </p:cTn>
+                        </p:par>
+                        <p:par>
+                          <p:cTn id="118" fill="hold">
+                            <p:stCondLst>
+                              <p:cond delay="0"/>
+                            </p:stCondLst>
+                            <p:childTnLst>
+                              <p:par>
+                                <p:cTn id="119" presetID="1" presetClass="entr" presetSubtype="0" fill="hold" nodeType="afterEffect">
+                                  <p:stCondLst>
+                                    <p:cond delay="200"/>
+                                  </p:stCondLst>
+                                  <p:childTnLst>
+                                    <p:set>
+                                      <p:cBhvr>
+                                        <p:cTn id="120" dur="1" fill="hold">
+                                          <p:stCondLst>
+                                            <p:cond delay="0"/>
+                                          </p:stCondLst>
+                                        </p:cTn>
+                                        <p:tgtEl>
+                                          <p:spTgt spid="86">
+                                            <p:txEl>
+                                              <p:pRg st="0" end="0"/>
+                                            </p:txEl>
+                                          </p:spTgt>
+                                        </p:tgtEl>
+                                        <p:attrNameLst>
+                                          <p:attrName>style.visibility</p:attrName>
+                                        </p:attrNameLst>
+                                      </p:cBhvr>
+                                      <p:to>
+                                        <p:strVal val="visible"/>
+                                      </p:to>
+                                    </p:set>
+                                  </p:childTnLst>
+                                </p:cTn>
+                              </p:par>
+                            </p:childTnLst>
+                          </p:cTn>
+                        </p:par>
+                        <p:par>
+                          <p:cTn id="121" fill="hold">
+                            <p:stCondLst>
+                              <p:cond delay="200"/>
+                            </p:stCondLst>
+                            <p:childTnLst>
+                              <p:par>
+                                <p:cTn id="122" presetID="1" presetClass="entr" presetSubtype="0" fill="hold" nodeType="afterEffect">
+                                  <p:stCondLst>
+                                    <p:cond delay="200"/>
+                                  </p:stCondLst>
+                                  <p:childTnLst>
+                                    <p:set>
+                                      <p:cBhvr>
+                                        <p:cTn id="123" dur="1" fill="hold">
+                                          <p:stCondLst>
+                                            <p:cond delay="0"/>
+                                          </p:stCondLst>
+                                        </p:cTn>
+                                        <p:tgtEl>
+                                          <p:spTgt spid="87">
+                                            <p:txEl>
+                                              <p:pRg st="0" end="0"/>
+                                            </p:txEl>
+                                          </p:spTgt>
+                                        </p:tgtEl>
+                                        <p:attrNameLst>
+                                          <p:attrName>style.visibility</p:attrName>
+                                        </p:attrNameLst>
+                                      </p:cBhvr>
+                                      <p:to>
+                                        <p:strVal val="visible"/>
+                                      </p:to>
+                                    </p:set>
+                                  </p:childTnLst>
+                                </p:cTn>
+                              </p:par>
+                              <p:par>
+                                <p:cTn id="124" presetID="10" presetClass="exit" presetSubtype="0" fill="hold" nodeType="withEffect">
+                                  <p:stCondLst>
+                                    <p:cond delay="200"/>
+                                  </p:stCondLst>
+                                  <p:childTnLst>
+                                    <p:animEffect transition="out" filter="fade">
+                                      <p:cBhvr>
+                                        <p:cTn id="125" dur="500"/>
+                                        <p:tgtEl>
+                                          <p:spTgt spid="48"/>
+                                        </p:tgtEl>
+                                      </p:cBhvr>
+                                    </p:animEffect>
+                                    <p:set>
+                                      <p:cBhvr>
+                                        <p:cTn id="126" dur="1" fill="hold">
+                                          <p:stCondLst>
+                                            <p:cond delay="499"/>
+                                          </p:stCondLst>
+                                        </p:cTn>
+                                        <p:tgtEl>
+                                          <p:spTgt spid="48"/>
+                                        </p:tgtEl>
+                                        <p:attrNameLst>
+                                          <p:attrName>style.visibility</p:attrName>
+                                        </p:attrNameLst>
+                                      </p:cBhvr>
+                                      <p:to>
+                                        <p:strVal val="hidden"/>
+                                      </p:to>
+                                    </p:set>
+                                  </p:childTnLst>
+                                </p:cTn>
+                              </p:par>
+                              <p:par>
+                                <p:cTn id="127" presetID="10" presetClass="exit" presetSubtype="0" fill="hold" nodeType="withEffect">
+                                  <p:stCondLst>
+                                    <p:cond delay="0"/>
+                                  </p:stCondLst>
+                                  <p:childTnLst>
+                                    <p:animEffect transition="out" filter="fade">
+                                      <p:cBhvr>
+                                        <p:cTn id="128" dur="500"/>
+                                        <p:tgtEl>
+                                          <p:spTgt spid="49"/>
+                                        </p:tgtEl>
+                                      </p:cBhvr>
+                                    </p:animEffect>
+                                    <p:set>
+                                      <p:cBhvr>
+                                        <p:cTn id="129" dur="1" fill="hold">
+                                          <p:stCondLst>
+                                            <p:cond delay="499"/>
+                                          </p:stCondLst>
+                                        </p:cTn>
+                                        <p:tgtEl>
+                                          <p:spTgt spid="49"/>
+                                        </p:tgtEl>
+                                        <p:attrNameLst>
+                                          <p:attrName>style.visibility</p:attrName>
+                                        </p:attrNameLst>
+                                      </p:cBhvr>
+                                      <p:to>
+                                        <p:strVal val="hidden"/>
+                                      </p:to>
+                                    </p:set>
+                                  </p:childTnLst>
+                                </p:cTn>
+                              </p:par>
+                              <p:par>
+                                <p:cTn id="130" presetID="10" presetClass="exit" presetSubtype="0" fill="hold" nodeType="withEffect">
+                                  <p:stCondLst>
+                                    <p:cond delay="0"/>
+                                  </p:stCondLst>
+                                  <p:childTnLst>
+                                    <p:animEffect transition="out" filter="fade">
+                                      <p:cBhvr>
+                                        <p:cTn id="131" dur="500"/>
+                                        <p:tgtEl>
+                                          <p:spTgt spid="47"/>
+                                        </p:tgtEl>
+                                      </p:cBhvr>
+                                    </p:animEffect>
+                                    <p:set>
+                                      <p:cBhvr>
+                                        <p:cTn id="132" dur="1" fill="hold">
+                                          <p:stCondLst>
+                                            <p:cond delay="499"/>
+                                          </p:stCondLst>
+                                        </p:cTn>
+                                        <p:tgtEl>
+                                          <p:spTgt spid="47"/>
+                                        </p:tgtEl>
+                                        <p:attrNameLst>
+                                          <p:attrName>style.visibility</p:attrName>
+                                        </p:attrNameLst>
+                                      </p:cBhvr>
+                                      <p:to>
+                                        <p:strVal val="hidden"/>
+                                      </p:to>
+                                    </p:set>
+                                  </p:childTnLst>
+                                </p:cTn>
+                              </p:par>
+                              <p:par>
+                                <p:cTn id="133" presetID="10" presetClass="exit" presetSubtype="0" fill="hold" grpId="1" nodeType="withEffect">
+                                  <p:stCondLst>
+                                    <p:cond delay="0"/>
+                                  </p:stCondLst>
+                                  <p:childTnLst>
+                                    <p:animEffect transition="out" filter="fade">
+                                      <p:cBhvr>
+                                        <p:cTn id="134" dur="500"/>
+                                        <p:tgtEl>
+                                          <p:spTgt spid="50"/>
+                                        </p:tgtEl>
+                                      </p:cBhvr>
+                                    </p:animEffect>
+                                    <p:set>
+                                      <p:cBhvr>
+                                        <p:cTn id="135" dur="1" fill="hold">
+                                          <p:stCondLst>
+                                            <p:cond delay="499"/>
+                                          </p:stCondLst>
+                                        </p:cTn>
+                                        <p:tgtEl>
+                                          <p:spTgt spid="50"/>
+                                        </p:tgtEl>
+                                        <p:attrNameLst>
+                                          <p:attrName>style.visibility</p:attrName>
+                                        </p:attrNameLst>
+                                      </p:cBhvr>
+                                      <p:to>
+                                        <p:strVal val="hidden"/>
+                                      </p:to>
+                                    </p:set>
+                                  </p:childTnLst>
+                                </p:cTn>
+                              </p:par>
+                              <p:par>
+                                <p:cTn id="136" presetID="10" presetClass="exit" presetSubtype="0" fill="hold" nodeType="withEffect">
+                                  <p:stCondLst>
+                                    <p:cond delay="0"/>
+                                  </p:stCondLst>
+                                  <p:childTnLst>
+                                    <p:animEffect transition="out" filter="fade">
+                                      <p:cBhvr>
+                                        <p:cTn id="137" dur="500"/>
+                                        <p:tgtEl>
+                                          <p:spTgt spid="40"/>
+                                        </p:tgtEl>
+                                      </p:cBhvr>
+                                    </p:animEffect>
+                                    <p:set>
+                                      <p:cBhvr>
+                                        <p:cTn id="138" dur="1" fill="hold">
+                                          <p:stCondLst>
+                                            <p:cond delay="499"/>
+                                          </p:stCondLst>
+                                        </p:cTn>
+                                        <p:tgtEl>
+                                          <p:spTgt spid="40"/>
+                                        </p:tgtEl>
+                                        <p:attrNameLst>
+                                          <p:attrName>style.visibility</p:attrName>
+                                        </p:attrNameLst>
+                                      </p:cBhvr>
+                                      <p:to>
+                                        <p:strVal val="hidden"/>
+                                      </p:to>
+                                    </p:set>
+                                  </p:childTnLst>
+                                </p:cTn>
+                              </p:par>
+                              <p:par>
+                                <p:cTn id="139" presetID="10" presetClass="exit" presetSubtype="0" fill="hold" nodeType="withEffect">
+                                  <p:stCondLst>
+                                    <p:cond delay="0"/>
+                                  </p:stCondLst>
+                                  <p:childTnLst>
+                                    <p:animEffect transition="out" filter="fade">
+                                      <p:cBhvr>
+                                        <p:cTn id="140" dur="500"/>
+                                        <p:tgtEl>
+                                          <p:spTgt spid="41"/>
+                                        </p:tgtEl>
+                                      </p:cBhvr>
+                                    </p:animEffect>
+                                    <p:set>
+                                      <p:cBhvr>
+                                        <p:cTn id="141" dur="1" fill="hold">
+                                          <p:stCondLst>
+                                            <p:cond delay="499"/>
+                                          </p:stCondLst>
+                                        </p:cTn>
+                                        <p:tgtEl>
+                                          <p:spTgt spid="41"/>
+                                        </p:tgtEl>
+                                        <p:attrNameLst>
+                                          <p:attrName>style.visibility</p:attrName>
+                                        </p:attrNameLst>
+                                      </p:cBhvr>
+                                      <p:to>
+                                        <p:strVal val="hidden"/>
+                                      </p:to>
+                                    </p:set>
+                                  </p:childTnLst>
+                                </p:cTn>
+                              </p:par>
+                              <p:par>
+                                <p:cTn id="142" presetID="10" presetClass="exit" presetSubtype="0" fill="hold" grpId="1" nodeType="withEffect">
+                                  <p:stCondLst>
+                                    <p:cond delay="0"/>
+                                  </p:stCondLst>
+                                  <p:childTnLst>
+                                    <p:animEffect transition="out" filter="fade">
+                                      <p:cBhvr>
+                                        <p:cTn id="143" dur="500"/>
+                                        <p:tgtEl>
+                                          <p:spTgt spid="43"/>
+                                        </p:tgtEl>
+                                      </p:cBhvr>
+                                    </p:animEffect>
+                                    <p:set>
+                                      <p:cBhvr>
+                                        <p:cTn id="144" dur="1" fill="hold">
+                                          <p:stCondLst>
+                                            <p:cond delay="499"/>
+                                          </p:stCondLst>
+                                        </p:cTn>
+                                        <p:tgtEl>
+                                          <p:spTgt spid="43"/>
+                                        </p:tgtEl>
+                                        <p:attrNameLst>
+                                          <p:attrName>style.visibility</p:attrName>
+                                        </p:attrNameLst>
+                                      </p:cBhvr>
+                                      <p:to>
+                                        <p:strVal val="hidden"/>
+                                      </p:to>
+                                    </p:set>
+                                  </p:childTnLst>
+                                </p:cTn>
+                              </p:par>
+                              <p:par>
+                                <p:cTn id="145" presetID="10" presetClass="exit" presetSubtype="0" fill="hold" nodeType="withEffect">
+                                  <p:stCondLst>
+                                    <p:cond delay="0"/>
+                                  </p:stCondLst>
+                                  <p:childTnLst>
+                                    <p:animEffect transition="out" filter="fade">
+                                      <p:cBhvr>
+                                        <p:cTn id="146" dur="500"/>
+                                        <p:tgtEl>
+                                          <p:spTgt spid="42"/>
+                                        </p:tgtEl>
+                                      </p:cBhvr>
+                                    </p:animEffect>
+                                    <p:set>
+                                      <p:cBhvr>
+                                        <p:cTn id="147" dur="1" fill="hold">
+                                          <p:stCondLst>
+                                            <p:cond delay="499"/>
+                                          </p:stCondLst>
+                                        </p:cTn>
+                                        <p:tgtEl>
+                                          <p:spTgt spid="42"/>
+                                        </p:tgtEl>
+                                        <p:attrNameLst>
+                                          <p:attrName>style.visibility</p:attrName>
+                                        </p:attrNameLst>
+                                      </p:cBhvr>
+                                      <p:to>
+                                        <p:strVal val="hidden"/>
+                                      </p:to>
+                                    </p:set>
+                                  </p:childTnLst>
+                                </p:cTn>
+                              </p:par>
+                            </p:childTnLst>
+                          </p:cTn>
+                        </p:par>
+                        <p:par>
+                          <p:cTn id="148" fill="hold">
+                            <p:stCondLst>
+                              <p:cond delay="900"/>
+                            </p:stCondLst>
+                            <p:childTnLst>
+                              <p:par>
+                                <p:cTn id="149" presetID="10" presetClass="entr" presetSubtype="0" fill="hold" grpId="0" nodeType="afterEffect">
+                                  <p:stCondLst>
+                                    <p:cond delay="0"/>
+                                  </p:stCondLst>
+                                  <p:childTnLst>
+                                    <p:set>
+                                      <p:cBhvr>
+                                        <p:cTn id="150" dur="1" fill="hold">
+                                          <p:stCondLst>
+                                            <p:cond delay="0"/>
+                                          </p:stCondLst>
+                                        </p:cTn>
+                                        <p:tgtEl>
+                                          <p:spTgt spid="58"/>
+                                        </p:tgtEl>
+                                        <p:attrNameLst>
+                                          <p:attrName>style.visibility</p:attrName>
+                                        </p:attrNameLst>
+                                      </p:cBhvr>
+                                      <p:to>
+                                        <p:strVal val="visible"/>
+                                      </p:to>
+                                    </p:set>
+                                    <p:animEffect transition="in" filter="fade">
+                                      <p:cBhvr>
+                                        <p:cTn id="151" dur="500"/>
+                                        <p:tgtEl>
+                                          <p:spTgt spid="58"/>
+                                        </p:tgtEl>
+                                      </p:cBhvr>
+                                    </p:animEffect>
+                                  </p:childTnLst>
+                                </p:cTn>
+                              </p:par>
+                              <p:par>
+                                <p:cTn id="152" presetID="10" presetClass="entr" presetSubtype="0" fill="hold" nodeType="withEffect">
+                                  <p:stCondLst>
+                                    <p:cond delay="0"/>
+                                  </p:stCondLst>
+                                  <p:childTnLst>
+                                    <p:set>
+                                      <p:cBhvr>
+                                        <p:cTn id="153" dur="1" fill="hold">
+                                          <p:stCondLst>
+                                            <p:cond delay="0"/>
+                                          </p:stCondLst>
+                                        </p:cTn>
+                                        <p:tgtEl>
+                                          <p:spTgt spid="55"/>
+                                        </p:tgtEl>
+                                        <p:attrNameLst>
+                                          <p:attrName>style.visibility</p:attrName>
+                                        </p:attrNameLst>
+                                      </p:cBhvr>
+                                      <p:to>
+                                        <p:strVal val="visible"/>
+                                      </p:to>
+                                    </p:set>
+                                    <p:animEffect transition="in" filter="fade">
+                                      <p:cBhvr>
+                                        <p:cTn id="154" dur="500"/>
+                                        <p:tgtEl>
+                                          <p:spTgt spid="55"/>
+                                        </p:tgtEl>
+                                      </p:cBhvr>
+                                    </p:animEffect>
+                                  </p:childTnLst>
+                                </p:cTn>
+                              </p:par>
+                              <p:par>
+                                <p:cTn id="155" presetID="10" presetClass="entr" presetSubtype="0" fill="hold" nodeType="withEffect">
+                                  <p:stCondLst>
+                                    <p:cond delay="0"/>
+                                  </p:stCondLst>
+                                  <p:childTnLst>
+                                    <p:set>
+                                      <p:cBhvr>
+                                        <p:cTn id="156" dur="1" fill="hold">
+                                          <p:stCondLst>
+                                            <p:cond delay="0"/>
+                                          </p:stCondLst>
+                                        </p:cTn>
+                                        <p:tgtEl>
+                                          <p:spTgt spid="56"/>
+                                        </p:tgtEl>
+                                        <p:attrNameLst>
+                                          <p:attrName>style.visibility</p:attrName>
+                                        </p:attrNameLst>
+                                      </p:cBhvr>
+                                      <p:to>
+                                        <p:strVal val="visible"/>
+                                      </p:to>
+                                    </p:set>
+                                    <p:animEffect transition="in" filter="fade">
+                                      <p:cBhvr>
+                                        <p:cTn id="157" dur="500"/>
+                                        <p:tgtEl>
+                                          <p:spTgt spid="56"/>
+                                        </p:tgtEl>
+                                      </p:cBhvr>
+                                    </p:animEffect>
+                                  </p:childTnLst>
+                                </p:cTn>
+                              </p:par>
+                              <p:par>
+                                <p:cTn id="158" presetID="10" presetClass="entr" presetSubtype="0" fill="hold" nodeType="withEffect">
+                                  <p:stCondLst>
+                                    <p:cond delay="0"/>
+                                  </p:stCondLst>
+                                  <p:childTnLst>
+                                    <p:set>
+                                      <p:cBhvr>
+                                        <p:cTn id="159" dur="1" fill="hold">
+                                          <p:stCondLst>
+                                            <p:cond delay="0"/>
+                                          </p:stCondLst>
+                                        </p:cTn>
+                                        <p:tgtEl>
+                                          <p:spTgt spid="57"/>
+                                        </p:tgtEl>
+                                        <p:attrNameLst>
+                                          <p:attrName>style.visibility</p:attrName>
+                                        </p:attrNameLst>
+                                      </p:cBhvr>
+                                      <p:to>
+                                        <p:strVal val="visible"/>
+                                      </p:to>
+                                    </p:set>
+                                    <p:animEffect transition="in" filter="fade">
+                                      <p:cBhvr>
+                                        <p:cTn id="160" dur="500"/>
+                                        <p:tgtEl>
+                                          <p:spTgt spid="57"/>
+                                        </p:tgtEl>
+                                      </p:cBhvr>
+                                    </p:animEffect>
+                                  </p:childTnLst>
+                                </p:cTn>
+                              </p:par>
+                              <p:par>
+                                <p:cTn id="161" presetID="10" presetClass="entr" presetSubtype="0" fill="hold" grpId="0" nodeType="withEffect">
+                                  <p:stCondLst>
+                                    <p:cond delay="0"/>
+                                  </p:stCondLst>
+                                  <p:childTnLst>
+                                    <p:set>
+                                      <p:cBhvr>
+                                        <p:cTn id="162" dur="1" fill="hold">
+                                          <p:stCondLst>
+                                            <p:cond delay="0"/>
+                                          </p:stCondLst>
+                                        </p:cTn>
+                                        <p:tgtEl>
+                                          <p:spTgt spid="54"/>
+                                        </p:tgtEl>
+                                        <p:attrNameLst>
+                                          <p:attrName>style.visibility</p:attrName>
+                                        </p:attrNameLst>
+                                      </p:cBhvr>
+                                      <p:to>
+                                        <p:strVal val="visible"/>
+                                      </p:to>
+                                    </p:set>
+                                    <p:animEffect transition="in" filter="fade">
+                                      <p:cBhvr>
+                                        <p:cTn id="163" dur="500"/>
+                                        <p:tgtEl>
+                                          <p:spTgt spid="54"/>
+                                        </p:tgtEl>
+                                      </p:cBhvr>
+                                    </p:animEffect>
+                                  </p:childTnLst>
+                                </p:cTn>
+                              </p:par>
+                              <p:par>
+                                <p:cTn id="164" presetID="10" presetClass="entr" presetSubtype="0" fill="hold" nodeType="withEffect">
+                                  <p:stCondLst>
+                                    <p:cond delay="0"/>
+                                  </p:stCondLst>
+                                  <p:childTnLst>
+                                    <p:set>
+                                      <p:cBhvr>
+                                        <p:cTn id="165" dur="1" fill="hold">
+                                          <p:stCondLst>
+                                            <p:cond delay="0"/>
+                                          </p:stCondLst>
+                                        </p:cTn>
+                                        <p:tgtEl>
+                                          <p:spTgt spid="51"/>
+                                        </p:tgtEl>
+                                        <p:attrNameLst>
+                                          <p:attrName>style.visibility</p:attrName>
+                                        </p:attrNameLst>
+                                      </p:cBhvr>
+                                      <p:to>
+                                        <p:strVal val="visible"/>
+                                      </p:to>
+                                    </p:set>
+                                    <p:animEffect transition="in" filter="fade">
+                                      <p:cBhvr>
+                                        <p:cTn id="166" dur="500"/>
+                                        <p:tgtEl>
+                                          <p:spTgt spid="51"/>
+                                        </p:tgtEl>
+                                      </p:cBhvr>
+                                    </p:animEffect>
+                                  </p:childTnLst>
+                                </p:cTn>
+                              </p:par>
+                              <p:par>
+                                <p:cTn id="167" presetID="10" presetClass="entr" presetSubtype="0" fill="hold" nodeType="withEffect">
+                                  <p:stCondLst>
+                                    <p:cond delay="0"/>
+                                  </p:stCondLst>
+                                  <p:childTnLst>
+                                    <p:set>
+                                      <p:cBhvr>
+                                        <p:cTn id="168" dur="1" fill="hold">
+                                          <p:stCondLst>
+                                            <p:cond delay="0"/>
+                                          </p:stCondLst>
+                                        </p:cTn>
+                                        <p:tgtEl>
+                                          <p:spTgt spid="52"/>
+                                        </p:tgtEl>
+                                        <p:attrNameLst>
+                                          <p:attrName>style.visibility</p:attrName>
+                                        </p:attrNameLst>
+                                      </p:cBhvr>
+                                      <p:to>
+                                        <p:strVal val="visible"/>
+                                      </p:to>
+                                    </p:set>
+                                    <p:animEffect transition="in" filter="fade">
+                                      <p:cBhvr>
+                                        <p:cTn id="169" dur="500"/>
+                                        <p:tgtEl>
+                                          <p:spTgt spid="52"/>
+                                        </p:tgtEl>
+                                      </p:cBhvr>
+                                    </p:animEffect>
+                                  </p:childTnLst>
+                                </p:cTn>
+                              </p:par>
+                              <p:par>
+                                <p:cTn id="170" presetID="10" presetClass="entr" presetSubtype="0" fill="hold" nodeType="withEffect">
+                                  <p:stCondLst>
+                                    <p:cond delay="0"/>
+                                  </p:stCondLst>
+                                  <p:childTnLst>
+                                    <p:set>
+                                      <p:cBhvr>
+                                        <p:cTn id="171" dur="1" fill="hold">
+                                          <p:stCondLst>
+                                            <p:cond delay="0"/>
+                                          </p:stCondLst>
+                                        </p:cTn>
+                                        <p:tgtEl>
+                                          <p:spTgt spid="53"/>
+                                        </p:tgtEl>
+                                        <p:attrNameLst>
+                                          <p:attrName>style.visibility</p:attrName>
+                                        </p:attrNameLst>
+                                      </p:cBhvr>
+                                      <p:to>
+                                        <p:strVal val="visible"/>
+                                      </p:to>
+                                    </p:set>
+                                    <p:animEffect transition="in" filter="fade">
+                                      <p:cBhvr>
+                                        <p:cTn id="172" dur="500"/>
+                                        <p:tgtEl>
+                                          <p:spTgt spid="53"/>
+                                        </p:tgtEl>
+                                      </p:cBhvr>
+                                    </p:animEffect>
+                                  </p:childTnLst>
+                                </p:cTn>
+                              </p:par>
+                            </p:childTnLst>
+                          </p:cTn>
+                        </p:par>
+                      </p:childTnLst>
+                    </p:cTn>
+                  </p:par>
+                  <p:par>
+                    <p:cTn id="173" fill="hold">
+                      <p:stCondLst>
+                        <p:cond delay="indefinite"/>
+                      </p:stCondLst>
+                      <p:childTnLst>
+                        <p:par>
+                          <p:cTn id="174" fill="hold">
+                            <p:stCondLst>
+                              <p:cond delay="0"/>
+                            </p:stCondLst>
+                            <p:childTnLst>
+                              <p:par>
+                                <p:cTn id="175" presetID="1" presetClass="entr" presetSubtype="0" fill="hold" grpId="0" nodeType="clickEffect">
+                                  <p:stCondLst>
+                                    <p:cond delay="0"/>
+                                  </p:stCondLst>
+                                  <p:childTnLst>
+                                    <p:set>
+                                      <p:cBhvr>
+                                        <p:cTn id="176" dur="1" fill="hold">
+                                          <p:stCondLst>
+                                            <p:cond delay="0"/>
+                                          </p:stCondLst>
+                                        </p:cTn>
+                                        <p:tgtEl>
+                                          <p:spTgt spid="69"/>
+                                        </p:tgtEl>
+                                        <p:attrNameLst>
+                                          <p:attrName>style.visibility</p:attrName>
+                                        </p:attrNameLst>
+                                      </p:cBhvr>
+                                      <p:to>
+                                        <p:strVal val="visible"/>
+                                      </p:to>
+                                    </p:set>
+                                  </p:childTnLst>
+                                </p:cTn>
+                              </p:par>
+                              <p:par>
+                                <p:cTn id="177" presetID="1" presetClass="entr" presetSubtype="0" fill="hold" nodeType="withEffect">
+                                  <p:stCondLst>
+                                    <p:cond delay="0"/>
+                                  </p:stCondLst>
+                                  <p:childTnLst>
+                                    <p:set>
+                                      <p:cBhvr>
+                                        <p:cTn id="178" dur="1" fill="hold">
+                                          <p:stCondLst>
+                                            <p:cond delay="0"/>
+                                          </p:stCondLst>
+                                        </p:cTn>
+                                        <p:tgtEl>
+                                          <p:spTgt spid="70"/>
+                                        </p:tgtEl>
+                                        <p:attrNameLst>
+                                          <p:attrName>style.visibility</p:attrName>
+                                        </p:attrNameLst>
+                                      </p:cBhvr>
+                                      <p:to>
+                                        <p:strVal val="visible"/>
+                                      </p:to>
+                                    </p:set>
+                                  </p:childTnLst>
+                                </p:cTn>
+                              </p:par>
+                              <p:par>
+                                <p:cTn id="179" presetID="1" presetClass="entr" presetSubtype="0" fill="hold" nodeType="withEffect">
+                                  <p:stCondLst>
+                                    <p:cond delay="0"/>
+                                  </p:stCondLst>
+                                  <p:childTnLst>
+                                    <p:set>
+                                      <p:cBhvr>
+                                        <p:cTn id="180" dur="1" fill="hold">
+                                          <p:stCondLst>
+                                            <p:cond delay="0"/>
+                                          </p:stCondLst>
+                                        </p:cTn>
+                                        <p:tgtEl>
+                                          <p:spTgt spid="71"/>
+                                        </p:tgtEl>
+                                        <p:attrNameLst>
+                                          <p:attrName>style.visibility</p:attrName>
+                                        </p:attrNameLst>
+                                      </p:cBhvr>
+                                      <p:to>
+                                        <p:strVal val="visible"/>
+                                      </p:to>
+                                    </p:set>
+                                  </p:childTnLst>
+                                </p:cTn>
+                              </p:par>
+                              <p:par>
+                                <p:cTn id="181" presetID="1" presetClass="entr" presetSubtype="0" fill="hold" nodeType="withEffect">
+                                  <p:stCondLst>
+                                    <p:cond delay="0"/>
+                                  </p:stCondLst>
+                                  <p:childTnLst>
+                                    <p:set>
+                                      <p:cBhvr>
+                                        <p:cTn id="182" dur="1" fill="hold">
+                                          <p:stCondLst>
+                                            <p:cond delay="0"/>
+                                          </p:stCondLst>
+                                        </p:cTn>
+                                        <p:tgtEl>
+                                          <p:spTgt spid="66"/>
+                                        </p:tgtEl>
+                                        <p:attrNameLst>
+                                          <p:attrName>style.visibility</p:attrName>
+                                        </p:attrNameLst>
+                                      </p:cBhvr>
+                                      <p:to>
+                                        <p:strVal val="visible"/>
+                                      </p:to>
+                                    </p:set>
+                                  </p:childTnLst>
+                                </p:cTn>
+                              </p:par>
+                            </p:childTnLst>
+                          </p:cTn>
+                        </p:par>
+                        <p:par>
+                          <p:cTn id="183" fill="hold">
+                            <p:stCondLst>
+                              <p:cond delay="0"/>
+                            </p:stCondLst>
+                            <p:childTnLst>
+                              <p:par>
+                                <p:cTn id="184" presetID="1" presetClass="entr" presetSubtype="0" fill="hold" grpId="0" nodeType="afterEffect">
+                                  <p:stCondLst>
+                                    <p:cond delay="1000"/>
+                                  </p:stCondLst>
+                                  <p:childTnLst>
+                                    <p:set>
+                                      <p:cBhvr>
+                                        <p:cTn id="185" dur="1" fill="hold">
+                                          <p:stCondLst>
+                                            <p:cond delay="0"/>
+                                          </p:stCondLst>
+                                        </p:cTn>
+                                        <p:tgtEl>
+                                          <p:spTgt spid="73"/>
+                                        </p:tgtEl>
+                                        <p:attrNameLst>
+                                          <p:attrName>style.visibility</p:attrName>
+                                        </p:attrNameLst>
+                                      </p:cBhvr>
+                                      <p:to>
+                                        <p:strVal val="visible"/>
+                                      </p:to>
+                                    </p:set>
+                                  </p:childTnLst>
+                                </p:cTn>
+                              </p:par>
+                            </p:childTnLst>
+                          </p:cTn>
+                        </p:par>
+                      </p:childTnLst>
+                    </p:cTn>
+                  </p:par>
+                </p:childTnLst>
+              </p:cTn>
+              <p:prevCondLst>
+                <p:cond evt="onPrev" delay="0">
+                  <p:tgtEl>
+                    <p:sldTgt/>
+                  </p:tgtEl>
+                </p:cond>
+              </p:prevCondLst>
+              <p:nextCondLst>
+                <p:cond evt="onNext" delay="0">
+                  <p:tgtEl>
+                    <p:sldTgt/>
+                  </p:tgtEl>
+                </p:cond>
+              </p:nextCondLst>
+            </p:seq>
+          </p:childTnLst>
+        </p:cTn>
+      </p:par>
+    </p:tnLst>
+    <p:bldLst>
+      <p:bldP spid="22" grpId="0"/>
+      <p:bldP spid="23" grpId="0" animBg="1"/>
+      <p:bldP spid="29" grpId="0"/>
+      <p:bldP spid="37" grpId="0"/>
+      <p:bldP spid="37" grpId="1"/>
+      <p:bldP spid="39" grpId="0"/>
+      <p:bldP spid="43" grpId="0" animBg="1"/>
+      <p:bldP spid="43" grpId="1" animBg="1"/>
+      <p:bldP spid="50" grpId="0" animBg="1"/>
+      <p:bldP spid="50" grpId="1" animBg="1"/>
+      <p:bldP spid="54" grpId="0" animBg="1"/>
+      <p:bldP spid="58" grpId="0" animBg="1"/>
+      <p:bldP spid="69" grpId="0" animBg="1"/>
+      <p:bldP spid="73" grpId="0" animBg="1"/>
+      <p:bldP spid="74" grpId="0"/>
+      <p:bldP spid="74" grpId="1"/>
+    </p:bldLst>
+  </p:timing>
 </p:sld>
 </file>
 
@@ -9198,10 +13636,9 @@
           <a:lstStyle/>
           <a:p>
             <a:r>
-              <a:rPr lang="fr-FR" dirty="0" smtClean="0"/>
-              <a:t>Conclusion</a:t>
+              <a:rPr lang="en-US" dirty="0"/>
+              <a:t>Implantation</a:t>
             </a:r>
-            <a:endParaRPr lang="fr-FR" dirty="0"/>
           </a:p>
         </p:txBody>
       </p:sp>
@@ -9220,7 +13657,7 @@
           <a:bodyPr/>
           <a:lstStyle/>
           <a:p>
-            <a:endParaRPr lang="fr-FR"/>
+            <a:endParaRPr lang="en-US"/>
           </a:p>
         </p:txBody>
       </p:sp>
@@ -9250,7 +13687,299 @@
     </p:spTree>
     <p:extLst>
       <p:ext uri="{BB962C8B-B14F-4D97-AF65-F5344CB8AC3E}">
-        <p14:creationId xmlns:p14="http://schemas.microsoft.com/office/powerpoint/2010/main" val="3328291024"/>
+        <p14:creationId xmlns:p14="http://schemas.microsoft.com/office/powerpoint/2010/main" val="4170807787"/>
+      </p:ext>
+    </p:extLst>
+  </p:cSld>
+  <p:clrMapOvr>
+    <a:masterClrMapping/>
+  </p:clrMapOvr>
+</p:sld>
+</file>
+
+<file path=ppt/slides/slide7.xml><?xml version="1.0" encoding="utf-8"?>
+<p:sld xmlns:a="http://schemas.openxmlformats.org/drawingml/2006/main" xmlns:r="http://schemas.openxmlformats.org/officeDocument/2006/relationships" xmlns:p="http://schemas.openxmlformats.org/presentationml/2006/main">
+  <p:cSld>
+    <p:spTree>
+      <p:nvGrpSpPr>
+        <p:cNvPr id="1" name=""/>
+        <p:cNvGrpSpPr/>
+        <p:nvPr/>
+      </p:nvGrpSpPr>
+      <p:grpSpPr>
+        <a:xfrm>
+          <a:off x="0" y="0"/>
+          <a:ext cx="0" cy="0"/>
+          <a:chOff x="0" y="0"/>
+          <a:chExt cx="0" cy="0"/>
+        </a:xfrm>
+      </p:grpSpPr>
+      <p:sp>
+        <p:nvSpPr>
+          <p:cNvPr id="2" name="Titre 1"/>
+          <p:cNvSpPr>
+            <a:spLocks noGrp="1"/>
+          </p:cNvSpPr>
+          <p:nvPr>
+            <p:ph type="title"/>
+          </p:nvPr>
+        </p:nvSpPr>
+        <p:spPr/>
+        <p:txBody>
+          <a:bodyPr/>
+          <a:lstStyle/>
+          <a:p>
+            <a:r>
+              <a:rPr lang="fr-FR" dirty="0"/>
+              <a:t>Projet</a:t>
+            </a:r>
+          </a:p>
+        </p:txBody>
+      </p:sp>
+      <p:sp>
+        <p:nvSpPr>
+          <p:cNvPr id="3" name="Espace réservé du contenu 2"/>
+          <p:cNvSpPr>
+            <a:spLocks noGrp="1"/>
+          </p:cNvSpPr>
+          <p:nvPr>
+            <p:ph idx="1"/>
+          </p:nvPr>
+        </p:nvSpPr>
+        <p:spPr/>
+        <p:txBody>
+          <a:bodyPr/>
+          <a:lstStyle/>
+          <a:p>
+            <a:endParaRPr lang="fr-FR"/>
+          </a:p>
+        </p:txBody>
+      </p:sp>
+      <p:sp>
+        <p:nvSpPr>
+          <p:cNvPr id="4" name="Espace réservé du numéro de diapositive 3"/>
+          <p:cNvSpPr>
+            <a:spLocks noGrp="1"/>
+          </p:cNvSpPr>
+          <p:nvPr>
+            <p:ph type="sldNum" sz="quarter" idx="12"/>
+          </p:nvPr>
+        </p:nvSpPr>
+        <p:spPr/>
+        <p:txBody>
+          <a:bodyPr/>
+          <a:lstStyle/>
+          <a:p>
+            <a:fld id="{4FAB73BC-B049-4115-A692-8D63A059BFB8}" type="slidenum">
+              <a:rPr lang="en-US" smtClean="0"/>
+              <a:t>7</a:t>
+            </a:fld>
+            <a:endParaRPr lang="en-US" dirty="0"/>
+          </a:p>
+        </p:txBody>
+      </p:sp>
+    </p:spTree>
+    <p:extLst>
+      <p:ext uri="{BB962C8B-B14F-4D97-AF65-F5344CB8AC3E}">
+        <p14:creationId xmlns:p14="http://schemas.microsoft.com/office/powerpoint/2010/main" val="3480894608"/>
+      </p:ext>
+    </p:extLst>
+  </p:cSld>
+  <p:clrMapOvr>
+    <a:masterClrMapping/>
+  </p:clrMapOvr>
+</p:sld>
+</file>
+
+<file path=ppt/slides/slide8.xml><?xml version="1.0" encoding="utf-8"?>
+<p:sld xmlns:a="http://schemas.openxmlformats.org/drawingml/2006/main" xmlns:r="http://schemas.openxmlformats.org/officeDocument/2006/relationships" xmlns:p="http://schemas.openxmlformats.org/presentationml/2006/main">
+  <p:cSld>
+    <p:spTree>
+      <p:nvGrpSpPr>
+        <p:cNvPr id="1" name=""/>
+        <p:cNvGrpSpPr/>
+        <p:nvPr/>
+      </p:nvGrpSpPr>
+      <p:grpSpPr>
+        <a:xfrm>
+          <a:off x="0" y="0"/>
+          <a:ext cx="0" cy="0"/>
+          <a:chOff x="0" y="0"/>
+          <a:chExt cx="0" cy="0"/>
+        </a:xfrm>
+      </p:grpSpPr>
+      <p:sp>
+        <p:nvSpPr>
+          <p:cNvPr id="2" name="Titre 1"/>
+          <p:cNvSpPr>
+            <a:spLocks noGrp="1"/>
+          </p:cNvSpPr>
+          <p:nvPr>
+            <p:ph type="title"/>
+          </p:nvPr>
+        </p:nvSpPr>
+        <p:spPr/>
+        <p:txBody>
+          <a:bodyPr/>
+          <a:lstStyle/>
+          <a:p>
+            <a:r>
+              <a:rPr lang="en-US" dirty="0" err="1"/>
+              <a:t>Répartition</a:t>
+            </a:r>
+            <a:r>
+              <a:rPr lang="en-US" dirty="0"/>
+              <a:t> des </a:t>
+            </a:r>
+            <a:r>
+              <a:rPr lang="en-US" dirty="0" err="1"/>
+              <a:t>tâches</a:t>
+            </a:r>
+            <a:endParaRPr lang="en-US" dirty="0"/>
+          </a:p>
+        </p:txBody>
+      </p:sp>
+      <p:sp>
+        <p:nvSpPr>
+          <p:cNvPr id="3" name="Espace réservé du contenu 2"/>
+          <p:cNvSpPr>
+            <a:spLocks noGrp="1"/>
+          </p:cNvSpPr>
+          <p:nvPr>
+            <p:ph idx="1"/>
+          </p:nvPr>
+        </p:nvSpPr>
+        <p:spPr/>
+        <p:txBody>
+          <a:bodyPr/>
+          <a:lstStyle/>
+          <a:p>
+            <a:endParaRPr lang="en-US"/>
+          </a:p>
+        </p:txBody>
+      </p:sp>
+      <p:sp>
+        <p:nvSpPr>
+          <p:cNvPr id="4" name="Espace réservé du numéro de diapositive 3"/>
+          <p:cNvSpPr>
+            <a:spLocks noGrp="1"/>
+          </p:cNvSpPr>
+          <p:nvPr>
+            <p:ph type="sldNum" sz="quarter" idx="12"/>
+          </p:nvPr>
+        </p:nvSpPr>
+        <p:spPr/>
+        <p:txBody>
+          <a:bodyPr/>
+          <a:lstStyle/>
+          <a:p>
+            <a:fld id="{4FAB73BC-B049-4115-A692-8D63A059BFB8}" type="slidenum">
+              <a:rPr lang="en-US" smtClean="0"/>
+              <a:t>8</a:t>
+            </a:fld>
+            <a:endParaRPr lang="en-US" dirty="0"/>
+          </a:p>
+        </p:txBody>
+      </p:sp>
+    </p:spTree>
+    <p:extLst>
+      <p:ext uri="{BB962C8B-B14F-4D97-AF65-F5344CB8AC3E}">
+        <p14:creationId xmlns:p14="http://schemas.microsoft.com/office/powerpoint/2010/main" val="490328893"/>
+      </p:ext>
+    </p:extLst>
+  </p:cSld>
+  <p:clrMapOvr>
+    <a:masterClrMapping/>
+  </p:clrMapOvr>
+</p:sld>
+</file>
+
+<file path=ppt/slides/slide9.xml><?xml version="1.0" encoding="utf-8"?>
+<p:sld xmlns:a="http://schemas.openxmlformats.org/drawingml/2006/main" xmlns:r="http://schemas.openxmlformats.org/officeDocument/2006/relationships" xmlns:p="http://schemas.openxmlformats.org/presentationml/2006/main">
+  <p:cSld>
+    <p:spTree>
+      <p:nvGrpSpPr>
+        <p:cNvPr id="1" name=""/>
+        <p:cNvGrpSpPr/>
+        <p:nvPr/>
+      </p:nvGrpSpPr>
+      <p:grpSpPr>
+        <a:xfrm>
+          <a:off x="0" y="0"/>
+          <a:ext cx="0" cy="0"/>
+          <a:chOff x="0" y="0"/>
+          <a:chExt cx="0" cy="0"/>
+        </a:xfrm>
+      </p:grpSpPr>
+      <p:sp>
+        <p:nvSpPr>
+          <p:cNvPr id="2" name="Titre 1"/>
+          <p:cNvSpPr>
+            <a:spLocks noGrp="1"/>
+          </p:cNvSpPr>
+          <p:nvPr>
+            <p:ph type="title"/>
+          </p:nvPr>
+        </p:nvSpPr>
+        <p:spPr/>
+        <p:txBody>
+          <a:bodyPr/>
+          <a:lstStyle/>
+          <a:p>
+            <a:r>
+              <a:rPr lang="en-US" dirty="0" err="1"/>
+              <a:t>Avancement</a:t>
+            </a:r>
+            <a:endParaRPr lang="en-US" dirty="0"/>
+          </a:p>
+        </p:txBody>
+      </p:sp>
+      <p:sp>
+        <p:nvSpPr>
+          <p:cNvPr id="3" name="Espace réservé du contenu 2"/>
+          <p:cNvSpPr>
+            <a:spLocks noGrp="1"/>
+          </p:cNvSpPr>
+          <p:nvPr>
+            <p:ph idx="1"/>
+          </p:nvPr>
+        </p:nvSpPr>
+        <p:spPr/>
+        <p:txBody>
+          <a:bodyPr/>
+          <a:lstStyle/>
+          <a:p>
+            <a:endParaRPr lang="en-US"/>
+          </a:p>
+        </p:txBody>
+      </p:sp>
+      <p:sp>
+        <p:nvSpPr>
+          <p:cNvPr id="4" name="Espace réservé du numéro de diapositive 3"/>
+          <p:cNvSpPr>
+            <a:spLocks noGrp="1"/>
+          </p:cNvSpPr>
+          <p:nvPr>
+            <p:ph type="sldNum" sz="quarter" idx="12"/>
+          </p:nvPr>
+        </p:nvSpPr>
+        <p:spPr/>
+        <p:txBody>
+          <a:bodyPr/>
+          <a:lstStyle/>
+          <a:p>
+            <a:fld id="{4FAB73BC-B049-4115-A692-8D63A059BFB8}" type="slidenum">
+              <a:rPr lang="en-US" smtClean="0"/>
+              <a:t>9</a:t>
+            </a:fld>
+            <a:endParaRPr lang="en-US" dirty="0"/>
+          </a:p>
+        </p:txBody>
+      </p:sp>
+    </p:spTree>
+    <p:extLst>
+      <p:ext uri="{BB962C8B-B14F-4D97-AF65-F5344CB8AC3E}">
+        <p14:creationId xmlns:p14="http://schemas.microsoft.com/office/powerpoint/2010/main" val="2063582826"/>
       </p:ext>
     </p:extLst>
   </p:cSld>

--- a/Intelligence Artificielle.pptx
+++ b/Intelligence Artificielle.pptx
@@ -13731,7 +13731,7 @@
           <a:p>
             <a:r>
               <a:rPr lang="fr-FR" dirty="0"/>
-              <a:t>Projet</a:t>
+              <a:t>III) Projet</a:t>
             </a:r>
           </a:p>
         </p:txBody>

--- a/Intelligence Artificielle.pptx
+++ b/Intelligence Artificielle.pptx
@@ -5,7 +5,7 @@
     <p:sldMasterId id="2147483882" r:id="rId1"/>
   </p:sldMasterIdLst>
   <p:notesMasterIdLst>
-    <p:notesMasterId r:id="rId12"/>
+    <p:notesMasterId r:id="rId14"/>
   </p:notesMasterIdLst>
   <p:sldIdLst>
     <p:sldId id="256" r:id="rId2"/>
@@ -14,10 +14,12 @@
     <p:sldId id="259" r:id="rId5"/>
     <p:sldId id="264" r:id="rId6"/>
     <p:sldId id="265" r:id="rId7"/>
-    <p:sldId id="260" r:id="rId8"/>
-    <p:sldId id="262" r:id="rId9"/>
-    <p:sldId id="263" r:id="rId10"/>
-    <p:sldId id="261" r:id="rId11"/>
+    <p:sldId id="267" r:id="rId8"/>
+    <p:sldId id="266" r:id="rId9"/>
+    <p:sldId id="260" r:id="rId10"/>
+    <p:sldId id="262" r:id="rId11"/>
+    <p:sldId id="263" r:id="rId12"/>
+    <p:sldId id="261" r:id="rId13"/>
   </p:sldIdLst>
   <p:sldSz cx="12192000" cy="6858000"/>
   <p:notesSz cx="6858000" cy="9144000"/>
@@ -874,7 +876,7 @@
           <a:p>
             <a:fld id="{D293A685-CFD1-40CA-8682-1AC60D51920D}" type="slidenum">
               <a:rPr lang="fr-FR" smtClean="0"/>
-              <a:t>7</a:t>
+              <a:t>9</a:t>
             </a:fld>
             <a:endParaRPr lang="fr-FR"/>
           </a:p>
@@ -958,7 +960,7 @@
           <a:p>
             <a:fld id="{D293A685-CFD1-40CA-8682-1AC60D51920D}" type="slidenum">
               <a:rPr lang="fr-FR" smtClean="0"/>
-              <a:t>10</a:t>
+              <a:t>12</a:t>
             </a:fld>
             <a:endParaRPr lang="fr-FR"/>
           </a:p>
@@ -8802,9 +8804,18 @@
           <a:lstStyle/>
           <a:p>
             <a:r>
-              <a:rPr lang="fr-FR" dirty="0"/>
-              <a:t>Conclusion</a:t>
-            </a:r>
+              <a:rPr lang="en-US" dirty="0" err="1"/>
+              <a:t>Répartition</a:t>
+            </a:r>
+            <a:r>
+              <a:rPr lang="en-US" dirty="0"/>
+              <a:t> des </a:t>
+            </a:r>
+            <a:r>
+              <a:rPr lang="en-US" dirty="0" err="1"/>
+              <a:t>tâches</a:t>
+            </a:r>
+            <a:endParaRPr lang="en-US" dirty="0"/>
           </a:p>
         </p:txBody>
       </p:sp>
@@ -8820,10 +8831,186 @@
         </p:nvSpPr>
         <p:spPr/>
         <p:txBody>
-          <a:bodyPr/>
+          <a:bodyPr>
+            <a:normAutofit fontScale="47500" lnSpcReduction="20000"/>
+          </a:bodyPr>
           <a:lstStyle/>
           <a:p>
-            <a:endParaRPr lang="fr-FR"/>
+            <a:r>
+              <a:rPr lang="en-US" dirty="0"/>
+              <a:t>début	fin</a:t>
+            </a:r>
+          </a:p>
+          <a:p>
+            <a:r>
+              <a:rPr lang="en-US" dirty="0"/>
+              <a:t>18/10	13/11	</a:t>
+            </a:r>
+            <a:r>
+              <a:rPr lang="en-US" dirty="0" err="1"/>
+              <a:t>Prise</a:t>
+            </a:r>
+            <a:r>
+              <a:rPr lang="en-US" dirty="0"/>
+              <a:t> </a:t>
+            </a:r>
+            <a:r>
+              <a:rPr lang="en-US" dirty="0" err="1"/>
+              <a:t>d'informations</a:t>
+            </a:r>
+            <a:endParaRPr lang="en-US" dirty="0"/>
+          </a:p>
+          <a:p>
+            <a:r>
+              <a:rPr lang="en-US" dirty="0"/>
+              <a:t>14/11	14/11	</a:t>
+            </a:r>
+            <a:r>
+              <a:rPr lang="en-US" dirty="0" err="1"/>
+              <a:t>Mise</a:t>
+            </a:r>
+            <a:r>
+              <a:rPr lang="en-US" dirty="0"/>
+              <a:t> </a:t>
+            </a:r>
+            <a:r>
+              <a:rPr lang="en-US" dirty="0" err="1"/>
+              <a:t>en</a:t>
+            </a:r>
+            <a:r>
+              <a:rPr lang="en-US" dirty="0"/>
+              <a:t> place planning</a:t>
+            </a:r>
+          </a:p>
+          <a:p>
+            <a:r>
+              <a:rPr lang="en-US" dirty="0"/>
+              <a:t>14/11	08/12	</a:t>
+            </a:r>
+            <a:r>
+              <a:rPr lang="en-US" dirty="0" err="1"/>
+              <a:t>Développement</a:t>
+            </a:r>
+            <a:r>
+              <a:rPr lang="en-US" dirty="0"/>
+              <a:t> des classes Problem, </a:t>
+            </a:r>
+            <a:r>
+              <a:rPr lang="en-US" dirty="0" err="1"/>
+              <a:t>SetUpParams</a:t>
+            </a:r>
+            <a:r>
+              <a:rPr lang="en-US" dirty="0"/>
+              <a:t>, Solutions, </a:t>
+            </a:r>
+            <a:r>
+              <a:rPr lang="en-US" dirty="0" err="1"/>
+              <a:t>MyAlgorithm</a:t>
+            </a:r>
+            <a:endParaRPr lang="en-US" dirty="0"/>
+          </a:p>
+          <a:p>
+            <a:r>
+              <a:rPr lang="en-US" dirty="0"/>
+              <a:t>			08/12 Adrien + Julien 	- </a:t>
+            </a:r>
+            <a:r>
+              <a:rPr lang="en-US" dirty="0" err="1"/>
+              <a:t>MyAlgorithm</a:t>
+            </a:r>
+            <a:endParaRPr lang="en-US" dirty="0"/>
+          </a:p>
+          <a:p>
+            <a:r>
+              <a:rPr lang="en-US" dirty="0"/>
+              <a:t>			24/11 Daniel 		- Solution</a:t>
+            </a:r>
+          </a:p>
+          <a:p>
+            <a:r>
+              <a:rPr lang="en-US" dirty="0"/>
+              <a:t>			24/11 Julien 		- </a:t>
+            </a:r>
+            <a:r>
+              <a:rPr lang="en-US" dirty="0" err="1"/>
+              <a:t>SetParams</a:t>
+            </a:r>
+            <a:r>
+              <a:rPr lang="en-US" dirty="0"/>
+              <a:t>, Problem</a:t>
+            </a:r>
+          </a:p>
+          <a:p>
+            <a:r>
+              <a:rPr lang="en-US" dirty="0"/>
+              <a:t>24/11	24/11	Interface </a:t>
+            </a:r>
+            <a:r>
+              <a:rPr lang="en-US" dirty="0" err="1"/>
+              <a:t>graphique</a:t>
+            </a:r>
+            <a:endParaRPr lang="en-US" dirty="0"/>
+          </a:p>
+          <a:p>
+            <a:r>
+              <a:rPr lang="en-US" dirty="0"/>
+              <a:t>			24/11 Daniel / Julien</a:t>
+            </a:r>
+          </a:p>
+          <a:p>
+            <a:r>
+              <a:rPr lang="en-US" dirty="0"/>
+              <a:t>08/12	??/12	</a:t>
+            </a:r>
+            <a:r>
+              <a:rPr lang="en-US" dirty="0" err="1"/>
+              <a:t>Nettoyage</a:t>
+            </a:r>
+            <a:r>
+              <a:rPr lang="en-US" dirty="0"/>
+              <a:t> de </a:t>
+            </a:r>
+            <a:r>
+              <a:rPr lang="en-US" dirty="0" err="1"/>
+              <a:t>classe</a:t>
+            </a:r>
+            <a:endParaRPr lang="en-US" dirty="0"/>
+          </a:p>
+          <a:p>
+            <a:r>
+              <a:rPr lang="en-US" dirty="0"/>
+              <a:t>			??/12 Adrien		- </a:t>
+            </a:r>
+            <a:r>
+              <a:rPr lang="en-US" dirty="0" err="1"/>
+              <a:t>MyAlgorithm</a:t>
+            </a:r>
+            <a:endParaRPr lang="en-US" dirty="0"/>
+          </a:p>
+          <a:p>
+            <a:endParaRPr lang="en-US" dirty="0"/>
+          </a:p>
+          <a:p>
+            <a:r>
+              <a:rPr lang="en-US" dirty="0"/>
+              <a:t>12/12	??/12	</a:t>
+            </a:r>
+            <a:r>
+              <a:rPr lang="en-US" dirty="0" err="1"/>
+              <a:t>Optimisation</a:t>
+            </a:r>
+            <a:endParaRPr lang="en-US" dirty="0"/>
+          </a:p>
+          <a:p>
+            <a:r>
+              <a:rPr lang="en-US" dirty="0"/>
+              <a:t>			??/12 Adrien + Julien	-</a:t>
+            </a:r>
+            <a:r>
+              <a:rPr lang="en-US" dirty="0" err="1"/>
+              <a:t>MyAlgorithm</a:t>
+            </a:r>
+            <a:endParaRPr lang="en-US" dirty="0"/>
           </a:p>
         </p:txBody>
       </p:sp>
@@ -8845,6 +9032,195 @@
             <a:fld id="{4FAB73BC-B049-4115-A692-8D63A059BFB8}" type="slidenum">
               <a:rPr lang="en-US" smtClean="0"/>
               <a:t>10</a:t>
+            </a:fld>
+            <a:endParaRPr lang="en-US" dirty="0"/>
+          </a:p>
+        </p:txBody>
+      </p:sp>
+    </p:spTree>
+    <p:extLst>
+      <p:ext uri="{BB962C8B-B14F-4D97-AF65-F5344CB8AC3E}">
+        <p14:creationId xmlns:p14="http://schemas.microsoft.com/office/powerpoint/2010/main" val="490328893"/>
+      </p:ext>
+    </p:extLst>
+  </p:cSld>
+  <p:clrMapOvr>
+    <a:masterClrMapping/>
+  </p:clrMapOvr>
+</p:sld>
+</file>
+
+<file path=ppt/slides/slide11.xml><?xml version="1.0" encoding="utf-8"?>
+<p:sld xmlns:a="http://schemas.openxmlformats.org/drawingml/2006/main" xmlns:r="http://schemas.openxmlformats.org/officeDocument/2006/relationships" xmlns:p="http://schemas.openxmlformats.org/presentationml/2006/main">
+  <p:cSld>
+    <p:spTree>
+      <p:nvGrpSpPr>
+        <p:cNvPr id="1" name=""/>
+        <p:cNvGrpSpPr/>
+        <p:nvPr/>
+      </p:nvGrpSpPr>
+      <p:grpSpPr>
+        <a:xfrm>
+          <a:off x="0" y="0"/>
+          <a:ext cx="0" cy="0"/>
+          <a:chOff x="0" y="0"/>
+          <a:chExt cx="0" cy="0"/>
+        </a:xfrm>
+      </p:grpSpPr>
+      <p:sp>
+        <p:nvSpPr>
+          <p:cNvPr id="2" name="Titre 1"/>
+          <p:cNvSpPr>
+            <a:spLocks noGrp="1"/>
+          </p:cNvSpPr>
+          <p:nvPr>
+            <p:ph type="title"/>
+          </p:nvPr>
+        </p:nvSpPr>
+        <p:spPr/>
+        <p:txBody>
+          <a:bodyPr/>
+          <a:lstStyle/>
+          <a:p>
+            <a:r>
+              <a:rPr lang="en-US" dirty="0" err="1"/>
+              <a:t>Avancement</a:t>
+            </a:r>
+            <a:endParaRPr lang="en-US" dirty="0"/>
+          </a:p>
+        </p:txBody>
+      </p:sp>
+      <p:sp>
+        <p:nvSpPr>
+          <p:cNvPr id="3" name="Espace réservé du contenu 2"/>
+          <p:cNvSpPr>
+            <a:spLocks noGrp="1"/>
+          </p:cNvSpPr>
+          <p:nvPr>
+            <p:ph idx="1"/>
+          </p:nvPr>
+        </p:nvSpPr>
+        <p:spPr/>
+        <p:txBody>
+          <a:bodyPr/>
+          <a:lstStyle/>
+          <a:p>
+            <a:endParaRPr lang="en-US"/>
+          </a:p>
+        </p:txBody>
+      </p:sp>
+      <p:sp>
+        <p:nvSpPr>
+          <p:cNvPr id="4" name="Espace réservé du numéro de diapositive 3"/>
+          <p:cNvSpPr>
+            <a:spLocks noGrp="1"/>
+          </p:cNvSpPr>
+          <p:nvPr>
+            <p:ph type="sldNum" sz="quarter" idx="12"/>
+          </p:nvPr>
+        </p:nvSpPr>
+        <p:spPr/>
+        <p:txBody>
+          <a:bodyPr/>
+          <a:lstStyle/>
+          <a:p>
+            <a:fld id="{4FAB73BC-B049-4115-A692-8D63A059BFB8}" type="slidenum">
+              <a:rPr lang="en-US" smtClean="0"/>
+              <a:t>11</a:t>
+            </a:fld>
+            <a:endParaRPr lang="en-US" dirty="0"/>
+          </a:p>
+        </p:txBody>
+      </p:sp>
+    </p:spTree>
+    <p:extLst>
+      <p:ext uri="{BB962C8B-B14F-4D97-AF65-F5344CB8AC3E}">
+        <p14:creationId xmlns:p14="http://schemas.microsoft.com/office/powerpoint/2010/main" val="2063582826"/>
+      </p:ext>
+    </p:extLst>
+  </p:cSld>
+  <p:clrMapOvr>
+    <a:masterClrMapping/>
+  </p:clrMapOvr>
+</p:sld>
+</file>
+
+<file path=ppt/slides/slide12.xml><?xml version="1.0" encoding="utf-8"?>
+<p:sld xmlns:a="http://schemas.openxmlformats.org/drawingml/2006/main" xmlns:r="http://schemas.openxmlformats.org/officeDocument/2006/relationships" xmlns:p="http://schemas.openxmlformats.org/presentationml/2006/main">
+  <p:cSld>
+    <p:spTree>
+      <p:nvGrpSpPr>
+        <p:cNvPr id="1" name=""/>
+        <p:cNvGrpSpPr/>
+        <p:nvPr/>
+      </p:nvGrpSpPr>
+      <p:grpSpPr>
+        <a:xfrm>
+          <a:off x="0" y="0"/>
+          <a:ext cx="0" cy="0"/>
+          <a:chOff x="0" y="0"/>
+          <a:chExt cx="0" cy="0"/>
+        </a:xfrm>
+      </p:grpSpPr>
+      <p:sp>
+        <p:nvSpPr>
+          <p:cNvPr id="2" name="Titre 1"/>
+          <p:cNvSpPr>
+            <a:spLocks noGrp="1"/>
+          </p:cNvSpPr>
+          <p:nvPr>
+            <p:ph type="title"/>
+          </p:nvPr>
+        </p:nvSpPr>
+        <p:spPr/>
+        <p:txBody>
+          <a:bodyPr/>
+          <a:lstStyle/>
+          <a:p>
+            <a:r>
+              <a:rPr lang="fr-FR" dirty="0"/>
+              <a:t>Conclusion</a:t>
+            </a:r>
+          </a:p>
+        </p:txBody>
+      </p:sp>
+      <p:sp>
+        <p:nvSpPr>
+          <p:cNvPr id="3" name="Espace réservé du contenu 2"/>
+          <p:cNvSpPr>
+            <a:spLocks noGrp="1"/>
+          </p:cNvSpPr>
+          <p:nvPr>
+            <p:ph idx="1"/>
+          </p:nvPr>
+        </p:nvSpPr>
+        <p:spPr/>
+        <p:txBody>
+          <a:bodyPr/>
+          <a:lstStyle/>
+          <a:p>
+            <a:endParaRPr lang="fr-FR"/>
+          </a:p>
+        </p:txBody>
+      </p:sp>
+      <p:sp>
+        <p:nvSpPr>
+          <p:cNvPr id="4" name="Espace réservé du numéro de diapositive 3"/>
+          <p:cNvSpPr>
+            <a:spLocks noGrp="1"/>
+          </p:cNvSpPr>
+          <p:nvPr>
+            <p:ph type="sldNum" sz="quarter" idx="12"/>
+          </p:nvPr>
+        </p:nvSpPr>
+        <p:spPr/>
+        <p:txBody>
+          <a:bodyPr/>
+          <a:lstStyle/>
+          <a:p>
+            <a:fld id="{4FAB73BC-B049-4115-A692-8D63A059BFB8}" type="slidenum">
+              <a:rPr lang="en-US" smtClean="0"/>
+              <a:t>12</a:t>
             </a:fld>
             <a:endParaRPr lang="en-US" dirty="0"/>
           </a:p>
@@ -13657,7 +14033,95 @@
           <a:bodyPr/>
           <a:lstStyle/>
           <a:p>
-            <a:endParaRPr lang="en-US"/>
+            <a:r>
+              <a:rPr lang="en-US" dirty="0"/>
+              <a:t>C:</a:t>
+            </a:r>
+          </a:p>
+          <a:p>
+            <a:pPr marL="0" indent="0">
+              <a:buNone/>
+            </a:pPr>
+            <a:r>
+              <a:rPr lang="en-US" dirty="0"/>
+              <a:t>- </a:t>
+            </a:r>
+            <a:r>
+              <a:rPr lang="en-US" dirty="0">
+                <a:hlinkClick r:id="rId2"/>
+              </a:rPr>
+              <a:t>https://github.com/gvegayon/ABCoptim/</a:t>
+            </a:r>
+            <a:endParaRPr lang="en-US" dirty="0"/>
+          </a:p>
+          <a:p>
+            <a:endParaRPr lang="en-US" dirty="0"/>
+          </a:p>
+          <a:p>
+            <a:r>
+              <a:rPr lang="en-US" dirty="0"/>
+              <a:t>Documentation :</a:t>
+            </a:r>
+          </a:p>
+          <a:p>
+            <a:pPr marL="0" indent="0">
+              <a:buNone/>
+            </a:pPr>
+            <a:r>
+              <a:rPr lang="en-US" dirty="0"/>
+              <a:t>- </a:t>
+            </a:r>
+            <a:r>
+              <a:rPr lang="fr-FR" dirty="0">
+                <a:hlinkClick r:id="rId3"/>
+              </a:rPr>
+              <a:t>https://en.wikipedia.org/</a:t>
+            </a:r>
+            <a:r>
+              <a:rPr lang="fr-FR" dirty="0" err="1">
+                <a:hlinkClick r:id="rId3"/>
+              </a:rPr>
+              <a:t>wi</a:t>
+            </a:r>
+            <a:r>
+              <a:rPr lang="fr-FR" dirty="0">
+                <a:hlinkClick r:id="rId3"/>
+              </a:rPr>
+              <a:t>…/</a:t>
+            </a:r>
+            <a:r>
+              <a:rPr lang="fr-FR" dirty="0" err="1">
+                <a:hlinkClick r:id="rId3"/>
+              </a:rPr>
+              <a:t>Artificial_bee_colony_algorithm</a:t>
+            </a:r>
+            <a:br>
+              <a:rPr lang="fr-FR" dirty="0"/>
+            </a:br>
+            <a:r>
+              <a:rPr lang="fr-FR" dirty="0"/>
+              <a:t>- </a:t>
+            </a:r>
+            <a:r>
+              <a:rPr lang="fr-FR" dirty="0">
+                <a:hlinkClick r:id="rId4"/>
+              </a:rPr>
+              <a:t>http://mf.erciyes.edu.tr/abc/</a:t>
+            </a:r>
+            <a:br>
+              <a:rPr lang="fr-FR" dirty="0"/>
+            </a:br>
+            <a:r>
+              <a:rPr lang="fr-FR" dirty="0"/>
+              <a:t>- </a:t>
+            </a:r>
+            <a:r>
+              <a:rPr lang="fr-FR" dirty="0">
+                <a:hlinkClick r:id="rId5"/>
+              </a:rPr>
+              <a:t>https://rfia2012.files.wordpress.com/2012/02/rapport-oa.pdf</a:t>
+            </a:r>
+            <a:endParaRPr lang="en-US" dirty="0"/>
           </a:p>
         </p:txBody>
       </p:sp>
@@ -13730,28 +14194,9 @@
           <a:lstStyle/>
           <a:p>
             <a:r>
-              <a:rPr lang="fr-FR" dirty="0"/>
-              <a:t>III) Projet</a:t>
-            </a:r>
-          </a:p>
-        </p:txBody>
-      </p:sp>
-      <p:sp>
-        <p:nvSpPr>
-          <p:cNvPr id="3" name="Espace réservé du contenu 2"/>
-          <p:cNvSpPr>
-            <a:spLocks noGrp="1"/>
-          </p:cNvSpPr>
-          <p:nvPr>
-            <p:ph idx="1"/>
-          </p:nvPr>
-        </p:nvSpPr>
-        <p:spPr/>
-        <p:txBody>
-          <a:bodyPr/>
-          <a:lstStyle/>
-          <a:p>
-            <a:endParaRPr lang="fr-FR"/>
+              <a:rPr lang="en-US" dirty="0"/>
+              <a:t>Implantation</a:t>
+            </a:r>
           </a:p>
         </p:txBody>
       </p:sp>
@@ -13778,16 +14223,139 @@
           </a:p>
         </p:txBody>
       </p:sp>
+      <p:pic>
+        <p:nvPicPr>
+          <p:cNvPr id="6" name="Image 5"/>
+          <p:cNvPicPr>
+            <a:picLocks noChangeAspect="1"/>
+          </p:cNvPicPr>
+          <p:nvPr/>
+        </p:nvPicPr>
+        <p:blipFill>
+          <a:blip r:embed="rId2"/>
+          <a:stretch>
+            <a:fillRect/>
+          </a:stretch>
+        </p:blipFill>
+        <p:spPr>
+          <a:xfrm>
+            <a:off x="89845" y="2063905"/>
+            <a:ext cx="9831172" cy="4458322"/>
+          </a:xfrm>
+          <a:prstGeom prst="rect">
+            <a:avLst/>
+          </a:prstGeom>
+        </p:spPr>
+      </p:pic>
+      <p:pic>
+        <p:nvPicPr>
+          <p:cNvPr id="7" name="Image 6"/>
+          <p:cNvPicPr>
+            <a:picLocks noChangeAspect="1"/>
+          </p:cNvPicPr>
+          <p:nvPr/>
+        </p:nvPicPr>
+        <p:blipFill>
+          <a:blip r:embed="rId3"/>
+          <a:stretch>
+            <a:fillRect/>
+          </a:stretch>
+        </p:blipFill>
+        <p:spPr>
+          <a:xfrm>
+            <a:off x="6590518" y="2123414"/>
+            <a:ext cx="5601482" cy="4734586"/>
+          </a:xfrm>
+          <a:prstGeom prst="rect">
+            <a:avLst/>
+          </a:prstGeom>
+        </p:spPr>
+      </p:pic>
     </p:spTree>
     <p:extLst>
       <p:ext uri="{BB962C8B-B14F-4D97-AF65-F5344CB8AC3E}">
-        <p14:creationId xmlns:p14="http://schemas.microsoft.com/office/powerpoint/2010/main" val="3480894608"/>
+        <p14:creationId xmlns:p14="http://schemas.microsoft.com/office/powerpoint/2010/main" val="4038904507"/>
       </p:ext>
     </p:extLst>
   </p:cSld>
   <p:clrMapOvr>
     <a:masterClrMapping/>
   </p:clrMapOvr>
+  <p:timing>
+    <p:tnLst>
+      <p:par>
+        <p:cTn id="1" dur="indefinite" restart="never" nodeType="tmRoot">
+          <p:childTnLst>
+            <p:seq concurrent="1" nextAc="seek">
+              <p:cTn id="2" dur="indefinite" nodeType="mainSeq">
+                <p:childTnLst>
+                  <p:par>
+                    <p:cTn id="3" fill="hold">
+                      <p:stCondLst>
+                        <p:cond delay="indefinite"/>
+                      </p:stCondLst>
+                      <p:childTnLst>
+                        <p:par>
+                          <p:cTn id="4" fill="hold">
+                            <p:stCondLst>
+                              <p:cond delay="0"/>
+                            </p:stCondLst>
+                            <p:childTnLst>
+                              <p:par>
+                                <p:cTn id="5" presetID="1" presetClass="entr" presetSubtype="0" fill="hold" nodeType="clickEffect">
+                                  <p:stCondLst>
+                                    <p:cond delay="0"/>
+                                  </p:stCondLst>
+                                  <p:childTnLst>
+                                    <p:set>
+                                      <p:cBhvr>
+                                        <p:cTn id="6" dur="1" fill="hold">
+                                          <p:stCondLst>
+                                            <p:cond delay="0"/>
+                                          </p:stCondLst>
+                                        </p:cTn>
+                                        <p:tgtEl>
+                                          <p:spTgt spid="7"/>
+                                        </p:tgtEl>
+                                        <p:attrNameLst>
+                                          <p:attrName>style.visibility</p:attrName>
+                                        </p:attrNameLst>
+                                      </p:cBhvr>
+                                      <p:to>
+                                        <p:strVal val="visible"/>
+                                      </p:to>
+                                    </p:set>
+                                  </p:childTnLst>
+                                </p:cTn>
+                              </p:par>
+                            </p:childTnLst>
+                          </p:cTn>
+                        </p:par>
+                      </p:childTnLst>
+                    </p:cTn>
+                  </p:par>
+                </p:childTnLst>
+              </p:cTn>
+              <p:prevCondLst>
+                <p:cond evt="onPrev" delay="0">
+                  <p:tgtEl>
+                    <p:sldTgt/>
+                  </p:tgtEl>
+                </p:cond>
+              </p:prevCondLst>
+              <p:nextCondLst>
+                <p:cond evt="onNext" delay="0">
+                  <p:tgtEl>
+                    <p:sldTgt/>
+                  </p:tgtEl>
+                </p:cond>
+              </p:nextCondLst>
+            </p:seq>
+          </p:childTnLst>
+        </p:cTn>
+      </p:par>
+    </p:tnLst>
+  </p:timing>
 </p:sld>
 </file>
 
@@ -13824,37 +14392,9 @@
           <a:lstStyle/>
           <a:p>
             <a:r>
-              <a:rPr lang="en-US" dirty="0" err="1"/>
-              <a:t>Répartition</a:t>
-            </a:r>
-            <a:r>
               <a:rPr lang="en-US" dirty="0"/>
-              <a:t> des </a:t>
-            </a:r>
-            <a:r>
-              <a:rPr lang="en-US" dirty="0" err="1"/>
-              <a:t>tâches</a:t>
-            </a:r>
-            <a:endParaRPr lang="en-US" dirty="0"/>
-          </a:p>
-        </p:txBody>
-      </p:sp>
-      <p:sp>
-        <p:nvSpPr>
-          <p:cNvPr id="3" name="Espace réservé du contenu 2"/>
-          <p:cNvSpPr>
-            <a:spLocks noGrp="1"/>
-          </p:cNvSpPr>
-          <p:nvPr>
-            <p:ph idx="1"/>
-          </p:nvPr>
-        </p:nvSpPr>
-        <p:spPr/>
-        <p:txBody>
-          <a:bodyPr/>
-          <a:lstStyle/>
-          <a:p>
-            <a:endParaRPr lang="en-US"/>
+              <a:t>Implantation</a:t>
+            </a:r>
           </a:p>
         </p:txBody>
       </p:sp>
@@ -13881,16 +14421,139 @@
           </a:p>
         </p:txBody>
       </p:sp>
+      <p:pic>
+        <p:nvPicPr>
+          <p:cNvPr id="8" name="Image 7"/>
+          <p:cNvPicPr>
+            <a:picLocks noChangeAspect="1"/>
+          </p:cNvPicPr>
+          <p:nvPr/>
+        </p:nvPicPr>
+        <p:blipFill>
+          <a:blip r:embed="rId2"/>
+          <a:stretch>
+            <a:fillRect/>
+          </a:stretch>
+        </p:blipFill>
+        <p:spPr>
+          <a:xfrm>
+            <a:off x="203015" y="2018393"/>
+            <a:ext cx="8497486" cy="2972215"/>
+          </a:xfrm>
+          <a:prstGeom prst="rect">
+            <a:avLst/>
+          </a:prstGeom>
+        </p:spPr>
+      </p:pic>
+      <p:pic>
+        <p:nvPicPr>
+          <p:cNvPr id="9" name="Image 8"/>
+          <p:cNvPicPr>
+            <a:picLocks noChangeAspect="1"/>
+          </p:cNvPicPr>
+          <p:nvPr/>
+        </p:nvPicPr>
+        <p:blipFill>
+          <a:blip r:embed="rId3"/>
+          <a:stretch>
+            <a:fillRect/>
+          </a:stretch>
+        </p:blipFill>
+        <p:spPr>
+          <a:xfrm>
+            <a:off x="7256274" y="2350267"/>
+            <a:ext cx="4172532" cy="4439270"/>
+          </a:xfrm>
+          <a:prstGeom prst="rect">
+            <a:avLst/>
+          </a:prstGeom>
+        </p:spPr>
+      </p:pic>
     </p:spTree>
     <p:extLst>
       <p:ext uri="{BB962C8B-B14F-4D97-AF65-F5344CB8AC3E}">
-        <p14:creationId xmlns:p14="http://schemas.microsoft.com/office/powerpoint/2010/main" val="490328893"/>
+        <p14:creationId xmlns:p14="http://schemas.microsoft.com/office/powerpoint/2010/main" val="2745266789"/>
       </p:ext>
     </p:extLst>
   </p:cSld>
   <p:clrMapOvr>
     <a:masterClrMapping/>
   </p:clrMapOvr>
+  <p:timing>
+    <p:tnLst>
+      <p:par>
+        <p:cTn id="1" dur="indefinite" restart="never" nodeType="tmRoot">
+          <p:childTnLst>
+            <p:seq concurrent="1" nextAc="seek">
+              <p:cTn id="2" dur="indefinite" nodeType="mainSeq">
+                <p:childTnLst>
+                  <p:par>
+                    <p:cTn id="3" fill="hold">
+                      <p:stCondLst>
+                        <p:cond delay="indefinite"/>
+                      </p:stCondLst>
+                      <p:childTnLst>
+                        <p:par>
+                          <p:cTn id="4" fill="hold">
+                            <p:stCondLst>
+                              <p:cond delay="0"/>
+                            </p:stCondLst>
+                            <p:childTnLst>
+                              <p:par>
+                                <p:cTn id="5" presetID="1" presetClass="entr" presetSubtype="0" fill="hold" nodeType="clickEffect">
+                                  <p:stCondLst>
+                                    <p:cond delay="0"/>
+                                  </p:stCondLst>
+                                  <p:childTnLst>
+                                    <p:set>
+                                      <p:cBhvr>
+                                        <p:cTn id="6" dur="1" fill="hold">
+                                          <p:stCondLst>
+                                            <p:cond delay="0"/>
+                                          </p:stCondLst>
+                                        </p:cTn>
+                                        <p:tgtEl>
+                                          <p:spTgt spid="9"/>
+                                        </p:tgtEl>
+                                        <p:attrNameLst>
+                                          <p:attrName>style.visibility</p:attrName>
+                                        </p:attrNameLst>
+                                      </p:cBhvr>
+                                      <p:to>
+                                        <p:strVal val="visible"/>
+                                      </p:to>
+                                    </p:set>
+                                  </p:childTnLst>
+                                </p:cTn>
+                              </p:par>
+                            </p:childTnLst>
+                          </p:cTn>
+                        </p:par>
+                      </p:childTnLst>
+                    </p:cTn>
+                  </p:par>
+                </p:childTnLst>
+              </p:cTn>
+              <p:prevCondLst>
+                <p:cond evt="onPrev" delay="0">
+                  <p:tgtEl>
+                    <p:sldTgt/>
+                  </p:tgtEl>
+                </p:cond>
+              </p:prevCondLst>
+              <p:nextCondLst>
+                <p:cond evt="onNext" delay="0">
+                  <p:tgtEl>
+                    <p:sldTgt/>
+                  </p:tgtEl>
+                </p:cond>
+              </p:nextCondLst>
+            </p:seq>
+          </p:childTnLst>
+        </p:cTn>
+      </p:par>
+    </p:tnLst>
+  </p:timing>
 </p:sld>
 </file>
 
@@ -13927,10 +14590,9 @@
           <a:lstStyle/>
           <a:p>
             <a:r>
-              <a:rPr lang="en-US" dirty="0" err="1"/>
-              <a:t>Avancement</a:t>
-            </a:r>
-            <a:endParaRPr lang="en-US" dirty="0"/>
+              <a:rPr lang="fr-FR" dirty="0"/>
+              <a:t>III) Projet</a:t>
+            </a:r>
           </a:p>
         </p:txBody>
       </p:sp>
@@ -13949,7 +14611,7 @@
           <a:bodyPr/>
           <a:lstStyle/>
           <a:p>
-            <a:endParaRPr lang="en-US"/>
+            <a:endParaRPr lang="fr-FR"/>
           </a:p>
         </p:txBody>
       </p:sp>
@@ -13979,7 +14641,7 @@
     </p:spTree>
     <p:extLst>
       <p:ext uri="{BB962C8B-B14F-4D97-AF65-F5344CB8AC3E}">
-        <p14:creationId xmlns:p14="http://schemas.microsoft.com/office/powerpoint/2010/main" val="2063582826"/>
+        <p14:creationId xmlns:p14="http://schemas.microsoft.com/office/powerpoint/2010/main" val="3480894608"/>
       </p:ext>
     </p:extLst>
   </p:cSld>

--- a/Intelligence Artificielle.pptx
+++ b/Intelligence Artificielle.pptx
@@ -124,6 +124,2483 @@
     </p:ext>
   </p:extLst>
 </p:presentation>
+</file>
+
+<file path=ppt/diagrams/colors1.xml><?xml version="1.0" encoding="utf-8"?>
+<dgm:colorsDef xmlns:dgm="http://schemas.openxmlformats.org/drawingml/2006/diagram" xmlns:a="http://schemas.openxmlformats.org/drawingml/2006/main" uniqueId="urn:microsoft.com/office/officeart/2005/8/colors/accent1_2">
+  <dgm:title val=""/>
+  <dgm:desc val=""/>
+  <dgm:catLst>
+    <dgm:cat type="accent1" pri="11200"/>
+  </dgm:catLst>
+  <dgm:styleLbl name="node0">
+    <dgm:fillClrLst meth="repeat">
+      <a:schemeClr val="accent1"/>
+    </dgm:fillClrLst>
+    <dgm:linClrLst meth="repeat">
+      <a:schemeClr val="lt1"/>
+    </dgm:linClrLst>
+    <dgm:effectClrLst/>
+    <dgm:txLinClrLst/>
+    <dgm:txFillClrLst/>
+    <dgm:txEffectClrLst/>
+  </dgm:styleLbl>
+  <dgm:styleLbl name="alignNode1">
+    <dgm:fillClrLst meth="repeat">
+      <a:schemeClr val="accent1"/>
+    </dgm:fillClrLst>
+    <dgm:linClrLst meth="repeat">
+      <a:schemeClr val="accent1"/>
+    </dgm:linClrLst>
+    <dgm:effectClrLst/>
+    <dgm:txLinClrLst/>
+    <dgm:txFillClrLst/>
+    <dgm:txEffectClrLst/>
+  </dgm:styleLbl>
+  <dgm:styleLbl name="node1">
+    <dgm:fillClrLst meth="repeat">
+      <a:schemeClr val="accent1"/>
+    </dgm:fillClrLst>
+    <dgm:linClrLst meth="repeat">
+      <a:schemeClr val="lt1"/>
+    </dgm:linClrLst>
+    <dgm:effectClrLst/>
+    <dgm:txLinClrLst/>
+    <dgm:txFillClrLst/>
+    <dgm:txEffectClrLst/>
+  </dgm:styleLbl>
+  <dgm:styleLbl name="lnNode1">
+    <dgm:fillClrLst meth="repeat">
+      <a:schemeClr val="accent1"/>
+    </dgm:fillClrLst>
+    <dgm:linClrLst meth="repeat">
+      <a:schemeClr val="lt1"/>
+    </dgm:linClrLst>
+    <dgm:effectClrLst/>
+    <dgm:txLinClrLst/>
+    <dgm:txFillClrLst/>
+    <dgm:txEffectClrLst/>
+  </dgm:styleLbl>
+  <dgm:styleLbl name="vennNode1">
+    <dgm:fillClrLst meth="repeat">
+      <a:schemeClr val="accent1">
+        <a:alpha val="50000"/>
+      </a:schemeClr>
+    </dgm:fillClrLst>
+    <dgm:linClrLst meth="repeat">
+      <a:schemeClr val="lt1"/>
+    </dgm:linClrLst>
+    <dgm:effectClrLst/>
+    <dgm:txLinClrLst/>
+    <dgm:txFillClrLst/>
+    <dgm:txEffectClrLst/>
+  </dgm:styleLbl>
+  <dgm:styleLbl name="node2">
+    <dgm:fillClrLst meth="repeat">
+      <a:schemeClr val="accent1"/>
+    </dgm:fillClrLst>
+    <dgm:linClrLst meth="repeat">
+      <a:schemeClr val="lt1"/>
+    </dgm:linClrLst>
+    <dgm:effectClrLst/>
+    <dgm:txLinClrLst/>
+    <dgm:txFillClrLst/>
+    <dgm:txEffectClrLst/>
+  </dgm:styleLbl>
+  <dgm:styleLbl name="node3">
+    <dgm:fillClrLst meth="repeat">
+      <a:schemeClr val="accent1"/>
+    </dgm:fillClrLst>
+    <dgm:linClrLst meth="repeat">
+      <a:schemeClr val="lt1"/>
+    </dgm:linClrLst>
+    <dgm:effectClrLst/>
+    <dgm:txLinClrLst/>
+    <dgm:txFillClrLst/>
+    <dgm:txEffectClrLst/>
+  </dgm:styleLbl>
+  <dgm:styleLbl name="node4">
+    <dgm:fillClrLst meth="repeat">
+      <a:schemeClr val="accent1"/>
+    </dgm:fillClrLst>
+    <dgm:linClrLst meth="repeat">
+      <a:schemeClr val="lt1"/>
+    </dgm:linClrLst>
+    <dgm:effectClrLst/>
+    <dgm:txLinClrLst/>
+    <dgm:txFillClrLst/>
+    <dgm:txEffectClrLst/>
+  </dgm:styleLbl>
+  <dgm:styleLbl name="fgImgPlace1">
+    <dgm:fillClrLst meth="repeat">
+      <a:schemeClr val="accent1">
+        <a:tint val="50000"/>
+      </a:schemeClr>
+    </dgm:fillClrLst>
+    <dgm:linClrLst meth="repeat">
+      <a:schemeClr val="lt1"/>
+    </dgm:linClrLst>
+    <dgm:effectClrLst/>
+    <dgm:txLinClrLst/>
+    <dgm:txFillClrLst meth="repeat">
+      <a:schemeClr val="lt1"/>
+    </dgm:txFillClrLst>
+    <dgm:txEffectClrLst/>
+  </dgm:styleLbl>
+  <dgm:styleLbl name="alignImgPlace1">
+    <dgm:fillClrLst meth="repeat">
+      <a:schemeClr val="accent1">
+        <a:tint val="50000"/>
+      </a:schemeClr>
+    </dgm:fillClrLst>
+    <dgm:linClrLst meth="repeat">
+      <a:schemeClr val="lt1"/>
+    </dgm:linClrLst>
+    <dgm:effectClrLst/>
+    <dgm:txLinClrLst/>
+    <dgm:txFillClrLst meth="repeat">
+      <a:schemeClr val="lt1"/>
+    </dgm:txFillClrLst>
+    <dgm:txEffectClrLst/>
+  </dgm:styleLbl>
+  <dgm:styleLbl name="bgImgPlace1">
+    <dgm:fillClrLst meth="repeat">
+      <a:schemeClr val="accent1">
+        <a:tint val="50000"/>
+      </a:schemeClr>
+    </dgm:fillClrLst>
+    <dgm:linClrLst meth="repeat">
+      <a:schemeClr val="lt1"/>
+    </dgm:linClrLst>
+    <dgm:effectClrLst/>
+    <dgm:txLinClrLst/>
+    <dgm:txFillClrLst meth="repeat">
+      <a:schemeClr val="lt1"/>
+    </dgm:txFillClrLst>
+    <dgm:txEffectClrLst/>
+  </dgm:styleLbl>
+  <dgm:styleLbl name="sibTrans2D1">
+    <dgm:fillClrLst meth="repeat">
+      <a:schemeClr val="accent1">
+        <a:tint val="60000"/>
+      </a:schemeClr>
+    </dgm:fillClrLst>
+    <dgm:linClrLst meth="repeat">
+      <a:schemeClr val="accent1">
+        <a:tint val="60000"/>
+      </a:schemeClr>
+    </dgm:linClrLst>
+    <dgm:effectClrLst/>
+    <dgm:txLinClrLst/>
+    <dgm:txFillClrLst/>
+    <dgm:txEffectClrLst/>
+  </dgm:styleLbl>
+  <dgm:styleLbl name="fgSibTrans2D1">
+    <dgm:fillClrLst meth="repeat">
+      <a:schemeClr val="accent1">
+        <a:tint val="60000"/>
+      </a:schemeClr>
+    </dgm:fillClrLst>
+    <dgm:linClrLst meth="repeat">
+      <a:schemeClr val="accent1">
+        <a:tint val="60000"/>
+      </a:schemeClr>
+    </dgm:linClrLst>
+    <dgm:effectClrLst/>
+    <dgm:txLinClrLst/>
+    <dgm:txFillClrLst/>
+    <dgm:txEffectClrLst/>
+  </dgm:styleLbl>
+  <dgm:styleLbl name="bgSibTrans2D1">
+    <dgm:fillClrLst meth="repeat">
+      <a:schemeClr val="accent1">
+        <a:tint val="60000"/>
+      </a:schemeClr>
+    </dgm:fillClrLst>
+    <dgm:linClrLst meth="repeat">
+      <a:schemeClr val="accent1">
+        <a:tint val="60000"/>
+      </a:schemeClr>
+    </dgm:linClrLst>
+    <dgm:effectClrLst/>
+    <dgm:txLinClrLst/>
+    <dgm:txFillClrLst/>
+    <dgm:txEffectClrLst/>
+  </dgm:styleLbl>
+  <dgm:styleLbl name="sibTrans1D1">
+    <dgm:fillClrLst meth="repeat">
+      <a:schemeClr val="accent1"/>
+    </dgm:fillClrLst>
+    <dgm:linClrLst meth="repeat">
+      <a:schemeClr val="accent1"/>
+    </dgm:linClrLst>
+    <dgm:effectClrLst/>
+    <dgm:txLinClrLst/>
+    <dgm:txFillClrLst meth="repeat">
+      <a:schemeClr val="tx1"/>
+    </dgm:txFillClrLst>
+    <dgm:txEffectClrLst/>
+  </dgm:styleLbl>
+  <dgm:styleLbl name="callout">
+    <dgm:fillClrLst meth="repeat">
+      <a:schemeClr val="accent1"/>
+    </dgm:fillClrLst>
+    <dgm:linClrLst meth="repeat">
+      <a:schemeClr val="accent1">
+        <a:tint val="50000"/>
+      </a:schemeClr>
+    </dgm:linClrLst>
+    <dgm:effectClrLst/>
+    <dgm:txLinClrLst/>
+    <dgm:txFillClrLst meth="repeat">
+      <a:schemeClr val="tx1"/>
+    </dgm:txFillClrLst>
+    <dgm:txEffectClrLst/>
+  </dgm:styleLbl>
+  <dgm:styleLbl name="asst0">
+    <dgm:fillClrLst meth="repeat">
+      <a:schemeClr val="accent1"/>
+    </dgm:fillClrLst>
+    <dgm:linClrLst meth="repeat">
+      <a:schemeClr val="lt1"/>
+    </dgm:linClrLst>
+    <dgm:effectClrLst/>
+    <dgm:txLinClrLst/>
+    <dgm:txFillClrLst/>
+    <dgm:txEffectClrLst/>
+  </dgm:styleLbl>
+  <dgm:styleLbl name="asst1">
+    <dgm:fillClrLst meth="repeat">
+      <a:schemeClr val="accent1"/>
+    </dgm:fillClrLst>
+    <dgm:linClrLst meth="repeat">
+      <a:schemeClr val="lt1"/>
+    </dgm:linClrLst>
+    <dgm:effectClrLst/>
+    <dgm:txLinClrLst/>
+    <dgm:txFillClrLst/>
+    <dgm:txEffectClrLst/>
+  </dgm:styleLbl>
+  <dgm:styleLbl name="asst2">
+    <dgm:fillClrLst meth="repeat">
+      <a:schemeClr val="accent1"/>
+    </dgm:fillClrLst>
+    <dgm:linClrLst meth="repeat">
+      <a:schemeClr val="lt1"/>
+    </dgm:linClrLst>
+    <dgm:effectClrLst/>
+    <dgm:txLinClrLst/>
+    <dgm:txFillClrLst/>
+    <dgm:txEffectClrLst/>
+  </dgm:styleLbl>
+  <dgm:styleLbl name="asst3">
+    <dgm:fillClrLst meth="repeat">
+      <a:schemeClr val="accent1"/>
+    </dgm:fillClrLst>
+    <dgm:linClrLst meth="repeat">
+      <a:schemeClr val="lt1"/>
+    </dgm:linClrLst>
+    <dgm:effectClrLst/>
+    <dgm:txLinClrLst/>
+    <dgm:txFillClrLst/>
+    <dgm:txEffectClrLst/>
+  </dgm:styleLbl>
+  <dgm:styleLbl name="asst4">
+    <dgm:fillClrLst meth="repeat">
+      <a:schemeClr val="accent1"/>
+    </dgm:fillClrLst>
+    <dgm:linClrLst meth="repeat">
+      <a:schemeClr val="lt1"/>
+    </dgm:linClrLst>
+    <dgm:effectClrLst/>
+    <dgm:txLinClrLst/>
+    <dgm:txFillClrLst/>
+    <dgm:txEffectClrLst/>
+  </dgm:styleLbl>
+  <dgm:styleLbl name="parChTrans2D1">
+    <dgm:fillClrLst meth="repeat">
+      <a:schemeClr val="accent1">
+        <a:tint val="60000"/>
+      </a:schemeClr>
+    </dgm:fillClrLst>
+    <dgm:linClrLst meth="repeat">
+      <a:schemeClr val="accent1">
+        <a:tint val="60000"/>
+      </a:schemeClr>
+    </dgm:linClrLst>
+    <dgm:effectClrLst/>
+    <dgm:txLinClrLst/>
+    <dgm:txFillClrLst meth="repeat">
+      <a:schemeClr val="lt1"/>
+    </dgm:txFillClrLst>
+    <dgm:txEffectClrLst/>
+  </dgm:styleLbl>
+  <dgm:styleLbl name="parChTrans2D2">
+    <dgm:fillClrLst meth="repeat">
+      <a:schemeClr val="accent1"/>
+    </dgm:fillClrLst>
+    <dgm:linClrLst meth="repeat">
+      <a:schemeClr val="accent1"/>
+    </dgm:linClrLst>
+    <dgm:effectClrLst/>
+    <dgm:txLinClrLst/>
+    <dgm:txFillClrLst meth="repeat">
+      <a:schemeClr val="lt1"/>
+    </dgm:txFillClrLst>
+    <dgm:txEffectClrLst/>
+  </dgm:styleLbl>
+  <dgm:styleLbl name="parChTrans2D3">
+    <dgm:fillClrLst meth="repeat">
+      <a:schemeClr val="accent1"/>
+    </dgm:fillClrLst>
+    <dgm:linClrLst meth="repeat">
+      <a:schemeClr val="accent1"/>
+    </dgm:linClrLst>
+    <dgm:effectClrLst/>
+    <dgm:txLinClrLst/>
+    <dgm:txFillClrLst meth="repeat">
+      <a:schemeClr val="lt1"/>
+    </dgm:txFillClrLst>
+    <dgm:txEffectClrLst/>
+  </dgm:styleLbl>
+  <dgm:styleLbl name="parChTrans2D4">
+    <dgm:fillClrLst meth="repeat">
+      <a:schemeClr val="accent1"/>
+    </dgm:fillClrLst>
+    <dgm:linClrLst meth="repeat">
+      <a:schemeClr val="accent1"/>
+    </dgm:linClrLst>
+    <dgm:effectClrLst/>
+    <dgm:txLinClrLst/>
+    <dgm:txFillClrLst meth="repeat">
+      <a:schemeClr val="lt1"/>
+    </dgm:txFillClrLst>
+    <dgm:txEffectClrLst/>
+  </dgm:styleLbl>
+  <dgm:styleLbl name="parChTrans1D1">
+    <dgm:fillClrLst meth="repeat">
+      <a:schemeClr val="accent1"/>
+    </dgm:fillClrLst>
+    <dgm:linClrLst meth="repeat">
+      <a:schemeClr val="accent1">
+        <a:shade val="60000"/>
+      </a:schemeClr>
+    </dgm:linClrLst>
+    <dgm:effectClrLst/>
+    <dgm:txLinClrLst/>
+    <dgm:txFillClrLst meth="repeat">
+      <a:schemeClr val="tx1"/>
+    </dgm:txFillClrLst>
+    <dgm:txEffectClrLst/>
+  </dgm:styleLbl>
+  <dgm:styleLbl name="parChTrans1D2">
+    <dgm:fillClrLst meth="repeat">
+      <a:schemeClr val="accent1"/>
+    </dgm:fillClrLst>
+    <dgm:linClrLst meth="repeat">
+      <a:schemeClr val="accent1">
+        <a:shade val="60000"/>
+      </a:schemeClr>
+    </dgm:linClrLst>
+    <dgm:effectClrLst/>
+    <dgm:txLinClrLst/>
+    <dgm:txFillClrLst meth="repeat">
+      <a:schemeClr val="tx1"/>
+    </dgm:txFillClrLst>
+    <dgm:txEffectClrLst/>
+  </dgm:styleLbl>
+  <dgm:styleLbl name="parChTrans1D3">
+    <dgm:fillClrLst meth="repeat">
+      <a:schemeClr val="accent1"/>
+    </dgm:fillClrLst>
+    <dgm:linClrLst meth="repeat">
+      <a:schemeClr val="accent1">
+        <a:shade val="80000"/>
+      </a:schemeClr>
+    </dgm:linClrLst>
+    <dgm:effectClrLst/>
+    <dgm:txLinClrLst/>
+    <dgm:txFillClrLst meth="repeat">
+      <a:schemeClr val="tx1"/>
+    </dgm:txFillClrLst>
+    <dgm:txEffectClrLst/>
+  </dgm:styleLbl>
+  <dgm:styleLbl name="parChTrans1D4">
+    <dgm:fillClrLst meth="repeat">
+      <a:schemeClr val="accent1"/>
+    </dgm:fillClrLst>
+    <dgm:linClrLst meth="repeat">
+      <a:schemeClr val="accent1">
+        <a:shade val="80000"/>
+      </a:schemeClr>
+    </dgm:linClrLst>
+    <dgm:effectClrLst/>
+    <dgm:txLinClrLst/>
+    <dgm:txFillClrLst meth="repeat">
+      <a:schemeClr val="tx1"/>
+    </dgm:txFillClrLst>
+    <dgm:txEffectClrLst/>
+  </dgm:styleLbl>
+  <dgm:styleLbl name="fgAcc1">
+    <dgm:fillClrLst meth="repeat">
+      <a:schemeClr val="lt1">
+        <a:alpha val="90000"/>
+      </a:schemeClr>
+    </dgm:fillClrLst>
+    <dgm:linClrLst meth="repeat">
+      <a:schemeClr val="accent1"/>
+    </dgm:linClrLst>
+    <dgm:effectClrLst/>
+    <dgm:txLinClrLst/>
+    <dgm:txFillClrLst meth="repeat">
+      <a:schemeClr val="dk1"/>
+    </dgm:txFillClrLst>
+    <dgm:txEffectClrLst/>
+  </dgm:styleLbl>
+  <dgm:styleLbl name="conFgAcc1">
+    <dgm:fillClrLst meth="repeat">
+      <a:schemeClr val="lt1">
+        <a:alpha val="90000"/>
+      </a:schemeClr>
+    </dgm:fillClrLst>
+    <dgm:linClrLst meth="repeat">
+      <a:schemeClr val="accent1"/>
+    </dgm:linClrLst>
+    <dgm:effectClrLst/>
+    <dgm:txLinClrLst/>
+    <dgm:txFillClrLst meth="repeat">
+      <a:schemeClr val="dk1"/>
+    </dgm:txFillClrLst>
+    <dgm:txEffectClrLst/>
+  </dgm:styleLbl>
+  <dgm:styleLbl name="alignAcc1">
+    <dgm:fillClrLst meth="repeat">
+      <a:schemeClr val="lt1">
+        <a:alpha val="90000"/>
+      </a:schemeClr>
+    </dgm:fillClrLst>
+    <dgm:linClrLst meth="repeat">
+      <a:schemeClr val="accent1"/>
+    </dgm:linClrLst>
+    <dgm:effectClrLst/>
+    <dgm:txLinClrLst/>
+    <dgm:txFillClrLst meth="repeat">
+      <a:schemeClr val="dk1"/>
+    </dgm:txFillClrLst>
+    <dgm:txEffectClrLst/>
+  </dgm:styleLbl>
+  <dgm:styleLbl name="trAlignAcc1">
+    <dgm:fillClrLst meth="repeat">
+      <a:schemeClr val="lt1">
+        <a:alpha val="40000"/>
+      </a:schemeClr>
+    </dgm:fillClrLst>
+    <dgm:linClrLst meth="repeat">
+      <a:schemeClr val="accent1"/>
+    </dgm:linClrLst>
+    <dgm:effectClrLst/>
+    <dgm:txLinClrLst/>
+    <dgm:txFillClrLst meth="repeat">
+      <a:schemeClr val="dk1"/>
+    </dgm:txFillClrLst>
+    <dgm:txEffectClrLst/>
+  </dgm:styleLbl>
+  <dgm:styleLbl name="bgAcc1">
+    <dgm:fillClrLst meth="repeat">
+      <a:schemeClr val="lt1">
+        <a:alpha val="90000"/>
+      </a:schemeClr>
+    </dgm:fillClrLst>
+    <dgm:linClrLst meth="repeat">
+      <a:schemeClr val="accent1"/>
+    </dgm:linClrLst>
+    <dgm:effectClrLst/>
+    <dgm:txLinClrLst/>
+    <dgm:txFillClrLst meth="repeat">
+      <a:schemeClr val="dk1"/>
+    </dgm:txFillClrLst>
+    <dgm:txEffectClrLst/>
+  </dgm:styleLbl>
+  <dgm:styleLbl name="solidFgAcc1">
+    <dgm:fillClrLst meth="repeat">
+      <a:schemeClr val="lt1"/>
+    </dgm:fillClrLst>
+    <dgm:linClrLst meth="repeat">
+      <a:schemeClr val="accent1"/>
+    </dgm:linClrLst>
+    <dgm:effectClrLst/>
+    <dgm:txLinClrLst/>
+    <dgm:txFillClrLst meth="repeat">
+      <a:schemeClr val="dk1"/>
+    </dgm:txFillClrLst>
+    <dgm:txEffectClrLst/>
+  </dgm:styleLbl>
+  <dgm:styleLbl name="solidAlignAcc1">
+    <dgm:fillClrLst meth="repeat">
+      <a:schemeClr val="lt1"/>
+    </dgm:fillClrLst>
+    <dgm:linClrLst meth="repeat">
+      <a:schemeClr val="accent1"/>
+    </dgm:linClrLst>
+    <dgm:effectClrLst/>
+    <dgm:txLinClrLst/>
+    <dgm:txFillClrLst meth="repeat">
+      <a:schemeClr val="dk1"/>
+    </dgm:txFillClrLst>
+    <dgm:txEffectClrLst/>
+  </dgm:styleLbl>
+  <dgm:styleLbl name="solidBgAcc1">
+    <dgm:fillClrLst meth="repeat">
+      <a:schemeClr val="lt1"/>
+    </dgm:fillClrLst>
+    <dgm:linClrLst meth="repeat">
+      <a:schemeClr val="accent1"/>
+    </dgm:linClrLst>
+    <dgm:effectClrLst/>
+    <dgm:txLinClrLst/>
+    <dgm:txFillClrLst meth="repeat">
+      <a:schemeClr val="dk1"/>
+    </dgm:txFillClrLst>
+    <dgm:txEffectClrLst/>
+  </dgm:styleLbl>
+  <dgm:styleLbl name="fgAccFollowNode1">
+    <dgm:fillClrLst meth="repeat">
+      <a:schemeClr val="accent1">
+        <a:alpha val="90000"/>
+        <a:tint val="40000"/>
+      </a:schemeClr>
+    </dgm:fillClrLst>
+    <dgm:linClrLst meth="repeat">
+      <a:schemeClr val="accent1">
+        <a:alpha val="90000"/>
+        <a:tint val="40000"/>
+      </a:schemeClr>
+    </dgm:linClrLst>
+    <dgm:effectClrLst/>
+    <dgm:txLinClrLst/>
+    <dgm:txFillClrLst meth="repeat">
+      <a:schemeClr val="dk1"/>
+    </dgm:txFillClrLst>
+    <dgm:txEffectClrLst/>
+  </dgm:styleLbl>
+  <dgm:styleLbl name="alignAccFollowNode1">
+    <dgm:fillClrLst meth="repeat">
+      <a:schemeClr val="accent1">
+        <a:alpha val="90000"/>
+        <a:tint val="40000"/>
+      </a:schemeClr>
+    </dgm:fillClrLst>
+    <dgm:linClrLst meth="repeat">
+      <a:schemeClr val="accent1">
+        <a:alpha val="90000"/>
+        <a:tint val="40000"/>
+      </a:schemeClr>
+    </dgm:linClrLst>
+    <dgm:effectClrLst/>
+    <dgm:txLinClrLst/>
+    <dgm:txFillClrLst meth="repeat">
+      <a:schemeClr val="dk1"/>
+    </dgm:txFillClrLst>
+    <dgm:txEffectClrLst/>
+  </dgm:styleLbl>
+  <dgm:styleLbl name="bgAccFollowNode1">
+    <dgm:fillClrLst meth="repeat">
+      <a:schemeClr val="accent1">
+        <a:alpha val="90000"/>
+        <a:tint val="40000"/>
+      </a:schemeClr>
+    </dgm:fillClrLst>
+    <dgm:linClrLst meth="repeat">
+      <a:schemeClr val="accent1">
+        <a:alpha val="90000"/>
+        <a:tint val="40000"/>
+      </a:schemeClr>
+    </dgm:linClrLst>
+    <dgm:effectClrLst/>
+    <dgm:txLinClrLst/>
+    <dgm:txFillClrLst meth="repeat">
+      <a:schemeClr val="dk1"/>
+    </dgm:txFillClrLst>
+    <dgm:txEffectClrLst/>
+  </dgm:styleLbl>
+  <dgm:styleLbl name="fgAcc0">
+    <dgm:fillClrLst meth="repeat">
+      <a:schemeClr val="lt1">
+        <a:alpha val="90000"/>
+      </a:schemeClr>
+    </dgm:fillClrLst>
+    <dgm:linClrLst meth="repeat">
+      <a:schemeClr val="accent1"/>
+    </dgm:linClrLst>
+    <dgm:effectClrLst/>
+    <dgm:txLinClrLst/>
+    <dgm:txFillClrLst meth="repeat">
+      <a:schemeClr val="dk1"/>
+    </dgm:txFillClrLst>
+    <dgm:txEffectClrLst/>
+  </dgm:styleLbl>
+  <dgm:styleLbl name="fgAcc2">
+    <dgm:fillClrLst meth="repeat">
+      <a:schemeClr val="lt1">
+        <a:alpha val="90000"/>
+      </a:schemeClr>
+    </dgm:fillClrLst>
+    <dgm:linClrLst meth="repeat">
+      <a:schemeClr val="accent1"/>
+    </dgm:linClrLst>
+    <dgm:effectClrLst/>
+    <dgm:txLinClrLst/>
+    <dgm:txFillClrLst meth="repeat">
+      <a:schemeClr val="dk1"/>
+    </dgm:txFillClrLst>
+    <dgm:txEffectClrLst/>
+  </dgm:styleLbl>
+  <dgm:styleLbl name="fgAcc3">
+    <dgm:fillClrLst meth="repeat">
+      <a:schemeClr val="lt1">
+        <a:alpha val="90000"/>
+      </a:schemeClr>
+    </dgm:fillClrLst>
+    <dgm:linClrLst meth="repeat">
+      <a:schemeClr val="accent1"/>
+    </dgm:linClrLst>
+    <dgm:effectClrLst/>
+    <dgm:txLinClrLst/>
+    <dgm:txFillClrLst meth="repeat">
+      <a:schemeClr val="dk1"/>
+    </dgm:txFillClrLst>
+    <dgm:txEffectClrLst/>
+  </dgm:styleLbl>
+  <dgm:styleLbl name="fgAcc4">
+    <dgm:fillClrLst meth="repeat">
+      <a:schemeClr val="lt1">
+        <a:alpha val="90000"/>
+      </a:schemeClr>
+    </dgm:fillClrLst>
+    <dgm:linClrLst meth="repeat">
+      <a:schemeClr val="accent1"/>
+    </dgm:linClrLst>
+    <dgm:effectClrLst/>
+    <dgm:txLinClrLst/>
+    <dgm:txFillClrLst meth="repeat">
+      <a:schemeClr val="dk1"/>
+    </dgm:txFillClrLst>
+    <dgm:txEffectClrLst/>
+  </dgm:styleLbl>
+  <dgm:styleLbl name="bgShp">
+    <dgm:fillClrLst meth="repeat">
+      <a:schemeClr val="accent1">
+        <a:tint val="40000"/>
+      </a:schemeClr>
+    </dgm:fillClrLst>
+    <dgm:linClrLst meth="repeat">
+      <a:schemeClr val="accent1"/>
+    </dgm:linClrLst>
+    <dgm:effectClrLst/>
+    <dgm:txLinClrLst/>
+    <dgm:txFillClrLst meth="repeat">
+      <a:schemeClr val="dk1"/>
+    </dgm:txFillClrLst>
+    <dgm:txEffectClrLst/>
+  </dgm:styleLbl>
+  <dgm:styleLbl name="dkBgShp">
+    <dgm:fillClrLst meth="repeat">
+      <a:schemeClr val="accent1">
+        <a:shade val="80000"/>
+      </a:schemeClr>
+    </dgm:fillClrLst>
+    <dgm:linClrLst meth="repeat">
+      <a:schemeClr val="accent1"/>
+    </dgm:linClrLst>
+    <dgm:effectClrLst/>
+    <dgm:txLinClrLst/>
+    <dgm:txFillClrLst meth="repeat">
+      <a:schemeClr val="lt1"/>
+    </dgm:txFillClrLst>
+    <dgm:txEffectClrLst/>
+  </dgm:styleLbl>
+  <dgm:styleLbl name="trBgShp">
+    <dgm:fillClrLst meth="repeat">
+      <a:schemeClr val="accent1">
+        <a:tint val="50000"/>
+        <a:alpha val="40000"/>
+      </a:schemeClr>
+    </dgm:fillClrLst>
+    <dgm:linClrLst meth="repeat">
+      <a:schemeClr val="accent1"/>
+    </dgm:linClrLst>
+    <dgm:effectClrLst/>
+    <dgm:txLinClrLst/>
+    <dgm:txFillClrLst meth="repeat">
+      <a:schemeClr val="lt1"/>
+    </dgm:txFillClrLst>
+    <dgm:txEffectClrLst/>
+  </dgm:styleLbl>
+  <dgm:styleLbl name="fgShp">
+    <dgm:fillClrLst meth="repeat">
+      <a:schemeClr val="accent1">
+        <a:tint val="60000"/>
+      </a:schemeClr>
+    </dgm:fillClrLst>
+    <dgm:linClrLst meth="repeat">
+      <a:schemeClr val="lt1"/>
+    </dgm:linClrLst>
+    <dgm:effectClrLst/>
+    <dgm:txLinClrLst/>
+    <dgm:txFillClrLst meth="repeat">
+      <a:schemeClr val="dk1"/>
+    </dgm:txFillClrLst>
+    <dgm:txEffectClrLst/>
+  </dgm:styleLbl>
+  <dgm:styleLbl name="revTx">
+    <dgm:fillClrLst meth="repeat">
+      <a:schemeClr val="lt1">
+        <a:alpha val="0"/>
+      </a:schemeClr>
+    </dgm:fillClrLst>
+    <dgm:linClrLst meth="repeat">
+      <a:schemeClr val="dk1">
+        <a:alpha val="0"/>
+      </a:schemeClr>
+    </dgm:linClrLst>
+    <dgm:effectClrLst/>
+    <dgm:txLinClrLst/>
+    <dgm:txFillClrLst meth="repeat">
+      <a:schemeClr val="tx1"/>
+    </dgm:txFillClrLst>
+    <dgm:txEffectClrLst/>
+  </dgm:styleLbl>
+</dgm:colorsDef>
+</file>
+
+<file path=ppt/diagrams/data1.xml><?xml version="1.0" encoding="utf-8"?>
+<dgm:dataModel xmlns:dgm="http://schemas.openxmlformats.org/drawingml/2006/diagram" xmlns:a="http://schemas.openxmlformats.org/drawingml/2006/main">
+  <dgm:ptLst>
+    <dgm:pt modelId="{84394877-9E13-45DC-A4CC-16B41D30F4F9}" type="doc">
+      <dgm:prSet loTypeId="urn:microsoft.com/office/officeart/2005/8/layout/hChevron3" loCatId="process" qsTypeId="urn:microsoft.com/office/officeart/2005/8/quickstyle/simple1" qsCatId="simple" csTypeId="urn:microsoft.com/office/officeart/2005/8/colors/accent1_2" csCatId="accent1" phldr="1"/>
+      <dgm:spPr/>
+    </dgm:pt>
+    <dgm:pt modelId="{0A5BBC27-56C8-400B-A606-F50CCBD51851}">
+      <dgm:prSet phldrT="[Texte]"/>
+      <dgm:spPr/>
+      <dgm:t>
+        <a:bodyPr/>
+        <a:lstStyle/>
+        <a:p>
+          <a:r>
+            <a:rPr lang="fr-FR" dirty="0"/>
+            <a:t>Début du projet</a:t>
+          </a:r>
+        </a:p>
+      </dgm:t>
+    </dgm:pt>
+    <dgm:pt modelId="{710040EF-5593-4826-8944-8DB7B2942A50}" type="parTrans" cxnId="{9D998F32-6318-4CC1-92E2-7B7DB047B615}">
+      <dgm:prSet/>
+      <dgm:spPr/>
+      <dgm:t>
+        <a:bodyPr/>
+        <a:lstStyle/>
+        <a:p>
+          <a:endParaRPr lang="fr-FR"/>
+        </a:p>
+      </dgm:t>
+    </dgm:pt>
+    <dgm:pt modelId="{FE00F2FC-C297-4315-96C8-5152028B285E}" type="sibTrans" cxnId="{9D998F32-6318-4CC1-92E2-7B7DB047B615}">
+      <dgm:prSet/>
+      <dgm:spPr/>
+      <dgm:t>
+        <a:bodyPr/>
+        <a:lstStyle/>
+        <a:p>
+          <a:endParaRPr lang="fr-FR"/>
+        </a:p>
+      </dgm:t>
+    </dgm:pt>
+    <dgm:pt modelId="{E481322E-2707-4746-8F7D-C3217B43F490}">
+      <dgm:prSet phldrT="[Texte]"/>
+      <dgm:spPr/>
+      <dgm:t>
+        <a:bodyPr/>
+        <a:lstStyle/>
+        <a:p>
+          <a:r>
+            <a:rPr lang="fr-FR" dirty="0"/>
+            <a:t>Implémentation</a:t>
+          </a:r>
+        </a:p>
+      </dgm:t>
+    </dgm:pt>
+    <dgm:pt modelId="{6F543CBE-1979-4B3F-B8D7-D4B2B1076341}" type="parTrans" cxnId="{5160F62A-682A-4AC6-9738-A0F7DDCAC4F1}">
+      <dgm:prSet/>
+      <dgm:spPr/>
+      <dgm:t>
+        <a:bodyPr/>
+        <a:lstStyle/>
+        <a:p>
+          <a:endParaRPr lang="fr-FR"/>
+        </a:p>
+      </dgm:t>
+    </dgm:pt>
+    <dgm:pt modelId="{39D5D81A-8277-4802-9CF8-2FEA181E48E0}" type="sibTrans" cxnId="{5160F62A-682A-4AC6-9738-A0F7DDCAC4F1}">
+      <dgm:prSet/>
+      <dgm:spPr/>
+      <dgm:t>
+        <a:bodyPr/>
+        <a:lstStyle/>
+        <a:p>
+          <a:endParaRPr lang="fr-FR"/>
+        </a:p>
+      </dgm:t>
+    </dgm:pt>
+    <dgm:pt modelId="{B5E3BFD0-3E5C-4DE9-9EE3-2F7A75D4C722}">
+      <dgm:prSet phldrT="[Texte]"/>
+      <dgm:spPr/>
+      <dgm:t>
+        <a:bodyPr/>
+        <a:lstStyle/>
+        <a:p>
+          <a:r>
+            <a:rPr lang="fr-FR" dirty="0"/>
+            <a:t>Optimisation</a:t>
+          </a:r>
+        </a:p>
+      </dgm:t>
+    </dgm:pt>
+    <dgm:pt modelId="{2B7E2834-4CB5-4297-997D-08E267B70BDE}" type="parTrans" cxnId="{8BBEDCCB-C863-4DC1-BE5B-B159779DD063}">
+      <dgm:prSet/>
+      <dgm:spPr/>
+      <dgm:t>
+        <a:bodyPr/>
+        <a:lstStyle/>
+        <a:p>
+          <a:endParaRPr lang="fr-FR"/>
+        </a:p>
+      </dgm:t>
+    </dgm:pt>
+    <dgm:pt modelId="{31617E29-2208-4F7F-AE1F-1C849C645B56}" type="sibTrans" cxnId="{8BBEDCCB-C863-4DC1-BE5B-B159779DD063}">
+      <dgm:prSet/>
+      <dgm:spPr/>
+      <dgm:t>
+        <a:bodyPr/>
+        <a:lstStyle/>
+        <a:p>
+          <a:endParaRPr lang="fr-FR"/>
+        </a:p>
+      </dgm:t>
+    </dgm:pt>
+    <dgm:pt modelId="{7017F750-4B15-423D-9AFE-3981BE8C9359}" type="pres">
+      <dgm:prSet presAssocID="{84394877-9E13-45DC-A4CC-16B41D30F4F9}" presName="Name0" presStyleCnt="0">
+        <dgm:presLayoutVars>
+          <dgm:dir/>
+          <dgm:resizeHandles val="exact"/>
+        </dgm:presLayoutVars>
+      </dgm:prSet>
+      <dgm:spPr/>
+    </dgm:pt>
+    <dgm:pt modelId="{A79F6E0B-E70A-4898-BBE5-3FB1EF7B59E2}" type="pres">
+      <dgm:prSet presAssocID="{0A5BBC27-56C8-400B-A606-F50CCBD51851}" presName="parTxOnly" presStyleLbl="node1" presStyleIdx="0" presStyleCnt="3">
+        <dgm:presLayoutVars>
+          <dgm:bulletEnabled val="1"/>
+        </dgm:presLayoutVars>
+      </dgm:prSet>
+      <dgm:spPr/>
+    </dgm:pt>
+    <dgm:pt modelId="{07949768-1DC7-43D6-B334-2DF65F22D57A}" type="pres">
+      <dgm:prSet presAssocID="{FE00F2FC-C297-4315-96C8-5152028B285E}" presName="parSpace" presStyleCnt="0"/>
+      <dgm:spPr/>
+    </dgm:pt>
+    <dgm:pt modelId="{B1CC842D-9848-4489-B27E-80BC042E0180}" type="pres">
+      <dgm:prSet presAssocID="{E481322E-2707-4746-8F7D-C3217B43F490}" presName="parTxOnly" presStyleLbl="node1" presStyleIdx="1" presStyleCnt="3">
+        <dgm:presLayoutVars>
+          <dgm:bulletEnabled val="1"/>
+        </dgm:presLayoutVars>
+      </dgm:prSet>
+      <dgm:spPr/>
+    </dgm:pt>
+    <dgm:pt modelId="{D8FB8FC3-2DF8-4D8E-A14C-D7A6950836B7}" type="pres">
+      <dgm:prSet presAssocID="{39D5D81A-8277-4802-9CF8-2FEA181E48E0}" presName="parSpace" presStyleCnt="0"/>
+      <dgm:spPr/>
+    </dgm:pt>
+    <dgm:pt modelId="{42152EB9-4AE3-47A3-886E-F9A251FA45F6}" type="pres">
+      <dgm:prSet presAssocID="{B5E3BFD0-3E5C-4DE9-9EE3-2F7A75D4C722}" presName="parTxOnly" presStyleLbl="node1" presStyleIdx="2" presStyleCnt="3">
+        <dgm:presLayoutVars>
+          <dgm:bulletEnabled val="1"/>
+        </dgm:presLayoutVars>
+      </dgm:prSet>
+      <dgm:spPr/>
+    </dgm:pt>
+  </dgm:ptLst>
+  <dgm:cxnLst>
+    <dgm:cxn modelId="{9D998F32-6318-4CC1-92E2-7B7DB047B615}" srcId="{84394877-9E13-45DC-A4CC-16B41D30F4F9}" destId="{0A5BBC27-56C8-400B-A606-F50CCBD51851}" srcOrd="0" destOrd="0" parTransId="{710040EF-5593-4826-8944-8DB7B2942A50}" sibTransId="{FE00F2FC-C297-4315-96C8-5152028B285E}"/>
+    <dgm:cxn modelId="{96BFDE6A-143A-4252-8919-3C51D23EC9D2}" type="presOf" srcId="{0A5BBC27-56C8-400B-A606-F50CCBD51851}" destId="{A79F6E0B-E70A-4898-BBE5-3FB1EF7B59E2}" srcOrd="0" destOrd="0" presId="urn:microsoft.com/office/officeart/2005/8/layout/hChevron3"/>
+    <dgm:cxn modelId="{1579321C-A969-45DE-9990-36CE3E63F037}" type="presOf" srcId="{84394877-9E13-45DC-A4CC-16B41D30F4F9}" destId="{7017F750-4B15-423D-9AFE-3981BE8C9359}" srcOrd="0" destOrd="0" presId="urn:microsoft.com/office/officeart/2005/8/layout/hChevron3"/>
+    <dgm:cxn modelId="{1367B54A-A75B-48BC-8749-B6B5C67E8EA0}" type="presOf" srcId="{E481322E-2707-4746-8F7D-C3217B43F490}" destId="{B1CC842D-9848-4489-B27E-80BC042E0180}" srcOrd="0" destOrd="0" presId="urn:microsoft.com/office/officeart/2005/8/layout/hChevron3"/>
+    <dgm:cxn modelId="{2B301CE4-EC8B-4ED3-837F-BBF24E11FB1F}" type="presOf" srcId="{B5E3BFD0-3E5C-4DE9-9EE3-2F7A75D4C722}" destId="{42152EB9-4AE3-47A3-886E-F9A251FA45F6}" srcOrd="0" destOrd="0" presId="urn:microsoft.com/office/officeart/2005/8/layout/hChevron3"/>
+    <dgm:cxn modelId="{5160F62A-682A-4AC6-9738-A0F7DDCAC4F1}" srcId="{84394877-9E13-45DC-A4CC-16B41D30F4F9}" destId="{E481322E-2707-4746-8F7D-C3217B43F490}" srcOrd="1" destOrd="0" parTransId="{6F543CBE-1979-4B3F-B8D7-D4B2B1076341}" sibTransId="{39D5D81A-8277-4802-9CF8-2FEA181E48E0}"/>
+    <dgm:cxn modelId="{8BBEDCCB-C863-4DC1-BE5B-B159779DD063}" srcId="{84394877-9E13-45DC-A4CC-16B41D30F4F9}" destId="{B5E3BFD0-3E5C-4DE9-9EE3-2F7A75D4C722}" srcOrd="2" destOrd="0" parTransId="{2B7E2834-4CB5-4297-997D-08E267B70BDE}" sibTransId="{31617E29-2208-4F7F-AE1F-1C849C645B56}"/>
+    <dgm:cxn modelId="{4DA43A1E-375D-4689-816E-F2F8D84F4406}" type="presParOf" srcId="{7017F750-4B15-423D-9AFE-3981BE8C9359}" destId="{A79F6E0B-E70A-4898-BBE5-3FB1EF7B59E2}" srcOrd="0" destOrd="0" presId="urn:microsoft.com/office/officeart/2005/8/layout/hChevron3"/>
+    <dgm:cxn modelId="{FB8F3611-CEF4-4589-B1DD-C537102ACF77}" type="presParOf" srcId="{7017F750-4B15-423D-9AFE-3981BE8C9359}" destId="{07949768-1DC7-43D6-B334-2DF65F22D57A}" srcOrd="1" destOrd="0" presId="urn:microsoft.com/office/officeart/2005/8/layout/hChevron3"/>
+    <dgm:cxn modelId="{028FABAA-E870-4574-8AC5-BE1B223FE63B}" type="presParOf" srcId="{7017F750-4B15-423D-9AFE-3981BE8C9359}" destId="{B1CC842D-9848-4489-B27E-80BC042E0180}" srcOrd="2" destOrd="0" presId="urn:microsoft.com/office/officeart/2005/8/layout/hChevron3"/>
+    <dgm:cxn modelId="{9A952D3A-C827-4EAB-8376-1A320F5B11E9}" type="presParOf" srcId="{7017F750-4B15-423D-9AFE-3981BE8C9359}" destId="{D8FB8FC3-2DF8-4D8E-A14C-D7A6950836B7}" srcOrd="3" destOrd="0" presId="urn:microsoft.com/office/officeart/2005/8/layout/hChevron3"/>
+    <dgm:cxn modelId="{1F6F5DDC-233B-4576-B434-ED99D69EEEE1}" type="presParOf" srcId="{7017F750-4B15-423D-9AFE-3981BE8C9359}" destId="{42152EB9-4AE3-47A3-886E-F9A251FA45F6}" srcOrd="4" destOrd="0" presId="urn:microsoft.com/office/officeart/2005/8/layout/hChevron3"/>
+  </dgm:cxnLst>
+  <dgm:bg/>
+  <dgm:whole/>
+  <dgm:extLst>
+    <a:ext uri="http://schemas.microsoft.com/office/drawing/2008/diagram">
+      <dsp:dataModelExt xmlns:dsp="http://schemas.microsoft.com/office/drawing/2008/diagram" relId="rId6" minVer="http://schemas.openxmlformats.org/drawingml/2006/diagram"/>
+    </a:ext>
+  </dgm:extLst>
+</dgm:dataModel>
+</file>
+
+<file path=ppt/diagrams/drawing1.xml><?xml version="1.0" encoding="utf-8"?>
+<dsp:drawing xmlns:dgm="http://schemas.openxmlformats.org/drawingml/2006/diagram" xmlns:dsp="http://schemas.microsoft.com/office/drawing/2008/diagram" xmlns:a="http://schemas.openxmlformats.org/drawingml/2006/main">
+  <dsp:spTree>
+    <dsp:nvGrpSpPr>
+      <dsp:cNvPr id="0" name=""/>
+      <dsp:cNvGrpSpPr/>
+    </dsp:nvGrpSpPr>
+    <dsp:grpSpPr/>
+    <dsp:sp modelId="{A79F6E0B-E70A-4898-BBE5-3FB1EF7B59E2}">
+      <dsp:nvSpPr>
+        <dsp:cNvPr id="0" name=""/>
+        <dsp:cNvSpPr/>
+      </dsp:nvSpPr>
+      <dsp:spPr>
+        <a:xfrm>
+          <a:off x="3571" y="2084652"/>
+          <a:ext cx="3123406" cy="1249362"/>
+        </a:xfrm>
+        <a:prstGeom prst="homePlate">
+          <a:avLst/>
+        </a:prstGeom>
+        <a:solidFill>
+          <a:schemeClr val="accent1">
+            <a:hueOff val="0"/>
+            <a:satOff val="0"/>
+            <a:lumOff val="0"/>
+            <a:alphaOff val="0"/>
+          </a:schemeClr>
+        </a:solidFill>
+        <a:ln w="12700" cap="flat" cmpd="sng" algn="ctr">
+          <a:solidFill>
+            <a:schemeClr val="lt1">
+              <a:hueOff val="0"/>
+              <a:satOff val="0"/>
+              <a:lumOff val="0"/>
+              <a:alphaOff val="0"/>
+            </a:schemeClr>
+          </a:solidFill>
+          <a:prstDash val="solid"/>
+        </a:ln>
+        <a:effectLst/>
+      </dsp:spPr>
+      <dsp:style>
+        <a:lnRef idx="2">
+          <a:scrgbClr r="0" g="0" b="0"/>
+        </a:lnRef>
+        <a:fillRef idx="1">
+          <a:scrgbClr r="0" g="0" b="0"/>
+        </a:fillRef>
+        <a:effectRef idx="0">
+          <a:scrgbClr r="0" g="0" b="0"/>
+        </a:effectRef>
+        <a:fontRef idx="minor">
+          <a:schemeClr val="lt1"/>
+        </a:fontRef>
+      </dsp:style>
+      <dsp:txBody>
+        <a:bodyPr spcFirstLastPara="0" vert="horz" wrap="square" lIns="101346" tIns="50673" rIns="25337" bIns="50673" numCol="1" spcCol="1270" anchor="ctr" anchorCtr="0">
+          <a:noAutofit/>
+        </a:bodyPr>
+        <a:lstStyle/>
+        <a:p>
+          <a:pPr marL="0" lvl="0" indent="0" algn="ctr" defTabSz="844550">
+            <a:lnSpc>
+              <a:spcPct val="90000"/>
+            </a:lnSpc>
+            <a:spcBef>
+              <a:spcPct val="0"/>
+            </a:spcBef>
+            <a:spcAft>
+              <a:spcPct val="35000"/>
+            </a:spcAft>
+            <a:buNone/>
+          </a:pPr>
+          <a:r>
+            <a:rPr lang="fr-FR" sz="1900" kern="1200" dirty="0"/>
+            <a:t>Début du projet</a:t>
+          </a:r>
+        </a:p>
+      </dsp:txBody>
+      <dsp:txXfrm>
+        <a:off x="3571" y="2084652"/>
+        <a:ext cx="2811066" cy="1249362"/>
+      </dsp:txXfrm>
+    </dsp:sp>
+    <dsp:sp modelId="{B1CC842D-9848-4489-B27E-80BC042E0180}">
+      <dsp:nvSpPr>
+        <dsp:cNvPr id="0" name=""/>
+        <dsp:cNvSpPr/>
+      </dsp:nvSpPr>
+      <dsp:spPr>
+        <a:xfrm>
+          <a:off x="2502296" y="2084652"/>
+          <a:ext cx="3123406" cy="1249362"/>
+        </a:xfrm>
+        <a:prstGeom prst="chevron">
+          <a:avLst/>
+        </a:prstGeom>
+        <a:solidFill>
+          <a:schemeClr val="accent1">
+            <a:hueOff val="0"/>
+            <a:satOff val="0"/>
+            <a:lumOff val="0"/>
+            <a:alphaOff val="0"/>
+          </a:schemeClr>
+        </a:solidFill>
+        <a:ln w="12700" cap="flat" cmpd="sng" algn="ctr">
+          <a:solidFill>
+            <a:schemeClr val="lt1">
+              <a:hueOff val="0"/>
+              <a:satOff val="0"/>
+              <a:lumOff val="0"/>
+              <a:alphaOff val="0"/>
+            </a:schemeClr>
+          </a:solidFill>
+          <a:prstDash val="solid"/>
+        </a:ln>
+        <a:effectLst/>
+      </dsp:spPr>
+      <dsp:style>
+        <a:lnRef idx="2">
+          <a:scrgbClr r="0" g="0" b="0"/>
+        </a:lnRef>
+        <a:fillRef idx="1">
+          <a:scrgbClr r="0" g="0" b="0"/>
+        </a:fillRef>
+        <a:effectRef idx="0">
+          <a:scrgbClr r="0" g="0" b="0"/>
+        </a:effectRef>
+        <a:fontRef idx="minor">
+          <a:schemeClr val="lt1"/>
+        </a:fontRef>
+      </dsp:style>
+      <dsp:txBody>
+        <a:bodyPr spcFirstLastPara="0" vert="horz" wrap="square" lIns="76010" tIns="50673" rIns="25337" bIns="50673" numCol="1" spcCol="1270" anchor="ctr" anchorCtr="0">
+          <a:noAutofit/>
+        </a:bodyPr>
+        <a:lstStyle/>
+        <a:p>
+          <a:pPr marL="0" lvl="0" indent="0" algn="ctr" defTabSz="844550">
+            <a:lnSpc>
+              <a:spcPct val="90000"/>
+            </a:lnSpc>
+            <a:spcBef>
+              <a:spcPct val="0"/>
+            </a:spcBef>
+            <a:spcAft>
+              <a:spcPct val="35000"/>
+            </a:spcAft>
+            <a:buNone/>
+          </a:pPr>
+          <a:r>
+            <a:rPr lang="fr-FR" sz="1900" kern="1200" dirty="0"/>
+            <a:t>Implémentation</a:t>
+          </a:r>
+        </a:p>
+      </dsp:txBody>
+      <dsp:txXfrm>
+        <a:off x="3126977" y="2084652"/>
+        <a:ext cx="1874044" cy="1249362"/>
+      </dsp:txXfrm>
+    </dsp:sp>
+    <dsp:sp modelId="{42152EB9-4AE3-47A3-886E-F9A251FA45F6}">
+      <dsp:nvSpPr>
+        <dsp:cNvPr id="0" name=""/>
+        <dsp:cNvSpPr/>
+      </dsp:nvSpPr>
+      <dsp:spPr>
+        <a:xfrm>
+          <a:off x="5001021" y="2084652"/>
+          <a:ext cx="3123406" cy="1249362"/>
+        </a:xfrm>
+        <a:prstGeom prst="chevron">
+          <a:avLst/>
+        </a:prstGeom>
+        <a:solidFill>
+          <a:schemeClr val="accent1">
+            <a:hueOff val="0"/>
+            <a:satOff val="0"/>
+            <a:lumOff val="0"/>
+            <a:alphaOff val="0"/>
+          </a:schemeClr>
+        </a:solidFill>
+        <a:ln w="12700" cap="flat" cmpd="sng" algn="ctr">
+          <a:solidFill>
+            <a:schemeClr val="lt1">
+              <a:hueOff val="0"/>
+              <a:satOff val="0"/>
+              <a:lumOff val="0"/>
+              <a:alphaOff val="0"/>
+            </a:schemeClr>
+          </a:solidFill>
+          <a:prstDash val="solid"/>
+        </a:ln>
+        <a:effectLst/>
+      </dsp:spPr>
+      <dsp:style>
+        <a:lnRef idx="2">
+          <a:scrgbClr r="0" g="0" b="0"/>
+        </a:lnRef>
+        <a:fillRef idx="1">
+          <a:scrgbClr r="0" g="0" b="0"/>
+        </a:fillRef>
+        <a:effectRef idx="0">
+          <a:scrgbClr r="0" g="0" b="0"/>
+        </a:effectRef>
+        <a:fontRef idx="minor">
+          <a:schemeClr val="lt1"/>
+        </a:fontRef>
+      </dsp:style>
+      <dsp:txBody>
+        <a:bodyPr spcFirstLastPara="0" vert="horz" wrap="square" lIns="76010" tIns="50673" rIns="25337" bIns="50673" numCol="1" spcCol="1270" anchor="ctr" anchorCtr="0">
+          <a:noAutofit/>
+        </a:bodyPr>
+        <a:lstStyle/>
+        <a:p>
+          <a:pPr marL="0" lvl="0" indent="0" algn="ctr" defTabSz="844550">
+            <a:lnSpc>
+              <a:spcPct val="90000"/>
+            </a:lnSpc>
+            <a:spcBef>
+              <a:spcPct val="0"/>
+            </a:spcBef>
+            <a:spcAft>
+              <a:spcPct val="35000"/>
+            </a:spcAft>
+            <a:buNone/>
+          </a:pPr>
+          <a:r>
+            <a:rPr lang="fr-FR" sz="1900" kern="1200" dirty="0"/>
+            <a:t>Optimisation</a:t>
+          </a:r>
+        </a:p>
+      </dsp:txBody>
+      <dsp:txXfrm>
+        <a:off x="5625702" y="2084652"/>
+        <a:ext cx="1874044" cy="1249362"/>
+      </dsp:txXfrm>
+    </dsp:sp>
+  </dsp:spTree>
+</dsp:drawing>
+</file>
+
+<file path=ppt/diagrams/layout1.xml><?xml version="1.0" encoding="utf-8"?>
+<dgm:layoutDef xmlns:dgm="http://schemas.openxmlformats.org/drawingml/2006/diagram" xmlns:a="http://schemas.openxmlformats.org/drawingml/2006/main" uniqueId="urn:microsoft.com/office/officeart/2005/8/layout/hChevron3">
+  <dgm:title val=""/>
+  <dgm:desc val=""/>
+  <dgm:catLst>
+    <dgm:cat type="process" pri="10000"/>
+  </dgm:catLst>
+  <dgm:sampData useDef="1">
+    <dgm:dataModel>
+      <dgm:ptLst/>
+      <dgm:bg/>
+      <dgm:whole/>
+    </dgm:dataModel>
+  </dgm:sampData>
+  <dgm:styleData>
+    <dgm:dataModel>
+      <dgm:ptLst>
+        <dgm:pt modelId="0" type="doc"/>
+        <dgm:pt modelId="1"/>
+        <dgm:pt modelId="2"/>
+      </dgm:ptLst>
+      <dgm:cxnLst>
+        <dgm:cxn modelId="3" srcId="0" destId="1" srcOrd="0" destOrd="0"/>
+        <dgm:cxn modelId="4" srcId="0" destId="2" srcOrd="1" destOrd="0"/>
+      </dgm:cxnLst>
+      <dgm:bg/>
+      <dgm:whole/>
+    </dgm:dataModel>
+  </dgm:styleData>
+  <dgm:clrData>
+    <dgm:dataModel>
+      <dgm:ptLst>
+        <dgm:pt modelId="0" type="doc"/>
+        <dgm:pt modelId="1"/>
+        <dgm:pt modelId="2"/>
+        <dgm:pt modelId="3"/>
+        <dgm:pt modelId="4"/>
+      </dgm:ptLst>
+      <dgm:cxnLst>
+        <dgm:cxn modelId="5" srcId="0" destId="1" srcOrd="0" destOrd="0"/>
+        <dgm:cxn modelId="6" srcId="0" destId="2" srcOrd="1" destOrd="0"/>
+        <dgm:cxn modelId="7" srcId="0" destId="3" srcOrd="2" destOrd="0"/>
+        <dgm:cxn modelId="8" srcId="0" destId="4" srcOrd="3" destOrd="0"/>
+      </dgm:cxnLst>
+      <dgm:bg/>
+      <dgm:whole/>
+    </dgm:dataModel>
+  </dgm:clrData>
+  <dgm:layoutNode name="Name0">
+    <dgm:varLst>
+      <dgm:dir/>
+      <dgm:resizeHandles val="exact"/>
+    </dgm:varLst>
+    <dgm:choose name="Name1">
+      <dgm:if name="Name2" func="var" arg="dir" op="equ" val="norm">
+        <dgm:alg type="lin"/>
+      </dgm:if>
+      <dgm:else name="Name3">
+        <dgm:alg type="lin">
+          <dgm:param type="linDir" val="fromR"/>
+        </dgm:alg>
+      </dgm:else>
+    </dgm:choose>
+    <dgm:shape xmlns:r="http://schemas.openxmlformats.org/officeDocument/2006/relationships" r:blip="">
+      <dgm:adjLst/>
+    </dgm:shape>
+    <dgm:presOf/>
+    <dgm:choose name="Name4">
+      <dgm:if name="Name5" axis="root des" func="maxDepth" op="gte" val="2">
+        <dgm:constrLst>
+          <dgm:constr type="w" for="ch" forName="parAndChTx" refType="w"/>
+          <dgm:constr type="primFontSz" for="ch" ptType="node" op="equ"/>
+          <dgm:constr type="w" for="ch" forName="parAndChSpace" refType="w" refFor="ch" refForName="parAndChTx" fact="-0.2"/>
+          <dgm:constr type="w" for="ch" ptType="sibTrans" op="equ"/>
+        </dgm:constrLst>
+        <dgm:ruleLst/>
+        <dgm:forEach name="Name6" axis="ch" ptType="node">
+          <dgm:layoutNode name="parAndChTx">
+            <dgm:varLst>
+              <dgm:bulletEnabled val="1"/>
+            </dgm:varLst>
+            <dgm:alg type="tx"/>
+            <dgm:choose name="Name7">
+              <dgm:if name="Name8" func="var" arg="dir" op="equ" val="norm">
+                <dgm:choose name="Name9">
+                  <dgm:if name="Name10" axis="self" ptType="node" func="pos" op="equ" val="1">
+                    <dgm:shape xmlns:r="http://schemas.openxmlformats.org/officeDocument/2006/relationships" type="homePlate" r:blip="">
+                      <dgm:adjLst>
+                        <dgm:adj idx="1" val="0.25"/>
+                      </dgm:adjLst>
+                    </dgm:shape>
+                    <dgm:presOf axis="desOrSelf" ptType="node"/>
+                    <dgm:constrLst>
+                      <dgm:constr type="h" refType="w" op="equ" fact="0.8"/>
+                      <dgm:constr type="primFontSz" val="65"/>
+                      <dgm:constr type="tMarg" refType="primFontSz" fact="0.2"/>
+                      <dgm:constr type="bMarg" refType="primFontSz" fact="0.2"/>
+                      <dgm:constr type="lMarg" refType="w" fact="0.1"/>
+                      <dgm:constr type="rMarg" refType="w" fact="0.4"/>
+                    </dgm:constrLst>
+                  </dgm:if>
+                  <dgm:else name="Name11">
+                    <dgm:shape xmlns:r="http://schemas.openxmlformats.org/officeDocument/2006/relationships" type="chevron" r:blip="">
+                      <dgm:adjLst>
+                        <dgm:adj idx="1" val="0.25"/>
+                      </dgm:adjLst>
+                    </dgm:shape>
+                    <dgm:presOf axis="desOrSelf" ptType="node"/>
+                    <dgm:constrLst>
+                      <dgm:constr type="h" refType="w" op="equ" fact="0.8"/>
+                      <dgm:constr type="primFontSz" val="65"/>
+                      <dgm:constr type="tMarg" refType="primFontSz" fact="0.2"/>
+                      <dgm:constr type="bMarg" refType="primFontSz" fact="0.2"/>
+                      <dgm:constr type="lMarg" refType="w" fact="0.1"/>
+                      <dgm:constr type="rMarg" refType="w" fact="0.1"/>
+                    </dgm:constrLst>
+                  </dgm:else>
+                </dgm:choose>
+              </dgm:if>
+              <dgm:else name="Name12">
+                <dgm:choose name="Name13">
+                  <dgm:if name="Name14" axis="self" ptType="node" func="pos" op="equ" val="1">
+                    <dgm:shape xmlns:r="http://schemas.openxmlformats.org/officeDocument/2006/relationships" rot="180" type="homePlate" r:blip="">
+                      <dgm:adjLst>
+                        <dgm:adj idx="1" val="0.25"/>
+                      </dgm:adjLst>
+                    </dgm:shape>
+                    <dgm:presOf axis="desOrSelf" ptType="node"/>
+                    <dgm:constrLst>
+                      <dgm:constr type="h" refType="w" op="equ" fact="0.8"/>
+                      <dgm:constr type="primFontSz" val="65"/>
+                      <dgm:constr type="tMarg" refType="primFontSz" fact="0.2"/>
+                      <dgm:constr type="bMarg" refType="primFontSz" fact="0.2"/>
+                      <dgm:constr type="lMarg" refType="w" fact="0.4"/>
+                      <dgm:constr type="rMarg" refType="w" fact="0.1"/>
+                    </dgm:constrLst>
+                  </dgm:if>
+                  <dgm:else name="Name15">
+                    <dgm:shape xmlns:r="http://schemas.openxmlformats.org/officeDocument/2006/relationships" rot="180" type="chevron" r:blip="">
+                      <dgm:adjLst>
+                        <dgm:adj idx="1" val="0.25"/>
+                      </dgm:adjLst>
+                    </dgm:shape>
+                    <dgm:presOf axis="desOrSelf" ptType="node"/>
+                    <dgm:constrLst>
+                      <dgm:constr type="h" refType="w" op="equ" fact="0.8"/>
+                      <dgm:constr type="primFontSz" val="65"/>
+                      <dgm:constr type="tMarg" refType="primFontSz" fact="0.2"/>
+                      <dgm:constr type="bMarg" refType="primFontSz" fact="0.2"/>
+                      <dgm:constr type="lMarg" refType="w" fact="0.1"/>
+                      <dgm:constr type="rMarg" refType="w" fact="0.1"/>
+                    </dgm:constrLst>
+                  </dgm:else>
+                </dgm:choose>
+              </dgm:else>
+            </dgm:choose>
+            <dgm:ruleLst>
+              <dgm:rule type="primFontSz" val="5" fact="NaN" max="NaN"/>
+            </dgm:ruleLst>
+          </dgm:layoutNode>
+          <dgm:forEach name="Name16" axis="followSib" ptType="sibTrans" cnt="1">
+            <dgm:layoutNode name="parAndChSpace">
+              <dgm:alg type="sp"/>
+              <dgm:shape xmlns:r="http://schemas.openxmlformats.org/officeDocument/2006/relationships" r:blip="">
+                <dgm:adjLst/>
+              </dgm:shape>
+              <dgm:presOf/>
+              <dgm:constrLst/>
+              <dgm:ruleLst/>
+            </dgm:layoutNode>
+          </dgm:forEach>
+        </dgm:forEach>
+      </dgm:if>
+      <dgm:else name="Name17">
+        <dgm:constrLst>
+          <dgm:constr type="w" for="ch" forName="parTxOnly" refType="w"/>
+          <dgm:constr type="primFontSz" for="ch" ptType="node" op="equ"/>
+          <dgm:constr type="w" for="ch" forName="parSpace" refType="w" refFor="ch" refForName="parTxOnly" fact="-0.2"/>
+          <dgm:constr type="w" for="ch" ptType="sibTrans" op="equ"/>
+        </dgm:constrLst>
+        <dgm:ruleLst/>
+        <dgm:forEach name="Name18" axis="ch" ptType="node">
+          <dgm:layoutNode name="parTxOnly">
+            <dgm:varLst>
+              <dgm:bulletEnabled val="1"/>
+            </dgm:varLst>
+            <dgm:alg type="tx"/>
+            <dgm:presOf axis="desOrSelf" ptType="node"/>
+            <dgm:choose name="Name19">
+              <dgm:if name="Name20" func="var" arg="dir" op="equ" val="norm">
+                <dgm:choose name="Name21">
+                  <dgm:if name="Name22" axis="self" ptType="node" func="pos" op="equ" val="1">
+                    <dgm:shape xmlns:r="http://schemas.openxmlformats.org/officeDocument/2006/relationships" type="homePlate" r:blip="">
+                      <dgm:adjLst/>
+                    </dgm:shape>
+                    <dgm:constrLst>
+                      <dgm:constr type="h" refType="w" op="equ" fact="0.4"/>
+                      <dgm:constr type="primFontSz" val="65"/>
+                      <dgm:constr type="tMarg" refType="primFontSz" fact="0.21"/>
+                      <dgm:constr type="bMarg" refType="primFontSz" fact="0.21"/>
+                      <dgm:constr type="lMarg" refType="primFontSz" fact="0.42"/>
+                      <dgm:constr type="rMarg" refType="primFontSz" fact="0.105"/>
+                    </dgm:constrLst>
+                  </dgm:if>
+                  <dgm:else name="Name23">
+                    <dgm:shape xmlns:r="http://schemas.openxmlformats.org/officeDocument/2006/relationships" type="chevron" r:blip="">
+                      <dgm:adjLst/>
+                    </dgm:shape>
+                    <dgm:constrLst>
+                      <dgm:constr type="h" refType="w" op="equ" fact="0.4"/>
+                      <dgm:constr type="primFontSz" val="65"/>
+                      <dgm:constr type="tMarg" refType="primFontSz" fact="0.21"/>
+                      <dgm:constr type="bMarg" refType="primFontSz" fact="0.21"/>
+                      <dgm:constr type="lMarg" refType="primFontSz" fact="0.315"/>
+                      <dgm:constr type="rMarg" refType="primFontSz" fact="0.105"/>
+                    </dgm:constrLst>
+                  </dgm:else>
+                </dgm:choose>
+              </dgm:if>
+              <dgm:else name="Name24">
+                <dgm:choose name="Name25">
+                  <dgm:if name="Name26" axis="self" ptType="node" func="pos" op="equ" val="1">
+                    <dgm:shape xmlns:r="http://schemas.openxmlformats.org/officeDocument/2006/relationships" rot="180" type="homePlate" r:blip="">
+                      <dgm:adjLst/>
+                    </dgm:shape>
+                    <dgm:constrLst>
+                      <dgm:constr type="h" refType="w" op="equ" fact="0.4"/>
+                      <dgm:constr type="primFontSz" val="65"/>
+                      <dgm:constr type="tMarg" refType="primFontSz" fact="0.21"/>
+                      <dgm:constr type="bMarg" refType="primFontSz" fact="0.21"/>
+                      <dgm:constr type="lMarg" refType="primFontSz" fact="0.105"/>
+                      <dgm:constr type="rMarg" refType="primFontSz" fact="0.42"/>
+                    </dgm:constrLst>
+                  </dgm:if>
+                  <dgm:else name="Name27">
+                    <dgm:shape xmlns:r="http://schemas.openxmlformats.org/officeDocument/2006/relationships" rot="180" type="chevron" r:blip="">
+                      <dgm:adjLst/>
+                    </dgm:shape>
+                    <dgm:constrLst>
+                      <dgm:constr type="h" refType="w" op="equ" fact="0.4"/>
+                      <dgm:constr type="primFontSz" val="65"/>
+                      <dgm:constr type="tMarg" refType="primFontSz" fact="0.21"/>
+                      <dgm:constr type="bMarg" refType="primFontSz" fact="0.21"/>
+                      <dgm:constr type="lMarg" refType="primFontSz" fact="0.105"/>
+                      <dgm:constr type="rMarg" refType="primFontSz" fact="0.315"/>
+                    </dgm:constrLst>
+                  </dgm:else>
+                </dgm:choose>
+              </dgm:else>
+            </dgm:choose>
+            <dgm:ruleLst>
+              <dgm:rule type="primFontSz" val="5" fact="NaN" max="NaN"/>
+            </dgm:ruleLst>
+          </dgm:layoutNode>
+          <dgm:forEach name="Name28" axis="followSib" ptType="sibTrans" cnt="1">
+            <dgm:layoutNode name="parSpace">
+              <dgm:alg type="sp"/>
+              <dgm:shape xmlns:r="http://schemas.openxmlformats.org/officeDocument/2006/relationships" r:blip="">
+                <dgm:adjLst/>
+              </dgm:shape>
+              <dgm:presOf/>
+              <dgm:constrLst/>
+              <dgm:ruleLst/>
+            </dgm:layoutNode>
+          </dgm:forEach>
+        </dgm:forEach>
+      </dgm:else>
+    </dgm:choose>
+  </dgm:layoutNode>
+</dgm:layoutDef>
+</file>
+
+<file path=ppt/diagrams/quickStyle1.xml><?xml version="1.0" encoding="utf-8"?>
+<dgm:styleDef xmlns:dgm="http://schemas.openxmlformats.org/drawingml/2006/diagram" xmlns:a="http://schemas.openxmlformats.org/drawingml/2006/main" uniqueId="urn:microsoft.com/office/officeart/2005/8/quickstyle/simple1">
+  <dgm:title val=""/>
+  <dgm:desc val=""/>
+  <dgm:catLst>
+    <dgm:cat type="simple" pri="10100"/>
+  </dgm:catLst>
+  <dgm:scene3d>
+    <a:camera prst="orthographicFront"/>
+    <a:lightRig rig="threePt" dir="t"/>
+  </dgm:scene3d>
+  <dgm:styleLbl name="node0">
+    <dgm:scene3d>
+      <a:camera prst="orthographicFront"/>
+      <a:lightRig rig="threePt" dir="t"/>
+    </dgm:scene3d>
+    <dgm:sp3d/>
+    <dgm:txPr/>
+    <dgm:style>
+      <a:lnRef idx="2">
+        <a:scrgbClr r="0" g="0" b="0"/>
+      </a:lnRef>
+      <a:fillRef idx="1">
+        <a:scrgbClr r="0" g="0" b="0"/>
+      </a:fillRef>
+      <a:effectRef idx="0">
+        <a:scrgbClr r="0" g="0" b="0"/>
+      </a:effectRef>
+      <a:fontRef idx="minor">
+        <a:schemeClr val="lt1"/>
+      </a:fontRef>
+    </dgm:style>
+  </dgm:styleLbl>
+  <dgm:styleLbl name="lnNode1">
+    <dgm:scene3d>
+      <a:camera prst="orthographicFront"/>
+      <a:lightRig rig="threePt" dir="t"/>
+    </dgm:scene3d>
+    <dgm:sp3d/>
+    <dgm:txPr/>
+    <dgm:style>
+      <a:lnRef idx="2">
+        <a:scrgbClr r="0" g="0" b="0"/>
+      </a:lnRef>
+      <a:fillRef idx="1">
+        <a:scrgbClr r="0" g="0" b="0"/>
+      </a:fillRef>
+      <a:effectRef idx="0">
+        <a:scrgbClr r="0" g="0" b="0"/>
+      </a:effectRef>
+      <a:fontRef idx="minor">
+        <a:schemeClr val="lt1"/>
+      </a:fontRef>
+    </dgm:style>
+  </dgm:styleLbl>
+  <dgm:styleLbl name="vennNode1">
+    <dgm:scene3d>
+      <a:camera prst="orthographicFront"/>
+      <a:lightRig rig="threePt" dir="t"/>
+    </dgm:scene3d>
+    <dgm:sp3d/>
+    <dgm:txPr/>
+    <dgm:style>
+      <a:lnRef idx="2">
+        <a:scrgbClr r="0" g="0" b="0"/>
+      </a:lnRef>
+      <a:fillRef idx="1">
+        <a:scrgbClr r="0" g="0" b="0"/>
+      </a:fillRef>
+      <a:effectRef idx="0">
+        <a:scrgbClr r="0" g="0" b="0"/>
+      </a:effectRef>
+      <a:fontRef idx="minor">
+        <a:schemeClr val="tx1"/>
+      </a:fontRef>
+    </dgm:style>
+  </dgm:styleLbl>
+  <dgm:styleLbl name="alignNode1">
+    <dgm:scene3d>
+      <a:camera prst="orthographicFront"/>
+      <a:lightRig rig="threePt" dir="t"/>
+    </dgm:scene3d>
+    <dgm:sp3d/>
+    <dgm:txPr/>
+    <dgm:style>
+      <a:lnRef idx="2">
+        <a:scrgbClr r="0" g="0" b="0"/>
+      </a:lnRef>
+      <a:fillRef idx="1">
+        <a:scrgbClr r="0" g="0" b="0"/>
+      </a:fillRef>
+      <a:effectRef idx="0">
+        <a:scrgbClr r="0" g="0" b="0"/>
+      </a:effectRef>
+      <a:fontRef idx="minor">
+        <a:schemeClr val="lt1"/>
+      </a:fontRef>
+    </dgm:style>
+  </dgm:styleLbl>
+  <dgm:styleLbl name="node1">
+    <dgm:scene3d>
+      <a:camera prst="orthographicFront"/>
+      <a:lightRig rig="threePt" dir="t"/>
+    </dgm:scene3d>
+    <dgm:sp3d/>
+    <dgm:txPr/>
+    <dgm:style>
+      <a:lnRef idx="2">
+        <a:scrgbClr r="0" g="0" b="0"/>
+      </a:lnRef>
+      <a:fillRef idx="1">
+        <a:scrgbClr r="0" g="0" b="0"/>
+      </a:fillRef>
+      <a:effectRef idx="0">
+        <a:scrgbClr r="0" g="0" b="0"/>
+      </a:effectRef>
+      <a:fontRef idx="minor">
+        <a:schemeClr val="lt1"/>
+      </a:fontRef>
+    </dgm:style>
+  </dgm:styleLbl>
+  <dgm:styleLbl name="node2">
+    <dgm:scene3d>
+      <a:camera prst="orthographicFront"/>
+      <a:lightRig rig="threePt" dir="t"/>
+    </dgm:scene3d>
+    <dgm:sp3d/>
+    <dgm:txPr/>
+    <dgm:style>
+      <a:lnRef idx="2">
+        <a:scrgbClr r="0" g="0" b="0"/>
+      </a:lnRef>
+      <a:fillRef idx="1">
+        <a:scrgbClr r="0" g="0" b="0"/>
+      </a:fillRef>
+      <a:effectRef idx="0">
+        <a:scrgbClr r="0" g="0" b="0"/>
+      </a:effectRef>
+      <a:fontRef idx="minor">
+        <a:schemeClr val="lt1"/>
+      </a:fontRef>
+    </dgm:style>
+  </dgm:styleLbl>
+  <dgm:styleLbl name="node3">
+    <dgm:scene3d>
+      <a:camera prst="orthographicFront"/>
+      <a:lightRig rig="threePt" dir="t"/>
+    </dgm:scene3d>
+    <dgm:sp3d/>
+    <dgm:txPr/>
+    <dgm:style>
+      <a:lnRef idx="2">
+        <a:scrgbClr r="0" g="0" b="0"/>
+      </a:lnRef>
+      <a:fillRef idx="1">
+        <a:scrgbClr r="0" g="0" b="0"/>
+      </a:fillRef>
+      <a:effectRef idx="0">
+        <a:scrgbClr r="0" g="0" b="0"/>
+      </a:effectRef>
+      <a:fontRef idx="minor">
+        <a:schemeClr val="lt1"/>
+      </a:fontRef>
+    </dgm:style>
+  </dgm:styleLbl>
+  <dgm:styleLbl name="node4">
+    <dgm:scene3d>
+      <a:camera prst="orthographicFront"/>
+      <a:lightRig rig="threePt" dir="t"/>
+    </dgm:scene3d>
+    <dgm:sp3d/>
+    <dgm:txPr/>
+    <dgm:style>
+      <a:lnRef idx="2">
+        <a:scrgbClr r="0" g="0" b="0"/>
+      </a:lnRef>
+      <a:fillRef idx="1">
+        <a:scrgbClr r="0" g="0" b="0"/>
+      </a:fillRef>
+      <a:effectRef idx="0">
+        <a:scrgbClr r="0" g="0" b="0"/>
+      </a:effectRef>
+      <a:fontRef idx="minor">
+        <a:schemeClr val="lt1"/>
+      </a:fontRef>
+    </dgm:style>
+  </dgm:styleLbl>
+  <dgm:styleLbl name="fgImgPlace1">
+    <dgm:scene3d>
+      <a:camera prst="orthographicFront"/>
+      <a:lightRig rig="threePt" dir="t"/>
+    </dgm:scene3d>
+    <dgm:sp3d/>
+    <dgm:txPr/>
+    <dgm:style>
+      <a:lnRef idx="2">
+        <a:scrgbClr r="0" g="0" b="0"/>
+      </a:lnRef>
+      <a:fillRef idx="1">
+        <a:scrgbClr r="0" g="0" b="0"/>
+      </a:fillRef>
+      <a:effectRef idx="0">
+        <a:scrgbClr r="0" g="0" b="0"/>
+      </a:effectRef>
+      <a:fontRef idx="minor"/>
+    </dgm:style>
+  </dgm:styleLbl>
+  <dgm:styleLbl name="alignImgPlace1">
+    <dgm:scene3d>
+      <a:camera prst="orthographicFront"/>
+      <a:lightRig rig="threePt" dir="t"/>
+    </dgm:scene3d>
+    <dgm:sp3d/>
+    <dgm:txPr/>
+    <dgm:style>
+      <a:lnRef idx="2">
+        <a:scrgbClr r="0" g="0" b="0"/>
+      </a:lnRef>
+      <a:fillRef idx="1">
+        <a:scrgbClr r="0" g="0" b="0"/>
+      </a:fillRef>
+      <a:effectRef idx="0">
+        <a:scrgbClr r="0" g="0" b="0"/>
+      </a:effectRef>
+      <a:fontRef idx="minor"/>
+    </dgm:style>
+  </dgm:styleLbl>
+  <dgm:styleLbl name="bgImgPlace1">
+    <dgm:scene3d>
+      <a:camera prst="orthographicFront"/>
+      <a:lightRig rig="threePt" dir="t"/>
+    </dgm:scene3d>
+    <dgm:sp3d/>
+    <dgm:txPr/>
+    <dgm:style>
+      <a:lnRef idx="2">
+        <a:scrgbClr r="0" g="0" b="0"/>
+      </a:lnRef>
+      <a:fillRef idx="1">
+        <a:scrgbClr r="0" g="0" b="0"/>
+      </a:fillRef>
+      <a:effectRef idx="0">
+        <a:scrgbClr r="0" g="0" b="0"/>
+      </a:effectRef>
+      <a:fontRef idx="minor"/>
+    </dgm:style>
+  </dgm:styleLbl>
+  <dgm:styleLbl name="sibTrans2D1">
+    <dgm:scene3d>
+      <a:camera prst="orthographicFront"/>
+      <a:lightRig rig="threePt" dir="t"/>
+    </dgm:scene3d>
+    <dgm:sp3d/>
+    <dgm:txPr/>
+    <dgm:style>
+      <a:lnRef idx="0">
+        <a:scrgbClr r="0" g="0" b="0"/>
+      </a:lnRef>
+      <a:fillRef idx="1">
+        <a:scrgbClr r="0" g="0" b="0"/>
+      </a:fillRef>
+      <a:effectRef idx="0">
+        <a:scrgbClr r="0" g="0" b="0"/>
+      </a:effectRef>
+      <a:fontRef idx="minor">
+        <a:schemeClr val="lt1"/>
+      </a:fontRef>
+    </dgm:style>
+  </dgm:styleLbl>
+  <dgm:styleLbl name="fgSibTrans2D1">
+    <dgm:scene3d>
+      <a:camera prst="orthographicFront"/>
+      <a:lightRig rig="threePt" dir="t"/>
+    </dgm:scene3d>
+    <dgm:sp3d/>
+    <dgm:txPr/>
+    <dgm:style>
+      <a:lnRef idx="0">
+        <a:scrgbClr r="0" g="0" b="0"/>
+      </a:lnRef>
+      <a:fillRef idx="1">
+        <a:scrgbClr r="0" g="0" b="0"/>
+      </a:fillRef>
+      <a:effectRef idx="0">
+        <a:scrgbClr r="0" g="0" b="0"/>
+      </a:effectRef>
+      <a:fontRef idx="minor">
+        <a:schemeClr val="lt1"/>
+      </a:fontRef>
+    </dgm:style>
+  </dgm:styleLbl>
+  <dgm:styleLbl name="bgSibTrans2D1">
+    <dgm:scene3d>
+      <a:camera prst="orthographicFront"/>
+      <a:lightRig rig="threePt" dir="t"/>
+    </dgm:scene3d>
+    <dgm:sp3d/>
+    <dgm:txPr/>
+    <dgm:style>
+      <a:lnRef idx="0">
+        <a:scrgbClr r="0" g="0" b="0"/>
+      </a:lnRef>
+      <a:fillRef idx="1">
+        <a:scrgbClr r="0" g="0" b="0"/>
+      </a:fillRef>
+      <a:effectRef idx="0">
+        <a:scrgbClr r="0" g="0" b="0"/>
+      </a:effectRef>
+      <a:fontRef idx="minor">
+        <a:schemeClr val="lt1"/>
+      </a:fontRef>
+    </dgm:style>
+  </dgm:styleLbl>
+  <dgm:styleLbl name="sibTrans1D1">
+    <dgm:scene3d>
+      <a:camera prst="orthographicFront"/>
+      <a:lightRig rig="threePt" dir="t"/>
+    </dgm:scene3d>
+    <dgm:sp3d/>
+    <dgm:txPr/>
+    <dgm:style>
+      <a:lnRef idx="1">
+        <a:scrgbClr r="0" g="0" b="0"/>
+      </a:lnRef>
+      <a:fillRef idx="0">
+        <a:scrgbClr r="0" g="0" b="0"/>
+      </a:fillRef>
+      <a:effectRef idx="0">
+        <a:scrgbClr r="0" g="0" b="0"/>
+      </a:effectRef>
+      <a:fontRef idx="minor"/>
+    </dgm:style>
+  </dgm:styleLbl>
+  <dgm:styleLbl name="callout">
+    <dgm:scene3d>
+      <a:camera prst="orthographicFront"/>
+      <a:lightRig rig="threePt" dir="t"/>
+    </dgm:scene3d>
+    <dgm:sp3d/>
+    <dgm:txPr/>
+    <dgm:style>
+      <a:lnRef idx="2">
+        <a:scrgbClr r="0" g="0" b="0"/>
+      </a:lnRef>
+      <a:fillRef idx="1">
+        <a:scrgbClr r="0" g="0" b="0"/>
+      </a:fillRef>
+      <a:effectRef idx="0">
+        <a:scrgbClr r="0" g="0" b="0"/>
+      </a:effectRef>
+      <a:fontRef idx="minor"/>
+    </dgm:style>
+  </dgm:styleLbl>
+  <dgm:styleLbl name="asst0">
+    <dgm:scene3d>
+      <a:camera prst="orthographicFront"/>
+      <a:lightRig rig="threePt" dir="t"/>
+    </dgm:scene3d>
+    <dgm:sp3d/>
+    <dgm:txPr/>
+    <dgm:style>
+      <a:lnRef idx="2">
+        <a:scrgbClr r="0" g="0" b="0"/>
+      </a:lnRef>
+      <a:fillRef idx="1">
+        <a:scrgbClr r="0" g="0" b="0"/>
+      </a:fillRef>
+      <a:effectRef idx="0">
+        <a:scrgbClr r="0" g="0" b="0"/>
+      </a:effectRef>
+      <a:fontRef idx="minor">
+        <a:schemeClr val="lt1"/>
+      </a:fontRef>
+    </dgm:style>
+  </dgm:styleLbl>
+  <dgm:styleLbl name="asst1">
+    <dgm:scene3d>
+      <a:camera prst="orthographicFront"/>
+      <a:lightRig rig="threePt" dir="t"/>
+    </dgm:scene3d>
+    <dgm:sp3d/>
+    <dgm:txPr/>
+    <dgm:style>
+      <a:lnRef idx="2">
+        <a:scrgbClr r="0" g="0" b="0"/>
+      </a:lnRef>
+      <a:fillRef idx="1">
+        <a:scrgbClr r="0" g="0" b="0"/>
+      </a:fillRef>
+      <a:effectRef idx="0">
+        <a:scrgbClr r="0" g="0" b="0"/>
+      </a:effectRef>
+      <a:fontRef idx="minor">
+        <a:schemeClr val="lt1"/>
+      </a:fontRef>
+    </dgm:style>
+  </dgm:styleLbl>
+  <dgm:styleLbl name="asst2">
+    <dgm:scene3d>
+      <a:camera prst="orthographicFront"/>
+      <a:lightRig rig="threePt" dir="t"/>
+    </dgm:scene3d>
+    <dgm:sp3d/>
+    <dgm:txPr/>
+    <dgm:style>
+      <a:lnRef idx="2">
+        <a:scrgbClr r="0" g="0" b="0"/>
+      </a:lnRef>
+      <a:fillRef idx="1">
+        <a:scrgbClr r="0" g="0" b="0"/>
+      </a:fillRef>
+      <a:effectRef idx="0">
+        <a:scrgbClr r="0" g="0" b="0"/>
+      </a:effectRef>
+      <a:fontRef idx="minor">
+        <a:schemeClr val="lt1"/>
+      </a:fontRef>
+    </dgm:style>
+  </dgm:styleLbl>
+  <dgm:styleLbl name="asst3">
+    <dgm:scene3d>
+      <a:camera prst="orthographicFront"/>
+      <a:lightRig rig="threePt" dir="t"/>
+    </dgm:scene3d>
+    <dgm:sp3d/>
+    <dgm:txPr/>
+    <dgm:style>
+      <a:lnRef idx="2">
+        <a:scrgbClr r="0" g="0" b="0"/>
+      </a:lnRef>
+      <a:fillRef idx="1">
+        <a:scrgbClr r="0" g="0" b="0"/>
+      </a:fillRef>
+      <a:effectRef idx="0">
+        <a:scrgbClr r="0" g="0" b="0"/>
+      </a:effectRef>
+      <a:fontRef idx="minor">
+        <a:schemeClr val="lt1"/>
+      </a:fontRef>
+    </dgm:style>
+  </dgm:styleLbl>
+  <dgm:styleLbl name="asst4">
+    <dgm:scene3d>
+      <a:camera prst="orthographicFront"/>
+      <a:lightRig rig="threePt" dir="t"/>
+    </dgm:scene3d>
+    <dgm:sp3d/>
+    <dgm:txPr/>
+    <dgm:style>
+      <a:lnRef idx="2">
+        <a:scrgbClr r="0" g="0" b="0"/>
+      </a:lnRef>
+      <a:fillRef idx="1">
+        <a:scrgbClr r="0" g="0" b="0"/>
+      </a:fillRef>
+      <a:effectRef idx="0">
+        <a:scrgbClr r="0" g="0" b="0"/>
+      </a:effectRef>
+      <a:fontRef idx="minor">
+        <a:schemeClr val="lt1"/>
+      </a:fontRef>
+    </dgm:style>
+  </dgm:styleLbl>
+  <dgm:styleLbl name="parChTrans2D1">
+    <dgm:scene3d>
+      <a:camera prst="orthographicFront"/>
+      <a:lightRig rig="threePt" dir="t"/>
+    </dgm:scene3d>
+    <dgm:sp3d/>
+    <dgm:txPr/>
+    <dgm:style>
+      <a:lnRef idx="2">
+        <a:scrgbClr r="0" g="0" b="0"/>
+      </a:lnRef>
+      <a:fillRef idx="1">
+        <a:scrgbClr r="0" g="0" b="0"/>
+      </a:fillRef>
+      <a:effectRef idx="0">
+        <a:scrgbClr r="0" g="0" b="0"/>
+      </a:effectRef>
+      <a:fontRef idx="minor">
+        <a:schemeClr val="lt1"/>
+      </a:fontRef>
+    </dgm:style>
+  </dgm:styleLbl>
+  <dgm:styleLbl name="parChTrans2D2">
+    <dgm:scene3d>
+      <a:camera prst="orthographicFront"/>
+      <a:lightRig rig="threePt" dir="t"/>
+    </dgm:scene3d>
+    <dgm:sp3d/>
+    <dgm:txPr/>
+    <dgm:style>
+      <a:lnRef idx="2">
+        <a:scrgbClr r="0" g="0" b="0"/>
+      </a:lnRef>
+      <a:fillRef idx="1">
+        <a:scrgbClr r="0" g="0" b="0"/>
+      </a:fillRef>
+      <a:effectRef idx="0">
+        <a:scrgbClr r="0" g="0" b="0"/>
+      </a:effectRef>
+      <a:fontRef idx="minor">
+        <a:schemeClr val="lt1"/>
+      </a:fontRef>
+    </dgm:style>
+  </dgm:styleLbl>
+  <dgm:styleLbl name="parChTrans2D3">
+    <dgm:scene3d>
+      <a:camera prst="orthographicFront"/>
+      <a:lightRig rig="threePt" dir="t"/>
+    </dgm:scene3d>
+    <dgm:sp3d/>
+    <dgm:txPr/>
+    <dgm:style>
+      <a:lnRef idx="2">
+        <a:scrgbClr r="0" g="0" b="0"/>
+      </a:lnRef>
+      <a:fillRef idx="1">
+        <a:scrgbClr r="0" g="0" b="0"/>
+      </a:fillRef>
+      <a:effectRef idx="0">
+        <a:scrgbClr r="0" g="0" b="0"/>
+      </a:effectRef>
+      <a:fontRef idx="minor">
+        <a:schemeClr val="lt1"/>
+      </a:fontRef>
+    </dgm:style>
+  </dgm:styleLbl>
+  <dgm:styleLbl name="parChTrans2D4">
+    <dgm:scene3d>
+      <a:camera prst="orthographicFront"/>
+      <a:lightRig rig="threePt" dir="t"/>
+    </dgm:scene3d>
+    <dgm:sp3d/>
+    <dgm:txPr/>
+    <dgm:style>
+      <a:lnRef idx="2">
+        <a:scrgbClr r="0" g="0" b="0"/>
+      </a:lnRef>
+      <a:fillRef idx="1">
+        <a:scrgbClr r="0" g="0" b="0"/>
+      </a:fillRef>
+      <a:effectRef idx="0">
+        <a:scrgbClr r="0" g="0" b="0"/>
+      </a:effectRef>
+      <a:fontRef idx="minor">
+        <a:schemeClr val="lt1"/>
+      </a:fontRef>
+    </dgm:style>
+  </dgm:styleLbl>
+  <dgm:styleLbl name="parChTrans1D1">
+    <dgm:scene3d>
+      <a:camera prst="orthographicFront"/>
+      <a:lightRig rig="threePt" dir="t"/>
+    </dgm:scene3d>
+    <dgm:sp3d/>
+    <dgm:txPr/>
+    <dgm:style>
+      <a:lnRef idx="2">
+        <a:scrgbClr r="0" g="0" b="0"/>
+      </a:lnRef>
+      <a:fillRef idx="0">
+        <a:scrgbClr r="0" g="0" b="0"/>
+      </a:fillRef>
+      <a:effectRef idx="0">
+        <a:scrgbClr r="0" g="0" b="0"/>
+      </a:effectRef>
+      <a:fontRef idx="minor"/>
+    </dgm:style>
+  </dgm:styleLbl>
+  <dgm:styleLbl name="parChTrans1D2">
+    <dgm:scene3d>
+      <a:camera prst="orthographicFront"/>
+      <a:lightRig rig="threePt" dir="t"/>
+    </dgm:scene3d>
+    <dgm:sp3d/>
+    <dgm:txPr/>
+    <dgm:style>
+      <a:lnRef idx="2">
+        <a:scrgbClr r="0" g="0" b="0"/>
+      </a:lnRef>
+      <a:fillRef idx="0">
+        <a:scrgbClr r="0" g="0" b="0"/>
+      </a:fillRef>
+      <a:effectRef idx="0">
+        <a:scrgbClr r="0" g="0" b="0"/>
+      </a:effectRef>
+      <a:fontRef idx="minor"/>
+    </dgm:style>
+  </dgm:styleLbl>
+  <dgm:styleLbl name="parChTrans1D3">
+    <dgm:scene3d>
+      <a:camera prst="orthographicFront"/>
+      <a:lightRig rig="threePt" dir="t"/>
+    </dgm:scene3d>
+    <dgm:sp3d/>
+    <dgm:txPr/>
+    <dgm:style>
+      <a:lnRef idx="2">
+        <a:scrgbClr r="0" g="0" b="0"/>
+      </a:lnRef>
+      <a:fillRef idx="0">
+        <a:scrgbClr r="0" g="0" b="0"/>
+      </a:fillRef>
+      <a:effectRef idx="0">
+        <a:scrgbClr r="0" g="0" b="0"/>
+      </a:effectRef>
+      <a:fontRef idx="minor"/>
+    </dgm:style>
+  </dgm:styleLbl>
+  <dgm:styleLbl name="parChTrans1D4">
+    <dgm:scene3d>
+      <a:camera prst="orthographicFront"/>
+      <a:lightRig rig="threePt" dir="t"/>
+    </dgm:scene3d>
+    <dgm:sp3d/>
+    <dgm:txPr/>
+    <dgm:style>
+      <a:lnRef idx="2">
+        <a:scrgbClr r="0" g="0" b="0"/>
+      </a:lnRef>
+      <a:fillRef idx="0">
+        <a:scrgbClr r="0" g="0" b="0"/>
+      </a:fillRef>
+      <a:effectRef idx="0">
+        <a:scrgbClr r="0" g="0" b="0"/>
+      </a:effectRef>
+      <a:fontRef idx="minor"/>
+    </dgm:style>
+  </dgm:styleLbl>
+  <dgm:styleLbl name="fgAcc1">
+    <dgm:scene3d>
+      <a:camera prst="orthographicFront"/>
+      <a:lightRig rig="threePt" dir="t"/>
+    </dgm:scene3d>
+    <dgm:sp3d/>
+    <dgm:txPr/>
+    <dgm:style>
+      <a:lnRef idx="2">
+        <a:scrgbClr r="0" g="0" b="0"/>
+      </a:lnRef>
+      <a:fillRef idx="1">
+        <a:scrgbClr r="0" g="0" b="0"/>
+      </a:fillRef>
+      <a:effectRef idx="0">
+        <a:scrgbClr r="0" g="0" b="0"/>
+      </a:effectRef>
+      <a:fontRef idx="minor"/>
+    </dgm:style>
+  </dgm:styleLbl>
+  <dgm:styleLbl name="conFgAcc1">
+    <dgm:scene3d>
+      <a:camera prst="orthographicFront"/>
+      <a:lightRig rig="threePt" dir="t"/>
+    </dgm:scene3d>
+    <dgm:sp3d/>
+    <dgm:txPr/>
+    <dgm:style>
+      <a:lnRef idx="2">
+        <a:scrgbClr r="0" g="0" b="0"/>
+      </a:lnRef>
+      <a:fillRef idx="1">
+        <a:scrgbClr r="0" g="0" b="0"/>
+      </a:fillRef>
+      <a:effectRef idx="0">
+        <a:scrgbClr r="0" g="0" b="0"/>
+      </a:effectRef>
+      <a:fontRef idx="minor"/>
+    </dgm:style>
+  </dgm:styleLbl>
+  <dgm:styleLbl name="alignAcc1">
+    <dgm:scene3d>
+      <a:camera prst="orthographicFront"/>
+      <a:lightRig rig="threePt" dir="t"/>
+    </dgm:scene3d>
+    <dgm:sp3d/>
+    <dgm:txPr/>
+    <dgm:style>
+      <a:lnRef idx="2">
+        <a:scrgbClr r="0" g="0" b="0"/>
+      </a:lnRef>
+      <a:fillRef idx="1">
+        <a:scrgbClr r="0" g="0" b="0"/>
+      </a:fillRef>
+      <a:effectRef idx="0">
+        <a:scrgbClr r="0" g="0" b="0"/>
+      </a:effectRef>
+      <a:fontRef idx="minor"/>
+    </dgm:style>
+  </dgm:styleLbl>
+  <dgm:styleLbl name="trAlignAcc1">
+    <dgm:scene3d>
+      <a:camera prst="orthographicFront"/>
+      <a:lightRig rig="threePt" dir="t"/>
+    </dgm:scene3d>
+    <dgm:sp3d/>
+    <dgm:txPr/>
+    <dgm:style>
+      <a:lnRef idx="1">
+        <a:scrgbClr r="0" g="0" b="0"/>
+      </a:lnRef>
+      <a:fillRef idx="1">
+        <a:scrgbClr r="0" g="0" b="0"/>
+      </a:fillRef>
+      <a:effectRef idx="0">
+        <a:scrgbClr r="0" g="0" b="0"/>
+      </a:effectRef>
+      <a:fontRef idx="minor"/>
+    </dgm:style>
+  </dgm:styleLbl>
+  <dgm:styleLbl name="bgAcc1">
+    <dgm:scene3d>
+      <a:camera prst="orthographicFront"/>
+      <a:lightRig rig="threePt" dir="t"/>
+    </dgm:scene3d>
+    <dgm:sp3d/>
+    <dgm:txPr/>
+    <dgm:style>
+      <a:lnRef idx="2">
+        <a:scrgbClr r="0" g="0" b="0"/>
+      </a:lnRef>
+      <a:fillRef idx="1">
+        <a:scrgbClr r="0" g="0" b="0"/>
+      </a:fillRef>
+      <a:effectRef idx="0">
+        <a:scrgbClr r="0" g="0" b="0"/>
+      </a:effectRef>
+      <a:fontRef idx="minor"/>
+    </dgm:style>
+  </dgm:styleLbl>
+  <dgm:styleLbl name="solidFgAcc1">
+    <dgm:scene3d>
+      <a:camera prst="orthographicFront"/>
+      <a:lightRig rig="threePt" dir="t"/>
+    </dgm:scene3d>
+    <dgm:sp3d/>
+    <dgm:txPr/>
+    <dgm:style>
+      <a:lnRef idx="2">
+        <a:scrgbClr r="0" g="0" b="0"/>
+      </a:lnRef>
+      <a:fillRef idx="1">
+        <a:scrgbClr r="0" g="0" b="0"/>
+      </a:fillRef>
+      <a:effectRef idx="0">
+        <a:scrgbClr r="0" g="0" b="0"/>
+      </a:effectRef>
+      <a:fontRef idx="minor"/>
+    </dgm:style>
+  </dgm:styleLbl>
+  <dgm:styleLbl name="solidAlignAcc1">
+    <dgm:scene3d>
+      <a:camera prst="orthographicFront"/>
+      <a:lightRig rig="threePt" dir="t"/>
+    </dgm:scene3d>
+    <dgm:sp3d/>
+    <dgm:txPr/>
+    <dgm:style>
+      <a:lnRef idx="2">
+        <a:scrgbClr r="0" g="0" b="0"/>
+      </a:lnRef>
+      <a:fillRef idx="1">
+        <a:scrgbClr r="0" g="0" b="0"/>
+      </a:fillRef>
+      <a:effectRef idx="0">
+        <a:scrgbClr r="0" g="0" b="0"/>
+      </a:effectRef>
+      <a:fontRef idx="minor"/>
+    </dgm:style>
+  </dgm:styleLbl>
+  <dgm:styleLbl name="solidBgAcc1">
+    <dgm:scene3d>
+      <a:camera prst="orthographicFront"/>
+      <a:lightRig rig="threePt" dir="t"/>
+    </dgm:scene3d>
+    <dgm:sp3d/>
+    <dgm:txPr/>
+    <dgm:style>
+      <a:lnRef idx="2">
+        <a:scrgbClr r="0" g="0" b="0"/>
+      </a:lnRef>
+      <a:fillRef idx="1">
+        <a:scrgbClr r="0" g="0" b="0"/>
+      </a:fillRef>
+      <a:effectRef idx="0">
+        <a:scrgbClr r="0" g="0" b="0"/>
+      </a:effectRef>
+      <a:fontRef idx="minor"/>
+    </dgm:style>
+  </dgm:styleLbl>
+  <dgm:styleLbl name="fgAccFollowNode1">
+    <dgm:scene3d>
+      <a:camera prst="orthographicFront"/>
+      <a:lightRig rig="threePt" dir="t"/>
+    </dgm:scene3d>
+    <dgm:sp3d/>
+    <dgm:txPr/>
+    <dgm:style>
+      <a:lnRef idx="2">
+        <a:scrgbClr r="0" g="0" b="0"/>
+      </a:lnRef>
+      <a:fillRef idx="1">
+        <a:scrgbClr r="0" g="0" b="0"/>
+      </a:fillRef>
+      <a:effectRef idx="0">
+        <a:scrgbClr r="0" g="0" b="0"/>
+      </a:effectRef>
+      <a:fontRef idx="minor"/>
+    </dgm:style>
+  </dgm:styleLbl>
+  <dgm:styleLbl name="alignAccFollowNode1">
+    <dgm:scene3d>
+      <a:camera prst="orthographicFront"/>
+      <a:lightRig rig="threePt" dir="t"/>
+    </dgm:scene3d>
+    <dgm:sp3d/>
+    <dgm:txPr/>
+    <dgm:style>
+      <a:lnRef idx="2">
+        <a:scrgbClr r="0" g="0" b="0"/>
+      </a:lnRef>
+      <a:fillRef idx="1">
+        <a:scrgbClr r="0" g="0" b="0"/>
+      </a:fillRef>
+      <a:effectRef idx="0">
+        <a:scrgbClr r="0" g="0" b="0"/>
+      </a:effectRef>
+      <a:fontRef idx="minor"/>
+    </dgm:style>
+  </dgm:styleLbl>
+  <dgm:styleLbl name="bgAccFollowNode1">
+    <dgm:scene3d>
+      <a:camera prst="orthographicFront"/>
+      <a:lightRig rig="threePt" dir="t"/>
+    </dgm:scene3d>
+    <dgm:sp3d/>
+    <dgm:txPr/>
+    <dgm:style>
+      <a:lnRef idx="2">
+        <a:scrgbClr r="0" g="0" b="0"/>
+      </a:lnRef>
+      <a:fillRef idx="1">
+        <a:scrgbClr r="0" g="0" b="0"/>
+      </a:fillRef>
+      <a:effectRef idx="0">
+        <a:scrgbClr r="0" g="0" b="0"/>
+      </a:effectRef>
+      <a:fontRef idx="minor"/>
+    </dgm:style>
+  </dgm:styleLbl>
+  <dgm:styleLbl name="fgAcc0">
+    <dgm:scene3d>
+      <a:camera prst="orthographicFront"/>
+      <a:lightRig rig="threePt" dir="t"/>
+    </dgm:scene3d>
+    <dgm:sp3d/>
+    <dgm:txPr/>
+    <dgm:style>
+      <a:lnRef idx="2">
+        <a:scrgbClr r="0" g="0" b="0"/>
+      </a:lnRef>
+      <a:fillRef idx="1">
+        <a:scrgbClr r="0" g="0" b="0"/>
+      </a:fillRef>
+      <a:effectRef idx="0">
+        <a:scrgbClr r="0" g="0" b="0"/>
+      </a:effectRef>
+      <a:fontRef idx="minor"/>
+    </dgm:style>
+  </dgm:styleLbl>
+  <dgm:styleLbl name="fgAcc2">
+    <dgm:scene3d>
+      <a:camera prst="orthographicFront"/>
+      <a:lightRig rig="threePt" dir="t"/>
+    </dgm:scene3d>
+    <dgm:sp3d/>
+    <dgm:txPr/>
+    <dgm:style>
+      <a:lnRef idx="2">
+        <a:scrgbClr r="0" g="0" b="0"/>
+      </a:lnRef>
+      <a:fillRef idx="1">
+        <a:scrgbClr r="0" g="0" b="0"/>
+      </a:fillRef>
+      <a:effectRef idx="0">
+        <a:scrgbClr r="0" g="0" b="0"/>
+      </a:effectRef>
+      <a:fontRef idx="minor"/>
+    </dgm:style>
+  </dgm:styleLbl>
+  <dgm:styleLbl name="fgAcc3">
+    <dgm:scene3d>
+      <a:camera prst="orthographicFront"/>
+      <a:lightRig rig="threePt" dir="t"/>
+    </dgm:scene3d>
+    <dgm:sp3d/>
+    <dgm:txPr/>
+    <dgm:style>
+      <a:lnRef idx="2">
+        <a:scrgbClr r="0" g="0" b="0"/>
+      </a:lnRef>
+      <a:fillRef idx="1">
+        <a:scrgbClr r="0" g="0" b="0"/>
+      </a:fillRef>
+      <a:effectRef idx="0">
+        <a:scrgbClr r="0" g="0" b="0"/>
+      </a:effectRef>
+      <a:fontRef idx="minor"/>
+    </dgm:style>
+  </dgm:styleLbl>
+  <dgm:styleLbl name="fgAcc4">
+    <dgm:scene3d>
+      <a:camera prst="orthographicFront"/>
+      <a:lightRig rig="threePt" dir="t"/>
+    </dgm:scene3d>
+    <dgm:sp3d/>
+    <dgm:txPr/>
+    <dgm:style>
+      <a:lnRef idx="2">
+        <a:scrgbClr r="0" g="0" b="0"/>
+      </a:lnRef>
+      <a:fillRef idx="1">
+        <a:scrgbClr r="0" g="0" b="0"/>
+      </a:fillRef>
+      <a:effectRef idx="0">
+        <a:scrgbClr r="0" g="0" b="0"/>
+      </a:effectRef>
+      <a:fontRef idx="minor"/>
+    </dgm:style>
+  </dgm:styleLbl>
+  <dgm:styleLbl name="bgShp">
+    <dgm:scene3d>
+      <a:camera prst="orthographicFront"/>
+      <a:lightRig rig="threePt" dir="t"/>
+    </dgm:scene3d>
+    <dgm:sp3d/>
+    <dgm:txPr/>
+    <dgm:style>
+      <a:lnRef idx="0">
+        <a:scrgbClr r="0" g="0" b="0"/>
+      </a:lnRef>
+      <a:fillRef idx="1">
+        <a:scrgbClr r="0" g="0" b="0"/>
+      </a:fillRef>
+      <a:effectRef idx="0">
+        <a:scrgbClr r="0" g="0" b="0"/>
+      </a:effectRef>
+      <a:fontRef idx="minor"/>
+    </dgm:style>
+  </dgm:styleLbl>
+  <dgm:styleLbl name="dkBgShp">
+    <dgm:scene3d>
+      <a:camera prst="orthographicFront"/>
+      <a:lightRig rig="threePt" dir="t"/>
+    </dgm:scene3d>
+    <dgm:sp3d/>
+    <dgm:txPr/>
+    <dgm:style>
+      <a:lnRef idx="0">
+        <a:scrgbClr r="0" g="0" b="0"/>
+      </a:lnRef>
+      <a:fillRef idx="1">
+        <a:scrgbClr r="0" g="0" b="0"/>
+      </a:fillRef>
+      <a:effectRef idx="0">
+        <a:scrgbClr r="0" g="0" b="0"/>
+      </a:effectRef>
+      <a:fontRef idx="minor"/>
+    </dgm:style>
+  </dgm:styleLbl>
+  <dgm:styleLbl name="trBgShp">
+    <dgm:scene3d>
+      <a:camera prst="orthographicFront"/>
+      <a:lightRig rig="threePt" dir="t"/>
+    </dgm:scene3d>
+    <dgm:sp3d/>
+    <dgm:txPr/>
+    <dgm:style>
+      <a:lnRef idx="0">
+        <a:scrgbClr r="0" g="0" b="0"/>
+      </a:lnRef>
+      <a:fillRef idx="1">
+        <a:scrgbClr r="0" g="0" b="0"/>
+      </a:fillRef>
+      <a:effectRef idx="0">
+        <a:scrgbClr r="0" g="0" b="0"/>
+      </a:effectRef>
+      <a:fontRef idx="minor"/>
+    </dgm:style>
+  </dgm:styleLbl>
+  <dgm:styleLbl name="fgShp">
+    <dgm:scene3d>
+      <a:camera prst="orthographicFront"/>
+      <a:lightRig rig="threePt" dir="t"/>
+    </dgm:scene3d>
+    <dgm:sp3d/>
+    <dgm:txPr/>
+    <dgm:style>
+      <a:lnRef idx="2">
+        <a:scrgbClr r="0" g="0" b="0"/>
+      </a:lnRef>
+      <a:fillRef idx="1">
+        <a:scrgbClr r="0" g="0" b="0"/>
+      </a:fillRef>
+      <a:effectRef idx="0">
+        <a:scrgbClr r="0" g="0" b="0"/>
+      </a:effectRef>
+      <a:fontRef idx="minor"/>
+    </dgm:style>
+  </dgm:styleLbl>
+  <dgm:styleLbl name="revTx">
+    <dgm:scene3d>
+      <a:camera prst="orthographicFront"/>
+      <a:lightRig rig="threePt" dir="t"/>
+    </dgm:scene3d>
+    <dgm:sp3d/>
+    <dgm:txPr/>
+    <dgm:style>
+      <a:lnRef idx="0">
+        <a:scrgbClr r="0" g="0" b="0"/>
+      </a:lnRef>
+      <a:fillRef idx="0">
+        <a:scrgbClr r="0" g="0" b="0"/>
+      </a:fillRef>
+      <a:effectRef idx="0">
+        <a:scrgbClr r="0" g="0" b="0"/>
+      </a:effectRef>
+      <a:fontRef idx="minor"/>
+    </dgm:style>
+  </dgm:styleLbl>
+</dgm:styleDef>
 </file>
 
 <file path=ppt/notesMasters/notesMaster1.xml><?xml version="1.0" encoding="utf-8"?>
@@ -9092,25 +11569,6 @@
       </p:sp>
       <p:sp>
         <p:nvSpPr>
-          <p:cNvPr id="3" name="Espace réservé du contenu 2"/>
-          <p:cNvSpPr>
-            <a:spLocks noGrp="1"/>
-          </p:cNvSpPr>
-          <p:nvPr>
-            <p:ph idx="1"/>
-          </p:nvPr>
-        </p:nvSpPr>
-        <p:spPr/>
-        <p:txBody>
-          <a:bodyPr/>
-          <a:lstStyle/>
-          <a:p>
-            <a:endParaRPr lang="en-US"/>
-          </a:p>
-        </p:txBody>
-      </p:sp>
-      <p:sp>
-        <p:nvSpPr>
           <p:cNvPr id="4" name="Espace réservé du numéro de diapositive 3"/>
           <p:cNvSpPr>
             <a:spLocks noGrp="1"/>
@@ -9132,6 +11590,28 @@
           </a:p>
         </p:txBody>
       </p:sp>
+      <p:graphicFrame>
+        <p:nvGraphicFramePr>
+          <p:cNvPr id="3" name="Diagramme 2"/>
+          <p:cNvGraphicFramePr/>
+          <p:nvPr>
+            <p:extLst>
+              <p:ext uri="{D42A27DB-BD31-4B8C-83A1-F6EECF244321}">
+                <p14:modId xmlns:p14="http://schemas.microsoft.com/office/powerpoint/2010/main" val="360776855"/>
+              </p:ext>
+            </p:extLst>
+          </p:nvPr>
+        </p:nvGraphicFramePr>
+        <p:xfrm>
+          <a:off x="1423251" y="1439333"/>
+          <a:ext cx="8128000" cy="5418667"/>
+        </p:xfrm>
+        <a:graphic>
+          <a:graphicData uri="http://schemas.openxmlformats.org/drawingml/2006/diagram">
+            <dgm:relIds xmlns:dgm="http://schemas.openxmlformats.org/drawingml/2006/diagram" xmlns:r="http://schemas.openxmlformats.org/officeDocument/2006/relationships" r:dm="rId2" r:lo="rId3" r:qs="rId4" r:cs="rId5"/>
+          </a:graphicData>
+        </a:graphic>
+      </p:graphicFrame>
     </p:spTree>
     <p:extLst>
       <p:ext uri="{BB962C8B-B14F-4D97-AF65-F5344CB8AC3E}">
@@ -9186,25 +11666,6 @@
       </p:sp>
       <p:sp>
         <p:nvSpPr>
-          <p:cNvPr id="3" name="Espace réservé du contenu 2"/>
-          <p:cNvSpPr>
-            <a:spLocks noGrp="1"/>
-          </p:cNvSpPr>
-          <p:nvPr>
-            <p:ph idx="1"/>
-          </p:nvPr>
-        </p:nvSpPr>
-        <p:spPr/>
-        <p:txBody>
-          <a:bodyPr/>
-          <a:lstStyle/>
-          <a:p>
-            <a:endParaRPr lang="fr-FR"/>
-          </a:p>
-        </p:txBody>
-      </p:sp>
-      <p:sp>
-        <p:nvSpPr>
           <p:cNvPr id="4" name="Espace réservé du numéro de diapositive 3"/>
           <p:cNvSpPr>
             <a:spLocks noGrp="1"/>
@@ -9329,7 +11790,7 @@
             </a:pPr>
             <a:r>
               <a:rPr lang="fr-FR" dirty="0"/>
-              <a:t>Implantation</a:t>
+              <a:t>Implémentation</a:t>
             </a:r>
           </a:p>
           <a:p>
@@ -9451,25 +11912,6 @@
       </p:sp>
       <p:sp>
         <p:nvSpPr>
-          <p:cNvPr id="3" name="Espace réservé du contenu 2"/>
-          <p:cNvSpPr>
-            <a:spLocks noGrp="1"/>
-          </p:cNvSpPr>
-          <p:nvPr>
-            <p:ph idx="1"/>
-          </p:nvPr>
-        </p:nvSpPr>
-        <p:spPr/>
-        <p:txBody>
-          <a:bodyPr/>
-          <a:lstStyle/>
-          <a:p>
-            <a:endParaRPr lang="fr-FR" dirty="0"/>
-          </a:p>
-        </p:txBody>
-      </p:sp>
-      <p:sp>
-        <p:nvSpPr>
           <p:cNvPr id="5" name="Espace réservé du numéro de diapositive 4"/>
           <p:cNvSpPr>
             <a:spLocks noGrp="1"/>
@@ -9491,6 +11933,30 @@
           </a:p>
         </p:txBody>
       </p:sp>
+      <p:pic>
+        <p:nvPicPr>
+          <p:cNvPr id="4" name="Image 3"/>
+          <p:cNvPicPr>
+            <a:picLocks noChangeAspect="1"/>
+          </p:cNvPicPr>
+          <p:nvPr/>
+        </p:nvPicPr>
+        <p:blipFill>
+          <a:blip r:embed="rId3"/>
+          <a:stretch>
+            <a:fillRect/>
+          </a:stretch>
+        </p:blipFill>
+        <p:spPr>
+          <a:xfrm>
+            <a:off x="1802580" y="2273592"/>
+            <a:ext cx="7369342" cy="4145255"/>
+          </a:xfrm>
+          <a:prstGeom prst="rect">
+            <a:avLst/>
+          </a:prstGeom>
+        </p:spPr>
+      </p:pic>
     </p:spTree>
     <p:extLst>
       <p:ext uri="{BB962C8B-B14F-4D97-AF65-F5344CB8AC3E}">
@@ -9598,25 +12064,6 @@
               <a:t>4</a:t>
             </a:fld>
             <a:endParaRPr lang="en-US" dirty="0"/>
-          </a:p>
-        </p:txBody>
-      </p:sp>
-      <p:sp>
-        <p:nvSpPr>
-          <p:cNvPr id="6" name="Espace réservé du contenu 5"/>
-          <p:cNvSpPr>
-            <a:spLocks noGrp="1"/>
-          </p:cNvSpPr>
-          <p:nvPr>
-            <p:ph idx="1"/>
-          </p:nvPr>
-        </p:nvSpPr>
-        <p:spPr/>
-        <p:txBody>
-          <a:bodyPr/>
-          <a:lstStyle/>
-          <a:p>
-            <a:endParaRPr lang="en-US"/>
           </a:p>
         </p:txBody>
       </p:sp>
@@ -14012,9 +16459,10 @@
           <a:lstStyle/>
           <a:p>
             <a:r>
-              <a:rPr lang="en-US" dirty="0"/>
-              <a:t>Implantation</a:t>
-            </a:r>
+              <a:rPr lang="fr-FR" dirty="0"/>
+              <a:t>Implémentation</a:t>
+            </a:r>
+            <a:endParaRPr lang="en-US" dirty="0"/>
           </a:p>
         </p:txBody>
       </p:sp>
@@ -14194,9 +16642,10 @@
           <a:lstStyle/>
           <a:p>
             <a:r>
-              <a:rPr lang="en-US" dirty="0"/>
-              <a:t>Implantation</a:t>
-            </a:r>
+              <a:rPr lang="fr-FR" dirty="0"/>
+              <a:t>Implémentation</a:t>
+            </a:r>
+            <a:endParaRPr lang="en-US" dirty="0"/>
           </a:p>
         </p:txBody>
       </p:sp>
@@ -14392,9 +16841,10 @@
           <a:lstStyle/>
           <a:p>
             <a:r>
-              <a:rPr lang="en-US" dirty="0"/>
-              <a:t>Implantation</a:t>
-            </a:r>
+              <a:rPr lang="fr-FR" dirty="0"/>
+              <a:t>Implémentation</a:t>
+            </a:r>
+            <a:endParaRPr lang="en-US" dirty="0"/>
           </a:p>
         </p:txBody>
       </p:sp>
@@ -14593,25 +17043,6 @@
               <a:rPr lang="fr-FR" dirty="0"/>
               <a:t>III) Projet</a:t>
             </a:r>
-          </a:p>
-        </p:txBody>
-      </p:sp>
-      <p:sp>
-        <p:nvSpPr>
-          <p:cNvPr id="3" name="Espace réservé du contenu 2"/>
-          <p:cNvSpPr>
-            <a:spLocks noGrp="1"/>
-          </p:cNvSpPr>
-          <p:nvPr>
-            <p:ph idx="1"/>
-          </p:nvPr>
-        </p:nvSpPr>
-        <p:spPr/>
-        <p:txBody>
-          <a:bodyPr/>
-          <a:lstStyle/>
-          <a:p>
-            <a:endParaRPr lang="fr-FR"/>
           </a:p>
         </p:txBody>
       </p:sp>

--- a/Intelligence Artificielle.pptx
+++ b/Intelligence Artificielle.pptx
@@ -1004,6 +1004,13 @@
         </dgm:presLayoutVars>
       </dgm:prSet>
       <dgm:spPr/>
+      <dgm:t>
+        <a:bodyPr/>
+        <a:lstStyle/>
+        <a:p>
+          <a:endParaRPr lang="fr-FR"/>
+        </a:p>
+      </dgm:t>
     </dgm:pt>
     <dgm:pt modelId="{07949768-1DC7-43D6-B334-2DF65F22D57A}" type="pres">
       <dgm:prSet presAssocID="{FE00F2FC-C297-4315-96C8-5152028B285E}" presName="parSpace" presStyleCnt="0"/>
@@ -1016,6 +1023,13 @@
         </dgm:presLayoutVars>
       </dgm:prSet>
       <dgm:spPr/>
+      <dgm:t>
+        <a:bodyPr/>
+        <a:lstStyle/>
+        <a:p>
+          <a:endParaRPr lang="fr-FR"/>
+        </a:p>
+      </dgm:t>
     </dgm:pt>
     <dgm:pt modelId="{D8FB8FC3-2DF8-4D8E-A14C-D7A6950836B7}" type="pres">
       <dgm:prSet presAssocID="{39D5D81A-8277-4802-9CF8-2FEA181E48E0}" presName="parSpace" presStyleCnt="0"/>
@@ -1028,6 +1042,13 @@
         </dgm:presLayoutVars>
       </dgm:prSet>
       <dgm:spPr/>
+      <dgm:t>
+        <a:bodyPr/>
+        <a:lstStyle/>
+        <a:p>
+          <a:endParaRPr lang="fr-FR"/>
+        </a:p>
+      </dgm:t>
     </dgm:pt>
   </dgm:ptLst>
   <dgm:cxnLst>
@@ -1116,7 +1137,7 @@
         </a:bodyPr>
         <a:lstStyle/>
         <a:p>
-          <a:pPr marL="0" lvl="0" indent="0" algn="ctr" defTabSz="844550">
+          <a:pPr lvl="0" algn="ctr" defTabSz="844550">
             <a:lnSpc>
               <a:spcPct val="90000"/>
             </a:lnSpc>
@@ -1126,7 +1147,6 @@
             <a:spcAft>
               <a:spcPct val="35000"/>
             </a:spcAft>
-            <a:buNone/>
           </a:pPr>
           <a:r>
             <a:rPr lang="fr-FR" sz="1900" kern="1200" dirty="0"/>
@@ -1193,7 +1213,7 @@
         </a:bodyPr>
         <a:lstStyle/>
         <a:p>
-          <a:pPr marL="0" lvl="0" indent="0" algn="ctr" defTabSz="844550">
+          <a:pPr lvl="0" algn="ctr" defTabSz="844550">
             <a:lnSpc>
               <a:spcPct val="90000"/>
             </a:lnSpc>
@@ -1203,7 +1223,6 @@
             <a:spcAft>
               <a:spcPct val="35000"/>
             </a:spcAft>
-            <a:buNone/>
           </a:pPr>
           <a:r>
             <a:rPr lang="fr-FR" sz="1900" kern="1200" dirty="0"/>
@@ -1270,7 +1289,7 @@
         </a:bodyPr>
         <a:lstStyle/>
         <a:p>
-          <a:pPr marL="0" lvl="0" indent="0" algn="ctr" defTabSz="844550">
+          <a:pPr lvl="0" algn="ctr" defTabSz="844550">
             <a:lnSpc>
               <a:spcPct val="90000"/>
             </a:lnSpc>
@@ -1280,7 +1299,6 @@
             <a:spcAft>
               <a:spcPct val="35000"/>
             </a:spcAft>
-            <a:buNone/>
           </a:pPr>
           <a:r>
             <a:rPr lang="fr-FR" sz="1900" kern="1200" dirty="0"/>
@@ -2685,7 +2703,7 @@
           <a:p>
             <a:fld id="{33FAC050-3BDB-4AA1-957B-CED8F43E247A}" type="datetimeFigureOut">
               <a:rPr lang="fr-FR" smtClean="0"/>
-              <a:t>14/12/2016</a:t>
+              <a:t>15/12/2016</a:t>
             </a:fld>
             <a:endParaRPr lang="fr-FR"/>
           </a:p>
@@ -3730,7 +3748,7 @@
           <a:p>
             <a:fld id="{D9ACA6F4-D998-4025-BF16-D4ECB040E119}" type="datetime1">
               <a:rPr lang="en-US" smtClean="0"/>
-              <a:t>12/14/2016</a:t>
+              <a:t>12/15/2016</a:t>
             </a:fld>
             <a:endParaRPr lang="en-US" dirty="0"/>
           </a:p>
@@ -4145,7 +4163,7 @@
           <a:p>
             <a:fld id="{DBBF6A4A-C704-41B6-B861-3D848C46FEAB}" type="datetime1">
               <a:rPr lang="en-US" smtClean="0"/>
-              <a:t>12/14/2016</a:t>
+              <a:t>12/15/2016</a:t>
             </a:fld>
             <a:endParaRPr lang="en-US" dirty="0"/>
           </a:p>
@@ -4482,7 +4500,7 @@
           <a:p>
             <a:fld id="{658B1E01-F72B-4390-AC5A-9A783727B80B}" type="datetime1">
               <a:rPr lang="en-US" smtClean="0"/>
-              <a:t>12/14/2016</a:t>
+              <a:t>12/15/2016</a:t>
             </a:fld>
             <a:endParaRPr lang="en-US" dirty="0"/>
           </a:p>
@@ -4888,7 +4906,7 @@
           <a:p>
             <a:fld id="{FB7A1B12-8096-4890-8C93-79AB6C39671B}" type="datetime1">
               <a:rPr lang="en-US" smtClean="0"/>
-              <a:t>12/14/2016</a:t>
+              <a:t>12/15/2016</a:t>
             </a:fld>
             <a:endParaRPr lang="en-US" dirty="0"/>
           </a:p>
@@ -5457,7 +5475,7 @@
           <a:p>
             <a:fld id="{0383199F-0B2E-4743-8F28-883D136A751F}" type="datetime1">
               <a:rPr lang="en-US" smtClean="0"/>
-              <a:t>12/14/2016</a:t>
+              <a:t>12/15/2016</a:t>
             </a:fld>
             <a:endParaRPr lang="en-US" dirty="0"/>
           </a:p>
@@ -6139,7 +6157,7 @@
           <a:p>
             <a:fld id="{60E3D373-FDC1-4369-AD71-C38C13745779}" type="datetime1">
               <a:rPr lang="en-US" smtClean="0"/>
-              <a:t>12/14/2016</a:t>
+              <a:t>12/15/2016</a:t>
             </a:fld>
             <a:endParaRPr lang="en-US" dirty="0"/>
           </a:p>
@@ -7053,7 +7071,7 @@
           <a:p>
             <a:fld id="{0DC6BDB9-BEAA-4A85-BD53-DA57B32B72E3}" type="datetime1">
               <a:rPr lang="en-US" smtClean="0"/>
-              <a:t>12/14/2016</a:t>
+              <a:t>12/15/2016</a:t>
             </a:fld>
             <a:endParaRPr lang="en-US" dirty="0"/>
           </a:p>
@@ -7367,7 +7385,7 @@
           <a:p>
             <a:fld id="{8F468D71-02C3-4961-932D-F6B39F8723F8}" type="datetime1">
               <a:rPr lang="en-US" smtClean="0"/>
-              <a:t>12/14/2016</a:t>
+              <a:t>12/15/2016</a:t>
             </a:fld>
             <a:endParaRPr lang="en-US" dirty="0"/>
           </a:p>
@@ -7631,7 +7649,7 @@
           <a:p>
             <a:fld id="{7198E5F4-9137-4D4A-AE94-AE4EB90AD168}" type="datetime1">
               <a:rPr lang="en-US" smtClean="0"/>
-              <a:t>12/14/2016</a:t>
+              <a:t>12/15/2016</a:t>
             </a:fld>
             <a:endParaRPr lang="en-US" dirty="0"/>
           </a:p>
@@ -7954,7 +7972,7 @@
           <a:p>
             <a:fld id="{567B994B-AF31-4F35-AB66-7AABC0E52F19}" type="datetime1">
               <a:rPr lang="en-US" smtClean="0"/>
-              <a:t>12/14/2016</a:t>
+              <a:t>12/15/2016</a:t>
             </a:fld>
             <a:endParaRPr lang="en-US" dirty="0"/>
           </a:p>
@@ -8343,7 +8361,7 @@
           <a:p>
             <a:fld id="{FFA01BCF-22CC-4632-8B36-9776D938308B}" type="datetime1">
               <a:rPr lang="en-US" smtClean="0"/>
-              <a:t>12/14/2016</a:t>
+              <a:t>12/15/2016</a:t>
             </a:fld>
             <a:endParaRPr lang="en-US" dirty="0"/>
           </a:p>
@@ -8720,7 +8738,7 @@
           <a:p>
             <a:fld id="{CAAD2410-185C-4D90-B06A-EEB6E1C7E043}" type="datetime1">
               <a:rPr lang="en-US" smtClean="0"/>
-              <a:t>12/14/2016</a:t>
+              <a:t>12/15/2016</a:t>
             </a:fld>
             <a:endParaRPr lang="en-US" dirty="0"/>
           </a:p>
@@ -9226,7 +9244,7 @@
           <a:p>
             <a:fld id="{625CEEE4-88CD-4A51-860B-218FA53FEE8C}" type="datetime1">
               <a:rPr lang="en-US" smtClean="0"/>
-              <a:t>12/14/2016</a:t>
+              <a:t>12/15/2016</a:t>
             </a:fld>
             <a:endParaRPr lang="en-US" dirty="0"/>
           </a:p>
@@ -9483,7 +9501,7 @@
           <a:p>
             <a:fld id="{82F26F3D-F565-4BB6-8318-6F91F9823D0C}" type="datetime1">
               <a:rPr lang="en-US" smtClean="0"/>
-              <a:t>12/14/2016</a:t>
+              <a:t>12/15/2016</a:t>
             </a:fld>
             <a:endParaRPr lang="en-US" dirty="0"/>
           </a:p>
@@ -9646,7 +9664,7 @@
           <a:p>
             <a:fld id="{5370B46F-DA69-477D-BB02-CECB73810AC8}" type="datetime1">
               <a:rPr lang="en-US" smtClean="0"/>
-              <a:t>12/14/2016</a:t>
+              <a:t>12/15/2016</a:t>
             </a:fld>
             <a:endParaRPr lang="en-US" dirty="0"/>
           </a:p>
@@ -10036,7 +10054,7 @@
           <a:p>
             <a:fld id="{D169BAF1-2848-47B2-BB67-BD3D7AC38A98}" type="datetime1">
               <a:rPr lang="en-US" smtClean="0"/>
-              <a:t>12/14/2016</a:t>
+              <a:t>12/15/2016</a:t>
             </a:fld>
             <a:endParaRPr lang="en-US" dirty="0"/>
           </a:p>
@@ -10446,7 +10464,7 @@
           <a:p>
             <a:fld id="{4BB6DE48-F79F-4161-A3B9-58644F99E052}" type="datetime1">
               <a:rPr lang="en-US" smtClean="0"/>
-              <a:t>12/14/2016</a:t>
+              <a:t>12/15/2016</a:t>
             </a:fld>
             <a:endParaRPr lang="en-US" dirty="0"/>
           </a:p>
@@ -10691,7 +10709,7 @@
           <a:p>
             <a:fld id="{BCB17C97-FDD0-4624-A78E-29F1042236F0}" type="datetime1">
               <a:rPr lang="en-US" smtClean="0"/>
-              <a:t>12/14/2016</a:t>
+              <a:t>12/15/2016</a:t>
             </a:fld>
             <a:endParaRPr lang="en-US" dirty="0"/>
           </a:p>
@@ -11245,6 +11263,13 @@
   <p:clrMapOvr>
     <a:masterClrMapping/>
   </p:clrMapOvr>
+  <p:timing>
+    <p:tnLst>
+      <p:par>
+        <p:cTn id="1" dur="indefinite" restart="never" nodeType="tmRoot"/>
+      </p:par>
+    </p:tnLst>
+  </p:timing>
 </p:sld>
 </file>
 
@@ -11524,6 +11549,13 @@
   <p:clrMapOvr>
     <a:masterClrMapping/>
   </p:clrMapOvr>
+  <p:timing>
+    <p:tnLst>
+      <p:par>
+        <p:cTn id="1" dur="indefinite" restart="never" nodeType="tmRoot"/>
+      </p:par>
+    </p:tnLst>
+  </p:timing>
 </p:sld>
 </file>
 
@@ -11622,6 +11654,13 @@
   <p:clrMapOvr>
     <a:masterClrMapping/>
   </p:clrMapOvr>
+  <p:timing>
+    <p:tnLst>
+      <p:par>
+        <p:cTn id="1" dur="indefinite" restart="never" nodeType="tmRoot"/>
+      </p:par>
+    </p:tnLst>
+  </p:timing>
 </p:sld>
 </file>
 
@@ -11697,6 +11736,13 @@
   <p:clrMapOvr>
     <a:masterClrMapping/>
   </p:clrMapOvr>
+  <p:timing>
+    <p:tnLst>
+      <p:par>
+        <p:cTn id="1" dur="indefinite" restart="never" nodeType="tmRoot"/>
+      </p:par>
+    </p:tnLst>
+  </p:timing>
 </p:sld>
 </file>
 
@@ -11868,6 +11914,13 @@
   <p:clrMapOvr>
     <a:masterClrMapping/>
   </p:clrMapOvr>
+  <p:timing>
+    <p:tnLst>
+      <p:par>
+        <p:cTn id="1" dur="indefinite" restart="never" nodeType="tmRoot"/>
+      </p:par>
+    </p:tnLst>
+  </p:timing>
 </p:sld>
 </file>
 
@@ -11967,6 +12020,13 @@
   <p:clrMapOvr>
     <a:masterClrMapping/>
   </p:clrMapOvr>
+  <p:timing>
+    <p:tnLst>
+      <p:par>
+        <p:cTn id="1" dur="indefinite" restart="never" nodeType="tmRoot"/>
+      </p:par>
+    </p:tnLst>
+  </p:timing>
 </p:sld>
 </file>
 
@@ -12077,6 +12137,13 @@
   <p:clrMapOvr>
     <a:masterClrMapping/>
   </p:clrMapOvr>
+  <p:timing>
+    <p:tnLst>
+      <p:par>
+        <p:cTn id="1" dur="indefinite" restart="never" nodeType="tmRoot"/>
+      </p:par>
+    </p:tnLst>
+  </p:timing>
 </p:sld>
 </file>
 
@@ -16543,6 +16610,10 @@
               </a:rPr>
               <a:t>Artificial_bee_colony_algorithm</a:t>
             </a:r>
+            <a:r>
+              <a:rPr lang="fr-FR" dirty="0"/>
+              <a:t/>
+            </a:r>
             <a:br>
               <a:rPr lang="fr-FR" dirty="0"/>
             </a:br>
@@ -16555,6 +16626,10 @@
                 <a:hlinkClick r:id="rId4"/>
               </a:rPr>
               <a:t>http://mf.erciyes.edu.tr/abc/</a:t>
+            </a:r>
+            <a:r>
+              <a:rPr lang="fr-FR" dirty="0"/>
+              <a:t/>
             </a:r>
             <a:br>
               <a:rPr lang="fr-FR" dirty="0"/>
@@ -16606,6 +16681,13 @@
   <p:clrMapOvr>
     <a:masterClrMapping/>
   </p:clrMapOvr>
+  <p:timing>
+    <p:tnLst>
+      <p:par>
+        <p:cTn id="1" dur="indefinite" restart="never" nodeType="tmRoot"/>
+      </p:par>
+    </p:tnLst>
+  </p:timing>
 </p:sld>
 </file>
 
@@ -16672,24 +16754,151 @@
           </a:p>
         </p:txBody>
       </p:sp>
+      <p:sp>
+        <p:nvSpPr>
+          <p:cNvPr id="3" name="ZoneTexte 2"/>
+          <p:cNvSpPr txBox="1"/>
+          <p:nvPr/>
+        </p:nvSpPr>
+        <p:spPr>
+          <a:xfrm>
+            <a:off x="595423" y="2371061"/>
+            <a:ext cx="2801151" cy="1477328"/>
+          </a:xfrm>
+          <a:prstGeom prst="rect">
+            <a:avLst/>
+          </a:prstGeom>
+          <a:noFill/>
+        </p:spPr>
+        <p:txBody>
+          <a:bodyPr wrap="none" rtlCol="0">
+            <a:spAutoFit/>
+          </a:bodyPr>
+          <a:lstStyle/>
+          <a:p>
+            <a:r>
+              <a:rPr lang="fr-FR" dirty="0" smtClean="0"/>
+              <a:t>Evolution</a:t>
+            </a:r>
+          </a:p>
+          <a:p>
+            <a:pPr marL="285750" indent="-285750">
+              <a:buFontTx/>
+              <a:buChar char="-"/>
+            </a:pPr>
+            <a:r>
+              <a:rPr lang="fr-FR" dirty="0" err="1" smtClean="0"/>
+              <a:t>Send</a:t>
+            </a:r>
+            <a:r>
+              <a:rPr lang="fr-FR" dirty="0" smtClean="0"/>
+              <a:t> </a:t>
+            </a:r>
+            <a:r>
+              <a:rPr lang="fr-FR" dirty="0" err="1" smtClean="0"/>
+              <a:t>Employed</a:t>
+            </a:r>
+            <a:r>
+              <a:rPr lang="fr-FR" dirty="0" smtClean="0"/>
+              <a:t> </a:t>
+            </a:r>
+            <a:r>
+              <a:rPr lang="fr-FR" dirty="0" err="1" smtClean="0"/>
+              <a:t>Bees</a:t>
+            </a:r>
+            <a:endParaRPr lang="fr-FR" dirty="0" smtClean="0"/>
+          </a:p>
+          <a:p>
+            <a:pPr marL="285750" indent="-285750">
+              <a:buFontTx/>
+              <a:buChar char="-"/>
+            </a:pPr>
+            <a:r>
+              <a:rPr lang="fr-FR" dirty="0" err="1" smtClean="0"/>
+              <a:t>Calculate</a:t>
+            </a:r>
+            <a:r>
+              <a:rPr lang="fr-FR" dirty="0" smtClean="0"/>
+              <a:t> </a:t>
+            </a:r>
+            <a:r>
+              <a:rPr lang="fr-FR" dirty="0" err="1" smtClean="0"/>
+              <a:t>Probabilities</a:t>
+            </a:r>
+            <a:endParaRPr lang="fr-FR" dirty="0" smtClean="0"/>
+          </a:p>
+          <a:p>
+            <a:pPr marL="285750" indent="-285750">
+              <a:buFontTx/>
+              <a:buChar char="-"/>
+            </a:pPr>
+            <a:r>
+              <a:rPr lang="fr-FR" dirty="0" err="1" smtClean="0"/>
+              <a:t>Send</a:t>
+            </a:r>
+            <a:r>
+              <a:rPr lang="fr-FR" dirty="0" smtClean="0"/>
+              <a:t> </a:t>
+            </a:r>
+            <a:r>
+              <a:rPr lang="fr-FR" dirty="0" err="1" smtClean="0"/>
+              <a:t>OnLooker</a:t>
+            </a:r>
+            <a:r>
+              <a:rPr lang="fr-FR" dirty="0" smtClean="0"/>
+              <a:t> </a:t>
+            </a:r>
+            <a:r>
+              <a:rPr lang="fr-FR" dirty="0" err="1" smtClean="0"/>
+              <a:t>Bees</a:t>
+            </a:r>
+            <a:endParaRPr lang="fr-FR" dirty="0" smtClean="0"/>
+          </a:p>
+          <a:p>
+            <a:pPr marL="285750" indent="-285750">
+              <a:buFontTx/>
+              <a:buChar char="-"/>
+            </a:pPr>
+            <a:r>
+              <a:rPr lang="fr-FR" dirty="0" err="1" smtClean="0"/>
+              <a:t>Send</a:t>
+            </a:r>
+            <a:r>
+              <a:rPr lang="fr-FR" dirty="0" smtClean="0"/>
+              <a:t> Scout </a:t>
+            </a:r>
+            <a:r>
+              <a:rPr lang="fr-FR" dirty="0" err="1" smtClean="0"/>
+              <a:t>Bees</a:t>
+            </a:r>
+            <a:endParaRPr lang="fr-FR" dirty="0"/>
+          </a:p>
+        </p:txBody>
+      </p:sp>
       <p:pic>
         <p:nvPicPr>
-          <p:cNvPr id="6" name="Image 5"/>
+          <p:cNvPr id="5" name="Image 4"/>
           <p:cNvPicPr>
             <a:picLocks noChangeAspect="1"/>
           </p:cNvPicPr>
           <p:nvPr/>
         </p:nvPicPr>
         <p:blipFill>
-          <a:blip r:embed="rId2"/>
+          <a:blip r:embed="rId2">
+            <a:extLst>
+              <a:ext uri="{28A0092B-C50C-407E-A947-70E740481C1C}">
+                <a14:useLocalDpi xmlns:a14="http://schemas.microsoft.com/office/drawing/2010/main" val="0"/>
+              </a:ext>
+            </a:extLst>
+          </a:blip>
           <a:stretch>
             <a:fillRect/>
           </a:stretch>
         </p:blipFill>
         <p:spPr>
           <a:xfrm>
-            <a:off x="89845" y="2063905"/>
-            <a:ext cx="9831172" cy="4458322"/>
+            <a:off x="5001061" y="2695439"/>
+            <a:ext cx="5209524" cy="828571"/>
           </a:xfrm>
           <a:prstGeom prst="rect">
             <a:avLst/>
@@ -16698,28 +16907,170 @@
       </p:pic>
       <p:pic>
         <p:nvPicPr>
-          <p:cNvPr id="7" name="Image 6"/>
+          <p:cNvPr id="11" name="Image 10"/>
           <p:cNvPicPr>
             <a:picLocks noChangeAspect="1"/>
           </p:cNvPicPr>
           <p:nvPr/>
         </p:nvPicPr>
         <p:blipFill>
-          <a:blip r:embed="rId3"/>
+          <a:blip r:embed="rId3">
+            <a:extLst>
+              <a:ext uri="{28A0092B-C50C-407E-A947-70E740481C1C}">
+                <a14:useLocalDpi xmlns:a14="http://schemas.microsoft.com/office/drawing/2010/main" val="0"/>
+              </a:ext>
+            </a:extLst>
+          </a:blip>
           <a:stretch>
             <a:fillRect/>
           </a:stretch>
         </p:blipFill>
         <p:spPr>
           <a:xfrm>
-            <a:off x="6590518" y="2123414"/>
-            <a:ext cx="5601482" cy="4734586"/>
+            <a:off x="873255" y="4252462"/>
+            <a:ext cx="4000000" cy="1828571"/>
           </a:xfrm>
           <a:prstGeom prst="rect">
             <a:avLst/>
           </a:prstGeom>
         </p:spPr>
       </p:pic>
+      <p:sp>
+        <p:nvSpPr>
+          <p:cNvPr id="12" name="ZoneTexte 11"/>
+          <p:cNvSpPr txBox="1"/>
+          <p:nvPr/>
+        </p:nvSpPr>
+        <p:spPr>
+          <a:xfrm>
+            <a:off x="5257263" y="2241808"/>
+            <a:ext cx="4240263" cy="369332"/>
+          </a:xfrm>
+          <a:prstGeom prst="rect">
+            <a:avLst/>
+          </a:prstGeom>
+          <a:noFill/>
+        </p:spPr>
+        <p:txBody>
+          <a:bodyPr wrap="none" rtlCol="0">
+            <a:spAutoFit/>
+          </a:bodyPr>
+          <a:lstStyle/>
+          <a:p>
+            <a:r>
+              <a:rPr lang="fr-FR" dirty="0"/>
+              <a:t>0.9 * </a:t>
+            </a:r>
+            <a:r>
+              <a:rPr lang="fr-FR" dirty="0" smtClean="0"/>
+              <a:t>la source/ la meilleur source +0.1</a:t>
+            </a:r>
+            <a:endParaRPr lang="fr-FR" dirty="0"/>
+          </a:p>
+        </p:txBody>
+      </p:sp>
+      <p:sp>
+        <p:nvSpPr>
+          <p:cNvPr id="13" name="ZoneTexte 12"/>
+          <p:cNvSpPr txBox="1"/>
+          <p:nvPr/>
+        </p:nvSpPr>
+        <p:spPr>
+          <a:xfrm>
+            <a:off x="5324205" y="3966418"/>
+            <a:ext cx="4106378" cy="1200329"/>
+          </a:xfrm>
+          <a:prstGeom prst="rect">
+            <a:avLst/>
+          </a:prstGeom>
+          <a:noFill/>
+        </p:spPr>
+        <p:txBody>
+          <a:bodyPr wrap="square" rtlCol="0">
+            <a:spAutoFit/>
+          </a:bodyPr>
+          <a:lstStyle/>
+          <a:p>
+            <a:r>
+              <a:rPr lang="es-ES" dirty="0" smtClean="0"/>
+              <a:t>Rand = </a:t>
+            </a:r>
+            <a:r>
+              <a:rPr lang="es-ES" dirty="0" err="1" smtClean="0"/>
+              <a:t>Aléatoire</a:t>
+            </a:r>
+            <a:r>
+              <a:rPr lang="es-ES" dirty="0" smtClean="0"/>
+              <a:t> [-1;1]</a:t>
+            </a:r>
+          </a:p>
+          <a:p>
+            <a:r>
+              <a:rPr lang="es-ES" dirty="0" smtClean="0"/>
+              <a:t>X= La </a:t>
+            </a:r>
+            <a:r>
+              <a:rPr lang="es-ES" dirty="0" err="1" smtClean="0"/>
+              <a:t>source</a:t>
+            </a:r>
+            <a:r>
+              <a:rPr lang="es-ES" dirty="0" smtClean="0"/>
+              <a:t> de </a:t>
+            </a:r>
+            <a:r>
+              <a:rPr lang="es-ES" dirty="0" err="1" smtClean="0"/>
+              <a:t>l’abeille</a:t>
+            </a:r>
+            <a:endParaRPr lang="es-ES" dirty="0" smtClean="0"/>
+          </a:p>
+          <a:p>
+            <a:r>
+              <a:rPr lang="es-ES" dirty="0" smtClean="0"/>
+              <a:t>Y = La </a:t>
+            </a:r>
+            <a:r>
+              <a:rPr lang="es-ES" dirty="0" err="1" smtClean="0"/>
+              <a:t>source</a:t>
+            </a:r>
+            <a:r>
+              <a:rPr lang="es-ES" dirty="0" smtClean="0"/>
+              <a:t> </a:t>
+            </a:r>
+            <a:r>
+              <a:rPr lang="es-ES" dirty="0" err="1" smtClean="0"/>
+              <a:t>d’une</a:t>
+            </a:r>
+            <a:r>
+              <a:rPr lang="es-ES" dirty="0" smtClean="0"/>
+              <a:t> </a:t>
+            </a:r>
+            <a:r>
+              <a:rPr lang="es-ES" dirty="0" err="1" smtClean="0"/>
+              <a:t>abeille</a:t>
+            </a:r>
+            <a:r>
+              <a:rPr lang="es-ES" dirty="0" smtClean="0"/>
+              <a:t> </a:t>
+            </a:r>
+            <a:r>
+              <a:rPr lang="es-ES" dirty="0" err="1" smtClean="0"/>
+              <a:t>voisine</a:t>
+            </a:r>
+            <a:endParaRPr lang="es-ES" dirty="0" smtClean="0"/>
+          </a:p>
+          <a:p>
+            <a:r>
+              <a:rPr lang="es-ES" dirty="0"/>
+              <a:t>X</a:t>
+            </a:r>
+            <a:r>
+              <a:rPr lang="es-ES" dirty="0" smtClean="0"/>
+              <a:t>+(X-Y)*Rand</a:t>
+            </a:r>
+            <a:endParaRPr lang="fr-FR" dirty="0"/>
+          </a:p>
+        </p:txBody>
+      </p:sp>
     </p:spTree>
     <p:extLst>
       <p:ext uri="{BB962C8B-B14F-4D97-AF65-F5344CB8AC3E}">
@@ -16764,7 +17115,124 @@
                                           </p:stCondLst>
                                         </p:cTn>
                                         <p:tgtEl>
-                                          <p:spTgt spid="7"/>
+                                          <p:spTgt spid="5"/>
+                                        </p:tgtEl>
+                                        <p:attrNameLst>
+                                          <p:attrName>style.visibility</p:attrName>
+                                        </p:attrNameLst>
+                                      </p:cBhvr>
+                                      <p:to>
+                                        <p:strVal val="visible"/>
+                                      </p:to>
+                                    </p:set>
+                                  </p:childTnLst>
+                                </p:cTn>
+                              </p:par>
+                              <p:par>
+                                <p:cTn id="7" presetID="1" presetClass="entr" presetSubtype="0" fill="hold" grpId="0" nodeType="withEffect">
+                                  <p:stCondLst>
+                                    <p:cond delay="0"/>
+                                  </p:stCondLst>
+                                  <p:childTnLst>
+                                    <p:set>
+                                      <p:cBhvr>
+                                        <p:cTn id="8" dur="1" fill="hold">
+                                          <p:stCondLst>
+                                            <p:cond delay="0"/>
+                                          </p:stCondLst>
+                                        </p:cTn>
+                                        <p:tgtEl>
+                                          <p:spTgt spid="12"/>
+                                        </p:tgtEl>
+                                        <p:attrNameLst>
+                                          <p:attrName>style.visibility</p:attrName>
+                                        </p:attrNameLst>
+                                      </p:cBhvr>
+                                      <p:to>
+                                        <p:strVal val="visible"/>
+                                      </p:to>
+                                    </p:set>
+                                  </p:childTnLst>
+                                </p:cTn>
+                              </p:par>
+                            </p:childTnLst>
+                          </p:cTn>
+                        </p:par>
+                      </p:childTnLst>
+                    </p:cTn>
+                  </p:par>
+                  <p:par>
+                    <p:cTn id="9" fill="hold">
+                      <p:stCondLst>
+                        <p:cond delay="indefinite"/>
+                      </p:stCondLst>
+                      <p:childTnLst>
+                        <p:par>
+                          <p:cTn id="10" fill="hold">
+                            <p:stCondLst>
+                              <p:cond delay="0"/>
+                            </p:stCondLst>
+                            <p:childTnLst>
+                              <p:par>
+                                <p:cTn id="11" presetID="1" presetClass="entr" presetSubtype="0" fill="hold" nodeType="clickEffect">
+                                  <p:stCondLst>
+                                    <p:cond delay="0"/>
+                                  </p:stCondLst>
+                                  <p:childTnLst>
+                                    <p:set>
+                                      <p:cBhvr>
+                                        <p:cTn id="12" dur="1" fill="hold">
+                                          <p:stCondLst>
+                                            <p:cond delay="0"/>
+                                          </p:stCondLst>
+                                        </p:cTn>
+                                        <p:tgtEl>
+                                          <p:spTgt spid="11"/>
+                                        </p:tgtEl>
+                                        <p:attrNameLst>
+                                          <p:attrName>style.visibility</p:attrName>
+                                        </p:attrNameLst>
+                                      </p:cBhvr>
+                                      <p:to>
+                                        <p:strVal val="visible"/>
+                                      </p:to>
+                                    </p:set>
+                                  </p:childTnLst>
+                                </p:cTn>
+                              </p:par>
+                            </p:childTnLst>
+                          </p:cTn>
+                        </p:par>
+                      </p:childTnLst>
+                    </p:cTn>
+                  </p:par>
+                  <p:par>
+                    <p:cTn id="13" fill="hold">
+                      <p:stCondLst>
+                        <p:cond delay="indefinite"/>
+                      </p:stCondLst>
+                      <p:childTnLst>
+                        <p:par>
+                          <p:cTn id="14" fill="hold">
+                            <p:stCondLst>
+                              <p:cond delay="0"/>
+                            </p:stCondLst>
+                            <p:childTnLst>
+                              <p:par>
+                                <p:cTn id="15" presetID="1" presetClass="entr" presetSubtype="0" fill="hold" grpId="0" nodeType="clickEffect">
+                                  <p:stCondLst>
+                                    <p:cond delay="0"/>
+                                  </p:stCondLst>
+                                  <p:childTnLst>
+                                    <p:set>
+                                      <p:cBhvr>
+                                        <p:cTn id="16" dur="1" fill="hold">
+                                          <p:stCondLst>
+                                            <p:cond delay="0"/>
+                                          </p:stCondLst>
+                                        </p:cTn>
+                                        <p:tgtEl>
+                                          <p:spTgt spid="13"/>
                                         </p:tgtEl>
                                         <p:attrNameLst>
                                           <p:attrName>style.visibility</p:attrName>
@@ -16804,6 +17272,10 @@
         </p:cTn>
       </p:par>
     </p:tnLst>
+    <p:bldLst>
+      <p:bldP spid="12" grpId="0"/>
+      <p:bldP spid="13" grpId="0"/>
+    </p:bldLst>
   </p:timing>
 </p:sld>
 </file>
@@ -16873,46 +17345,27 @@
       </p:sp>
       <p:pic>
         <p:nvPicPr>
-          <p:cNvPr id="8" name="Image 7"/>
+          <p:cNvPr id="7" name="Image 6"/>
           <p:cNvPicPr>
             <a:picLocks noChangeAspect="1"/>
           </p:cNvPicPr>
           <p:nvPr/>
         </p:nvPicPr>
-        <p:blipFill>
-          <a:blip r:embed="rId2"/>
-          <a:stretch>
-            <a:fillRect/>
-          </a:stretch>
+        <p:blipFill rotWithShape="1">
+          <a:blip r:embed="rId2">
+            <a:extLst>
+              <a:ext uri="{28A0092B-C50C-407E-A947-70E740481C1C}">
+                <a14:useLocalDpi xmlns:a14="http://schemas.microsoft.com/office/drawing/2010/main" val="0"/>
+              </a:ext>
+            </a:extLst>
+          </a:blip>
+          <a:srcRect r="9798" b="9083"/>
+          <a:stretch/>
         </p:blipFill>
         <p:spPr>
           <a:xfrm>
-            <a:off x="203015" y="2018393"/>
-            <a:ext cx="8497486" cy="2972215"/>
-          </a:xfrm>
-          <a:prstGeom prst="rect">
-            <a:avLst/>
-          </a:prstGeom>
-        </p:spPr>
-      </p:pic>
-      <p:pic>
-        <p:nvPicPr>
-          <p:cNvPr id="9" name="Image 8"/>
-          <p:cNvPicPr>
-            <a:picLocks noChangeAspect="1"/>
-          </p:cNvPicPr>
-          <p:nvPr/>
-        </p:nvPicPr>
-        <p:blipFill>
-          <a:blip r:embed="rId3"/>
-          <a:stretch>
-            <a:fillRect/>
-          </a:stretch>
-        </p:blipFill>
-        <p:spPr>
-          <a:xfrm>
-            <a:off x="7256274" y="2350267"/>
-            <a:ext cx="4172532" cy="4439270"/>
+            <a:off x="3309239" y="2177786"/>
+            <a:ext cx="5198700" cy="4382502"/>
           </a:xfrm>
           <a:prstGeom prst="rect">
             <a:avLst/>
@@ -16932,75 +17385,7 @@
   <p:timing>
     <p:tnLst>
       <p:par>
-        <p:cTn id="1" dur="indefinite" restart="never" nodeType="tmRoot">
-          <p:childTnLst>
-            <p:seq concurrent="1" nextAc="seek">
-              <p:cTn id="2" dur="indefinite" nodeType="mainSeq">
-                <p:childTnLst>
-                  <p:par>
-                    <p:cTn id="3" fill="hold">
-                      <p:stCondLst>
-                        <p:cond delay="indefinite"/>
-                      </p:stCondLst>
-                      <p:childTnLst>
-                        <p:par>
-                          <p:cTn id="4" fill="hold">
-                            <p:stCondLst>
-                              <p:cond delay="0"/>
-                            </p:stCondLst>
-                            <p:childTnLst>
-                              <p:par>
-                                <p:cTn id="5" presetID="1" presetClass="entr" presetSubtype="0" fill="hold" nodeType="clickEffect">
-                                  <p:stCondLst>
-                                    <p:cond delay="0"/>
-                                  </p:stCondLst>
-                                  <p:childTnLst>
-                                    <p:set>
-                                      <p:cBhvr>
-                                        <p:cTn id="6" dur="1" fill="hold">
-                                          <p:stCondLst>
-                                            <p:cond delay="0"/>
-                                          </p:stCondLst>
-                                        </p:cTn>
-                                        <p:tgtEl>
-                                          <p:spTgt spid="9"/>
-                                        </p:tgtEl>
-                                        <p:attrNameLst>
-                                          <p:attrName>style.visibility</p:attrName>
-                                        </p:attrNameLst>
-                                      </p:cBhvr>
-                                      <p:to>
-                                        <p:strVal val="visible"/>
-                                      </p:to>
-                                    </p:set>
-                                  </p:childTnLst>
-                                </p:cTn>
-                              </p:par>
-                            </p:childTnLst>
-                          </p:cTn>
-                        </p:par>
-                      </p:childTnLst>
-                    </p:cTn>
-                  </p:par>
-                </p:childTnLst>
-              </p:cTn>
-              <p:prevCondLst>
-                <p:cond evt="onPrev" delay="0">
-                  <p:tgtEl>
-                    <p:sldTgt/>
-                  </p:tgtEl>
-                </p:cond>
-              </p:prevCondLst>
-              <p:nextCondLst>
-                <p:cond evt="onNext" delay="0">
-                  <p:tgtEl>
-                    <p:sldTgt/>
-                  </p:tgtEl>
-                </p:cond>
-              </p:nextCondLst>
-            </p:seq>
-          </p:childTnLst>
-        </p:cTn>
+        <p:cTn id="1" dur="indefinite" restart="never" nodeType="tmRoot"/>
       </p:par>
     </p:tnLst>
   </p:timing>
@@ -17079,6 +17464,13 @@
   <p:clrMapOvr>
     <a:masterClrMapping/>
   </p:clrMapOvr>
+  <p:timing>
+    <p:tnLst>
+      <p:par>
+        <p:cTn id="1" dur="indefinite" restart="never" nodeType="tmRoot"/>
+      </p:par>
+    </p:tnLst>
+  </p:timing>
 </p:sld>
 </file>
 

--- a/Intelligence Artificielle.pptx
+++ b/Intelligence Artificielle.pptx
@@ -873,7 +873,1834 @@
 </dgm:colorsDef>
 </file>
 
+<file path=ppt/diagrams/colors2.xml><?xml version="1.0" encoding="utf-8"?>
+<dgm:colorsDef xmlns:dgm="http://schemas.openxmlformats.org/drawingml/2006/diagram" xmlns:a="http://schemas.openxmlformats.org/drawingml/2006/main" uniqueId="urn:microsoft.com/office/officeart/2005/8/colors/accent2_2">
+  <dgm:title val=""/>
+  <dgm:desc val=""/>
+  <dgm:catLst>
+    <dgm:cat type="accent2" pri="11200"/>
+  </dgm:catLst>
+  <dgm:styleLbl name="node0">
+    <dgm:fillClrLst meth="repeat">
+      <a:schemeClr val="accent2"/>
+    </dgm:fillClrLst>
+    <dgm:linClrLst meth="repeat">
+      <a:schemeClr val="lt1"/>
+    </dgm:linClrLst>
+    <dgm:effectClrLst/>
+    <dgm:txLinClrLst/>
+    <dgm:txFillClrLst/>
+    <dgm:txEffectClrLst/>
+  </dgm:styleLbl>
+  <dgm:styleLbl name="node1">
+    <dgm:fillClrLst meth="repeat">
+      <a:schemeClr val="accent2"/>
+    </dgm:fillClrLst>
+    <dgm:linClrLst meth="repeat">
+      <a:schemeClr val="lt1"/>
+    </dgm:linClrLst>
+    <dgm:effectClrLst/>
+    <dgm:txLinClrLst/>
+    <dgm:txFillClrLst/>
+    <dgm:txEffectClrLst/>
+  </dgm:styleLbl>
+  <dgm:styleLbl name="alignNode1">
+    <dgm:fillClrLst meth="repeat">
+      <a:schemeClr val="accent2"/>
+    </dgm:fillClrLst>
+    <dgm:linClrLst meth="repeat">
+      <a:schemeClr val="accent2"/>
+    </dgm:linClrLst>
+    <dgm:effectClrLst/>
+    <dgm:txLinClrLst/>
+    <dgm:txFillClrLst/>
+    <dgm:txEffectClrLst/>
+  </dgm:styleLbl>
+  <dgm:styleLbl name="lnNode1">
+    <dgm:fillClrLst meth="repeat">
+      <a:schemeClr val="accent2"/>
+    </dgm:fillClrLst>
+    <dgm:linClrLst meth="repeat">
+      <a:schemeClr val="lt1"/>
+    </dgm:linClrLst>
+    <dgm:effectClrLst/>
+    <dgm:txLinClrLst/>
+    <dgm:txFillClrLst/>
+    <dgm:txEffectClrLst/>
+  </dgm:styleLbl>
+  <dgm:styleLbl name="vennNode1">
+    <dgm:fillClrLst meth="repeat">
+      <a:schemeClr val="accent2">
+        <a:alpha val="50000"/>
+      </a:schemeClr>
+    </dgm:fillClrLst>
+    <dgm:linClrLst meth="repeat">
+      <a:schemeClr val="lt1"/>
+    </dgm:linClrLst>
+    <dgm:effectClrLst/>
+    <dgm:txLinClrLst/>
+    <dgm:txFillClrLst/>
+    <dgm:txEffectClrLst/>
+  </dgm:styleLbl>
+  <dgm:styleLbl name="node2">
+    <dgm:fillClrLst meth="repeat">
+      <a:schemeClr val="accent2"/>
+    </dgm:fillClrLst>
+    <dgm:linClrLst meth="repeat">
+      <a:schemeClr val="lt1"/>
+    </dgm:linClrLst>
+    <dgm:effectClrLst/>
+    <dgm:txLinClrLst/>
+    <dgm:txFillClrLst/>
+    <dgm:txEffectClrLst/>
+  </dgm:styleLbl>
+  <dgm:styleLbl name="node3">
+    <dgm:fillClrLst meth="repeat">
+      <a:schemeClr val="accent2"/>
+    </dgm:fillClrLst>
+    <dgm:linClrLst meth="repeat">
+      <a:schemeClr val="lt1"/>
+    </dgm:linClrLst>
+    <dgm:effectClrLst/>
+    <dgm:txLinClrLst/>
+    <dgm:txFillClrLst/>
+    <dgm:txEffectClrLst/>
+  </dgm:styleLbl>
+  <dgm:styleLbl name="node4">
+    <dgm:fillClrLst meth="repeat">
+      <a:schemeClr val="accent2"/>
+    </dgm:fillClrLst>
+    <dgm:linClrLst meth="repeat">
+      <a:schemeClr val="lt1"/>
+    </dgm:linClrLst>
+    <dgm:effectClrLst/>
+    <dgm:txLinClrLst/>
+    <dgm:txFillClrLst/>
+    <dgm:txEffectClrLst/>
+  </dgm:styleLbl>
+  <dgm:styleLbl name="fgImgPlace1">
+    <dgm:fillClrLst meth="repeat">
+      <a:schemeClr val="accent2">
+        <a:tint val="50000"/>
+      </a:schemeClr>
+    </dgm:fillClrLst>
+    <dgm:linClrLst meth="repeat">
+      <a:schemeClr val="lt1"/>
+    </dgm:linClrLst>
+    <dgm:effectClrLst/>
+    <dgm:txLinClrLst/>
+    <dgm:txFillClrLst meth="repeat">
+      <a:schemeClr val="lt1"/>
+    </dgm:txFillClrLst>
+    <dgm:txEffectClrLst/>
+  </dgm:styleLbl>
+  <dgm:styleLbl name="alignImgPlace1">
+    <dgm:fillClrLst meth="repeat">
+      <a:schemeClr val="accent2">
+        <a:tint val="50000"/>
+      </a:schemeClr>
+    </dgm:fillClrLst>
+    <dgm:linClrLst meth="repeat">
+      <a:schemeClr val="lt1"/>
+    </dgm:linClrLst>
+    <dgm:effectClrLst/>
+    <dgm:txLinClrLst/>
+    <dgm:txFillClrLst meth="repeat">
+      <a:schemeClr val="lt1"/>
+    </dgm:txFillClrLst>
+    <dgm:txEffectClrLst/>
+  </dgm:styleLbl>
+  <dgm:styleLbl name="bgImgPlace1">
+    <dgm:fillClrLst meth="repeat">
+      <a:schemeClr val="accent2">
+        <a:tint val="50000"/>
+      </a:schemeClr>
+    </dgm:fillClrLst>
+    <dgm:linClrLst meth="repeat">
+      <a:schemeClr val="lt1"/>
+    </dgm:linClrLst>
+    <dgm:effectClrLst/>
+    <dgm:txLinClrLst/>
+    <dgm:txFillClrLst meth="repeat">
+      <a:schemeClr val="lt1"/>
+    </dgm:txFillClrLst>
+    <dgm:txEffectClrLst/>
+  </dgm:styleLbl>
+  <dgm:styleLbl name="sibTrans2D1">
+    <dgm:fillClrLst meth="repeat">
+      <a:schemeClr val="accent2">
+        <a:tint val="60000"/>
+      </a:schemeClr>
+    </dgm:fillClrLst>
+    <dgm:linClrLst meth="repeat">
+      <a:schemeClr val="accent2">
+        <a:tint val="60000"/>
+      </a:schemeClr>
+    </dgm:linClrLst>
+    <dgm:effectClrLst/>
+    <dgm:txLinClrLst/>
+    <dgm:txFillClrLst/>
+    <dgm:txEffectClrLst/>
+  </dgm:styleLbl>
+  <dgm:styleLbl name="fgSibTrans2D1">
+    <dgm:fillClrLst meth="repeat">
+      <a:schemeClr val="accent2">
+        <a:tint val="60000"/>
+      </a:schemeClr>
+    </dgm:fillClrLst>
+    <dgm:linClrLst meth="repeat">
+      <a:schemeClr val="accent2">
+        <a:tint val="60000"/>
+      </a:schemeClr>
+    </dgm:linClrLst>
+    <dgm:effectClrLst/>
+    <dgm:txLinClrLst/>
+    <dgm:txFillClrLst/>
+    <dgm:txEffectClrLst/>
+  </dgm:styleLbl>
+  <dgm:styleLbl name="bgSibTrans2D1">
+    <dgm:fillClrLst meth="repeat">
+      <a:schemeClr val="accent2">
+        <a:tint val="60000"/>
+      </a:schemeClr>
+    </dgm:fillClrLst>
+    <dgm:linClrLst meth="repeat">
+      <a:schemeClr val="accent2">
+        <a:tint val="60000"/>
+      </a:schemeClr>
+    </dgm:linClrLst>
+    <dgm:effectClrLst/>
+    <dgm:txLinClrLst/>
+    <dgm:txFillClrLst/>
+    <dgm:txEffectClrLst/>
+  </dgm:styleLbl>
+  <dgm:styleLbl name="sibTrans1D1">
+    <dgm:fillClrLst meth="repeat">
+      <a:schemeClr val="accent2"/>
+    </dgm:fillClrLst>
+    <dgm:linClrLst meth="repeat">
+      <a:schemeClr val="accent2"/>
+    </dgm:linClrLst>
+    <dgm:effectClrLst/>
+    <dgm:txLinClrLst/>
+    <dgm:txFillClrLst meth="repeat">
+      <a:schemeClr val="tx1"/>
+    </dgm:txFillClrLst>
+    <dgm:txEffectClrLst/>
+  </dgm:styleLbl>
+  <dgm:styleLbl name="callout">
+    <dgm:fillClrLst meth="repeat">
+      <a:schemeClr val="accent2"/>
+    </dgm:fillClrLst>
+    <dgm:linClrLst meth="repeat">
+      <a:schemeClr val="accent2">
+        <a:tint val="50000"/>
+      </a:schemeClr>
+    </dgm:linClrLst>
+    <dgm:effectClrLst/>
+    <dgm:txLinClrLst/>
+    <dgm:txFillClrLst meth="repeat">
+      <a:schemeClr val="tx1"/>
+    </dgm:txFillClrLst>
+    <dgm:txEffectClrLst/>
+  </dgm:styleLbl>
+  <dgm:styleLbl name="asst0">
+    <dgm:fillClrLst meth="repeat">
+      <a:schemeClr val="accent2"/>
+    </dgm:fillClrLst>
+    <dgm:linClrLst meth="repeat">
+      <a:schemeClr val="lt1"/>
+    </dgm:linClrLst>
+    <dgm:effectClrLst/>
+    <dgm:txLinClrLst/>
+    <dgm:txFillClrLst/>
+    <dgm:txEffectClrLst/>
+  </dgm:styleLbl>
+  <dgm:styleLbl name="asst1">
+    <dgm:fillClrLst meth="repeat">
+      <a:schemeClr val="accent2"/>
+    </dgm:fillClrLst>
+    <dgm:linClrLst meth="repeat">
+      <a:schemeClr val="lt1"/>
+    </dgm:linClrLst>
+    <dgm:effectClrLst/>
+    <dgm:txLinClrLst/>
+    <dgm:txFillClrLst/>
+    <dgm:txEffectClrLst/>
+  </dgm:styleLbl>
+  <dgm:styleLbl name="asst2">
+    <dgm:fillClrLst meth="repeat">
+      <a:schemeClr val="accent2"/>
+    </dgm:fillClrLst>
+    <dgm:linClrLst meth="repeat">
+      <a:schemeClr val="lt1"/>
+    </dgm:linClrLst>
+    <dgm:effectClrLst/>
+    <dgm:txLinClrLst/>
+    <dgm:txFillClrLst/>
+    <dgm:txEffectClrLst/>
+  </dgm:styleLbl>
+  <dgm:styleLbl name="asst3">
+    <dgm:fillClrLst meth="repeat">
+      <a:schemeClr val="accent2"/>
+    </dgm:fillClrLst>
+    <dgm:linClrLst meth="repeat">
+      <a:schemeClr val="lt1"/>
+    </dgm:linClrLst>
+    <dgm:effectClrLst/>
+    <dgm:txLinClrLst/>
+    <dgm:txFillClrLst/>
+    <dgm:txEffectClrLst/>
+  </dgm:styleLbl>
+  <dgm:styleLbl name="asst4">
+    <dgm:fillClrLst meth="repeat">
+      <a:schemeClr val="accent2"/>
+    </dgm:fillClrLst>
+    <dgm:linClrLst meth="repeat">
+      <a:schemeClr val="lt1"/>
+    </dgm:linClrLst>
+    <dgm:effectClrLst/>
+    <dgm:txLinClrLst/>
+    <dgm:txFillClrLst/>
+    <dgm:txEffectClrLst/>
+  </dgm:styleLbl>
+  <dgm:styleLbl name="parChTrans2D1">
+    <dgm:fillClrLst meth="repeat">
+      <a:schemeClr val="accent2">
+        <a:tint val="60000"/>
+      </a:schemeClr>
+    </dgm:fillClrLst>
+    <dgm:linClrLst meth="repeat">
+      <a:schemeClr val="accent2">
+        <a:tint val="60000"/>
+      </a:schemeClr>
+    </dgm:linClrLst>
+    <dgm:effectClrLst/>
+    <dgm:txLinClrLst/>
+    <dgm:txFillClrLst meth="repeat">
+      <a:schemeClr val="lt1"/>
+    </dgm:txFillClrLst>
+    <dgm:txEffectClrLst/>
+  </dgm:styleLbl>
+  <dgm:styleLbl name="parChTrans2D2">
+    <dgm:fillClrLst meth="repeat">
+      <a:schemeClr val="accent2"/>
+    </dgm:fillClrLst>
+    <dgm:linClrLst meth="repeat">
+      <a:schemeClr val="accent2"/>
+    </dgm:linClrLst>
+    <dgm:effectClrLst/>
+    <dgm:txLinClrLst/>
+    <dgm:txFillClrLst meth="repeat">
+      <a:schemeClr val="lt1"/>
+    </dgm:txFillClrLst>
+    <dgm:txEffectClrLst/>
+  </dgm:styleLbl>
+  <dgm:styleLbl name="parChTrans2D3">
+    <dgm:fillClrLst meth="repeat">
+      <a:schemeClr val="accent2"/>
+    </dgm:fillClrLst>
+    <dgm:linClrLst meth="repeat">
+      <a:schemeClr val="accent2"/>
+    </dgm:linClrLst>
+    <dgm:effectClrLst/>
+    <dgm:txLinClrLst/>
+    <dgm:txFillClrLst meth="repeat">
+      <a:schemeClr val="lt1"/>
+    </dgm:txFillClrLst>
+    <dgm:txEffectClrLst/>
+  </dgm:styleLbl>
+  <dgm:styleLbl name="parChTrans2D4">
+    <dgm:fillClrLst meth="repeat">
+      <a:schemeClr val="accent2"/>
+    </dgm:fillClrLst>
+    <dgm:linClrLst meth="repeat">
+      <a:schemeClr val="accent2"/>
+    </dgm:linClrLst>
+    <dgm:effectClrLst/>
+    <dgm:txLinClrLst/>
+    <dgm:txFillClrLst meth="repeat">
+      <a:schemeClr val="lt1"/>
+    </dgm:txFillClrLst>
+    <dgm:txEffectClrLst/>
+  </dgm:styleLbl>
+  <dgm:styleLbl name="parChTrans1D1">
+    <dgm:fillClrLst meth="repeat">
+      <a:schemeClr val="accent2"/>
+    </dgm:fillClrLst>
+    <dgm:linClrLst meth="repeat">
+      <a:schemeClr val="accent2">
+        <a:shade val="60000"/>
+      </a:schemeClr>
+    </dgm:linClrLst>
+    <dgm:effectClrLst/>
+    <dgm:txLinClrLst/>
+    <dgm:txFillClrLst meth="repeat">
+      <a:schemeClr val="tx1"/>
+    </dgm:txFillClrLst>
+    <dgm:txEffectClrLst/>
+  </dgm:styleLbl>
+  <dgm:styleLbl name="parChTrans1D2">
+    <dgm:fillClrLst meth="repeat">
+      <a:schemeClr val="accent2"/>
+    </dgm:fillClrLst>
+    <dgm:linClrLst meth="repeat">
+      <a:schemeClr val="accent2">
+        <a:shade val="60000"/>
+      </a:schemeClr>
+    </dgm:linClrLst>
+    <dgm:effectClrLst/>
+    <dgm:txLinClrLst/>
+    <dgm:txFillClrLst meth="repeat">
+      <a:schemeClr val="tx1"/>
+    </dgm:txFillClrLst>
+    <dgm:txEffectClrLst/>
+  </dgm:styleLbl>
+  <dgm:styleLbl name="parChTrans1D3">
+    <dgm:fillClrLst meth="repeat">
+      <a:schemeClr val="accent2"/>
+    </dgm:fillClrLst>
+    <dgm:linClrLst meth="repeat">
+      <a:schemeClr val="accent2">
+        <a:shade val="80000"/>
+      </a:schemeClr>
+    </dgm:linClrLst>
+    <dgm:effectClrLst/>
+    <dgm:txLinClrLst/>
+    <dgm:txFillClrLst meth="repeat">
+      <a:schemeClr val="tx1"/>
+    </dgm:txFillClrLst>
+    <dgm:txEffectClrLst/>
+  </dgm:styleLbl>
+  <dgm:styleLbl name="parChTrans1D4">
+    <dgm:fillClrLst meth="repeat">
+      <a:schemeClr val="accent2"/>
+    </dgm:fillClrLst>
+    <dgm:linClrLst meth="repeat">
+      <a:schemeClr val="accent2">
+        <a:shade val="80000"/>
+      </a:schemeClr>
+    </dgm:linClrLst>
+    <dgm:effectClrLst/>
+    <dgm:txLinClrLst/>
+    <dgm:txFillClrLst meth="repeat">
+      <a:schemeClr val="tx1"/>
+    </dgm:txFillClrLst>
+    <dgm:txEffectClrLst/>
+  </dgm:styleLbl>
+  <dgm:styleLbl name="fgAcc1">
+    <dgm:fillClrLst meth="repeat">
+      <a:schemeClr val="lt1">
+        <a:alpha val="90000"/>
+      </a:schemeClr>
+    </dgm:fillClrLst>
+    <dgm:linClrLst meth="repeat">
+      <a:schemeClr val="accent2"/>
+    </dgm:linClrLst>
+    <dgm:effectClrLst/>
+    <dgm:txLinClrLst/>
+    <dgm:txFillClrLst meth="repeat">
+      <a:schemeClr val="dk1"/>
+    </dgm:txFillClrLst>
+    <dgm:txEffectClrLst/>
+  </dgm:styleLbl>
+  <dgm:styleLbl name="conFgAcc1">
+    <dgm:fillClrLst meth="repeat">
+      <a:schemeClr val="lt1">
+        <a:alpha val="90000"/>
+      </a:schemeClr>
+    </dgm:fillClrLst>
+    <dgm:linClrLst meth="repeat">
+      <a:schemeClr val="accent2"/>
+    </dgm:linClrLst>
+    <dgm:effectClrLst/>
+    <dgm:txLinClrLst/>
+    <dgm:txFillClrLst meth="repeat">
+      <a:schemeClr val="dk1"/>
+    </dgm:txFillClrLst>
+    <dgm:txEffectClrLst/>
+  </dgm:styleLbl>
+  <dgm:styleLbl name="alignAcc1">
+    <dgm:fillClrLst meth="repeat">
+      <a:schemeClr val="lt1">
+        <a:alpha val="90000"/>
+      </a:schemeClr>
+    </dgm:fillClrLst>
+    <dgm:linClrLst meth="repeat">
+      <a:schemeClr val="accent2"/>
+    </dgm:linClrLst>
+    <dgm:effectClrLst/>
+    <dgm:txLinClrLst/>
+    <dgm:txFillClrLst meth="repeat">
+      <a:schemeClr val="dk1"/>
+    </dgm:txFillClrLst>
+    <dgm:txEffectClrLst/>
+  </dgm:styleLbl>
+  <dgm:styleLbl name="trAlignAcc1">
+    <dgm:fillClrLst meth="repeat">
+      <a:schemeClr val="lt1">
+        <a:alpha val="40000"/>
+      </a:schemeClr>
+    </dgm:fillClrLst>
+    <dgm:linClrLst meth="repeat">
+      <a:schemeClr val="accent2"/>
+    </dgm:linClrLst>
+    <dgm:effectClrLst/>
+    <dgm:txLinClrLst/>
+    <dgm:txFillClrLst meth="repeat">
+      <a:schemeClr val="dk1"/>
+    </dgm:txFillClrLst>
+    <dgm:txEffectClrLst/>
+  </dgm:styleLbl>
+  <dgm:styleLbl name="bgAcc1">
+    <dgm:fillClrLst meth="repeat">
+      <a:schemeClr val="lt1">
+        <a:alpha val="90000"/>
+      </a:schemeClr>
+    </dgm:fillClrLst>
+    <dgm:linClrLst meth="repeat">
+      <a:schemeClr val="accent2"/>
+    </dgm:linClrLst>
+    <dgm:effectClrLst/>
+    <dgm:txLinClrLst/>
+    <dgm:txFillClrLst meth="repeat">
+      <a:schemeClr val="dk1"/>
+    </dgm:txFillClrLst>
+    <dgm:txEffectClrLst/>
+  </dgm:styleLbl>
+  <dgm:styleLbl name="solidFgAcc1">
+    <dgm:fillClrLst meth="repeat">
+      <a:schemeClr val="lt1"/>
+    </dgm:fillClrLst>
+    <dgm:linClrLst meth="repeat">
+      <a:schemeClr val="accent2"/>
+    </dgm:linClrLst>
+    <dgm:effectClrLst/>
+    <dgm:txLinClrLst/>
+    <dgm:txFillClrLst meth="repeat">
+      <a:schemeClr val="dk1"/>
+    </dgm:txFillClrLst>
+    <dgm:txEffectClrLst/>
+  </dgm:styleLbl>
+  <dgm:styleLbl name="solidAlignAcc1">
+    <dgm:fillClrLst meth="repeat">
+      <a:schemeClr val="lt1"/>
+    </dgm:fillClrLst>
+    <dgm:linClrLst meth="repeat">
+      <a:schemeClr val="accent2"/>
+    </dgm:linClrLst>
+    <dgm:effectClrLst/>
+    <dgm:txLinClrLst/>
+    <dgm:txFillClrLst meth="repeat">
+      <a:schemeClr val="dk1"/>
+    </dgm:txFillClrLst>
+    <dgm:txEffectClrLst/>
+  </dgm:styleLbl>
+  <dgm:styleLbl name="solidBgAcc1">
+    <dgm:fillClrLst meth="repeat">
+      <a:schemeClr val="lt1"/>
+    </dgm:fillClrLst>
+    <dgm:linClrLst meth="repeat">
+      <a:schemeClr val="accent2"/>
+    </dgm:linClrLst>
+    <dgm:effectClrLst/>
+    <dgm:txLinClrLst/>
+    <dgm:txFillClrLst meth="repeat">
+      <a:schemeClr val="dk1"/>
+    </dgm:txFillClrLst>
+    <dgm:txEffectClrLst/>
+  </dgm:styleLbl>
+  <dgm:styleLbl name="fgAccFollowNode1">
+    <dgm:fillClrLst meth="repeat">
+      <a:schemeClr val="accent2">
+        <a:alpha val="90000"/>
+        <a:tint val="40000"/>
+      </a:schemeClr>
+    </dgm:fillClrLst>
+    <dgm:linClrLst meth="repeat">
+      <a:schemeClr val="accent2">
+        <a:alpha val="90000"/>
+        <a:tint val="40000"/>
+      </a:schemeClr>
+    </dgm:linClrLst>
+    <dgm:effectClrLst/>
+    <dgm:txLinClrLst/>
+    <dgm:txFillClrLst meth="repeat">
+      <a:schemeClr val="dk1"/>
+    </dgm:txFillClrLst>
+    <dgm:txEffectClrLst/>
+  </dgm:styleLbl>
+  <dgm:styleLbl name="alignAccFollowNode1">
+    <dgm:fillClrLst meth="repeat">
+      <a:schemeClr val="accent2">
+        <a:alpha val="90000"/>
+        <a:tint val="40000"/>
+      </a:schemeClr>
+    </dgm:fillClrLst>
+    <dgm:linClrLst meth="repeat">
+      <a:schemeClr val="accent2">
+        <a:alpha val="90000"/>
+        <a:tint val="40000"/>
+      </a:schemeClr>
+    </dgm:linClrLst>
+    <dgm:effectClrLst/>
+    <dgm:txLinClrLst/>
+    <dgm:txFillClrLst meth="repeat">
+      <a:schemeClr val="dk1"/>
+    </dgm:txFillClrLst>
+    <dgm:txEffectClrLst/>
+  </dgm:styleLbl>
+  <dgm:styleLbl name="bgAccFollowNode1">
+    <dgm:fillClrLst meth="repeat">
+      <a:schemeClr val="accent2">
+        <a:alpha val="90000"/>
+        <a:tint val="40000"/>
+      </a:schemeClr>
+    </dgm:fillClrLst>
+    <dgm:linClrLst meth="repeat">
+      <a:schemeClr val="accent2">
+        <a:alpha val="90000"/>
+        <a:tint val="40000"/>
+      </a:schemeClr>
+    </dgm:linClrLst>
+    <dgm:effectClrLst/>
+    <dgm:txLinClrLst/>
+    <dgm:txFillClrLst meth="repeat">
+      <a:schemeClr val="dk1"/>
+    </dgm:txFillClrLst>
+    <dgm:txEffectClrLst/>
+  </dgm:styleLbl>
+  <dgm:styleLbl name="fgAcc0">
+    <dgm:fillClrLst meth="repeat">
+      <a:schemeClr val="lt1">
+        <a:alpha val="90000"/>
+      </a:schemeClr>
+    </dgm:fillClrLst>
+    <dgm:linClrLst meth="repeat">
+      <a:schemeClr val="accent2"/>
+    </dgm:linClrLst>
+    <dgm:effectClrLst/>
+    <dgm:txLinClrLst/>
+    <dgm:txFillClrLst meth="repeat">
+      <a:schemeClr val="dk1"/>
+    </dgm:txFillClrLst>
+    <dgm:txEffectClrLst/>
+  </dgm:styleLbl>
+  <dgm:styleLbl name="fgAcc2">
+    <dgm:fillClrLst meth="repeat">
+      <a:schemeClr val="lt1">
+        <a:alpha val="90000"/>
+      </a:schemeClr>
+    </dgm:fillClrLst>
+    <dgm:linClrLst meth="repeat">
+      <a:schemeClr val="accent2"/>
+    </dgm:linClrLst>
+    <dgm:effectClrLst/>
+    <dgm:txLinClrLst/>
+    <dgm:txFillClrLst meth="repeat">
+      <a:schemeClr val="dk1"/>
+    </dgm:txFillClrLst>
+    <dgm:txEffectClrLst/>
+  </dgm:styleLbl>
+  <dgm:styleLbl name="fgAcc3">
+    <dgm:fillClrLst meth="repeat">
+      <a:schemeClr val="lt1">
+        <a:alpha val="90000"/>
+      </a:schemeClr>
+    </dgm:fillClrLst>
+    <dgm:linClrLst meth="repeat">
+      <a:schemeClr val="accent2"/>
+    </dgm:linClrLst>
+    <dgm:effectClrLst/>
+    <dgm:txLinClrLst/>
+    <dgm:txFillClrLst meth="repeat">
+      <a:schemeClr val="dk1"/>
+    </dgm:txFillClrLst>
+    <dgm:txEffectClrLst/>
+  </dgm:styleLbl>
+  <dgm:styleLbl name="fgAcc4">
+    <dgm:fillClrLst meth="repeat">
+      <a:schemeClr val="lt1">
+        <a:alpha val="90000"/>
+      </a:schemeClr>
+    </dgm:fillClrLst>
+    <dgm:linClrLst meth="repeat">
+      <a:schemeClr val="accent2"/>
+    </dgm:linClrLst>
+    <dgm:effectClrLst/>
+    <dgm:txLinClrLst/>
+    <dgm:txFillClrLst meth="repeat">
+      <a:schemeClr val="dk1"/>
+    </dgm:txFillClrLst>
+    <dgm:txEffectClrLst/>
+  </dgm:styleLbl>
+  <dgm:styleLbl name="bgShp">
+    <dgm:fillClrLst meth="repeat">
+      <a:schemeClr val="accent2">
+        <a:tint val="40000"/>
+      </a:schemeClr>
+    </dgm:fillClrLst>
+    <dgm:linClrLst meth="repeat">
+      <a:schemeClr val="accent2"/>
+    </dgm:linClrLst>
+    <dgm:effectClrLst/>
+    <dgm:txLinClrLst/>
+    <dgm:txFillClrLst meth="repeat">
+      <a:schemeClr val="dk1"/>
+    </dgm:txFillClrLst>
+    <dgm:txEffectClrLst/>
+  </dgm:styleLbl>
+  <dgm:styleLbl name="dkBgShp">
+    <dgm:fillClrLst meth="repeat">
+      <a:schemeClr val="accent2">
+        <a:shade val="80000"/>
+      </a:schemeClr>
+    </dgm:fillClrLst>
+    <dgm:linClrLst meth="repeat">
+      <a:schemeClr val="accent2"/>
+    </dgm:linClrLst>
+    <dgm:effectClrLst/>
+    <dgm:txLinClrLst/>
+    <dgm:txFillClrLst meth="repeat">
+      <a:schemeClr val="lt1"/>
+    </dgm:txFillClrLst>
+    <dgm:txEffectClrLst/>
+  </dgm:styleLbl>
+  <dgm:styleLbl name="trBgShp">
+    <dgm:fillClrLst meth="repeat">
+      <a:schemeClr val="accent2">
+        <a:tint val="50000"/>
+        <a:alpha val="40000"/>
+      </a:schemeClr>
+    </dgm:fillClrLst>
+    <dgm:linClrLst meth="repeat">
+      <a:schemeClr val="accent2"/>
+    </dgm:linClrLst>
+    <dgm:effectClrLst/>
+    <dgm:txLinClrLst/>
+    <dgm:txFillClrLst meth="repeat">
+      <a:schemeClr val="lt1"/>
+    </dgm:txFillClrLst>
+    <dgm:txEffectClrLst/>
+  </dgm:styleLbl>
+  <dgm:styleLbl name="fgShp">
+    <dgm:fillClrLst meth="repeat">
+      <a:schemeClr val="accent2">
+        <a:tint val="60000"/>
+      </a:schemeClr>
+    </dgm:fillClrLst>
+    <dgm:linClrLst meth="repeat">
+      <a:schemeClr val="lt1"/>
+    </dgm:linClrLst>
+    <dgm:effectClrLst/>
+    <dgm:txLinClrLst/>
+    <dgm:txFillClrLst meth="repeat">
+      <a:schemeClr val="dk1"/>
+    </dgm:txFillClrLst>
+    <dgm:txEffectClrLst/>
+  </dgm:styleLbl>
+  <dgm:styleLbl name="revTx">
+    <dgm:fillClrLst meth="repeat">
+      <a:schemeClr val="lt1">
+        <a:alpha val="0"/>
+      </a:schemeClr>
+    </dgm:fillClrLst>
+    <dgm:linClrLst meth="repeat">
+      <a:schemeClr val="dk1">
+        <a:alpha val="0"/>
+      </a:schemeClr>
+    </dgm:linClrLst>
+    <dgm:effectClrLst/>
+    <dgm:txLinClrLst/>
+    <dgm:txFillClrLst meth="repeat">
+      <a:schemeClr val="tx1"/>
+    </dgm:txFillClrLst>
+    <dgm:txEffectClrLst/>
+  </dgm:styleLbl>
+</dgm:colorsDef>
+</file>
+
+<file path=ppt/diagrams/colors3.xml><?xml version="1.0" encoding="utf-8"?>
+<dgm:colorsDef xmlns:dgm="http://schemas.openxmlformats.org/drawingml/2006/diagram" xmlns:a="http://schemas.openxmlformats.org/drawingml/2006/main" uniqueId="urn:microsoft.com/office/officeart/2005/8/colors/accent1_2">
+  <dgm:title val=""/>
+  <dgm:desc val=""/>
+  <dgm:catLst>
+    <dgm:cat type="accent1" pri="11200"/>
+  </dgm:catLst>
+  <dgm:styleLbl name="node0">
+    <dgm:fillClrLst meth="repeat">
+      <a:schemeClr val="accent1"/>
+    </dgm:fillClrLst>
+    <dgm:linClrLst meth="repeat">
+      <a:schemeClr val="lt1"/>
+    </dgm:linClrLst>
+    <dgm:effectClrLst/>
+    <dgm:txLinClrLst/>
+    <dgm:txFillClrLst/>
+    <dgm:txEffectClrLst/>
+  </dgm:styleLbl>
+  <dgm:styleLbl name="alignNode1">
+    <dgm:fillClrLst meth="repeat">
+      <a:schemeClr val="accent1"/>
+    </dgm:fillClrLst>
+    <dgm:linClrLst meth="repeat">
+      <a:schemeClr val="accent1"/>
+    </dgm:linClrLst>
+    <dgm:effectClrLst/>
+    <dgm:txLinClrLst/>
+    <dgm:txFillClrLst/>
+    <dgm:txEffectClrLst/>
+  </dgm:styleLbl>
+  <dgm:styleLbl name="node1">
+    <dgm:fillClrLst meth="repeat">
+      <a:schemeClr val="accent1"/>
+    </dgm:fillClrLst>
+    <dgm:linClrLst meth="repeat">
+      <a:schemeClr val="lt1"/>
+    </dgm:linClrLst>
+    <dgm:effectClrLst/>
+    <dgm:txLinClrLst/>
+    <dgm:txFillClrLst/>
+    <dgm:txEffectClrLst/>
+  </dgm:styleLbl>
+  <dgm:styleLbl name="lnNode1">
+    <dgm:fillClrLst meth="repeat">
+      <a:schemeClr val="accent1"/>
+    </dgm:fillClrLst>
+    <dgm:linClrLst meth="repeat">
+      <a:schemeClr val="lt1"/>
+    </dgm:linClrLst>
+    <dgm:effectClrLst/>
+    <dgm:txLinClrLst/>
+    <dgm:txFillClrLst/>
+    <dgm:txEffectClrLst/>
+  </dgm:styleLbl>
+  <dgm:styleLbl name="vennNode1">
+    <dgm:fillClrLst meth="repeat">
+      <a:schemeClr val="accent1">
+        <a:alpha val="50000"/>
+      </a:schemeClr>
+    </dgm:fillClrLst>
+    <dgm:linClrLst meth="repeat">
+      <a:schemeClr val="lt1"/>
+    </dgm:linClrLst>
+    <dgm:effectClrLst/>
+    <dgm:txLinClrLst/>
+    <dgm:txFillClrLst/>
+    <dgm:txEffectClrLst/>
+  </dgm:styleLbl>
+  <dgm:styleLbl name="node2">
+    <dgm:fillClrLst meth="repeat">
+      <a:schemeClr val="accent1"/>
+    </dgm:fillClrLst>
+    <dgm:linClrLst meth="repeat">
+      <a:schemeClr val="lt1"/>
+    </dgm:linClrLst>
+    <dgm:effectClrLst/>
+    <dgm:txLinClrLst/>
+    <dgm:txFillClrLst/>
+    <dgm:txEffectClrLst/>
+  </dgm:styleLbl>
+  <dgm:styleLbl name="node3">
+    <dgm:fillClrLst meth="repeat">
+      <a:schemeClr val="accent1"/>
+    </dgm:fillClrLst>
+    <dgm:linClrLst meth="repeat">
+      <a:schemeClr val="lt1"/>
+    </dgm:linClrLst>
+    <dgm:effectClrLst/>
+    <dgm:txLinClrLst/>
+    <dgm:txFillClrLst/>
+    <dgm:txEffectClrLst/>
+  </dgm:styleLbl>
+  <dgm:styleLbl name="node4">
+    <dgm:fillClrLst meth="repeat">
+      <a:schemeClr val="accent1"/>
+    </dgm:fillClrLst>
+    <dgm:linClrLst meth="repeat">
+      <a:schemeClr val="lt1"/>
+    </dgm:linClrLst>
+    <dgm:effectClrLst/>
+    <dgm:txLinClrLst/>
+    <dgm:txFillClrLst/>
+    <dgm:txEffectClrLst/>
+  </dgm:styleLbl>
+  <dgm:styleLbl name="fgImgPlace1">
+    <dgm:fillClrLst meth="repeat">
+      <a:schemeClr val="accent1">
+        <a:tint val="50000"/>
+      </a:schemeClr>
+    </dgm:fillClrLst>
+    <dgm:linClrLst meth="repeat">
+      <a:schemeClr val="lt1"/>
+    </dgm:linClrLst>
+    <dgm:effectClrLst/>
+    <dgm:txLinClrLst/>
+    <dgm:txFillClrLst meth="repeat">
+      <a:schemeClr val="lt1"/>
+    </dgm:txFillClrLst>
+    <dgm:txEffectClrLst/>
+  </dgm:styleLbl>
+  <dgm:styleLbl name="alignImgPlace1">
+    <dgm:fillClrLst meth="repeat">
+      <a:schemeClr val="accent1">
+        <a:tint val="50000"/>
+      </a:schemeClr>
+    </dgm:fillClrLst>
+    <dgm:linClrLst meth="repeat">
+      <a:schemeClr val="lt1"/>
+    </dgm:linClrLst>
+    <dgm:effectClrLst/>
+    <dgm:txLinClrLst/>
+    <dgm:txFillClrLst meth="repeat">
+      <a:schemeClr val="lt1"/>
+    </dgm:txFillClrLst>
+    <dgm:txEffectClrLst/>
+  </dgm:styleLbl>
+  <dgm:styleLbl name="bgImgPlace1">
+    <dgm:fillClrLst meth="repeat">
+      <a:schemeClr val="accent1">
+        <a:tint val="50000"/>
+      </a:schemeClr>
+    </dgm:fillClrLst>
+    <dgm:linClrLst meth="repeat">
+      <a:schemeClr val="lt1"/>
+    </dgm:linClrLst>
+    <dgm:effectClrLst/>
+    <dgm:txLinClrLst/>
+    <dgm:txFillClrLst meth="repeat">
+      <a:schemeClr val="lt1"/>
+    </dgm:txFillClrLst>
+    <dgm:txEffectClrLst/>
+  </dgm:styleLbl>
+  <dgm:styleLbl name="sibTrans2D1">
+    <dgm:fillClrLst meth="repeat">
+      <a:schemeClr val="accent1">
+        <a:tint val="60000"/>
+      </a:schemeClr>
+    </dgm:fillClrLst>
+    <dgm:linClrLst meth="repeat">
+      <a:schemeClr val="accent1">
+        <a:tint val="60000"/>
+      </a:schemeClr>
+    </dgm:linClrLst>
+    <dgm:effectClrLst/>
+    <dgm:txLinClrLst/>
+    <dgm:txFillClrLst/>
+    <dgm:txEffectClrLst/>
+  </dgm:styleLbl>
+  <dgm:styleLbl name="fgSibTrans2D1">
+    <dgm:fillClrLst meth="repeat">
+      <a:schemeClr val="accent1">
+        <a:tint val="60000"/>
+      </a:schemeClr>
+    </dgm:fillClrLst>
+    <dgm:linClrLst meth="repeat">
+      <a:schemeClr val="accent1">
+        <a:tint val="60000"/>
+      </a:schemeClr>
+    </dgm:linClrLst>
+    <dgm:effectClrLst/>
+    <dgm:txLinClrLst/>
+    <dgm:txFillClrLst/>
+    <dgm:txEffectClrLst/>
+  </dgm:styleLbl>
+  <dgm:styleLbl name="bgSibTrans2D1">
+    <dgm:fillClrLst meth="repeat">
+      <a:schemeClr val="accent1">
+        <a:tint val="60000"/>
+      </a:schemeClr>
+    </dgm:fillClrLst>
+    <dgm:linClrLst meth="repeat">
+      <a:schemeClr val="accent1">
+        <a:tint val="60000"/>
+      </a:schemeClr>
+    </dgm:linClrLst>
+    <dgm:effectClrLst/>
+    <dgm:txLinClrLst/>
+    <dgm:txFillClrLst/>
+    <dgm:txEffectClrLst/>
+  </dgm:styleLbl>
+  <dgm:styleLbl name="sibTrans1D1">
+    <dgm:fillClrLst meth="repeat">
+      <a:schemeClr val="accent1"/>
+    </dgm:fillClrLst>
+    <dgm:linClrLst meth="repeat">
+      <a:schemeClr val="accent1"/>
+    </dgm:linClrLst>
+    <dgm:effectClrLst/>
+    <dgm:txLinClrLst/>
+    <dgm:txFillClrLst meth="repeat">
+      <a:schemeClr val="tx1"/>
+    </dgm:txFillClrLst>
+    <dgm:txEffectClrLst/>
+  </dgm:styleLbl>
+  <dgm:styleLbl name="callout">
+    <dgm:fillClrLst meth="repeat">
+      <a:schemeClr val="accent1"/>
+    </dgm:fillClrLst>
+    <dgm:linClrLst meth="repeat">
+      <a:schemeClr val="accent1">
+        <a:tint val="50000"/>
+      </a:schemeClr>
+    </dgm:linClrLst>
+    <dgm:effectClrLst/>
+    <dgm:txLinClrLst/>
+    <dgm:txFillClrLst meth="repeat">
+      <a:schemeClr val="tx1"/>
+    </dgm:txFillClrLst>
+    <dgm:txEffectClrLst/>
+  </dgm:styleLbl>
+  <dgm:styleLbl name="asst0">
+    <dgm:fillClrLst meth="repeat">
+      <a:schemeClr val="accent1"/>
+    </dgm:fillClrLst>
+    <dgm:linClrLst meth="repeat">
+      <a:schemeClr val="lt1"/>
+    </dgm:linClrLst>
+    <dgm:effectClrLst/>
+    <dgm:txLinClrLst/>
+    <dgm:txFillClrLst/>
+    <dgm:txEffectClrLst/>
+  </dgm:styleLbl>
+  <dgm:styleLbl name="asst1">
+    <dgm:fillClrLst meth="repeat">
+      <a:schemeClr val="accent1"/>
+    </dgm:fillClrLst>
+    <dgm:linClrLst meth="repeat">
+      <a:schemeClr val="lt1"/>
+    </dgm:linClrLst>
+    <dgm:effectClrLst/>
+    <dgm:txLinClrLst/>
+    <dgm:txFillClrLst/>
+    <dgm:txEffectClrLst/>
+  </dgm:styleLbl>
+  <dgm:styleLbl name="asst2">
+    <dgm:fillClrLst meth="repeat">
+      <a:schemeClr val="accent1"/>
+    </dgm:fillClrLst>
+    <dgm:linClrLst meth="repeat">
+      <a:schemeClr val="lt1"/>
+    </dgm:linClrLst>
+    <dgm:effectClrLst/>
+    <dgm:txLinClrLst/>
+    <dgm:txFillClrLst/>
+    <dgm:txEffectClrLst/>
+  </dgm:styleLbl>
+  <dgm:styleLbl name="asst3">
+    <dgm:fillClrLst meth="repeat">
+      <a:schemeClr val="accent1"/>
+    </dgm:fillClrLst>
+    <dgm:linClrLst meth="repeat">
+      <a:schemeClr val="lt1"/>
+    </dgm:linClrLst>
+    <dgm:effectClrLst/>
+    <dgm:txLinClrLst/>
+    <dgm:txFillClrLst/>
+    <dgm:txEffectClrLst/>
+  </dgm:styleLbl>
+  <dgm:styleLbl name="asst4">
+    <dgm:fillClrLst meth="repeat">
+      <a:schemeClr val="accent1"/>
+    </dgm:fillClrLst>
+    <dgm:linClrLst meth="repeat">
+      <a:schemeClr val="lt1"/>
+    </dgm:linClrLst>
+    <dgm:effectClrLst/>
+    <dgm:txLinClrLst/>
+    <dgm:txFillClrLst/>
+    <dgm:txEffectClrLst/>
+  </dgm:styleLbl>
+  <dgm:styleLbl name="parChTrans2D1">
+    <dgm:fillClrLst meth="repeat">
+      <a:schemeClr val="accent1">
+        <a:tint val="60000"/>
+      </a:schemeClr>
+    </dgm:fillClrLst>
+    <dgm:linClrLst meth="repeat">
+      <a:schemeClr val="accent1">
+        <a:tint val="60000"/>
+      </a:schemeClr>
+    </dgm:linClrLst>
+    <dgm:effectClrLst/>
+    <dgm:txLinClrLst/>
+    <dgm:txFillClrLst meth="repeat">
+      <a:schemeClr val="lt1"/>
+    </dgm:txFillClrLst>
+    <dgm:txEffectClrLst/>
+  </dgm:styleLbl>
+  <dgm:styleLbl name="parChTrans2D2">
+    <dgm:fillClrLst meth="repeat">
+      <a:schemeClr val="accent1"/>
+    </dgm:fillClrLst>
+    <dgm:linClrLst meth="repeat">
+      <a:schemeClr val="accent1"/>
+    </dgm:linClrLst>
+    <dgm:effectClrLst/>
+    <dgm:txLinClrLst/>
+    <dgm:txFillClrLst meth="repeat">
+      <a:schemeClr val="lt1"/>
+    </dgm:txFillClrLst>
+    <dgm:txEffectClrLst/>
+  </dgm:styleLbl>
+  <dgm:styleLbl name="parChTrans2D3">
+    <dgm:fillClrLst meth="repeat">
+      <a:schemeClr val="accent1"/>
+    </dgm:fillClrLst>
+    <dgm:linClrLst meth="repeat">
+      <a:schemeClr val="accent1"/>
+    </dgm:linClrLst>
+    <dgm:effectClrLst/>
+    <dgm:txLinClrLst/>
+    <dgm:txFillClrLst meth="repeat">
+      <a:schemeClr val="lt1"/>
+    </dgm:txFillClrLst>
+    <dgm:txEffectClrLst/>
+  </dgm:styleLbl>
+  <dgm:styleLbl name="parChTrans2D4">
+    <dgm:fillClrLst meth="repeat">
+      <a:schemeClr val="accent1"/>
+    </dgm:fillClrLst>
+    <dgm:linClrLst meth="repeat">
+      <a:schemeClr val="accent1"/>
+    </dgm:linClrLst>
+    <dgm:effectClrLst/>
+    <dgm:txLinClrLst/>
+    <dgm:txFillClrLst meth="repeat">
+      <a:schemeClr val="lt1"/>
+    </dgm:txFillClrLst>
+    <dgm:txEffectClrLst/>
+  </dgm:styleLbl>
+  <dgm:styleLbl name="parChTrans1D1">
+    <dgm:fillClrLst meth="repeat">
+      <a:schemeClr val="accent1"/>
+    </dgm:fillClrLst>
+    <dgm:linClrLst meth="repeat">
+      <a:schemeClr val="accent1">
+        <a:shade val="60000"/>
+      </a:schemeClr>
+    </dgm:linClrLst>
+    <dgm:effectClrLst/>
+    <dgm:txLinClrLst/>
+    <dgm:txFillClrLst meth="repeat">
+      <a:schemeClr val="tx1"/>
+    </dgm:txFillClrLst>
+    <dgm:txEffectClrLst/>
+  </dgm:styleLbl>
+  <dgm:styleLbl name="parChTrans1D2">
+    <dgm:fillClrLst meth="repeat">
+      <a:schemeClr val="accent1"/>
+    </dgm:fillClrLst>
+    <dgm:linClrLst meth="repeat">
+      <a:schemeClr val="accent1">
+        <a:shade val="60000"/>
+      </a:schemeClr>
+    </dgm:linClrLst>
+    <dgm:effectClrLst/>
+    <dgm:txLinClrLst/>
+    <dgm:txFillClrLst meth="repeat">
+      <a:schemeClr val="tx1"/>
+    </dgm:txFillClrLst>
+    <dgm:txEffectClrLst/>
+  </dgm:styleLbl>
+  <dgm:styleLbl name="parChTrans1D3">
+    <dgm:fillClrLst meth="repeat">
+      <a:schemeClr val="accent1"/>
+    </dgm:fillClrLst>
+    <dgm:linClrLst meth="repeat">
+      <a:schemeClr val="accent1">
+        <a:shade val="80000"/>
+      </a:schemeClr>
+    </dgm:linClrLst>
+    <dgm:effectClrLst/>
+    <dgm:txLinClrLst/>
+    <dgm:txFillClrLst meth="repeat">
+      <a:schemeClr val="tx1"/>
+    </dgm:txFillClrLst>
+    <dgm:txEffectClrLst/>
+  </dgm:styleLbl>
+  <dgm:styleLbl name="parChTrans1D4">
+    <dgm:fillClrLst meth="repeat">
+      <a:schemeClr val="accent1"/>
+    </dgm:fillClrLst>
+    <dgm:linClrLst meth="repeat">
+      <a:schemeClr val="accent1">
+        <a:shade val="80000"/>
+      </a:schemeClr>
+    </dgm:linClrLst>
+    <dgm:effectClrLst/>
+    <dgm:txLinClrLst/>
+    <dgm:txFillClrLst meth="repeat">
+      <a:schemeClr val="tx1"/>
+    </dgm:txFillClrLst>
+    <dgm:txEffectClrLst/>
+  </dgm:styleLbl>
+  <dgm:styleLbl name="fgAcc1">
+    <dgm:fillClrLst meth="repeat">
+      <a:schemeClr val="lt1">
+        <a:alpha val="90000"/>
+      </a:schemeClr>
+    </dgm:fillClrLst>
+    <dgm:linClrLst meth="repeat">
+      <a:schemeClr val="accent1"/>
+    </dgm:linClrLst>
+    <dgm:effectClrLst/>
+    <dgm:txLinClrLst/>
+    <dgm:txFillClrLst meth="repeat">
+      <a:schemeClr val="dk1"/>
+    </dgm:txFillClrLst>
+    <dgm:txEffectClrLst/>
+  </dgm:styleLbl>
+  <dgm:styleLbl name="conFgAcc1">
+    <dgm:fillClrLst meth="repeat">
+      <a:schemeClr val="lt1">
+        <a:alpha val="90000"/>
+      </a:schemeClr>
+    </dgm:fillClrLst>
+    <dgm:linClrLst meth="repeat">
+      <a:schemeClr val="accent1"/>
+    </dgm:linClrLst>
+    <dgm:effectClrLst/>
+    <dgm:txLinClrLst/>
+    <dgm:txFillClrLst meth="repeat">
+      <a:schemeClr val="dk1"/>
+    </dgm:txFillClrLst>
+    <dgm:txEffectClrLst/>
+  </dgm:styleLbl>
+  <dgm:styleLbl name="alignAcc1">
+    <dgm:fillClrLst meth="repeat">
+      <a:schemeClr val="lt1">
+        <a:alpha val="90000"/>
+      </a:schemeClr>
+    </dgm:fillClrLst>
+    <dgm:linClrLst meth="repeat">
+      <a:schemeClr val="accent1"/>
+    </dgm:linClrLst>
+    <dgm:effectClrLst/>
+    <dgm:txLinClrLst/>
+    <dgm:txFillClrLst meth="repeat">
+      <a:schemeClr val="dk1"/>
+    </dgm:txFillClrLst>
+    <dgm:txEffectClrLst/>
+  </dgm:styleLbl>
+  <dgm:styleLbl name="trAlignAcc1">
+    <dgm:fillClrLst meth="repeat">
+      <a:schemeClr val="lt1">
+        <a:alpha val="40000"/>
+      </a:schemeClr>
+    </dgm:fillClrLst>
+    <dgm:linClrLst meth="repeat">
+      <a:schemeClr val="accent1"/>
+    </dgm:linClrLst>
+    <dgm:effectClrLst/>
+    <dgm:txLinClrLst/>
+    <dgm:txFillClrLst meth="repeat">
+      <a:schemeClr val="dk1"/>
+    </dgm:txFillClrLst>
+    <dgm:txEffectClrLst/>
+  </dgm:styleLbl>
+  <dgm:styleLbl name="bgAcc1">
+    <dgm:fillClrLst meth="repeat">
+      <a:schemeClr val="lt1">
+        <a:alpha val="90000"/>
+      </a:schemeClr>
+    </dgm:fillClrLst>
+    <dgm:linClrLst meth="repeat">
+      <a:schemeClr val="accent1"/>
+    </dgm:linClrLst>
+    <dgm:effectClrLst/>
+    <dgm:txLinClrLst/>
+    <dgm:txFillClrLst meth="repeat">
+      <a:schemeClr val="dk1"/>
+    </dgm:txFillClrLst>
+    <dgm:txEffectClrLst/>
+  </dgm:styleLbl>
+  <dgm:styleLbl name="solidFgAcc1">
+    <dgm:fillClrLst meth="repeat">
+      <a:schemeClr val="lt1"/>
+    </dgm:fillClrLst>
+    <dgm:linClrLst meth="repeat">
+      <a:schemeClr val="accent1"/>
+    </dgm:linClrLst>
+    <dgm:effectClrLst/>
+    <dgm:txLinClrLst/>
+    <dgm:txFillClrLst meth="repeat">
+      <a:schemeClr val="dk1"/>
+    </dgm:txFillClrLst>
+    <dgm:txEffectClrLst/>
+  </dgm:styleLbl>
+  <dgm:styleLbl name="solidAlignAcc1">
+    <dgm:fillClrLst meth="repeat">
+      <a:schemeClr val="lt1"/>
+    </dgm:fillClrLst>
+    <dgm:linClrLst meth="repeat">
+      <a:schemeClr val="accent1"/>
+    </dgm:linClrLst>
+    <dgm:effectClrLst/>
+    <dgm:txLinClrLst/>
+    <dgm:txFillClrLst meth="repeat">
+      <a:schemeClr val="dk1"/>
+    </dgm:txFillClrLst>
+    <dgm:txEffectClrLst/>
+  </dgm:styleLbl>
+  <dgm:styleLbl name="solidBgAcc1">
+    <dgm:fillClrLst meth="repeat">
+      <a:schemeClr val="lt1"/>
+    </dgm:fillClrLst>
+    <dgm:linClrLst meth="repeat">
+      <a:schemeClr val="accent1"/>
+    </dgm:linClrLst>
+    <dgm:effectClrLst/>
+    <dgm:txLinClrLst/>
+    <dgm:txFillClrLst meth="repeat">
+      <a:schemeClr val="dk1"/>
+    </dgm:txFillClrLst>
+    <dgm:txEffectClrLst/>
+  </dgm:styleLbl>
+  <dgm:styleLbl name="fgAccFollowNode1">
+    <dgm:fillClrLst meth="repeat">
+      <a:schemeClr val="accent1">
+        <a:alpha val="90000"/>
+        <a:tint val="40000"/>
+      </a:schemeClr>
+    </dgm:fillClrLst>
+    <dgm:linClrLst meth="repeat">
+      <a:schemeClr val="accent1">
+        <a:alpha val="90000"/>
+        <a:tint val="40000"/>
+      </a:schemeClr>
+    </dgm:linClrLst>
+    <dgm:effectClrLst/>
+    <dgm:txLinClrLst/>
+    <dgm:txFillClrLst meth="repeat">
+      <a:schemeClr val="dk1"/>
+    </dgm:txFillClrLst>
+    <dgm:txEffectClrLst/>
+  </dgm:styleLbl>
+  <dgm:styleLbl name="alignAccFollowNode1">
+    <dgm:fillClrLst meth="repeat">
+      <a:schemeClr val="accent1">
+        <a:alpha val="90000"/>
+        <a:tint val="40000"/>
+      </a:schemeClr>
+    </dgm:fillClrLst>
+    <dgm:linClrLst meth="repeat">
+      <a:schemeClr val="accent1">
+        <a:alpha val="90000"/>
+        <a:tint val="40000"/>
+      </a:schemeClr>
+    </dgm:linClrLst>
+    <dgm:effectClrLst/>
+    <dgm:txLinClrLst/>
+    <dgm:txFillClrLst meth="repeat">
+      <a:schemeClr val="dk1"/>
+    </dgm:txFillClrLst>
+    <dgm:txEffectClrLst/>
+  </dgm:styleLbl>
+  <dgm:styleLbl name="bgAccFollowNode1">
+    <dgm:fillClrLst meth="repeat">
+      <a:schemeClr val="accent1">
+        <a:alpha val="90000"/>
+        <a:tint val="40000"/>
+      </a:schemeClr>
+    </dgm:fillClrLst>
+    <dgm:linClrLst meth="repeat">
+      <a:schemeClr val="accent1">
+        <a:alpha val="90000"/>
+        <a:tint val="40000"/>
+      </a:schemeClr>
+    </dgm:linClrLst>
+    <dgm:effectClrLst/>
+    <dgm:txLinClrLst/>
+    <dgm:txFillClrLst meth="repeat">
+      <a:schemeClr val="dk1"/>
+    </dgm:txFillClrLst>
+    <dgm:txEffectClrLst/>
+  </dgm:styleLbl>
+  <dgm:styleLbl name="fgAcc0">
+    <dgm:fillClrLst meth="repeat">
+      <a:schemeClr val="lt1">
+        <a:alpha val="90000"/>
+      </a:schemeClr>
+    </dgm:fillClrLst>
+    <dgm:linClrLst meth="repeat">
+      <a:schemeClr val="accent1"/>
+    </dgm:linClrLst>
+    <dgm:effectClrLst/>
+    <dgm:txLinClrLst/>
+    <dgm:txFillClrLst meth="repeat">
+      <a:schemeClr val="dk1"/>
+    </dgm:txFillClrLst>
+    <dgm:txEffectClrLst/>
+  </dgm:styleLbl>
+  <dgm:styleLbl name="fgAcc2">
+    <dgm:fillClrLst meth="repeat">
+      <a:schemeClr val="lt1">
+        <a:alpha val="90000"/>
+      </a:schemeClr>
+    </dgm:fillClrLst>
+    <dgm:linClrLst meth="repeat">
+      <a:schemeClr val="accent1"/>
+    </dgm:linClrLst>
+    <dgm:effectClrLst/>
+    <dgm:txLinClrLst/>
+    <dgm:txFillClrLst meth="repeat">
+      <a:schemeClr val="dk1"/>
+    </dgm:txFillClrLst>
+    <dgm:txEffectClrLst/>
+  </dgm:styleLbl>
+  <dgm:styleLbl name="fgAcc3">
+    <dgm:fillClrLst meth="repeat">
+      <a:schemeClr val="lt1">
+        <a:alpha val="90000"/>
+      </a:schemeClr>
+    </dgm:fillClrLst>
+    <dgm:linClrLst meth="repeat">
+      <a:schemeClr val="accent1"/>
+    </dgm:linClrLst>
+    <dgm:effectClrLst/>
+    <dgm:txLinClrLst/>
+    <dgm:txFillClrLst meth="repeat">
+      <a:schemeClr val="dk1"/>
+    </dgm:txFillClrLst>
+    <dgm:txEffectClrLst/>
+  </dgm:styleLbl>
+  <dgm:styleLbl name="fgAcc4">
+    <dgm:fillClrLst meth="repeat">
+      <a:schemeClr val="lt1">
+        <a:alpha val="90000"/>
+      </a:schemeClr>
+    </dgm:fillClrLst>
+    <dgm:linClrLst meth="repeat">
+      <a:schemeClr val="accent1"/>
+    </dgm:linClrLst>
+    <dgm:effectClrLst/>
+    <dgm:txLinClrLst/>
+    <dgm:txFillClrLst meth="repeat">
+      <a:schemeClr val="dk1"/>
+    </dgm:txFillClrLst>
+    <dgm:txEffectClrLst/>
+  </dgm:styleLbl>
+  <dgm:styleLbl name="bgShp">
+    <dgm:fillClrLst meth="repeat">
+      <a:schemeClr val="accent1">
+        <a:tint val="40000"/>
+      </a:schemeClr>
+    </dgm:fillClrLst>
+    <dgm:linClrLst meth="repeat">
+      <a:schemeClr val="accent1"/>
+    </dgm:linClrLst>
+    <dgm:effectClrLst/>
+    <dgm:txLinClrLst/>
+    <dgm:txFillClrLst meth="repeat">
+      <a:schemeClr val="dk1"/>
+    </dgm:txFillClrLst>
+    <dgm:txEffectClrLst/>
+  </dgm:styleLbl>
+  <dgm:styleLbl name="dkBgShp">
+    <dgm:fillClrLst meth="repeat">
+      <a:schemeClr val="accent1">
+        <a:shade val="80000"/>
+      </a:schemeClr>
+    </dgm:fillClrLst>
+    <dgm:linClrLst meth="repeat">
+      <a:schemeClr val="accent1"/>
+    </dgm:linClrLst>
+    <dgm:effectClrLst/>
+    <dgm:txLinClrLst/>
+    <dgm:txFillClrLst meth="repeat">
+      <a:schemeClr val="lt1"/>
+    </dgm:txFillClrLst>
+    <dgm:txEffectClrLst/>
+  </dgm:styleLbl>
+  <dgm:styleLbl name="trBgShp">
+    <dgm:fillClrLst meth="repeat">
+      <a:schemeClr val="accent1">
+        <a:tint val="50000"/>
+        <a:alpha val="40000"/>
+      </a:schemeClr>
+    </dgm:fillClrLst>
+    <dgm:linClrLst meth="repeat">
+      <a:schemeClr val="accent1"/>
+    </dgm:linClrLst>
+    <dgm:effectClrLst/>
+    <dgm:txLinClrLst/>
+    <dgm:txFillClrLst meth="repeat">
+      <a:schemeClr val="lt1"/>
+    </dgm:txFillClrLst>
+    <dgm:txEffectClrLst/>
+  </dgm:styleLbl>
+  <dgm:styleLbl name="fgShp">
+    <dgm:fillClrLst meth="repeat">
+      <a:schemeClr val="accent1">
+        <a:tint val="60000"/>
+      </a:schemeClr>
+    </dgm:fillClrLst>
+    <dgm:linClrLst meth="repeat">
+      <a:schemeClr val="lt1"/>
+    </dgm:linClrLst>
+    <dgm:effectClrLst/>
+    <dgm:txLinClrLst/>
+    <dgm:txFillClrLst meth="repeat">
+      <a:schemeClr val="dk1"/>
+    </dgm:txFillClrLst>
+    <dgm:txEffectClrLst/>
+  </dgm:styleLbl>
+  <dgm:styleLbl name="revTx">
+    <dgm:fillClrLst meth="repeat">
+      <a:schemeClr val="lt1">
+        <a:alpha val="0"/>
+      </a:schemeClr>
+    </dgm:fillClrLst>
+    <dgm:linClrLst meth="repeat">
+      <a:schemeClr val="dk1">
+        <a:alpha val="0"/>
+      </a:schemeClr>
+    </dgm:linClrLst>
+    <dgm:effectClrLst/>
+    <dgm:txLinClrLst/>
+    <dgm:txFillClrLst meth="repeat">
+      <a:schemeClr val="tx1"/>
+    </dgm:txFillClrLst>
+    <dgm:txEffectClrLst/>
+  </dgm:styleLbl>
+</dgm:colorsDef>
+</file>
+
 <file path=ppt/diagrams/data1.xml><?xml version="1.0" encoding="utf-8"?>
+<dgm:dataModel xmlns:dgm="http://schemas.openxmlformats.org/drawingml/2006/diagram" xmlns:a="http://schemas.openxmlformats.org/drawingml/2006/main">
+  <dgm:ptLst>
+    <dgm:pt modelId="{6D48E645-07D1-47EC-84D2-87F7CEDB6122}" type="doc">
+      <dgm:prSet loTypeId="urn:microsoft.com/office/officeart/2005/8/layout/orgChart1" loCatId="hierarchy" qsTypeId="urn:microsoft.com/office/officeart/2005/8/quickstyle/simple1" qsCatId="simple" csTypeId="urn:microsoft.com/office/officeart/2005/8/colors/accent1_2" csCatId="accent1" phldr="1"/>
+      <dgm:spPr/>
+      <dgm:t>
+        <a:bodyPr/>
+        <a:lstStyle/>
+        <a:p>
+          <a:endParaRPr lang="fr-FR"/>
+        </a:p>
+      </dgm:t>
+    </dgm:pt>
+    <dgm:pt modelId="{30D33028-5A92-46DA-B471-3D47002425A5}">
+      <dgm:prSet phldrT="[Texte]"/>
+      <dgm:spPr/>
+      <dgm:t>
+        <a:bodyPr/>
+        <a:lstStyle/>
+        <a:p>
+          <a:r>
+            <a:rPr lang="fr-FR" dirty="0"/>
+            <a:t>Julien </a:t>
+          </a:r>
+        </a:p>
+        <a:p>
+          <a:r>
+            <a:rPr lang="fr-FR" dirty="0"/>
+            <a:t>Chef de projet</a:t>
+          </a:r>
+        </a:p>
+      </dgm:t>
+    </dgm:pt>
+    <dgm:pt modelId="{1B937B51-1C72-46DD-8F8D-0D69635B8A9E}" type="parTrans" cxnId="{FDE0E829-9899-4894-8470-37C5A1E2FFA7}">
+      <dgm:prSet/>
+      <dgm:spPr/>
+      <dgm:t>
+        <a:bodyPr/>
+        <a:lstStyle/>
+        <a:p>
+          <a:endParaRPr lang="fr-FR"/>
+        </a:p>
+      </dgm:t>
+    </dgm:pt>
+    <dgm:pt modelId="{1CC8E548-8B19-4862-ADB2-25DB61AC92A2}" type="sibTrans" cxnId="{FDE0E829-9899-4894-8470-37C5A1E2FFA7}">
+      <dgm:prSet/>
+      <dgm:spPr/>
+      <dgm:t>
+        <a:bodyPr/>
+        <a:lstStyle/>
+        <a:p>
+          <a:endParaRPr lang="fr-FR"/>
+        </a:p>
+      </dgm:t>
+    </dgm:pt>
+    <dgm:pt modelId="{80DC48A6-36A4-4141-B6D0-8D005D16BA4F}" type="asst">
+      <dgm:prSet phldrT="[Texte]"/>
+      <dgm:spPr/>
+      <dgm:t>
+        <a:bodyPr/>
+        <a:lstStyle/>
+        <a:p>
+          <a:r>
+            <a:rPr lang="fr-FR" dirty="0"/>
+            <a:t>Adrien</a:t>
+          </a:r>
+        </a:p>
+        <a:p>
+          <a:r>
+            <a:rPr lang="fr-FR" dirty="0"/>
+            <a:t>Développeur</a:t>
+          </a:r>
+        </a:p>
+      </dgm:t>
+    </dgm:pt>
+    <dgm:pt modelId="{D61F5BEF-E075-4280-9094-6264F8115905}" type="parTrans" cxnId="{39D46205-0498-4F71-A415-839747679770}">
+      <dgm:prSet/>
+      <dgm:spPr/>
+      <dgm:t>
+        <a:bodyPr/>
+        <a:lstStyle/>
+        <a:p>
+          <a:endParaRPr lang="fr-FR"/>
+        </a:p>
+      </dgm:t>
+    </dgm:pt>
+    <dgm:pt modelId="{BA63CEAE-A8BB-49F2-859A-3CCDCECB19D8}" type="sibTrans" cxnId="{39D46205-0498-4F71-A415-839747679770}">
+      <dgm:prSet/>
+      <dgm:spPr/>
+      <dgm:t>
+        <a:bodyPr/>
+        <a:lstStyle/>
+        <a:p>
+          <a:endParaRPr lang="fr-FR"/>
+        </a:p>
+      </dgm:t>
+    </dgm:pt>
+    <dgm:pt modelId="{62AB692F-E81D-4BE1-ADA7-DD4D8CDC4E49}" type="asst">
+      <dgm:prSet phldrT="[Texte]"/>
+      <dgm:spPr/>
+      <dgm:t>
+        <a:bodyPr/>
+        <a:lstStyle/>
+        <a:p>
+          <a:r>
+            <a:rPr lang="fr-FR" dirty="0"/>
+            <a:t>Daniel Développeur</a:t>
+          </a:r>
+        </a:p>
+      </dgm:t>
+    </dgm:pt>
+    <dgm:pt modelId="{BEDA413A-0676-44D8-A508-47B350F4898F}" type="parTrans" cxnId="{AB2BDE04-DEBC-47DA-973E-8F94AFAB1E6D}">
+      <dgm:prSet/>
+      <dgm:spPr/>
+      <dgm:t>
+        <a:bodyPr/>
+        <a:lstStyle/>
+        <a:p>
+          <a:endParaRPr lang="fr-FR"/>
+        </a:p>
+      </dgm:t>
+    </dgm:pt>
+    <dgm:pt modelId="{B6D1CD08-37C7-43CE-81B5-E35BC0EFF117}" type="sibTrans" cxnId="{AB2BDE04-DEBC-47DA-973E-8F94AFAB1E6D}">
+      <dgm:prSet/>
+      <dgm:spPr/>
+      <dgm:t>
+        <a:bodyPr/>
+        <a:lstStyle/>
+        <a:p>
+          <a:endParaRPr lang="fr-FR"/>
+        </a:p>
+      </dgm:t>
+    </dgm:pt>
+    <dgm:pt modelId="{42A8B46B-437D-45A0-A921-2B4B6EF8E41B}" type="pres">
+      <dgm:prSet presAssocID="{6D48E645-07D1-47EC-84D2-87F7CEDB6122}" presName="hierChild1" presStyleCnt="0">
+        <dgm:presLayoutVars>
+          <dgm:orgChart val="1"/>
+          <dgm:chPref val="1"/>
+          <dgm:dir/>
+          <dgm:animOne val="branch"/>
+          <dgm:animLvl val="lvl"/>
+          <dgm:resizeHandles/>
+        </dgm:presLayoutVars>
+      </dgm:prSet>
+      <dgm:spPr/>
+    </dgm:pt>
+    <dgm:pt modelId="{07BBA2F5-B276-49B5-ACC2-C6D92CC23987}" type="pres">
+      <dgm:prSet presAssocID="{30D33028-5A92-46DA-B471-3D47002425A5}" presName="hierRoot1" presStyleCnt="0">
+        <dgm:presLayoutVars>
+          <dgm:hierBranch val="init"/>
+        </dgm:presLayoutVars>
+      </dgm:prSet>
+      <dgm:spPr/>
+    </dgm:pt>
+    <dgm:pt modelId="{EB4EA21A-50DA-436E-8821-BA8F2E2D33A8}" type="pres">
+      <dgm:prSet presAssocID="{30D33028-5A92-46DA-B471-3D47002425A5}" presName="rootComposite1" presStyleCnt="0"/>
+      <dgm:spPr/>
+    </dgm:pt>
+    <dgm:pt modelId="{80DE98ED-B60F-4628-A5F8-0C4967AF1DB4}" type="pres">
+      <dgm:prSet presAssocID="{30D33028-5A92-46DA-B471-3D47002425A5}" presName="rootText1" presStyleLbl="node0" presStyleIdx="0" presStyleCnt="1">
+        <dgm:presLayoutVars>
+          <dgm:chPref val="3"/>
+        </dgm:presLayoutVars>
+      </dgm:prSet>
+      <dgm:spPr/>
+    </dgm:pt>
+    <dgm:pt modelId="{26CA499A-7D6A-46A1-A3F6-B446DAC8F1CB}" type="pres">
+      <dgm:prSet presAssocID="{30D33028-5A92-46DA-B471-3D47002425A5}" presName="rootConnector1" presStyleLbl="node1" presStyleIdx="0" presStyleCnt="0"/>
+      <dgm:spPr/>
+    </dgm:pt>
+    <dgm:pt modelId="{2B3C19C5-97CB-4D1C-95E2-F5874C5240AD}" type="pres">
+      <dgm:prSet presAssocID="{30D33028-5A92-46DA-B471-3D47002425A5}" presName="hierChild2" presStyleCnt="0"/>
+      <dgm:spPr/>
+    </dgm:pt>
+    <dgm:pt modelId="{CAC780DF-7262-4553-B153-B22A7401D867}" type="pres">
+      <dgm:prSet presAssocID="{30D33028-5A92-46DA-B471-3D47002425A5}" presName="hierChild3" presStyleCnt="0"/>
+      <dgm:spPr/>
+    </dgm:pt>
+    <dgm:pt modelId="{BDC567CD-AAEA-4237-9937-316427DB9303}" type="pres">
+      <dgm:prSet presAssocID="{D61F5BEF-E075-4280-9094-6264F8115905}" presName="Name111" presStyleLbl="parChTrans1D2" presStyleIdx="0" presStyleCnt="2"/>
+      <dgm:spPr/>
+    </dgm:pt>
+    <dgm:pt modelId="{B2EB30A0-8D6E-4A40-A19D-FC02D3B6CAEE}" type="pres">
+      <dgm:prSet presAssocID="{80DC48A6-36A4-4141-B6D0-8D005D16BA4F}" presName="hierRoot3" presStyleCnt="0">
+        <dgm:presLayoutVars>
+          <dgm:hierBranch val="init"/>
+        </dgm:presLayoutVars>
+      </dgm:prSet>
+      <dgm:spPr/>
+    </dgm:pt>
+    <dgm:pt modelId="{45FE8200-4AAC-4927-B831-521687C5A211}" type="pres">
+      <dgm:prSet presAssocID="{80DC48A6-36A4-4141-B6D0-8D005D16BA4F}" presName="rootComposite3" presStyleCnt="0"/>
+      <dgm:spPr/>
+    </dgm:pt>
+    <dgm:pt modelId="{65D580B9-3E5F-49A6-ADF8-075EAF9A7FF9}" type="pres">
+      <dgm:prSet presAssocID="{80DC48A6-36A4-4141-B6D0-8D005D16BA4F}" presName="rootText3" presStyleLbl="asst1" presStyleIdx="0" presStyleCnt="2">
+        <dgm:presLayoutVars>
+          <dgm:chPref val="3"/>
+        </dgm:presLayoutVars>
+      </dgm:prSet>
+      <dgm:spPr/>
+    </dgm:pt>
+    <dgm:pt modelId="{C83EA6B8-8F4D-4E90-9997-C98D32D9657D}" type="pres">
+      <dgm:prSet presAssocID="{80DC48A6-36A4-4141-B6D0-8D005D16BA4F}" presName="rootConnector3" presStyleLbl="asst1" presStyleIdx="0" presStyleCnt="2"/>
+      <dgm:spPr/>
+    </dgm:pt>
+    <dgm:pt modelId="{0C2BE51C-A8CE-4E77-AB87-423718BA61BF}" type="pres">
+      <dgm:prSet presAssocID="{80DC48A6-36A4-4141-B6D0-8D005D16BA4F}" presName="hierChild6" presStyleCnt="0"/>
+      <dgm:spPr/>
+    </dgm:pt>
+    <dgm:pt modelId="{F6A785F5-9C38-47FE-A4E2-926E48447199}" type="pres">
+      <dgm:prSet presAssocID="{80DC48A6-36A4-4141-B6D0-8D005D16BA4F}" presName="hierChild7" presStyleCnt="0"/>
+      <dgm:spPr/>
+    </dgm:pt>
+    <dgm:pt modelId="{81E124EC-FC5F-4380-B789-5E8608BE1B10}" type="pres">
+      <dgm:prSet presAssocID="{BEDA413A-0676-44D8-A508-47B350F4898F}" presName="Name111" presStyleLbl="parChTrans1D2" presStyleIdx="1" presStyleCnt="2"/>
+      <dgm:spPr/>
+    </dgm:pt>
+    <dgm:pt modelId="{59AE205F-CE8D-4479-A30A-C84B6845C005}" type="pres">
+      <dgm:prSet presAssocID="{62AB692F-E81D-4BE1-ADA7-DD4D8CDC4E49}" presName="hierRoot3" presStyleCnt="0">
+        <dgm:presLayoutVars>
+          <dgm:hierBranch val="init"/>
+        </dgm:presLayoutVars>
+      </dgm:prSet>
+      <dgm:spPr/>
+    </dgm:pt>
+    <dgm:pt modelId="{A0BB016C-879C-40C7-A9C9-DDF43FCE114D}" type="pres">
+      <dgm:prSet presAssocID="{62AB692F-E81D-4BE1-ADA7-DD4D8CDC4E49}" presName="rootComposite3" presStyleCnt="0"/>
+      <dgm:spPr/>
+    </dgm:pt>
+    <dgm:pt modelId="{B39A5955-DAAA-4F1E-BDDE-89AA6ADD6EAE}" type="pres">
+      <dgm:prSet presAssocID="{62AB692F-E81D-4BE1-ADA7-DD4D8CDC4E49}" presName="rootText3" presStyleLbl="asst1" presStyleIdx="1" presStyleCnt="2">
+        <dgm:presLayoutVars>
+          <dgm:chPref val="3"/>
+        </dgm:presLayoutVars>
+      </dgm:prSet>
+      <dgm:spPr/>
+    </dgm:pt>
+    <dgm:pt modelId="{27040792-BBB1-4D1C-B6B8-C8E10EBCC030}" type="pres">
+      <dgm:prSet presAssocID="{62AB692F-E81D-4BE1-ADA7-DD4D8CDC4E49}" presName="rootConnector3" presStyleLbl="asst1" presStyleIdx="1" presStyleCnt="2"/>
+      <dgm:spPr/>
+    </dgm:pt>
+    <dgm:pt modelId="{BA17F6B2-AAA9-44C2-9690-0EFA1D94593B}" type="pres">
+      <dgm:prSet presAssocID="{62AB692F-E81D-4BE1-ADA7-DD4D8CDC4E49}" presName="hierChild6" presStyleCnt="0"/>
+      <dgm:spPr/>
+    </dgm:pt>
+    <dgm:pt modelId="{D42B9FCD-63C7-465A-B207-F04E0CE79730}" type="pres">
+      <dgm:prSet presAssocID="{62AB692F-E81D-4BE1-ADA7-DD4D8CDC4E49}" presName="hierChild7" presStyleCnt="0"/>
+      <dgm:spPr/>
+    </dgm:pt>
+  </dgm:ptLst>
+  <dgm:cxnLst>
+    <dgm:cxn modelId="{2D6C7A17-9463-4ED7-B849-CA67E76B9D4D}" type="presOf" srcId="{62AB692F-E81D-4BE1-ADA7-DD4D8CDC4E49}" destId="{B39A5955-DAAA-4F1E-BDDE-89AA6ADD6EAE}" srcOrd="0" destOrd="0" presId="urn:microsoft.com/office/officeart/2005/8/layout/orgChart1"/>
+    <dgm:cxn modelId="{39D46205-0498-4F71-A415-839747679770}" srcId="{30D33028-5A92-46DA-B471-3D47002425A5}" destId="{80DC48A6-36A4-4141-B6D0-8D005D16BA4F}" srcOrd="0" destOrd="0" parTransId="{D61F5BEF-E075-4280-9094-6264F8115905}" sibTransId="{BA63CEAE-A8BB-49F2-859A-3CCDCECB19D8}"/>
+    <dgm:cxn modelId="{7EB42285-2F83-4083-B090-CD810F8D8384}" type="presOf" srcId="{D61F5BEF-E075-4280-9094-6264F8115905}" destId="{BDC567CD-AAEA-4237-9937-316427DB9303}" srcOrd="0" destOrd="0" presId="urn:microsoft.com/office/officeart/2005/8/layout/orgChart1"/>
+    <dgm:cxn modelId="{3D7DA09E-685B-49A4-B292-1A7D8B790E9D}" type="presOf" srcId="{6D48E645-07D1-47EC-84D2-87F7CEDB6122}" destId="{42A8B46B-437D-45A0-A921-2B4B6EF8E41B}" srcOrd="0" destOrd="0" presId="urn:microsoft.com/office/officeart/2005/8/layout/orgChart1"/>
+    <dgm:cxn modelId="{FDE0E829-9899-4894-8470-37C5A1E2FFA7}" srcId="{6D48E645-07D1-47EC-84D2-87F7CEDB6122}" destId="{30D33028-5A92-46DA-B471-3D47002425A5}" srcOrd="0" destOrd="0" parTransId="{1B937B51-1C72-46DD-8F8D-0D69635B8A9E}" sibTransId="{1CC8E548-8B19-4862-ADB2-25DB61AC92A2}"/>
+    <dgm:cxn modelId="{AB2BDE04-DEBC-47DA-973E-8F94AFAB1E6D}" srcId="{30D33028-5A92-46DA-B471-3D47002425A5}" destId="{62AB692F-E81D-4BE1-ADA7-DD4D8CDC4E49}" srcOrd="1" destOrd="0" parTransId="{BEDA413A-0676-44D8-A508-47B350F4898F}" sibTransId="{B6D1CD08-37C7-43CE-81B5-E35BC0EFF117}"/>
+    <dgm:cxn modelId="{414E6906-ECDC-497A-977D-13D88B53EA33}" type="presOf" srcId="{80DC48A6-36A4-4141-B6D0-8D005D16BA4F}" destId="{C83EA6B8-8F4D-4E90-9997-C98D32D9657D}" srcOrd="1" destOrd="0" presId="urn:microsoft.com/office/officeart/2005/8/layout/orgChart1"/>
+    <dgm:cxn modelId="{8DE08844-5248-4D24-9E8A-61B13ABFE710}" type="presOf" srcId="{30D33028-5A92-46DA-B471-3D47002425A5}" destId="{80DE98ED-B60F-4628-A5F8-0C4967AF1DB4}" srcOrd="0" destOrd="0" presId="urn:microsoft.com/office/officeart/2005/8/layout/orgChart1"/>
+    <dgm:cxn modelId="{16D4D5F1-6DD9-4941-AA3A-9721D629552A}" type="presOf" srcId="{BEDA413A-0676-44D8-A508-47B350F4898F}" destId="{81E124EC-FC5F-4380-B789-5E8608BE1B10}" srcOrd="0" destOrd="0" presId="urn:microsoft.com/office/officeart/2005/8/layout/orgChart1"/>
+    <dgm:cxn modelId="{D5E5F36F-9A3D-4849-AC17-FB9B60C27C83}" type="presOf" srcId="{30D33028-5A92-46DA-B471-3D47002425A5}" destId="{26CA499A-7D6A-46A1-A3F6-B446DAC8F1CB}" srcOrd="1" destOrd="0" presId="urn:microsoft.com/office/officeart/2005/8/layout/orgChart1"/>
+    <dgm:cxn modelId="{5FE8E840-4FF1-44FA-B53C-27D1697DE038}" type="presOf" srcId="{62AB692F-E81D-4BE1-ADA7-DD4D8CDC4E49}" destId="{27040792-BBB1-4D1C-B6B8-C8E10EBCC030}" srcOrd="1" destOrd="0" presId="urn:microsoft.com/office/officeart/2005/8/layout/orgChart1"/>
+    <dgm:cxn modelId="{92C49C09-6E7C-495F-B2CB-1DBD1987A7F7}" type="presOf" srcId="{80DC48A6-36A4-4141-B6D0-8D005D16BA4F}" destId="{65D580B9-3E5F-49A6-ADF8-075EAF9A7FF9}" srcOrd="0" destOrd="0" presId="urn:microsoft.com/office/officeart/2005/8/layout/orgChart1"/>
+    <dgm:cxn modelId="{AA46EA75-D5A2-4365-89F6-BBFE0DB4A882}" type="presParOf" srcId="{42A8B46B-437D-45A0-A921-2B4B6EF8E41B}" destId="{07BBA2F5-B276-49B5-ACC2-C6D92CC23987}" srcOrd="0" destOrd="0" presId="urn:microsoft.com/office/officeart/2005/8/layout/orgChart1"/>
+    <dgm:cxn modelId="{3043A921-8072-45D3-9921-48DFA65A8735}" type="presParOf" srcId="{07BBA2F5-B276-49B5-ACC2-C6D92CC23987}" destId="{EB4EA21A-50DA-436E-8821-BA8F2E2D33A8}" srcOrd="0" destOrd="0" presId="urn:microsoft.com/office/officeart/2005/8/layout/orgChart1"/>
+    <dgm:cxn modelId="{05DF23BB-E21E-4BD9-A53C-861F7F854162}" type="presParOf" srcId="{EB4EA21A-50DA-436E-8821-BA8F2E2D33A8}" destId="{80DE98ED-B60F-4628-A5F8-0C4967AF1DB4}" srcOrd="0" destOrd="0" presId="urn:microsoft.com/office/officeart/2005/8/layout/orgChart1"/>
+    <dgm:cxn modelId="{F1A5D13B-C1F7-41C4-8694-0E6BE01F6AC4}" type="presParOf" srcId="{EB4EA21A-50DA-436E-8821-BA8F2E2D33A8}" destId="{26CA499A-7D6A-46A1-A3F6-B446DAC8F1CB}" srcOrd="1" destOrd="0" presId="urn:microsoft.com/office/officeart/2005/8/layout/orgChart1"/>
+    <dgm:cxn modelId="{453C45A9-5D9F-478C-9471-638FAD6D2635}" type="presParOf" srcId="{07BBA2F5-B276-49B5-ACC2-C6D92CC23987}" destId="{2B3C19C5-97CB-4D1C-95E2-F5874C5240AD}" srcOrd="1" destOrd="0" presId="urn:microsoft.com/office/officeart/2005/8/layout/orgChart1"/>
+    <dgm:cxn modelId="{D075EB69-1211-48E7-861A-1C58E363AC22}" type="presParOf" srcId="{07BBA2F5-B276-49B5-ACC2-C6D92CC23987}" destId="{CAC780DF-7262-4553-B153-B22A7401D867}" srcOrd="2" destOrd="0" presId="urn:microsoft.com/office/officeart/2005/8/layout/orgChart1"/>
+    <dgm:cxn modelId="{1E6A3127-A220-4C80-AF1B-A58067C8B8D1}" type="presParOf" srcId="{CAC780DF-7262-4553-B153-B22A7401D867}" destId="{BDC567CD-AAEA-4237-9937-316427DB9303}" srcOrd="0" destOrd="0" presId="urn:microsoft.com/office/officeart/2005/8/layout/orgChart1"/>
+    <dgm:cxn modelId="{1B45DB3A-3D40-44C7-8111-C067CCDCA75D}" type="presParOf" srcId="{CAC780DF-7262-4553-B153-B22A7401D867}" destId="{B2EB30A0-8D6E-4A40-A19D-FC02D3B6CAEE}" srcOrd="1" destOrd="0" presId="urn:microsoft.com/office/officeart/2005/8/layout/orgChart1"/>
+    <dgm:cxn modelId="{3A4A8973-0F87-4AAD-949D-C04E2B311F7C}" type="presParOf" srcId="{B2EB30A0-8D6E-4A40-A19D-FC02D3B6CAEE}" destId="{45FE8200-4AAC-4927-B831-521687C5A211}" srcOrd="0" destOrd="0" presId="urn:microsoft.com/office/officeart/2005/8/layout/orgChart1"/>
+    <dgm:cxn modelId="{69BF2B2F-8FAB-4EFF-9985-1806CA61FD70}" type="presParOf" srcId="{45FE8200-4AAC-4927-B831-521687C5A211}" destId="{65D580B9-3E5F-49A6-ADF8-075EAF9A7FF9}" srcOrd="0" destOrd="0" presId="urn:microsoft.com/office/officeart/2005/8/layout/orgChart1"/>
+    <dgm:cxn modelId="{703A5F85-2AED-4E99-B6BA-C7AF8B5C6525}" type="presParOf" srcId="{45FE8200-4AAC-4927-B831-521687C5A211}" destId="{C83EA6B8-8F4D-4E90-9997-C98D32D9657D}" srcOrd="1" destOrd="0" presId="urn:microsoft.com/office/officeart/2005/8/layout/orgChart1"/>
+    <dgm:cxn modelId="{89819138-62A4-4E1D-99E1-41F698F27C81}" type="presParOf" srcId="{B2EB30A0-8D6E-4A40-A19D-FC02D3B6CAEE}" destId="{0C2BE51C-A8CE-4E77-AB87-423718BA61BF}" srcOrd="1" destOrd="0" presId="urn:microsoft.com/office/officeart/2005/8/layout/orgChart1"/>
+    <dgm:cxn modelId="{5045EE75-59F5-4C68-B643-49F0773FF8BC}" type="presParOf" srcId="{B2EB30A0-8D6E-4A40-A19D-FC02D3B6CAEE}" destId="{F6A785F5-9C38-47FE-A4E2-926E48447199}" srcOrd="2" destOrd="0" presId="urn:microsoft.com/office/officeart/2005/8/layout/orgChart1"/>
+    <dgm:cxn modelId="{1A30E636-4E49-4541-8BE4-B9499E6D1208}" type="presParOf" srcId="{CAC780DF-7262-4553-B153-B22A7401D867}" destId="{81E124EC-FC5F-4380-B789-5E8608BE1B10}" srcOrd="2" destOrd="0" presId="urn:microsoft.com/office/officeart/2005/8/layout/orgChart1"/>
+    <dgm:cxn modelId="{0E11A0FF-A1DF-433B-9B25-C6D2B31D2A57}" type="presParOf" srcId="{CAC780DF-7262-4553-B153-B22A7401D867}" destId="{59AE205F-CE8D-4479-A30A-C84B6845C005}" srcOrd="3" destOrd="0" presId="urn:microsoft.com/office/officeart/2005/8/layout/orgChart1"/>
+    <dgm:cxn modelId="{48EE4694-189F-4246-BADE-F1870051792A}" type="presParOf" srcId="{59AE205F-CE8D-4479-A30A-C84B6845C005}" destId="{A0BB016C-879C-40C7-A9C9-DDF43FCE114D}" srcOrd="0" destOrd="0" presId="urn:microsoft.com/office/officeart/2005/8/layout/orgChart1"/>
+    <dgm:cxn modelId="{51F49718-A673-447A-977F-0E781C3DDB6B}" type="presParOf" srcId="{A0BB016C-879C-40C7-A9C9-DDF43FCE114D}" destId="{B39A5955-DAAA-4F1E-BDDE-89AA6ADD6EAE}" srcOrd="0" destOrd="0" presId="urn:microsoft.com/office/officeart/2005/8/layout/orgChart1"/>
+    <dgm:cxn modelId="{B370BF34-043B-4E36-A0F6-A622E1CBA070}" type="presParOf" srcId="{A0BB016C-879C-40C7-A9C9-DDF43FCE114D}" destId="{27040792-BBB1-4D1C-B6B8-C8E10EBCC030}" srcOrd="1" destOrd="0" presId="urn:microsoft.com/office/officeart/2005/8/layout/orgChart1"/>
+    <dgm:cxn modelId="{6291A3DC-7E3F-46CB-BFBB-AB1BC578C1C0}" type="presParOf" srcId="{59AE205F-CE8D-4479-A30A-C84B6845C005}" destId="{BA17F6B2-AAA9-44C2-9690-0EFA1D94593B}" srcOrd="1" destOrd="0" presId="urn:microsoft.com/office/officeart/2005/8/layout/orgChart1"/>
+    <dgm:cxn modelId="{D298F6AD-8A83-4095-A0F0-6C08ED0077FD}" type="presParOf" srcId="{59AE205F-CE8D-4479-A30A-C84B6845C005}" destId="{D42B9FCD-63C7-465A-B207-F04E0CE79730}" srcOrd="2" destOrd="0" presId="urn:microsoft.com/office/officeart/2005/8/layout/orgChart1"/>
+  </dgm:cxnLst>
+  <dgm:bg/>
+  <dgm:whole/>
+  <dgm:extLst>
+    <a:ext uri="http://schemas.microsoft.com/office/drawing/2008/diagram">
+      <dsp:dataModelExt xmlns:dsp="http://schemas.microsoft.com/office/drawing/2008/diagram" relId="rId6" minVer="http://schemas.openxmlformats.org/drawingml/2006/diagram"/>
+    </a:ext>
+  </dgm:extLst>
+</dgm:dataModel>
+</file>
+
+<file path=ppt/diagrams/data2.xml><?xml version="1.0" encoding="utf-8"?>
+<dgm:dataModel xmlns:dgm="http://schemas.openxmlformats.org/drawingml/2006/diagram" xmlns:a="http://schemas.openxmlformats.org/drawingml/2006/main">
+  <dgm:ptLst>
+    <dgm:pt modelId="{7FD64944-0726-4E7A-A5CB-6CD85DFF32A9}" type="doc">
+      <dgm:prSet loTypeId="urn:microsoft.com/office/officeart/2005/8/layout/default" loCatId="list" qsTypeId="urn:microsoft.com/office/officeart/2005/8/quickstyle/simple1" qsCatId="simple" csTypeId="urn:microsoft.com/office/officeart/2005/8/colors/accent2_2" csCatId="accent2" phldr="0"/>
+      <dgm:spPr/>
+      <dgm:t>
+        <a:bodyPr/>
+        <a:lstStyle/>
+        <a:p>
+          <a:endParaRPr lang="fr-FR"/>
+        </a:p>
+      </dgm:t>
+    </dgm:pt>
+    <dgm:pt modelId="{0542F858-8C81-46BC-A3CC-38BFF74369D8}" type="pres">
+      <dgm:prSet presAssocID="{7FD64944-0726-4E7A-A5CB-6CD85DFF32A9}" presName="diagram" presStyleCnt="0">
+        <dgm:presLayoutVars>
+          <dgm:dir/>
+          <dgm:resizeHandles val="exact"/>
+        </dgm:presLayoutVars>
+      </dgm:prSet>
+      <dgm:spPr/>
+    </dgm:pt>
+  </dgm:ptLst>
+  <dgm:cxnLst>
+    <dgm:cxn modelId="{3E9E1EA4-B881-42E0-9804-FB8A0C9B1DF8}" type="presOf" srcId="{7FD64944-0726-4E7A-A5CB-6CD85DFF32A9}" destId="{0542F858-8C81-46BC-A3CC-38BFF74369D8}" srcOrd="0" destOrd="0" presId="urn:microsoft.com/office/officeart/2005/8/layout/default"/>
+  </dgm:cxnLst>
+  <dgm:bg/>
+  <dgm:whole/>
+  <dgm:extLst>
+    <a:ext uri="http://schemas.microsoft.com/office/drawing/2008/diagram">
+      <dsp:dataModelExt xmlns:dsp="http://schemas.microsoft.com/office/drawing/2008/diagram" relId="rId11" minVer="http://schemas.openxmlformats.org/drawingml/2006/diagram"/>
+    </a:ext>
+  </dgm:extLst>
+</dgm:dataModel>
+</file>
+
+<file path=ppt/diagrams/data3.xml><?xml version="1.0" encoding="utf-8"?>
 <dgm:dataModel xmlns:dgm="http://schemas.openxmlformats.org/drawingml/2006/diagram" xmlns:a="http://schemas.openxmlformats.org/drawingml/2006/main">
   <dgm:ptLst>
     <dgm:pt modelId="{84394877-9E13-45DC-A4CC-16B41D30F4F9}" type="doc">
@@ -889,7 +2716,7 @@
         <a:p>
           <a:r>
             <a:rPr lang="fr-FR" dirty="0"/>
-            <a:t>Début du projet</a:t>
+            <a:t>Compréhension</a:t>
           </a:r>
         </a:p>
       </dgm:t>
@@ -925,7 +2752,7 @@
         <a:p>
           <a:r>
             <a:rPr lang="fr-FR" dirty="0"/>
-            <a:t>Implémentation</a:t>
+            <a:t>Implantation</a:t>
           </a:r>
         </a:p>
       </dgm:t>
@@ -988,6 +2815,42 @@
         </a:p>
       </dgm:t>
     </dgm:pt>
+    <dgm:pt modelId="{F08F57C7-1F68-4C49-B6DF-799973A92621}">
+      <dgm:prSet phldrT="[Texte]"/>
+      <dgm:spPr/>
+      <dgm:t>
+        <a:bodyPr/>
+        <a:lstStyle/>
+        <a:p>
+          <a:r>
+            <a:rPr lang="fr-FR" dirty="0"/>
+            <a:t>Minimum local</a:t>
+          </a:r>
+        </a:p>
+      </dgm:t>
+    </dgm:pt>
+    <dgm:pt modelId="{5AA0F971-4F3D-47C2-9787-7EB2947D7F13}" type="parTrans" cxnId="{75930AA4-26E1-4198-8CC5-7A81A8EEAAE9}">
+      <dgm:prSet/>
+      <dgm:spPr/>
+      <dgm:t>
+        <a:bodyPr/>
+        <a:lstStyle/>
+        <a:p>
+          <a:endParaRPr lang="fr-FR"/>
+        </a:p>
+      </dgm:t>
+    </dgm:pt>
+    <dgm:pt modelId="{EE6F86F6-2136-43F9-865A-103ACAB3F9C6}" type="sibTrans" cxnId="{75930AA4-26E1-4198-8CC5-7A81A8EEAAE9}">
+      <dgm:prSet/>
+      <dgm:spPr/>
+      <dgm:t>
+        <a:bodyPr/>
+        <a:lstStyle/>
+        <a:p>
+          <a:endParaRPr lang="fr-FR"/>
+        </a:p>
+      </dgm:t>
+    </dgm:pt>
     <dgm:pt modelId="{7017F750-4B15-423D-9AFE-3981BE8C9359}" type="pres">
       <dgm:prSet presAssocID="{84394877-9E13-45DC-A4CC-16B41D30F4F9}" presName="Name0" presStyleCnt="0">
         <dgm:presLayoutVars>
@@ -998,72 +2861,67 @@
       <dgm:spPr/>
     </dgm:pt>
     <dgm:pt modelId="{A79F6E0B-E70A-4898-BBE5-3FB1EF7B59E2}" type="pres">
-      <dgm:prSet presAssocID="{0A5BBC27-56C8-400B-A606-F50CCBD51851}" presName="parTxOnly" presStyleLbl="node1" presStyleIdx="0" presStyleCnt="3">
+      <dgm:prSet presAssocID="{0A5BBC27-56C8-400B-A606-F50CCBD51851}" presName="parTxOnly" presStyleLbl="node1" presStyleIdx="0" presStyleCnt="4">
         <dgm:presLayoutVars>
           <dgm:bulletEnabled val="1"/>
         </dgm:presLayoutVars>
       </dgm:prSet>
       <dgm:spPr/>
-      <dgm:t>
-        <a:bodyPr/>
-        <a:lstStyle/>
-        <a:p>
-          <a:endParaRPr lang="fr-FR"/>
-        </a:p>
-      </dgm:t>
     </dgm:pt>
     <dgm:pt modelId="{07949768-1DC7-43D6-B334-2DF65F22D57A}" type="pres">
       <dgm:prSet presAssocID="{FE00F2FC-C297-4315-96C8-5152028B285E}" presName="parSpace" presStyleCnt="0"/>
       <dgm:spPr/>
     </dgm:pt>
     <dgm:pt modelId="{B1CC842D-9848-4489-B27E-80BC042E0180}" type="pres">
-      <dgm:prSet presAssocID="{E481322E-2707-4746-8F7D-C3217B43F490}" presName="parTxOnly" presStyleLbl="node1" presStyleIdx="1" presStyleCnt="3">
+      <dgm:prSet presAssocID="{E481322E-2707-4746-8F7D-C3217B43F490}" presName="parTxOnly" presStyleLbl="node1" presStyleIdx="1" presStyleCnt="4">
         <dgm:presLayoutVars>
           <dgm:bulletEnabled val="1"/>
         </dgm:presLayoutVars>
       </dgm:prSet>
       <dgm:spPr/>
-      <dgm:t>
-        <a:bodyPr/>
-        <a:lstStyle/>
-        <a:p>
-          <a:endParaRPr lang="fr-FR"/>
-        </a:p>
-      </dgm:t>
     </dgm:pt>
     <dgm:pt modelId="{D8FB8FC3-2DF8-4D8E-A14C-D7A6950836B7}" type="pres">
       <dgm:prSet presAssocID="{39D5D81A-8277-4802-9CF8-2FEA181E48E0}" presName="parSpace" presStyleCnt="0"/>
       <dgm:spPr/>
     </dgm:pt>
-    <dgm:pt modelId="{42152EB9-4AE3-47A3-886E-F9A251FA45F6}" type="pres">
-      <dgm:prSet presAssocID="{B5E3BFD0-3E5C-4DE9-9EE3-2F7A75D4C722}" presName="parTxOnly" presStyleLbl="node1" presStyleIdx="2" presStyleCnt="3">
+    <dgm:pt modelId="{520CF2A6-18F1-4C31-ADDD-55004C792DBD}" type="pres">
+      <dgm:prSet presAssocID="{F08F57C7-1F68-4C49-B6DF-799973A92621}" presName="parTxOnly" presStyleLbl="node1" presStyleIdx="2" presStyleCnt="4">
         <dgm:presLayoutVars>
           <dgm:bulletEnabled val="1"/>
         </dgm:presLayoutVars>
       </dgm:prSet>
       <dgm:spPr/>
-      <dgm:t>
-        <a:bodyPr/>
-        <a:lstStyle/>
-        <a:p>
-          <a:endParaRPr lang="fr-FR"/>
-        </a:p>
-      </dgm:t>
+    </dgm:pt>
+    <dgm:pt modelId="{CE29C252-3169-49D5-98A1-E2C442D8C3BA}" type="pres">
+      <dgm:prSet presAssocID="{EE6F86F6-2136-43F9-865A-103ACAB3F9C6}" presName="parSpace" presStyleCnt="0"/>
+      <dgm:spPr/>
+    </dgm:pt>
+    <dgm:pt modelId="{42152EB9-4AE3-47A3-886E-F9A251FA45F6}" type="pres">
+      <dgm:prSet presAssocID="{B5E3BFD0-3E5C-4DE9-9EE3-2F7A75D4C722}" presName="parTxOnly" presStyleLbl="node1" presStyleIdx="3" presStyleCnt="4">
+        <dgm:presLayoutVars>
+          <dgm:bulletEnabled val="1"/>
+        </dgm:presLayoutVars>
+      </dgm:prSet>
+      <dgm:spPr/>
     </dgm:pt>
   </dgm:ptLst>
   <dgm:cxnLst>
+    <dgm:cxn modelId="{2B301CE4-EC8B-4ED3-837F-BBF24E11FB1F}" type="presOf" srcId="{B5E3BFD0-3E5C-4DE9-9EE3-2F7A75D4C722}" destId="{42152EB9-4AE3-47A3-886E-F9A251FA45F6}" srcOrd="0" destOrd="0" presId="urn:microsoft.com/office/officeart/2005/8/layout/hChevron3"/>
+    <dgm:cxn modelId="{1579321C-A969-45DE-9990-36CE3E63F037}" type="presOf" srcId="{84394877-9E13-45DC-A4CC-16B41D30F4F9}" destId="{7017F750-4B15-423D-9AFE-3981BE8C9359}" srcOrd="0" destOrd="0" presId="urn:microsoft.com/office/officeart/2005/8/layout/hChevron3"/>
     <dgm:cxn modelId="{9D998F32-6318-4CC1-92E2-7B7DB047B615}" srcId="{84394877-9E13-45DC-A4CC-16B41D30F4F9}" destId="{0A5BBC27-56C8-400B-A606-F50CCBD51851}" srcOrd="0" destOrd="0" parTransId="{710040EF-5593-4826-8944-8DB7B2942A50}" sibTransId="{FE00F2FC-C297-4315-96C8-5152028B285E}"/>
+    <dgm:cxn modelId="{A6C14EE3-301B-4B4F-9FE7-60A4882D310C}" type="presOf" srcId="{F08F57C7-1F68-4C49-B6DF-799973A92621}" destId="{520CF2A6-18F1-4C31-ADDD-55004C792DBD}" srcOrd="0" destOrd="0" presId="urn:microsoft.com/office/officeart/2005/8/layout/hChevron3"/>
+    <dgm:cxn modelId="{1367B54A-A75B-48BC-8749-B6B5C67E8EA0}" type="presOf" srcId="{E481322E-2707-4746-8F7D-C3217B43F490}" destId="{B1CC842D-9848-4489-B27E-80BC042E0180}" srcOrd="0" destOrd="0" presId="urn:microsoft.com/office/officeart/2005/8/layout/hChevron3"/>
+    <dgm:cxn modelId="{75930AA4-26E1-4198-8CC5-7A81A8EEAAE9}" srcId="{84394877-9E13-45DC-A4CC-16B41D30F4F9}" destId="{F08F57C7-1F68-4C49-B6DF-799973A92621}" srcOrd="2" destOrd="0" parTransId="{5AA0F971-4F3D-47C2-9787-7EB2947D7F13}" sibTransId="{EE6F86F6-2136-43F9-865A-103ACAB3F9C6}"/>
     <dgm:cxn modelId="{96BFDE6A-143A-4252-8919-3C51D23EC9D2}" type="presOf" srcId="{0A5BBC27-56C8-400B-A606-F50CCBD51851}" destId="{A79F6E0B-E70A-4898-BBE5-3FB1EF7B59E2}" srcOrd="0" destOrd="0" presId="urn:microsoft.com/office/officeart/2005/8/layout/hChevron3"/>
-    <dgm:cxn modelId="{1579321C-A969-45DE-9990-36CE3E63F037}" type="presOf" srcId="{84394877-9E13-45DC-A4CC-16B41D30F4F9}" destId="{7017F750-4B15-423D-9AFE-3981BE8C9359}" srcOrd="0" destOrd="0" presId="urn:microsoft.com/office/officeart/2005/8/layout/hChevron3"/>
-    <dgm:cxn modelId="{1367B54A-A75B-48BC-8749-B6B5C67E8EA0}" type="presOf" srcId="{E481322E-2707-4746-8F7D-C3217B43F490}" destId="{B1CC842D-9848-4489-B27E-80BC042E0180}" srcOrd="0" destOrd="0" presId="urn:microsoft.com/office/officeart/2005/8/layout/hChevron3"/>
-    <dgm:cxn modelId="{2B301CE4-EC8B-4ED3-837F-BBF24E11FB1F}" type="presOf" srcId="{B5E3BFD0-3E5C-4DE9-9EE3-2F7A75D4C722}" destId="{42152EB9-4AE3-47A3-886E-F9A251FA45F6}" srcOrd="0" destOrd="0" presId="urn:microsoft.com/office/officeart/2005/8/layout/hChevron3"/>
     <dgm:cxn modelId="{5160F62A-682A-4AC6-9738-A0F7DDCAC4F1}" srcId="{84394877-9E13-45DC-A4CC-16B41D30F4F9}" destId="{E481322E-2707-4746-8F7D-C3217B43F490}" srcOrd="1" destOrd="0" parTransId="{6F543CBE-1979-4B3F-B8D7-D4B2B1076341}" sibTransId="{39D5D81A-8277-4802-9CF8-2FEA181E48E0}"/>
-    <dgm:cxn modelId="{8BBEDCCB-C863-4DC1-BE5B-B159779DD063}" srcId="{84394877-9E13-45DC-A4CC-16B41D30F4F9}" destId="{B5E3BFD0-3E5C-4DE9-9EE3-2F7A75D4C722}" srcOrd="2" destOrd="0" parTransId="{2B7E2834-4CB5-4297-997D-08E267B70BDE}" sibTransId="{31617E29-2208-4F7F-AE1F-1C849C645B56}"/>
+    <dgm:cxn modelId="{8BBEDCCB-C863-4DC1-BE5B-B159779DD063}" srcId="{84394877-9E13-45DC-A4CC-16B41D30F4F9}" destId="{B5E3BFD0-3E5C-4DE9-9EE3-2F7A75D4C722}" srcOrd="3" destOrd="0" parTransId="{2B7E2834-4CB5-4297-997D-08E267B70BDE}" sibTransId="{31617E29-2208-4F7F-AE1F-1C849C645B56}"/>
     <dgm:cxn modelId="{4DA43A1E-375D-4689-816E-F2F8D84F4406}" type="presParOf" srcId="{7017F750-4B15-423D-9AFE-3981BE8C9359}" destId="{A79F6E0B-E70A-4898-BBE5-3FB1EF7B59E2}" srcOrd="0" destOrd="0" presId="urn:microsoft.com/office/officeart/2005/8/layout/hChevron3"/>
     <dgm:cxn modelId="{FB8F3611-CEF4-4589-B1DD-C537102ACF77}" type="presParOf" srcId="{7017F750-4B15-423D-9AFE-3981BE8C9359}" destId="{07949768-1DC7-43D6-B334-2DF65F22D57A}" srcOrd="1" destOrd="0" presId="urn:microsoft.com/office/officeart/2005/8/layout/hChevron3"/>
     <dgm:cxn modelId="{028FABAA-E870-4574-8AC5-BE1B223FE63B}" type="presParOf" srcId="{7017F750-4B15-423D-9AFE-3981BE8C9359}" destId="{B1CC842D-9848-4489-B27E-80BC042E0180}" srcOrd="2" destOrd="0" presId="urn:microsoft.com/office/officeart/2005/8/layout/hChevron3"/>
     <dgm:cxn modelId="{9A952D3A-C827-4EAB-8376-1A320F5B11E9}" type="presParOf" srcId="{7017F750-4B15-423D-9AFE-3981BE8C9359}" destId="{D8FB8FC3-2DF8-4D8E-A14C-D7A6950836B7}" srcOrd="3" destOrd="0" presId="urn:microsoft.com/office/officeart/2005/8/layout/hChevron3"/>
-    <dgm:cxn modelId="{1F6F5DDC-233B-4576-B434-ED99D69EEEE1}" type="presParOf" srcId="{7017F750-4B15-423D-9AFE-3981BE8C9359}" destId="{42152EB9-4AE3-47A3-886E-F9A251FA45F6}" srcOrd="4" destOrd="0" presId="urn:microsoft.com/office/officeart/2005/8/layout/hChevron3"/>
+    <dgm:cxn modelId="{4BD88D41-D439-4DB7-A883-2FC9BF4B1EF5}" type="presParOf" srcId="{7017F750-4B15-423D-9AFE-3981BE8C9359}" destId="{520CF2A6-18F1-4C31-ADDD-55004C792DBD}" srcOrd="4" destOrd="0" presId="urn:microsoft.com/office/officeart/2005/8/layout/hChevron3"/>
+    <dgm:cxn modelId="{20C0DCF0-F5E1-4803-B87A-0943BA6DC792}" type="presParOf" srcId="{7017F750-4B15-423D-9AFE-3981BE8C9359}" destId="{CE29C252-3169-49D5-98A1-E2C442D8C3BA}" srcOrd="5" destOrd="0" presId="urn:microsoft.com/office/officeart/2005/8/layout/hChevron3"/>
+    <dgm:cxn modelId="{1F6F5DDC-233B-4576-B434-ED99D69EEEE1}" type="presParOf" srcId="{7017F750-4B15-423D-9AFE-3981BE8C9359}" destId="{42152EB9-4AE3-47A3-886E-F9A251FA45F6}" srcOrd="6" destOrd="0" presId="urn:microsoft.com/office/officeart/2005/8/layout/hChevron3"/>
   </dgm:cxnLst>
   <dgm:bg/>
   <dgm:whole/>
@@ -1083,6 +2941,413 @@
       <dsp:cNvGrpSpPr/>
     </dsp:nvGrpSpPr>
     <dsp:grpSpPr/>
+    <dsp:sp modelId="{81E124EC-FC5F-4380-B789-5E8608BE1B10}">
+      <dsp:nvSpPr>
+        <dsp:cNvPr id="0" name=""/>
+        <dsp:cNvSpPr/>
+      </dsp:nvSpPr>
+      <dsp:spPr>
+        <a:xfrm>
+          <a:off x="1679073" y="969369"/>
+          <a:ext cx="159472" cy="698643"/>
+        </a:xfrm>
+        <a:custGeom>
+          <a:avLst/>
+          <a:gdLst/>
+          <a:ahLst/>
+          <a:cxnLst/>
+          <a:rect l="0" t="0" r="0" b="0"/>
+          <a:pathLst>
+            <a:path>
+              <a:moveTo>
+                <a:pt x="0" y="0"/>
+              </a:moveTo>
+              <a:lnTo>
+                <a:pt x="0" y="698643"/>
+              </a:lnTo>
+              <a:lnTo>
+                <a:pt x="159472" y="698643"/>
+              </a:lnTo>
+            </a:path>
+          </a:pathLst>
+        </a:custGeom>
+        <a:noFill/>
+        <a:ln w="12700" cap="flat" cmpd="sng" algn="ctr">
+          <a:solidFill>
+            <a:schemeClr val="accent1">
+              <a:shade val="60000"/>
+              <a:hueOff val="0"/>
+              <a:satOff val="0"/>
+              <a:lumOff val="0"/>
+              <a:alphaOff val="0"/>
+            </a:schemeClr>
+          </a:solidFill>
+          <a:prstDash val="solid"/>
+        </a:ln>
+        <a:effectLst/>
+      </dsp:spPr>
+      <dsp:style>
+        <a:lnRef idx="2">
+          <a:scrgbClr r="0" g="0" b="0"/>
+        </a:lnRef>
+        <a:fillRef idx="0">
+          <a:scrgbClr r="0" g="0" b="0"/>
+        </a:fillRef>
+        <a:effectRef idx="0">
+          <a:scrgbClr r="0" g="0" b="0"/>
+        </a:effectRef>
+        <a:fontRef idx="minor"/>
+      </dsp:style>
+    </dsp:sp>
+    <dsp:sp modelId="{BDC567CD-AAEA-4237-9937-316427DB9303}">
+      <dsp:nvSpPr>
+        <dsp:cNvPr id="0" name=""/>
+        <dsp:cNvSpPr/>
+      </dsp:nvSpPr>
+      <dsp:spPr>
+        <a:xfrm>
+          <a:off x="1519600" y="969369"/>
+          <a:ext cx="159472" cy="698643"/>
+        </a:xfrm>
+        <a:custGeom>
+          <a:avLst/>
+          <a:gdLst/>
+          <a:ahLst/>
+          <a:cxnLst/>
+          <a:rect l="0" t="0" r="0" b="0"/>
+          <a:pathLst>
+            <a:path>
+              <a:moveTo>
+                <a:pt x="159472" y="0"/>
+              </a:moveTo>
+              <a:lnTo>
+                <a:pt x="159472" y="698643"/>
+              </a:lnTo>
+              <a:lnTo>
+                <a:pt x="0" y="698643"/>
+              </a:lnTo>
+            </a:path>
+          </a:pathLst>
+        </a:custGeom>
+        <a:noFill/>
+        <a:ln w="12700" cap="flat" cmpd="sng" algn="ctr">
+          <a:solidFill>
+            <a:schemeClr val="accent1">
+              <a:shade val="60000"/>
+              <a:hueOff val="0"/>
+              <a:satOff val="0"/>
+              <a:lumOff val="0"/>
+              <a:alphaOff val="0"/>
+            </a:schemeClr>
+          </a:solidFill>
+          <a:prstDash val="solid"/>
+        </a:ln>
+        <a:effectLst/>
+      </dsp:spPr>
+      <dsp:style>
+        <a:lnRef idx="2">
+          <a:scrgbClr r="0" g="0" b="0"/>
+        </a:lnRef>
+        <a:fillRef idx="0">
+          <a:scrgbClr r="0" g="0" b="0"/>
+        </a:fillRef>
+        <a:effectRef idx="0">
+          <a:scrgbClr r="0" g="0" b="0"/>
+        </a:effectRef>
+        <a:fontRef idx="minor"/>
+      </dsp:style>
+    </dsp:sp>
+    <dsp:sp modelId="{80DE98ED-B60F-4628-A5F8-0C4967AF1DB4}">
+      <dsp:nvSpPr>
+        <dsp:cNvPr id="0" name=""/>
+        <dsp:cNvSpPr/>
+      </dsp:nvSpPr>
+      <dsp:spPr>
+        <a:xfrm>
+          <a:off x="919677" y="209973"/>
+          <a:ext cx="1518790" cy="759395"/>
+        </a:xfrm>
+        <a:prstGeom prst="rect">
+          <a:avLst/>
+        </a:prstGeom>
+        <a:solidFill>
+          <a:schemeClr val="accent1">
+            <a:hueOff val="0"/>
+            <a:satOff val="0"/>
+            <a:lumOff val="0"/>
+            <a:alphaOff val="0"/>
+          </a:schemeClr>
+        </a:solidFill>
+        <a:ln w="12700" cap="flat" cmpd="sng" algn="ctr">
+          <a:solidFill>
+            <a:schemeClr val="lt1">
+              <a:hueOff val="0"/>
+              <a:satOff val="0"/>
+              <a:lumOff val="0"/>
+              <a:alphaOff val="0"/>
+            </a:schemeClr>
+          </a:solidFill>
+          <a:prstDash val="solid"/>
+        </a:ln>
+        <a:effectLst/>
+      </dsp:spPr>
+      <dsp:style>
+        <a:lnRef idx="2">
+          <a:scrgbClr r="0" g="0" b="0"/>
+        </a:lnRef>
+        <a:fillRef idx="1">
+          <a:scrgbClr r="0" g="0" b="0"/>
+        </a:fillRef>
+        <a:effectRef idx="0">
+          <a:scrgbClr r="0" g="0" b="0"/>
+        </a:effectRef>
+        <a:fontRef idx="minor">
+          <a:schemeClr val="lt1"/>
+        </a:fontRef>
+      </dsp:style>
+      <dsp:txBody>
+        <a:bodyPr spcFirstLastPara="0" vert="horz" wrap="square" lIns="10795" tIns="10795" rIns="10795" bIns="10795" numCol="1" spcCol="1270" anchor="ctr" anchorCtr="0">
+          <a:noAutofit/>
+        </a:bodyPr>
+        <a:lstStyle/>
+        <a:p>
+          <a:pPr marL="0" lvl="0" indent="0" algn="ctr" defTabSz="755650">
+            <a:lnSpc>
+              <a:spcPct val="90000"/>
+            </a:lnSpc>
+            <a:spcBef>
+              <a:spcPct val="0"/>
+            </a:spcBef>
+            <a:spcAft>
+              <a:spcPct val="35000"/>
+            </a:spcAft>
+            <a:buNone/>
+          </a:pPr>
+          <a:r>
+            <a:rPr lang="fr-FR" sz="1700" kern="1200" dirty="0"/>
+            <a:t>Julien </a:t>
+          </a:r>
+        </a:p>
+        <a:p>
+          <a:pPr marL="0" lvl="0" indent="0" algn="ctr" defTabSz="755650">
+            <a:lnSpc>
+              <a:spcPct val="90000"/>
+            </a:lnSpc>
+            <a:spcBef>
+              <a:spcPct val="0"/>
+            </a:spcBef>
+            <a:spcAft>
+              <a:spcPct val="35000"/>
+            </a:spcAft>
+            <a:buNone/>
+          </a:pPr>
+          <a:r>
+            <a:rPr lang="fr-FR" sz="1700" kern="1200" dirty="0"/>
+            <a:t>Chef de projet</a:t>
+          </a:r>
+        </a:p>
+      </dsp:txBody>
+      <dsp:txXfrm>
+        <a:off x="919677" y="209973"/>
+        <a:ext cx="1518790" cy="759395"/>
+      </dsp:txXfrm>
+    </dsp:sp>
+    <dsp:sp modelId="{65D580B9-3E5F-49A6-ADF8-075EAF9A7FF9}">
+      <dsp:nvSpPr>
+        <dsp:cNvPr id="0" name=""/>
+        <dsp:cNvSpPr/>
+      </dsp:nvSpPr>
+      <dsp:spPr>
+        <a:xfrm>
+          <a:off x="809" y="1288314"/>
+          <a:ext cx="1518790" cy="759395"/>
+        </a:xfrm>
+        <a:prstGeom prst="rect">
+          <a:avLst/>
+        </a:prstGeom>
+        <a:solidFill>
+          <a:schemeClr val="accent1">
+            <a:hueOff val="0"/>
+            <a:satOff val="0"/>
+            <a:lumOff val="0"/>
+            <a:alphaOff val="0"/>
+          </a:schemeClr>
+        </a:solidFill>
+        <a:ln w="12700" cap="flat" cmpd="sng" algn="ctr">
+          <a:solidFill>
+            <a:schemeClr val="lt1">
+              <a:hueOff val="0"/>
+              <a:satOff val="0"/>
+              <a:lumOff val="0"/>
+              <a:alphaOff val="0"/>
+            </a:schemeClr>
+          </a:solidFill>
+          <a:prstDash val="solid"/>
+        </a:ln>
+        <a:effectLst/>
+      </dsp:spPr>
+      <dsp:style>
+        <a:lnRef idx="2">
+          <a:scrgbClr r="0" g="0" b="0"/>
+        </a:lnRef>
+        <a:fillRef idx="1">
+          <a:scrgbClr r="0" g="0" b="0"/>
+        </a:fillRef>
+        <a:effectRef idx="0">
+          <a:scrgbClr r="0" g="0" b="0"/>
+        </a:effectRef>
+        <a:fontRef idx="minor">
+          <a:schemeClr val="lt1"/>
+        </a:fontRef>
+      </dsp:style>
+      <dsp:txBody>
+        <a:bodyPr spcFirstLastPara="0" vert="horz" wrap="square" lIns="10795" tIns="10795" rIns="10795" bIns="10795" numCol="1" spcCol="1270" anchor="ctr" anchorCtr="0">
+          <a:noAutofit/>
+        </a:bodyPr>
+        <a:lstStyle/>
+        <a:p>
+          <a:pPr marL="0" lvl="0" indent="0" algn="ctr" defTabSz="755650">
+            <a:lnSpc>
+              <a:spcPct val="90000"/>
+            </a:lnSpc>
+            <a:spcBef>
+              <a:spcPct val="0"/>
+            </a:spcBef>
+            <a:spcAft>
+              <a:spcPct val="35000"/>
+            </a:spcAft>
+            <a:buNone/>
+          </a:pPr>
+          <a:r>
+            <a:rPr lang="fr-FR" sz="1700" kern="1200" dirty="0"/>
+            <a:t>Adrien</a:t>
+          </a:r>
+        </a:p>
+        <a:p>
+          <a:pPr marL="0" lvl="0" indent="0" algn="ctr" defTabSz="755650">
+            <a:lnSpc>
+              <a:spcPct val="90000"/>
+            </a:lnSpc>
+            <a:spcBef>
+              <a:spcPct val="0"/>
+            </a:spcBef>
+            <a:spcAft>
+              <a:spcPct val="35000"/>
+            </a:spcAft>
+            <a:buNone/>
+          </a:pPr>
+          <a:r>
+            <a:rPr lang="fr-FR" sz="1700" kern="1200" dirty="0"/>
+            <a:t>Développeur</a:t>
+          </a:r>
+        </a:p>
+      </dsp:txBody>
+      <dsp:txXfrm>
+        <a:off x="809" y="1288314"/>
+        <a:ext cx="1518790" cy="759395"/>
+      </dsp:txXfrm>
+    </dsp:sp>
+    <dsp:sp modelId="{B39A5955-DAAA-4F1E-BDDE-89AA6ADD6EAE}">
+      <dsp:nvSpPr>
+        <dsp:cNvPr id="0" name=""/>
+        <dsp:cNvSpPr/>
+      </dsp:nvSpPr>
+      <dsp:spPr>
+        <a:xfrm>
+          <a:off x="1838545" y="1288314"/>
+          <a:ext cx="1518790" cy="759395"/>
+        </a:xfrm>
+        <a:prstGeom prst="rect">
+          <a:avLst/>
+        </a:prstGeom>
+        <a:solidFill>
+          <a:schemeClr val="accent1">
+            <a:hueOff val="0"/>
+            <a:satOff val="0"/>
+            <a:lumOff val="0"/>
+            <a:alphaOff val="0"/>
+          </a:schemeClr>
+        </a:solidFill>
+        <a:ln w="12700" cap="flat" cmpd="sng" algn="ctr">
+          <a:solidFill>
+            <a:schemeClr val="lt1">
+              <a:hueOff val="0"/>
+              <a:satOff val="0"/>
+              <a:lumOff val="0"/>
+              <a:alphaOff val="0"/>
+            </a:schemeClr>
+          </a:solidFill>
+          <a:prstDash val="solid"/>
+        </a:ln>
+        <a:effectLst/>
+      </dsp:spPr>
+      <dsp:style>
+        <a:lnRef idx="2">
+          <a:scrgbClr r="0" g="0" b="0"/>
+        </a:lnRef>
+        <a:fillRef idx="1">
+          <a:scrgbClr r="0" g="0" b="0"/>
+        </a:fillRef>
+        <a:effectRef idx="0">
+          <a:scrgbClr r="0" g="0" b="0"/>
+        </a:effectRef>
+        <a:fontRef idx="minor">
+          <a:schemeClr val="lt1"/>
+        </a:fontRef>
+      </dsp:style>
+      <dsp:txBody>
+        <a:bodyPr spcFirstLastPara="0" vert="horz" wrap="square" lIns="10795" tIns="10795" rIns="10795" bIns="10795" numCol="1" spcCol="1270" anchor="ctr" anchorCtr="0">
+          <a:noAutofit/>
+        </a:bodyPr>
+        <a:lstStyle/>
+        <a:p>
+          <a:pPr marL="0" lvl="0" indent="0" algn="ctr" defTabSz="755650">
+            <a:lnSpc>
+              <a:spcPct val="90000"/>
+            </a:lnSpc>
+            <a:spcBef>
+              <a:spcPct val="0"/>
+            </a:spcBef>
+            <a:spcAft>
+              <a:spcPct val="35000"/>
+            </a:spcAft>
+            <a:buNone/>
+          </a:pPr>
+          <a:r>
+            <a:rPr lang="fr-FR" sz="1700" kern="1200" dirty="0"/>
+            <a:t>Daniel Développeur</a:t>
+          </a:r>
+        </a:p>
+      </dsp:txBody>
+      <dsp:txXfrm>
+        <a:off x="1838545" y="1288314"/>
+        <a:ext cx="1518790" cy="759395"/>
+      </dsp:txXfrm>
+    </dsp:sp>
+  </dsp:spTree>
+</dsp:drawing>
+</file>
+
+<file path=ppt/diagrams/drawing2.xml><?xml version="1.0" encoding="utf-8"?>
+<dsp:drawing xmlns:dgm="http://schemas.openxmlformats.org/drawingml/2006/diagram" xmlns:dsp="http://schemas.microsoft.com/office/drawing/2008/diagram" xmlns:a="http://schemas.openxmlformats.org/drawingml/2006/main">
+  <dsp:spTree>
+    <dsp:nvGrpSpPr>
+      <dsp:cNvPr id="0" name=""/>
+      <dsp:cNvGrpSpPr/>
+    </dsp:nvGrpSpPr>
+    <dsp:grpSpPr/>
+  </dsp:spTree>
+</dsp:drawing>
+</file>
+
+<file path=ppt/diagrams/drawing3.xml><?xml version="1.0" encoding="utf-8"?>
+<dsp:drawing xmlns:dgm="http://schemas.openxmlformats.org/drawingml/2006/diagram" xmlns:dsp="http://schemas.microsoft.com/office/drawing/2008/diagram" xmlns:a="http://schemas.openxmlformats.org/drawingml/2006/main">
+  <dsp:spTree>
+    <dsp:nvGrpSpPr>
+      <dsp:cNvPr id="0" name=""/>
+      <dsp:cNvGrpSpPr/>
+    </dsp:nvGrpSpPr>
+    <dsp:grpSpPr/>
     <dsp:sp modelId="{A79F6E0B-E70A-4898-BBE5-3FB1EF7B59E2}">
       <dsp:nvSpPr>
         <dsp:cNvPr id="0" name=""/>
@@ -1090,8 +3355,8 @@
       </dsp:nvSpPr>
       <dsp:spPr>
         <a:xfrm>
-          <a:off x="3571" y="2084652"/>
-          <a:ext cx="3123406" cy="1249362"/>
+          <a:off x="2381" y="2231496"/>
+          <a:ext cx="2389187" cy="955675"/>
         </a:xfrm>
         <a:prstGeom prst="homePlate">
           <a:avLst/>
@@ -1132,12 +3397,12 @@
         </a:fontRef>
       </dsp:style>
       <dsp:txBody>
-        <a:bodyPr spcFirstLastPara="0" vert="horz" wrap="square" lIns="101346" tIns="50673" rIns="25337" bIns="50673" numCol="1" spcCol="1270" anchor="ctr" anchorCtr="0">
+        <a:bodyPr spcFirstLastPara="0" vert="horz" wrap="square" lIns="96012" tIns="48006" rIns="24003" bIns="48006" numCol="1" spcCol="1270" anchor="ctr" anchorCtr="0">
           <a:noAutofit/>
         </a:bodyPr>
         <a:lstStyle/>
         <a:p>
-          <a:pPr lvl="0" algn="ctr" defTabSz="844550">
+          <a:pPr marL="0" lvl="0" indent="0" algn="ctr" defTabSz="800100">
             <a:lnSpc>
               <a:spcPct val="90000"/>
             </a:lnSpc>
@@ -1147,16 +3412,17 @@
             <a:spcAft>
               <a:spcPct val="35000"/>
             </a:spcAft>
+            <a:buNone/>
           </a:pPr>
           <a:r>
-            <a:rPr lang="fr-FR" sz="1900" kern="1200" dirty="0"/>
-            <a:t>Début du projet</a:t>
+            <a:rPr lang="fr-FR" sz="1800" kern="1200" dirty="0"/>
+            <a:t>Compréhension</a:t>
           </a:r>
         </a:p>
       </dsp:txBody>
       <dsp:txXfrm>
-        <a:off x="3571" y="2084652"/>
-        <a:ext cx="2811066" cy="1249362"/>
+        <a:off x="2381" y="2231496"/>
+        <a:ext cx="2150268" cy="955675"/>
       </dsp:txXfrm>
     </dsp:sp>
     <dsp:sp modelId="{B1CC842D-9848-4489-B27E-80BC042E0180}">
@@ -1166,8 +3432,8 @@
       </dsp:nvSpPr>
       <dsp:spPr>
         <a:xfrm>
-          <a:off x="2502296" y="2084652"/>
-          <a:ext cx="3123406" cy="1249362"/>
+          <a:off x="1913731" y="2231496"/>
+          <a:ext cx="2389187" cy="955675"/>
         </a:xfrm>
         <a:prstGeom prst="chevron">
           <a:avLst/>
@@ -1208,12 +3474,12 @@
         </a:fontRef>
       </dsp:style>
       <dsp:txBody>
-        <a:bodyPr spcFirstLastPara="0" vert="horz" wrap="square" lIns="76010" tIns="50673" rIns="25337" bIns="50673" numCol="1" spcCol="1270" anchor="ctr" anchorCtr="0">
+        <a:bodyPr spcFirstLastPara="0" vert="horz" wrap="square" lIns="72009" tIns="48006" rIns="24003" bIns="48006" numCol="1" spcCol="1270" anchor="ctr" anchorCtr="0">
           <a:noAutofit/>
         </a:bodyPr>
         <a:lstStyle/>
         <a:p>
-          <a:pPr lvl="0" algn="ctr" defTabSz="844550">
+          <a:pPr marL="0" lvl="0" indent="0" algn="ctr" defTabSz="800100">
             <a:lnSpc>
               <a:spcPct val="90000"/>
             </a:lnSpc>
@@ -1223,27 +3489,28 @@
             <a:spcAft>
               <a:spcPct val="35000"/>
             </a:spcAft>
+            <a:buNone/>
           </a:pPr>
           <a:r>
-            <a:rPr lang="fr-FR" sz="1900" kern="1200" dirty="0"/>
-            <a:t>Implémentation</a:t>
+            <a:rPr lang="fr-FR" sz="1800" kern="1200" dirty="0"/>
+            <a:t>Implantation</a:t>
           </a:r>
         </a:p>
       </dsp:txBody>
       <dsp:txXfrm>
-        <a:off x="3126977" y="2084652"/>
-        <a:ext cx="1874044" cy="1249362"/>
+        <a:off x="2391569" y="2231496"/>
+        <a:ext cx="1433512" cy="955675"/>
       </dsp:txXfrm>
     </dsp:sp>
-    <dsp:sp modelId="{42152EB9-4AE3-47A3-886E-F9A251FA45F6}">
+    <dsp:sp modelId="{520CF2A6-18F1-4C31-ADDD-55004C792DBD}">
       <dsp:nvSpPr>
         <dsp:cNvPr id="0" name=""/>
         <dsp:cNvSpPr/>
       </dsp:nvSpPr>
       <dsp:spPr>
         <a:xfrm>
-          <a:off x="5001021" y="2084652"/>
-          <a:ext cx="3123406" cy="1249362"/>
+          <a:off x="3825081" y="2231496"/>
+          <a:ext cx="2389187" cy="955675"/>
         </a:xfrm>
         <a:prstGeom prst="chevron">
           <a:avLst/>
@@ -1284,12 +3551,12 @@
         </a:fontRef>
       </dsp:style>
       <dsp:txBody>
-        <a:bodyPr spcFirstLastPara="0" vert="horz" wrap="square" lIns="76010" tIns="50673" rIns="25337" bIns="50673" numCol="1" spcCol="1270" anchor="ctr" anchorCtr="0">
+        <a:bodyPr spcFirstLastPara="0" vert="horz" wrap="square" lIns="72009" tIns="48006" rIns="24003" bIns="48006" numCol="1" spcCol="1270" anchor="ctr" anchorCtr="0">
           <a:noAutofit/>
         </a:bodyPr>
         <a:lstStyle/>
         <a:p>
-          <a:pPr lvl="0" algn="ctr" defTabSz="844550">
+          <a:pPr marL="0" lvl="0" indent="0" algn="ctr" defTabSz="800100">
             <a:lnSpc>
               <a:spcPct val="90000"/>
             </a:lnSpc>
@@ -1299,16 +3566,94 @@
             <a:spcAft>
               <a:spcPct val="35000"/>
             </a:spcAft>
+            <a:buNone/>
           </a:pPr>
           <a:r>
-            <a:rPr lang="fr-FR" sz="1900" kern="1200" dirty="0"/>
+            <a:rPr lang="fr-FR" sz="1800" kern="1200" dirty="0"/>
+            <a:t>Minimum local</a:t>
+          </a:r>
+        </a:p>
+      </dsp:txBody>
+      <dsp:txXfrm>
+        <a:off x="4302919" y="2231496"/>
+        <a:ext cx="1433512" cy="955675"/>
+      </dsp:txXfrm>
+    </dsp:sp>
+    <dsp:sp modelId="{42152EB9-4AE3-47A3-886E-F9A251FA45F6}">
+      <dsp:nvSpPr>
+        <dsp:cNvPr id="0" name=""/>
+        <dsp:cNvSpPr/>
+      </dsp:nvSpPr>
+      <dsp:spPr>
+        <a:xfrm>
+          <a:off x="5736431" y="2231496"/>
+          <a:ext cx="2389187" cy="955675"/>
+        </a:xfrm>
+        <a:prstGeom prst="chevron">
+          <a:avLst/>
+        </a:prstGeom>
+        <a:solidFill>
+          <a:schemeClr val="accent1">
+            <a:hueOff val="0"/>
+            <a:satOff val="0"/>
+            <a:lumOff val="0"/>
+            <a:alphaOff val="0"/>
+          </a:schemeClr>
+        </a:solidFill>
+        <a:ln w="12700" cap="flat" cmpd="sng" algn="ctr">
+          <a:solidFill>
+            <a:schemeClr val="lt1">
+              <a:hueOff val="0"/>
+              <a:satOff val="0"/>
+              <a:lumOff val="0"/>
+              <a:alphaOff val="0"/>
+            </a:schemeClr>
+          </a:solidFill>
+          <a:prstDash val="solid"/>
+        </a:ln>
+        <a:effectLst/>
+      </dsp:spPr>
+      <dsp:style>
+        <a:lnRef idx="2">
+          <a:scrgbClr r="0" g="0" b="0"/>
+        </a:lnRef>
+        <a:fillRef idx="1">
+          <a:scrgbClr r="0" g="0" b="0"/>
+        </a:fillRef>
+        <a:effectRef idx="0">
+          <a:scrgbClr r="0" g="0" b="0"/>
+        </a:effectRef>
+        <a:fontRef idx="minor">
+          <a:schemeClr val="lt1"/>
+        </a:fontRef>
+      </dsp:style>
+      <dsp:txBody>
+        <a:bodyPr spcFirstLastPara="0" vert="horz" wrap="square" lIns="72009" tIns="48006" rIns="24003" bIns="48006" numCol="1" spcCol="1270" anchor="ctr" anchorCtr="0">
+          <a:noAutofit/>
+        </a:bodyPr>
+        <a:lstStyle/>
+        <a:p>
+          <a:pPr marL="0" lvl="0" indent="0" algn="ctr" defTabSz="800100">
+            <a:lnSpc>
+              <a:spcPct val="90000"/>
+            </a:lnSpc>
+            <a:spcBef>
+              <a:spcPct val="0"/>
+            </a:spcBef>
+            <a:spcAft>
+              <a:spcPct val="35000"/>
+            </a:spcAft>
+            <a:buNone/>
+          </a:pPr>
+          <a:r>
+            <a:rPr lang="fr-FR" sz="1800" kern="1200" dirty="0"/>
             <a:t>Optimisation</a:t>
           </a:r>
         </a:p>
       </dsp:txBody>
       <dsp:txXfrm>
-        <a:off x="5625702" y="2084652"/>
-        <a:ext cx="1874044" cy="1249362"/>
+        <a:off x="6214269" y="2231496"/>
+        <a:ext cx="1433512" cy="955675"/>
       </dsp:txXfrm>
     </dsp:sp>
   </dsp:spTree>
@@ -1316,6 +3661,1299 @@
 </file>
 
 <file path=ppt/diagrams/layout1.xml><?xml version="1.0" encoding="utf-8"?>
+<dgm:layoutDef xmlns:dgm="http://schemas.openxmlformats.org/drawingml/2006/diagram" xmlns:a="http://schemas.openxmlformats.org/drawingml/2006/main" uniqueId="urn:microsoft.com/office/officeart/2005/8/layout/orgChart1">
+  <dgm:title val=""/>
+  <dgm:desc val=""/>
+  <dgm:catLst>
+    <dgm:cat type="hierarchy" pri="1000"/>
+    <dgm:cat type="convert" pri="6000"/>
+  </dgm:catLst>
+  <dgm:sampData>
+    <dgm:dataModel>
+      <dgm:ptLst>
+        <dgm:pt modelId="0" type="doc"/>
+        <dgm:pt modelId="1">
+          <dgm:prSet phldr="1"/>
+        </dgm:pt>
+        <dgm:pt modelId="2" type="asst">
+          <dgm:prSet phldr="1"/>
+        </dgm:pt>
+        <dgm:pt modelId="3">
+          <dgm:prSet phldr="1"/>
+        </dgm:pt>
+        <dgm:pt modelId="4">
+          <dgm:prSet phldr="1"/>
+        </dgm:pt>
+        <dgm:pt modelId="5">
+          <dgm:prSet phldr="1"/>
+        </dgm:pt>
+      </dgm:ptLst>
+      <dgm:cxnLst>
+        <dgm:cxn modelId="5" srcId="0" destId="1" srcOrd="0" destOrd="0"/>
+        <dgm:cxn modelId="6" srcId="1" destId="2" srcOrd="0" destOrd="0"/>
+        <dgm:cxn modelId="7" srcId="1" destId="3" srcOrd="1" destOrd="0"/>
+        <dgm:cxn modelId="8" srcId="1" destId="4" srcOrd="2" destOrd="0"/>
+        <dgm:cxn modelId="9" srcId="1" destId="5" srcOrd="3" destOrd="0"/>
+      </dgm:cxnLst>
+      <dgm:bg/>
+      <dgm:whole/>
+    </dgm:dataModel>
+  </dgm:sampData>
+  <dgm:styleData>
+    <dgm:dataModel>
+      <dgm:ptLst>
+        <dgm:pt modelId="0" type="doc"/>
+        <dgm:pt modelId="1"/>
+        <dgm:pt modelId="12"/>
+        <dgm:pt modelId="13"/>
+      </dgm:ptLst>
+      <dgm:cxnLst>
+        <dgm:cxn modelId="2" srcId="0" destId="1" srcOrd="0" destOrd="0"/>
+        <dgm:cxn modelId="16" srcId="1" destId="12" srcOrd="1" destOrd="0"/>
+        <dgm:cxn modelId="17" srcId="1" destId="13" srcOrd="2" destOrd="0"/>
+      </dgm:cxnLst>
+      <dgm:bg/>
+      <dgm:whole/>
+    </dgm:dataModel>
+  </dgm:styleData>
+  <dgm:clrData>
+    <dgm:dataModel>
+      <dgm:ptLst>
+        <dgm:pt modelId="0" type="doc"/>
+        <dgm:pt modelId="1"/>
+        <dgm:pt modelId="11" type="asst"/>
+        <dgm:pt modelId="12"/>
+        <dgm:pt modelId="13"/>
+        <dgm:pt modelId="14"/>
+      </dgm:ptLst>
+      <dgm:cxnLst>
+        <dgm:cxn modelId="2" srcId="0" destId="1" srcOrd="0" destOrd="0"/>
+        <dgm:cxn modelId="15" srcId="1" destId="11" srcOrd="0" destOrd="0"/>
+        <dgm:cxn modelId="16" srcId="1" destId="12" srcOrd="1" destOrd="0"/>
+        <dgm:cxn modelId="17" srcId="1" destId="13" srcOrd="2" destOrd="0"/>
+        <dgm:cxn modelId="18" srcId="1" destId="14" srcOrd="2" destOrd="0"/>
+      </dgm:cxnLst>
+      <dgm:bg/>
+      <dgm:whole/>
+    </dgm:dataModel>
+  </dgm:clrData>
+  <dgm:layoutNode name="hierChild1">
+    <dgm:varLst>
+      <dgm:orgChart val="1"/>
+      <dgm:chPref val="1"/>
+      <dgm:dir/>
+      <dgm:animOne val="branch"/>
+      <dgm:animLvl val="lvl"/>
+      <dgm:resizeHandles/>
+    </dgm:varLst>
+    <dgm:choose name="Name0">
+      <dgm:if name="Name1" func="var" arg="dir" op="equ" val="norm">
+        <dgm:alg type="hierChild">
+          <dgm:param type="linDir" val="fromL"/>
+        </dgm:alg>
+      </dgm:if>
+      <dgm:else name="Name2">
+        <dgm:alg type="hierChild">
+          <dgm:param type="linDir" val="fromR"/>
+        </dgm:alg>
+      </dgm:else>
+    </dgm:choose>
+    <dgm:shape xmlns:r="http://schemas.openxmlformats.org/officeDocument/2006/relationships" r:blip="">
+      <dgm:adjLst/>
+    </dgm:shape>
+    <dgm:presOf/>
+    <dgm:constrLst>
+      <dgm:constr type="w" for="des" forName="rootComposite1" refType="w" fact="10"/>
+      <dgm:constr type="h" for="des" forName="rootComposite1" refType="w" refFor="des" refForName="rootComposite1" fact="0.5"/>
+      <dgm:constr type="w" for="des" forName="rootComposite" refType="w" fact="10"/>
+      <dgm:constr type="h" for="des" forName="rootComposite" refType="w" refFor="des" refForName="rootComposite1" fact="0.5"/>
+      <dgm:constr type="w" for="des" forName="rootComposite3" refType="w" fact="10"/>
+      <dgm:constr type="h" for="des" forName="rootComposite3" refType="w" refFor="des" refForName="rootComposite1" fact="0.5"/>
+      <dgm:constr type="primFontSz" for="des" ptType="node" op="equ"/>
+      <dgm:constr type="sp" for="des" op="equ"/>
+      <dgm:constr type="sp" for="des" forName="hierRoot1" refType="w" refFor="des" refForName="rootComposite1" fact="0.21"/>
+      <dgm:constr type="sp" for="des" forName="hierRoot2" refType="sp" refFor="des" refForName="hierRoot1"/>
+      <dgm:constr type="sp" for="des" forName="hierRoot3" refType="sp" refFor="des" refForName="hierRoot1"/>
+      <dgm:constr type="sibSp" refType="w" refFor="des" refForName="rootComposite1" fact="0.21"/>
+      <dgm:constr type="sibSp" for="des" forName="hierChild2" refType="sibSp"/>
+      <dgm:constr type="sibSp" for="des" forName="hierChild3" refType="sibSp"/>
+      <dgm:constr type="sibSp" for="des" forName="hierChild4" refType="sibSp"/>
+      <dgm:constr type="sibSp" for="des" forName="hierChild5" refType="sibSp"/>
+      <dgm:constr type="sibSp" for="des" forName="hierChild6" refType="sibSp"/>
+      <dgm:constr type="sibSp" for="des" forName="hierChild7" refType="sibSp"/>
+      <dgm:constr type="secSibSp" refType="w" refFor="des" refForName="rootComposite1" fact="0.21"/>
+      <dgm:constr type="secSibSp" for="des" forName="hierChild2" refType="secSibSp"/>
+      <dgm:constr type="secSibSp" for="des" forName="hierChild3" refType="secSibSp"/>
+      <dgm:constr type="secSibSp" for="des" forName="hierChild4" refType="secSibSp"/>
+      <dgm:constr type="secSibSp" for="des" forName="hierChild5" refType="secSibSp"/>
+      <dgm:constr type="secSibSp" for="des" forName="hierChild6" refType="secSibSp"/>
+      <dgm:constr type="secSibSp" for="des" forName="hierChild7" refType="secSibSp"/>
+    </dgm:constrLst>
+    <dgm:ruleLst/>
+    <dgm:forEach name="Name3" axis="ch">
+      <dgm:forEach name="Name4" axis="self" ptType="node">
+        <dgm:layoutNode name="hierRoot1">
+          <dgm:varLst>
+            <dgm:hierBranch val="init"/>
+          </dgm:varLst>
+          <dgm:choose name="Name5">
+            <dgm:if name="Name6" func="var" arg="hierBranch" op="equ" val="l">
+              <dgm:choose name="Name7">
+                <dgm:if name="Name8" axis="ch" ptType="asst" func="cnt" op="gte" val="1">
+                  <dgm:alg type="hierRoot">
+                    <dgm:param type="hierAlign" val="tR"/>
+                  </dgm:alg>
+                  <dgm:constrLst>
+                    <dgm:constr type="alignOff" val="0.65"/>
+                  </dgm:constrLst>
+                </dgm:if>
+                <dgm:else name="Name9">
+                  <dgm:alg type="hierRoot">
+                    <dgm:param type="hierAlign" val="tR"/>
+                  </dgm:alg>
+                  <dgm:constrLst>
+                    <dgm:constr type="alignOff" val="0.25"/>
+                  </dgm:constrLst>
+                </dgm:else>
+              </dgm:choose>
+            </dgm:if>
+            <dgm:if name="Name10" func="var" arg="hierBranch" op="equ" val="r">
+              <dgm:choose name="Name11">
+                <dgm:if name="Name12" axis="ch" ptType="asst" func="cnt" op="gte" val="1">
+                  <dgm:alg type="hierRoot">
+                    <dgm:param type="hierAlign" val="tL"/>
+                  </dgm:alg>
+                  <dgm:constrLst>
+                    <dgm:constr type="alignOff" val="0.65"/>
+                  </dgm:constrLst>
+                </dgm:if>
+                <dgm:else name="Name13">
+                  <dgm:alg type="hierRoot">
+                    <dgm:param type="hierAlign" val="tL"/>
+                  </dgm:alg>
+                  <dgm:constrLst>
+                    <dgm:constr type="alignOff" val="0.25"/>
+                  </dgm:constrLst>
+                </dgm:else>
+              </dgm:choose>
+            </dgm:if>
+            <dgm:if name="Name14" func="var" arg="hierBranch" op="equ" val="hang">
+              <dgm:alg type="hierRoot"/>
+              <dgm:constrLst>
+                <dgm:constr type="alignOff" val="0.65"/>
+              </dgm:constrLst>
+            </dgm:if>
+            <dgm:else name="Name15">
+              <dgm:alg type="hierRoot"/>
+              <dgm:constrLst>
+                <dgm:constr type="alignOff"/>
+                <dgm:constr type="bendDist" for="des" ptType="parTrans" refType="sp" fact="0.5"/>
+              </dgm:constrLst>
+            </dgm:else>
+          </dgm:choose>
+          <dgm:shape xmlns:r="http://schemas.openxmlformats.org/officeDocument/2006/relationships" r:blip="">
+            <dgm:adjLst/>
+          </dgm:shape>
+          <dgm:presOf/>
+          <dgm:ruleLst/>
+          <dgm:layoutNode name="rootComposite1">
+            <dgm:alg type="composite"/>
+            <dgm:shape xmlns:r="http://schemas.openxmlformats.org/officeDocument/2006/relationships" r:blip="">
+              <dgm:adjLst/>
+            </dgm:shape>
+            <dgm:presOf axis="self" ptType="node" cnt="1"/>
+            <dgm:choose name="Name16">
+              <dgm:if name="Name17" func="var" arg="hierBranch" op="equ" val="init">
+                <dgm:constrLst>
+                  <dgm:constr type="l" for="ch" forName="rootText1"/>
+                  <dgm:constr type="t" for="ch" forName="rootText1"/>
+                  <dgm:constr type="w" for="ch" forName="rootText1" refType="w"/>
+                  <dgm:constr type="h" for="ch" forName="rootText1" refType="h"/>
+                  <dgm:constr type="l" for="ch" forName="rootConnector1"/>
+                  <dgm:constr type="t" for="ch" forName="rootConnector1"/>
+                  <dgm:constr type="w" for="ch" forName="rootConnector1" refType="w" refFor="ch" refForName="rootText1" fact="0.2"/>
+                  <dgm:constr type="h" for="ch" forName="rootConnector1" refType="h" refFor="ch" refForName="rootText1"/>
+                </dgm:constrLst>
+              </dgm:if>
+              <dgm:if name="Name18" func="var" arg="hierBranch" op="equ" val="l">
+                <dgm:constrLst>
+                  <dgm:constr type="l" for="ch" forName="rootText1"/>
+                  <dgm:constr type="t" for="ch" forName="rootText1"/>
+                  <dgm:constr type="w" for="ch" forName="rootText1" refType="w"/>
+                  <dgm:constr type="h" for="ch" forName="rootText1" refType="h"/>
+                  <dgm:constr type="r" for="ch" forName="rootConnector1" refType="w"/>
+                  <dgm:constr type="t" for="ch" forName="rootConnector1"/>
+                  <dgm:constr type="w" for="ch" forName="rootConnector1" refType="w" refFor="ch" refForName="rootText1" fact="0.2"/>
+                  <dgm:constr type="h" for="ch" forName="rootConnector1" refType="h" refFor="ch" refForName="rootText1"/>
+                </dgm:constrLst>
+              </dgm:if>
+              <dgm:if name="Name19" func="var" arg="hierBranch" op="equ" val="r">
+                <dgm:constrLst>
+                  <dgm:constr type="l" for="ch" forName="rootText1"/>
+                  <dgm:constr type="t" for="ch" forName="rootText1"/>
+                  <dgm:constr type="w" for="ch" forName="rootText1" refType="w"/>
+                  <dgm:constr type="h" for="ch" forName="rootText1" refType="h"/>
+                  <dgm:constr type="l" for="ch" forName="rootConnector1"/>
+                  <dgm:constr type="t" for="ch" forName="rootConnector1"/>
+                  <dgm:constr type="w" for="ch" forName="rootConnector1" refType="w" refFor="ch" refForName="rootText1" fact="0.2"/>
+                  <dgm:constr type="h" for="ch" forName="rootConnector1" refType="h" refFor="ch" refForName="rootText1"/>
+                </dgm:constrLst>
+              </dgm:if>
+              <dgm:else name="Name20">
+                <dgm:constrLst>
+                  <dgm:constr type="l" for="ch" forName="rootText1"/>
+                  <dgm:constr type="t" for="ch" forName="rootText1"/>
+                  <dgm:constr type="w" for="ch" forName="rootText1" refType="w"/>
+                  <dgm:constr type="h" for="ch" forName="rootText1" refType="h"/>
+                  <dgm:constr type="r" for="ch" forName="rootConnector1" refType="w"/>
+                  <dgm:constr type="t" for="ch" forName="rootConnector1"/>
+                  <dgm:constr type="w" for="ch" forName="rootConnector1" refType="w" refFor="ch" refForName="rootText1" fact="0.2"/>
+                  <dgm:constr type="h" for="ch" forName="rootConnector1" refType="h" refFor="ch" refForName="rootText1"/>
+                </dgm:constrLst>
+              </dgm:else>
+            </dgm:choose>
+            <dgm:ruleLst/>
+            <dgm:layoutNode name="rootText1" styleLbl="node0">
+              <dgm:varLst>
+                <dgm:chPref val="3"/>
+              </dgm:varLst>
+              <dgm:alg type="tx"/>
+              <dgm:shape xmlns:r="http://schemas.openxmlformats.org/officeDocument/2006/relationships" type="rect" r:blip="">
+                <dgm:adjLst/>
+              </dgm:shape>
+              <dgm:presOf axis="self" ptType="node" cnt="1"/>
+              <dgm:constrLst>
+                <dgm:constr type="primFontSz" val="65"/>
+                <dgm:constr type="lMarg" refType="primFontSz" fact="0.05"/>
+                <dgm:constr type="rMarg" refType="primFontSz" fact="0.05"/>
+                <dgm:constr type="tMarg" refType="primFontSz" fact="0.05"/>
+                <dgm:constr type="bMarg" refType="primFontSz" fact="0.05"/>
+              </dgm:constrLst>
+              <dgm:ruleLst>
+                <dgm:rule type="primFontSz" val="5" fact="NaN" max="NaN"/>
+              </dgm:ruleLst>
+            </dgm:layoutNode>
+            <dgm:layoutNode name="rootConnector1" moveWith="rootText1">
+              <dgm:alg type="sp"/>
+              <dgm:shape xmlns:r="http://schemas.openxmlformats.org/officeDocument/2006/relationships" type="rect" r:blip="" hideGeom="1">
+                <dgm:adjLst/>
+              </dgm:shape>
+              <dgm:presOf axis="self" ptType="node" cnt="1"/>
+              <dgm:constrLst/>
+              <dgm:ruleLst/>
+            </dgm:layoutNode>
+          </dgm:layoutNode>
+          <dgm:layoutNode name="hierChild2">
+            <dgm:choose name="Name21">
+              <dgm:if name="Name22" func="var" arg="hierBranch" op="equ" val="l">
+                <dgm:alg type="hierChild">
+                  <dgm:param type="chAlign" val="r"/>
+                  <dgm:param type="linDir" val="fromT"/>
+                </dgm:alg>
+              </dgm:if>
+              <dgm:if name="Name23" func="var" arg="hierBranch" op="equ" val="r">
+                <dgm:alg type="hierChild">
+                  <dgm:param type="chAlign" val="l"/>
+                  <dgm:param type="linDir" val="fromT"/>
+                </dgm:alg>
+              </dgm:if>
+              <dgm:if name="Name24" func="var" arg="hierBranch" op="equ" val="hang">
+                <dgm:choose name="Name25">
+                  <dgm:if name="Name26" func="var" arg="dir" op="equ" val="norm">
+                    <dgm:alg type="hierChild">
+                      <dgm:param type="chAlign" val="l"/>
+                      <dgm:param type="linDir" val="fromL"/>
+                      <dgm:param type="secChAlign" val="t"/>
+                      <dgm:param type="secLinDir" val="fromT"/>
+                    </dgm:alg>
+                  </dgm:if>
+                  <dgm:else name="Name27">
+                    <dgm:alg type="hierChild">
+                      <dgm:param type="chAlign" val="l"/>
+                      <dgm:param type="linDir" val="fromR"/>
+                      <dgm:param type="secChAlign" val="t"/>
+                      <dgm:param type="secLinDir" val="fromT"/>
+                    </dgm:alg>
+                  </dgm:else>
+                </dgm:choose>
+              </dgm:if>
+              <dgm:else name="Name28">
+                <dgm:choose name="Name29">
+                  <dgm:if name="Name30" func="var" arg="dir" op="equ" val="norm">
+                    <dgm:alg type="hierChild"/>
+                  </dgm:if>
+                  <dgm:else name="Name31">
+                    <dgm:alg type="hierChild">
+                      <dgm:param type="linDir" val="fromR"/>
+                    </dgm:alg>
+                  </dgm:else>
+                </dgm:choose>
+              </dgm:else>
+            </dgm:choose>
+            <dgm:shape xmlns:r="http://schemas.openxmlformats.org/officeDocument/2006/relationships" r:blip="">
+              <dgm:adjLst/>
+            </dgm:shape>
+            <dgm:presOf/>
+            <dgm:constrLst/>
+            <dgm:ruleLst/>
+            <dgm:forEach name="rep2a" axis="ch" ptType="nonAsst">
+              <dgm:forEach name="Name32" axis="precedSib" ptType="parTrans" st="-1" cnt="1">
+                <dgm:choose name="Name33">
+                  <dgm:if name="Name34" func="var" arg="hierBranch" op="equ" val="std">
+                    <dgm:layoutNode name="Name35">
+                      <dgm:alg type="conn">
+                        <dgm:param type="connRout" val="bend"/>
+                        <dgm:param type="dim" val="1D"/>
+                        <dgm:param type="endSty" val="noArr"/>
+                        <dgm:param type="begPts" val="bCtr"/>
+                        <dgm:param type="endPts" val="tCtr"/>
+                        <dgm:param type="bendPt" val="end"/>
+                      </dgm:alg>
+                      <dgm:shape xmlns:r="http://schemas.openxmlformats.org/officeDocument/2006/relationships" type="conn" r:blip="" zOrderOff="-99999">
+                        <dgm:adjLst/>
+                      </dgm:shape>
+                      <dgm:presOf axis="self"/>
+                      <dgm:constrLst>
+                        <dgm:constr type="begPad"/>
+                        <dgm:constr type="endPad"/>
+                      </dgm:constrLst>
+                      <dgm:ruleLst/>
+                    </dgm:layoutNode>
+                  </dgm:if>
+                  <dgm:if name="Name36" func="var" arg="hierBranch" op="equ" val="init">
+                    <dgm:layoutNode name="Name37">
+                      <dgm:choose name="Name38">
+                        <dgm:if name="Name39" axis="self" func="depth" op="lte" val="2">
+                          <dgm:alg type="conn">
+                            <dgm:param type="connRout" val="bend"/>
+                            <dgm:param type="dim" val="1D"/>
+                            <dgm:param type="endSty" val="noArr"/>
+                            <dgm:param type="begPts" val="bCtr"/>
+                            <dgm:param type="endPts" val="tCtr"/>
+                            <dgm:param type="bendPt" val="end"/>
+                          </dgm:alg>
+                        </dgm:if>
+                        <dgm:else name="Name40">
+                          <dgm:choose name="Name41">
+                            <dgm:if name="Name42" axis="par des" func="maxDepth" op="lte" val="1">
+                              <dgm:choose name="Name43">
+                                <dgm:if name="Name44" axis="par ch" ptType="node asst" func="cnt" op="gte" val="1">
+                                  <dgm:alg type="conn">
+                                    <dgm:param type="connRout" val="bend"/>
+                                    <dgm:param type="dim" val="1D"/>
+                                    <dgm:param type="endSty" val="noArr"/>
+                                    <dgm:param type="begPts" val="bCtr"/>
+                                    <dgm:param type="endPts" val="midL midR"/>
+                                  </dgm:alg>
+                                </dgm:if>
+                                <dgm:else name="Name45">
+                                  <dgm:alg type="conn">
+                                    <dgm:param type="connRout" val="bend"/>
+                                    <dgm:param type="dim" val="1D"/>
+                                    <dgm:param type="endSty" val="noArr"/>
+                                    <dgm:param type="begPts" val="bCtr"/>
+                                    <dgm:param type="endPts" val="midL midR"/>
+                                    <dgm:param type="srcNode" val="rootConnector"/>
+                                  </dgm:alg>
+                                </dgm:else>
+                              </dgm:choose>
+                            </dgm:if>
+                            <dgm:else name="Name46">
+                              <dgm:alg type="conn">
+                                <dgm:param type="connRout" val="bend"/>
+                                <dgm:param type="dim" val="1D"/>
+                                <dgm:param type="endSty" val="noArr"/>
+                                <dgm:param type="begPts" val="bCtr"/>
+                                <dgm:param type="endPts" val="tCtr"/>
+                                <dgm:param type="bendPt" val="end"/>
+                              </dgm:alg>
+                            </dgm:else>
+                          </dgm:choose>
+                        </dgm:else>
+                      </dgm:choose>
+                      <dgm:shape xmlns:r="http://schemas.openxmlformats.org/officeDocument/2006/relationships" type="conn" r:blip="" zOrderOff="-99999">
+                        <dgm:adjLst/>
+                      </dgm:shape>
+                      <dgm:presOf axis="self"/>
+                      <dgm:constrLst>
+                        <dgm:constr type="begPad"/>
+                        <dgm:constr type="endPad"/>
+                      </dgm:constrLst>
+                      <dgm:ruleLst/>
+                    </dgm:layoutNode>
+                  </dgm:if>
+                  <dgm:if name="Name47" func="var" arg="hierBranch" op="equ" val="hang">
+                    <dgm:layoutNode name="Name48">
+                      <dgm:alg type="conn">
+                        <dgm:param type="connRout" val="bend"/>
+                        <dgm:param type="dim" val="1D"/>
+                        <dgm:param type="endSty" val="noArr"/>
+                        <dgm:param type="begPts" val="bCtr"/>
+                        <dgm:param type="endPts" val="midL midR"/>
+                      </dgm:alg>
+                      <dgm:shape xmlns:r="http://schemas.openxmlformats.org/officeDocument/2006/relationships" type="conn" r:blip="" zOrderOff="-99999">
+                        <dgm:adjLst/>
+                      </dgm:shape>
+                      <dgm:presOf axis="self"/>
+                      <dgm:constrLst>
+                        <dgm:constr type="begPad"/>
+                        <dgm:constr type="endPad"/>
+                      </dgm:constrLst>
+                      <dgm:ruleLst/>
+                    </dgm:layoutNode>
+                  </dgm:if>
+                  <dgm:else name="Name49">
+                    <dgm:layoutNode name="Name50">
+                      <dgm:choose name="Name51">
+                        <dgm:if name="Name52" axis="self" func="depth" op="lte" val="2">
+                          <dgm:choose name="Name53">
+                            <dgm:if name="Name54" axis="par ch" ptType="node asst" func="cnt" op="gte" val="1">
+                              <dgm:alg type="conn">
+                                <dgm:param type="connRout" val="bend"/>
+                                <dgm:param type="dim" val="1D"/>
+                                <dgm:param type="endSty" val="noArr"/>
+                                <dgm:param type="begPts" val="bCtr"/>
+                                <dgm:param type="endPts" val="midL midR"/>
+                              </dgm:alg>
+                            </dgm:if>
+                            <dgm:else name="Name55">
+                              <dgm:alg type="conn">
+                                <dgm:param type="connRout" val="bend"/>
+                                <dgm:param type="dim" val="1D"/>
+                                <dgm:param type="endSty" val="noArr"/>
+                                <dgm:param type="begPts" val="bCtr"/>
+                                <dgm:param type="endPts" val="midL midR"/>
+                                <dgm:param type="srcNode" val="rootConnector1"/>
+                              </dgm:alg>
+                            </dgm:else>
+                          </dgm:choose>
+                        </dgm:if>
+                        <dgm:else name="Name56">
+                          <dgm:choose name="Name57">
+                            <dgm:if name="Name58" axis="par ch" ptType="node asst" func="cnt" op="gte" val="1">
+                              <dgm:alg type="conn">
+                                <dgm:param type="connRout" val="bend"/>
+                                <dgm:param type="dim" val="1D"/>
+                                <dgm:param type="endSty" val="noArr"/>
+                                <dgm:param type="begPts" val="bCtr"/>
+                                <dgm:param type="endPts" val="midL midR"/>
+                              </dgm:alg>
+                            </dgm:if>
+                            <dgm:else name="Name59">
+                              <dgm:alg type="conn">
+                                <dgm:param type="connRout" val="bend"/>
+                                <dgm:param type="dim" val="1D"/>
+                                <dgm:param type="endSty" val="noArr"/>
+                                <dgm:param type="begPts" val="bCtr"/>
+                                <dgm:param type="endPts" val="midL midR"/>
+                                <dgm:param type="srcNode" val="rootConnector"/>
+                              </dgm:alg>
+                            </dgm:else>
+                          </dgm:choose>
+                        </dgm:else>
+                      </dgm:choose>
+                      <dgm:shape xmlns:r="http://schemas.openxmlformats.org/officeDocument/2006/relationships" type="conn" r:blip="" zOrderOff="-99999">
+                        <dgm:adjLst/>
+                      </dgm:shape>
+                      <dgm:presOf axis="self"/>
+                      <dgm:constrLst>
+                        <dgm:constr type="begPad"/>
+                        <dgm:constr type="endPad"/>
+                      </dgm:constrLst>
+                      <dgm:ruleLst/>
+                    </dgm:layoutNode>
+                  </dgm:else>
+                </dgm:choose>
+              </dgm:forEach>
+              <dgm:layoutNode name="hierRoot2">
+                <dgm:varLst>
+                  <dgm:hierBranch val="init"/>
+                </dgm:varLst>
+                <dgm:choose name="Name60">
+                  <dgm:if name="Name61" func="var" arg="hierBranch" op="equ" val="l">
+                    <dgm:choose name="Name62">
+                      <dgm:if name="Name63" axis="ch" ptType="asst" func="cnt" op="gte" val="1">
+                        <dgm:alg type="hierRoot">
+                          <dgm:param type="hierAlign" val="tR"/>
+                        </dgm:alg>
+                        <dgm:shape xmlns:r="http://schemas.openxmlformats.org/officeDocument/2006/relationships" r:blip="">
+                          <dgm:adjLst/>
+                        </dgm:shape>
+                        <dgm:presOf/>
+                        <dgm:constrLst>
+                          <dgm:constr type="alignOff" val="0.65"/>
+                        </dgm:constrLst>
+                      </dgm:if>
+                      <dgm:else name="Name64">
+                        <dgm:alg type="hierRoot">
+                          <dgm:param type="hierAlign" val="tR"/>
+                        </dgm:alg>
+                        <dgm:shape xmlns:r="http://schemas.openxmlformats.org/officeDocument/2006/relationships" r:blip="">
+                          <dgm:adjLst/>
+                        </dgm:shape>
+                        <dgm:presOf/>
+                        <dgm:constrLst>
+                          <dgm:constr type="alignOff" val="0.25"/>
+                        </dgm:constrLst>
+                      </dgm:else>
+                    </dgm:choose>
+                  </dgm:if>
+                  <dgm:if name="Name65" func="var" arg="hierBranch" op="equ" val="r">
+                    <dgm:choose name="Name66">
+                      <dgm:if name="Name67" axis="ch" ptType="asst" func="cnt" op="gte" val="1">
+                        <dgm:alg type="hierRoot">
+                          <dgm:param type="hierAlign" val="tL"/>
+                        </dgm:alg>
+                        <dgm:shape xmlns:r="http://schemas.openxmlformats.org/officeDocument/2006/relationships" r:blip="">
+                          <dgm:adjLst/>
+                        </dgm:shape>
+                        <dgm:presOf/>
+                        <dgm:constrLst>
+                          <dgm:constr type="alignOff" val="0.65"/>
+                        </dgm:constrLst>
+                      </dgm:if>
+                      <dgm:else name="Name68">
+                        <dgm:alg type="hierRoot">
+                          <dgm:param type="hierAlign" val="tL"/>
+                        </dgm:alg>
+                        <dgm:shape xmlns:r="http://schemas.openxmlformats.org/officeDocument/2006/relationships" r:blip="">
+                          <dgm:adjLst/>
+                        </dgm:shape>
+                        <dgm:presOf/>
+                        <dgm:constrLst>
+                          <dgm:constr type="alignOff" val="0.25"/>
+                        </dgm:constrLst>
+                      </dgm:else>
+                    </dgm:choose>
+                  </dgm:if>
+                  <dgm:if name="Name69" func="var" arg="hierBranch" op="equ" val="std">
+                    <dgm:alg type="hierRoot"/>
+                    <dgm:shape xmlns:r="http://schemas.openxmlformats.org/officeDocument/2006/relationships" r:blip="">
+                      <dgm:adjLst/>
+                    </dgm:shape>
+                    <dgm:presOf/>
+                    <dgm:constrLst>
+                      <dgm:constr type="alignOff"/>
+                      <dgm:constr type="bendDist" for="des" ptType="parTrans" refType="sp" fact="0.5"/>
+                    </dgm:constrLst>
+                  </dgm:if>
+                  <dgm:if name="Name70" func="var" arg="hierBranch" op="equ" val="init">
+                    <dgm:choose name="Name71">
+                      <dgm:if name="Name72" axis="des" func="maxDepth" op="lte" val="1">
+                        <dgm:choose name="Name73">
+                          <dgm:if name="Name74" axis="ch" ptType="asst" func="cnt" op="gte" val="1">
+                            <dgm:alg type="hierRoot">
+                              <dgm:param type="hierAlign" val="tL"/>
+                            </dgm:alg>
+                            <dgm:shape xmlns:r="http://schemas.openxmlformats.org/officeDocument/2006/relationships" r:blip="">
+                              <dgm:adjLst/>
+                            </dgm:shape>
+                            <dgm:presOf/>
+                            <dgm:constrLst>
+                              <dgm:constr type="alignOff" val="0.65"/>
+                            </dgm:constrLst>
+                          </dgm:if>
+                          <dgm:else name="Name75">
+                            <dgm:alg type="hierRoot">
+                              <dgm:param type="hierAlign" val="tL"/>
+                            </dgm:alg>
+                            <dgm:shape xmlns:r="http://schemas.openxmlformats.org/officeDocument/2006/relationships" r:blip="">
+                              <dgm:adjLst/>
+                            </dgm:shape>
+                            <dgm:presOf/>
+                            <dgm:constrLst>
+                              <dgm:constr type="alignOff" val="0.25"/>
+                            </dgm:constrLst>
+                          </dgm:else>
+                        </dgm:choose>
+                      </dgm:if>
+                      <dgm:else name="Name76">
+                        <dgm:alg type="hierRoot"/>
+                        <dgm:shape xmlns:r="http://schemas.openxmlformats.org/officeDocument/2006/relationships" r:blip="">
+                          <dgm:adjLst/>
+                        </dgm:shape>
+                        <dgm:presOf/>
+                        <dgm:constrLst>
+                          <dgm:constr type="alignOff"/>
+                          <dgm:constr type="bendDist" for="des" ptType="parTrans" refType="sp" fact="0.5"/>
+                        </dgm:constrLst>
+                      </dgm:else>
+                    </dgm:choose>
+                  </dgm:if>
+                  <dgm:else name="Name77">
+                    <dgm:alg type="hierRoot"/>
+                    <dgm:shape xmlns:r="http://schemas.openxmlformats.org/officeDocument/2006/relationships" r:blip="">
+                      <dgm:adjLst/>
+                    </dgm:shape>
+                    <dgm:presOf/>
+                    <dgm:constrLst>
+                      <dgm:constr type="alignOff" val="0.65"/>
+                    </dgm:constrLst>
+                  </dgm:else>
+                </dgm:choose>
+                <dgm:ruleLst/>
+                <dgm:layoutNode name="rootComposite">
+                  <dgm:alg type="composite"/>
+                  <dgm:shape xmlns:r="http://schemas.openxmlformats.org/officeDocument/2006/relationships" r:blip="">
+                    <dgm:adjLst/>
+                  </dgm:shape>
+                  <dgm:presOf axis="self" ptType="node" cnt="1"/>
+                  <dgm:choose name="Name78">
+                    <dgm:if name="Name79" func="var" arg="hierBranch" op="equ" val="init">
+                      <dgm:constrLst>
+                        <dgm:constr type="l" for="ch" forName="rootText"/>
+                        <dgm:constr type="t" for="ch" forName="rootText"/>
+                        <dgm:constr type="w" for="ch" forName="rootText" refType="w"/>
+                        <dgm:constr type="h" for="ch" forName="rootText" refType="h"/>
+                        <dgm:constr type="l" for="ch" forName="rootConnector"/>
+                        <dgm:constr type="t" for="ch" forName="rootConnector"/>
+                        <dgm:constr type="w" for="ch" forName="rootConnector" refType="w" refFor="ch" refForName="rootText" fact="0.2"/>
+                        <dgm:constr type="h" for="ch" forName="rootConnector" refType="h" refFor="ch" refForName="rootText"/>
+                      </dgm:constrLst>
+                    </dgm:if>
+                    <dgm:if name="Name80" func="var" arg="hierBranch" op="equ" val="l">
+                      <dgm:constrLst>
+                        <dgm:constr type="l" for="ch" forName="rootText"/>
+                        <dgm:constr type="t" for="ch" forName="rootText"/>
+                        <dgm:constr type="w" for="ch" forName="rootText" refType="w"/>
+                        <dgm:constr type="h" for="ch" forName="rootText" refType="h"/>
+                        <dgm:constr type="r" for="ch" forName="rootConnector" refType="w"/>
+                        <dgm:constr type="t" for="ch" forName="rootConnector"/>
+                        <dgm:constr type="w" for="ch" forName="rootConnector" refType="w" refFor="ch" refForName="rootText" fact="0.2"/>
+                        <dgm:constr type="h" for="ch" forName="rootConnector" refType="h" refFor="ch" refForName="rootText"/>
+                      </dgm:constrLst>
+                    </dgm:if>
+                    <dgm:if name="Name81" func="var" arg="hierBranch" op="equ" val="r">
+                      <dgm:constrLst>
+                        <dgm:constr type="l" for="ch" forName="rootText"/>
+                        <dgm:constr type="t" for="ch" forName="rootText"/>
+                        <dgm:constr type="w" for="ch" forName="rootText" refType="w"/>
+                        <dgm:constr type="h" for="ch" forName="rootText" refType="h"/>
+                        <dgm:constr type="l" for="ch" forName="rootConnector"/>
+                        <dgm:constr type="t" for="ch" forName="rootConnector"/>
+                        <dgm:constr type="w" for="ch" forName="rootConnector" refType="w" refFor="ch" refForName="rootText" fact="0.2"/>
+                        <dgm:constr type="h" for="ch" forName="rootConnector" refType="h" refFor="ch" refForName="rootText"/>
+                      </dgm:constrLst>
+                    </dgm:if>
+                    <dgm:else name="Name82">
+                      <dgm:constrLst>
+                        <dgm:constr type="l" for="ch" forName="rootText"/>
+                        <dgm:constr type="t" for="ch" forName="rootText"/>
+                        <dgm:constr type="w" for="ch" forName="rootText" refType="w"/>
+                        <dgm:constr type="h" for="ch" forName="rootText" refType="h"/>
+                        <dgm:constr type="r" for="ch" forName="rootConnector" refType="w"/>
+                        <dgm:constr type="t" for="ch" forName="rootConnector"/>
+                        <dgm:constr type="w" for="ch" forName="rootConnector" refType="w" refFor="ch" refForName="rootText" fact="0.2"/>
+                        <dgm:constr type="h" for="ch" forName="rootConnector" refType="h" refFor="ch" refForName="rootText"/>
+                      </dgm:constrLst>
+                    </dgm:else>
+                  </dgm:choose>
+                  <dgm:ruleLst/>
+                  <dgm:layoutNode name="rootText">
+                    <dgm:varLst>
+                      <dgm:chPref val="3"/>
+                    </dgm:varLst>
+                    <dgm:alg type="tx"/>
+                    <dgm:shape xmlns:r="http://schemas.openxmlformats.org/officeDocument/2006/relationships" type="rect" r:blip="">
+                      <dgm:adjLst/>
+                    </dgm:shape>
+                    <dgm:presOf axis="self" ptType="node" cnt="1"/>
+                    <dgm:constrLst>
+                      <dgm:constr type="primFontSz" val="65"/>
+                      <dgm:constr type="lMarg" refType="primFontSz" fact="0.05"/>
+                      <dgm:constr type="rMarg" refType="primFontSz" fact="0.05"/>
+                      <dgm:constr type="tMarg" refType="primFontSz" fact="0.05"/>
+                      <dgm:constr type="bMarg" refType="primFontSz" fact="0.05"/>
+                    </dgm:constrLst>
+                    <dgm:ruleLst>
+                      <dgm:rule type="primFontSz" val="5" fact="NaN" max="NaN"/>
+                    </dgm:ruleLst>
+                  </dgm:layoutNode>
+                  <dgm:layoutNode name="rootConnector" moveWith="rootText">
+                    <dgm:alg type="sp"/>
+                    <dgm:shape xmlns:r="http://schemas.openxmlformats.org/officeDocument/2006/relationships" type="rect" r:blip="" hideGeom="1">
+                      <dgm:adjLst/>
+                    </dgm:shape>
+                    <dgm:presOf axis="self" ptType="node" cnt="1"/>
+                    <dgm:constrLst/>
+                    <dgm:ruleLst/>
+                  </dgm:layoutNode>
+                </dgm:layoutNode>
+                <dgm:layoutNode name="hierChild4">
+                  <dgm:choose name="Name83">
+                    <dgm:if name="Name84" func="var" arg="hierBranch" op="equ" val="l">
+                      <dgm:alg type="hierChild">
+                        <dgm:param type="chAlign" val="r"/>
+                        <dgm:param type="linDir" val="fromT"/>
+                      </dgm:alg>
+                    </dgm:if>
+                    <dgm:if name="Name85" func="var" arg="hierBranch" op="equ" val="r">
+                      <dgm:alg type="hierChild">
+                        <dgm:param type="chAlign" val="l"/>
+                        <dgm:param type="linDir" val="fromT"/>
+                      </dgm:alg>
+                    </dgm:if>
+                    <dgm:if name="Name86" func="var" arg="hierBranch" op="equ" val="hang">
+                      <dgm:choose name="Name87">
+                        <dgm:if name="Name88" func="var" arg="dir" op="equ" val="norm">
+                          <dgm:alg type="hierChild">
+                            <dgm:param type="chAlign" val="l"/>
+                            <dgm:param type="linDir" val="fromL"/>
+                            <dgm:param type="secChAlign" val="t"/>
+                            <dgm:param type="secLinDir" val="fromT"/>
+                          </dgm:alg>
+                        </dgm:if>
+                        <dgm:else name="Name89">
+                          <dgm:alg type="hierChild">
+                            <dgm:param type="chAlign" val="l"/>
+                            <dgm:param type="linDir" val="fromR"/>
+                            <dgm:param type="secChAlign" val="t"/>
+                            <dgm:param type="secLinDir" val="fromT"/>
+                          </dgm:alg>
+                        </dgm:else>
+                      </dgm:choose>
+                    </dgm:if>
+                    <dgm:if name="Name90" func="var" arg="hierBranch" op="equ" val="std">
+                      <dgm:choose name="Name91">
+                        <dgm:if name="Name92" func="var" arg="dir" op="equ" val="norm">
+                          <dgm:alg type="hierChild"/>
+                        </dgm:if>
+                        <dgm:else name="Name93">
+                          <dgm:alg type="hierChild">
+                            <dgm:param type="linDir" val="fromR"/>
+                          </dgm:alg>
+                        </dgm:else>
+                      </dgm:choose>
+                    </dgm:if>
+                    <dgm:if name="Name94" func="var" arg="hierBranch" op="equ" val="init">
+                      <dgm:choose name="Name95">
+                        <dgm:if name="Name96" axis="des" func="maxDepth" op="lte" val="1">
+                          <dgm:alg type="hierChild">
+                            <dgm:param type="chAlign" val="l"/>
+                            <dgm:param type="linDir" val="fromT"/>
+                          </dgm:alg>
+                        </dgm:if>
+                        <dgm:else name="Name97">
+                          <dgm:choose name="Name98">
+                            <dgm:if name="Name99" func="var" arg="dir" op="equ" val="norm">
+                              <dgm:alg type="hierChild"/>
+                            </dgm:if>
+                            <dgm:else name="Name100">
+                              <dgm:alg type="hierChild">
+                                <dgm:param type="linDir" val="fromR"/>
+                              </dgm:alg>
+                            </dgm:else>
+                          </dgm:choose>
+                        </dgm:else>
+                      </dgm:choose>
+                    </dgm:if>
+                    <dgm:else name="Name101"/>
+                  </dgm:choose>
+                  <dgm:shape xmlns:r="http://schemas.openxmlformats.org/officeDocument/2006/relationships" r:blip="">
+                    <dgm:adjLst/>
+                  </dgm:shape>
+                  <dgm:presOf/>
+                  <dgm:constrLst/>
+                  <dgm:ruleLst/>
+                  <dgm:forEach name="Name102" ref="rep2a"/>
+                </dgm:layoutNode>
+                <dgm:layoutNode name="hierChild5">
+                  <dgm:choose name="Name103">
+                    <dgm:if name="Name104" func="var" arg="dir" op="equ" val="norm">
+                      <dgm:alg type="hierChild">
+                        <dgm:param type="chAlign" val="l"/>
+                        <dgm:param type="linDir" val="fromL"/>
+                        <dgm:param type="secChAlign" val="t"/>
+                        <dgm:param type="secLinDir" val="fromT"/>
+                      </dgm:alg>
+                    </dgm:if>
+                    <dgm:else name="Name105">
+                      <dgm:alg type="hierChild">
+                        <dgm:param type="chAlign" val="l"/>
+                        <dgm:param type="linDir" val="fromR"/>
+                        <dgm:param type="secChAlign" val="t"/>
+                        <dgm:param type="secLinDir" val="fromT"/>
+                      </dgm:alg>
+                    </dgm:else>
+                  </dgm:choose>
+                  <dgm:shape xmlns:r="http://schemas.openxmlformats.org/officeDocument/2006/relationships" r:blip="">
+                    <dgm:adjLst/>
+                  </dgm:shape>
+                  <dgm:presOf/>
+                  <dgm:constrLst/>
+                  <dgm:ruleLst/>
+                  <dgm:forEach name="Name106" ref="rep2b"/>
+                </dgm:layoutNode>
+              </dgm:layoutNode>
+            </dgm:forEach>
+          </dgm:layoutNode>
+          <dgm:layoutNode name="hierChild3">
+            <dgm:choose name="Name107">
+              <dgm:if name="Name108" func="var" arg="dir" op="equ" val="norm">
+                <dgm:alg type="hierChild">
+                  <dgm:param type="chAlign" val="l"/>
+                  <dgm:param type="linDir" val="fromL"/>
+                  <dgm:param type="secChAlign" val="t"/>
+                  <dgm:param type="secLinDir" val="fromT"/>
+                </dgm:alg>
+              </dgm:if>
+              <dgm:else name="Name109">
+                <dgm:alg type="hierChild">
+                  <dgm:param type="chAlign" val="l"/>
+                  <dgm:param type="linDir" val="fromR"/>
+                  <dgm:param type="secChAlign" val="t"/>
+                  <dgm:param type="secLinDir" val="fromT"/>
+                </dgm:alg>
+              </dgm:else>
+            </dgm:choose>
+            <dgm:shape xmlns:r="http://schemas.openxmlformats.org/officeDocument/2006/relationships" r:blip="">
+              <dgm:adjLst/>
+            </dgm:shape>
+            <dgm:presOf/>
+            <dgm:constrLst/>
+            <dgm:ruleLst/>
+            <dgm:forEach name="rep2b" axis="ch" ptType="asst">
+              <dgm:forEach name="Name110" axis="precedSib" ptType="parTrans" st="-1" cnt="1">
+                <dgm:layoutNode name="Name111">
+                  <dgm:alg type="conn">
+                    <dgm:param type="connRout" val="bend"/>
+                    <dgm:param type="dim" val="1D"/>
+                    <dgm:param type="endSty" val="noArr"/>
+                    <dgm:param type="begPts" val="bCtr"/>
+                    <dgm:param type="endPts" val="midL midR"/>
+                  </dgm:alg>
+                  <dgm:shape xmlns:r="http://schemas.openxmlformats.org/officeDocument/2006/relationships" type="conn" r:blip="" zOrderOff="-99999">
+                    <dgm:adjLst/>
+                  </dgm:shape>
+                  <dgm:presOf axis="self"/>
+                  <dgm:constrLst>
+                    <dgm:constr type="begPad"/>
+                    <dgm:constr type="endPad"/>
+                  </dgm:constrLst>
+                  <dgm:ruleLst/>
+                </dgm:layoutNode>
+              </dgm:forEach>
+              <dgm:layoutNode name="hierRoot3">
+                <dgm:varLst>
+                  <dgm:hierBranch val="init"/>
+                </dgm:varLst>
+                <dgm:choose name="Name112">
+                  <dgm:if name="Name113" func="var" arg="hierBranch" op="equ" val="l">
+                    <dgm:alg type="hierRoot">
+                      <dgm:param type="hierAlign" val="tR"/>
+                    </dgm:alg>
+                    <dgm:shape xmlns:r="http://schemas.openxmlformats.org/officeDocument/2006/relationships" r:blip="">
+                      <dgm:adjLst/>
+                    </dgm:shape>
+                    <dgm:presOf/>
+                    <dgm:constrLst>
+                      <dgm:constr type="alignOff" val="0.65"/>
+                    </dgm:constrLst>
+                  </dgm:if>
+                  <dgm:if name="Name114" func="var" arg="hierBranch" op="equ" val="r">
+                    <dgm:alg type="hierRoot">
+                      <dgm:param type="hierAlign" val="tL"/>
+                    </dgm:alg>
+                    <dgm:shape xmlns:r="http://schemas.openxmlformats.org/officeDocument/2006/relationships" r:blip="">
+                      <dgm:adjLst/>
+                    </dgm:shape>
+                    <dgm:presOf/>
+                    <dgm:constrLst>
+                      <dgm:constr type="alignOff" val="0.65"/>
+                    </dgm:constrLst>
+                  </dgm:if>
+                  <dgm:if name="Name115" func="var" arg="hierBranch" op="equ" val="hang">
+                    <dgm:alg type="hierRoot"/>
+                    <dgm:shape xmlns:r="http://schemas.openxmlformats.org/officeDocument/2006/relationships" r:blip="">
+                      <dgm:adjLst/>
+                    </dgm:shape>
+                    <dgm:presOf/>
+                    <dgm:constrLst>
+                      <dgm:constr type="alignOff" val="0.65"/>
+                    </dgm:constrLst>
+                  </dgm:if>
+                  <dgm:if name="Name116" func="var" arg="hierBranch" op="equ" val="std">
+                    <dgm:alg type="hierRoot"/>
+                    <dgm:shape xmlns:r="http://schemas.openxmlformats.org/officeDocument/2006/relationships" r:blip="">
+                      <dgm:adjLst/>
+                    </dgm:shape>
+                    <dgm:presOf/>
+                    <dgm:constrLst>
+                      <dgm:constr type="alignOff"/>
+                      <dgm:constr type="bendDist" for="des" ptType="parTrans" refType="sp" fact="0.5"/>
+                    </dgm:constrLst>
+                  </dgm:if>
+                  <dgm:if name="Name117" func="var" arg="hierBranch" op="equ" val="init">
+                    <dgm:choose name="Name118">
+                      <dgm:if name="Name119" axis="des" func="maxDepth" op="lte" val="1">
+                        <dgm:alg type="hierRoot">
+                          <dgm:param type="hierAlign" val="tL"/>
+                        </dgm:alg>
+                        <dgm:shape xmlns:r="http://schemas.openxmlformats.org/officeDocument/2006/relationships" r:blip="">
+                          <dgm:adjLst/>
+                        </dgm:shape>
+                        <dgm:presOf/>
+                        <dgm:constrLst>
+                          <dgm:constr type="alignOff" val="0.65"/>
+                        </dgm:constrLst>
+                      </dgm:if>
+                      <dgm:else name="Name120">
+                        <dgm:alg type="hierRoot"/>
+                        <dgm:shape xmlns:r="http://schemas.openxmlformats.org/officeDocument/2006/relationships" r:blip="">
+                          <dgm:adjLst/>
+                        </dgm:shape>
+                        <dgm:presOf/>
+                        <dgm:constrLst>
+                          <dgm:constr type="alignOff"/>
+                          <dgm:constr type="bendDist" for="des" ptType="parTrans" refType="sp" fact="0.5"/>
+                        </dgm:constrLst>
+                      </dgm:else>
+                    </dgm:choose>
+                  </dgm:if>
+                  <dgm:else name="Name121"/>
+                </dgm:choose>
+                <dgm:ruleLst/>
+                <dgm:layoutNode name="rootComposite3">
+                  <dgm:alg type="composite"/>
+                  <dgm:shape xmlns:r="http://schemas.openxmlformats.org/officeDocument/2006/relationships" r:blip="">
+                    <dgm:adjLst/>
+                  </dgm:shape>
+                  <dgm:presOf axis="self" ptType="node" cnt="1"/>
+                  <dgm:choose name="Name122">
+                    <dgm:if name="Name123" func="var" arg="hierBranch" op="equ" val="init">
+                      <dgm:constrLst>
+                        <dgm:constr type="l" for="ch" forName="rootText3"/>
+                        <dgm:constr type="t" for="ch" forName="rootText3"/>
+                        <dgm:constr type="w" for="ch" forName="rootText3" refType="w"/>
+                        <dgm:constr type="h" for="ch" forName="rootText3" refType="h"/>
+                        <dgm:constr type="l" for="ch" forName="rootConnector3"/>
+                        <dgm:constr type="t" for="ch" forName="rootConnector3"/>
+                        <dgm:constr type="w" for="ch" forName="rootConnector3" refType="w" refFor="ch" refForName="rootText3" fact="0.2"/>
+                        <dgm:constr type="h" for="ch" forName="rootConnector3" refType="h" refFor="ch" refForName="rootText3"/>
+                      </dgm:constrLst>
+                    </dgm:if>
+                    <dgm:if name="Name124" func="var" arg="hierBranch" op="equ" val="l">
+                      <dgm:constrLst>
+                        <dgm:constr type="l" for="ch" forName="rootText3"/>
+                        <dgm:constr type="t" for="ch" forName="rootText3"/>
+                        <dgm:constr type="w" for="ch" forName="rootText3" refType="w"/>
+                        <dgm:constr type="h" for="ch" forName="rootText3" refType="h"/>
+                        <dgm:constr type="r" for="ch" forName="rootConnector3" refType="w"/>
+                        <dgm:constr type="t" for="ch" forName="rootConnector3"/>
+                        <dgm:constr type="w" for="ch" forName="rootConnector3" refType="w" refFor="ch" refForName="rootText3" fact="0.2"/>
+                        <dgm:constr type="h" for="ch" forName="rootConnector3" refType="h" refFor="ch" refForName="rootText3"/>
+                      </dgm:constrLst>
+                    </dgm:if>
+                    <dgm:if name="Name125" func="var" arg="hierBranch" op="equ" val="r">
+                      <dgm:constrLst>
+                        <dgm:constr type="l" for="ch" forName="rootText3"/>
+                        <dgm:constr type="t" for="ch" forName="rootText3"/>
+                        <dgm:constr type="w" for="ch" forName="rootText3" refType="w"/>
+                        <dgm:constr type="h" for="ch" forName="rootText3" refType="h"/>
+                        <dgm:constr type="l" for="ch" forName="rootConnector3"/>
+                        <dgm:constr type="t" for="ch" forName="rootConnector3"/>
+                        <dgm:constr type="w" for="ch" forName="rootConnector3" refType="w" refFor="ch" refForName="rootText3" fact="0.2"/>
+                        <dgm:constr type="h" for="ch" forName="rootConnector3" refType="h" refFor="ch" refForName="rootText3"/>
+                      </dgm:constrLst>
+                    </dgm:if>
+                    <dgm:else name="Name126">
+                      <dgm:constrLst>
+                        <dgm:constr type="l" for="ch" forName="rootText3"/>
+                        <dgm:constr type="t" for="ch" forName="rootText3"/>
+                        <dgm:constr type="w" for="ch" forName="rootText3" refType="w"/>
+                        <dgm:constr type="h" for="ch" forName="rootText3" refType="h"/>
+                        <dgm:constr type="r" for="ch" forName="rootConnector3" refType="w"/>
+                        <dgm:constr type="t" for="ch" forName="rootConnector3"/>
+                        <dgm:constr type="w" for="ch" forName="rootConnector3" refType="w" refFor="ch" refForName="rootText3" fact="0.2"/>
+                        <dgm:constr type="h" for="ch" forName="rootConnector3" refType="h" refFor="ch" refForName="rootText3"/>
+                      </dgm:constrLst>
+                    </dgm:else>
+                  </dgm:choose>
+                  <dgm:ruleLst/>
+                  <dgm:layoutNode name="rootText3">
+                    <dgm:varLst>
+                      <dgm:chPref val="3"/>
+                    </dgm:varLst>
+                    <dgm:alg type="tx"/>
+                    <dgm:shape xmlns:r="http://schemas.openxmlformats.org/officeDocument/2006/relationships" type="rect" r:blip="">
+                      <dgm:adjLst/>
+                    </dgm:shape>
+                    <dgm:presOf axis="self" ptType="node" cnt="1"/>
+                    <dgm:constrLst>
+                      <dgm:constr type="primFontSz" val="65"/>
+                      <dgm:constr type="lMarg" refType="primFontSz" fact="0.05"/>
+                      <dgm:constr type="rMarg" refType="primFontSz" fact="0.05"/>
+                      <dgm:constr type="tMarg" refType="primFontSz" fact="0.05"/>
+                      <dgm:constr type="bMarg" refType="primFontSz" fact="0.05"/>
+                    </dgm:constrLst>
+                    <dgm:ruleLst>
+                      <dgm:rule type="primFontSz" val="5" fact="NaN" max="NaN"/>
+                    </dgm:ruleLst>
+                  </dgm:layoutNode>
+                  <dgm:layoutNode name="rootConnector3" moveWith="rootText1">
+                    <dgm:alg type="sp"/>
+                    <dgm:shape xmlns:r="http://schemas.openxmlformats.org/officeDocument/2006/relationships" type="rect" r:blip="" hideGeom="1">
+                      <dgm:adjLst/>
+                    </dgm:shape>
+                    <dgm:presOf axis="self" ptType="node" cnt="1"/>
+                    <dgm:constrLst/>
+                    <dgm:ruleLst/>
+                  </dgm:layoutNode>
+                </dgm:layoutNode>
+                <dgm:layoutNode name="hierChild6">
+                  <dgm:choose name="Name127">
+                    <dgm:if name="Name128" func="var" arg="hierBranch" op="equ" val="l">
+                      <dgm:alg type="hierChild">
+                        <dgm:param type="chAlign" val="r"/>
+                        <dgm:param type="linDir" val="fromT"/>
+                      </dgm:alg>
+                    </dgm:if>
+                    <dgm:if name="Name129" func="var" arg="hierBranch" op="equ" val="r">
+                      <dgm:alg type="hierChild">
+                        <dgm:param type="chAlign" val="l"/>
+                        <dgm:param type="linDir" val="fromT"/>
+                      </dgm:alg>
+                    </dgm:if>
+                    <dgm:if name="Name130" func="var" arg="hierBranch" op="equ" val="hang">
+                      <dgm:choose name="Name131">
+                        <dgm:if name="Name132" func="var" arg="dir" op="equ" val="norm">
+                          <dgm:alg type="hierChild">
+                            <dgm:param type="chAlign" val="l"/>
+                            <dgm:param type="linDir" val="fromL"/>
+                            <dgm:param type="secChAlign" val="t"/>
+                            <dgm:param type="secLinDir" val="fromT"/>
+                          </dgm:alg>
+                        </dgm:if>
+                        <dgm:else name="Name133">
+                          <dgm:alg type="hierChild">
+                            <dgm:param type="chAlign" val="l"/>
+                            <dgm:param type="linDir" val="fromR"/>
+                            <dgm:param type="secChAlign" val="t"/>
+                            <dgm:param type="secLinDir" val="fromT"/>
+                          </dgm:alg>
+                        </dgm:else>
+                      </dgm:choose>
+                    </dgm:if>
+                    <dgm:if name="Name134" func="var" arg="hierBranch" op="equ" val="std">
+                      <dgm:choose name="Name135">
+                        <dgm:if name="Name136" func="var" arg="dir" op="equ" val="norm">
+                          <dgm:alg type="hierChild"/>
+                        </dgm:if>
+                        <dgm:else name="Name137">
+                          <dgm:alg type="hierChild">
+                            <dgm:param type="linDir" val="fromR"/>
+                          </dgm:alg>
+                        </dgm:else>
+                      </dgm:choose>
+                    </dgm:if>
+                    <dgm:if name="Name138" func="var" arg="hierBranch" op="equ" val="init">
+                      <dgm:choose name="Name139">
+                        <dgm:if name="Name140" axis="des" func="maxDepth" op="lte" val="1">
+                          <dgm:alg type="hierChild">
+                            <dgm:param type="chAlign" val="l"/>
+                            <dgm:param type="linDir" val="fromT"/>
+                          </dgm:alg>
+                        </dgm:if>
+                        <dgm:else name="Name141">
+                          <dgm:alg type="hierChild"/>
+                        </dgm:else>
+                      </dgm:choose>
+                    </dgm:if>
+                    <dgm:else name="Name142"/>
+                  </dgm:choose>
+                  <dgm:shape xmlns:r="http://schemas.openxmlformats.org/officeDocument/2006/relationships" r:blip="">
+                    <dgm:adjLst/>
+                  </dgm:shape>
+                  <dgm:presOf/>
+                  <dgm:constrLst/>
+                  <dgm:ruleLst/>
+                  <dgm:forEach name="Name143" ref="rep2a"/>
+                </dgm:layoutNode>
+                <dgm:layoutNode name="hierChild7">
+                  <dgm:choose name="Name144">
+                    <dgm:if name="Name145" func="var" arg="dir" op="equ" val="norm">
+                      <dgm:alg type="hierChild">
+                        <dgm:param type="chAlign" val="l"/>
+                        <dgm:param type="linDir" val="fromL"/>
+                        <dgm:param type="secChAlign" val="t"/>
+                        <dgm:param type="secLinDir" val="fromT"/>
+                      </dgm:alg>
+                    </dgm:if>
+                    <dgm:else name="Name146">
+                      <dgm:alg type="hierChild">
+                        <dgm:param type="chAlign" val="l"/>
+                        <dgm:param type="linDir" val="fromR"/>
+                        <dgm:param type="secChAlign" val="t"/>
+                        <dgm:param type="secLinDir" val="fromT"/>
+                      </dgm:alg>
+                    </dgm:else>
+                  </dgm:choose>
+                  <dgm:shape xmlns:r="http://schemas.openxmlformats.org/officeDocument/2006/relationships" r:blip="">
+                    <dgm:adjLst/>
+                  </dgm:shape>
+                  <dgm:presOf/>
+                  <dgm:constrLst/>
+                  <dgm:ruleLst/>
+                  <dgm:forEach name="Name147" ref="rep2b"/>
+                </dgm:layoutNode>
+              </dgm:layoutNode>
+            </dgm:forEach>
+          </dgm:layoutNode>
+        </dgm:layoutNode>
+      </dgm:forEach>
+    </dgm:forEach>
+  </dgm:layoutNode>
+</dgm:layoutDef>
+</file>
+
+<file path=ppt/diagrams/layout2.xml><?xml version="1.0" encoding="utf-8"?>
+<dgm:layoutDef xmlns:dgm="http://schemas.openxmlformats.org/drawingml/2006/diagram" xmlns:a="http://schemas.openxmlformats.org/drawingml/2006/main" uniqueId="urn:microsoft.com/office/officeart/2005/8/layout/default">
+  <dgm:title val=""/>
+  <dgm:desc val=""/>
+  <dgm:catLst>
+    <dgm:cat type="list" pri="400"/>
+  </dgm:catLst>
+  <dgm:sampData>
+    <dgm:dataModel>
+      <dgm:ptLst>
+        <dgm:pt modelId="0" type="doc"/>
+        <dgm:pt modelId="1">
+          <dgm:prSet phldr="1"/>
+        </dgm:pt>
+        <dgm:pt modelId="2">
+          <dgm:prSet phldr="1"/>
+        </dgm:pt>
+        <dgm:pt modelId="3">
+          <dgm:prSet phldr="1"/>
+        </dgm:pt>
+        <dgm:pt modelId="4">
+          <dgm:prSet phldr="1"/>
+        </dgm:pt>
+        <dgm:pt modelId="5">
+          <dgm:prSet phldr="1"/>
+        </dgm:pt>
+      </dgm:ptLst>
+      <dgm:cxnLst>
+        <dgm:cxn modelId="6" srcId="0" destId="1" srcOrd="0" destOrd="0"/>
+        <dgm:cxn modelId="7" srcId="0" destId="2" srcOrd="1" destOrd="0"/>
+        <dgm:cxn modelId="8" srcId="0" destId="3" srcOrd="2" destOrd="0"/>
+        <dgm:cxn modelId="9" srcId="0" destId="4" srcOrd="3" destOrd="0"/>
+        <dgm:cxn modelId="10" srcId="0" destId="5" srcOrd="4" destOrd="0"/>
+      </dgm:cxnLst>
+      <dgm:bg/>
+      <dgm:whole/>
+    </dgm:dataModel>
+  </dgm:sampData>
+  <dgm:styleData>
+    <dgm:dataModel>
+      <dgm:ptLst>
+        <dgm:pt modelId="0" type="doc"/>
+        <dgm:pt modelId="1"/>
+        <dgm:pt modelId="2"/>
+      </dgm:ptLst>
+      <dgm:cxnLst>
+        <dgm:cxn modelId="3" srcId="0" destId="1" srcOrd="0" destOrd="0"/>
+        <dgm:cxn modelId="4" srcId="0" destId="2" srcOrd="1" destOrd="0"/>
+      </dgm:cxnLst>
+      <dgm:bg/>
+      <dgm:whole/>
+    </dgm:dataModel>
+  </dgm:styleData>
+  <dgm:clrData>
+    <dgm:dataModel>
+      <dgm:ptLst>
+        <dgm:pt modelId="0" type="doc"/>
+        <dgm:pt modelId="1"/>
+        <dgm:pt modelId="2"/>
+        <dgm:pt modelId="3"/>
+        <dgm:pt modelId="4"/>
+        <dgm:pt modelId="5"/>
+        <dgm:pt modelId="6"/>
+      </dgm:ptLst>
+      <dgm:cxnLst>
+        <dgm:cxn modelId="7" srcId="0" destId="1" srcOrd="0" destOrd="0"/>
+        <dgm:cxn modelId="8" srcId="0" destId="2" srcOrd="1" destOrd="0"/>
+        <dgm:cxn modelId="9" srcId="0" destId="3" srcOrd="2" destOrd="0"/>
+        <dgm:cxn modelId="10" srcId="0" destId="4" srcOrd="3" destOrd="0"/>
+        <dgm:cxn modelId="11" srcId="0" destId="5" srcOrd="4" destOrd="0"/>
+        <dgm:cxn modelId="12" srcId="0" destId="6" srcOrd="5" destOrd="0"/>
+      </dgm:cxnLst>
+      <dgm:bg/>
+      <dgm:whole/>
+    </dgm:dataModel>
+  </dgm:clrData>
+  <dgm:layoutNode name="diagram">
+    <dgm:varLst>
+      <dgm:dir/>
+      <dgm:resizeHandles val="exact"/>
+    </dgm:varLst>
+    <dgm:choose name="Name0">
+      <dgm:if name="Name1" func="var" arg="dir" op="equ" val="norm">
+        <dgm:alg type="snake">
+          <dgm:param type="grDir" val="tL"/>
+          <dgm:param type="flowDir" val="row"/>
+          <dgm:param type="contDir" val="sameDir"/>
+          <dgm:param type="off" val="ctr"/>
+        </dgm:alg>
+      </dgm:if>
+      <dgm:else name="Name2">
+        <dgm:alg type="snake">
+          <dgm:param type="grDir" val="tR"/>
+          <dgm:param type="flowDir" val="row"/>
+          <dgm:param type="contDir" val="sameDir"/>
+          <dgm:param type="off" val="ctr"/>
+        </dgm:alg>
+      </dgm:else>
+    </dgm:choose>
+    <dgm:shape xmlns:r="http://schemas.openxmlformats.org/officeDocument/2006/relationships" r:blip="">
+      <dgm:adjLst/>
+    </dgm:shape>
+    <dgm:presOf/>
+    <dgm:constrLst>
+      <dgm:constr type="w" for="ch" forName="node" refType="w"/>
+      <dgm:constr type="h" for="ch" forName="node" refType="w" refFor="ch" refForName="node" fact="0.6"/>
+      <dgm:constr type="w" for="ch" forName="sibTrans" refType="w" refFor="ch" refForName="node" fact="0.1"/>
+      <dgm:constr type="sp" refType="w" refFor="ch" refForName="sibTrans"/>
+      <dgm:constr type="primFontSz" for="ch" forName="node" op="equ" val="65"/>
+    </dgm:constrLst>
+    <dgm:ruleLst/>
+    <dgm:forEach name="Name3" axis="ch" ptType="node">
+      <dgm:layoutNode name="node">
+        <dgm:varLst>
+          <dgm:bulletEnabled val="1"/>
+        </dgm:varLst>
+        <dgm:alg type="tx"/>
+        <dgm:shape xmlns:r="http://schemas.openxmlformats.org/officeDocument/2006/relationships" type="rect" r:blip="">
+          <dgm:adjLst/>
+        </dgm:shape>
+        <dgm:presOf axis="desOrSelf" ptType="node"/>
+        <dgm:constrLst>
+          <dgm:constr type="lMarg" refType="primFontSz" fact="0.3"/>
+          <dgm:constr type="rMarg" refType="primFontSz" fact="0.3"/>
+          <dgm:constr type="tMarg" refType="primFontSz" fact="0.3"/>
+          <dgm:constr type="bMarg" refType="primFontSz" fact="0.3"/>
+        </dgm:constrLst>
+        <dgm:ruleLst>
+          <dgm:rule type="primFontSz" val="5" fact="NaN" max="NaN"/>
+        </dgm:ruleLst>
+      </dgm:layoutNode>
+      <dgm:forEach name="Name4" axis="followSib" ptType="sibTrans" cnt="1">
+        <dgm:layoutNode name="sibTrans">
+          <dgm:alg type="sp"/>
+          <dgm:shape xmlns:r="http://schemas.openxmlformats.org/officeDocument/2006/relationships" r:blip="">
+            <dgm:adjLst/>
+          </dgm:shape>
+          <dgm:presOf/>
+          <dgm:constrLst/>
+          <dgm:ruleLst/>
+        </dgm:layoutNode>
+      </dgm:forEach>
+    </dgm:forEach>
+  </dgm:layoutNode>
+</dgm:layoutDef>
+</file>
+
+<file path=ppt/diagrams/layout3.xml><?xml version="1.0" encoding="utf-8"?>
 <dgm:layoutDef xmlns:dgm="http://schemas.openxmlformats.org/drawingml/2006/diagram" xmlns:a="http://schemas.openxmlformats.org/drawingml/2006/main" uniqueId="urn:microsoft.com/office/officeart/2005/8/layout/hChevron3">
   <dgm:title val=""/>
   <dgm:desc val=""/>
@@ -2621,6 +6259,2074 @@
 </dgm:styleDef>
 </file>
 
+<file path=ppt/diagrams/quickStyle2.xml><?xml version="1.0" encoding="utf-8"?>
+<dgm:styleDef xmlns:dgm="http://schemas.openxmlformats.org/drawingml/2006/diagram" xmlns:a="http://schemas.openxmlformats.org/drawingml/2006/main" uniqueId="urn:microsoft.com/office/officeart/2005/8/quickstyle/simple1">
+  <dgm:title val=""/>
+  <dgm:desc val=""/>
+  <dgm:catLst>
+    <dgm:cat type="simple" pri="10100"/>
+  </dgm:catLst>
+  <dgm:scene3d>
+    <a:camera prst="orthographicFront"/>
+    <a:lightRig rig="threePt" dir="t"/>
+  </dgm:scene3d>
+  <dgm:styleLbl name="node0">
+    <dgm:scene3d>
+      <a:camera prst="orthographicFront"/>
+      <a:lightRig rig="threePt" dir="t"/>
+    </dgm:scene3d>
+    <dgm:sp3d/>
+    <dgm:txPr/>
+    <dgm:style>
+      <a:lnRef idx="2">
+        <a:scrgbClr r="0" g="0" b="0"/>
+      </a:lnRef>
+      <a:fillRef idx="1">
+        <a:scrgbClr r="0" g="0" b="0"/>
+      </a:fillRef>
+      <a:effectRef idx="0">
+        <a:scrgbClr r="0" g="0" b="0"/>
+      </a:effectRef>
+      <a:fontRef idx="minor">
+        <a:schemeClr val="lt1"/>
+      </a:fontRef>
+    </dgm:style>
+  </dgm:styleLbl>
+  <dgm:styleLbl name="lnNode1">
+    <dgm:scene3d>
+      <a:camera prst="orthographicFront"/>
+      <a:lightRig rig="threePt" dir="t"/>
+    </dgm:scene3d>
+    <dgm:sp3d/>
+    <dgm:txPr/>
+    <dgm:style>
+      <a:lnRef idx="2">
+        <a:scrgbClr r="0" g="0" b="0"/>
+      </a:lnRef>
+      <a:fillRef idx="1">
+        <a:scrgbClr r="0" g="0" b="0"/>
+      </a:fillRef>
+      <a:effectRef idx="0">
+        <a:scrgbClr r="0" g="0" b="0"/>
+      </a:effectRef>
+      <a:fontRef idx="minor">
+        <a:schemeClr val="lt1"/>
+      </a:fontRef>
+    </dgm:style>
+  </dgm:styleLbl>
+  <dgm:styleLbl name="vennNode1">
+    <dgm:scene3d>
+      <a:camera prst="orthographicFront"/>
+      <a:lightRig rig="threePt" dir="t"/>
+    </dgm:scene3d>
+    <dgm:sp3d/>
+    <dgm:txPr/>
+    <dgm:style>
+      <a:lnRef idx="2">
+        <a:scrgbClr r="0" g="0" b="0"/>
+      </a:lnRef>
+      <a:fillRef idx="1">
+        <a:scrgbClr r="0" g="0" b="0"/>
+      </a:fillRef>
+      <a:effectRef idx="0">
+        <a:scrgbClr r="0" g="0" b="0"/>
+      </a:effectRef>
+      <a:fontRef idx="minor">
+        <a:schemeClr val="tx1"/>
+      </a:fontRef>
+    </dgm:style>
+  </dgm:styleLbl>
+  <dgm:styleLbl name="alignNode1">
+    <dgm:scene3d>
+      <a:camera prst="orthographicFront"/>
+      <a:lightRig rig="threePt" dir="t"/>
+    </dgm:scene3d>
+    <dgm:sp3d/>
+    <dgm:txPr/>
+    <dgm:style>
+      <a:lnRef idx="2">
+        <a:scrgbClr r="0" g="0" b="0"/>
+      </a:lnRef>
+      <a:fillRef idx="1">
+        <a:scrgbClr r="0" g="0" b="0"/>
+      </a:fillRef>
+      <a:effectRef idx="0">
+        <a:scrgbClr r="0" g="0" b="0"/>
+      </a:effectRef>
+      <a:fontRef idx="minor">
+        <a:schemeClr val="lt1"/>
+      </a:fontRef>
+    </dgm:style>
+  </dgm:styleLbl>
+  <dgm:styleLbl name="node1">
+    <dgm:scene3d>
+      <a:camera prst="orthographicFront"/>
+      <a:lightRig rig="threePt" dir="t"/>
+    </dgm:scene3d>
+    <dgm:sp3d/>
+    <dgm:txPr/>
+    <dgm:style>
+      <a:lnRef idx="2">
+        <a:scrgbClr r="0" g="0" b="0"/>
+      </a:lnRef>
+      <a:fillRef idx="1">
+        <a:scrgbClr r="0" g="0" b="0"/>
+      </a:fillRef>
+      <a:effectRef idx="0">
+        <a:scrgbClr r="0" g="0" b="0"/>
+      </a:effectRef>
+      <a:fontRef idx="minor">
+        <a:schemeClr val="lt1"/>
+      </a:fontRef>
+    </dgm:style>
+  </dgm:styleLbl>
+  <dgm:styleLbl name="node2">
+    <dgm:scene3d>
+      <a:camera prst="orthographicFront"/>
+      <a:lightRig rig="threePt" dir="t"/>
+    </dgm:scene3d>
+    <dgm:sp3d/>
+    <dgm:txPr/>
+    <dgm:style>
+      <a:lnRef idx="2">
+        <a:scrgbClr r="0" g="0" b="0"/>
+      </a:lnRef>
+      <a:fillRef idx="1">
+        <a:scrgbClr r="0" g="0" b="0"/>
+      </a:fillRef>
+      <a:effectRef idx="0">
+        <a:scrgbClr r="0" g="0" b="0"/>
+      </a:effectRef>
+      <a:fontRef idx="minor">
+        <a:schemeClr val="lt1"/>
+      </a:fontRef>
+    </dgm:style>
+  </dgm:styleLbl>
+  <dgm:styleLbl name="node3">
+    <dgm:scene3d>
+      <a:camera prst="orthographicFront"/>
+      <a:lightRig rig="threePt" dir="t"/>
+    </dgm:scene3d>
+    <dgm:sp3d/>
+    <dgm:txPr/>
+    <dgm:style>
+      <a:lnRef idx="2">
+        <a:scrgbClr r="0" g="0" b="0"/>
+      </a:lnRef>
+      <a:fillRef idx="1">
+        <a:scrgbClr r="0" g="0" b="0"/>
+      </a:fillRef>
+      <a:effectRef idx="0">
+        <a:scrgbClr r="0" g="0" b="0"/>
+      </a:effectRef>
+      <a:fontRef idx="minor">
+        <a:schemeClr val="lt1"/>
+      </a:fontRef>
+    </dgm:style>
+  </dgm:styleLbl>
+  <dgm:styleLbl name="node4">
+    <dgm:scene3d>
+      <a:camera prst="orthographicFront"/>
+      <a:lightRig rig="threePt" dir="t"/>
+    </dgm:scene3d>
+    <dgm:sp3d/>
+    <dgm:txPr/>
+    <dgm:style>
+      <a:lnRef idx="2">
+        <a:scrgbClr r="0" g="0" b="0"/>
+      </a:lnRef>
+      <a:fillRef idx="1">
+        <a:scrgbClr r="0" g="0" b="0"/>
+      </a:fillRef>
+      <a:effectRef idx="0">
+        <a:scrgbClr r="0" g="0" b="0"/>
+      </a:effectRef>
+      <a:fontRef idx="minor">
+        <a:schemeClr val="lt1"/>
+      </a:fontRef>
+    </dgm:style>
+  </dgm:styleLbl>
+  <dgm:styleLbl name="fgImgPlace1">
+    <dgm:scene3d>
+      <a:camera prst="orthographicFront"/>
+      <a:lightRig rig="threePt" dir="t"/>
+    </dgm:scene3d>
+    <dgm:sp3d/>
+    <dgm:txPr/>
+    <dgm:style>
+      <a:lnRef idx="2">
+        <a:scrgbClr r="0" g="0" b="0"/>
+      </a:lnRef>
+      <a:fillRef idx="1">
+        <a:scrgbClr r="0" g="0" b="0"/>
+      </a:fillRef>
+      <a:effectRef idx="0">
+        <a:scrgbClr r="0" g="0" b="0"/>
+      </a:effectRef>
+      <a:fontRef idx="minor"/>
+    </dgm:style>
+  </dgm:styleLbl>
+  <dgm:styleLbl name="alignImgPlace1">
+    <dgm:scene3d>
+      <a:camera prst="orthographicFront"/>
+      <a:lightRig rig="threePt" dir="t"/>
+    </dgm:scene3d>
+    <dgm:sp3d/>
+    <dgm:txPr/>
+    <dgm:style>
+      <a:lnRef idx="2">
+        <a:scrgbClr r="0" g="0" b="0"/>
+      </a:lnRef>
+      <a:fillRef idx="1">
+        <a:scrgbClr r="0" g="0" b="0"/>
+      </a:fillRef>
+      <a:effectRef idx="0">
+        <a:scrgbClr r="0" g="0" b="0"/>
+      </a:effectRef>
+      <a:fontRef idx="minor"/>
+    </dgm:style>
+  </dgm:styleLbl>
+  <dgm:styleLbl name="bgImgPlace1">
+    <dgm:scene3d>
+      <a:camera prst="orthographicFront"/>
+      <a:lightRig rig="threePt" dir="t"/>
+    </dgm:scene3d>
+    <dgm:sp3d/>
+    <dgm:txPr/>
+    <dgm:style>
+      <a:lnRef idx="2">
+        <a:scrgbClr r="0" g="0" b="0"/>
+      </a:lnRef>
+      <a:fillRef idx="1">
+        <a:scrgbClr r="0" g="0" b="0"/>
+      </a:fillRef>
+      <a:effectRef idx="0">
+        <a:scrgbClr r="0" g="0" b="0"/>
+      </a:effectRef>
+      <a:fontRef idx="minor"/>
+    </dgm:style>
+  </dgm:styleLbl>
+  <dgm:styleLbl name="sibTrans2D1">
+    <dgm:scene3d>
+      <a:camera prst="orthographicFront"/>
+      <a:lightRig rig="threePt" dir="t"/>
+    </dgm:scene3d>
+    <dgm:sp3d/>
+    <dgm:txPr/>
+    <dgm:style>
+      <a:lnRef idx="0">
+        <a:scrgbClr r="0" g="0" b="0"/>
+      </a:lnRef>
+      <a:fillRef idx="1">
+        <a:scrgbClr r="0" g="0" b="0"/>
+      </a:fillRef>
+      <a:effectRef idx="0">
+        <a:scrgbClr r="0" g="0" b="0"/>
+      </a:effectRef>
+      <a:fontRef idx="minor">
+        <a:schemeClr val="lt1"/>
+      </a:fontRef>
+    </dgm:style>
+  </dgm:styleLbl>
+  <dgm:styleLbl name="fgSibTrans2D1">
+    <dgm:scene3d>
+      <a:camera prst="orthographicFront"/>
+      <a:lightRig rig="threePt" dir="t"/>
+    </dgm:scene3d>
+    <dgm:sp3d/>
+    <dgm:txPr/>
+    <dgm:style>
+      <a:lnRef idx="0">
+        <a:scrgbClr r="0" g="0" b="0"/>
+      </a:lnRef>
+      <a:fillRef idx="1">
+        <a:scrgbClr r="0" g="0" b="0"/>
+      </a:fillRef>
+      <a:effectRef idx="0">
+        <a:scrgbClr r="0" g="0" b="0"/>
+      </a:effectRef>
+      <a:fontRef idx="minor">
+        <a:schemeClr val="lt1"/>
+      </a:fontRef>
+    </dgm:style>
+  </dgm:styleLbl>
+  <dgm:styleLbl name="bgSibTrans2D1">
+    <dgm:scene3d>
+      <a:camera prst="orthographicFront"/>
+      <a:lightRig rig="threePt" dir="t"/>
+    </dgm:scene3d>
+    <dgm:sp3d/>
+    <dgm:txPr/>
+    <dgm:style>
+      <a:lnRef idx="0">
+        <a:scrgbClr r="0" g="0" b="0"/>
+      </a:lnRef>
+      <a:fillRef idx="1">
+        <a:scrgbClr r="0" g="0" b="0"/>
+      </a:fillRef>
+      <a:effectRef idx="0">
+        <a:scrgbClr r="0" g="0" b="0"/>
+      </a:effectRef>
+      <a:fontRef idx="minor">
+        <a:schemeClr val="lt1"/>
+      </a:fontRef>
+    </dgm:style>
+  </dgm:styleLbl>
+  <dgm:styleLbl name="sibTrans1D1">
+    <dgm:scene3d>
+      <a:camera prst="orthographicFront"/>
+      <a:lightRig rig="threePt" dir="t"/>
+    </dgm:scene3d>
+    <dgm:sp3d/>
+    <dgm:txPr/>
+    <dgm:style>
+      <a:lnRef idx="1">
+        <a:scrgbClr r="0" g="0" b="0"/>
+      </a:lnRef>
+      <a:fillRef idx="0">
+        <a:scrgbClr r="0" g="0" b="0"/>
+      </a:fillRef>
+      <a:effectRef idx="0">
+        <a:scrgbClr r="0" g="0" b="0"/>
+      </a:effectRef>
+      <a:fontRef idx="minor"/>
+    </dgm:style>
+  </dgm:styleLbl>
+  <dgm:styleLbl name="callout">
+    <dgm:scene3d>
+      <a:camera prst="orthographicFront"/>
+      <a:lightRig rig="threePt" dir="t"/>
+    </dgm:scene3d>
+    <dgm:sp3d/>
+    <dgm:txPr/>
+    <dgm:style>
+      <a:lnRef idx="2">
+        <a:scrgbClr r="0" g="0" b="0"/>
+      </a:lnRef>
+      <a:fillRef idx="1">
+        <a:scrgbClr r="0" g="0" b="0"/>
+      </a:fillRef>
+      <a:effectRef idx="0">
+        <a:scrgbClr r="0" g="0" b="0"/>
+      </a:effectRef>
+      <a:fontRef idx="minor"/>
+    </dgm:style>
+  </dgm:styleLbl>
+  <dgm:styleLbl name="asst0">
+    <dgm:scene3d>
+      <a:camera prst="orthographicFront"/>
+      <a:lightRig rig="threePt" dir="t"/>
+    </dgm:scene3d>
+    <dgm:sp3d/>
+    <dgm:txPr/>
+    <dgm:style>
+      <a:lnRef idx="2">
+        <a:scrgbClr r="0" g="0" b="0"/>
+      </a:lnRef>
+      <a:fillRef idx="1">
+        <a:scrgbClr r="0" g="0" b="0"/>
+      </a:fillRef>
+      <a:effectRef idx="0">
+        <a:scrgbClr r="0" g="0" b="0"/>
+      </a:effectRef>
+      <a:fontRef idx="minor">
+        <a:schemeClr val="lt1"/>
+      </a:fontRef>
+    </dgm:style>
+  </dgm:styleLbl>
+  <dgm:styleLbl name="asst1">
+    <dgm:scene3d>
+      <a:camera prst="orthographicFront"/>
+      <a:lightRig rig="threePt" dir="t"/>
+    </dgm:scene3d>
+    <dgm:sp3d/>
+    <dgm:txPr/>
+    <dgm:style>
+      <a:lnRef idx="2">
+        <a:scrgbClr r="0" g="0" b="0"/>
+      </a:lnRef>
+      <a:fillRef idx="1">
+        <a:scrgbClr r="0" g="0" b="0"/>
+      </a:fillRef>
+      <a:effectRef idx="0">
+        <a:scrgbClr r="0" g="0" b="0"/>
+      </a:effectRef>
+      <a:fontRef idx="minor">
+        <a:schemeClr val="lt1"/>
+      </a:fontRef>
+    </dgm:style>
+  </dgm:styleLbl>
+  <dgm:styleLbl name="asst2">
+    <dgm:scene3d>
+      <a:camera prst="orthographicFront"/>
+      <a:lightRig rig="threePt" dir="t"/>
+    </dgm:scene3d>
+    <dgm:sp3d/>
+    <dgm:txPr/>
+    <dgm:style>
+      <a:lnRef idx="2">
+        <a:scrgbClr r="0" g="0" b="0"/>
+      </a:lnRef>
+      <a:fillRef idx="1">
+        <a:scrgbClr r="0" g="0" b="0"/>
+      </a:fillRef>
+      <a:effectRef idx="0">
+        <a:scrgbClr r="0" g="0" b="0"/>
+      </a:effectRef>
+      <a:fontRef idx="minor">
+        <a:schemeClr val="lt1"/>
+      </a:fontRef>
+    </dgm:style>
+  </dgm:styleLbl>
+  <dgm:styleLbl name="asst3">
+    <dgm:scene3d>
+      <a:camera prst="orthographicFront"/>
+      <a:lightRig rig="threePt" dir="t"/>
+    </dgm:scene3d>
+    <dgm:sp3d/>
+    <dgm:txPr/>
+    <dgm:style>
+      <a:lnRef idx="2">
+        <a:scrgbClr r="0" g="0" b="0"/>
+      </a:lnRef>
+      <a:fillRef idx="1">
+        <a:scrgbClr r="0" g="0" b="0"/>
+      </a:fillRef>
+      <a:effectRef idx="0">
+        <a:scrgbClr r="0" g="0" b="0"/>
+      </a:effectRef>
+      <a:fontRef idx="minor">
+        <a:schemeClr val="lt1"/>
+      </a:fontRef>
+    </dgm:style>
+  </dgm:styleLbl>
+  <dgm:styleLbl name="asst4">
+    <dgm:scene3d>
+      <a:camera prst="orthographicFront"/>
+      <a:lightRig rig="threePt" dir="t"/>
+    </dgm:scene3d>
+    <dgm:sp3d/>
+    <dgm:txPr/>
+    <dgm:style>
+      <a:lnRef idx="2">
+        <a:scrgbClr r="0" g="0" b="0"/>
+      </a:lnRef>
+      <a:fillRef idx="1">
+        <a:scrgbClr r="0" g="0" b="0"/>
+      </a:fillRef>
+      <a:effectRef idx="0">
+        <a:scrgbClr r="0" g="0" b="0"/>
+      </a:effectRef>
+      <a:fontRef idx="minor">
+        <a:schemeClr val="lt1"/>
+      </a:fontRef>
+    </dgm:style>
+  </dgm:styleLbl>
+  <dgm:styleLbl name="parChTrans2D1">
+    <dgm:scene3d>
+      <a:camera prst="orthographicFront"/>
+      <a:lightRig rig="threePt" dir="t"/>
+    </dgm:scene3d>
+    <dgm:sp3d/>
+    <dgm:txPr/>
+    <dgm:style>
+      <a:lnRef idx="2">
+        <a:scrgbClr r="0" g="0" b="0"/>
+      </a:lnRef>
+      <a:fillRef idx="1">
+        <a:scrgbClr r="0" g="0" b="0"/>
+      </a:fillRef>
+      <a:effectRef idx="0">
+        <a:scrgbClr r="0" g="0" b="0"/>
+      </a:effectRef>
+      <a:fontRef idx="minor">
+        <a:schemeClr val="lt1"/>
+      </a:fontRef>
+    </dgm:style>
+  </dgm:styleLbl>
+  <dgm:styleLbl name="parChTrans2D2">
+    <dgm:scene3d>
+      <a:camera prst="orthographicFront"/>
+      <a:lightRig rig="threePt" dir="t"/>
+    </dgm:scene3d>
+    <dgm:sp3d/>
+    <dgm:txPr/>
+    <dgm:style>
+      <a:lnRef idx="2">
+        <a:scrgbClr r="0" g="0" b="0"/>
+      </a:lnRef>
+      <a:fillRef idx="1">
+        <a:scrgbClr r="0" g="0" b="0"/>
+      </a:fillRef>
+      <a:effectRef idx="0">
+        <a:scrgbClr r="0" g="0" b="0"/>
+      </a:effectRef>
+      <a:fontRef idx="minor">
+        <a:schemeClr val="lt1"/>
+      </a:fontRef>
+    </dgm:style>
+  </dgm:styleLbl>
+  <dgm:styleLbl name="parChTrans2D3">
+    <dgm:scene3d>
+      <a:camera prst="orthographicFront"/>
+      <a:lightRig rig="threePt" dir="t"/>
+    </dgm:scene3d>
+    <dgm:sp3d/>
+    <dgm:txPr/>
+    <dgm:style>
+      <a:lnRef idx="2">
+        <a:scrgbClr r="0" g="0" b="0"/>
+      </a:lnRef>
+      <a:fillRef idx="1">
+        <a:scrgbClr r="0" g="0" b="0"/>
+      </a:fillRef>
+      <a:effectRef idx="0">
+        <a:scrgbClr r="0" g="0" b="0"/>
+      </a:effectRef>
+      <a:fontRef idx="minor">
+        <a:schemeClr val="lt1"/>
+      </a:fontRef>
+    </dgm:style>
+  </dgm:styleLbl>
+  <dgm:styleLbl name="parChTrans2D4">
+    <dgm:scene3d>
+      <a:camera prst="orthographicFront"/>
+      <a:lightRig rig="threePt" dir="t"/>
+    </dgm:scene3d>
+    <dgm:sp3d/>
+    <dgm:txPr/>
+    <dgm:style>
+      <a:lnRef idx="2">
+        <a:scrgbClr r="0" g="0" b="0"/>
+      </a:lnRef>
+      <a:fillRef idx="1">
+        <a:scrgbClr r="0" g="0" b="0"/>
+      </a:fillRef>
+      <a:effectRef idx="0">
+        <a:scrgbClr r="0" g="0" b="0"/>
+      </a:effectRef>
+      <a:fontRef idx="minor">
+        <a:schemeClr val="lt1"/>
+      </a:fontRef>
+    </dgm:style>
+  </dgm:styleLbl>
+  <dgm:styleLbl name="parChTrans1D1">
+    <dgm:scene3d>
+      <a:camera prst="orthographicFront"/>
+      <a:lightRig rig="threePt" dir="t"/>
+    </dgm:scene3d>
+    <dgm:sp3d/>
+    <dgm:txPr/>
+    <dgm:style>
+      <a:lnRef idx="2">
+        <a:scrgbClr r="0" g="0" b="0"/>
+      </a:lnRef>
+      <a:fillRef idx="0">
+        <a:scrgbClr r="0" g="0" b="0"/>
+      </a:fillRef>
+      <a:effectRef idx="0">
+        <a:scrgbClr r="0" g="0" b="0"/>
+      </a:effectRef>
+      <a:fontRef idx="minor"/>
+    </dgm:style>
+  </dgm:styleLbl>
+  <dgm:styleLbl name="parChTrans1D2">
+    <dgm:scene3d>
+      <a:camera prst="orthographicFront"/>
+      <a:lightRig rig="threePt" dir="t"/>
+    </dgm:scene3d>
+    <dgm:sp3d/>
+    <dgm:txPr/>
+    <dgm:style>
+      <a:lnRef idx="2">
+        <a:scrgbClr r="0" g="0" b="0"/>
+      </a:lnRef>
+      <a:fillRef idx="0">
+        <a:scrgbClr r="0" g="0" b="0"/>
+      </a:fillRef>
+      <a:effectRef idx="0">
+        <a:scrgbClr r="0" g="0" b="0"/>
+      </a:effectRef>
+      <a:fontRef idx="minor"/>
+    </dgm:style>
+  </dgm:styleLbl>
+  <dgm:styleLbl name="parChTrans1D3">
+    <dgm:scene3d>
+      <a:camera prst="orthographicFront"/>
+      <a:lightRig rig="threePt" dir="t"/>
+    </dgm:scene3d>
+    <dgm:sp3d/>
+    <dgm:txPr/>
+    <dgm:style>
+      <a:lnRef idx="2">
+        <a:scrgbClr r="0" g="0" b="0"/>
+      </a:lnRef>
+      <a:fillRef idx="0">
+        <a:scrgbClr r="0" g="0" b="0"/>
+      </a:fillRef>
+      <a:effectRef idx="0">
+        <a:scrgbClr r="0" g="0" b="0"/>
+      </a:effectRef>
+      <a:fontRef idx="minor"/>
+    </dgm:style>
+  </dgm:styleLbl>
+  <dgm:styleLbl name="parChTrans1D4">
+    <dgm:scene3d>
+      <a:camera prst="orthographicFront"/>
+      <a:lightRig rig="threePt" dir="t"/>
+    </dgm:scene3d>
+    <dgm:sp3d/>
+    <dgm:txPr/>
+    <dgm:style>
+      <a:lnRef idx="2">
+        <a:scrgbClr r="0" g="0" b="0"/>
+      </a:lnRef>
+      <a:fillRef idx="0">
+        <a:scrgbClr r="0" g="0" b="0"/>
+      </a:fillRef>
+      <a:effectRef idx="0">
+        <a:scrgbClr r="0" g="0" b="0"/>
+      </a:effectRef>
+      <a:fontRef idx="minor"/>
+    </dgm:style>
+  </dgm:styleLbl>
+  <dgm:styleLbl name="fgAcc1">
+    <dgm:scene3d>
+      <a:camera prst="orthographicFront"/>
+      <a:lightRig rig="threePt" dir="t"/>
+    </dgm:scene3d>
+    <dgm:sp3d/>
+    <dgm:txPr/>
+    <dgm:style>
+      <a:lnRef idx="2">
+        <a:scrgbClr r="0" g="0" b="0"/>
+      </a:lnRef>
+      <a:fillRef idx="1">
+        <a:scrgbClr r="0" g="0" b="0"/>
+      </a:fillRef>
+      <a:effectRef idx="0">
+        <a:scrgbClr r="0" g="0" b="0"/>
+      </a:effectRef>
+      <a:fontRef idx="minor"/>
+    </dgm:style>
+  </dgm:styleLbl>
+  <dgm:styleLbl name="conFgAcc1">
+    <dgm:scene3d>
+      <a:camera prst="orthographicFront"/>
+      <a:lightRig rig="threePt" dir="t"/>
+    </dgm:scene3d>
+    <dgm:sp3d/>
+    <dgm:txPr/>
+    <dgm:style>
+      <a:lnRef idx="2">
+        <a:scrgbClr r="0" g="0" b="0"/>
+      </a:lnRef>
+      <a:fillRef idx="1">
+        <a:scrgbClr r="0" g="0" b="0"/>
+      </a:fillRef>
+      <a:effectRef idx="0">
+        <a:scrgbClr r="0" g="0" b="0"/>
+      </a:effectRef>
+      <a:fontRef idx="minor"/>
+    </dgm:style>
+  </dgm:styleLbl>
+  <dgm:styleLbl name="alignAcc1">
+    <dgm:scene3d>
+      <a:camera prst="orthographicFront"/>
+      <a:lightRig rig="threePt" dir="t"/>
+    </dgm:scene3d>
+    <dgm:sp3d/>
+    <dgm:txPr/>
+    <dgm:style>
+      <a:lnRef idx="2">
+        <a:scrgbClr r="0" g="0" b="0"/>
+      </a:lnRef>
+      <a:fillRef idx="1">
+        <a:scrgbClr r="0" g="0" b="0"/>
+      </a:fillRef>
+      <a:effectRef idx="0">
+        <a:scrgbClr r="0" g="0" b="0"/>
+      </a:effectRef>
+      <a:fontRef idx="minor"/>
+    </dgm:style>
+  </dgm:styleLbl>
+  <dgm:styleLbl name="trAlignAcc1">
+    <dgm:scene3d>
+      <a:camera prst="orthographicFront"/>
+      <a:lightRig rig="threePt" dir="t"/>
+    </dgm:scene3d>
+    <dgm:sp3d/>
+    <dgm:txPr/>
+    <dgm:style>
+      <a:lnRef idx="1">
+        <a:scrgbClr r="0" g="0" b="0"/>
+      </a:lnRef>
+      <a:fillRef idx="1">
+        <a:scrgbClr r="0" g="0" b="0"/>
+      </a:fillRef>
+      <a:effectRef idx="0">
+        <a:scrgbClr r="0" g="0" b="0"/>
+      </a:effectRef>
+      <a:fontRef idx="minor"/>
+    </dgm:style>
+  </dgm:styleLbl>
+  <dgm:styleLbl name="bgAcc1">
+    <dgm:scene3d>
+      <a:camera prst="orthographicFront"/>
+      <a:lightRig rig="threePt" dir="t"/>
+    </dgm:scene3d>
+    <dgm:sp3d/>
+    <dgm:txPr/>
+    <dgm:style>
+      <a:lnRef idx="2">
+        <a:scrgbClr r="0" g="0" b="0"/>
+      </a:lnRef>
+      <a:fillRef idx="1">
+        <a:scrgbClr r="0" g="0" b="0"/>
+      </a:fillRef>
+      <a:effectRef idx="0">
+        <a:scrgbClr r="0" g="0" b="0"/>
+      </a:effectRef>
+      <a:fontRef idx="minor"/>
+    </dgm:style>
+  </dgm:styleLbl>
+  <dgm:styleLbl name="solidFgAcc1">
+    <dgm:scene3d>
+      <a:camera prst="orthographicFront"/>
+      <a:lightRig rig="threePt" dir="t"/>
+    </dgm:scene3d>
+    <dgm:sp3d/>
+    <dgm:txPr/>
+    <dgm:style>
+      <a:lnRef idx="2">
+        <a:scrgbClr r="0" g="0" b="0"/>
+      </a:lnRef>
+      <a:fillRef idx="1">
+        <a:scrgbClr r="0" g="0" b="0"/>
+      </a:fillRef>
+      <a:effectRef idx="0">
+        <a:scrgbClr r="0" g="0" b="0"/>
+      </a:effectRef>
+      <a:fontRef idx="minor"/>
+    </dgm:style>
+  </dgm:styleLbl>
+  <dgm:styleLbl name="solidAlignAcc1">
+    <dgm:scene3d>
+      <a:camera prst="orthographicFront"/>
+      <a:lightRig rig="threePt" dir="t"/>
+    </dgm:scene3d>
+    <dgm:sp3d/>
+    <dgm:txPr/>
+    <dgm:style>
+      <a:lnRef idx="2">
+        <a:scrgbClr r="0" g="0" b="0"/>
+      </a:lnRef>
+      <a:fillRef idx="1">
+        <a:scrgbClr r="0" g="0" b="0"/>
+      </a:fillRef>
+      <a:effectRef idx="0">
+        <a:scrgbClr r="0" g="0" b="0"/>
+      </a:effectRef>
+      <a:fontRef idx="minor"/>
+    </dgm:style>
+  </dgm:styleLbl>
+  <dgm:styleLbl name="solidBgAcc1">
+    <dgm:scene3d>
+      <a:camera prst="orthographicFront"/>
+      <a:lightRig rig="threePt" dir="t"/>
+    </dgm:scene3d>
+    <dgm:sp3d/>
+    <dgm:txPr/>
+    <dgm:style>
+      <a:lnRef idx="2">
+        <a:scrgbClr r="0" g="0" b="0"/>
+      </a:lnRef>
+      <a:fillRef idx="1">
+        <a:scrgbClr r="0" g="0" b="0"/>
+      </a:fillRef>
+      <a:effectRef idx="0">
+        <a:scrgbClr r="0" g="0" b="0"/>
+      </a:effectRef>
+      <a:fontRef idx="minor"/>
+    </dgm:style>
+  </dgm:styleLbl>
+  <dgm:styleLbl name="fgAccFollowNode1">
+    <dgm:scene3d>
+      <a:camera prst="orthographicFront"/>
+      <a:lightRig rig="threePt" dir="t"/>
+    </dgm:scene3d>
+    <dgm:sp3d/>
+    <dgm:txPr/>
+    <dgm:style>
+      <a:lnRef idx="2">
+        <a:scrgbClr r="0" g="0" b="0"/>
+      </a:lnRef>
+      <a:fillRef idx="1">
+        <a:scrgbClr r="0" g="0" b="0"/>
+      </a:fillRef>
+      <a:effectRef idx="0">
+        <a:scrgbClr r="0" g="0" b="0"/>
+      </a:effectRef>
+      <a:fontRef idx="minor"/>
+    </dgm:style>
+  </dgm:styleLbl>
+  <dgm:styleLbl name="alignAccFollowNode1">
+    <dgm:scene3d>
+      <a:camera prst="orthographicFront"/>
+      <a:lightRig rig="threePt" dir="t"/>
+    </dgm:scene3d>
+    <dgm:sp3d/>
+    <dgm:txPr/>
+    <dgm:style>
+      <a:lnRef idx="2">
+        <a:scrgbClr r="0" g="0" b="0"/>
+      </a:lnRef>
+      <a:fillRef idx="1">
+        <a:scrgbClr r="0" g="0" b="0"/>
+      </a:fillRef>
+      <a:effectRef idx="0">
+        <a:scrgbClr r="0" g="0" b="0"/>
+      </a:effectRef>
+      <a:fontRef idx="minor"/>
+    </dgm:style>
+  </dgm:styleLbl>
+  <dgm:styleLbl name="bgAccFollowNode1">
+    <dgm:scene3d>
+      <a:camera prst="orthographicFront"/>
+      <a:lightRig rig="threePt" dir="t"/>
+    </dgm:scene3d>
+    <dgm:sp3d/>
+    <dgm:txPr/>
+    <dgm:style>
+      <a:lnRef idx="2">
+        <a:scrgbClr r="0" g="0" b="0"/>
+      </a:lnRef>
+      <a:fillRef idx="1">
+        <a:scrgbClr r="0" g="0" b="0"/>
+      </a:fillRef>
+      <a:effectRef idx="0">
+        <a:scrgbClr r="0" g="0" b="0"/>
+      </a:effectRef>
+      <a:fontRef idx="minor"/>
+    </dgm:style>
+  </dgm:styleLbl>
+  <dgm:styleLbl name="fgAcc0">
+    <dgm:scene3d>
+      <a:camera prst="orthographicFront"/>
+      <a:lightRig rig="threePt" dir="t"/>
+    </dgm:scene3d>
+    <dgm:sp3d/>
+    <dgm:txPr/>
+    <dgm:style>
+      <a:lnRef idx="2">
+        <a:scrgbClr r="0" g="0" b="0"/>
+      </a:lnRef>
+      <a:fillRef idx="1">
+        <a:scrgbClr r="0" g="0" b="0"/>
+      </a:fillRef>
+      <a:effectRef idx="0">
+        <a:scrgbClr r="0" g="0" b="0"/>
+      </a:effectRef>
+      <a:fontRef idx="minor"/>
+    </dgm:style>
+  </dgm:styleLbl>
+  <dgm:styleLbl name="fgAcc2">
+    <dgm:scene3d>
+      <a:camera prst="orthographicFront"/>
+      <a:lightRig rig="threePt" dir="t"/>
+    </dgm:scene3d>
+    <dgm:sp3d/>
+    <dgm:txPr/>
+    <dgm:style>
+      <a:lnRef idx="2">
+        <a:scrgbClr r="0" g="0" b="0"/>
+      </a:lnRef>
+      <a:fillRef idx="1">
+        <a:scrgbClr r="0" g="0" b="0"/>
+      </a:fillRef>
+      <a:effectRef idx="0">
+        <a:scrgbClr r="0" g="0" b="0"/>
+      </a:effectRef>
+      <a:fontRef idx="minor"/>
+    </dgm:style>
+  </dgm:styleLbl>
+  <dgm:styleLbl name="fgAcc3">
+    <dgm:scene3d>
+      <a:camera prst="orthographicFront"/>
+      <a:lightRig rig="threePt" dir="t"/>
+    </dgm:scene3d>
+    <dgm:sp3d/>
+    <dgm:txPr/>
+    <dgm:style>
+      <a:lnRef idx="2">
+        <a:scrgbClr r="0" g="0" b="0"/>
+      </a:lnRef>
+      <a:fillRef idx="1">
+        <a:scrgbClr r="0" g="0" b="0"/>
+      </a:fillRef>
+      <a:effectRef idx="0">
+        <a:scrgbClr r="0" g="0" b="0"/>
+      </a:effectRef>
+      <a:fontRef idx="minor"/>
+    </dgm:style>
+  </dgm:styleLbl>
+  <dgm:styleLbl name="fgAcc4">
+    <dgm:scene3d>
+      <a:camera prst="orthographicFront"/>
+      <a:lightRig rig="threePt" dir="t"/>
+    </dgm:scene3d>
+    <dgm:sp3d/>
+    <dgm:txPr/>
+    <dgm:style>
+      <a:lnRef idx="2">
+        <a:scrgbClr r="0" g="0" b="0"/>
+      </a:lnRef>
+      <a:fillRef idx="1">
+        <a:scrgbClr r="0" g="0" b="0"/>
+      </a:fillRef>
+      <a:effectRef idx="0">
+        <a:scrgbClr r="0" g="0" b="0"/>
+      </a:effectRef>
+      <a:fontRef idx="minor"/>
+    </dgm:style>
+  </dgm:styleLbl>
+  <dgm:styleLbl name="bgShp">
+    <dgm:scene3d>
+      <a:camera prst="orthographicFront"/>
+      <a:lightRig rig="threePt" dir="t"/>
+    </dgm:scene3d>
+    <dgm:sp3d/>
+    <dgm:txPr/>
+    <dgm:style>
+      <a:lnRef idx="0">
+        <a:scrgbClr r="0" g="0" b="0"/>
+      </a:lnRef>
+      <a:fillRef idx="1">
+        <a:scrgbClr r="0" g="0" b="0"/>
+      </a:fillRef>
+      <a:effectRef idx="0">
+        <a:scrgbClr r="0" g="0" b="0"/>
+      </a:effectRef>
+      <a:fontRef idx="minor"/>
+    </dgm:style>
+  </dgm:styleLbl>
+  <dgm:styleLbl name="dkBgShp">
+    <dgm:scene3d>
+      <a:camera prst="orthographicFront"/>
+      <a:lightRig rig="threePt" dir="t"/>
+    </dgm:scene3d>
+    <dgm:sp3d/>
+    <dgm:txPr/>
+    <dgm:style>
+      <a:lnRef idx="0">
+        <a:scrgbClr r="0" g="0" b="0"/>
+      </a:lnRef>
+      <a:fillRef idx="1">
+        <a:scrgbClr r="0" g="0" b="0"/>
+      </a:fillRef>
+      <a:effectRef idx="0">
+        <a:scrgbClr r="0" g="0" b="0"/>
+      </a:effectRef>
+      <a:fontRef idx="minor"/>
+    </dgm:style>
+  </dgm:styleLbl>
+  <dgm:styleLbl name="trBgShp">
+    <dgm:scene3d>
+      <a:camera prst="orthographicFront"/>
+      <a:lightRig rig="threePt" dir="t"/>
+    </dgm:scene3d>
+    <dgm:sp3d/>
+    <dgm:txPr/>
+    <dgm:style>
+      <a:lnRef idx="0">
+        <a:scrgbClr r="0" g="0" b="0"/>
+      </a:lnRef>
+      <a:fillRef idx="1">
+        <a:scrgbClr r="0" g="0" b="0"/>
+      </a:fillRef>
+      <a:effectRef idx="0">
+        <a:scrgbClr r="0" g="0" b="0"/>
+      </a:effectRef>
+      <a:fontRef idx="minor"/>
+    </dgm:style>
+  </dgm:styleLbl>
+  <dgm:styleLbl name="fgShp">
+    <dgm:scene3d>
+      <a:camera prst="orthographicFront"/>
+      <a:lightRig rig="threePt" dir="t"/>
+    </dgm:scene3d>
+    <dgm:sp3d/>
+    <dgm:txPr/>
+    <dgm:style>
+      <a:lnRef idx="2">
+        <a:scrgbClr r="0" g="0" b="0"/>
+      </a:lnRef>
+      <a:fillRef idx="1">
+        <a:scrgbClr r="0" g="0" b="0"/>
+      </a:fillRef>
+      <a:effectRef idx="0">
+        <a:scrgbClr r="0" g="0" b="0"/>
+      </a:effectRef>
+      <a:fontRef idx="minor"/>
+    </dgm:style>
+  </dgm:styleLbl>
+  <dgm:styleLbl name="revTx">
+    <dgm:scene3d>
+      <a:camera prst="orthographicFront"/>
+      <a:lightRig rig="threePt" dir="t"/>
+    </dgm:scene3d>
+    <dgm:sp3d/>
+    <dgm:txPr/>
+    <dgm:style>
+      <a:lnRef idx="0">
+        <a:scrgbClr r="0" g="0" b="0"/>
+      </a:lnRef>
+      <a:fillRef idx="0">
+        <a:scrgbClr r="0" g="0" b="0"/>
+      </a:fillRef>
+      <a:effectRef idx="0">
+        <a:scrgbClr r="0" g="0" b="0"/>
+      </a:effectRef>
+      <a:fontRef idx="minor"/>
+    </dgm:style>
+  </dgm:styleLbl>
+</dgm:styleDef>
+</file>
+
+<file path=ppt/diagrams/quickStyle3.xml><?xml version="1.0" encoding="utf-8"?>
+<dgm:styleDef xmlns:dgm="http://schemas.openxmlformats.org/drawingml/2006/diagram" xmlns:a="http://schemas.openxmlformats.org/drawingml/2006/main" uniqueId="urn:microsoft.com/office/officeart/2005/8/quickstyle/simple1">
+  <dgm:title val=""/>
+  <dgm:desc val=""/>
+  <dgm:catLst>
+    <dgm:cat type="simple" pri="10100"/>
+  </dgm:catLst>
+  <dgm:scene3d>
+    <a:camera prst="orthographicFront"/>
+    <a:lightRig rig="threePt" dir="t"/>
+  </dgm:scene3d>
+  <dgm:styleLbl name="node0">
+    <dgm:scene3d>
+      <a:camera prst="orthographicFront"/>
+      <a:lightRig rig="threePt" dir="t"/>
+    </dgm:scene3d>
+    <dgm:sp3d/>
+    <dgm:txPr/>
+    <dgm:style>
+      <a:lnRef idx="2">
+        <a:scrgbClr r="0" g="0" b="0"/>
+      </a:lnRef>
+      <a:fillRef idx="1">
+        <a:scrgbClr r="0" g="0" b="0"/>
+      </a:fillRef>
+      <a:effectRef idx="0">
+        <a:scrgbClr r="0" g="0" b="0"/>
+      </a:effectRef>
+      <a:fontRef idx="minor">
+        <a:schemeClr val="lt1"/>
+      </a:fontRef>
+    </dgm:style>
+  </dgm:styleLbl>
+  <dgm:styleLbl name="lnNode1">
+    <dgm:scene3d>
+      <a:camera prst="orthographicFront"/>
+      <a:lightRig rig="threePt" dir="t"/>
+    </dgm:scene3d>
+    <dgm:sp3d/>
+    <dgm:txPr/>
+    <dgm:style>
+      <a:lnRef idx="2">
+        <a:scrgbClr r="0" g="0" b="0"/>
+      </a:lnRef>
+      <a:fillRef idx="1">
+        <a:scrgbClr r="0" g="0" b="0"/>
+      </a:fillRef>
+      <a:effectRef idx="0">
+        <a:scrgbClr r="0" g="0" b="0"/>
+      </a:effectRef>
+      <a:fontRef idx="minor">
+        <a:schemeClr val="lt1"/>
+      </a:fontRef>
+    </dgm:style>
+  </dgm:styleLbl>
+  <dgm:styleLbl name="vennNode1">
+    <dgm:scene3d>
+      <a:camera prst="orthographicFront"/>
+      <a:lightRig rig="threePt" dir="t"/>
+    </dgm:scene3d>
+    <dgm:sp3d/>
+    <dgm:txPr/>
+    <dgm:style>
+      <a:lnRef idx="2">
+        <a:scrgbClr r="0" g="0" b="0"/>
+      </a:lnRef>
+      <a:fillRef idx="1">
+        <a:scrgbClr r="0" g="0" b="0"/>
+      </a:fillRef>
+      <a:effectRef idx="0">
+        <a:scrgbClr r="0" g="0" b="0"/>
+      </a:effectRef>
+      <a:fontRef idx="minor">
+        <a:schemeClr val="tx1"/>
+      </a:fontRef>
+    </dgm:style>
+  </dgm:styleLbl>
+  <dgm:styleLbl name="alignNode1">
+    <dgm:scene3d>
+      <a:camera prst="orthographicFront"/>
+      <a:lightRig rig="threePt" dir="t"/>
+    </dgm:scene3d>
+    <dgm:sp3d/>
+    <dgm:txPr/>
+    <dgm:style>
+      <a:lnRef idx="2">
+        <a:scrgbClr r="0" g="0" b="0"/>
+      </a:lnRef>
+      <a:fillRef idx="1">
+        <a:scrgbClr r="0" g="0" b="0"/>
+      </a:fillRef>
+      <a:effectRef idx="0">
+        <a:scrgbClr r="0" g="0" b="0"/>
+      </a:effectRef>
+      <a:fontRef idx="minor">
+        <a:schemeClr val="lt1"/>
+      </a:fontRef>
+    </dgm:style>
+  </dgm:styleLbl>
+  <dgm:styleLbl name="node1">
+    <dgm:scene3d>
+      <a:camera prst="orthographicFront"/>
+      <a:lightRig rig="threePt" dir="t"/>
+    </dgm:scene3d>
+    <dgm:sp3d/>
+    <dgm:txPr/>
+    <dgm:style>
+      <a:lnRef idx="2">
+        <a:scrgbClr r="0" g="0" b="0"/>
+      </a:lnRef>
+      <a:fillRef idx="1">
+        <a:scrgbClr r="0" g="0" b="0"/>
+      </a:fillRef>
+      <a:effectRef idx="0">
+        <a:scrgbClr r="0" g="0" b="0"/>
+      </a:effectRef>
+      <a:fontRef idx="minor">
+        <a:schemeClr val="lt1"/>
+      </a:fontRef>
+    </dgm:style>
+  </dgm:styleLbl>
+  <dgm:styleLbl name="node2">
+    <dgm:scene3d>
+      <a:camera prst="orthographicFront"/>
+      <a:lightRig rig="threePt" dir="t"/>
+    </dgm:scene3d>
+    <dgm:sp3d/>
+    <dgm:txPr/>
+    <dgm:style>
+      <a:lnRef idx="2">
+        <a:scrgbClr r="0" g="0" b="0"/>
+      </a:lnRef>
+      <a:fillRef idx="1">
+        <a:scrgbClr r="0" g="0" b="0"/>
+      </a:fillRef>
+      <a:effectRef idx="0">
+        <a:scrgbClr r="0" g="0" b="0"/>
+      </a:effectRef>
+      <a:fontRef idx="minor">
+        <a:schemeClr val="lt1"/>
+      </a:fontRef>
+    </dgm:style>
+  </dgm:styleLbl>
+  <dgm:styleLbl name="node3">
+    <dgm:scene3d>
+      <a:camera prst="orthographicFront"/>
+      <a:lightRig rig="threePt" dir="t"/>
+    </dgm:scene3d>
+    <dgm:sp3d/>
+    <dgm:txPr/>
+    <dgm:style>
+      <a:lnRef idx="2">
+        <a:scrgbClr r="0" g="0" b="0"/>
+      </a:lnRef>
+      <a:fillRef idx="1">
+        <a:scrgbClr r="0" g="0" b="0"/>
+      </a:fillRef>
+      <a:effectRef idx="0">
+        <a:scrgbClr r="0" g="0" b="0"/>
+      </a:effectRef>
+      <a:fontRef idx="minor">
+        <a:schemeClr val="lt1"/>
+      </a:fontRef>
+    </dgm:style>
+  </dgm:styleLbl>
+  <dgm:styleLbl name="node4">
+    <dgm:scene3d>
+      <a:camera prst="orthographicFront"/>
+      <a:lightRig rig="threePt" dir="t"/>
+    </dgm:scene3d>
+    <dgm:sp3d/>
+    <dgm:txPr/>
+    <dgm:style>
+      <a:lnRef idx="2">
+        <a:scrgbClr r="0" g="0" b="0"/>
+      </a:lnRef>
+      <a:fillRef idx="1">
+        <a:scrgbClr r="0" g="0" b="0"/>
+      </a:fillRef>
+      <a:effectRef idx="0">
+        <a:scrgbClr r="0" g="0" b="0"/>
+      </a:effectRef>
+      <a:fontRef idx="minor">
+        <a:schemeClr val="lt1"/>
+      </a:fontRef>
+    </dgm:style>
+  </dgm:styleLbl>
+  <dgm:styleLbl name="fgImgPlace1">
+    <dgm:scene3d>
+      <a:camera prst="orthographicFront"/>
+      <a:lightRig rig="threePt" dir="t"/>
+    </dgm:scene3d>
+    <dgm:sp3d/>
+    <dgm:txPr/>
+    <dgm:style>
+      <a:lnRef idx="2">
+        <a:scrgbClr r="0" g="0" b="0"/>
+      </a:lnRef>
+      <a:fillRef idx="1">
+        <a:scrgbClr r="0" g="0" b="0"/>
+      </a:fillRef>
+      <a:effectRef idx="0">
+        <a:scrgbClr r="0" g="0" b="0"/>
+      </a:effectRef>
+      <a:fontRef idx="minor"/>
+    </dgm:style>
+  </dgm:styleLbl>
+  <dgm:styleLbl name="alignImgPlace1">
+    <dgm:scene3d>
+      <a:camera prst="orthographicFront"/>
+      <a:lightRig rig="threePt" dir="t"/>
+    </dgm:scene3d>
+    <dgm:sp3d/>
+    <dgm:txPr/>
+    <dgm:style>
+      <a:lnRef idx="2">
+        <a:scrgbClr r="0" g="0" b="0"/>
+      </a:lnRef>
+      <a:fillRef idx="1">
+        <a:scrgbClr r="0" g="0" b="0"/>
+      </a:fillRef>
+      <a:effectRef idx="0">
+        <a:scrgbClr r="0" g="0" b="0"/>
+      </a:effectRef>
+      <a:fontRef idx="minor"/>
+    </dgm:style>
+  </dgm:styleLbl>
+  <dgm:styleLbl name="bgImgPlace1">
+    <dgm:scene3d>
+      <a:camera prst="orthographicFront"/>
+      <a:lightRig rig="threePt" dir="t"/>
+    </dgm:scene3d>
+    <dgm:sp3d/>
+    <dgm:txPr/>
+    <dgm:style>
+      <a:lnRef idx="2">
+        <a:scrgbClr r="0" g="0" b="0"/>
+      </a:lnRef>
+      <a:fillRef idx="1">
+        <a:scrgbClr r="0" g="0" b="0"/>
+      </a:fillRef>
+      <a:effectRef idx="0">
+        <a:scrgbClr r="0" g="0" b="0"/>
+      </a:effectRef>
+      <a:fontRef idx="minor"/>
+    </dgm:style>
+  </dgm:styleLbl>
+  <dgm:styleLbl name="sibTrans2D1">
+    <dgm:scene3d>
+      <a:camera prst="orthographicFront"/>
+      <a:lightRig rig="threePt" dir="t"/>
+    </dgm:scene3d>
+    <dgm:sp3d/>
+    <dgm:txPr/>
+    <dgm:style>
+      <a:lnRef idx="0">
+        <a:scrgbClr r="0" g="0" b="0"/>
+      </a:lnRef>
+      <a:fillRef idx="1">
+        <a:scrgbClr r="0" g="0" b="0"/>
+      </a:fillRef>
+      <a:effectRef idx="0">
+        <a:scrgbClr r="0" g="0" b="0"/>
+      </a:effectRef>
+      <a:fontRef idx="minor">
+        <a:schemeClr val="lt1"/>
+      </a:fontRef>
+    </dgm:style>
+  </dgm:styleLbl>
+  <dgm:styleLbl name="fgSibTrans2D1">
+    <dgm:scene3d>
+      <a:camera prst="orthographicFront"/>
+      <a:lightRig rig="threePt" dir="t"/>
+    </dgm:scene3d>
+    <dgm:sp3d/>
+    <dgm:txPr/>
+    <dgm:style>
+      <a:lnRef idx="0">
+        <a:scrgbClr r="0" g="0" b="0"/>
+      </a:lnRef>
+      <a:fillRef idx="1">
+        <a:scrgbClr r="0" g="0" b="0"/>
+      </a:fillRef>
+      <a:effectRef idx="0">
+        <a:scrgbClr r="0" g="0" b="0"/>
+      </a:effectRef>
+      <a:fontRef idx="minor">
+        <a:schemeClr val="lt1"/>
+      </a:fontRef>
+    </dgm:style>
+  </dgm:styleLbl>
+  <dgm:styleLbl name="bgSibTrans2D1">
+    <dgm:scene3d>
+      <a:camera prst="orthographicFront"/>
+      <a:lightRig rig="threePt" dir="t"/>
+    </dgm:scene3d>
+    <dgm:sp3d/>
+    <dgm:txPr/>
+    <dgm:style>
+      <a:lnRef idx="0">
+        <a:scrgbClr r="0" g="0" b="0"/>
+      </a:lnRef>
+      <a:fillRef idx="1">
+        <a:scrgbClr r="0" g="0" b="0"/>
+      </a:fillRef>
+      <a:effectRef idx="0">
+        <a:scrgbClr r="0" g="0" b="0"/>
+      </a:effectRef>
+      <a:fontRef idx="minor">
+        <a:schemeClr val="lt1"/>
+      </a:fontRef>
+    </dgm:style>
+  </dgm:styleLbl>
+  <dgm:styleLbl name="sibTrans1D1">
+    <dgm:scene3d>
+      <a:camera prst="orthographicFront"/>
+      <a:lightRig rig="threePt" dir="t"/>
+    </dgm:scene3d>
+    <dgm:sp3d/>
+    <dgm:txPr/>
+    <dgm:style>
+      <a:lnRef idx="1">
+        <a:scrgbClr r="0" g="0" b="0"/>
+      </a:lnRef>
+      <a:fillRef idx="0">
+        <a:scrgbClr r="0" g="0" b="0"/>
+      </a:fillRef>
+      <a:effectRef idx="0">
+        <a:scrgbClr r="0" g="0" b="0"/>
+      </a:effectRef>
+      <a:fontRef idx="minor"/>
+    </dgm:style>
+  </dgm:styleLbl>
+  <dgm:styleLbl name="callout">
+    <dgm:scene3d>
+      <a:camera prst="orthographicFront"/>
+      <a:lightRig rig="threePt" dir="t"/>
+    </dgm:scene3d>
+    <dgm:sp3d/>
+    <dgm:txPr/>
+    <dgm:style>
+      <a:lnRef idx="2">
+        <a:scrgbClr r="0" g="0" b="0"/>
+      </a:lnRef>
+      <a:fillRef idx="1">
+        <a:scrgbClr r="0" g="0" b="0"/>
+      </a:fillRef>
+      <a:effectRef idx="0">
+        <a:scrgbClr r="0" g="0" b="0"/>
+      </a:effectRef>
+      <a:fontRef idx="minor"/>
+    </dgm:style>
+  </dgm:styleLbl>
+  <dgm:styleLbl name="asst0">
+    <dgm:scene3d>
+      <a:camera prst="orthographicFront"/>
+      <a:lightRig rig="threePt" dir="t"/>
+    </dgm:scene3d>
+    <dgm:sp3d/>
+    <dgm:txPr/>
+    <dgm:style>
+      <a:lnRef idx="2">
+        <a:scrgbClr r="0" g="0" b="0"/>
+      </a:lnRef>
+      <a:fillRef idx="1">
+        <a:scrgbClr r="0" g="0" b="0"/>
+      </a:fillRef>
+      <a:effectRef idx="0">
+        <a:scrgbClr r="0" g="0" b="0"/>
+      </a:effectRef>
+      <a:fontRef idx="minor">
+        <a:schemeClr val="lt1"/>
+      </a:fontRef>
+    </dgm:style>
+  </dgm:styleLbl>
+  <dgm:styleLbl name="asst1">
+    <dgm:scene3d>
+      <a:camera prst="orthographicFront"/>
+      <a:lightRig rig="threePt" dir="t"/>
+    </dgm:scene3d>
+    <dgm:sp3d/>
+    <dgm:txPr/>
+    <dgm:style>
+      <a:lnRef idx="2">
+        <a:scrgbClr r="0" g="0" b="0"/>
+      </a:lnRef>
+      <a:fillRef idx="1">
+        <a:scrgbClr r="0" g="0" b="0"/>
+      </a:fillRef>
+      <a:effectRef idx="0">
+        <a:scrgbClr r="0" g="0" b="0"/>
+      </a:effectRef>
+      <a:fontRef idx="minor">
+        <a:schemeClr val="lt1"/>
+      </a:fontRef>
+    </dgm:style>
+  </dgm:styleLbl>
+  <dgm:styleLbl name="asst2">
+    <dgm:scene3d>
+      <a:camera prst="orthographicFront"/>
+      <a:lightRig rig="threePt" dir="t"/>
+    </dgm:scene3d>
+    <dgm:sp3d/>
+    <dgm:txPr/>
+    <dgm:style>
+      <a:lnRef idx="2">
+        <a:scrgbClr r="0" g="0" b="0"/>
+      </a:lnRef>
+      <a:fillRef idx="1">
+        <a:scrgbClr r="0" g="0" b="0"/>
+      </a:fillRef>
+      <a:effectRef idx="0">
+        <a:scrgbClr r="0" g="0" b="0"/>
+      </a:effectRef>
+      <a:fontRef idx="minor">
+        <a:schemeClr val="lt1"/>
+      </a:fontRef>
+    </dgm:style>
+  </dgm:styleLbl>
+  <dgm:styleLbl name="asst3">
+    <dgm:scene3d>
+      <a:camera prst="orthographicFront"/>
+      <a:lightRig rig="threePt" dir="t"/>
+    </dgm:scene3d>
+    <dgm:sp3d/>
+    <dgm:txPr/>
+    <dgm:style>
+      <a:lnRef idx="2">
+        <a:scrgbClr r="0" g="0" b="0"/>
+      </a:lnRef>
+      <a:fillRef idx="1">
+        <a:scrgbClr r="0" g="0" b="0"/>
+      </a:fillRef>
+      <a:effectRef idx="0">
+        <a:scrgbClr r="0" g="0" b="0"/>
+      </a:effectRef>
+      <a:fontRef idx="minor">
+        <a:schemeClr val="lt1"/>
+      </a:fontRef>
+    </dgm:style>
+  </dgm:styleLbl>
+  <dgm:styleLbl name="asst4">
+    <dgm:scene3d>
+      <a:camera prst="orthographicFront"/>
+      <a:lightRig rig="threePt" dir="t"/>
+    </dgm:scene3d>
+    <dgm:sp3d/>
+    <dgm:txPr/>
+    <dgm:style>
+      <a:lnRef idx="2">
+        <a:scrgbClr r="0" g="0" b="0"/>
+      </a:lnRef>
+      <a:fillRef idx="1">
+        <a:scrgbClr r="0" g="0" b="0"/>
+      </a:fillRef>
+      <a:effectRef idx="0">
+        <a:scrgbClr r="0" g="0" b="0"/>
+      </a:effectRef>
+      <a:fontRef idx="minor">
+        <a:schemeClr val="lt1"/>
+      </a:fontRef>
+    </dgm:style>
+  </dgm:styleLbl>
+  <dgm:styleLbl name="parChTrans2D1">
+    <dgm:scene3d>
+      <a:camera prst="orthographicFront"/>
+      <a:lightRig rig="threePt" dir="t"/>
+    </dgm:scene3d>
+    <dgm:sp3d/>
+    <dgm:txPr/>
+    <dgm:style>
+      <a:lnRef idx="2">
+        <a:scrgbClr r="0" g="0" b="0"/>
+      </a:lnRef>
+      <a:fillRef idx="1">
+        <a:scrgbClr r="0" g="0" b="0"/>
+      </a:fillRef>
+      <a:effectRef idx="0">
+        <a:scrgbClr r="0" g="0" b="0"/>
+      </a:effectRef>
+      <a:fontRef idx="minor">
+        <a:schemeClr val="lt1"/>
+      </a:fontRef>
+    </dgm:style>
+  </dgm:styleLbl>
+  <dgm:styleLbl name="parChTrans2D2">
+    <dgm:scene3d>
+      <a:camera prst="orthographicFront"/>
+      <a:lightRig rig="threePt" dir="t"/>
+    </dgm:scene3d>
+    <dgm:sp3d/>
+    <dgm:txPr/>
+    <dgm:style>
+      <a:lnRef idx="2">
+        <a:scrgbClr r="0" g="0" b="0"/>
+      </a:lnRef>
+      <a:fillRef idx="1">
+        <a:scrgbClr r="0" g="0" b="0"/>
+      </a:fillRef>
+      <a:effectRef idx="0">
+        <a:scrgbClr r="0" g="0" b="0"/>
+      </a:effectRef>
+      <a:fontRef idx="minor">
+        <a:schemeClr val="lt1"/>
+      </a:fontRef>
+    </dgm:style>
+  </dgm:styleLbl>
+  <dgm:styleLbl name="parChTrans2D3">
+    <dgm:scene3d>
+      <a:camera prst="orthographicFront"/>
+      <a:lightRig rig="threePt" dir="t"/>
+    </dgm:scene3d>
+    <dgm:sp3d/>
+    <dgm:txPr/>
+    <dgm:style>
+      <a:lnRef idx="2">
+        <a:scrgbClr r="0" g="0" b="0"/>
+      </a:lnRef>
+      <a:fillRef idx="1">
+        <a:scrgbClr r="0" g="0" b="0"/>
+      </a:fillRef>
+      <a:effectRef idx="0">
+        <a:scrgbClr r="0" g="0" b="0"/>
+      </a:effectRef>
+      <a:fontRef idx="minor">
+        <a:schemeClr val="lt1"/>
+      </a:fontRef>
+    </dgm:style>
+  </dgm:styleLbl>
+  <dgm:styleLbl name="parChTrans2D4">
+    <dgm:scene3d>
+      <a:camera prst="orthographicFront"/>
+      <a:lightRig rig="threePt" dir="t"/>
+    </dgm:scene3d>
+    <dgm:sp3d/>
+    <dgm:txPr/>
+    <dgm:style>
+      <a:lnRef idx="2">
+        <a:scrgbClr r="0" g="0" b="0"/>
+      </a:lnRef>
+      <a:fillRef idx="1">
+        <a:scrgbClr r="0" g="0" b="0"/>
+      </a:fillRef>
+      <a:effectRef idx="0">
+        <a:scrgbClr r="0" g="0" b="0"/>
+      </a:effectRef>
+      <a:fontRef idx="minor">
+        <a:schemeClr val="lt1"/>
+      </a:fontRef>
+    </dgm:style>
+  </dgm:styleLbl>
+  <dgm:styleLbl name="parChTrans1D1">
+    <dgm:scene3d>
+      <a:camera prst="orthographicFront"/>
+      <a:lightRig rig="threePt" dir="t"/>
+    </dgm:scene3d>
+    <dgm:sp3d/>
+    <dgm:txPr/>
+    <dgm:style>
+      <a:lnRef idx="2">
+        <a:scrgbClr r="0" g="0" b="0"/>
+      </a:lnRef>
+      <a:fillRef idx="0">
+        <a:scrgbClr r="0" g="0" b="0"/>
+      </a:fillRef>
+      <a:effectRef idx="0">
+        <a:scrgbClr r="0" g="0" b="0"/>
+      </a:effectRef>
+      <a:fontRef idx="minor"/>
+    </dgm:style>
+  </dgm:styleLbl>
+  <dgm:styleLbl name="parChTrans1D2">
+    <dgm:scene3d>
+      <a:camera prst="orthographicFront"/>
+      <a:lightRig rig="threePt" dir="t"/>
+    </dgm:scene3d>
+    <dgm:sp3d/>
+    <dgm:txPr/>
+    <dgm:style>
+      <a:lnRef idx="2">
+        <a:scrgbClr r="0" g="0" b="0"/>
+      </a:lnRef>
+      <a:fillRef idx="0">
+        <a:scrgbClr r="0" g="0" b="0"/>
+      </a:fillRef>
+      <a:effectRef idx="0">
+        <a:scrgbClr r="0" g="0" b="0"/>
+      </a:effectRef>
+      <a:fontRef idx="minor"/>
+    </dgm:style>
+  </dgm:styleLbl>
+  <dgm:styleLbl name="parChTrans1D3">
+    <dgm:scene3d>
+      <a:camera prst="orthographicFront"/>
+      <a:lightRig rig="threePt" dir="t"/>
+    </dgm:scene3d>
+    <dgm:sp3d/>
+    <dgm:txPr/>
+    <dgm:style>
+      <a:lnRef idx="2">
+        <a:scrgbClr r="0" g="0" b="0"/>
+      </a:lnRef>
+      <a:fillRef idx="0">
+        <a:scrgbClr r="0" g="0" b="0"/>
+      </a:fillRef>
+      <a:effectRef idx="0">
+        <a:scrgbClr r="0" g="0" b="0"/>
+      </a:effectRef>
+      <a:fontRef idx="minor"/>
+    </dgm:style>
+  </dgm:styleLbl>
+  <dgm:styleLbl name="parChTrans1D4">
+    <dgm:scene3d>
+      <a:camera prst="orthographicFront"/>
+      <a:lightRig rig="threePt" dir="t"/>
+    </dgm:scene3d>
+    <dgm:sp3d/>
+    <dgm:txPr/>
+    <dgm:style>
+      <a:lnRef idx="2">
+        <a:scrgbClr r="0" g="0" b="0"/>
+      </a:lnRef>
+      <a:fillRef idx="0">
+        <a:scrgbClr r="0" g="0" b="0"/>
+      </a:fillRef>
+      <a:effectRef idx="0">
+        <a:scrgbClr r="0" g="0" b="0"/>
+      </a:effectRef>
+      <a:fontRef idx="minor"/>
+    </dgm:style>
+  </dgm:styleLbl>
+  <dgm:styleLbl name="fgAcc1">
+    <dgm:scene3d>
+      <a:camera prst="orthographicFront"/>
+      <a:lightRig rig="threePt" dir="t"/>
+    </dgm:scene3d>
+    <dgm:sp3d/>
+    <dgm:txPr/>
+    <dgm:style>
+      <a:lnRef idx="2">
+        <a:scrgbClr r="0" g="0" b="0"/>
+      </a:lnRef>
+      <a:fillRef idx="1">
+        <a:scrgbClr r="0" g="0" b="0"/>
+      </a:fillRef>
+      <a:effectRef idx="0">
+        <a:scrgbClr r="0" g="0" b="0"/>
+      </a:effectRef>
+      <a:fontRef idx="minor"/>
+    </dgm:style>
+  </dgm:styleLbl>
+  <dgm:styleLbl name="conFgAcc1">
+    <dgm:scene3d>
+      <a:camera prst="orthographicFront"/>
+      <a:lightRig rig="threePt" dir="t"/>
+    </dgm:scene3d>
+    <dgm:sp3d/>
+    <dgm:txPr/>
+    <dgm:style>
+      <a:lnRef idx="2">
+        <a:scrgbClr r="0" g="0" b="0"/>
+      </a:lnRef>
+      <a:fillRef idx="1">
+        <a:scrgbClr r="0" g="0" b="0"/>
+      </a:fillRef>
+      <a:effectRef idx="0">
+        <a:scrgbClr r="0" g="0" b="0"/>
+      </a:effectRef>
+      <a:fontRef idx="minor"/>
+    </dgm:style>
+  </dgm:styleLbl>
+  <dgm:styleLbl name="alignAcc1">
+    <dgm:scene3d>
+      <a:camera prst="orthographicFront"/>
+      <a:lightRig rig="threePt" dir="t"/>
+    </dgm:scene3d>
+    <dgm:sp3d/>
+    <dgm:txPr/>
+    <dgm:style>
+      <a:lnRef idx="2">
+        <a:scrgbClr r="0" g="0" b="0"/>
+      </a:lnRef>
+      <a:fillRef idx="1">
+        <a:scrgbClr r="0" g="0" b="0"/>
+      </a:fillRef>
+      <a:effectRef idx="0">
+        <a:scrgbClr r="0" g="0" b="0"/>
+      </a:effectRef>
+      <a:fontRef idx="minor"/>
+    </dgm:style>
+  </dgm:styleLbl>
+  <dgm:styleLbl name="trAlignAcc1">
+    <dgm:scene3d>
+      <a:camera prst="orthographicFront"/>
+      <a:lightRig rig="threePt" dir="t"/>
+    </dgm:scene3d>
+    <dgm:sp3d/>
+    <dgm:txPr/>
+    <dgm:style>
+      <a:lnRef idx="1">
+        <a:scrgbClr r="0" g="0" b="0"/>
+      </a:lnRef>
+      <a:fillRef idx="1">
+        <a:scrgbClr r="0" g="0" b="0"/>
+      </a:fillRef>
+      <a:effectRef idx="0">
+        <a:scrgbClr r="0" g="0" b="0"/>
+      </a:effectRef>
+      <a:fontRef idx="minor"/>
+    </dgm:style>
+  </dgm:styleLbl>
+  <dgm:styleLbl name="bgAcc1">
+    <dgm:scene3d>
+      <a:camera prst="orthographicFront"/>
+      <a:lightRig rig="threePt" dir="t"/>
+    </dgm:scene3d>
+    <dgm:sp3d/>
+    <dgm:txPr/>
+    <dgm:style>
+      <a:lnRef idx="2">
+        <a:scrgbClr r="0" g="0" b="0"/>
+      </a:lnRef>
+      <a:fillRef idx="1">
+        <a:scrgbClr r="0" g="0" b="0"/>
+      </a:fillRef>
+      <a:effectRef idx="0">
+        <a:scrgbClr r="0" g="0" b="0"/>
+      </a:effectRef>
+      <a:fontRef idx="minor"/>
+    </dgm:style>
+  </dgm:styleLbl>
+  <dgm:styleLbl name="solidFgAcc1">
+    <dgm:scene3d>
+      <a:camera prst="orthographicFront"/>
+      <a:lightRig rig="threePt" dir="t"/>
+    </dgm:scene3d>
+    <dgm:sp3d/>
+    <dgm:txPr/>
+    <dgm:style>
+      <a:lnRef idx="2">
+        <a:scrgbClr r="0" g="0" b="0"/>
+      </a:lnRef>
+      <a:fillRef idx="1">
+        <a:scrgbClr r="0" g="0" b="0"/>
+      </a:fillRef>
+      <a:effectRef idx="0">
+        <a:scrgbClr r="0" g="0" b="0"/>
+      </a:effectRef>
+      <a:fontRef idx="minor"/>
+    </dgm:style>
+  </dgm:styleLbl>
+  <dgm:styleLbl name="solidAlignAcc1">
+    <dgm:scene3d>
+      <a:camera prst="orthographicFront"/>
+      <a:lightRig rig="threePt" dir="t"/>
+    </dgm:scene3d>
+    <dgm:sp3d/>
+    <dgm:txPr/>
+    <dgm:style>
+      <a:lnRef idx="2">
+        <a:scrgbClr r="0" g="0" b="0"/>
+      </a:lnRef>
+      <a:fillRef idx="1">
+        <a:scrgbClr r="0" g="0" b="0"/>
+      </a:fillRef>
+      <a:effectRef idx="0">
+        <a:scrgbClr r="0" g="0" b="0"/>
+      </a:effectRef>
+      <a:fontRef idx="minor"/>
+    </dgm:style>
+  </dgm:styleLbl>
+  <dgm:styleLbl name="solidBgAcc1">
+    <dgm:scene3d>
+      <a:camera prst="orthographicFront"/>
+      <a:lightRig rig="threePt" dir="t"/>
+    </dgm:scene3d>
+    <dgm:sp3d/>
+    <dgm:txPr/>
+    <dgm:style>
+      <a:lnRef idx="2">
+        <a:scrgbClr r="0" g="0" b="0"/>
+      </a:lnRef>
+      <a:fillRef idx="1">
+        <a:scrgbClr r="0" g="0" b="0"/>
+      </a:fillRef>
+      <a:effectRef idx="0">
+        <a:scrgbClr r="0" g="0" b="0"/>
+      </a:effectRef>
+      <a:fontRef idx="minor"/>
+    </dgm:style>
+  </dgm:styleLbl>
+  <dgm:styleLbl name="fgAccFollowNode1">
+    <dgm:scene3d>
+      <a:camera prst="orthographicFront"/>
+      <a:lightRig rig="threePt" dir="t"/>
+    </dgm:scene3d>
+    <dgm:sp3d/>
+    <dgm:txPr/>
+    <dgm:style>
+      <a:lnRef idx="2">
+        <a:scrgbClr r="0" g="0" b="0"/>
+      </a:lnRef>
+      <a:fillRef idx="1">
+        <a:scrgbClr r="0" g="0" b="0"/>
+      </a:fillRef>
+      <a:effectRef idx="0">
+        <a:scrgbClr r="0" g="0" b="0"/>
+      </a:effectRef>
+      <a:fontRef idx="minor"/>
+    </dgm:style>
+  </dgm:styleLbl>
+  <dgm:styleLbl name="alignAccFollowNode1">
+    <dgm:scene3d>
+      <a:camera prst="orthographicFront"/>
+      <a:lightRig rig="threePt" dir="t"/>
+    </dgm:scene3d>
+    <dgm:sp3d/>
+    <dgm:txPr/>
+    <dgm:style>
+      <a:lnRef idx="2">
+        <a:scrgbClr r="0" g="0" b="0"/>
+      </a:lnRef>
+      <a:fillRef idx="1">
+        <a:scrgbClr r="0" g="0" b="0"/>
+      </a:fillRef>
+      <a:effectRef idx="0">
+        <a:scrgbClr r="0" g="0" b="0"/>
+      </a:effectRef>
+      <a:fontRef idx="minor"/>
+    </dgm:style>
+  </dgm:styleLbl>
+  <dgm:styleLbl name="bgAccFollowNode1">
+    <dgm:scene3d>
+      <a:camera prst="orthographicFront"/>
+      <a:lightRig rig="threePt" dir="t"/>
+    </dgm:scene3d>
+    <dgm:sp3d/>
+    <dgm:txPr/>
+    <dgm:style>
+      <a:lnRef idx="2">
+        <a:scrgbClr r="0" g="0" b="0"/>
+      </a:lnRef>
+      <a:fillRef idx="1">
+        <a:scrgbClr r="0" g="0" b="0"/>
+      </a:fillRef>
+      <a:effectRef idx="0">
+        <a:scrgbClr r="0" g="0" b="0"/>
+      </a:effectRef>
+      <a:fontRef idx="minor"/>
+    </dgm:style>
+  </dgm:styleLbl>
+  <dgm:styleLbl name="fgAcc0">
+    <dgm:scene3d>
+      <a:camera prst="orthographicFront"/>
+      <a:lightRig rig="threePt" dir="t"/>
+    </dgm:scene3d>
+    <dgm:sp3d/>
+    <dgm:txPr/>
+    <dgm:style>
+      <a:lnRef idx="2">
+        <a:scrgbClr r="0" g="0" b="0"/>
+      </a:lnRef>
+      <a:fillRef idx="1">
+        <a:scrgbClr r="0" g="0" b="0"/>
+      </a:fillRef>
+      <a:effectRef idx="0">
+        <a:scrgbClr r="0" g="0" b="0"/>
+      </a:effectRef>
+      <a:fontRef idx="minor"/>
+    </dgm:style>
+  </dgm:styleLbl>
+  <dgm:styleLbl name="fgAcc2">
+    <dgm:scene3d>
+      <a:camera prst="orthographicFront"/>
+      <a:lightRig rig="threePt" dir="t"/>
+    </dgm:scene3d>
+    <dgm:sp3d/>
+    <dgm:txPr/>
+    <dgm:style>
+      <a:lnRef idx="2">
+        <a:scrgbClr r="0" g="0" b="0"/>
+      </a:lnRef>
+      <a:fillRef idx="1">
+        <a:scrgbClr r="0" g="0" b="0"/>
+      </a:fillRef>
+      <a:effectRef idx="0">
+        <a:scrgbClr r="0" g="0" b="0"/>
+      </a:effectRef>
+      <a:fontRef idx="minor"/>
+    </dgm:style>
+  </dgm:styleLbl>
+  <dgm:styleLbl name="fgAcc3">
+    <dgm:scene3d>
+      <a:camera prst="orthographicFront"/>
+      <a:lightRig rig="threePt" dir="t"/>
+    </dgm:scene3d>
+    <dgm:sp3d/>
+    <dgm:txPr/>
+    <dgm:style>
+      <a:lnRef idx="2">
+        <a:scrgbClr r="0" g="0" b="0"/>
+      </a:lnRef>
+      <a:fillRef idx="1">
+        <a:scrgbClr r="0" g="0" b="0"/>
+      </a:fillRef>
+      <a:effectRef idx="0">
+        <a:scrgbClr r="0" g="0" b="0"/>
+      </a:effectRef>
+      <a:fontRef idx="minor"/>
+    </dgm:style>
+  </dgm:styleLbl>
+  <dgm:styleLbl name="fgAcc4">
+    <dgm:scene3d>
+      <a:camera prst="orthographicFront"/>
+      <a:lightRig rig="threePt" dir="t"/>
+    </dgm:scene3d>
+    <dgm:sp3d/>
+    <dgm:txPr/>
+    <dgm:style>
+      <a:lnRef idx="2">
+        <a:scrgbClr r="0" g="0" b="0"/>
+      </a:lnRef>
+      <a:fillRef idx="1">
+        <a:scrgbClr r="0" g="0" b="0"/>
+      </a:fillRef>
+      <a:effectRef idx="0">
+        <a:scrgbClr r="0" g="0" b="0"/>
+      </a:effectRef>
+      <a:fontRef idx="minor"/>
+    </dgm:style>
+  </dgm:styleLbl>
+  <dgm:styleLbl name="bgShp">
+    <dgm:scene3d>
+      <a:camera prst="orthographicFront"/>
+      <a:lightRig rig="threePt" dir="t"/>
+    </dgm:scene3d>
+    <dgm:sp3d/>
+    <dgm:txPr/>
+    <dgm:style>
+      <a:lnRef idx="0">
+        <a:scrgbClr r="0" g="0" b="0"/>
+      </a:lnRef>
+      <a:fillRef idx="1">
+        <a:scrgbClr r="0" g="0" b="0"/>
+      </a:fillRef>
+      <a:effectRef idx="0">
+        <a:scrgbClr r="0" g="0" b="0"/>
+      </a:effectRef>
+      <a:fontRef idx="minor"/>
+    </dgm:style>
+  </dgm:styleLbl>
+  <dgm:styleLbl name="dkBgShp">
+    <dgm:scene3d>
+      <a:camera prst="orthographicFront"/>
+      <a:lightRig rig="threePt" dir="t"/>
+    </dgm:scene3d>
+    <dgm:sp3d/>
+    <dgm:txPr/>
+    <dgm:style>
+      <a:lnRef idx="0">
+        <a:scrgbClr r="0" g="0" b="0"/>
+      </a:lnRef>
+      <a:fillRef idx="1">
+        <a:scrgbClr r="0" g="0" b="0"/>
+      </a:fillRef>
+      <a:effectRef idx="0">
+        <a:scrgbClr r="0" g="0" b="0"/>
+      </a:effectRef>
+      <a:fontRef idx="minor"/>
+    </dgm:style>
+  </dgm:styleLbl>
+  <dgm:styleLbl name="trBgShp">
+    <dgm:scene3d>
+      <a:camera prst="orthographicFront"/>
+      <a:lightRig rig="threePt" dir="t"/>
+    </dgm:scene3d>
+    <dgm:sp3d/>
+    <dgm:txPr/>
+    <dgm:style>
+      <a:lnRef idx="0">
+        <a:scrgbClr r="0" g="0" b="0"/>
+      </a:lnRef>
+      <a:fillRef idx="1">
+        <a:scrgbClr r="0" g="0" b="0"/>
+      </a:fillRef>
+      <a:effectRef idx="0">
+        <a:scrgbClr r="0" g="0" b="0"/>
+      </a:effectRef>
+      <a:fontRef idx="minor"/>
+    </dgm:style>
+  </dgm:styleLbl>
+  <dgm:styleLbl name="fgShp">
+    <dgm:scene3d>
+      <a:camera prst="orthographicFront"/>
+      <a:lightRig rig="threePt" dir="t"/>
+    </dgm:scene3d>
+    <dgm:sp3d/>
+    <dgm:txPr/>
+    <dgm:style>
+      <a:lnRef idx="2">
+        <a:scrgbClr r="0" g="0" b="0"/>
+      </a:lnRef>
+      <a:fillRef idx="1">
+        <a:scrgbClr r="0" g="0" b="0"/>
+      </a:fillRef>
+      <a:effectRef idx="0">
+        <a:scrgbClr r="0" g="0" b="0"/>
+      </a:effectRef>
+      <a:fontRef idx="minor"/>
+    </dgm:style>
+  </dgm:styleLbl>
+  <dgm:styleLbl name="revTx">
+    <dgm:scene3d>
+      <a:camera prst="orthographicFront"/>
+      <a:lightRig rig="threePt" dir="t"/>
+    </dgm:scene3d>
+    <dgm:sp3d/>
+    <dgm:txPr/>
+    <dgm:style>
+      <a:lnRef idx="0">
+        <a:scrgbClr r="0" g="0" b="0"/>
+      </a:lnRef>
+      <a:fillRef idx="0">
+        <a:scrgbClr r="0" g="0" b="0"/>
+      </a:fillRef>
+      <a:effectRef idx="0">
+        <a:scrgbClr r="0" g="0" b="0"/>
+      </a:effectRef>
+      <a:fontRef idx="minor"/>
+    </dgm:style>
+  </dgm:styleLbl>
+</dgm:styleDef>
+</file>
+
 <file path=ppt/notesMasters/notesMaster1.xml><?xml version="1.0" encoding="utf-8"?>
 <p:notesMaster xmlns:a="http://schemas.openxmlformats.org/drawingml/2006/main" xmlns:r="http://schemas.openxmlformats.org/officeDocument/2006/relationships" xmlns:p="http://schemas.openxmlformats.org/presentationml/2006/main">
   <p:cSld>
@@ -2703,7 +8409,7 @@
           <a:p>
             <a:fld id="{33FAC050-3BDB-4AA1-957B-CED8F43E247A}" type="datetimeFigureOut">
               <a:rPr lang="fr-FR" smtClean="0"/>
-              <a:t>15/12/2016</a:t>
+              <a:t>31/12/2016</a:t>
             </a:fld>
             <a:endParaRPr lang="fr-FR"/>
           </a:p>
@@ -3748,7 +9454,7 @@
           <a:p>
             <a:fld id="{D9ACA6F4-D998-4025-BF16-D4ECB040E119}" type="datetime1">
               <a:rPr lang="en-US" smtClean="0"/>
-              <a:t>12/15/2016</a:t>
+              <a:t>12/31/2016</a:t>
             </a:fld>
             <a:endParaRPr lang="en-US" dirty="0"/>
           </a:p>
@@ -4163,7 +9869,7 @@
           <a:p>
             <a:fld id="{DBBF6A4A-C704-41B6-B861-3D848C46FEAB}" type="datetime1">
               <a:rPr lang="en-US" smtClean="0"/>
-              <a:t>12/15/2016</a:t>
+              <a:t>12/31/2016</a:t>
             </a:fld>
             <a:endParaRPr lang="en-US" dirty="0"/>
           </a:p>
@@ -4500,7 +10206,7 @@
           <a:p>
             <a:fld id="{658B1E01-F72B-4390-AC5A-9A783727B80B}" type="datetime1">
               <a:rPr lang="en-US" smtClean="0"/>
-              <a:t>12/15/2016</a:t>
+              <a:t>12/31/2016</a:t>
             </a:fld>
             <a:endParaRPr lang="en-US" dirty="0"/>
           </a:p>
@@ -4906,7 +10612,7 @@
           <a:p>
             <a:fld id="{FB7A1B12-8096-4890-8C93-79AB6C39671B}" type="datetime1">
               <a:rPr lang="en-US" smtClean="0"/>
-              <a:t>12/15/2016</a:t>
+              <a:t>12/31/2016</a:t>
             </a:fld>
             <a:endParaRPr lang="en-US" dirty="0"/>
           </a:p>
@@ -5475,7 +11181,7 @@
           <a:p>
             <a:fld id="{0383199F-0B2E-4743-8F28-883D136A751F}" type="datetime1">
               <a:rPr lang="en-US" smtClean="0"/>
-              <a:t>12/15/2016</a:t>
+              <a:t>12/31/2016</a:t>
             </a:fld>
             <a:endParaRPr lang="en-US" dirty="0"/>
           </a:p>
@@ -6157,7 +11863,7 @@
           <a:p>
             <a:fld id="{60E3D373-FDC1-4369-AD71-C38C13745779}" type="datetime1">
               <a:rPr lang="en-US" smtClean="0"/>
-              <a:t>12/15/2016</a:t>
+              <a:t>12/31/2016</a:t>
             </a:fld>
             <a:endParaRPr lang="en-US" dirty="0"/>
           </a:p>
@@ -7071,7 +12777,7 @@
           <a:p>
             <a:fld id="{0DC6BDB9-BEAA-4A85-BD53-DA57B32B72E3}" type="datetime1">
               <a:rPr lang="en-US" smtClean="0"/>
-              <a:t>12/15/2016</a:t>
+              <a:t>12/31/2016</a:t>
             </a:fld>
             <a:endParaRPr lang="en-US" dirty="0"/>
           </a:p>
@@ -7385,7 +13091,7 @@
           <a:p>
             <a:fld id="{8F468D71-02C3-4961-932D-F6B39F8723F8}" type="datetime1">
               <a:rPr lang="en-US" smtClean="0"/>
-              <a:t>12/15/2016</a:t>
+              <a:t>12/31/2016</a:t>
             </a:fld>
             <a:endParaRPr lang="en-US" dirty="0"/>
           </a:p>
@@ -7649,7 +13355,7 @@
           <a:p>
             <a:fld id="{7198E5F4-9137-4D4A-AE94-AE4EB90AD168}" type="datetime1">
               <a:rPr lang="en-US" smtClean="0"/>
-              <a:t>12/15/2016</a:t>
+              <a:t>12/31/2016</a:t>
             </a:fld>
             <a:endParaRPr lang="en-US" dirty="0"/>
           </a:p>
@@ -7972,7 +13678,7 @@
           <a:p>
             <a:fld id="{567B994B-AF31-4F35-AB66-7AABC0E52F19}" type="datetime1">
               <a:rPr lang="en-US" smtClean="0"/>
-              <a:t>12/15/2016</a:t>
+              <a:t>12/31/2016</a:t>
             </a:fld>
             <a:endParaRPr lang="en-US" dirty="0"/>
           </a:p>
@@ -8361,7 +14067,7 @@
           <a:p>
             <a:fld id="{FFA01BCF-22CC-4632-8B36-9776D938308B}" type="datetime1">
               <a:rPr lang="en-US" smtClean="0"/>
-              <a:t>12/15/2016</a:t>
+              <a:t>12/31/2016</a:t>
             </a:fld>
             <a:endParaRPr lang="en-US" dirty="0"/>
           </a:p>
@@ -8738,7 +14444,7 @@
           <a:p>
             <a:fld id="{CAAD2410-185C-4D90-B06A-EEB6E1C7E043}" type="datetime1">
               <a:rPr lang="en-US" smtClean="0"/>
-              <a:t>12/15/2016</a:t>
+              <a:t>12/31/2016</a:t>
             </a:fld>
             <a:endParaRPr lang="en-US" dirty="0"/>
           </a:p>
@@ -9244,7 +14950,7 @@
           <a:p>
             <a:fld id="{625CEEE4-88CD-4A51-860B-218FA53FEE8C}" type="datetime1">
               <a:rPr lang="en-US" smtClean="0"/>
-              <a:t>12/15/2016</a:t>
+              <a:t>12/31/2016</a:t>
             </a:fld>
             <a:endParaRPr lang="en-US" dirty="0"/>
           </a:p>
@@ -9501,7 +15207,7 @@
           <a:p>
             <a:fld id="{82F26F3D-F565-4BB6-8318-6F91F9823D0C}" type="datetime1">
               <a:rPr lang="en-US" smtClean="0"/>
-              <a:t>12/15/2016</a:t>
+              <a:t>12/31/2016</a:t>
             </a:fld>
             <a:endParaRPr lang="en-US" dirty="0"/>
           </a:p>
@@ -9664,7 +15370,7 @@
           <a:p>
             <a:fld id="{5370B46F-DA69-477D-BB02-CECB73810AC8}" type="datetime1">
               <a:rPr lang="en-US" smtClean="0"/>
-              <a:t>12/15/2016</a:t>
+              <a:t>12/31/2016</a:t>
             </a:fld>
             <a:endParaRPr lang="en-US" dirty="0"/>
           </a:p>
@@ -10054,7 +15760,7 @@
           <a:p>
             <a:fld id="{D169BAF1-2848-47B2-BB67-BD3D7AC38A98}" type="datetime1">
               <a:rPr lang="en-US" smtClean="0"/>
-              <a:t>12/15/2016</a:t>
+              <a:t>12/31/2016</a:t>
             </a:fld>
             <a:endParaRPr lang="en-US" dirty="0"/>
           </a:p>
@@ -10464,7 +16170,7 @@
           <a:p>
             <a:fld id="{4BB6DE48-F79F-4161-A3B9-58644F99E052}" type="datetime1">
               <a:rPr lang="en-US" smtClean="0"/>
-              <a:t>12/15/2016</a:t>
+              <a:t>12/31/2016</a:t>
             </a:fld>
             <a:endParaRPr lang="en-US" dirty="0"/>
           </a:p>
@@ -10709,7 +16415,7 @@
           <a:p>
             <a:fld id="{BCB17C97-FDD0-4624-A78E-29F1042236F0}" type="datetime1">
               <a:rPr lang="en-US" smtClean="0"/>
-              <a:t>12/15/2016</a:t>
+              <a:t>12/31/2016</a:t>
             </a:fld>
             <a:endParaRPr lang="en-US" dirty="0"/>
           </a:p>
@@ -11263,13 +16969,6 @@
   <p:clrMapOvr>
     <a:masterClrMapping/>
   </p:clrMapOvr>
-  <p:timing>
-    <p:tnLst>
-      <p:par>
-        <p:cTn id="1" dur="indefinite" restart="never" nodeType="tmRoot"/>
-      </p:par>
-    </p:tnLst>
-  </p:timing>
 </p:sld>
 </file>
 
@@ -11323,201 +17022,6 @@
       </p:sp>
       <p:sp>
         <p:nvSpPr>
-          <p:cNvPr id="3" name="Espace réservé du contenu 2"/>
-          <p:cNvSpPr>
-            <a:spLocks noGrp="1"/>
-          </p:cNvSpPr>
-          <p:nvPr>
-            <p:ph idx="1"/>
-          </p:nvPr>
-        </p:nvSpPr>
-        <p:spPr/>
-        <p:txBody>
-          <a:bodyPr>
-            <a:normAutofit fontScale="47500" lnSpcReduction="20000"/>
-          </a:bodyPr>
-          <a:lstStyle/>
-          <a:p>
-            <a:r>
-              <a:rPr lang="en-US" dirty="0"/>
-              <a:t>début	fin</a:t>
-            </a:r>
-          </a:p>
-          <a:p>
-            <a:r>
-              <a:rPr lang="en-US" dirty="0"/>
-              <a:t>18/10	13/11	</a:t>
-            </a:r>
-            <a:r>
-              <a:rPr lang="en-US" dirty="0" err="1"/>
-              <a:t>Prise</a:t>
-            </a:r>
-            <a:r>
-              <a:rPr lang="en-US" dirty="0"/>
-              <a:t> </a:t>
-            </a:r>
-            <a:r>
-              <a:rPr lang="en-US" dirty="0" err="1"/>
-              <a:t>d'informations</a:t>
-            </a:r>
-            <a:endParaRPr lang="en-US" dirty="0"/>
-          </a:p>
-          <a:p>
-            <a:r>
-              <a:rPr lang="en-US" dirty="0"/>
-              <a:t>14/11	14/11	</a:t>
-            </a:r>
-            <a:r>
-              <a:rPr lang="en-US" dirty="0" err="1"/>
-              <a:t>Mise</a:t>
-            </a:r>
-            <a:r>
-              <a:rPr lang="en-US" dirty="0"/>
-              <a:t> </a:t>
-            </a:r>
-            <a:r>
-              <a:rPr lang="en-US" dirty="0" err="1"/>
-              <a:t>en</a:t>
-            </a:r>
-            <a:r>
-              <a:rPr lang="en-US" dirty="0"/>
-              <a:t> place planning</a:t>
-            </a:r>
-          </a:p>
-          <a:p>
-            <a:r>
-              <a:rPr lang="en-US" dirty="0"/>
-              <a:t>14/11	08/12	</a:t>
-            </a:r>
-            <a:r>
-              <a:rPr lang="en-US" dirty="0" err="1"/>
-              <a:t>Développement</a:t>
-            </a:r>
-            <a:r>
-              <a:rPr lang="en-US" dirty="0"/>
-              <a:t> des classes Problem, </a:t>
-            </a:r>
-            <a:r>
-              <a:rPr lang="en-US" dirty="0" err="1"/>
-              <a:t>SetUpParams</a:t>
-            </a:r>
-            <a:r>
-              <a:rPr lang="en-US" dirty="0"/>
-              <a:t>, Solutions, </a:t>
-            </a:r>
-            <a:r>
-              <a:rPr lang="en-US" dirty="0" err="1"/>
-              <a:t>MyAlgorithm</a:t>
-            </a:r>
-            <a:endParaRPr lang="en-US" dirty="0"/>
-          </a:p>
-          <a:p>
-            <a:r>
-              <a:rPr lang="en-US" dirty="0"/>
-              <a:t>			08/12 Adrien + Julien 	- </a:t>
-            </a:r>
-            <a:r>
-              <a:rPr lang="en-US" dirty="0" err="1"/>
-              <a:t>MyAlgorithm</a:t>
-            </a:r>
-            <a:endParaRPr lang="en-US" dirty="0"/>
-          </a:p>
-          <a:p>
-            <a:r>
-              <a:rPr lang="en-US" dirty="0"/>
-              <a:t>			24/11 Daniel 		- Solution</a:t>
-            </a:r>
-          </a:p>
-          <a:p>
-            <a:r>
-              <a:rPr lang="en-US" dirty="0"/>
-              <a:t>			24/11 Julien 		- </a:t>
-            </a:r>
-            <a:r>
-              <a:rPr lang="en-US" dirty="0" err="1"/>
-              <a:t>SetParams</a:t>
-            </a:r>
-            <a:r>
-              <a:rPr lang="en-US" dirty="0"/>
-              <a:t>, Problem</a:t>
-            </a:r>
-          </a:p>
-          <a:p>
-            <a:r>
-              <a:rPr lang="en-US" dirty="0"/>
-              <a:t>24/11	24/11	Interface </a:t>
-            </a:r>
-            <a:r>
-              <a:rPr lang="en-US" dirty="0" err="1"/>
-              <a:t>graphique</a:t>
-            </a:r>
-            <a:endParaRPr lang="en-US" dirty="0"/>
-          </a:p>
-          <a:p>
-            <a:r>
-              <a:rPr lang="en-US" dirty="0"/>
-              <a:t>			24/11 Daniel / Julien</a:t>
-            </a:r>
-          </a:p>
-          <a:p>
-            <a:r>
-              <a:rPr lang="en-US" dirty="0"/>
-              <a:t>08/12	??/12	</a:t>
-            </a:r>
-            <a:r>
-              <a:rPr lang="en-US" dirty="0" err="1"/>
-              <a:t>Nettoyage</a:t>
-            </a:r>
-            <a:r>
-              <a:rPr lang="en-US" dirty="0"/>
-              <a:t> de </a:t>
-            </a:r>
-            <a:r>
-              <a:rPr lang="en-US" dirty="0" err="1"/>
-              <a:t>classe</a:t>
-            </a:r>
-            <a:endParaRPr lang="en-US" dirty="0"/>
-          </a:p>
-          <a:p>
-            <a:r>
-              <a:rPr lang="en-US" dirty="0"/>
-              <a:t>			??/12 Adrien		- </a:t>
-            </a:r>
-            <a:r>
-              <a:rPr lang="en-US" dirty="0" err="1"/>
-              <a:t>MyAlgorithm</a:t>
-            </a:r>
-            <a:endParaRPr lang="en-US" dirty="0"/>
-          </a:p>
-          <a:p>
-            <a:endParaRPr lang="en-US" dirty="0"/>
-          </a:p>
-          <a:p>
-            <a:r>
-              <a:rPr lang="en-US" dirty="0"/>
-              <a:t>12/12	??/12	</a:t>
-            </a:r>
-            <a:r>
-              <a:rPr lang="en-US" dirty="0" err="1"/>
-              <a:t>Optimisation</a:t>
-            </a:r>
-            <a:endParaRPr lang="en-US" dirty="0"/>
-          </a:p>
-          <a:p>
-            <a:r>
-              <a:rPr lang="en-US" dirty="0"/>
-              <a:t>			??/12 Adrien + Julien	-</a:t>
-            </a:r>
-            <a:r>
-              <a:rPr lang="en-US" dirty="0" err="1"/>
-              <a:t>MyAlgorithm</a:t>
-            </a:r>
-            <a:endParaRPr lang="en-US" dirty="0"/>
-          </a:p>
-        </p:txBody>
-      </p:sp>
-      <p:sp>
-        <p:nvSpPr>
           <p:cNvPr id="4" name="Espace réservé du numéro de diapositive 3"/>
           <p:cNvSpPr>
             <a:spLocks noGrp="1"/>
@@ -11539,6 +17043,703 @@
           </a:p>
         </p:txBody>
       </p:sp>
+      <p:graphicFrame>
+        <p:nvGraphicFramePr>
+          <p:cNvPr id="5" name="Diagramme 4"/>
+          <p:cNvGraphicFramePr/>
+          <p:nvPr>
+            <p:extLst>
+              <p:ext uri="{D42A27DB-BD31-4B8C-83A1-F6EECF244321}">
+                <p14:modId xmlns:p14="http://schemas.microsoft.com/office/powerpoint/2010/main" val="902645482"/>
+              </p:ext>
+            </p:extLst>
+          </p:nvPr>
+        </p:nvGraphicFramePr>
+        <p:xfrm>
+          <a:off x="4127014" y="1834166"/>
+          <a:ext cx="3358146" cy="2257684"/>
+        </p:xfrm>
+        <a:graphic>
+          <a:graphicData uri="http://schemas.openxmlformats.org/drawingml/2006/diagram">
+            <dgm:relIds xmlns:dgm="http://schemas.openxmlformats.org/drawingml/2006/diagram" xmlns:r="http://schemas.openxmlformats.org/officeDocument/2006/relationships" r:dm="rId2" r:lo="rId3" r:qs="rId4" r:cs="rId5"/>
+          </a:graphicData>
+        </a:graphic>
+      </p:graphicFrame>
+      <p:grpSp>
+        <p:nvGrpSpPr>
+          <p:cNvPr id="7" name="Groupe 6"/>
+          <p:cNvGrpSpPr/>
+          <p:nvPr/>
+        </p:nvGrpSpPr>
+        <p:grpSpPr>
+          <a:xfrm>
+            <a:off x="405510" y="4351814"/>
+            <a:ext cx="2299825" cy="494546"/>
+            <a:chOff x="0" y="1910710"/>
+            <a:chExt cx="1756276" cy="336263"/>
+          </a:xfrm>
+        </p:grpSpPr>
+        <p:sp>
+          <p:nvSpPr>
+            <p:cNvPr id="8" name="Rectangle : coins arrondis 7"/>
+            <p:cNvSpPr/>
+            <p:nvPr/>
+          </p:nvSpPr>
+          <p:spPr>
+            <a:xfrm>
+              <a:off x="0" y="1910710"/>
+              <a:ext cx="1756276" cy="336263"/>
+            </a:xfrm>
+            <a:prstGeom prst="roundRect">
+              <a:avLst>
+                <a:gd name="adj" fmla="val 10000"/>
+              </a:avLst>
+            </a:prstGeom>
+          </p:spPr>
+          <p:style>
+            <a:lnRef idx="2">
+              <a:schemeClr val="lt1">
+                <a:hueOff val="0"/>
+                <a:satOff val="0"/>
+                <a:lumOff val="0"/>
+                <a:alphaOff val="0"/>
+              </a:schemeClr>
+            </a:lnRef>
+            <a:fillRef idx="1">
+              <a:schemeClr val="accent1">
+                <a:hueOff val="0"/>
+                <a:satOff val="0"/>
+                <a:lumOff val="0"/>
+                <a:alphaOff val="0"/>
+              </a:schemeClr>
+            </a:fillRef>
+            <a:effectRef idx="0">
+              <a:schemeClr val="accent1">
+                <a:hueOff val="0"/>
+                <a:satOff val="0"/>
+                <a:lumOff val="0"/>
+                <a:alphaOff val="0"/>
+              </a:schemeClr>
+            </a:effectRef>
+            <a:fontRef idx="minor">
+              <a:schemeClr val="lt1"/>
+            </a:fontRef>
+          </p:style>
+        </p:sp>
+        <p:sp>
+          <p:nvSpPr>
+            <p:cNvPr id="9" name="Rectangle : coins arrondis 4"/>
+            <p:cNvSpPr txBox="1"/>
+            <p:nvPr/>
+          </p:nvSpPr>
+          <p:spPr>
+            <a:xfrm>
+              <a:off x="9849" y="1920559"/>
+              <a:ext cx="1736578" cy="316565"/>
+            </a:xfrm>
+            <a:prstGeom prst="rect">
+              <a:avLst/>
+            </a:prstGeom>
+          </p:spPr>
+          <p:style>
+            <a:lnRef idx="0">
+              <a:scrgbClr r="0" g="0" b="0"/>
+            </a:lnRef>
+            <a:fillRef idx="0">
+              <a:scrgbClr r="0" g="0" b="0"/>
+            </a:fillRef>
+            <a:effectRef idx="0">
+              <a:scrgbClr r="0" g="0" b="0"/>
+            </a:effectRef>
+            <a:fontRef idx="minor">
+              <a:schemeClr val="lt1"/>
+            </a:fontRef>
+          </p:style>
+          <p:txBody>
+            <a:bodyPr spcFirstLastPara="0" vert="horz" wrap="square" lIns="19050" tIns="12700" rIns="19050" bIns="12700" numCol="1" spcCol="1270" anchor="ctr" anchorCtr="0">
+              <a:noAutofit/>
+            </a:bodyPr>
+            <a:lstStyle/>
+            <a:p>
+              <a:pPr marL="0" lvl="0" indent="0" algn="ctr" defTabSz="444500">
+                <a:lnSpc>
+                  <a:spcPct val="90000"/>
+                </a:lnSpc>
+                <a:spcBef>
+                  <a:spcPct val="0"/>
+                </a:spcBef>
+                <a:spcAft>
+                  <a:spcPct val="35000"/>
+                </a:spcAft>
+                <a:buNone/>
+              </a:pPr>
+              <a:r>
+                <a:rPr lang="fr-FR" sz="1700" kern="1200" dirty="0"/>
+                <a:t>Prise d’informations</a:t>
+              </a:r>
+            </a:p>
+          </p:txBody>
+        </p:sp>
+      </p:grpSp>
+      <p:grpSp>
+        <p:nvGrpSpPr>
+          <p:cNvPr id="16" name="Groupe 15"/>
+          <p:cNvGrpSpPr/>
+          <p:nvPr/>
+        </p:nvGrpSpPr>
+        <p:grpSpPr>
+          <a:xfrm>
+            <a:off x="3227629" y="4351814"/>
+            <a:ext cx="2726279" cy="494546"/>
+            <a:chOff x="0" y="1910710"/>
+            <a:chExt cx="1756276" cy="336263"/>
+          </a:xfrm>
+        </p:grpSpPr>
+        <p:sp>
+          <p:nvSpPr>
+            <p:cNvPr id="17" name="Rectangle : coins arrondis 16"/>
+            <p:cNvSpPr/>
+            <p:nvPr/>
+          </p:nvSpPr>
+          <p:spPr>
+            <a:xfrm>
+              <a:off x="0" y="1910710"/>
+              <a:ext cx="1756276" cy="336263"/>
+            </a:xfrm>
+            <a:prstGeom prst="roundRect">
+              <a:avLst>
+                <a:gd name="adj" fmla="val 10000"/>
+              </a:avLst>
+            </a:prstGeom>
+          </p:spPr>
+          <p:style>
+            <a:lnRef idx="2">
+              <a:schemeClr val="lt1">
+                <a:hueOff val="0"/>
+                <a:satOff val="0"/>
+                <a:lumOff val="0"/>
+                <a:alphaOff val="0"/>
+              </a:schemeClr>
+            </a:lnRef>
+            <a:fillRef idx="1">
+              <a:schemeClr val="accent1">
+                <a:hueOff val="0"/>
+                <a:satOff val="0"/>
+                <a:lumOff val="0"/>
+                <a:alphaOff val="0"/>
+              </a:schemeClr>
+            </a:fillRef>
+            <a:effectRef idx="0">
+              <a:schemeClr val="accent1">
+                <a:hueOff val="0"/>
+                <a:satOff val="0"/>
+                <a:lumOff val="0"/>
+                <a:alphaOff val="0"/>
+              </a:schemeClr>
+            </a:effectRef>
+            <a:fontRef idx="minor">
+              <a:schemeClr val="lt1"/>
+            </a:fontRef>
+          </p:style>
+        </p:sp>
+        <p:sp>
+          <p:nvSpPr>
+            <p:cNvPr id="18" name="Rectangle : coins arrondis 4"/>
+            <p:cNvSpPr txBox="1"/>
+            <p:nvPr/>
+          </p:nvSpPr>
+          <p:spPr>
+            <a:xfrm>
+              <a:off x="9849" y="1920559"/>
+              <a:ext cx="1736578" cy="316565"/>
+            </a:xfrm>
+            <a:prstGeom prst="rect">
+              <a:avLst/>
+            </a:prstGeom>
+          </p:spPr>
+          <p:style>
+            <a:lnRef idx="0">
+              <a:scrgbClr r="0" g="0" b="0"/>
+            </a:lnRef>
+            <a:fillRef idx="0">
+              <a:scrgbClr r="0" g="0" b="0"/>
+            </a:fillRef>
+            <a:effectRef idx="0">
+              <a:scrgbClr r="0" g="0" b="0"/>
+            </a:effectRef>
+            <a:fontRef idx="minor">
+              <a:schemeClr val="lt1"/>
+            </a:fontRef>
+          </p:style>
+          <p:txBody>
+            <a:bodyPr spcFirstLastPara="0" vert="horz" wrap="square" lIns="19050" tIns="12700" rIns="19050" bIns="12700" numCol="1" spcCol="1270" anchor="ctr" anchorCtr="0">
+              <a:noAutofit/>
+            </a:bodyPr>
+            <a:lstStyle/>
+            <a:p>
+              <a:pPr marL="0" lvl="0" indent="0" algn="ctr" defTabSz="444500">
+                <a:lnSpc>
+                  <a:spcPct val="90000"/>
+                </a:lnSpc>
+                <a:spcBef>
+                  <a:spcPct val="0"/>
+                </a:spcBef>
+                <a:spcAft>
+                  <a:spcPct val="35000"/>
+                </a:spcAft>
+                <a:buNone/>
+              </a:pPr>
+              <a:r>
+                <a:rPr lang="fr-FR" sz="1700" kern="1200" dirty="0"/>
+                <a:t>Développement des classes</a:t>
+              </a:r>
+            </a:p>
+          </p:txBody>
+        </p:sp>
+      </p:grpSp>
+      <p:grpSp>
+        <p:nvGrpSpPr>
+          <p:cNvPr id="19" name="Groupe 18"/>
+          <p:cNvGrpSpPr/>
+          <p:nvPr/>
+        </p:nvGrpSpPr>
+        <p:grpSpPr>
+          <a:xfrm>
+            <a:off x="9298318" y="4369527"/>
+            <a:ext cx="2585288" cy="508216"/>
+            <a:chOff x="0" y="1910710"/>
+            <a:chExt cx="1756276" cy="336263"/>
+          </a:xfrm>
+        </p:grpSpPr>
+        <p:sp>
+          <p:nvSpPr>
+            <p:cNvPr id="20" name="Rectangle : coins arrondis 19"/>
+            <p:cNvSpPr/>
+            <p:nvPr/>
+          </p:nvSpPr>
+          <p:spPr>
+            <a:xfrm>
+              <a:off x="0" y="1910710"/>
+              <a:ext cx="1756276" cy="336263"/>
+            </a:xfrm>
+            <a:prstGeom prst="roundRect">
+              <a:avLst>
+                <a:gd name="adj" fmla="val 10000"/>
+              </a:avLst>
+            </a:prstGeom>
+          </p:spPr>
+          <p:style>
+            <a:lnRef idx="2">
+              <a:schemeClr val="lt1">
+                <a:hueOff val="0"/>
+                <a:satOff val="0"/>
+                <a:lumOff val="0"/>
+                <a:alphaOff val="0"/>
+              </a:schemeClr>
+            </a:lnRef>
+            <a:fillRef idx="1">
+              <a:schemeClr val="accent1">
+                <a:hueOff val="0"/>
+                <a:satOff val="0"/>
+                <a:lumOff val="0"/>
+                <a:alphaOff val="0"/>
+              </a:schemeClr>
+            </a:fillRef>
+            <a:effectRef idx="0">
+              <a:schemeClr val="accent1">
+                <a:hueOff val="0"/>
+                <a:satOff val="0"/>
+                <a:lumOff val="0"/>
+                <a:alphaOff val="0"/>
+              </a:schemeClr>
+            </a:effectRef>
+            <a:fontRef idx="minor">
+              <a:schemeClr val="lt1"/>
+            </a:fontRef>
+          </p:style>
+        </p:sp>
+        <p:sp>
+          <p:nvSpPr>
+            <p:cNvPr id="21" name="Rectangle : coins arrondis 4"/>
+            <p:cNvSpPr txBox="1"/>
+            <p:nvPr/>
+          </p:nvSpPr>
+          <p:spPr>
+            <a:xfrm>
+              <a:off x="9849" y="1920559"/>
+              <a:ext cx="1736578" cy="316565"/>
+            </a:xfrm>
+            <a:prstGeom prst="rect">
+              <a:avLst/>
+            </a:prstGeom>
+          </p:spPr>
+          <p:style>
+            <a:lnRef idx="0">
+              <a:scrgbClr r="0" g="0" b="0"/>
+            </a:lnRef>
+            <a:fillRef idx="0">
+              <a:scrgbClr r="0" g="0" b="0"/>
+            </a:fillRef>
+            <a:effectRef idx="0">
+              <a:scrgbClr r="0" g="0" b="0"/>
+            </a:effectRef>
+            <a:fontRef idx="minor">
+              <a:schemeClr val="lt1"/>
+            </a:fontRef>
+          </p:style>
+          <p:txBody>
+            <a:bodyPr spcFirstLastPara="0" vert="horz" wrap="square" lIns="19050" tIns="12700" rIns="19050" bIns="12700" numCol="1" spcCol="1270" anchor="ctr" anchorCtr="0">
+              <a:noAutofit/>
+            </a:bodyPr>
+            <a:lstStyle/>
+            <a:p>
+              <a:pPr marL="0" lvl="0" indent="0" algn="ctr" defTabSz="444500">
+                <a:lnSpc>
+                  <a:spcPct val="90000"/>
+                </a:lnSpc>
+                <a:spcBef>
+                  <a:spcPct val="0"/>
+                </a:spcBef>
+                <a:spcAft>
+                  <a:spcPct val="35000"/>
+                </a:spcAft>
+                <a:buNone/>
+              </a:pPr>
+              <a:r>
+                <a:rPr lang="fr-FR" sz="1700" kern="1200" dirty="0"/>
+                <a:t>Interface graphique</a:t>
+              </a:r>
+            </a:p>
+          </p:txBody>
+        </p:sp>
+      </p:grpSp>
+      <p:graphicFrame>
+        <p:nvGraphicFramePr>
+          <p:cNvPr id="25" name="Diagramme 24"/>
+          <p:cNvGraphicFramePr/>
+          <p:nvPr>
+            <p:extLst>
+              <p:ext uri="{D42A27DB-BD31-4B8C-83A1-F6EECF244321}">
+                <p14:modId xmlns:p14="http://schemas.microsoft.com/office/powerpoint/2010/main" val="1673229982"/>
+              </p:ext>
+            </p:extLst>
+          </p:nvPr>
+        </p:nvGraphicFramePr>
+        <p:xfrm>
+          <a:off x="7731430" y="2455788"/>
+          <a:ext cx="2760108" cy="1521677"/>
+        </p:xfrm>
+        <a:graphic>
+          <a:graphicData uri="http://schemas.openxmlformats.org/drawingml/2006/diagram">
+            <dgm:relIds xmlns:dgm="http://schemas.openxmlformats.org/drawingml/2006/diagram" xmlns:r="http://schemas.openxmlformats.org/officeDocument/2006/relationships" r:dm="rId7" r:lo="rId8" r:qs="rId9" r:cs="rId10"/>
+          </a:graphicData>
+        </a:graphic>
+      </p:graphicFrame>
+      <p:grpSp>
+        <p:nvGrpSpPr>
+          <p:cNvPr id="26" name="Groupe 25"/>
+          <p:cNvGrpSpPr/>
+          <p:nvPr/>
+        </p:nvGrpSpPr>
+        <p:grpSpPr>
+          <a:xfrm>
+            <a:off x="3227627" y="4831875"/>
+            <a:ext cx="2726280" cy="1855035"/>
+            <a:chOff x="0" y="1461"/>
+            <a:chExt cx="2533692" cy="1520215"/>
+          </a:xfrm>
+        </p:grpSpPr>
+        <p:sp>
+          <p:nvSpPr>
+            <p:cNvPr id="27" name="Rectangle 26"/>
+            <p:cNvSpPr/>
+            <p:nvPr/>
+          </p:nvSpPr>
+          <p:spPr>
+            <a:xfrm>
+              <a:off x="0" y="1461"/>
+              <a:ext cx="2533692" cy="1520215"/>
+            </a:xfrm>
+            <a:prstGeom prst="rect">
+              <a:avLst/>
+            </a:prstGeom>
+          </p:spPr>
+          <p:style>
+            <a:lnRef idx="2">
+              <a:schemeClr val="lt1">
+                <a:hueOff val="0"/>
+                <a:satOff val="0"/>
+                <a:lumOff val="0"/>
+                <a:alphaOff val="0"/>
+              </a:schemeClr>
+            </a:lnRef>
+            <a:fillRef idx="1">
+              <a:schemeClr val="accent2">
+                <a:hueOff val="0"/>
+                <a:satOff val="0"/>
+                <a:lumOff val="0"/>
+                <a:alphaOff val="0"/>
+              </a:schemeClr>
+            </a:fillRef>
+            <a:effectRef idx="0">
+              <a:schemeClr val="accent2">
+                <a:hueOff val="0"/>
+                <a:satOff val="0"/>
+                <a:lumOff val="0"/>
+                <a:alphaOff val="0"/>
+              </a:schemeClr>
+            </a:effectRef>
+            <a:fontRef idx="minor">
+              <a:schemeClr val="lt1"/>
+            </a:fontRef>
+          </p:style>
+        </p:sp>
+        <p:sp>
+          <p:nvSpPr>
+            <p:cNvPr id="28" name="ZoneTexte 27"/>
+            <p:cNvSpPr txBox="1"/>
+            <p:nvPr/>
+          </p:nvSpPr>
+          <p:spPr>
+            <a:xfrm>
+              <a:off x="0" y="1461"/>
+              <a:ext cx="2533692" cy="1520215"/>
+            </a:xfrm>
+            <a:prstGeom prst="rect">
+              <a:avLst/>
+            </a:prstGeom>
+          </p:spPr>
+          <p:style>
+            <a:lnRef idx="0">
+              <a:scrgbClr r="0" g="0" b="0"/>
+            </a:lnRef>
+            <a:fillRef idx="0">
+              <a:scrgbClr r="0" g="0" b="0"/>
+            </a:fillRef>
+            <a:effectRef idx="0">
+              <a:scrgbClr r="0" g="0" b="0"/>
+            </a:effectRef>
+            <a:fontRef idx="minor">
+              <a:schemeClr val="lt1"/>
+            </a:fontRef>
+          </p:style>
+          <p:txBody>
+            <a:bodyPr spcFirstLastPara="0" vert="horz" wrap="square" lIns="198120" tIns="198120" rIns="198120" bIns="198120" numCol="1" spcCol="1270" anchor="ctr" anchorCtr="0">
+              <a:noAutofit/>
+            </a:bodyPr>
+            <a:lstStyle/>
+            <a:p>
+              <a:pPr marL="0" lvl="0" indent="0" defTabSz="2311400">
+                <a:lnSpc>
+                  <a:spcPct val="150000"/>
+                </a:lnSpc>
+                <a:spcBef>
+                  <a:spcPct val="0"/>
+                </a:spcBef>
+                <a:spcAft>
+                  <a:spcPct val="35000"/>
+                </a:spcAft>
+                <a:buNone/>
+              </a:pPr>
+              <a:r>
+                <a:rPr lang="fr-FR" sz="1500" kern="1200" dirty="0"/>
+                <a:t>-MyAlgorithm : </a:t>
+              </a:r>
+              <a:r>
+                <a:rPr lang="fr-FR" sz="1300" kern="1200" dirty="0" err="1"/>
+                <a:t>Adrien,Julien</a:t>
+              </a:r>
+              <a:endParaRPr lang="fr-FR" sz="1300" kern="1200" dirty="0"/>
+            </a:p>
+            <a:p>
+              <a:pPr marL="0" lvl="0" indent="0" defTabSz="2311400">
+                <a:lnSpc>
+                  <a:spcPct val="150000"/>
+                </a:lnSpc>
+                <a:spcBef>
+                  <a:spcPct val="0"/>
+                </a:spcBef>
+                <a:spcAft>
+                  <a:spcPct val="35000"/>
+                </a:spcAft>
+                <a:buNone/>
+              </a:pPr>
+              <a:r>
+                <a:rPr lang="fr-FR" sz="1500" dirty="0"/>
+                <a:t>-Solution : </a:t>
+              </a:r>
+              <a:r>
+                <a:rPr lang="fr-FR" sz="1300" dirty="0"/>
+                <a:t>Daniel, Julien</a:t>
+              </a:r>
+            </a:p>
+            <a:p>
+              <a:pPr marL="0" lvl="0" indent="0" defTabSz="2311400">
+                <a:lnSpc>
+                  <a:spcPct val="150000"/>
+                </a:lnSpc>
+                <a:spcBef>
+                  <a:spcPct val="0"/>
+                </a:spcBef>
+                <a:spcAft>
+                  <a:spcPct val="35000"/>
+                </a:spcAft>
+                <a:buNone/>
+              </a:pPr>
+              <a:r>
+                <a:rPr lang="fr-FR" sz="1500" kern="1200" dirty="0"/>
+                <a:t>-SetUpParams : </a:t>
+              </a:r>
+              <a:r>
+                <a:rPr lang="fr-FR" sz="1300" kern="1200" dirty="0"/>
+                <a:t>Julien</a:t>
+              </a:r>
+            </a:p>
+            <a:p>
+              <a:pPr marL="0" lvl="0" indent="0" defTabSz="2311400">
+                <a:lnSpc>
+                  <a:spcPct val="150000"/>
+                </a:lnSpc>
+                <a:spcBef>
+                  <a:spcPct val="0"/>
+                </a:spcBef>
+                <a:spcAft>
+                  <a:spcPct val="35000"/>
+                </a:spcAft>
+                <a:buNone/>
+              </a:pPr>
+              <a:r>
+                <a:rPr lang="fr-FR" sz="1500" dirty="0"/>
+                <a:t>-</a:t>
+              </a:r>
+              <a:r>
+                <a:rPr lang="fr-FR" sz="1500" kern="1200" dirty="0"/>
+                <a:t>Problem : </a:t>
+              </a:r>
+              <a:r>
+                <a:rPr lang="fr-FR" sz="1300" kern="1200" dirty="0"/>
+                <a:t>Julien</a:t>
+              </a:r>
+            </a:p>
+          </p:txBody>
+        </p:sp>
+      </p:grpSp>
+      <p:grpSp>
+        <p:nvGrpSpPr>
+          <p:cNvPr id="31" name="Groupe 30"/>
+          <p:cNvGrpSpPr/>
+          <p:nvPr/>
+        </p:nvGrpSpPr>
+        <p:grpSpPr>
+          <a:xfrm>
+            <a:off x="6476200" y="4336132"/>
+            <a:ext cx="2299825" cy="494546"/>
+            <a:chOff x="0" y="1910710"/>
+            <a:chExt cx="1756276" cy="336263"/>
+          </a:xfrm>
+        </p:grpSpPr>
+        <p:sp>
+          <p:nvSpPr>
+            <p:cNvPr id="32" name="Rectangle : coins arrondis 31"/>
+            <p:cNvSpPr/>
+            <p:nvPr/>
+          </p:nvSpPr>
+          <p:spPr>
+            <a:xfrm>
+              <a:off x="0" y="1910710"/>
+              <a:ext cx="1756276" cy="336263"/>
+            </a:xfrm>
+            <a:prstGeom prst="roundRect">
+              <a:avLst>
+                <a:gd name="adj" fmla="val 10000"/>
+              </a:avLst>
+            </a:prstGeom>
+          </p:spPr>
+          <p:style>
+            <a:lnRef idx="2">
+              <a:schemeClr val="lt1">
+                <a:hueOff val="0"/>
+                <a:satOff val="0"/>
+                <a:lumOff val="0"/>
+                <a:alphaOff val="0"/>
+              </a:schemeClr>
+            </a:lnRef>
+            <a:fillRef idx="1">
+              <a:schemeClr val="accent1">
+                <a:hueOff val="0"/>
+                <a:satOff val="0"/>
+                <a:lumOff val="0"/>
+                <a:alphaOff val="0"/>
+              </a:schemeClr>
+            </a:fillRef>
+            <a:effectRef idx="0">
+              <a:schemeClr val="accent1">
+                <a:hueOff val="0"/>
+                <a:satOff val="0"/>
+                <a:lumOff val="0"/>
+                <a:alphaOff val="0"/>
+              </a:schemeClr>
+            </a:effectRef>
+            <a:fontRef idx="minor">
+              <a:schemeClr val="lt1"/>
+            </a:fontRef>
+          </p:style>
+        </p:sp>
+        <p:sp>
+          <p:nvSpPr>
+            <p:cNvPr id="33" name="Rectangle : coins arrondis 4"/>
+            <p:cNvSpPr txBox="1"/>
+            <p:nvPr/>
+          </p:nvSpPr>
+          <p:spPr>
+            <a:xfrm>
+              <a:off x="9849" y="1920559"/>
+              <a:ext cx="1736578" cy="316565"/>
+            </a:xfrm>
+            <a:prstGeom prst="rect">
+              <a:avLst/>
+            </a:prstGeom>
+          </p:spPr>
+          <p:style>
+            <a:lnRef idx="0">
+              <a:scrgbClr r="0" g="0" b="0"/>
+            </a:lnRef>
+            <a:fillRef idx="0">
+              <a:scrgbClr r="0" g="0" b="0"/>
+            </a:fillRef>
+            <a:effectRef idx="0">
+              <a:scrgbClr r="0" g="0" b="0"/>
+            </a:effectRef>
+            <a:fontRef idx="minor">
+              <a:schemeClr val="lt1"/>
+            </a:fontRef>
+          </p:style>
+          <p:txBody>
+            <a:bodyPr spcFirstLastPara="0" vert="horz" wrap="square" lIns="19050" tIns="12700" rIns="19050" bIns="12700" numCol="1" spcCol="1270" anchor="ctr" anchorCtr="0">
+              <a:noAutofit/>
+            </a:bodyPr>
+            <a:lstStyle/>
+            <a:p>
+              <a:pPr marL="0" lvl="0" indent="0" algn="ctr" defTabSz="444500">
+                <a:lnSpc>
+                  <a:spcPct val="90000"/>
+                </a:lnSpc>
+                <a:spcBef>
+                  <a:spcPct val="0"/>
+                </a:spcBef>
+                <a:spcAft>
+                  <a:spcPct val="35000"/>
+                </a:spcAft>
+                <a:buNone/>
+              </a:pPr>
+              <a:r>
+                <a:rPr lang="fr-FR" sz="1700" kern="1200" dirty="0"/>
+                <a:t>Benchmarks</a:t>
+              </a:r>
+            </a:p>
+          </p:txBody>
+        </p:sp>
+      </p:grpSp>
     </p:spTree>
     <p:extLst>
       <p:ext uri="{BB962C8B-B14F-4D97-AF65-F5344CB8AC3E}">
@@ -11549,13 +17750,6 @@
   <p:clrMapOvr>
     <a:masterClrMapping/>
   </p:clrMapOvr>
-  <p:timing>
-    <p:tnLst>
-      <p:par>
-        <p:cTn id="1" dur="indefinite" restart="never" nodeType="tmRoot"/>
-      </p:par>
-    </p:tnLst>
-  </p:timing>
 </p:sld>
 </file>
 
@@ -11593,7 +17787,15 @@
           <a:p>
             <a:r>
               <a:rPr lang="en-US" dirty="0" err="1"/>
-              <a:t>Avancement</a:t>
+              <a:t>Problèmes</a:t>
+            </a:r>
+            <a:r>
+              <a:rPr lang="en-US" dirty="0"/>
+              <a:t> </a:t>
+            </a:r>
+            <a:r>
+              <a:rPr lang="en-US" dirty="0" err="1"/>
+              <a:t>rencontrés</a:t>
             </a:r>
             <a:endParaRPr lang="en-US" dirty="0"/>
           </a:p>
@@ -11629,7 +17831,7 @@
           <p:nvPr>
             <p:extLst>
               <p:ext uri="{D42A27DB-BD31-4B8C-83A1-F6EECF244321}">
-                <p14:modId xmlns:p14="http://schemas.microsoft.com/office/powerpoint/2010/main" val="360776855"/>
+                <p14:modId xmlns:p14="http://schemas.microsoft.com/office/powerpoint/2010/main" val="592267961"/>
               </p:ext>
             </p:extLst>
           </p:nvPr>
@@ -11654,13 +17856,6 @@
   <p:clrMapOvr>
     <a:masterClrMapping/>
   </p:clrMapOvr>
-  <p:timing>
-    <p:tnLst>
-      <p:par>
-        <p:cTn id="1" dur="indefinite" restart="never" nodeType="tmRoot"/>
-      </p:par>
-    </p:tnLst>
-  </p:timing>
 </p:sld>
 </file>
 
@@ -11736,13 +17931,6 @@
   <p:clrMapOvr>
     <a:masterClrMapping/>
   </p:clrMapOvr>
-  <p:timing>
-    <p:tnLst>
-      <p:par>
-        <p:cTn id="1" dur="indefinite" restart="never" nodeType="tmRoot"/>
-      </p:par>
-    </p:tnLst>
-  </p:timing>
 </p:sld>
 </file>
 
@@ -11866,7 +18054,7 @@
             </a:pPr>
             <a:r>
               <a:rPr lang="fr-FR" dirty="0"/>
-              <a:t>Avancement</a:t>
+              <a:t>Problèmes rencontrés</a:t>
             </a:r>
           </a:p>
           <a:p>
@@ -11914,13 +18102,6 @@
   <p:clrMapOvr>
     <a:masterClrMapping/>
   </p:clrMapOvr>
-  <p:timing>
-    <p:tnLst>
-      <p:par>
-        <p:cTn id="1" dur="indefinite" restart="never" nodeType="tmRoot"/>
-      </p:par>
-    </p:tnLst>
-  </p:timing>
 </p:sld>
 </file>
 
@@ -12020,13 +18201,6 @@
   <p:clrMapOvr>
     <a:masterClrMapping/>
   </p:clrMapOvr>
-  <p:timing>
-    <p:tnLst>
-      <p:par>
-        <p:cTn id="1" dur="indefinite" restart="never" nodeType="tmRoot"/>
-      </p:par>
-    </p:tnLst>
-  </p:timing>
 </p:sld>
 </file>
 
@@ -12137,13 +18311,6 @@
   <p:clrMapOvr>
     <a:masterClrMapping/>
   </p:clrMapOvr>
-  <p:timing>
-    <p:tnLst>
-      <p:par>
-        <p:cTn id="1" dur="indefinite" restart="never" nodeType="tmRoot"/>
-      </p:par>
-    </p:tnLst>
-  </p:timing>
 </p:sld>
 </file>
 
@@ -16610,10 +22777,6 @@
               </a:rPr>
               <a:t>Artificial_bee_colony_algorithm</a:t>
             </a:r>
-            <a:r>
-              <a:rPr lang="fr-FR" dirty="0"/>
-              <a:t/>
-            </a:r>
             <a:br>
               <a:rPr lang="fr-FR" dirty="0"/>
             </a:br>
@@ -16626,10 +22789,6 @@
                 <a:hlinkClick r:id="rId4"/>
               </a:rPr>
               <a:t>http://mf.erciyes.edu.tr/abc/</a:t>
-            </a:r>
-            <a:r>
-              <a:rPr lang="fr-FR" dirty="0"/>
-              <a:t/>
             </a:r>
             <a:br>
               <a:rPr lang="fr-FR" dirty="0"/>
@@ -16681,13 +22840,6 @@
   <p:clrMapOvr>
     <a:masterClrMapping/>
   </p:clrMapOvr>
-  <p:timing>
-    <p:tnLst>
-      <p:par>
-        <p:cTn id="1" dur="indefinite" restart="never" nodeType="tmRoot"/>
-      </p:par>
-    </p:tnLst>
-  </p:timing>
 </p:sld>
 </file>
 
@@ -16777,7 +22929,7 @@
           <a:lstStyle/>
           <a:p>
             <a:r>
-              <a:rPr lang="fr-FR" dirty="0" smtClean="0"/>
+              <a:rPr lang="fr-FR" dirty="0"/>
               <a:t>Evolution</a:t>
             </a:r>
           </a:p>
@@ -16787,26 +22939,26 @@
               <a:buChar char="-"/>
             </a:pPr>
             <a:r>
-              <a:rPr lang="fr-FR" dirty="0" err="1" smtClean="0"/>
+              <a:rPr lang="fr-FR" dirty="0" err="1"/>
               <a:t>Send</a:t>
             </a:r>
             <a:r>
-              <a:rPr lang="fr-FR" dirty="0" smtClean="0"/>
+              <a:rPr lang="fr-FR" dirty="0"/>
               <a:t> </a:t>
             </a:r>
             <a:r>
-              <a:rPr lang="fr-FR" dirty="0" err="1" smtClean="0"/>
+              <a:rPr lang="fr-FR" dirty="0" err="1"/>
               <a:t>Employed</a:t>
             </a:r>
             <a:r>
-              <a:rPr lang="fr-FR" dirty="0" smtClean="0"/>
+              <a:rPr lang="fr-FR" dirty="0"/>
               <a:t> </a:t>
             </a:r>
             <a:r>
-              <a:rPr lang="fr-FR" dirty="0" err="1" smtClean="0"/>
+              <a:rPr lang="fr-FR" dirty="0" err="1"/>
               <a:t>Bees</a:t>
             </a:r>
-            <a:endParaRPr lang="fr-FR" dirty="0" smtClean="0"/>
+            <a:endParaRPr lang="fr-FR" dirty="0"/>
           </a:p>
           <a:p>
             <a:pPr marL="285750" indent="-285750">
@@ -16814,18 +22966,18 @@
               <a:buChar char="-"/>
             </a:pPr>
             <a:r>
-              <a:rPr lang="fr-FR" dirty="0" err="1" smtClean="0"/>
+              <a:rPr lang="fr-FR" dirty="0" err="1"/>
               <a:t>Calculate</a:t>
             </a:r>
             <a:r>
-              <a:rPr lang="fr-FR" dirty="0" smtClean="0"/>
+              <a:rPr lang="fr-FR" dirty="0"/>
               <a:t> </a:t>
             </a:r>
             <a:r>
-              <a:rPr lang="fr-FR" dirty="0" err="1" smtClean="0"/>
+              <a:rPr lang="fr-FR" dirty="0" err="1"/>
               <a:t>Probabilities</a:t>
             </a:r>
-            <a:endParaRPr lang="fr-FR" dirty="0" smtClean="0"/>
+            <a:endParaRPr lang="fr-FR" dirty="0"/>
           </a:p>
           <a:p>
             <a:pPr marL="285750" indent="-285750">
@@ -16833,26 +22985,26 @@
               <a:buChar char="-"/>
             </a:pPr>
             <a:r>
-              <a:rPr lang="fr-FR" dirty="0" err="1" smtClean="0"/>
+              <a:rPr lang="fr-FR" dirty="0" err="1"/>
               <a:t>Send</a:t>
             </a:r>
             <a:r>
-              <a:rPr lang="fr-FR" dirty="0" smtClean="0"/>
+              <a:rPr lang="fr-FR" dirty="0"/>
               <a:t> </a:t>
             </a:r>
             <a:r>
-              <a:rPr lang="fr-FR" dirty="0" err="1" smtClean="0"/>
+              <a:rPr lang="fr-FR" dirty="0" err="1"/>
               <a:t>OnLooker</a:t>
             </a:r>
             <a:r>
-              <a:rPr lang="fr-FR" dirty="0" smtClean="0"/>
+              <a:rPr lang="fr-FR" dirty="0"/>
               <a:t> </a:t>
             </a:r>
             <a:r>
-              <a:rPr lang="fr-FR" dirty="0" err="1" smtClean="0"/>
+              <a:rPr lang="fr-FR" dirty="0" err="1"/>
               <a:t>Bees</a:t>
             </a:r>
-            <a:endParaRPr lang="fr-FR" dirty="0" smtClean="0"/>
+            <a:endParaRPr lang="fr-FR" dirty="0"/>
           </a:p>
           <a:p>
             <a:pPr marL="285750" indent="-285750">
@@ -16860,15 +23012,15 @@
               <a:buChar char="-"/>
             </a:pPr>
             <a:r>
-              <a:rPr lang="fr-FR" dirty="0" err="1" smtClean="0"/>
+              <a:rPr lang="fr-FR" dirty="0" err="1"/>
               <a:t>Send</a:t>
             </a:r>
             <a:r>
-              <a:rPr lang="fr-FR" dirty="0" smtClean="0"/>
+              <a:rPr lang="fr-FR" dirty="0"/>
               <a:t> Scout </a:t>
             </a:r>
             <a:r>
-              <a:rPr lang="fr-FR" dirty="0" err="1" smtClean="0"/>
+              <a:rPr lang="fr-FR" dirty="0" err="1"/>
               <a:t>Bees</a:t>
             </a:r>
             <a:endParaRPr lang="fr-FR" dirty="0"/>
@@ -16959,13 +23111,8 @@
           <a:p>
             <a:r>
               <a:rPr lang="fr-FR" dirty="0"/>
-              <a:t>0.9 * </a:t>
+              <a:t>0.9 * la source/ la meilleur source +0.1</a:t>
             </a:r>
-            <a:r>
-              <a:rPr lang="fr-FR" dirty="0" smtClean="0"/>
-              <a:t>la source/ la meilleur source +0.1</a:t>
-            </a:r>
-            <a:endParaRPr lang="fr-FR" dirty="0"/>
           </a:p>
         </p:txBody>
       </p:sp>
@@ -16992,80 +23139,76 @@
           <a:lstStyle/>
           <a:p>
             <a:r>
-              <a:rPr lang="es-ES" dirty="0" smtClean="0"/>
+              <a:rPr lang="es-ES" dirty="0"/>
               <a:t>Rand = </a:t>
             </a:r>
             <a:r>
-              <a:rPr lang="es-ES" dirty="0" err="1" smtClean="0"/>
+              <a:rPr lang="es-ES" dirty="0" err="1"/>
               <a:t>Aléatoire</a:t>
             </a:r>
             <a:r>
-              <a:rPr lang="es-ES" dirty="0" smtClean="0"/>
+              <a:rPr lang="es-ES" dirty="0"/>
               <a:t> [-1;1]</a:t>
             </a:r>
           </a:p>
           <a:p>
             <a:r>
-              <a:rPr lang="es-ES" dirty="0" smtClean="0"/>
+              <a:rPr lang="es-ES" dirty="0"/>
               <a:t>X= La </a:t>
             </a:r>
             <a:r>
-              <a:rPr lang="es-ES" dirty="0" err="1" smtClean="0"/>
+              <a:rPr lang="es-ES" dirty="0" err="1"/>
               <a:t>source</a:t>
             </a:r>
             <a:r>
-              <a:rPr lang="es-ES" dirty="0" smtClean="0"/>
+              <a:rPr lang="es-ES" dirty="0"/>
               <a:t> de </a:t>
             </a:r>
             <a:r>
-              <a:rPr lang="es-ES" dirty="0" err="1" smtClean="0"/>
+              <a:rPr lang="es-ES" dirty="0" err="1"/>
               <a:t>l’abeille</a:t>
             </a:r>
-            <a:endParaRPr lang="es-ES" dirty="0" smtClean="0"/>
-          </a:p>
-          <a:p>
-            <a:r>
-              <a:rPr lang="es-ES" dirty="0" smtClean="0"/>
-              <a:t>Y = La </a:t>
-            </a:r>
-            <a:r>
-              <a:rPr lang="es-ES" dirty="0" err="1" smtClean="0"/>
-              <a:t>source</a:t>
-            </a:r>
-            <a:r>
-              <a:rPr lang="es-ES" dirty="0" smtClean="0"/>
-              <a:t> </a:t>
-            </a:r>
-            <a:r>
-              <a:rPr lang="es-ES" dirty="0" err="1" smtClean="0"/>
-              <a:t>d’une</a:t>
-            </a:r>
-            <a:r>
-              <a:rPr lang="es-ES" dirty="0" smtClean="0"/>
-              <a:t> </a:t>
-            </a:r>
-            <a:r>
-              <a:rPr lang="es-ES" dirty="0" err="1" smtClean="0"/>
-              <a:t>abeille</a:t>
-            </a:r>
-            <a:r>
-              <a:rPr lang="es-ES" dirty="0" smtClean="0"/>
-              <a:t> </a:t>
-            </a:r>
-            <a:r>
-              <a:rPr lang="es-ES" dirty="0" err="1" smtClean="0"/>
-              <a:t>voisine</a:t>
-            </a:r>
-            <a:endParaRPr lang="es-ES" dirty="0" smtClean="0"/>
+            <a:endParaRPr lang="es-ES" dirty="0"/>
           </a:p>
           <a:p>
             <a:r>
               <a:rPr lang="es-ES" dirty="0"/>
-              <a:t>X</a:t>
+              <a:t>Y = La </a:t>
             </a:r>
             <a:r>
-              <a:rPr lang="es-ES" dirty="0" smtClean="0"/>
-              <a:t>+(X-Y)*Rand</a:t>
+              <a:rPr lang="es-ES" dirty="0" err="1"/>
+              <a:t>source</a:t>
+            </a:r>
+            <a:r>
+              <a:rPr lang="es-ES" dirty="0"/>
+              <a:t> </a:t>
+            </a:r>
+            <a:r>
+              <a:rPr lang="es-ES" dirty="0" err="1"/>
+              <a:t>d’une</a:t>
+            </a:r>
+            <a:r>
+              <a:rPr lang="es-ES" dirty="0"/>
+              <a:t> </a:t>
+            </a:r>
+            <a:r>
+              <a:rPr lang="es-ES" dirty="0" err="1"/>
+              <a:t>abeille</a:t>
+            </a:r>
+            <a:r>
+              <a:rPr lang="es-ES" dirty="0"/>
+              <a:t> </a:t>
+            </a:r>
+            <a:r>
+              <a:rPr lang="es-ES" dirty="0" err="1"/>
+              <a:t>voisine</a:t>
+            </a:r>
+            <a:endParaRPr lang="es-ES" dirty="0"/>
+          </a:p>
+          <a:p>
+            <a:r>
+              <a:rPr lang="es-ES" dirty="0"/>
+              <a:t>X+(X-Y)*Rand</a:t>
             </a:r>
             <a:endParaRPr lang="fr-FR" dirty="0"/>
           </a:p>
@@ -17382,13 +23525,6 @@
   <p:clrMapOvr>
     <a:masterClrMapping/>
   </p:clrMapOvr>
-  <p:timing>
-    <p:tnLst>
-      <p:par>
-        <p:cTn id="1" dur="indefinite" restart="never" nodeType="tmRoot"/>
-      </p:par>
-    </p:tnLst>
-  </p:timing>
 </p:sld>
 </file>
 
@@ -17464,13 +23600,6 @@
   <p:clrMapOvr>
     <a:masterClrMapping/>
   </p:clrMapOvr>
-  <p:timing>
-    <p:tnLst>
-      <p:par>
-        <p:cTn id="1" dur="indefinite" restart="never" nodeType="tmRoot"/>
-      </p:par>
-    </p:tnLst>
-  </p:timing>
 </p:sld>
 </file>
 

--- a/Intelligence Artificielle.pptx
+++ b/Intelligence Artificielle.pptx
@@ -2620,18 +2620,18 @@
     </dgm:pt>
   </dgm:ptLst>
   <dgm:cxnLst>
+    <dgm:cxn modelId="{92C49C09-6E7C-495F-B2CB-1DBD1987A7F7}" type="presOf" srcId="{80DC48A6-36A4-4141-B6D0-8D005D16BA4F}" destId="{65D580B9-3E5F-49A6-ADF8-075EAF9A7FF9}" srcOrd="0" destOrd="0" presId="urn:microsoft.com/office/officeart/2005/8/layout/orgChart1"/>
+    <dgm:cxn modelId="{16D4D5F1-6DD9-4941-AA3A-9721D629552A}" type="presOf" srcId="{BEDA413A-0676-44D8-A508-47B350F4898F}" destId="{81E124EC-FC5F-4380-B789-5E8608BE1B10}" srcOrd="0" destOrd="0" presId="urn:microsoft.com/office/officeart/2005/8/layout/orgChart1"/>
+    <dgm:cxn modelId="{414E6906-ECDC-497A-977D-13D88B53EA33}" type="presOf" srcId="{80DC48A6-36A4-4141-B6D0-8D005D16BA4F}" destId="{C83EA6B8-8F4D-4E90-9997-C98D32D9657D}" srcOrd="1" destOrd="0" presId="urn:microsoft.com/office/officeart/2005/8/layout/orgChart1"/>
+    <dgm:cxn modelId="{3D7DA09E-685B-49A4-B292-1A7D8B790E9D}" type="presOf" srcId="{6D48E645-07D1-47EC-84D2-87F7CEDB6122}" destId="{42A8B46B-437D-45A0-A921-2B4B6EF8E41B}" srcOrd="0" destOrd="0" presId="urn:microsoft.com/office/officeart/2005/8/layout/orgChart1"/>
     <dgm:cxn modelId="{2D6C7A17-9463-4ED7-B849-CA67E76B9D4D}" type="presOf" srcId="{62AB692F-E81D-4BE1-ADA7-DD4D8CDC4E49}" destId="{B39A5955-DAAA-4F1E-BDDE-89AA6ADD6EAE}" srcOrd="0" destOrd="0" presId="urn:microsoft.com/office/officeart/2005/8/layout/orgChart1"/>
+    <dgm:cxn modelId="{5FE8E840-4FF1-44FA-B53C-27D1697DE038}" type="presOf" srcId="{62AB692F-E81D-4BE1-ADA7-DD4D8CDC4E49}" destId="{27040792-BBB1-4D1C-B6B8-C8E10EBCC030}" srcOrd="1" destOrd="0" presId="urn:microsoft.com/office/officeart/2005/8/layout/orgChart1"/>
     <dgm:cxn modelId="{39D46205-0498-4F71-A415-839747679770}" srcId="{30D33028-5A92-46DA-B471-3D47002425A5}" destId="{80DC48A6-36A4-4141-B6D0-8D005D16BA4F}" srcOrd="0" destOrd="0" parTransId="{D61F5BEF-E075-4280-9094-6264F8115905}" sibTransId="{BA63CEAE-A8BB-49F2-859A-3CCDCECB19D8}"/>
     <dgm:cxn modelId="{7EB42285-2F83-4083-B090-CD810F8D8384}" type="presOf" srcId="{D61F5BEF-E075-4280-9094-6264F8115905}" destId="{BDC567CD-AAEA-4237-9937-316427DB9303}" srcOrd="0" destOrd="0" presId="urn:microsoft.com/office/officeart/2005/8/layout/orgChart1"/>
-    <dgm:cxn modelId="{3D7DA09E-685B-49A4-B292-1A7D8B790E9D}" type="presOf" srcId="{6D48E645-07D1-47EC-84D2-87F7CEDB6122}" destId="{42A8B46B-437D-45A0-A921-2B4B6EF8E41B}" srcOrd="0" destOrd="0" presId="urn:microsoft.com/office/officeart/2005/8/layout/orgChart1"/>
+    <dgm:cxn modelId="{8DE08844-5248-4D24-9E8A-61B13ABFE710}" type="presOf" srcId="{30D33028-5A92-46DA-B471-3D47002425A5}" destId="{80DE98ED-B60F-4628-A5F8-0C4967AF1DB4}" srcOrd="0" destOrd="0" presId="urn:microsoft.com/office/officeart/2005/8/layout/orgChart1"/>
     <dgm:cxn modelId="{FDE0E829-9899-4894-8470-37C5A1E2FFA7}" srcId="{6D48E645-07D1-47EC-84D2-87F7CEDB6122}" destId="{30D33028-5A92-46DA-B471-3D47002425A5}" srcOrd="0" destOrd="0" parTransId="{1B937B51-1C72-46DD-8F8D-0D69635B8A9E}" sibTransId="{1CC8E548-8B19-4862-ADB2-25DB61AC92A2}"/>
+    <dgm:cxn modelId="{D5E5F36F-9A3D-4849-AC17-FB9B60C27C83}" type="presOf" srcId="{30D33028-5A92-46DA-B471-3D47002425A5}" destId="{26CA499A-7D6A-46A1-A3F6-B446DAC8F1CB}" srcOrd="1" destOrd="0" presId="urn:microsoft.com/office/officeart/2005/8/layout/orgChart1"/>
     <dgm:cxn modelId="{AB2BDE04-DEBC-47DA-973E-8F94AFAB1E6D}" srcId="{30D33028-5A92-46DA-B471-3D47002425A5}" destId="{62AB692F-E81D-4BE1-ADA7-DD4D8CDC4E49}" srcOrd="1" destOrd="0" parTransId="{BEDA413A-0676-44D8-A508-47B350F4898F}" sibTransId="{B6D1CD08-37C7-43CE-81B5-E35BC0EFF117}"/>
-    <dgm:cxn modelId="{414E6906-ECDC-497A-977D-13D88B53EA33}" type="presOf" srcId="{80DC48A6-36A4-4141-B6D0-8D005D16BA4F}" destId="{C83EA6B8-8F4D-4E90-9997-C98D32D9657D}" srcOrd="1" destOrd="0" presId="urn:microsoft.com/office/officeart/2005/8/layout/orgChart1"/>
-    <dgm:cxn modelId="{8DE08844-5248-4D24-9E8A-61B13ABFE710}" type="presOf" srcId="{30D33028-5A92-46DA-B471-3D47002425A5}" destId="{80DE98ED-B60F-4628-A5F8-0C4967AF1DB4}" srcOrd="0" destOrd="0" presId="urn:microsoft.com/office/officeart/2005/8/layout/orgChart1"/>
-    <dgm:cxn modelId="{16D4D5F1-6DD9-4941-AA3A-9721D629552A}" type="presOf" srcId="{BEDA413A-0676-44D8-A508-47B350F4898F}" destId="{81E124EC-FC5F-4380-B789-5E8608BE1B10}" srcOrd="0" destOrd="0" presId="urn:microsoft.com/office/officeart/2005/8/layout/orgChart1"/>
-    <dgm:cxn modelId="{D5E5F36F-9A3D-4849-AC17-FB9B60C27C83}" type="presOf" srcId="{30D33028-5A92-46DA-B471-3D47002425A5}" destId="{26CA499A-7D6A-46A1-A3F6-B446DAC8F1CB}" srcOrd="1" destOrd="0" presId="urn:microsoft.com/office/officeart/2005/8/layout/orgChart1"/>
-    <dgm:cxn modelId="{5FE8E840-4FF1-44FA-B53C-27D1697DE038}" type="presOf" srcId="{62AB692F-E81D-4BE1-ADA7-DD4D8CDC4E49}" destId="{27040792-BBB1-4D1C-B6B8-C8E10EBCC030}" srcOrd="1" destOrd="0" presId="urn:microsoft.com/office/officeart/2005/8/layout/orgChart1"/>
-    <dgm:cxn modelId="{92C49C09-6E7C-495F-B2CB-1DBD1987A7F7}" type="presOf" srcId="{80DC48A6-36A4-4141-B6D0-8D005D16BA4F}" destId="{65D580B9-3E5F-49A6-ADF8-075EAF9A7FF9}" srcOrd="0" destOrd="0" presId="urn:microsoft.com/office/officeart/2005/8/layout/orgChart1"/>
     <dgm:cxn modelId="{AA46EA75-D5A2-4365-89F6-BBFE0DB4A882}" type="presParOf" srcId="{42A8B46B-437D-45A0-A921-2B4B6EF8E41B}" destId="{07BBA2F5-B276-49B5-ACC2-C6D92CC23987}" srcOrd="0" destOrd="0" presId="urn:microsoft.com/office/officeart/2005/8/layout/orgChart1"/>
     <dgm:cxn modelId="{3043A921-8072-45D3-9921-48DFA65A8735}" type="presParOf" srcId="{07BBA2F5-B276-49B5-ACC2-C6D92CC23987}" destId="{EB4EA21A-50DA-436E-8821-BA8F2E2D33A8}" srcOrd="0" destOrd="0" presId="urn:microsoft.com/office/officeart/2005/8/layout/orgChart1"/>
     <dgm:cxn modelId="{05DF23BB-E21E-4BD9-A53C-861F7F854162}" type="presParOf" srcId="{EB4EA21A-50DA-436E-8821-BA8F2E2D33A8}" destId="{80DE98ED-B60F-4628-A5F8-0C4967AF1DB4}" srcOrd="0" destOrd="0" presId="urn:microsoft.com/office/officeart/2005/8/layout/orgChart1"/>
@@ -2751,9 +2751,10 @@
         <a:lstStyle/>
         <a:p>
           <a:r>
-            <a:rPr lang="fr-FR" dirty="0"/>
-            <a:t>Implantation</a:t>
+            <a:rPr lang="fr-FR"/>
+            <a:t>Implémentation</a:t>
           </a:r>
+          <a:endParaRPr lang="fr-FR" dirty="0"/>
         </a:p>
       </dgm:t>
     </dgm:pt>
@@ -3397,12 +3398,12 @@
         </a:fontRef>
       </dsp:style>
       <dsp:txBody>
-        <a:bodyPr spcFirstLastPara="0" vert="horz" wrap="square" lIns="96012" tIns="48006" rIns="24003" bIns="48006" numCol="1" spcCol="1270" anchor="ctr" anchorCtr="0">
+        <a:bodyPr spcFirstLastPara="0" vert="horz" wrap="square" lIns="74676" tIns="37338" rIns="18669" bIns="37338" numCol="1" spcCol="1270" anchor="ctr" anchorCtr="0">
           <a:noAutofit/>
         </a:bodyPr>
         <a:lstStyle/>
         <a:p>
-          <a:pPr marL="0" lvl="0" indent="0" algn="ctr" defTabSz="800100">
+          <a:pPr marL="0" lvl="0" indent="0" algn="ctr" defTabSz="622300">
             <a:lnSpc>
               <a:spcPct val="90000"/>
             </a:lnSpc>
@@ -3415,7 +3416,7 @@
             <a:buNone/>
           </a:pPr>
           <a:r>
-            <a:rPr lang="fr-FR" sz="1800" kern="1200" dirty="0"/>
+            <a:rPr lang="fr-FR" sz="1400" kern="1200" dirty="0"/>
             <a:t>Compréhension</a:t>
           </a:r>
         </a:p>
@@ -3474,12 +3475,12 @@
         </a:fontRef>
       </dsp:style>
       <dsp:txBody>
-        <a:bodyPr spcFirstLastPara="0" vert="horz" wrap="square" lIns="72009" tIns="48006" rIns="24003" bIns="48006" numCol="1" spcCol="1270" anchor="ctr" anchorCtr="0">
+        <a:bodyPr spcFirstLastPara="0" vert="horz" wrap="square" lIns="56007" tIns="37338" rIns="18669" bIns="37338" numCol="1" spcCol="1270" anchor="ctr" anchorCtr="0">
           <a:noAutofit/>
         </a:bodyPr>
         <a:lstStyle/>
         <a:p>
-          <a:pPr marL="0" lvl="0" indent="0" algn="ctr" defTabSz="800100">
+          <a:pPr marL="0" lvl="0" indent="0" algn="ctr" defTabSz="622300">
             <a:lnSpc>
               <a:spcPct val="90000"/>
             </a:lnSpc>
@@ -3492,9 +3493,10 @@
             <a:buNone/>
           </a:pPr>
           <a:r>
-            <a:rPr lang="fr-FR" sz="1800" kern="1200" dirty="0"/>
-            <a:t>Implantation</a:t>
+            <a:rPr lang="fr-FR" sz="1400" kern="1200"/>
+            <a:t>Implémentation</a:t>
           </a:r>
+          <a:endParaRPr lang="fr-FR" sz="1400" kern="1200" dirty="0"/>
         </a:p>
       </dsp:txBody>
       <dsp:txXfrm>
@@ -3551,12 +3553,12 @@
         </a:fontRef>
       </dsp:style>
       <dsp:txBody>
-        <a:bodyPr spcFirstLastPara="0" vert="horz" wrap="square" lIns="72009" tIns="48006" rIns="24003" bIns="48006" numCol="1" spcCol="1270" anchor="ctr" anchorCtr="0">
+        <a:bodyPr spcFirstLastPara="0" vert="horz" wrap="square" lIns="56007" tIns="37338" rIns="18669" bIns="37338" numCol="1" spcCol="1270" anchor="ctr" anchorCtr="0">
           <a:noAutofit/>
         </a:bodyPr>
         <a:lstStyle/>
         <a:p>
-          <a:pPr marL="0" lvl="0" indent="0" algn="ctr" defTabSz="800100">
+          <a:pPr marL="0" lvl="0" indent="0" algn="ctr" defTabSz="622300">
             <a:lnSpc>
               <a:spcPct val="90000"/>
             </a:lnSpc>
@@ -3569,7 +3571,7 @@
             <a:buNone/>
           </a:pPr>
           <a:r>
-            <a:rPr lang="fr-FR" sz="1800" kern="1200" dirty="0"/>
+            <a:rPr lang="fr-FR" sz="1400" kern="1200" dirty="0"/>
             <a:t>Minimum local</a:t>
           </a:r>
         </a:p>
@@ -3628,12 +3630,12 @@
         </a:fontRef>
       </dsp:style>
       <dsp:txBody>
-        <a:bodyPr spcFirstLastPara="0" vert="horz" wrap="square" lIns="72009" tIns="48006" rIns="24003" bIns="48006" numCol="1" spcCol="1270" anchor="ctr" anchorCtr="0">
+        <a:bodyPr spcFirstLastPara="0" vert="horz" wrap="square" lIns="56007" tIns="37338" rIns="18669" bIns="37338" numCol="1" spcCol="1270" anchor="ctr" anchorCtr="0">
           <a:noAutofit/>
         </a:bodyPr>
         <a:lstStyle/>
         <a:p>
-          <a:pPr marL="0" lvl="0" indent="0" algn="ctr" defTabSz="800100">
+          <a:pPr marL="0" lvl="0" indent="0" algn="ctr" defTabSz="622300">
             <a:lnSpc>
               <a:spcPct val="90000"/>
             </a:lnSpc>
@@ -3646,7 +3648,7 @@
             <a:buNone/>
           </a:pPr>
           <a:r>
-            <a:rPr lang="fr-FR" sz="1800" kern="1200" dirty="0"/>
+            <a:rPr lang="fr-FR" sz="1400" kern="1200" dirty="0"/>
             <a:t>Optimisation</a:t>
           </a:r>
         </a:p>
@@ -8409,7 +8411,7 @@
           <a:p>
             <a:fld id="{33FAC050-3BDB-4AA1-957B-CED8F43E247A}" type="datetimeFigureOut">
               <a:rPr lang="fr-FR" smtClean="0"/>
-              <a:t>31/12/2016</a:t>
+              <a:t>03/01/2017</a:t>
             </a:fld>
             <a:endParaRPr lang="fr-FR"/>
           </a:p>
@@ -9454,7 +9456,7 @@
           <a:p>
             <a:fld id="{D9ACA6F4-D998-4025-BF16-D4ECB040E119}" type="datetime1">
               <a:rPr lang="en-US" smtClean="0"/>
-              <a:t>12/31/2016</a:t>
+              <a:t>1/3/2017</a:t>
             </a:fld>
             <a:endParaRPr lang="en-US" dirty="0"/>
           </a:p>
@@ -9869,7 +9871,7 @@
           <a:p>
             <a:fld id="{DBBF6A4A-C704-41B6-B861-3D848C46FEAB}" type="datetime1">
               <a:rPr lang="en-US" smtClean="0"/>
-              <a:t>12/31/2016</a:t>
+              <a:t>1/3/2017</a:t>
             </a:fld>
             <a:endParaRPr lang="en-US" dirty="0"/>
           </a:p>
@@ -10206,7 +10208,7 @@
           <a:p>
             <a:fld id="{658B1E01-F72B-4390-AC5A-9A783727B80B}" type="datetime1">
               <a:rPr lang="en-US" smtClean="0"/>
-              <a:t>12/31/2016</a:t>
+              <a:t>1/3/2017</a:t>
             </a:fld>
             <a:endParaRPr lang="en-US" dirty="0"/>
           </a:p>
@@ -10612,7 +10614,7 @@
           <a:p>
             <a:fld id="{FB7A1B12-8096-4890-8C93-79AB6C39671B}" type="datetime1">
               <a:rPr lang="en-US" smtClean="0"/>
-              <a:t>12/31/2016</a:t>
+              <a:t>1/3/2017</a:t>
             </a:fld>
             <a:endParaRPr lang="en-US" dirty="0"/>
           </a:p>
@@ -11181,7 +11183,7 @@
           <a:p>
             <a:fld id="{0383199F-0B2E-4743-8F28-883D136A751F}" type="datetime1">
               <a:rPr lang="en-US" smtClean="0"/>
-              <a:t>12/31/2016</a:t>
+              <a:t>1/3/2017</a:t>
             </a:fld>
             <a:endParaRPr lang="en-US" dirty="0"/>
           </a:p>
@@ -11863,7 +11865,7 @@
           <a:p>
             <a:fld id="{60E3D373-FDC1-4369-AD71-C38C13745779}" type="datetime1">
               <a:rPr lang="en-US" smtClean="0"/>
-              <a:t>12/31/2016</a:t>
+              <a:t>1/3/2017</a:t>
             </a:fld>
             <a:endParaRPr lang="en-US" dirty="0"/>
           </a:p>
@@ -12777,7 +12779,7 @@
           <a:p>
             <a:fld id="{0DC6BDB9-BEAA-4A85-BD53-DA57B32B72E3}" type="datetime1">
               <a:rPr lang="en-US" smtClean="0"/>
-              <a:t>12/31/2016</a:t>
+              <a:t>1/3/2017</a:t>
             </a:fld>
             <a:endParaRPr lang="en-US" dirty="0"/>
           </a:p>
@@ -13091,7 +13093,7 @@
           <a:p>
             <a:fld id="{8F468D71-02C3-4961-932D-F6B39F8723F8}" type="datetime1">
               <a:rPr lang="en-US" smtClean="0"/>
-              <a:t>12/31/2016</a:t>
+              <a:t>1/3/2017</a:t>
             </a:fld>
             <a:endParaRPr lang="en-US" dirty="0"/>
           </a:p>
@@ -13355,7 +13357,7 @@
           <a:p>
             <a:fld id="{7198E5F4-9137-4D4A-AE94-AE4EB90AD168}" type="datetime1">
               <a:rPr lang="en-US" smtClean="0"/>
-              <a:t>12/31/2016</a:t>
+              <a:t>1/3/2017</a:t>
             </a:fld>
             <a:endParaRPr lang="en-US" dirty="0"/>
           </a:p>
@@ -13678,7 +13680,7 @@
           <a:p>
             <a:fld id="{567B994B-AF31-4F35-AB66-7AABC0E52F19}" type="datetime1">
               <a:rPr lang="en-US" smtClean="0"/>
-              <a:t>12/31/2016</a:t>
+              <a:t>1/3/2017</a:t>
             </a:fld>
             <a:endParaRPr lang="en-US" dirty="0"/>
           </a:p>
@@ -14067,7 +14069,7 @@
           <a:p>
             <a:fld id="{FFA01BCF-22CC-4632-8B36-9776D938308B}" type="datetime1">
               <a:rPr lang="en-US" smtClean="0"/>
-              <a:t>12/31/2016</a:t>
+              <a:t>1/3/2017</a:t>
             </a:fld>
             <a:endParaRPr lang="en-US" dirty="0"/>
           </a:p>
@@ -14444,7 +14446,7 @@
           <a:p>
             <a:fld id="{CAAD2410-185C-4D90-B06A-EEB6E1C7E043}" type="datetime1">
               <a:rPr lang="en-US" smtClean="0"/>
-              <a:t>12/31/2016</a:t>
+              <a:t>1/3/2017</a:t>
             </a:fld>
             <a:endParaRPr lang="en-US" dirty="0"/>
           </a:p>
@@ -14950,7 +14952,7 @@
           <a:p>
             <a:fld id="{625CEEE4-88CD-4A51-860B-218FA53FEE8C}" type="datetime1">
               <a:rPr lang="en-US" smtClean="0"/>
-              <a:t>12/31/2016</a:t>
+              <a:t>1/3/2017</a:t>
             </a:fld>
             <a:endParaRPr lang="en-US" dirty="0"/>
           </a:p>
@@ -15207,7 +15209,7 @@
           <a:p>
             <a:fld id="{82F26F3D-F565-4BB6-8318-6F91F9823D0C}" type="datetime1">
               <a:rPr lang="en-US" smtClean="0"/>
-              <a:t>12/31/2016</a:t>
+              <a:t>1/3/2017</a:t>
             </a:fld>
             <a:endParaRPr lang="en-US" dirty="0"/>
           </a:p>
@@ -15370,7 +15372,7 @@
           <a:p>
             <a:fld id="{5370B46F-DA69-477D-BB02-CECB73810AC8}" type="datetime1">
               <a:rPr lang="en-US" smtClean="0"/>
-              <a:t>12/31/2016</a:t>
+              <a:t>1/3/2017</a:t>
             </a:fld>
             <a:endParaRPr lang="en-US" dirty="0"/>
           </a:p>
@@ -15760,7 +15762,7 @@
           <a:p>
             <a:fld id="{D169BAF1-2848-47B2-BB67-BD3D7AC38A98}" type="datetime1">
               <a:rPr lang="en-US" smtClean="0"/>
-              <a:t>12/31/2016</a:t>
+              <a:t>1/3/2017</a:t>
             </a:fld>
             <a:endParaRPr lang="en-US" dirty="0"/>
           </a:p>
@@ -16170,7 +16172,7 @@
           <a:p>
             <a:fld id="{4BB6DE48-F79F-4161-A3B9-58644F99E052}" type="datetime1">
               <a:rPr lang="en-US" smtClean="0"/>
-              <a:t>12/31/2016</a:t>
+              <a:t>1/3/2017</a:t>
             </a:fld>
             <a:endParaRPr lang="en-US" dirty="0"/>
           </a:p>
@@ -16415,7 +16417,7 @@
           <a:p>
             <a:fld id="{BCB17C97-FDD0-4624-A78E-29F1042236F0}" type="datetime1">
               <a:rPr lang="en-US" smtClean="0"/>
-              <a:t>12/31/2016</a:t>
+              <a:t>1/3/2017</a:t>
             </a:fld>
             <a:endParaRPr lang="en-US" dirty="0"/>
           </a:p>
@@ -17831,7 +17833,7 @@
           <p:nvPr>
             <p:extLst>
               <p:ext uri="{D42A27DB-BD31-4B8C-83A1-F6EECF244321}">
-                <p14:modId xmlns:p14="http://schemas.microsoft.com/office/powerpoint/2010/main" val="592267961"/>
+                <p14:modId xmlns:p14="http://schemas.microsoft.com/office/powerpoint/2010/main" val="225663981"/>
               </p:ext>
             </p:extLst>
           </p:nvPr>
